--- a/presentation/AIスピーカー開発_2.pptx
+++ b/presentation/AIスピーカー開発_2.pptx
@@ -5,7 +5,7 @@
     <p:sldMasterId id="2147483648" r:id="rId1"/>
   </p:sldMasterIdLst>
   <p:notesMasterIdLst>
-    <p:notesMasterId r:id="rId27"/>
+    <p:notesMasterId r:id="rId29"/>
   </p:notesMasterIdLst>
   <p:sldIdLst>
     <p:sldId id="256" r:id="rId2"/>
@@ -22,17 +22,19 @@
     <p:sldId id="286" r:id="rId13"/>
     <p:sldId id="287" r:id="rId14"/>
     <p:sldId id="288" r:id="rId15"/>
-    <p:sldId id="277" r:id="rId16"/>
-    <p:sldId id="269" r:id="rId17"/>
-    <p:sldId id="266" r:id="rId18"/>
-    <p:sldId id="272" r:id="rId19"/>
-    <p:sldId id="279" r:id="rId20"/>
-    <p:sldId id="259" r:id="rId21"/>
-    <p:sldId id="273" r:id="rId22"/>
-    <p:sldId id="276" r:id="rId23"/>
-    <p:sldId id="267" r:id="rId24"/>
-    <p:sldId id="289" r:id="rId25"/>
-    <p:sldId id="275" r:id="rId26"/>
+    <p:sldId id="257" r:id="rId16"/>
+    <p:sldId id="264" r:id="rId17"/>
+    <p:sldId id="258" r:id="rId18"/>
+    <p:sldId id="263" r:id="rId19"/>
+    <p:sldId id="266" r:id="rId20"/>
+    <p:sldId id="272" r:id="rId21"/>
+    <p:sldId id="279" r:id="rId22"/>
+    <p:sldId id="259" r:id="rId23"/>
+    <p:sldId id="273" r:id="rId24"/>
+    <p:sldId id="276" r:id="rId25"/>
+    <p:sldId id="267" r:id="rId26"/>
+    <p:sldId id="289" r:id="rId27"/>
+    <p:sldId id="275" r:id="rId28"/>
   </p:sldIdLst>
   <p:sldSz cx="12192000" cy="6858000"/>
   <p:notesSz cx="6858000" cy="9144000"/>
@@ -1266,81 +1268,234 @@
           <a:bodyPr/>
           <a:lstStyle/>
           <a:p>
+            <a:pPr marL="0" marR="0" lvl="0" indent="0" algn="l" defTabSz="914400" rtl="0" eaLnBrk="1" fontAlgn="auto" latinLnBrk="0" hangingPunct="1">
+              <a:lnSpc>
+                <a:spcPct val="100000"/>
+              </a:lnSpc>
+              <a:spcBef>
+                <a:spcPts val="0"/>
+              </a:spcBef>
+              <a:spcAft>
+                <a:spcPts val="0"/>
+              </a:spcAft>
+              <a:buClrTx/>
+              <a:buSzTx/>
+              <a:buFontTx/>
+              <a:buNone/>
+              <a:tabLst/>
+              <a:defRPr/>
+            </a:pPr>
+            <a:r>
+              <a:rPr lang="ja-JP" altLang="en-US" dirty="0"/>
+              <a:t>テキスト分類の流れと</a:t>
+            </a:r>
+            <a:r>
+              <a:rPr lang="en-US" altLang="ja-JP" dirty="0" err="1"/>
+              <a:t>fastText</a:t>
+            </a:r>
+            <a:r>
+              <a:rPr lang="ja-JP" altLang="en-US" dirty="0"/>
+              <a:t>について説明します。</a:t>
+            </a:r>
+            <a:endParaRPr lang="en-US" altLang="ja-JP" dirty="0"/>
+          </a:p>
+          <a:p>
+            <a:pPr marL="0" marR="0" lvl="0" indent="0" algn="l" defTabSz="914400" rtl="0" eaLnBrk="1" fontAlgn="auto" latinLnBrk="0" hangingPunct="1">
+              <a:lnSpc>
+                <a:spcPct val="100000"/>
+              </a:lnSpc>
+              <a:spcBef>
+                <a:spcPts val="0"/>
+              </a:spcBef>
+              <a:spcAft>
+                <a:spcPts val="0"/>
+              </a:spcAft>
+              <a:buClrTx/>
+              <a:buSzTx/>
+              <a:buFontTx/>
+              <a:buNone/>
+              <a:tabLst/>
+              <a:defRPr/>
+            </a:pPr>
+            <a:r>
+              <a:rPr lang="ja-JP" altLang="en-US" dirty="0"/>
+              <a:t>テキスト分類とは機械学習を用いて文章を複数のクラスに分類することです。</a:t>
+            </a:r>
+            <a:endParaRPr lang="en-US" altLang="ja-JP" dirty="0"/>
+          </a:p>
+          <a:p>
+            <a:pPr marL="0" marR="0" lvl="0" indent="0" algn="l" defTabSz="914400" rtl="0" eaLnBrk="1" fontAlgn="auto" latinLnBrk="0" hangingPunct="1">
+              <a:lnSpc>
+                <a:spcPct val="100000"/>
+              </a:lnSpc>
+              <a:spcBef>
+                <a:spcPts val="0"/>
+              </a:spcBef>
+              <a:spcAft>
+                <a:spcPts val="0"/>
+              </a:spcAft>
+              <a:buClrTx/>
+              <a:buSzTx/>
+              <a:buFontTx/>
+              <a:buNone/>
+              <a:tabLst/>
+              <a:defRPr/>
+            </a:pPr>
+            <a:r>
+              <a:rPr lang="ja-JP" altLang="en-US" dirty="0"/>
+              <a:t>流れとしては、予測したい文章を入力して、その文章がどのクラスに分類されるかの確率を計算し、最も高い確率のクラスを結果として出力してくれます。</a:t>
+            </a:r>
+            <a:endParaRPr lang="en-US" altLang="ja-JP" dirty="0"/>
+          </a:p>
+          <a:p>
+            <a:pPr marL="0" marR="0" lvl="0" indent="0" algn="l" defTabSz="914400" rtl="0" eaLnBrk="1" fontAlgn="auto" latinLnBrk="0" hangingPunct="1">
+              <a:lnSpc>
+                <a:spcPct val="100000"/>
+              </a:lnSpc>
+              <a:spcBef>
+                <a:spcPts val="0"/>
+              </a:spcBef>
+              <a:spcAft>
+                <a:spcPts val="0"/>
+              </a:spcAft>
+              <a:buClrTx/>
+              <a:buSzTx/>
+              <a:buFontTx/>
+              <a:buNone/>
+              <a:tabLst/>
+              <a:defRPr/>
+            </a:pPr>
+            <a:endParaRPr lang="en-US" altLang="ja-JP" dirty="0"/>
+          </a:p>
+          <a:p>
+            <a:pPr marL="0" marR="0" lvl="0" indent="0" algn="l" defTabSz="914400" rtl="0" eaLnBrk="1" fontAlgn="auto" latinLnBrk="0" hangingPunct="1">
+              <a:lnSpc>
+                <a:spcPct val="100000"/>
+              </a:lnSpc>
+              <a:spcBef>
+                <a:spcPts val="0"/>
+              </a:spcBef>
+              <a:spcAft>
+                <a:spcPts val="0"/>
+              </a:spcAft>
+              <a:buClrTx/>
+              <a:buSzTx/>
+              <a:buFontTx/>
+              <a:buNone/>
+              <a:tabLst/>
+              <a:defRPr/>
+            </a:pPr>
             <a:r>
               <a:rPr kumimoji="1" lang="ja-JP" altLang="en-US" dirty="0"/>
-              <a:t>次は出力するデータの取得についてです。</a:t>
+              <a:t>たとえば、「犬と猫が好き」という文章を★右の三つのクラスのうちのどれかを</a:t>
+            </a:r>
+            <a:r>
+              <a:rPr kumimoji="1" lang="en-US" altLang="ja-JP" dirty="0"/>
+              <a:t>AI</a:t>
+            </a:r>
+            <a:r>
+              <a:rPr kumimoji="1" lang="ja-JP" altLang="en-US" dirty="0"/>
+              <a:t>で予測します。</a:t>
             </a:r>
             <a:endParaRPr kumimoji="1" lang="en-US" altLang="ja-JP" dirty="0"/>
           </a:p>
           <a:p>
+            <a:pPr marL="0" marR="0" lvl="0" indent="0" algn="l" defTabSz="914400" rtl="0" eaLnBrk="1" fontAlgn="auto" latinLnBrk="0" hangingPunct="1">
+              <a:lnSpc>
+                <a:spcPct val="100000"/>
+              </a:lnSpc>
+              <a:spcBef>
+                <a:spcPts val="0"/>
+              </a:spcBef>
+              <a:spcAft>
+                <a:spcPts val="0"/>
+              </a:spcAft>
+              <a:buClrTx/>
+              <a:buSzTx/>
+              <a:buFontTx/>
+              <a:buNone/>
+              <a:tabLst/>
+              <a:defRPr/>
+            </a:pPr>
             <a:r>
               <a:rPr kumimoji="1" lang="ja-JP" altLang="en-US" dirty="0"/>
-              <a:t>天気予報・ニュース・星座占いのデータはスクレイピングという技術で取得し、</a:t>
-            </a:r>
-            <a:endParaRPr kumimoji="1" lang="en-US" altLang="ja-JP" dirty="0"/>
-          </a:p>
-          <a:p>
+              <a:t>確率を計算した結果、★動物が</a:t>
+            </a:r>
+            <a:r>
+              <a:rPr kumimoji="1" lang="en-US" altLang="ja-JP" dirty="0"/>
+              <a:t>74%</a:t>
+            </a:r>
+            <a:r>
+              <a:rPr kumimoji="1" lang="ja-JP" altLang="en-US" dirty="0" err="1"/>
+              <a:t>、</a:t>
+            </a:r>
             <a:r>
               <a:rPr kumimoji="1" lang="ja-JP" altLang="en-US" dirty="0"/>
-              <a:t>日時は</a:t>
+              <a:t>スポーツが</a:t>
             </a:r>
             <a:r>
               <a:rPr kumimoji="1" lang="en-US" altLang="ja-JP" dirty="0"/>
-              <a:t>Python</a:t>
+              <a:t>14%</a:t>
+            </a:r>
+            <a:r>
+              <a:rPr kumimoji="1" lang="ja-JP" altLang="en-US" dirty="0" err="1"/>
+              <a:t>、</a:t>
             </a:r>
             <a:r>
               <a:rPr kumimoji="1" lang="ja-JP" altLang="en-US" dirty="0"/>
-              <a:t>の</a:t>
+              <a:t>経済が</a:t>
             </a:r>
             <a:r>
               <a:rPr kumimoji="1" lang="en-US" altLang="ja-JP" dirty="0"/>
-              <a:t>Datetime</a:t>
+              <a:t>12%</a:t>
             </a:r>
             <a:r>
               <a:rPr kumimoji="1" lang="ja-JP" altLang="en-US" dirty="0"/>
-              <a:t>モジュールを利用して取得しています。</a:t>
-            </a:r>
-            <a:endParaRPr kumimoji="1" lang="en-US" altLang="ja-JP" dirty="0"/>
-          </a:p>
-          <a:p>
-            <a:r>
-              <a:rPr kumimoji="1" lang="ja-JP" altLang="en-US" dirty="0"/>
-              <a:t>スクレイピングというのは</a:t>
-            </a:r>
-            <a:r>
-              <a:rPr kumimoji="1" lang="en-US" altLang="ja-JP" dirty="0"/>
-              <a:t>Web</a:t>
-            </a:r>
-            <a:r>
-              <a:rPr kumimoji="1" lang="ja-JP" altLang="en-US" dirty="0"/>
-              <a:t>ページからテキストデータを抽出する技術のことで、</a:t>
-            </a:r>
-            <a:endParaRPr kumimoji="1" lang="en-US" altLang="ja-JP" dirty="0"/>
-          </a:p>
-          <a:p>
-            <a:r>
-              <a:rPr kumimoji="1" lang="en-US" altLang="ja-JP" dirty="0"/>
-              <a:t>Python</a:t>
-            </a:r>
-            <a:r>
-              <a:rPr kumimoji="1" lang="ja-JP" altLang="en-US" dirty="0"/>
-              <a:t>の</a:t>
-            </a:r>
-            <a:r>
-              <a:rPr kumimoji="1" lang="en-US" altLang="ja-JP" dirty="0"/>
-              <a:t>BeautifulSoup4</a:t>
-            </a:r>
-            <a:r>
-              <a:rPr kumimoji="1" lang="ja-JP" altLang="en-US" dirty="0"/>
-              <a:t>というスクレイピングができるライブラリを使用しています。</a:t>
-            </a:r>
-            <a:endParaRPr kumimoji="1" lang="en-US" altLang="ja-JP" dirty="0"/>
-          </a:p>
-          <a:p>
-            <a:r>
-              <a:rPr kumimoji="1" lang="ja-JP" altLang="en-US" dirty="0"/>
-              <a:t>こうして取得した出力するデータを、出力用のテキストファイルに書き込みます。</a:t>
-            </a:r>
+              <a:t>と出しているので出力は★動物クラスとなります。</a:t>
+            </a:r>
+          </a:p>
+          <a:p>
+            <a:pPr marL="0" marR="0" lvl="0" indent="0" algn="l" defTabSz="914400" rtl="0" eaLnBrk="1" fontAlgn="auto" latinLnBrk="0" hangingPunct="1">
+              <a:lnSpc>
+                <a:spcPct val="100000"/>
+              </a:lnSpc>
+              <a:spcBef>
+                <a:spcPts val="0"/>
+              </a:spcBef>
+              <a:spcAft>
+                <a:spcPts val="0"/>
+              </a:spcAft>
+              <a:buClrTx/>
+              <a:buSzTx/>
+              <a:buFontTx/>
+              <a:buNone/>
+              <a:tabLst/>
+              <a:defRPr/>
+            </a:pPr>
+            <a:endParaRPr lang="en-US" altLang="ja-JP" dirty="0"/>
+          </a:p>
+          <a:p>
+            <a:pPr marL="0" marR="0" lvl="0" indent="0" algn="l" defTabSz="914400" rtl="0" eaLnBrk="1" fontAlgn="auto" latinLnBrk="0" hangingPunct="1">
+              <a:lnSpc>
+                <a:spcPct val="100000"/>
+              </a:lnSpc>
+              <a:spcBef>
+                <a:spcPts val="0"/>
+              </a:spcBef>
+              <a:spcAft>
+                <a:spcPts val="0"/>
+              </a:spcAft>
+              <a:buClrTx/>
+              <a:buSzTx/>
+              <a:buFontTx/>
+              <a:buNone/>
+              <a:tabLst/>
+              <a:defRPr/>
+            </a:pPr>
+            <a:endParaRPr kumimoji="1" lang="ja-JP" altLang="en-US" dirty="0"/>
+          </a:p>
+          <a:p>
+            <a:endParaRPr kumimoji="1" lang="ja-JP" altLang="en-US" dirty="0"/>
           </a:p>
         </p:txBody>
       </p:sp>
@@ -1359,9 +1514,9 @@
           <a:bodyPr/>
           <a:lstStyle/>
           <a:p>
-            <a:fld id="{1A2E7C28-4903-4521-8E60-0F80C627678B}" type="slidenum">
+            <a:fld id="{8DF1E08D-4A53-4A5C-9DAB-BDA17F3E8D74}" type="slidenum">
               <a:rPr kumimoji="1" lang="ja-JP" altLang="en-US" smtClean="0"/>
-              <a:t>17</a:t>
+              <a:t>15</a:t>
             </a:fld>
             <a:endParaRPr kumimoji="1" lang="ja-JP" altLang="en-US"/>
           </a:p>
@@ -1370,7 +1525,7 @@
     </p:spTree>
     <p:extLst>
       <p:ext uri="{BB962C8B-B14F-4D97-AF65-F5344CB8AC3E}">
-        <p14:creationId xmlns:p14="http://schemas.microsoft.com/office/powerpoint/2010/main" val="3851854577"/>
+        <p14:creationId xmlns:p14="http://schemas.microsoft.com/office/powerpoint/2010/main" val="1647683301"/>
       </p:ext>
     </p:extLst>
   </p:cSld>
@@ -1424,21 +1579,112 @@
           <a:bodyPr/>
           <a:lstStyle/>
           <a:p>
+            <a:endParaRPr lang="en-US" altLang="ja-JP" dirty="0"/>
+          </a:p>
+          <a:p>
+            <a:r>
+              <a:rPr lang="en-US" altLang="ja-JP" dirty="0" err="1"/>
+              <a:t>fastText</a:t>
+            </a:r>
+            <a:r>
+              <a:rPr lang="ja-JP" altLang="en-US" dirty="0"/>
+              <a:t>は、単語表現と文章分類を効率的に学習するためのライブラリです。</a:t>
+            </a:r>
+            <a:endParaRPr lang="en-US" altLang="ja-JP" dirty="0"/>
+          </a:p>
+          <a:p>
+            <a:r>
+              <a:rPr kumimoji="1" lang="en-US" altLang="ja-JP" dirty="0" err="1"/>
+              <a:t>fastText</a:t>
+            </a:r>
             <a:r>
               <a:rPr kumimoji="1" lang="ja-JP" altLang="en-US" dirty="0"/>
-              <a:t>スクレイピングの処理で工夫した点は、処理をどう短縮するか、という点です。</a:t>
+              <a:t>では、文章をコンピューターで処理するために単語を数値的に表現します。</a:t>
             </a:r>
             <a:endParaRPr kumimoji="1" lang="en-US" altLang="ja-JP" dirty="0"/>
           </a:p>
           <a:p>
             <a:r>
               <a:rPr kumimoji="1" lang="ja-JP" altLang="en-US" dirty="0"/>
-              <a:t>天気・ニュース・星座占いは抽出する文章量が多いため、機能を呼び出すたびに実行していて一つのファイルに上書き保存をしていると、その度処理に時間がかかってしまいます。</a:t>
-            </a:r>
+              <a:t>この図では「犬」、「好き」、「猫」という単語を</a:t>
+            </a:r>
+            <a:r>
+              <a:rPr kumimoji="1" lang="ja-JP" altLang="en-US" sz="1200" b="0" i="0" kern="1200" dirty="0">
+                <a:solidFill>
+                  <a:schemeClr val="tx1"/>
+                </a:solidFill>
+                <a:effectLst/>
+                <a:latin typeface="+mn-lt"/>
+                <a:ea typeface="+mn-ea"/>
+                <a:cs typeface="+mn-cs"/>
+              </a:rPr>
+              <a:t>数の特徴に対する関連の度合いを</a:t>
+            </a:r>
+            <a:r>
+              <a:rPr kumimoji="1" lang="en-US" altLang="ja-JP" sz="1200" b="0" i="0" kern="1200" dirty="0">
+                <a:solidFill>
+                  <a:schemeClr val="tx1"/>
+                </a:solidFill>
+                <a:effectLst/>
+                <a:latin typeface="+mn-lt"/>
+                <a:ea typeface="+mn-ea"/>
+                <a:cs typeface="+mn-cs"/>
+              </a:rPr>
+              <a:t>0〜</a:t>
+            </a:r>
+            <a:r>
+              <a:rPr kumimoji="1" lang="ja-JP" altLang="en-US" sz="1200" b="0" i="0" kern="1200" dirty="0">
+                <a:solidFill>
+                  <a:schemeClr val="tx1"/>
+                </a:solidFill>
+                <a:effectLst/>
+                <a:latin typeface="+mn-lt"/>
+                <a:ea typeface="+mn-ea"/>
+                <a:cs typeface="+mn-cs"/>
+              </a:rPr>
+              <a:t>１の間の実数で</a:t>
+            </a:r>
+            <a:endParaRPr kumimoji="1" lang="en-US" altLang="ja-JP" sz="1200" b="0" i="0" kern="1200" dirty="0">
+              <a:solidFill>
+                <a:schemeClr val="tx1"/>
+              </a:solidFill>
+              <a:effectLst/>
+              <a:latin typeface="+mn-lt"/>
+              <a:ea typeface="+mn-ea"/>
+              <a:cs typeface="+mn-cs"/>
+            </a:endParaRPr>
+          </a:p>
+          <a:p>
+            <a:r>
+              <a:rPr kumimoji="1" lang="ja-JP" altLang="en-US" sz="1200" b="0" i="0" kern="1200" dirty="0">
+                <a:solidFill>
+                  <a:schemeClr val="tx1"/>
+                </a:solidFill>
+                <a:effectLst/>
+                <a:latin typeface="+mn-lt"/>
+                <a:ea typeface="+mn-ea"/>
+                <a:cs typeface="+mn-cs"/>
+              </a:rPr>
+              <a:t>表現しています。</a:t>
+            </a:r>
+            <a:endParaRPr kumimoji="1" lang="en-US" altLang="ja-JP" sz="1200" b="0" i="0" kern="1200" dirty="0">
+              <a:solidFill>
+                <a:schemeClr val="tx1"/>
+              </a:solidFill>
+              <a:effectLst/>
+              <a:latin typeface="+mn-lt"/>
+              <a:ea typeface="+mn-ea"/>
+              <a:cs typeface="+mn-cs"/>
+            </a:endParaRPr>
+          </a:p>
+          <a:p>
             <a:endParaRPr kumimoji="1" lang="en-US" altLang="ja-JP" dirty="0"/>
           </a:p>
           <a:p>
-            <a:endParaRPr kumimoji="1" lang="ja-JP" altLang="en-US" dirty="0"/>
+            <a:endParaRPr kumimoji="1" lang="en-US" altLang="ja-JP" dirty="0"/>
+          </a:p>
+          <a:p>
+            <a:endParaRPr kumimoji="1" lang="en-US" altLang="ja-JP" dirty="0"/>
           </a:p>
         </p:txBody>
       </p:sp>
@@ -1457,9 +1703,9 @@
           <a:bodyPr/>
           <a:lstStyle/>
           <a:p>
-            <a:fld id="{1A2E7C28-4903-4521-8E60-0F80C627678B}" type="slidenum">
+            <a:fld id="{8DF1E08D-4A53-4A5C-9DAB-BDA17F3E8D74}" type="slidenum">
               <a:rPr kumimoji="1" lang="ja-JP" altLang="en-US" smtClean="0"/>
-              <a:t>18</a:t>
+              <a:t>16</a:t>
             </a:fld>
             <a:endParaRPr kumimoji="1" lang="ja-JP" altLang="en-US"/>
           </a:p>
@@ -1468,7 +1714,7 @@
     </p:spTree>
     <p:extLst>
       <p:ext uri="{BB962C8B-B14F-4D97-AF65-F5344CB8AC3E}">
-        <p14:creationId xmlns:p14="http://schemas.microsoft.com/office/powerpoint/2010/main" val="2498847539"/>
+        <p14:creationId xmlns:p14="http://schemas.microsoft.com/office/powerpoint/2010/main" val="2406173709"/>
       </p:ext>
     </p:extLst>
   </p:cSld>
@@ -1522,118 +1768,102 @@
           <a:bodyPr/>
           <a:lstStyle/>
           <a:p>
-            <a:pPr marL="0" marR="0" lvl="0" indent="0" algn="l" defTabSz="914400" rtl="0" eaLnBrk="1" fontAlgn="auto" latinLnBrk="0" hangingPunct="1">
-              <a:lnSpc>
-                <a:spcPct val="100000"/>
-              </a:lnSpc>
-              <a:spcBef>
-                <a:spcPts val="0"/>
-              </a:spcBef>
-              <a:spcAft>
-                <a:spcPts val="0"/>
-              </a:spcAft>
-              <a:buClrTx/>
-              <a:buSzTx/>
-              <a:buFontTx/>
-              <a:buNone/>
-              <a:tabLst/>
-              <a:defRPr/>
-            </a:pPr>
             <a:r>
               <a:rPr kumimoji="1" lang="ja-JP" altLang="en-US" dirty="0"/>
-              <a:t>そこで、</a:t>
+              <a:t>本来の作り方としては、トレーニングデータ用の文章を形態素解析で単語ごとに分割するのですが、</a:t>
+            </a:r>
+            <a:r>
+              <a:rPr kumimoji="1" lang="en-US" altLang="ja-JP" dirty="0" err="1"/>
+              <a:t>fastText</a:t>
+            </a:r>
+            <a:r>
+              <a:rPr kumimoji="1" lang="ja-JP" altLang="en-US" dirty="0"/>
+              <a:t>では</a:t>
             </a:r>
             <a:r>
               <a:rPr kumimoji="1" lang="en-US" altLang="ja-JP" dirty="0"/>
-              <a:t>Raspberry Pi</a:t>
+              <a:t>1</a:t>
+            </a:r>
+            <a:r>
+              <a:rPr kumimoji="1" lang="ja-JP" altLang="en-US" dirty="0" err="1"/>
+              <a:t>つの</a:t>
             </a:r>
             <a:r>
               <a:rPr kumimoji="1" lang="ja-JP" altLang="en-US" dirty="0"/>
-              <a:t>の起動時にスクレイピングを実行して、それぞれ個別のテキストファイルに保存しておく、という方法に切り替えました。</a:t>
+              <a:t>単語を１つのデータとして扱うため、</a:t>
             </a:r>
             <a:endParaRPr kumimoji="1" lang="en-US" altLang="ja-JP" dirty="0"/>
           </a:p>
           <a:p>
-            <a:pPr marL="0" marR="0" lvl="0" indent="0" algn="l" defTabSz="914400" rtl="0" eaLnBrk="1" fontAlgn="auto" latinLnBrk="0" hangingPunct="1">
-              <a:lnSpc>
-                <a:spcPct val="100000"/>
-              </a:lnSpc>
-              <a:spcBef>
-                <a:spcPts val="0"/>
-              </a:spcBef>
-              <a:spcAft>
-                <a:spcPts val="0"/>
-              </a:spcAft>
-              <a:buClrTx/>
-              <a:buSzTx/>
-              <a:buFontTx/>
-              <a:buNone/>
-              <a:tabLst/>
-              <a:defRPr/>
-            </a:pPr>
             <a:r>
               <a:rPr kumimoji="1" lang="ja-JP" altLang="en-US" dirty="0"/>
-              <a:t>こうすることで、処理の待ち時間を短縮することができます。</a:t>
+              <a:t>「今日　の　天気　は　晴れ　？」という文章のあとに「今日　の　天気　を教えて」という文章を追加しても、「今日の天気」の部分が重複してしまうため、</a:t>
             </a:r>
             <a:endParaRPr kumimoji="1" lang="en-US" altLang="ja-JP" dirty="0"/>
           </a:p>
           <a:p>
-            <a:pPr marL="0" marR="0" lvl="0" indent="0" algn="l" defTabSz="914400" rtl="0" eaLnBrk="1" fontAlgn="auto" latinLnBrk="0" hangingPunct="1">
-              <a:lnSpc>
-                <a:spcPct val="100000"/>
-              </a:lnSpc>
-              <a:spcBef>
-                <a:spcPts val="0"/>
-              </a:spcBef>
-              <a:spcAft>
-                <a:spcPts val="0"/>
-              </a:spcAft>
-              <a:buClrTx/>
-              <a:buSzTx/>
-              <a:buFontTx/>
-              <a:buNone/>
-              <a:tabLst/>
-              <a:defRPr/>
-            </a:pPr>
             <a:r>
               <a:rPr kumimoji="1" lang="ja-JP" altLang="en-US" dirty="0"/>
-              <a:t>欠点としては、起動時にのみスクレイピングを行うので、起動後に更新された</a:t>
+              <a:t>その分データが増えないことになります</a:t>
+            </a:r>
+            <a:endParaRPr kumimoji="1" lang="en-US" altLang="ja-JP" dirty="0"/>
+          </a:p>
+          <a:p>
+            <a:r>
+              <a:rPr kumimoji="1" lang="ja-JP" altLang="en-US" dirty="0"/>
+              <a:t>私たちが使うであろう文章は、単語が多く重複してしまうため、対策を考えました</a:t>
+            </a:r>
+            <a:endParaRPr kumimoji="1" lang="en-US" altLang="ja-JP" dirty="0"/>
+          </a:p>
+          <a:p>
+            <a:r>
+              <a:rPr kumimoji="1" lang="ja-JP" altLang="en-US" dirty="0"/>
+              <a:t>解決策として、文章を分割せずに、そのまま</a:t>
             </a:r>
             <a:r>
               <a:rPr kumimoji="1" lang="en-US" altLang="ja-JP" dirty="0"/>
-              <a:t>Web</a:t>
+              <a:t>1</a:t>
+            </a:r>
+            <a:r>
+              <a:rPr kumimoji="1" lang="ja-JP" altLang="en-US" dirty="0" err="1"/>
+              <a:t>つの</a:t>
             </a:r>
             <a:r>
               <a:rPr kumimoji="1" lang="ja-JP" altLang="en-US" dirty="0"/>
-              <a:t>ページの内容が取得できない、という点があります。</a:t>
+              <a:t>文章を</a:t>
+            </a:r>
+            <a:r>
+              <a:rPr kumimoji="1" lang="en-US" altLang="ja-JP" dirty="0"/>
+              <a:t>1</a:t>
+            </a:r>
+            <a:r>
+              <a:rPr kumimoji="1" lang="ja-JP" altLang="en-US" dirty="0" err="1"/>
+              <a:t>つの</a:t>
+            </a:r>
+            <a:r>
+              <a:rPr kumimoji="1" lang="ja-JP" altLang="en-US" dirty="0"/>
+              <a:t>単語として扱うという方法を考えました</a:t>
             </a:r>
             <a:endParaRPr kumimoji="1" lang="en-US" altLang="ja-JP" dirty="0"/>
           </a:p>
           <a:p>
-            <a:pPr marL="0" marR="0" lvl="0" indent="0" algn="l" defTabSz="914400" rtl="0" eaLnBrk="1" fontAlgn="auto" latinLnBrk="0" hangingPunct="1">
-              <a:lnSpc>
-                <a:spcPct val="100000"/>
-              </a:lnSpc>
-              <a:spcBef>
-                <a:spcPts val="0"/>
-              </a:spcBef>
-              <a:spcAft>
-                <a:spcPts val="0"/>
-              </a:spcAft>
-              <a:buClrTx/>
-              <a:buSzTx/>
-              <a:buFontTx/>
-              <a:buNone/>
-              <a:tabLst/>
-              <a:defRPr/>
-            </a:pPr>
             <a:r>
               <a:rPr kumimoji="1" lang="ja-JP" altLang="en-US" dirty="0"/>
-              <a:t>これに関しては、今後対処していく予定です。</a:t>
-            </a:r>
-          </a:p>
-          <a:p>
-            <a:endParaRPr kumimoji="1" lang="ja-JP" altLang="en-US" dirty="0"/>
+              <a:t>こうすることで、入力した文章がそのまま</a:t>
+            </a:r>
+            <a:r>
+              <a:rPr kumimoji="1" lang="en-US" altLang="ja-JP" dirty="0"/>
+              <a:t>1</a:t>
+            </a:r>
+            <a:r>
+              <a:rPr kumimoji="1" lang="ja-JP" altLang="en-US" dirty="0" err="1"/>
+              <a:t>つの</a:t>
+            </a:r>
+            <a:r>
+              <a:rPr kumimoji="1" lang="ja-JP" altLang="en-US" dirty="0"/>
+              <a:t>データとして扱えるので、データを増やしやすくなります</a:t>
+            </a:r>
+            <a:endParaRPr kumimoji="1" lang="en-US" altLang="ja-JP" dirty="0"/>
           </a:p>
         </p:txBody>
       </p:sp>
@@ -1652,9 +1882,9 @@
           <a:bodyPr/>
           <a:lstStyle/>
           <a:p>
-            <a:fld id="{1A2E7C28-4903-4521-8E60-0F80C627678B}" type="slidenum">
+            <a:fld id="{8DF1E08D-4A53-4A5C-9DAB-BDA17F3E8D74}" type="slidenum">
               <a:rPr kumimoji="1" lang="ja-JP" altLang="en-US" smtClean="0"/>
-              <a:t>19</a:t>
+              <a:t>17</a:t>
             </a:fld>
             <a:endParaRPr kumimoji="1" lang="ja-JP" altLang="en-US"/>
           </a:p>
@@ -1663,7 +1893,7 @@
     </p:spTree>
     <p:extLst>
       <p:ext uri="{BB962C8B-B14F-4D97-AF65-F5344CB8AC3E}">
-        <p14:creationId xmlns:p14="http://schemas.microsoft.com/office/powerpoint/2010/main" val="1985256100"/>
+        <p14:creationId xmlns:p14="http://schemas.microsoft.com/office/powerpoint/2010/main" val="2082119112"/>
       </p:ext>
     </p:extLst>
   </p:cSld>
@@ -1719,53 +1949,41 @@
           <a:p>
             <a:r>
               <a:rPr kumimoji="1" lang="ja-JP" altLang="en-US" dirty="0"/>
-              <a:t>最後は</a:t>
+              <a:t>使っているオプションは</a:t>
+            </a:r>
+            <a:r>
+              <a:rPr kumimoji="1" lang="en-US" altLang="ja-JP" dirty="0"/>
+              <a:t>dim</a:t>
+            </a:r>
+            <a:r>
+              <a:rPr kumimoji="1" lang="ja-JP" altLang="en-US" dirty="0"/>
+              <a:t>は</a:t>
+            </a:r>
+            <a:r>
+              <a:rPr kumimoji="1" lang="en-US" altLang="ja-JP" dirty="0"/>
+              <a:t>200,epoch</a:t>
+            </a:r>
+            <a:r>
+              <a:rPr kumimoji="1" lang="ja-JP" altLang="en-US" dirty="0"/>
+              <a:t>数は</a:t>
+            </a:r>
+            <a:r>
+              <a:rPr kumimoji="1" lang="en-US" altLang="ja-JP" dirty="0"/>
+              <a:t>133000,loss</a:t>
+            </a:r>
+            <a:r>
+              <a:rPr kumimoji="1" lang="ja-JP" altLang="en-US" dirty="0"/>
+              <a:t>関数は</a:t>
             </a:r>
             <a:r>
               <a:rPr kumimoji="1" lang="en-US" altLang="ja-JP" dirty="0" err="1"/>
-              <a:t>OpenJTalk</a:t>
+              <a:t>hs</a:t>
             </a:r>
             <a:r>
               <a:rPr kumimoji="1" lang="ja-JP" altLang="en-US" dirty="0"/>
-              <a:t>です。</a:t>
+              <a:t>関数に設定しています。</a:t>
             </a:r>
             <a:endParaRPr kumimoji="1" lang="en-US" altLang="ja-JP" dirty="0"/>
-          </a:p>
-          <a:p>
-            <a:r>
-              <a:rPr kumimoji="1" lang="en-US" altLang="ja-JP" dirty="0" err="1"/>
-              <a:t>OpenJTalk</a:t>
-            </a:r>
-            <a:r>
-              <a:rPr kumimoji="1" lang="ja-JP" altLang="en-US" dirty="0"/>
-              <a:t>は日本語用の音声合成システムのオープンソースソフトウェアで、</a:t>
-            </a:r>
-            <a:endParaRPr kumimoji="1" lang="en-US" altLang="ja-JP" dirty="0"/>
-          </a:p>
-          <a:p>
-            <a:r>
-              <a:rPr kumimoji="1" lang="ja-JP" altLang="en-US" dirty="0"/>
-              <a:t>ボイスサンプル・声質や速度などのパラメータを設定することで、理想の音声を出力することができます。</a:t>
-            </a:r>
-            <a:endParaRPr kumimoji="1" lang="en-US" altLang="ja-JP" dirty="0"/>
-          </a:p>
-          <a:p>
-            <a:r>
-              <a:rPr kumimoji="1" lang="ja-JP" altLang="en-US" dirty="0"/>
-              <a:t>今お見せしているのは、★</a:t>
-            </a:r>
-            <a:r>
-              <a:rPr kumimoji="1" lang="en-US" altLang="ja-JP" dirty="0"/>
-              <a:t>result.txt</a:t>
-            </a:r>
-            <a:r>
-              <a:rPr kumimoji="1" lang="ja-JP" altLang="en-US" dirty="0"/>
-              <a:t>というテキストファイルの内容を音声出力するシェルスクリプトです。</a:t>
-            </a:r>
-            <a:endParaRPr kumimoji="1" lang="en-US" altLang="ja-JP" dirty="0"/>
-          </a:p>
-          <a:p>
-            <a:endParaRPr kumimoji="1" lang="ja-JP" altLang="en-US" dirty="0"/>
           </a:p>
         </p:txBody>
       </p:sp>
@@ -1784,9 +2002,9 @@
           <a:bodyPr/>
           <a:lstStyle/>
           <a:p>
-            <a:fld id="{1A2E7C28-4903-4521-8E60-0F80C627678B}" type="slidenum">
+            <a:fld id="{8DF1E08D-4A53-4A5C-9DAB-BDA17F3E8D74}" type="slidenum">
               <a:rPr kumimoji="1" lang="ja-JP" altLang="en-US" smtClean="0"/>
-              <a:t>20</a:t>
+              <a:t>18</a:t>
             </a:fld>
             <a:endParaRPr kumimoji="1" lang="ja-JP" altLang="en-US"/>
           </a:p>
@@ -1795,7 +2013,7 @@
     </p:spTree>
     <p:extLst>
       <p:ext uri="{BB962C8B-B14F-4D97-AF65-F5344CB8AC3E}">
-        <p14:creationId xmlns:p14="http://schemas.microsoft.com/office/powerpoint/2010/main" val="2285038393"/>
+        <p14:creationId xmlns:p14="http://schemas.microsoft.com/office/powerpoint/2010/main" val="111915969"/>
       </p:ext>
     </p:extLst>
   </p:cSld>
@@ -1851,34 +2069,78 @@
           <a:p>
             <a:r>
               <a:rPr kumimoji="1" lang="ja-JP" altLang="en-US" dirty="0"/>
-              <a:t>以前まではこの★</a:t>
+              <a:t>次は出力するデータの取得についてです。</a:t>
+            </a:r>
+            <a:endParaRPr kumimoji="1" lang="en-US" altLang="ja-JP" dirty="0"/>
+          </a:p>
+          <a:p>
+            <a:r>
+              <a:rPr kumimoji="1" lang="ja-JP" altLang="en-US" dirty="0"/>
+              <a:t>天気予報・ニュース・星座占いのデータはスクレイピングという技術で取得し、</a:t>
+            </a:r>
+            <a:endParaRPr kumimoji="1" lang="en-US" altLang="ja-JP" dirty="0"/>
+          </a:p>
+          <a:p>
+            <a:r>
+              <a:rPr kumimoji="1" lang="ja-JP" altLang="en-US" dirty="0"/>
+              <a:t>日時は</a:t>
             </a:r>
             <a:r>
               <a:rPr kumimoji="1" lang="en-US" altLang="ja-JP" dirty="0"/>
-              <a:t>result.txt</a:t>
+              <a:t>Python</a:t>
             </a:r>
             <a:r>
               <a:rPr kumimoji="1" lang="ja-JP" altLang="en-US" dirty="0"/>
-              <a:t>というテキストファイルにスクレイピングの結果を上書き保存して、それを読み上げしていたのですが、</a:t>
+              <a:t>の</a:t>
+            </a:r>
+            <a:r>
+              <a:rPr kumimoji="1" lang="en-US" altLang="ja-JP" dirty="0"/>
+              <a:t>Datetime</a:t>
+            </a:r>
+            <a:r>
+              <a:rPr kumimoji="1" lang="ja-JP" altLang="en-US" dirty="0"/>
+              <a:t>モジュールを利用して取得しています。</a:t>
             </a:r>
             <a:endParaRPr kumimoji="1" lang="en-US" altLang="ja-JP" dirty="0"/>
           </a:p>
           <a:p>
             <a:r>
               <a:rPr kumimoji="1" lang="ja-JP" altLang="en-US" dirty="0"/>
-              <a:t>先ほど説明した通り、現在はテキストファイルを個別に分けているため、★音声出力を行うシェルスクリプトも</a:t>
+              <a:t>スクレイピングというのは</a:t>
             </a:r>
             <a:r>
               <a:rPr kumimoji="1" lang="en-US" altLang="ja-JP" dirty="0"/>
-              <a:t>4</a:t>
-            </a:r>
-            <a:r>
-              <a:rPr kumimoji="1" lang="ja-JP" altLang="en-US" dirty="0" err="1"/>
-              <a:t>つに</a:t>
+              <a:t>Web</a:t>
             </a:r>
             <a:r>
               <a:rPr kumimoji="1" lang="ja-JP" altLang="en-US" dirty="0"/>
-              <a:t>分けてあります。</a:t>
+              <a:t>ページからテキストデータを抽出する技術のことで、</a:t>
+            </a:r>
+            <a:endParaRPr kumimoji="1" lang="en-US" altLang="ja-JP" dirty="0"/>
+          </a:p>
+          <a:p>
+            <a:r>
+              <a:rPr kumimoji="1" lang="en-US" altLang="ja-JP" dirty="0"/>
+              <a:t>Python</a:t>
+            </a:r>
+            <a:r>
+              <a:rPr kumimoji="1" lang="ja-JP" altLang="en-US" dirty="0"/>
+              <a:t>の</a:t>
+            </a:r>
+            <a:r>
+              <a:rPr kumimoji="1" lang="en-US" altLang="ja-JP" dirty="0"/>
+              <a:t>BeautifulSoup4</a:t>
+            </a:r>
+            <a:r>
+              <a:rPr kumimoji="1" lang="ja-JP" altLang="en-US" dirty="0"/>
+              <a:t>というスクレイピングができるライブラリを使用しています。</a:t>
+            </a:r>
+            <a:endParaRPr kumimoji="1" lang="en-US" altLang="ja-JP" dirty="0"/>
+          </a:p>
+          <a:p>
+            <a:r>
+              <a:rPr kumimoji="1" lang="ja-JP" altLang="en-US" dirty="0"/>
+              <a:t>こうして取得した出力するデータを、出力用のテキストファイルに書き込みます。</a:t>
             </a:r>
           </a:p>
         </p:txBody>
@@ -1900,7 +2162,7 @@
           <a:p>
             <a:fld id="{1A2E7C28-4903-4521-8E60-0F80C627678B}" type="slidenum">
               <a:rPr kumimoji="1" lang="ja-JP" altLang="en-US" smtClean="0"/>
-              <a:t>21</a:t>
+              <a:t>19</a:t>
             </a:fld>
             <a:endParaRPr kumimoji="1" lang="ja-JP" altLang="en-US"/>
           </a:p>
@@ -1909,7 +2171,7 @@
     </p:spTree>
     <p:extLst>
       <p:ext uri="{BB962C8B-B14F-4D97-AF65-F5344CB8AC3E}">
-        <p14:creationId xmlns:p14="http://schemas.microsoft.com/office/powerpoint/2010/main" val="271621818"/>
+        <p14:creationId xmlns:p14="http://schemas.microsoft.com/office/powerpoint/2010/main" val="3851854577"/>
       </p:ext>
     </p:extLst>
   </p:cSld>
@@ -2143,24 +2405,19 @@
           <a:p>
             <a:r>
               <a:rPr kumimoji="1" lang="ja-JP" altLang="en-US" dirty="0"/>
-              <a:t>それでは、これからデモンストレーションに移ります。</a:t>
+              <a:t>スクレイピングの処理で工夫した点は、処理をどう短縮するか、という点です。</a:t>
             </a:r>
             <a:endParaRPr kumimoji="1" lang="en-US" altLang="ja-JP" dirty="0"/>
           </a:p>
           <a:p>
             <a:r>
               <a:rPr kumimoji="1" lang="ja-JP" altLang="en-US" dirty="0"/>
-              <a:t>実際に</a:t>
-            </a:r>
-            <a:r>
-              <a:rPr kumimoji="1" lang="en-US" altLang="ja-JP" dirty="0" err="1"/>
-              <a:t>YoSiE</a:t>
-            </a:r>
-            <a:r>
-              <a:rPr kumimoji="1" lang="ja-JP" altLang="en-US" dirty="0"/>
-              <a:t>を動かしているところをお見せします。</a:t>
+              <a:t>天気・ニュース・星座占いは抽出する文章量が多いため、機能を呼び出すたびに実行していて一つのファイルに上書き保存をしていると、その度処理に時間がかかってしまいます。</a:t>
             </a:r>
             <a:endParaRPr kumimoji="1" lang="en-US" altLang="ja-JP" dirty="0"/>
+          </a:p>
+          <a:p>
+            <a:endParaRPr kumimoji="1" lang="ja-JP" altLang="en-US" dirty="0"/>
           </a:p>
         </p:txBody>
       </p:sp>
@@ -2181,7 +2438,7 @@
           <a:p>
             <a:fld id="{1A2E7C28-4903-4521-8E60-0F80C627678B}" type="slidenum">
               <a:rPr kumimoji="1" lang="ja-JP" altLang="en-US" smtClean="0"/>
-              <a:t>22</a:t>
+              <a:t>20</a:t>
             </a:fld>
             <a:endParaRPr kumimoji="1" lang="ja-JP" altLang="en-US"/>
           </a:p>
@@ -2190,7 +2447,7 @@
     </p:spTree>
     <p:extLst>
       <p:ext uri="{BB962C8B-B14F-4D97-AF65-F5344CB8AC3E}">
-        <p14:creationId xmlns:p14="http://schemas.microsoft.com/office/powerpoint/2010/main" val="4148485458"/>
+        <p14:creationId xmlns:p14="http://schemas.microsoft.com/office/powerpoint/2010/main" val="2498847539"/>
       </p:ext>
     </p:extLst>
   </p:cSld>
@@ -2244,36 +2501,118 @@
           <a:bodyPr/>
           <a:lstStyle/>
           <a:p>
+            <a:pPr marL="0" marR="0" lvl="0" indent="0" algn="l" defTabSz="914400" rtl="0" eaLnBrk="1" fontAlgn="auto" latinLnBrk="0" hangingPunct="1">
+              <a:lnSpc>
+                <a:spcPct val="100000"/>
+              </a:lnSpc>
+              <a:spcBef>
+                <a:spcPts val="0"/>
+              </a:spcBef>
+              <a:spcAft>
+                <a:spcPts val="0"/>
+              </a:spcAft>
+              <a:buClrTx/>
+              <a:buSzTx/>
+              <a:buFontTx/>
+              <a:buNone/>
+              <a:tabLst/>
+              <a:defRPr/>
+            </a:pPr>
             <a:r>
               <a:rPr kumimoji="1" lang="ja-JP" altLang="en-US" dirty="0"/>
-              <a:t>今後の計画はこの通りです。</a:t>
+              <a:t>そこで、</a:t>
+            </a:r>
+            <a:r>
+              <a:rPr kumimoji="1" lang="en-US" altLang="ja-JP" dirty="0"/>
+              <a:t>Raspberry Pi</a:t>
+            </a:r>
+            <a:r>
+              <a:rPr kumimoji="1" lang="ja-JP" altLang="en-US" dirty="0"/>
+              <a:t>の起動時にスクレイピングを実行して、それぞれ個別のテキストファイルに保存しておく、という方法に切り替えました。</a:t>
             </a:r>
             <a:endParaRPr kumimoji="1" lang="en-US" altLang="ja-JP" dirty="0"/>
           </a:p>
           <a:p>
+            <a:pPr marL="0" marR="0" lvl="0" indent="0" algn="l" defTabSz="914400" rtl="0" eaLnBrk="1" fontAlgn="auto" latinLnBrk="0" hangingPunct="1">
+              <a:lnSpc>
+                <a:spcPct val="100000"/>
+              </a:lnSpc>
+              <a:spcBef>
+                <a:spcPts val="0"/>
+              </a:spcBef>
+              <a:spcAft>
+                <a:spcPts val="0"/>
+              </a:spcAft>
+              <a:buClrTx/>
+              <a:buSzTx/>
+              <a:buFontTx/>
+              <a:buNone/>
+              <a:tabLst/>
+              <a:defRPr/>
+            </a:pPr>
             <a:r>
               <a:rPr kumimoji="1" lang="ja-JP" altLang="en-US" dirty="0"/>
-              <a:t>外見のおおまかな構造は決まっていますが、こけし自体と土台をどう作るかは検討中です。</a:t>
+              <a:t>こうすることで、処理の待ち時間を短縮することができます。</a:t>
             </a:r>
             <a:endParaRPr kumimoji="1" lang="en-US" altLang="ja-JP" dirty="0"/>
           </a:p>
           <a:p>
+            <a:pPr marL="0" marR="0" lvl="0" indent="0" algn="l" defTabSz="914400" rtl="0" eaLnBrk="1" fontAlgn="auto" latinLnBrk="0" hangingPunct="1">
+              <a:lnSpc>
+                <a:spcPct val="100000"/>
+              </a:lnSpc>
+              <a:spcBef>
+                <a:spcPts val="0"/>
+              </a:spcBef>
+              <a:spcAft>
+                <a:spcPts val="0"/>
+              </a:spcAft>
+              <a:buClrTx/>
+              <a:buSzTx/>
+              <a:buFontTx/>
+              <a:buNone/>
+              <a:tabLst/>
+              <a:defRPr/>
+            </a:pPr>
             <a:r>
               <a:rPr kumimoji="1" lang="ja-JP" altLang="en-US" dirty="0"/>
-              <a:t>現在有力な案は、石粉粘土で作るという案です。</a:t>
+              <a:t>欠点としては、起動時にのみスクレイピングを行うので、起動後に更新された</a:t>
+            </a:r>
+            <a:r>
+              <a:rPr kumimoji="1" lang="en-US" altLang="ja-JP" dirty="0"/>
+              <a:t>Web</a:t>
+            </a:r>
+            <a:r>
+              <a:rPr kumimoji="1" lang="ja-JP" altLang="en-US" dirty="0"/>
+              <a:t>ページの内容が取得できない、という点があります。</a:t>
             </a:r>
             <a:endParaRPr kumimoji="1" lang="en-US" altLang="ja-JP" dirty="0"/>
           </a:p>
           <a:p>
-            <a:r>
-              <a:rPr kumimoji="1" lang="en-US" altLang="ja-JP" dirty="0" err="1"/>
-              <a:t>Tech_Students</a:t>
-            </a:r>
+            <a:pPr marL="0" marR="0" lvl="0" indent="0" algn="l" defTabSz="914400" rtl="0" eaLnBrk="1" fontAlgn="auto" latinLnBrk="0" hangingPunct="1">
+              <a:lnSpc>
+                <a:spcPct val="100000"/>
+              </a:lnSpc>
+              <a:spcBef>
+                <a:spcPts val="0"/>
+              </a:spcBef>
+              <a:spcAft>
+                <a:spcPts val="0"/>
+              </a:spcAft>
+              <a:buClrTx/>
+              <a:buSzTx/>
+              <a:buFontTx/>
+              <a:buNone/>
+              <a:tabLst/>
+              <a:defRPr/>
+            </a:pPr>
             <a:r>
               <a:rPr kumimoji="1" lang="ja-JP" altLang="en-US" dirty="0"/>
-              <a:t>に進捗を投稿していきますので、外見の完成をお楽しみに。</a:t>
-            </a:r>
-            <a:endParaRPr kumimoji="1" lang="en-US" altLang="ja-JP" dirty="0"/>
+              <a:t>これに関しては、今後対処していく予定です。</a:t>
+            </a:r>
+          </a:p>
+          <a:p>
+            <a:endParaRPr kumimoji="1" lang="ja-JP" altLang="en-US" dirty="0"/>
           </a:p>
         </p:txBody>
       </p:sp>
@@ -2294,7 +2633,7 @@
           <a:p>
             <a:fld id="{1A2E7C28-4903-4521-8E60-0F80C627678B}" type="slidenum">
               <a:rPr kumimoji="1" lang="ja-JP" altLang="en-US" smtClean="0"/>
-              <a:t>23</a:t>
+              <a:t>21</a:t>
             </a:fld>
             <a:endParaRPr kumimoji="1" lang="ja-JP" altLang="en-US"/>
           </a:p>
@@ -2303,7 +2642,7 @@
     </p:spTree>
     <p:extLst>
       <p:ext uri="{BB962C8B-B14F-4D97-AF65-F5344CB8AC3E}">
-        <p14:creationId xmlns:p14="http://schemas.microsoft.com/office/powerpoint/2010/main" val="929478742"/>
+        <p14:creationId xmlns:p14="http://schemas.microsoft.com/office/powerpoint/2010/main" val="1985256100"/>
       </p:ext>
     </p:extLst>
   </p:cSld>
@@ -2359,23 +2698,53 @@
           <a:p>
             <a:r>
               <a:rPr kumimoji="1" lang="ja-JP" altLang="en-US" dirty="0"/>
-              <a:t>これで</a:t>
+              <a:t>最後は</a:t>
+            </a:r>
+            <a:r>
+              <a:rPr kumimoji="1" lang="en-US" altLang="ja-JP" dirty="0" err="1"/>
+              <a:t>OpenJTalk</a:t>
+            </a:r>
+            <a:r>
+              <a:rPr kumimoji="1" lang="ja-JP" altLang="en-US" dirty="0"/>
+              <a:t>です。</a:t>
+            </a:r>
+            <a:endParaRPr kumimoji="1" lang="en-US" altLang="ja-JP" dirty="0"/>
+          </a:p>
+          <a:p>
+            <a:r>
+              <a:rPr kumimoji="1" lang="en-US" altLang="ja-JP" dirty="0" err="1"/>
+              <a:t>OpenJTalk</a:t>
+            </a:r>
+            <a:r>
+              <a:rPr kumimoji="1" lang="ja-JP" altLang="en-US" dirty="0"/>
+              <a:t>は日本語用の音声合成システムのオープンソースソフトウェアで、</a:t>
+            </a:r>
+            <a:endParaRPr kumimoji="1" lang="en-US" altLang="ja-JP" dirty="0"/>
+          </a:p>
+          <a:p>
+            <a:r>
+              <a:rPr kumimoji="1" lang="ja-JP" altLang="en-US" dirty="0"/>
+              <a:t>ボイスサンプル・声質や速度などのパラメータを設定することで、理想の音声を出力することができます。</a:t>
+            </a:r>
+            <a:endParaRPr kumimoji="1" lang="en-US" altLang="ja-JP" dirty="0"/>
+          </a:p>
+          <a:p>
+            <a:r>
+              <a:rPr kumimoji="1" lang="ja-JP" altLang="en-US" dirty="0"/>
+              <a:t>今お見せしているのは、★</a:t>
             </a:r>
             <a:r>
               <a:rPr kumimoji="1" lang="en-US" altLang="ja-JP" dirty="0"/>
-              <a:t>AI</a:t>
+              <a:t>result.txt</a:t>
             </a:r>
             <a:r>
               <a:rPr kumimoji="1" lang="ja-JP" altLang="en-US" dirty="0"/>
-              <a:t>スピーカー開発の発表を終わります。</a:t>
+              <a:t>というテキストファイルの内容を音声出力するシェルスクリプトです。</a:t>
             </a:r>
             <a:endParaRPr kumimoji="1" lang="en-US" altLang="ja-JP" dirty="0"/>
           </a:p>
           <a:p>
-            <a:r>
-              <a:rPr kumimoji="1" lang="ja-JP" altLang="en-US" dirty="0"/>
-              <a:t>これより、質疑応答に移ります。</a:t>
-            </a:r>
+            <a:endParaRPr kumimoji="1" lang="ja-JP" altLang="en-US" dirty="0"/>
           </a:p>
         </p:txBody>
       </p:sp>
@@ -2396,7 +2765,439 @@
           <a:p>
             <a:fld id="{1A2E7C28-4903-4521-8E60-0F80C627678B}" type="slidenum">
               <a:rPr kumimoji="1" lang="ja-JP" altLang="en-US" smtClean="0"/>
+              <a:t>22</a:t>
+            </a:fld>
+            <a:endParaRPr kumimoji="1" lang="ja-JP" altLang="en-US"/>
+          </a:p>
+        </p:txBody>
+      </p:sp>
+    </p:spTree>
+    <p:extLst>
+      <p:ext uri="{BB962C8B-B14F-4D97-AF65-F5344CB8AC3E}">
+        <p14:creationId xmlns:p14="http://schemas.microsoft.com/office/powerpoint/2010/main" val="2285038393"/>
+      </p:ext>
+    </p:extLst>
+  </p:cSld>
+  <p:clrMapOvr>
+    <a:masterClrMapping/>
+  </p:clrMapOvr>
+</p:notes>
+</file>
+
+<file path=ppt/notesSlides/notesSlide23.xml><?xml version="1.0" encoding="utf-8"?>
+<p:notes xmlns:a="http://schemas.openxmlformats.org/drawingml/2006/main" xmlns:r="http://schemas.openxmlformats.org/officeDocument/2006/relationships" xmlns:p="http://schemas.openxmlformats.org/presentationml/2006/main">
+  <p:cSld>
+    <p:spTree>
+      <p:nvGrpSpPr>
+        <p:cNvPr id="1" name=""/>
+        <p:cNvGrpSpPr/>
+        <p:nvPr/>
+      </p:nvGrpSpPr>
+      <p:grpSpPr>
+        <a:xfrm>
+          <a:off x="0" y="0"/>
+          <a:ext cx="0" cy="0"/>
+          <a:chOff x="0" y="0"/>
+          <a:chExt cx="0" cy="0"/>
+        </a:xfrm>
+      </p:grpSpPr>
+      <p:sp>
+        <p:nvSpPr>
+          <p:cNvPr id="2" name="スライド イメージ プレースホルダー 1"/>
+          <p:cNvSpPr>
+            <a:spLocks noGrp="1" noRot="1" noChangeAspect="1"/>
+          </p:cNvSpPr>
+          <p:nvPr>
+            <p:ph type="sldImg"/>
+          </p:nvPr>
+        </p:nvSpPr>
+        <p:spPr/>
+      </p:sp>
+      <p:sp>
+        <p:nvSpPr>
+          <p:cNvPr id="3" name="ノート プレースホルダー 2"/>
+          <p:cNvSpPr>
+            <a:spLocks noGrp="1"/>
+          </p:cNvSpPr>
+          <p:nvPr>
+            <p:ph type="body" idx="1"/>
+          </p:nvPr>
+        </p:nvSpPr>
+        <p:spPr/>
+        <p:txBody>
+          <a:bodyPr/>
+          <a:lstStyle/>
+          <a:p>
+            <a:r>
+              <a:rPr kumimoji="1" lang="ja-JP" altLang="en-US" dirty="0"/>
+              <a:t>以前まではこの★</a:t>
+            </a:r>
+            <a:r>
+              <a:rPr kumimoji="1" lang="en-US" altLang="ja-JP" dirty="0"/>
+              <a:t>result.txt</a:t>
+            </a:r>
+            <a:r>
+              <a:rPr kumimoji="1" lang="ja-JP" altLang="en-US" dirty="0"/>
+              <a:t>というテキストファイルにスクレイピングの結果を上書き保存して、それを読み上げしていたのですが、</a:t>
+            </a:r>
+            <a:endParaRPr kumimoji="1" lang="en-US" altLang="ja-JP" dirty="0"/>
+          </a:p>
+          <a:p>
+            <a:r>
+              <a:rPr kumimoji="1" lang="ja-JP" altLang="en-US" dirty="0"/>
+              <a:t>先ほど説明した通り、現在はテキストファイルを個別に分けているため、★音声出力を行うシェルスクリプトも</a:t>
+            </a:r>
+            <a:r>
+              <a:rPr kumimoji="1" lang="en-US" altLang="ja-JP" dirty="0"/>
+              <a:t>4</a:t>
+            </a:r>
+            <a:r>
+              <a:rPr kumimoji="1" lang="ja-JP" altLang="en-US" dirty="0" err="1"/>
+              <a:t>つに</a:t>
+            </a:r>
+            <a:r>
+              <a:rPr kumimoji="1" lang="ja-JP" altLang="en-US" dirty="0"/>
+              <a:t>分けてあります。</a:t>
+            </a:r>
+          </a:p>
+        </p:txBody>
+      </p:sp>
+      <p:sp>
+        <p:nvSpPr>
+          <p:cNvPr id="4" name="スライド番号プレースホルダー 3"/>
+          <p:cNvSpPr>
+            <a:spLocks noGrp="1"/>
+          </p:cNvSpPr>
+          <p:nvPr>
+            <p:ph type="sldNum" sz="quarter" idx="5"/>
+          </p:nvPr>
+        </p:nvSpPr>
+        <p:spPr/>
+        <p:txBody>
+          <a:bodyPr/>
+          <a:lstStyle/>
+          <a:p>
+            <a:fld id="{1A2E7C28-4903-4521-8E60-0F80C627678B}" type="slidenum">
+              <a:rPr kumimoji="1" lang="ja-JP" altLang="en-US" smtClean="0"/>
+              <a:t>23</a:t>
+            </a:fld>
+            <a:endParaRPr kumimoji="1" lang="ja-JP" altLang="en-US"/>
+          </a:p>
+        </p:txBody>
+      </p:sp>
+    </p:spTree>
+    <p:extLst>
+      <p:ext uri="{BB962C8B-B14F-4D97-AF65-F5344CB8AC3E}">
+        <p14:creationId xmlns:p14="http://schemas.microsoft.com/office/powerpoint/2010/main" val="271621818"/>
+      </p:ext>
+    </p:extLst>
+  </p:cSld>
+  <p:clrMapOvr>
+    <a:masterClrMapping/>
+  </p:clrMapOvr>
+</p:notes>
+</file>
+
+<file path=ppt/notesSlides/notesSlide24.xml><?xml version="1.0" encoding="utf-8"?>
+<p:notes xmlns:a="http://schemas.openxmlformats.org/drawingml/2006/main" xmlns:r="http://schemas.openxmlformats.org/officeDocument/2006/relationships" xmlns:p="http://schemas.openxmlformats.org/presentationml/2006/main">
+  <p:cSld>
+    <p:spTree>
+      <p:nvGrpSpPr>
+        <p:cNvPr id="1" name=""/>
+        <p:cNvGrpSpPr/>
+        <p:nvPr/>
+      </p:nvGrpSpPr>
+      <p:grpSpPr>
+        <a:xfrm>
+          <a:off x="0" y="0"/>
+          <a:ext cx="0" cy="0"/>
+          <a:chOff x="0" y="0"/>
+          <a:chExt cx="0" cy="0"/>
+        </a:xfrm>
+      </p:grpSpPr>
+      <p:sp>
+        <p:nvSpPr>
+          <p:cNvPr id="2" name="スライド イメージ プレースホルダー 1"/>
+          <p:cNvSpPr>
+            <a:spLocks noGrp="1" noRot="1" noChangeAspect="1"/>
+          </p:cNvSpPr>
+          <p:nvPr>
+            <p:ph type="sldImg"/>
+          </p:nvPr>
+        </p:nvSpPr>
+        <p:spPr/>
+      </p:sp>
+      <p:sp>
+        <p:nvSpPr>
+          <p:cNvPr id="3" name="ノート プレースホルダー 2"/>
+          <p:cNvSpPr>
+            <a:spLocks noGrp="1"/>
+          </p:cNvSpPr>
+          <p:nvPr>
+            <p:ph type="body" idx="1"/>
+          </p:nvPr>
+        </p:nvSpPr>
+        <p:spPr/>
+        <p:txBody>
+          <a:bodyPr/>
+          <a:lstStyle/>
+          <a:p>
+            <a:r>
+              <a:rPr kumimoji="1" lang="ja-JP" altLang="en-US" dirty="0"/>
+              <a:t>それでは、これからデモンストレーションに移ります。</a:t>
+            </a:r>
+            <a:endParaRPr kumimoji="1" lang="en-US" altLang="ja-JP" dirty="0"/>
+          </a:p>
+          <a:p>
+            <a:r>
+              <a:rPr kumimoji="1" lang="ja-JP" altLang="en-US" dirty="0"/>
+              <a:t>実際に</a:t>
+            </a:r>
+            <a:r>
+              <a:rPr kumimoji="1" lang="en-US" altLang="ja-JP" dirty="0" err="1"/>
+              <a:t>YoSiE</a:t>
+            </a:r>
+            <a:r>
+              <a:rPr kumimoji="1" lang="ja-JP" altLang="en-US" dirty="0"/>
+              <a:t>を動かしているところをお見せします。</a:t>
+            </a:r>
+            <a:endParaRPr kumimoji="1" lang="en-US" altLang="ja-JP" dirty="0"/>
+          </a:p>
+        </p:txBody>
+      </p:sp>
+      <p:sp>
+        <p:nvSpPr>
+          <p:cNvPr id="4" name="スライド番号プレースホルダー 3"/>
+          <p:cNvSpPr>
+            <a:spLocks noGrp="1"/>
+          </p:cNvSpPr>
+          <p:nvPr>
+            <p:ph type="sldNum" sz="quarter" idx="5"/>
+          </p:nvPr>
+        </p:nvSpPr>
+        <p:spPr/>
+        <p:txBody>
+          <a:bodyPr/>
+          <a:lstStyle/>
+          <a:p>
+            <a:fld id="{1A2E7C28-4903-4521-8E60-0F80C627678B}" type="slidenum">
+              <a:rPr kumimoji="1" lang="ja-JP" altLang="en-US" smtClean="0"/>
               <a:t>24</a:t>
+            </a:fld>
+            <a:endParaRPr kumimoji="1" lang="ja-JP" altLang="en-US"/>
+          </a:p>
+        </p:txBody>
+      </p:sp>
+    </p:spTree>
+    <p:extLst>
+      <p:ext uri="{BB962C8B-B14F-4D97-AF65-F5344CB8AC3E}">
+        <p14:creationId xmlns:p14="http://schemas.microsoft.com/office/powerpoint/2010/main" val="4148485458"/>
+      </p:ext>
+    </p:extLst>
+  </p:cSld>
+  <p:clrMapOvr>
+    <a:masterClrMapping/>
+  </p:clrMapOvr>
+</p:notes>
+</file>
+
+<file path=ppt/notesSlides/notesSlide25.xml><?xml version="1.0" encoding="utf-8"?>
+<p:notes xmlns:a="http://schemas.openxmlformats.org/drawingml/2006/main" xmlns:r="http://schemas.openxmlformats.org/officeDocument/2006/relationships" xmlns:p="http://schemas.openxmlformats.org/presentationml/2006/main">
+  <p:cSld>
+    <p:spTree>
+      <p:nvGrpSpPr>
+        <p:cNvPr id="1" name=""/>
+        <p:cNvGrpSpPr/>
+        <p:nvPr/>
+      </p:nvGrpSpPr>
+      <p:grpSpPr>
+        <a:xfrm>
+          <a:off x="0" y="0"/>
+          <a:ext cx="0" cy="0"/>
+          <a:chOff x="0" y="0"/>
+          <a:chExt cx="0" cy="0"/>
+        </a:xfrm>
+      </p:grpSpPr>
+      <p:sp>
+        <p:nvSpPr>
+          <p:cNvPr id="2" name="スライド イメージ プレースホルダー 1"/>
+          <p:cNvSpPr>
+            <a:spLocks noGrp="1" noRot="1" noChangeAspect="1"/>
+          </p:cNvSpPr>
+          <p:nvPr>
+            <p:ph type="sldImg"/>
+          </p:nvPr>
+        </p:nvSpPr>
+        <p:spPr/>
+      </p:sp>
+      <p:sp>
+        <p:nvSpPr>
+          <p:cNvPr id="3" name="ノート プレースホルダー 2"/>
+          <p:cNvSpPr>
+            <a:spLocks noGrp="1"/>
+          </p:cNvSpPr>
+          <p:nvPr>
+            <p:ph type="body" idx="1"/>
+          </p:nvPr>
+        </p:nvSpPr>
+        <p:spPr/>
+        <p:txBody>
+          <a:bodyPr/>
+          <a:lstStyle/>
+          <a:p>
+            <a:r>
+              <a:rPr kumimoji="1" lang="ja-JP" altLang="en-US" dirty="0"/>
+              <a:t>今後の計画はこの通りです。</a:t>
+            </a:r>
+            <a:endParaRPr kumimoji="1" lang="en-US" altLang="ja-JP" dirty="0"/>
+          </a:p>
+          <a:p>
+            <a:r>
+              <a:rPr kumimoji="1" lang="ja-JP" altLang="en-US" dirty="0"/>
+              <a:t>外見のおおまかな構造は決まっていますが、こけし自体と土台をどう作るかは検討中です。</a:t>
+            </a:r>
+            <a:endParaRPr kumimoji="1" lang="en-US" altLang="ja-JP" dirty="0"/>
+          </a:p>
+          <a:p>
+            <a:r>
+              <a:rPr kumimoji="1" lang="ja-JP" altLang="en-US" dirty="0"/>
+              <a:t>現在有力な案は、石粉粘土で作るという案です。</a:t>
+            </a:r>
+            <a:endParaRPr kumimoji="1" lang="en-US" altLang="ja-JP" dirty="0"/>
+          </a:p>
+          <a:p>
+            <a:r>
+              <a:rPr kumimoji="1" lang="en-US" altLang="ja-JP" dirty="0" err="1"/>
+              <a:t>Tech_Students</a:t>
+            </a:r>
+            <a:r>
+              <a:rPr kumimoji="1" lang="ja-JP" altLang="en-US" dirty="0"/>
+              <a:t>に進捗を投稿していきますので、外見の完成をお楽しみに。</a:t>
+            </a:r>
+            <a:endParaRPr kumimoji="1" lang="en-US" altLang="ja-JP" dirty="0"/>
+          </a:p>
+        </p:txBody>
+      </p:sp>
+      <p:sp>
+        <p:nvSpPr>
+          <p:cNvPr id="4" name="スライド番号プレースホルダー 3"/>
+          <p:cNvSpPr>
+            <a:spLocks noGrp="1"/>
+          </p:cNvSpPr>
+          <p:nvPr>
+            <p:ph type="sldNum" sz="quarter" idx="5"/>
+          </p:nvPr>
+        </p:nvSpPr>
+        <p:spPr/>
+        <p:txBody>
+          <a:bodyPr/>
+          <a:lstStyle/>
+          <a:p>
+            <a:fld id="{1A2E7C28-4903-4521-8E60-0F80C627678B}" type="slidenum">
+              <a:rPr kumimoji="1" lang="ja-JP" altLang="en-US" smtClean="0"/>
+              <a:t>25</a:t>
+            </a:fld>
+            <a:endParaRPr kumimoji="1" lang="ja-JP" altLang="en-US"/>
+          </a:p>
+        </p:txBody>
+      </p:sp>
+    </p:spTree>
+    <p:extLst>
+      <p:ext uri="{BB962C8B-B14F-4D97-AF65-F5344CB8AC3E}">
+        <p14:creationId xmlns:p14="http://schemas.microsoft.com/office/powerpoint/2010/main" val="929478742"/>
+      </p:ext>
+    </p:extLst>
+  </p:cSld>
+  <p:clrMapOvr>
+    <a:masterClrMapping/>
+  </p:clrMapOvr>
+</p:notes>
+</file>
+
+<file path=ppt/notesSlides/notesSlide26.xml><?xml version="1.0" encoding="utf-8"?>
+<p:notes xmlns:a="http://schemas.openxmlformats.org/drawingml/2006/main" xmlns:r="http://schemas.openxmlformats.org/officeDocument/2006/relationships" xmlns:p="http://schemas.openxmlformats.org/presentationml/2006/main">
+  <p:cSld>
+    <p:spTree>
+      <p:nvGrpSpPr>
+        <p:cNvPr id="1" name=""/>
+        <p:cNvGrpSpPr/>
+        <p:nvPr/>
+      </p:nvGrpSpPr>
+      <p:grpSpPr>
+        <a:xfrm>
+          <a:off x="0" y="0"/>
+          <a:ext cx="0" cy="0"/>
+          <a:chOff x="0" y="0"/>
+          <a:chExt cx="0" cy="0"/>
+        </a:xfrm>
+      </p:grpSpPr>
+      <p:sp>
+        <p:nvSpPr>
+          <p:cNvPr id="2" name="スライド イメージ プレースホルダー 1"/>
+          <p:cNvSpPr>
+            <a:spLocks noGrp="1" noRot="1" noChangeAspect="1"/>
+          </p:cNvSpPr>
+          <p:nvPr>
+            <p:ph type="sldImg"/>
+          </p:nvPr>
+        </p:nvSpPr>
+        <p:spPr/>
+      </p:sp>
+      <p:sp>
+        <p:nvSpPr>
+          <p:cNvPr id="3" name="ノート プレースホルダー 2"/>
+          <p:cNvSpPr>
+            <a:spLocks noGrp="1"/>
+          </p:cNvSpPr>
+          <p:nvPr>
+            <p:ph type="body" idx="1"/>
+          </p:nvPr>
+        </p:nvSpPr>
+        <p:spPr/>
+        <p:txBody>
+          <a:bodyPr/>
+          <a:lstStyle/>
+          <a:p>
+            <a:r>
+              <a:rPr kumimoji="1" lang="ja-JP" altLang="en-US" dirty="0"/>
+              <a:t>これで</a:t>
+            </a:r>
+            <a:r>
+              <a:rPr kumimoji="1" lang="en-US" altLang="ja-JP" dirty="0"/>
+              <a:t>AI</a:t>
+            </a:r>
+            <a:r>
+              <a:rPr kumimoji="1" lang="ja-JP" altLang="en-US" dirty="0"/>
+              <a:t>スピーカー開発の発表を終わります。</a:t>
+            </a:r>
+            <a:endParaRPr kumimoji="1" lang="en-US" altLang="ja-JP" dirty="0"/>
+          </a:p>
+          <a:p>
+            <a:r>
+              <a:rPr kumimoji="1" lang="ja-JP" altLang="en-US" dirty="0"/>
+              <a:t>これより、質疑応答に移ります。</a:t>
+            </a:r>
+          </a:p>
+        </p:txBody>
+      </p:sp>
+      <p:sp>
+        <p:nvSpPr>
+          <p:cNvPr id="4" name="スライド番号プレースホルダー 3"/>
+          <p:cNvSpPr>
+            <a:spLocks noGrp="1"/>
+          </p:cNvSpPr>
+          <p:nvPr>
+            <p:ph type="sldNum" sz="quarter" idx="5"/>
+          </p:nvPr>
+        </p:nvSpPr>
+        <p:spPr/>
+        <p:txBody>
+          <a:bodyPr/>
+          <a:lstStyle/>
+          <a:p>
+            <a:fld id="{1A2E7C28-4903-4521-8E60-0F80C627678B}" type="slidenum">
+              <a:rPr kumimoji="1" lang="ja-JP" altLang="en-US" smtClean="0"/>
+              <a:t>26</a:t>
             </a:fld>
             <a:endParaRPr kumimoji="1" lang="ja-JP" altLang="en-US"/>
           </a:p>
@@ -9596,10 +10397,10 @@
       </p:grpSpPr>
       <p:sp>
         <p:nvSpPr>
-          <p:cNvPr id="35" name="タイトル 34">
-            <a:extLst>
-              <a:ext uri="{FF2B5EF4-FFF2-40B4-BE49-F238E27FC236}">
-                <a16:creationId xmlns:a16="http://schemas.microsoft.com/office/drawing/2014/main" id="{AD44E1DB-87DF-4D14-81ED-F268FC970258}"/>
+          <p:cNvPr id="2" name="タイトル 1">
+            <a:extLst>
+              <a:ext uri="{FF2B5EF4-FFF2-40B4-BE49-F238E27FC236}">
+                <a16:creationId xmlns:a16="http://schemas.microsoft.com/office/drawing/2014/main" id="{32303345-A294-422E-8EF0-1C9E0C7B89EC}"/>
               </a:ext>
             </a:extLst>
           </p:cNvPr>
@@ -9612,7 +10413,7 @@
         </p:nvSpPr>
         <p:spPr>
           <a:xfrm>
-            <a:off x="838200" y="403626"/>
+            <a:off x="838200" y="365125"/>
             <a:ext cx="10515600" cy="1325563"/>
           </a:xfrm>
         </p:spPr>
@@ -9621,45 +10422,235 @@
           <a:lstStyle/>
           <a:p>
             <a:r>
-              <a:rPr kumimoji="1" lang="en-US" altLang="ja-JP" dirty="0">
-                <a:ln>
-                  <a:solidFill>
-                    <a:schemeClr val="tx1"/>
-                  </a:solidFill>
-                </a:ln>
-                <a:solidFill>
-                  <a:schemeClr val="accent6">
-                    <a:lumMod val="75000"/>
-                  </a:schemeClr>
-                </a:solidFill>
-                <a:latin typeface="HGP明朝E" panose="02020900000000000000" pitchFamily="18" charset="-128"/>
-                <a:ea typeface="HGP明朝E" panose="02020900000000000000" pitchFamily="18" charset="-128"/>
-              </a:rPr>
-              <a:t>fastText</a:t>
-            </a:r>
-            <a:endParaRPr kumimoji="1" lang="ja-JP" altLang="en-US" dirty="0">
-              <a:ln>
-                <a:solidFill>
-                  <a:schemeClr val="tx1"/>
-                </a:solidFill>
-              </a:ln>
-              <a:solidFill>
-                <a:schemeClr val="accent6">
-                  <a:lumMod val="75000"/>
-                </a:schemeClr>
-              </a:solidFill>
-              <a:latin typeface="HGP明朝E" panose="02020900000000000000" pitchFamily="18" charset="-128"/>
-              <a:ea typeface="HGP明朝E" panose="02020900000000000000" pitchFamily="18" charset="-128"/>
-            </a:endParaRPr>
-          </a:p>
-        </p:txBody>
-      </p:sp>
-      <p:sp>
-        <p:nvSpPr>
-          <p:cNvPr id="37" name="正方形/長方形 36">
-            <a:extLst>
-              <a:ext uri="{FF2B5EF4-FFF2-40B4-BE49-F238E27FC236}">
-                <a16:creationId xmlns:a16="http://schemas.microsoft.com/office/drawing/2014/main" id="{D8B883CE-AE5F-48A5-AB6E-39A7191AAA4E}"/>
+              <a:rPr lang="ja-JP" altLang="en-US" dirty="0"/>
+              <a:t>テキスト分類</a:t>
+            </a:r>
+            <a:r>
+              <a:rPr kumimoji="1" lang="ja-JP" altLang="en-US" dirty="0"/>
+              <a:t>の仕組み</a:t>
+            </a:r>
+          </a:p>
+        </p:txBody>
+      </p:sp>
+      <p:sp>
+        <p:nvSpPr>
+          <p:cNvPr id="4" name="矢印: 右 3">
+            <a:extLst>
+              <a:ext uri="{FF2B5EF4-FFF2-40B4-BE49-F238E27FC236}">
+                <a16:creationId xmlns:a16="http://schemas.microsoft.com/office/drawing/2014/main" id="{FCAA5B2B-B2D0-4027-A4FC-18422A933228}"/>
+              </a:ext>
+            </a:extLst>
+          </p:cNvPr>
+          <p:cNvSpPr/>
+          <p:nvPr/>
+        </p:nvSpPr>
+        <p:spPr>
+          <a:xfrm>
+            <a:off x="3560689" y="3164569"/>
+            <a:ext cx="712292" cy="1106905"/>
+          </a:xfrm>
+          <a:prstGeom prst="rightArrow">
+            <a:avLst/>
+          </a:prstGeom>
+        </p:spPr>
+        <p:style>
+          <a:lnRef idx="2">
+            <a:schemeClr val="accent1">
+              <a:shade val="50000"/>
+            </a:schemeClr>
+          </a:lnRef>
+          <a:fillRef idx="1">
+            <a:schemeClr val="accent1"/>
+          </a:fillRef>
+          <a:effectRef idx="0">
+            <a:schemeClr val="accent1"/>
+          </a:effectRef>
+          <a:fontRef idx="minor">
+            <a:schemeClr val="lt1"/>
+          </a:fontRef>
+        </p:style>
+        <p:txBody>
+          <a:bodyPr rtlCol="0" anchor="ctr"/>
+          <a:lstStyle/>
+          <a:p>
+            <a:pPr algn="ctr"/>
+            <a:endParaRPr kumimoji="1" lang="ja-JP" altLang="en-US"/>
+          </a:p>
+        </p:txBody>
+      </p:sp>
+      <p:sp>
+        <p:nvSpPr>
+          <p:cNvPr id="5" name="正方形/長方形 4">
+            <a:extLst>
+              <a:ext uri="{FF2B5EF4-FFF2-40B4-BE49-F238E27FC236}">
+                <a16:creationId xmlns:a16="http://schemas.microsoft.com/office/drawing/2014/main" id="{3C98069C-13A5-4C19-903B-38044E1D69DF}"/>
+              </a:ext>
+            </a:extLst>
+          </p:cNvPr>
+          <p:cNvSpPr/>
+          <p:nvPr/>
+        </p:nvSpPr>
+        <p:spPr>
+          <a:xfrm>
+            <a:off x="793606" y="2890586"/>
+            <a:ext cx="2705143" cy="671252"/>
+          </a:xfrm>
+          <a:prstGeom prst="rect">
+            <a:avLst/>
+          </a:prstGeom>
+          <a:ln>
+            <a:solidFill>
+              <a:schemeClr val="tx1"/>
+            </a:solidFill>
+          </a:ln>
+          <a:effectLst/>
+        </p:spPr>
+        <p:style>
+          <a:lnRef idx="2">
+            <a:schemeClr val="accent2"/>
+          </a:lnRef>
+          <a:fillRef idx="1">
+            <a:schemeClr val="lt1"/>
+          </a:fillRef>
+          <a:effectRef idx="0">
+            <a:schemeClr val="accent2"/>
+          </a:effectRef>
+          <a:fontRef idx="minor">
+            <a:schemeClr val="dk1"/>
+          </a:fontRef>
+        </p:style>
+        <p:txBody>
+          <a:bodyPr rtlCol="0" anchor="ctr"/>
+          <a:lstStyle/>
+          <a:p>
+            <a:pPr algn="ctr"/>
+            <a:r>
+              <a:rPr lang="ja-JP" altLang="en-US" dirty="0"/>
+              <a:t>予測したい文章</a:t>
+            </a:r>
+            <a:endParaRPr lang="en-US" altLang="ja-JP" dirty="0"/>
+          </a:p>
+        </p:txBody>
+      </p:sp>
+      <p:sp>
+        <p:nvSpPr>
+          <p:cNvPr id="3" name="正方形/長方形 2">
+            <a:extLst>
+              <a:ext uri="{FF2B5EF4-FFF2-40B4-BE49-F238E27FC236}">
+                <a16:creationId xmlns:a16="http://schemas.microsoft.com/office/drawing/2014/main" id="{9EB847BF-5C10-45D4-9710-F38D68B894E0}"/>
+              </a:ext>
+            </a:extLst>
+          </p:cNvPr>
+          <p:cNvSpPr/>
+          <p:nvPr/>
+        </p:nvSpPr>
+        <p:spPr>
+          <a:xfrm>
+            <a:off x="793606" y="3567198"/>
+            <a:ext cx="2705142" cy="1194538"/>
+          </a:xfrm>
+          <a:prstGeom prst="rect">
+            <a:avLst/>
+          </a:prstGeom>
+          <a:ln>
+            <a:solidFill>
+              <a:schemeClr val="tx1">
+                <a:lumMod val="95000"/>
+                <a:lumOff val="5000"/>
+              </a:schemeClr>
+            </a:solidFill>
+          </a:ln>
+          <a:effectLst/>
+        </p:spPr>
+        <p:style>
+          <a:lnRef idx="2">
+            <a:schemeClr val="accent6"/>
+          </a:lnRef>
+          <a:fillRef idx="1">
+            <a:schemeClr val="lt1"/>
+          </a:fillRef>
+          <a:effectRef idx="0">
+            <a:schemeClr val="accent6"/>
+          </a:effectRef>
+          <a:fontRef idx="minor">
+            <a:schemeClr val="dk1"/>
+          </a:fontRef>
+        </p:style>
+        <p:txBody>
+          <a:bodyPr rtlCol="0" anchor="ctr"/>
+          <a:lstStyle/>
+          <a:p>
+            <a:pPr algn="ctr"/>
+            <a:r>
+              <a:rPr lang="ja-JP" altLang="en-US" dirty="0"/>
+              <a:t>犬と猫が好き</a:t>
+            </a:r>
+          </a:p>
+          <a:p>
+            <a:pPr algn="ctr"/>
+            <a:endParaRPr kumimoji="1" lang="ja-JP" altLang="en-US" dirty="0"/>
+          </a:p>
+        </p:txBody>
+      </p:sp>
+      <p:sp>
+        <p:nvSpPr>
+          <p:cNvPr id="7" name="正方形/長方形 6">
+            <a:extLst>
+              <a:ext uri="{FF2B5EF4-FFF2-40B4-BE49-F238E27FC236}">
+                <a16:creationId xmlns:a16="http://schemas.microsoft.com/office/drawing/2014/main" id="{17AD7007-37B6-42F3-BE00-20C827F49049}"/>
+              </a:ext>
+            </a:extLst>
+          </p:cNvPr>
+          <p:cNvSpPr/>
+          <p:nvPr/>
+        </p:nvSpPr>
+        <p:spPr>
+          <a:xfrm>
+            <a:off x="4289177" y="2752824"/>
+            <a:ext cx="1827463" cy="1930400"/>
+          </a:xfrm>
+          <a:prstGeom prst="rect">
+            <a:avLst/>
+          </a:prstGeom>
+          <a:ln>
+            <a:solidFill>
+              <a:schemeClr val="tx1"/>
+            </a:solidFill>
+          </a:ln>
+          <a:effectLst/>
+        </p:spPr>
+        <p:style>
+          <a:lnRef idx="2">
+            <a:schemeClr val="accent6"/>
+          </a:lnRef>
+          <a:fillRef idx="1">
+            <a:schemeClr val="lt1"/>
+          </a:fillRef>
+          <a:effectRef idx="0">
+            <a:schemeClr val="accent6"/>
+          </a:effectRef>
+          <a:fontRef idx="minor">
+            <a:schemeClr val="dk1"/>
+          </a:fontRef>
+        </p:style>
+        <p:txBody>
+          <a:bodyPr rtlCol="0" anchor="ctr"/>
+          <a:lstStyle/>
+          <a:p>
+            <a:pPr algn="ctr"/>
+            <a:r>
+              <a:rPr kumimoji="1" lang="ja-JP" altLang="en-US" dirty="0"/>
+              <a:t>確率を計算</a:t>
+            </a:r>
+          </a:p>
+        </p:txBody>
+      </p:sp>
+      <p:sp>
+        <p:nvSpPr>
+          <p:cNvPr id="18" name="正方形/長方形 17">
+            <a:extLst>
+              <a:ext uri="{FF2B5EF4-FFF2-40B4-BE49-F238E27FC236}">
+                <a16:creationId xmlns:a16="http://schemas.microsoft.com/office/drawing/2014/main" id="{5A958CD7-9F51-4CBB-B5A5-889187194E6E}"/>
               </a:ext>
             </a:extLst>
           </p:cNvPr>
@@ -9680,13 +10671,6 @@
               <a:lumOff val="40000"/>
             </a:schemeClr>
           </a:solidFill>
-          <a:ln>
-            <a:solidFill>
-              <a:schemeClr val="accent6">
-                <a:lumMod val="75000"/>
-              </a:schemeClr>
-            </a:solidFill>
-          </a:ln>
         </p:spPr>
         <p:style>
           <a:lnRef idx="2">
@@ -9709,20 +10693,880 @@
           <a:lstStyle/>
           <a:p>
             <a:pPr algn="ctr"/>
+            <a:endParaRPr kumimoji="1" lang="ja-JP" altLang="en-US"/>
+          </a:p>
+        </p:txBody>
+      </p:sp>
+      <p:sp>
+        <p:nvSpPr>
+          <p:cNvPr id="20" name="正方形/長方形 19">
+            <a:extLst>
+              <a:ext uri="{FF2B5EF4-FFF2-40B4-BE49-F238E27FC236}">
+                <a16:creationId xmlns:a16="http://schemas.microsoft.com/office/drawing/2014/main" id="{A2A8DFAC-2DAD-4B02-856B-431C6CC347F0}"/>
+              </a:ext>
+            </a:extLst>
+          </p:cNvPr>
+          <p:cNvSpPr/>
+          <p:nvPr/>
+        </p:nvSpPr>
+        <p:spPr>
+          <a:xfrm>
+            <a:off x="8370087" y="2055813"/>
+            <a:ext cx="1137980" cy="723884"/>
+          </a:xfrm>
+          <a:prstGeom prst="rect">
+            <a:avLst/>
+          </a:prstGeom>
+          <a:ln>
+            <a:solidFill>
+              <a:schemeClr val="tx1"/>
+            </a:solidFill>
+          </a:ln>
+          <a:effectLst/>
+        </p:spPr>
+        <p:style>
+          <a:lnRef idx="2">
+            <a:schemeClr val="accent2"/>
+          </a:lnRef>
+          <a:fillRef idx="1">
+            <a:schemeClr val="lt1"/>
+          </a:fillRef>
+          <a:effectRef idx="0">
+            <a:schemeClr val="accent2"/>
+          </a:effectRef>
+          <a:fontRef idx="minor">
+            <a:schemeClr val="dk1"/>
+          </a:fontRef>
+        </p:style>
+        <p:txBody>
+          <a:bodyPr rtlCol="0" anchor="ctr"/>
+          <a:lstStyle/>
+          <a:p>
+            <a:pPr algn="ctr"/>
+            <a:r>
+              <a:rPr kumimoji="1" lang="ja-JP" altLang="en-US" dirty="0"/>
+              <a:t>動物</a:t>
+            </a:r>
+          </a:p>
+        </p:txBody>
+      </p:sp>
+      <p:sp>
+        <p:nvSpPr>
+          <p:cNvPr id="21" name="正方形/長方形 20">
+            <a:extLst>
+              <a:ext uri="{FF2B5EF4-FFF2-40B4-BE49-F238E27FC236}">
+                <a16:creationId xmlns:a16="http://schemas.microsoft.com/office/drawing/2014/main" id="{F0C59834-B5F3-46C9-A8DE-0298EB1FC7A3}"/>
+              </a:ext>
+            </a:extLst>
+          </p:cNvPr>
+          <p:cNvSpPr/>
+          <p:nvPr/>
+        </p:nvSpPr>
+        <p:spPr>
+          <a:xfrm>
+            <a:off x="8370087" y="4828126"/>
+            <a:ext cx="1137980" cy="723884"/>
+          </a:xfrm>
+          <a:prstGeom prst="rect">
+            <a:avLst/>
+          </a:prstGeom>
+          <a:ln>
+            <a:solidFill>
+              <a:schemeClr val="tx1"/>
+            </a:solidFill>
+          </a:ln>
+          <a:effectLst/>
+        </p:spPr>
+        <p:style>
+          <a:lnRef idx="2">
+            <a:schemeClr val="accent2"/>
+          </a:lnRef>
+          <a:fillRef idx="1">
+            <a:schemeClr val="lt1"/>
+          </a:fillRef>
+          <a:effectRef idx="0">
+            <a:schemeClr val="accent2"/>
+          </a:effectRef>
+          <a:fontRef idx="minor">
+            <a:schemeClr val="dk1"/>
+          </a:fontRef>
+        </p:style>
+        <p:txBody>
+          <a:bodyPr rtlCol="0" anchor="ctr"/>
+          <a:lstStyle/>
+          <a:p>
+            <a:pPr algn="ctr"/>
+            <a:r>
+              <a:rPr lang="ja-JP" altLang="en-US" dirty="0"/>
+              <a:t>経済</a:t>
+            </a:r>
             <a:endParaRPr kumimoji="1" lang="ja-JP" altLang="en-US" dirty="0"/>
+          </a:p>
+        </p:txBody>
+      </p:sp>
+      <p:sp>
+        <p:nvSpPr>
+          <p:cNvPr id="22" name="正方形/長方形 21">
+            <a:extLst>
+              <a:ext uri="{FF2B5EF4-FFF2-40B4-BE49-F238E27FC236}">
+                <a16:creationId xmlns:a16="http://schemas.microsoft.com/office/drawing/2014/main" id="{BAA6FDE2-BBC6-43BC-A2C5-E247B0789EC6}"/>
+              </a:ext>
+            </a:extLst>
+          </p:cNvPr>
+          <p:cNvSpPr/>
+          <p:nvPr/>
+        </p:nvSpPr>
+        <p:spPr>
+          <a:xfrm>
+            <a:off x="8370863" y="3401720"/>
+            <a:ext cx="1137980" cy="723884"/>
+          </a:xfrm>
+          <a:prstGeom prst="rect">
+            <a:avLst/>
+          </a:prstGeom>
+          <a:ln>
+            <a:solidFill>
+              <a:schemeClr val="tx1"/>
+            </a:solidFill>
+          </a:ln>
+          <a:effectLst/>
+        </p:spPr>
+        <p:style>
+          <a:lnRef idx="2">
+            <a:schemeClr val="accent2"/>
+          </a:lnRef>
+          <a:fillRef idx="1">
+            <a:schemeClr val="lt1"/>
+          </a:fillRef>
+          <a:effectRef idx="0">
+            <a:schemeClr val="accent2"/>
+          </a:effectRef>
+          <a:fontRef idx="minor">
+            <a:schemeClr val="dk1"/>
+          </a:fontRef>
+        </p:style>
+        <p:txBody>
+          <a:bodyPr rtlCol="0" anchor="ctr"/>
+          <a:lstStyle/>
+          <a:p>
+            <a:pPr algn="ctr"/>
+            <a:r>
+              <a:rPr kumimoji="1" lang="ja-JP" altLang="en-US" dirty="0"/>
+              <a:t>スポーツ</a:t>
+            </a:r>
+          </a:p>
+        </p:txBody>
+      </p:sp>
+      <p:sp>
+        <p:nvSpPr>
+          <p:cNvPr id="24" name="矢印: 上 23">
+            <a:extLst>
+              <a:ext uri="{FF2B5EF4-FFF2-40B4-BE49-F238E27FC236}">
+                <a16:creationId xmlns:a16="http://schemas.microsoft.com/office/drawing/2014/main" id="{18313628-56F8-4052-B989-E308F28D5D42}"/>
+              </a:ext>
+            </a:extLst>
+          </p:cNvPr>
+          <p:cNvSpPr/>
+          <p:nvPr/>
+        </p:nvSpPr>
+        <p:spPr>
+          <a:xfrm rot="16200000" flipH="1" flipV="1">
+            <a:off x="6285063" y="3370634"/>
+            <a:ext cx="991588" cy="694778"/>
+          </a:xfrm>
+          <a:prstGeom prst="upArrow">
+            <a:avLst>
+              <a:gd name="adj1" fmla="val 43450"/>
+              <a:gd name="adj2" fmla="val 50000"/>
+            </a:avLst>
+          </a:prstGeom>
+        </p:spPr>
+        <p:style>
+          <a:lnRef idx="2">
+            <a:schemeClr val="accent1">
+              <a:shade val="50000"/>
+            </a:schemeClr>
+          </a:lnRef>
+          <a:fillRef idx="1">
+            <a:schemeClr val="accent1"/>
+          </a:fillRef>
+          <a:effectRef idx="0">
+            <a:schemeClr val="accent1"/>
+          </a:effectRef>
+          <a:fontRef idx="minor">
+            <a:schemeClr val="lt1"/>
+          </a:fontRef>
+        </p:style>
+        <p:txBody>
+          <a:bodyPr rtlCol="0" anchor="ctr"/>
+          <a:lstStyle/>
+          <a:p>
+            <a:pPr algn="ctr"/>
+            <a:endParaRPr kumimoji="1" lang="ja-JP" altLang="en-US" dirty="0"/>
+          </a:p>
+        </p:txBody>
+      </p:sp>
+      <p:sp>
+        <p:nvSpPr>
+          <p:cNvPr id="6" name="テキスト ボックス 5">
+            <a:extLst>
+              <a:ext uri="{FF2B5EF4-FFF2-40B4-BE49-F238E27FC236}">
+                <a16:creationId xmlns:a16="http://schemas.microsoft.com/office/drawing/2014/main" id="{3B3E8D80-9F03-430F-B9E6-A013E0659D31}"/>
+              </a:ext>
+            </a:extLst>
+          </p:cNvPr>
+          <p:cNvSpPr txBox="1"/>
+          <p:nvPr/>
+        </p:nvSpPr>
+        <p:spPr>
+          <a:xfrm>
+            <a:off x="7642918" y="2256605"/>
+            <a:ext cx="694778" cy="369332"/>
+          </a:xfrm>
+          <a:prstGeom prst="rect">
+            <a:avLst/>
+          </a:prstGeom>
+          <a:noFill/>
+        </p:spPr>
+        <p:txBody>
+          <a:bodyPr wrap="square" rtlCol="0">
+            <a:spAutoFit/>
+          </a:bodyPr>
+          <a:lstStyle/>
+          <a:p>
+            <a:r>
+              <a:rPr lang="en-US" altLang="ja-JP" dirty="0"/>
+              <a:t>74</a:t>
+            </a:r>
+            <a:r>
+              <a:rPr kumimoji="1" lang="ja-JP" altLang="en-US" dirty="0"/>
+              <a:t>％</a:t>
+            </a:r>
+            <a:endParaRPr kumimoji="1" lang="en-US" altLang="ja-JP" dirty="0"/>
+          </a:p>
+        </p:txBody>
+      </p:sp>
+      <p:sp>
+        <p:nvSpPr>
+          <p:cNvPr id="19" name="テキスト ボックス 18">
+            <a:extLst>
+              <a:ext uri="{FF2B5EF4-FFF2-40B4-BE49-F238E27FC236}">
+                <a16:creationId xmlns:a16="http://schemas.microsoft.com/office/drawing/2014/main" id="{A16A0E00-2644-41C6-90FC-B4DD76A3593D}"/>
+              </a:ext>
+            </a:extLst>
+          </p:cNvPr>
+          <p:cNvSpPr txBox="1"/>
+          <p:nvPr/>
+        </p:nvSpPr>
+        <p:spPr>
+          <a:xfrm>
+            <a:off x="7543677" y="3575826"/>
+            <a:ext cx="694778" cy="369332"/>
+          </a:xfrm>
+          <a:prstGeom prst="rect">
+            <a:avLst/>
+          </a:prstGeom>
+          <a:noFill/>
+        </p:spPr>
+        <p:txBody>
+          <a:bodyPr wrap="square" rtlCol="0">
+            <a:spAutoFit/>
+          </a:bodyPr>
+          <a:lstStyle/>
+          <a:p>
+            <a:r>
+              <a:rPr kumimoji="1" lang="en-US" altLang="ja-JP" dirty="0"/>
+              <a:t>14</a:t>
+            </a:r>
+            <a:r>
+              <a:rPr kumimoji="1" lang="ja-JP" altLang="en-US" dirty="0"/>
+              <a:t>％</a:t>
+            </a:r>
+            <a:endParaRPr kumimoji="1" lang="en-US" altLang="ja-JP" dirty="0"/>
+          </a:p>
+        </p:txBody>
+      </p:sp>
+      <p:sp>
+        <p:nvSpPr>
+          <p:cNvPr id="23" name="テキスト ボックス 22">
+            <a:extLst>
+              <a:ext uri="{FF2B5EF4-FFF2-40B4-BE49-F238E27FC236}">
+                <a16:creationId xmlns:a16="http://schemas.microsoft.com/office/drawing/2014/main" id="{AEC037C1-EFFE-4880-B5D9-A8F986DEC662}"/>
+              </a:ext>
+            </a:extLst>
+          </p:cNvPr>
+          <p:cNvSpPr txBox="1"/>
+          <p:nvPr/>
+        </p:nvSpPr>
+        <p:spPr>
+          <a:xfrm>
+            <a:off x="7663884" y="5094454"/>
+            <a:ext cx="694778" cy="369332"/>
+          </a:xfrm>
+          <a:prstGeom prst="rect">
+            <a:avLst/>
+          </a:prstGeom>
+          <a:noFill/>
+        </p:spPr>
+        <p:txBody>
+          <a:bodyPr wrap="square" rtlCol="0">
+            <a:spAutoFit/>
+          </a:bodyPr>
+          <a:lstStyle/>
+          <a:p>
+            <a:r>
+              <a:rPr lang="en-US" altLang="ja-JP" dirty="0"/>
+              <a:t>12</a:t>
+            </a:r>
+            <a:r>
+              <a:rPr kumimoji="1" lang="ja-JP" altLang="en-US" dirty="0"/>
+              <a:t>％</a:t>
+            </a:r>
+            <a:endParaRPr kumimoji="1" lang="en-US" altLang="ja-JP" dirty="0"/>
+          </a:p>
+        </p:txBody>
+      </p:sp>
+      <p:sp>
+        <p:nvSpPr>
+          <p:cNvPr id="8" name="楕円 7">
+            <a:extLst>
+              <a:ext uri="{FF2B5EF4-FFF2-40B4-BE49-F238E27FC236}">
+                <a16:creationId xmlns:a16="http://schemas.microsoft.com/office/drawing/2014/main" id="{9839CB5E-FC8A-4BB3-86E5-8A44F1B75BEC}"/>
+              </a:ext>
+            </a:extLst>
+          </p:cNvPr>
+          <p:cNvSpPr/>
+          <p:nvPr/>
+        </p:nvSpPr>
+        <p:spPr>
+          <a:xfrm>
+            <a:off x="7188056" y="1571544"/>
+            <a:ext cx="2915640" cy="1709972"/>
+          </a:xfrm>
+          <a:prstGeom prst="ellipse">
+            <a:avLst/>
+          </a:prstGeom>
+          <a:noFill/>
+          <a:ln w="76200">
+            <a:solidFill>
+              <a:srgbClr val="FF0000"/>
+            </a:solidFill>
+          </a:ln>
+        </p:spPr>
+        <p:style>
+          <a:lnRef idx="2">
+            <a:schemeClr val="accent1">
+              <a:shade val="50000"/>
+            </a:schemeClr>
+          </a:lnRef>
+          <a:fillRef idx="1">
+            <a:schemeClr val="accent1"/>
+          </a:fillRef>
+          <a:effectRef idx="0">
+            <a:schemeClr val="accent1"/>
+          </a:effectRef>
+          <a:fontRef idx="minor">
+            <a:schemeClr val="lt1"/>
+          </a:fontRef>
+        </p:style>
+        <p:txBody>
+          <a:bodyPr rtlCol="0" anchor="ctr"/>
+          <a:lstStyle/>
+          <a:p>
+            <a:pPr algn="ctr"/>
+            <a:endParaRPr kumimoji="1" lang="ja-JP" altLang="en-US"/>
+          </a:p>
+        </p:txBody>
+      </p:sp>
+      <p:sp>
+        <p:nvSpPr>
+          <p:cNvPr id="9" name="吹き出し: 角を丸めた四角形 8">
+            <a:extLst>
+              <a:ext uri="{FF2B5EF4-FFF2-40B4-BE49-F238E27FC236}">
+                <a16:creationId xmlns:a16="http://schemas.microsoft.com/office/drawing/2014/main" id="{BEE4525F-752F-478B-99EB-5CF15FA52116}"/>
+              </a:ext>
+            </a:extLst>
+          </p:cNvPr>
+          <p:cNvSpPr/>
+          <p:nvPr/>
+        </p:nvSpPr>
+        <p:spPr>
+          <a:xfrm>
+            <a:off x="4462011" y="4954300"/>
+            <a:ext cx="1654629" cy="1538575"/>
+          </a:xfrm>
+          <a:prstGeom prst="wedgeRoundRectCallout">
+            <a:avLst>
+              <a:gd name="adj1" fmla="val -14693"/>
+              <a:gd name="adj2" fmla="val -63910"/>
+              <a:gd name="adj3" fmla="val 16667"/>
+            </a:avLst>
+          </a:prstGeom>
+        </p:spPr>
+        <p:style>
+          <a:lnRef idx="2">
+            <a:schemeClr val="accent1">
+              <a:shade val="50000"/>
+            </a:schemeClr>
+          </a:lnRef>
+          <a:fillRef idx="1">
+            <a:schemeClr val="accent1"/>
+          </a:fillRef>
+          <a:effectRef idx="0">
+            <a:schemeClr val="accent1"/>
+          </a:effectRef>
+          <a:fontRef idx="minor">
+            <a:schemeClr val="lt1"/>
+          </a:fontRef>
+        </p:style>
+        <p:txBody>
+          <a:bodyPr rtlCol="0" anchor="ctr"/>
+          <a:lstStyle/>
+          <a:p>
+            <a:pPr algn="ctr"/>
+            <a:r>
+              <a:rPr lang="en-US" altLang="ja-JP"/>
+              <a:t>fastText</a:t>
+            </a:r>
+            <a:endParaRPr lang="ja-JP" altLang="en-US" dirty="0"/>
           </a:p>
         </p:txBody>
       </p:sp>
     </p:spTree>
     <p:extLst>
       <p:ext uri="{BB962C8B-B14F-4D97-AF65-F5344CB8AC3E}">
-        <p14:creationId xmlns:p14="http://schemas.microsoft.com/office/powerpoint/2010/main" val="241753833"/>
+        <p14:creationId xmlns:p14="http://schemas.microsoft.com/office/powerpoint/2010/main" val="3936407444"/>
       </p:ext>
     </p:extLst>
   </p:cSld>
   <p:clrMapOvr>
     <a:masterClrMapping/>
   </p:clrMapOvr>
+  <p:timing>
+    <p:tnLst>
+      <p:par>
+        <p:cTn id="1" dur="indefinite" restart="never" nodeType="tmRoot">
+          <p:childTnLst>
+            <p:seq concurrent="1" nextAc="seek">
+              <p:cTn id="2" dur="indefinite" nodeType="mainSeq">
+                <p:childTnLst>
+                  <p:par>
+                    <p:cTn id="3" fill="hold">
+                      <p:stCondLst>
+                        <p:cond delay="indefinite"/>
+                      </p:stCondLst>
+                      <p:childTnLst>
+                        <p:par>
+                          <p:cTn id="4" fill="hold">
+                            <p:stCondLst>
+                              <p:cond delay="0"/>
+                            </p:stCondLst>
+                            <p:childTnLst>
+                              <p:par>
+                                <p:cTn id="5" presetID="6" presetClass="emph" presetSubtype="0" autoRev="1" fill="hold" grpId="1" nodeType="clickEffect">
+                                  <p:stCondLst>
+                                    <p:cond delay="0"/>
+                                  </p:stCondLst>
+                                  <p:childTnLst>
+                                    <p:animScale>
+                                      <p:cBhvr>
+                                        <p:cTn id="6" dur="250" fill="hold"/>
+                                        <p:tgtEl>
+                                          <p:spTgt spid="20"/>
+                                        </p:tgtEl>
+                                      </p:cBhvr>
+                                      <p:by x="150000" y="150000"/>
+                                    </p:animScale>
+                                  </p:childTnLst>
+                                </p:cTn>
+                              </p:par>
+                              <p:par>
+                                <p:cTn id="7" presetID="6" presetClass="emph" presetSubtype="0" autoRev="1" fill="hold" grpId="1" nodeType="withEffect">
+                                  <p:stCondLst>
+                                    <p:cond delay="0"/>
+                                  </p:stCondLst>
+                                  <p:childTnLst>
+                                    <p:animScale>
+                                      <p:cBhvr>
+                                        <p:cTn id="8" dur="250" fill="hold"/>
+                                        <p:tgtEl>
+                                          <p:spTgt spid="22"/>
+                                        </p:tgtEl>
+                                      </p:cBhvr>
+                                      <p:by x="150000" y="150000"/>
+                                    </p:animScale>
+                                  </p:childTnLst>
+                                </p:cTn>
+                              </p:par>
+                              <p:par>
+                                <p:cTn id="9" presetID="6" presetClass="emph" presetSubtype="0" autoRev="1" fill="hold" grpId="1" nodeType="withEffect">
+                                  <p:stCondLst>
+                                    <p:cond delay="0"/>
+                                  </p:stCondLst>
+                                  <p:childTnLst>
+                                    <p:animScale>
+                                      <p:cBhvr>
+                                        <p:cTn id="10" dur="250" fill="hold"/>
+                                        <p:tgtEl>
+                                          <p:spTgt spid="21"/>
+                                        </p:tgtEl>
+                                      </p:cBhvr>
+                                      <p:by x="150000" y="150000"/>
+                                    </p:animScale>
+                                  </p:childTnLst>
+                                </p:cTn>
+                              </p:par>
+                            </p:childTnLst>
+                          </p:cTn>
+                        </p:par>
+                      </p:childTnLst>
+                    </p:cTn>
+                  </p:par>
+                  <p:par>
+                    <p:cTn id="11" fill="hold">
+                      <p:stCondLst>
+                        <p:cond delay="indefinite"/>
+                      </p:stCondLst>
+                      <p:childTnLst>
+                        <p:par>
+                          <p:cTn id="12" fill="hold">
+                            <p:stCondLst>
+                              <p:cond delay="0"/>
+                            </p:stCondLst>
+                            <p:childTnLst>
+                              <p:par>
+                                <p:cTn id="13" presetID="42" presetClass="entr" presetSubtype="0" fill="hold" grpId="0" nodeType="clickEffect">
+                                  <p:stCondLst>
+                                    <p:cond delay="0"/>
+                                  </p:stCondLst>
+                                  <p:childTnLst>
+                                    <p:set>
+                                      <p:cBhvr>
+                                        <p:cTn id="14" dur="1" fill="hold">
+                                          <p:stCondLst>
+                                            <p:cond delay="0"/>
+                                          </p:stCondLst>
+                                        </p:cTn>
+                                        <p:tgtEl>
+                                          <p:spTgt spid="6"/>
+                                        </p:tgtEl>
+                                        <p:attrNameLst>
+                                          <p:attrName>style.visibility</p:attrName>
+                                        </p:attrNameLst>
+                                      </p:cBhvr>
+                                      <p:to>
+                                        <p:strVal val="visible"/>
+                                      </p:to>
+                                    </p:set>
+                                    <p:animEffect transition="in" filter="fade">
+                                      <p:cBhvr>
+                                        <p:cTn id="15" dur="500"/>
+                                        <p:tgtEl>
+                                          <p:spTgt spid="6"/>
+                                        </p:tgtEl>
+                                      </p:cBhvr>
+                                    </p:animEffect>
+                                    <p:anim calcmode="lin" valueType="num">
+                                      <p:cBhvr>
+                                        <p:cTn id="16" dur="500" fill="hold"/>
+                                        <p:tgtEl>
+                                          <p:spTgt spid="6"/>
+                                        </p:tgtEl>
+                                        <p:attrNameLst>
+                                          <p:attrName>ppt_x</p:attrName>
+                                        </p:attrNameLst>
+                                      </p:cBhvr>
+                                      <p:tavLst>
+                                        <p:tav tm="0">
+                                          <p:val>
+                                            <p:strVal val="#ppt_x"/>
+                                          </p:val>
+                                        </p:tav>
+                                        <p:tav tm="100000">
+                                          <p:val>
+                                            <p:strVal val="#ppt_x"/>
+                                          </p:val>
+                                        </p:tav>
+                                      </p:tavLst>
+                                    </p:anim>
+                                    <p:anim calcmode="lin" valueType="num">
+                                      <p:cBhvr>
+                                        <p:cTn id="17" dur="500" fill="hold"/>
+                                        <p:tgtEl>
+                                          <p:spTgt spid="6"/>
+                                        </p:tgtEl>
+                                        <p:attrNameLst>
+                                          <p:attrName>ppt_y</p:attrName>
+                                        </p:attrNameLst>
+                                      </p:cBhvr>
+                                      <p:tavLst>
+                                        <p:tav tm="0">
+                                          <p:val>
+                                            <p:strVal val="#ppt_y+.1"/>
+                                          </p:val>
+                                        </p:tav>
+                                        <p:tav tm="100000">
+                                          <p:val>
+                                            <p:strVal val="#ppt_y"/>
+                                          </p:val>
+                                        </p:tav>
+                                      </p:tavLst>
+                                    </p:anim>
+                                  </p:childTnLst>
+                                </p:cTn>
+                              </p:par>
+                              <p:par>
+                                <p:cTn id="18" presetID="42" presetClass="entr" presetSubtype="0" fill="hold" grpId="0" nodeType="withEffect">
+                                  <p:stCondLst>
+                                    <p:cond delay="0"/>
+                                  </p:stCondLst>
+                                  <p:childTnLst>
+                                    <p:set>
+                                      <p:cBhvr>
+                                        <p:cTn id="19" dur="1" fill="hold">
+                                          <p:stCondLst>
+                                            <p:cond delay="0"/>
+                                          </p:stCondLst>
+                                        </p:cTn>
+                                        <p:tgtEl>
+                                          <p:spTgt spid="19"/>
+                                        </p:tgtEl>
+                                        <p:attrNameLst>
+                                          <p:attrName>style.visibility</p:attrName>
+                                        </p:attrNameLst>
+                                      </p:cBhvr>
+                                      <p:to>
+                                        <p:strVal val="visible"/>
+                                      </p:to>
+                                    </p:set>
+                                    <p:animEffect transition="in" filter="fade">
+                                      <p:cBhvr>
+                                        <p:cTn id="20" dur="500"/>
+                                        <p:tgtEl>
+                                          <p:spTgt spid="19"/>
+                                        </p:tgtEl>
+                                      </p:cBhvr>
+                                    </p:animEffect>
+                                    <p:anim calcmode="lin" valueType="num">
+                                      <p:cBhvr>
+                                        <p:cTn id="21" dur="500" fill="hold"/>
+                                        <p:tgtEl>
+                                          <p:spTgt spid="19"/>
+                                        </p:tgtEl>
+                                        <p:attrNameLst>
+                                          <p:attrName>ppt_x</p:attrName>
+                                        </p:attrNameLst>
+                                      </p:cBhvr>
+                                      <p:tavLst>
+                                        <p:tav tm="0">
+                                          <p:val>
+                                            <p:strVal val="#ppt_x"/>
+                                          </p:val>
+                                        </p:tav>
+                                        <p:tav tm="100000">
+                                          <p:val>
+                                            <p:strVal val="#ppt_x"/>
+                                          </p:val>
+                                        </p:tav>
+                                      </p:tavLst>
+                                    </p:anim>
+                                    <p:anim calcmode="lin" valueType="num">
+                                      <p:cBhvr>
+                                        <p:cTn id="22" dur="500" fill="hold"/>
+                                        <p:tgtEl>
+                                          <p:spTgt spid="19"/>
+                                        </p:tgtEl>
+                                        <p:attrNameLst>
+                                          <p:attrName>ppt_y</p:attrName>
+                                        </p:attrNameLst>
+                                      </p:cBhvr>
+                                      <p:tavLst>
+                                        <p:tav tm="0">
+                                          <p:val>
+                                            <p:strVal val="#ppt_y+.1"/>
+                                          </p:val>
+                                        </p:tav>
+                                        <p:tav tm="100000">
+                                          <p:val>
+                                            <p:strVal val="#ppt_y"/>
+                                          </p:val>
+                                        </p:tav>
+                                      </p:tavLst>
+                                    </p:anim>
+                                  </p:childTnLst>
+                                </p:cTn>
+                              </p:par>
+                              <p:par>
+                                <p:cTn id="23" presetID="42" presetClass="entr" presetSubtype="0" fill="hold" grpId="0" nodeType="withEffect">
+                                  <p:stCondLst>
+                                    <p:cond delay="0"/>
+                                  </p:stCondLst>
+                                  <p:childTnLst>
+                                    <p:set>
+                                      <p:cBhvr>
+                                        <p:cTn id="24" dur="1" fill="hold">
+                                          <p:stCondLst>
+                                            <p:cond delay="0"/>
+                                          </p:stCondLst>
+                                        </p:cTn>
+                                        <p:tgtEl>
+                                          <p:spTgt spid="23"/>
+                                        </p:tgtEl>
+                                        <p:attrNameLst>
+                                          <p:attrName>style.visibility</p:attrName>
+                                        </p:attrNameLst>
+                                      </p:cBhvr>
+                                      <p:to>
+                                        <p:strVal val="visible"/>
+                                      </p:to>
+                                    </p:set>
+                                    <p:animEffect transition="in" filter="fade">
+                                      <p:cBhvr>
+                                        <p:cTn id="25" dur="500"/>
+                                        <p:tgtEl>
+                                          <p:spTgt spid="23"/>
+                                        </p:tgtEl>
+                                      </p:cBhvr>
+                                    </p:animEffect>
+                                    <p:anim calcmode="lin" valueType="num">
+                                      <p:cBhvr>
+                                        <p:cTn id="26" dur="500" fill="hold"/>
+                                        <p:tgtEl>
+                                          <p:spTgt spid="23"/>
+                                        </p:tgtEl>
+                                        <p:attrNameLst>
+                                          <p:attrName>ppt_x</p:attrName>
+                                        </p:attrNameLst>
+                                      </p:cBhvr>
+                                      <p:tavLst>
+                                        <p:tav tm="0">
+                                          <p:val>
+                                            <p:strVal val="#ppt_x"/>
+                                          </p:val>
+                                        </p:tav>
+                                        <p:tav tm="100000">
+                                          <p:val>
+                                            <p:strVal val="#ppt_x"/>
+                                          </p:val>
+                                        </p:tav>
+                                      </p:tavLst>
+                                    </p:anim>
+                                    <p:anim calcmode="lin" valueType="num">
+                                      <p:cBhvr>
+                                        <p:cTn id="27" dur="500" fill="hold"/>
+                                        <p:tgtEl>
+                                          <p:spTgt spid="23"/>
+                                        </p:tgtEl>
+                                        <p:attrNameLst>
+                                          <p:attrName>ppt_y</p:attrName>
+                                        </p:attrNameLst>
+                                      </p:cBhvr>
+                                      <p:tavLst>
+                                        <p:tav tm="0">
+                                          <p:val>
+                                            <p:strVal val="#ppt_y+.1"/>
+                                          </p:val>
+                                        </p:tav>
+                                        <p:tav tm="100000">
+                                          <p:val>
+                                            <p:strVal val="#ppt_y"/>
+                                          </p:val>
+                                        </p:tav>
+                                      </p:tavLst>
+                                    </p:anim>
+                                  </p:childTnLst>
+                                </p:cTn>
+                              </p:par>
+                            </p:childTnLst>
+                          </p:cTn>
+                        </p:par>
+                      </p:childTnLst>
+                    </p:cTn>
+                  </p:par>
+                  <p:par>
+                    <p:cTn id="28" fill="hold">
+                      <p:stCondLst>
+                        <p:cond delay="indefinite"/>
+                      </p:stCondLst>
+                      <p:childTnLst>
+                        <p:par>
+                          <p:cTn id="29" fill="hold">
+                            <p:stCondLst>
+                              <p:cond delay="0"/>
+                            </p:stCondLst>
+                            <p:childTnLst>
+                              <p:par>
+                                <p:cTn id="30" presetID="21" presetClass="entr" presetSubtype="1" fill="hold" grpId="0" nodeType="clickEffect">
+                                  <p:stCondLst>
+                                    <p:cond delay="0"/>
+                                  </p:stCondLst>
+                                  <p:childTnLst>
+                                    <p:set>
+                                      <p:cBhvr>
+                                        <p:cTn id="31" dur="1" fill="hold">
+                                          <p:stCondLst>
+                                            <p:cond delay="0"/>
+                                          </p:stCondLst>
+                                        </p:cTn>
+                                        <p:tgtEl>
+                                          <p:spTgt spid="8"/>
+                                        </p:tgtEl>
+                                        <p:attrNameLst>
+                                          <p:attrName>style.visibility</p:attrName>
+                                        </p:attrNameLst>
+                                      </p:cBhvr>
+                                      <p:to>
+                                        <p:strVal val="visible"/>
+                                      </p:to>
+                                    </p:set>
+                                    <p:animEffect transition="in" filter="wheel(1)">
+                                      <p:cBhvr>
+                                        <p:cTn id="32" dur="750"/>
+                                        <p:tgtEl>
+                                          <p:spTgt spid="8"/>
+                                        </p:tgtEl>
+                                      </p:cBhvr>
+                                    </p:animEffect>
+                                  </p:childTnLst>
+                                </p:cTn>
+                              </p:par>
+                            </p:childTnLst>
+                          </p:cTn>
+                        </p:par>
+                      </p:childTnLst>
+                    </p:cTn>
+                  </p:par>
+                </p:childTnLst>
+              </p:cTn>
+              <p:prevCondLst>
+                <p:cond evt="onPrev" delay="0">
+                  <p:tgtEl>
+                    <p:sldTgt/>
+                  </p:tgtEl>
+                </p:cond>
+              </p:prevCondLst>
+              <p:nextCondLst>
+                <p:cond evt="onNext" delay="0">
+                  <p:tgtEl>
+                    <p:sldTgt/>
+                  </p:tgtEl>
+                </p:cond>
+              </p:nextCondLst>
+            </p:seq>
+          </p:childTnLst>
+        </p:cTn>
+      </p:par>
+    </p:tnLst>
+    <p:bldLst>
+      <p:bldP spid="20" grpId="1" animBg="1"/>
+      <p:bldP spid="21" grpId="1" animBg="1"/>
+      <p:bldP spid="22" grpId="1" animBg="1"/>
+      <p:bldP spid="6" grpId="0"/>
+      <p:bldP spid="19" grpId="0"/>
+      <p:bldP spid="23" grpId="0"/>
+      <p:bldP spid="8" grpId="0" animBg="1"/>
+    </p:bldLst>
+  </p:timing>
 </p:sld>
 </file>
 
@@ -9748,7 +11592,7 @@
           <p:cNvPr id="2" name="タイトル 1">
             <a:extLst>
               <a:ext uri="{FF2B5EF4-FFF2-40B4-BE49-F238E27FC236}">
-                <a16:creationId xmlns:a16="http://schemas.microsoft.com/office/drawing/2014/main" id="{1D495C39-98D1-4F21-A6A4-AFD55E572524}"/>
+                <a16:creationId xmlns:a16="http://schemas.microsoft.com/office/drawing/2014/main" id="{37BB279A-C118-465B-9AF4-6938D7D7CA61}"/>
               </a:ext>
             </a:extLst>
           </p:cNvPr>
@@ -9759,60 +11603,30 @@
             <p:ph type="title"/>
           </p:nvPr>
         </p:nvSpPr>
-        <p:spPr/>
+        <p:spPr>
+          <a:xfrm>
+            <a:off x="838200" y="365125"/>
+            <a:ext cx="7747000" cy="1325563"/>
+          </a:xfrm>
+        </p:spPr>
         <p:txBody>
           <a:bodyPr/>
           <a:lstStyle/>
           <a:p>
             <a:r>
-              <a:rPr kumimoji="1" lang="ja-JP" altLang="en-US" dirty="0"/>
-              <a:t>工夫した点</a:t>
-            </a:r>
-          </a:p>
-        </p:txBody>
-      </p:sp>
-      <p:sp>
-        <p:nvSpPr>
-          <p:cNvPr id="3" name="コンテンツ プレースホルダー 2">
-            <a:extLst>
-              <a:ext uri="{FF2B5EF4-FFF2-40B4-BE49-F238E27FC236}">
-                <a16:creationId xmlns:a16="http://schemas.microsoft.com/office/drawing/2014/main" id="{B0A1939D-E094-47E7-8D44-F415E8416185}"/>
-              </a:ext>
-            </a:extLst>
-          </p:cNvPr>
-          <p:cNvSpPr>
-            <a:spLocks noGrp="1"/>
-          </p:cNvSpPr>
-          <p:nvPr>
-            <p:ph idx="1"/>
-          </p:nvPr>
-        </p:nvSpPr>
-        <p:spPr/>
-        <p:txBody>
-          <a:bodyPr/>
-          <a:lstStyle/>
-          <a:p>
-            <a:r>
-              <a:rPr kumimoji="1" lang="ja-JP" altLang="en-US" dirty="0"/>
-              <a:t>トレーニングデータの作り方</a:t>
-            </a:r>
-            <a:endParaRPr kumimoji="1" lang="en-US" altLang="ja-JP" dirty="0"/>
-          </a:p>
-          <a:p>
-            <a:r>
-              <a:rPr kumimoji="1" lang="ja-JP" altLang="en-US" dirty="0"/>
-              <a:t>発生している問題</a:t>
-            </a:r>
-            <a:endParaRPr kumimoji="1" lang="en-US" altLang="ja-JP" dirty="0"/>
-          </a:p>
-        </p:txBody>
-      </p:sp>
-      <p:sp>
-        <p:nvSpPr>
-          <p:cNvPr id="5" name="正方形/長方形 4">
-            <a:extLst>
-              <a:ext uri="{FF2B5EF4-FFF2-40B4-BE49-F238E27FC236}">
-                <a16:creationId xmlns:a16="http://schemas.microsoft.com/office/drawing/2014/main" id="{9064BDA2-95B2-4A3A-9A0A-5E1E79979B0B}"/>
+              <a:rPr kumimoji="1" lang="en-US" altLang="ja-JP" dirty="0" err="1"/>
+              <a:t>fastText</a:t>
+            </a:r>
+            <a:endParaRPr kumimoji="1" lang="ja-JP" altLang="en-US" dirty="0"/>
+          </a:p>
+        </p:txBody>
+      </p:sp>
+      <p:sp>
+        <p:nvSpPr>
+          <p:cNvPr id="6" name="正方形/長方形 5">
+            <a:extLst>
+              <a:ext uri="{FF2B5EF4-FFF2-40B4-BE49-F238E27FC236}">
+                <a16:creationId xmlns:a16="http://schemas.microsoft.com/office/drawing/2014/main" id="{E400E8B0-1205-48EC-8658-8303BD435982}"/>
               </a:ext>
             </a:extLst>
           </p:cNvPr>
@@ -9859,10 +11673,1212 @@
           </a:p>
         </p:txBody>
       </p:sp>
+      <p:sp>
+        <p:nvSpPr>
+          <p:cNvPr id="9" name="正方形/長方形 8">
+            <a:extLst>
+              <a:ext uri="{FF2B5EF4-FFF2-40B4-BE49-F238E27FC236}">
+                <a16:creationId xmlns:a16="http://schemas.microsoft.com/office/drawing/2014/main" id="{E5D0F5E3-31AA-48A4-A9A9-06A6C9EA087E}"/>
+              </a:ext>
+            </a:extLst>
+          </p:cNvPr>
+          <p:cNvSpPr/>
+          <p:nvPr/>
+        </p:nvSpPr>
+        <p:spPr>
+          <a:xfrm>
+            <a:off x="131092" y="3806686"/>
+            <a:ext cx="3262433" cy="707886"/>
+          </a:xfrm>
+          <a:prstGeom prst="rect">
+            <a:avLst/>
+          </a:prstGeom>
+          <a:solidFill>
+            <a:schemeClr val="bg1"/>
+          </a:solidFill>
+          <a:ln w="57150">
+            <a:solidFill>
+              <a:schemeClr val="tx1"/>
+            </a:solidFill>
+          </a:ln>
+        </p:spPr>
+        <p:txBody>
+          <a:bodyPr wrap="none">
+            <a:spAutoFit/>
+          </a:bodyPr>
+          <a:lstStyle/>
+          <a:p>
+            <a:pPr algn="ctr"/>
+            <a:r>
+              <a:rPr lang="ja-JP" altLang="en-US" sz="4000" b="1" dirty="0"/>
+              <a:t>犬と猫が好き</a:t>
+            </a:r>
+          </a:p>
+        </p:txBody>
+      </p:sp>
+      <p:sp>
+        <p:nvSpPr>
+          <p:cNvPr id="16" name="矢印: 右 15">
+            <a:extLst>
+              <a:ext uri="{FF2B5EF4-FFF2-40B4-BE49-F238E27FC236}">
+                <a16:creationId xmlns:a16="http://schemas.microsoft.com/office/drawing/2014/main" id="{1B6EAEC0-EF2F-4188-BDC0-9E7CAA817B80}"/>
+              </a:ext>
+            </a:extLst>
+          </p:cNvPr>
+          <p:cNvSpPr/>
+          <p:nvPr/>
+        </p:nvSpPr>
+        <p:spPr>
+          <a:xfrm>
+            <a:off x="3724128" y="3316938"/>
+            <a:ext cx="973726" cy="1712686"/>
+          </a:xfrm>
+          <a:prstGeom prst="rightArrow">
+            <a:avLst/>
+          </a:prstGeom>
+          <a:solidFill>
+            <a:srgbClr val="FF0000"/>
+          </a:solidFill>
+          <a:ln>
+            <a:noFill/>
+          </a:ln>
+        </p:spPr>
+        <p:style>
+          <a:lnRef idx="2">
+            <a:schemeClr val="accent1">
+              <a:shade val="50000"/>
+            </a:schemeClr>
+          </a:lnRef>
+          <a:fillRef idx="1">
+            <a:schemeClr val="accent1"/>
+          </a:fillRef>
+          <a:effectRef idx="0">
+            <a:schemeClr val="accent1"/>
+          </a:effectRef>
+          <a:fontRef idx="minor">
+            <a:schemeClr val="lt1"/>
+          </a:fontRef>
+        </p:style>
+        <p:txBody>
+          <a:bodyPr rtlCol="0" anchor="ctr"/>
+          <a:lstStyle/>
+          <a:p>
+            <a:pPr algn="ctr"/>
+            <a:endParaRPr kumimoji="1" lang="ja-JP" altLang="en-US"/>
+          </a:p>
+        </p:txBody>
+      </p:sp>
+      <p:sp>
+        <p:nvSpPr>
+          <p:cNvPr id="17" name="正方形/長方形 16">
+            <a:extLst>
+              <a:ext uri="{FF2B5EF4-FFF2-40B4-BE49-F238E27FC236}">
+                <a16:creationId xmlns:a16="http://schemas.microsoft.com/office/drawing/2014/main" id="{36F4EB4F-00D7-4FDC-BAF3-CDC1C92C5A56}"/>
+              </a:ext>
+            </a:extLst>
+          </p:cNvPr>
+          <p:cNvSpPr/>
+          <p:nvPr/>
+        </p:nvSpPr>
+        <p:spPr>
+          <a:xfrm>
+            <a:off x="5834922" y="2730538"/>
+            <a:ext cx="1788160" cy="4135120"/>
+          </a:xfrm>
+          <a:prstGeom prst="rect">
+            <a:avLst/>
+          </a:prstGeom>
+          <a:solidFill>
+            <a:schemeClr val="bg1"/>
+          </a:solidFill>
+          <a:ln w="57150">
+            <a:solidFill>
+              <a:schemeClr val="accent6">
+                <a:lumMod val="50000"/>
+              </a:schemeClr>
+            </a:solidFill>
+          </a:ln>
+        </p:spPr>
+        <p:style>
+          <a:lnRef idx="2">
+            <a:schemeClr val="accent1">
+              <a:shade val="50000"/>
+            </a:schemeClr>
+          </a:lnRef>
+          <a:fillRef idx="1">
+            <a:schemeClr val="accent1"/>
+          </a:fillRef>
+          <a:effectRef idx="0">
+            <a:schemeClr val="accent1"/>
+          </a:effectRef>
+          <a:fontRef idx="minor">
+            <a:schemeClr val="lt1"/>
+          </a:fontRef>
+        </p:style>
+        <p:txBody>
+          <a:bodyPr rtlCol="0" anchor="ctr"/>
+          <a:lstStyle/>
+          <a:p>
+            <a:pPr algn="ctr"/>
+            <a:endParaRPr kumimoji="1" lang="ja-JP" altLang="en-US">
+              <a:solidFill>
+                <a:schemeClr val="accent6">
+                  <a:lumMod val="50000"/>
+                </a:schemeClr>
+              </a:solidFill>
+            </a:endParaRPr>
+          </a:p>
+        </p:txBody>
+      </p:sp>
+      <p:sp>
+        <p:nvSpPr>
+          <p:cNvPr id="18" name="正方形/長方形 17">
+            <a:extLst>
+              <a:ext uri="{FF2B5EF4-FFF2-40B4-BE49-F238E27FC236}">
+                <a16:creationId xmlns:a16="http://schemas.microsoft.com/office/drawing/2014/main" id="{FF92D6F6-D403-4F5B-BA56-086D2994E870}"/>
+              </a:ext>
+            </a:extLst>
+          </p:cNvPr>
+          <p:cNvSpPr/>
+          <p:nvPr/>
+        </p:nvSpPr>
+        <p:spPr>
+          <a:xfrm>
+            <a:off x="8128000" y="2722880"/>
+            <a:ext cx="1788160" cy="4135120"/>
+          </a:xfrm>
+          <a:prstGeom prst="rect">
+            <a:avLst/>
+          </a:prstGeom>
+          <a:solidFill>
+            <a:schemeClr val="bg1"/>
+          </a:solidFill>
+          <a:ln w="57150">
+            <a:solidFill>
+              <a:schemeClr val="accent6">
+                <a:lumMod val="50000"/>
+              </a:schemeClr>
+            </a:solidFill>
+          </a:ln>
+        </p:spPr>
+        <p:style>
+          <a:lnRef idx="2">
+            <a:schemeClr val="accent1">
+              <a:shade val="50000"/>
+            </a:schemeClr>
+          </a:lnRef>
+          <a:fillRef idx="1">
+            <a:schemeClr val="accent1"/>
+          </a:fillRef>
+          <a:effectRef idx="0">
+            <a:schemeClr val="accent1"/>
+          </a:effectRef>
+          <a:fontRef idx="minor">
+            <a:schemeClr val="lt1"/>
+          </a:fontRef>
+        </p:style>
+        <p:txBody>
+          <a:bodyPr rtlCol="0" anchor="ctr"/>
+          <a:lstStyle/>
+          <a:p>
+            <a:pPr algn="ctr"/>
+            <a:endParaRPr kumimoji="1" lang="ja-JP" altLang="en-US" dirty="0">
+              <a:solidFill>
+                <a:schemeClr val="accent6">
+                  <a:lumMod val="50000"/>
+                </a:schemeClr>
+              </a:solidFill>
+            </a:endParaRPr>
+          </a:p>
+        </p:txBody>
+      </p:sp>
+      <p:sp>
+        <p:nvSpPr>
+          <p:cNvPr id="19" name="正方形/長方形 18">
+            <a:extLst>
+              <a:ext uri="{FF2B5EF4-FFF2-40B4-BE49-F238E27FC236}">
+                <a16:creationId xmlns:a16="http://schemas.microsoft.com/office/drawing/2014/main" id="{5A8AF3CC-6F7B-4247-A90C-9402ACE1B3ED}"/>
+              </a:ext>
+            </a:extLst>
+          </p:cNvPr>
+          <p:cNvSpPr/>
+          <p:nvPr/>
+        </p:nvSpPr>
+        <p:spPr>
+          <a:xfrm>
+            <a:off x="10395069" y="2722880"/>
+            <a:ext cx="1788160" cy="4135120"/>
+          </a:xfrm>
+          <a:prstGeom prst="rect">
+            <a:avLst/>
+          </a:prstGeom>
+          <a:solidFill>
+            <a:schemeClr val="bg1"/>
+          </a:solidFill>
+          <a:ln w="57150">
+            <a:solidFill>
+              <a:schemeClr val="accent6">
+                <a:lumMod val="50000"/>
+              </a:schemeClr>
+            </a:solidFill>
+          </a:ln>
+        </p:spPr>
+        <p:style>
+          <a:lnRef idx="2">
+            <a:schemeClr val="accent1">
+              <a:shade val="50000"/>
+            </a:schemeClr>
+          </a:lnRef>
+          <a:fillRef idx="1">
+            <a:schemeClr val="accent1"/>
+          </a:fillRef>
+          <a:effectRef idx="0">
+            <a:schemeClr val="accent1"/>
+          </a:effectRef>
+          <a:fontRef idx="minor">
+            <a:schemeClr val="lt1"/>
+          </a:fontRef>
+        </p:style>
+        <p:txBody>
+          <a:bodyPr rtlCol="0" anchor="ctr"/>
+          <a:lstStyle/>
+          <a:p>
+            <a:pPr algn="ctr"/>
+            <a:endParaRPr kumimoji="1" lang="ja-JP" altLang="en-US"/>
+          </a:p>
+        </p:txBody>
+      </p:sp>
+      <p:sp>
+        <p:nvSpPr>
+          <p:cNvPr id="23" name="テキスト ボックス 22">
+            <a:extLst>
+              <a:ext uri="{FF2B5EF4-FFF2-40B4-BE49-F238E27FC236}">
+                <a16:creationId xmlns:a16="http://schemas.microsoft.com/office/drawing/2014/main" id="{3EDE9EC1-BAD4-45A6-B428-06486ACE797E}"/>
+              </a:ext>
+            </a:extLst>
+          </p:cNvPr>
+          <p:cNvSpPr txBox="1"/>
+          <p:nvPr/>
+        </p:nvSpPr>
+        <p:spPr>
+          <a:xfrm>
+            <a:off x="6148870" y="1979841"/>
+            <a:ext cx="1212282" cy="707886"/>
+          </a:xfrm>
+          <a:prstGeom prst="rect">
+            <a:avLst/>
+          </a:prstGeom>
+          <a:noFill/>
+        </p:spPr>
+        <p:txBody>
+          <a:bodyPr wrap="square" rtlCol="0">
+            <a:spAutoFit/>
+          </a:bodyPr>
+          <a:lstStyle/>
+          <a:p>
+            <a:r>
+              <a:rPr kumimoji="1" lang="ja-JP" altLang="en-US" sz="4000" b="1" dirty="0"/>
+              <a:t>動物</a:t>
+            </a:r>
+          </a:p>
+        </p:txBody>
+      </p:sp>
+      <p:sp>
+        <p:nvSpPr>
+          <p:cNvPr id="24" name="テキスト ボックス 23">
+            <a:extLst>
+              <a:ext uri="{FF2B5EF4-FFF2-40B4-BE49-F238E27FC236}">
+                <a16:creationId xmlns:a16="http://schemas.microsoft.com/office/drawing/2014/main" id="{FF4E96A0-A2EB-45CA-A779-8342B33E615E}"/>
+              </a:ext>
+            </a:extLst>
+          </p:cNvPr>
+          <p:cNvSpPr txBox="1"/>
+          <p:nvPr/>
+        </p:nvSpPr>
+        <p:spPr>
+          <a:xfrm>
+            <a:off x="8415939" y="1979841"/>
+            <a:ext cx="1212282" cy="707886"/>
+          </a:xfrm>
+          <a:prstGeom prst="rect">
+            <a:avLst/>
+          </a:prstGeom>
+          <a:noFill/>
+        </p:spPr>
+        <p:txBody>
+          <a:bodyPr wrap="square" rtlCol="0">
+            <a:spAutoFit/>
+          </a:bodyPr>
+          <a:lstStyle/>
+          <a:p>
+            <a:r>
+              <a:rPr lang="ja-JP" altLang="en-US" sz="4000" b="1" dirty="0"/>
+              <a:t>経済</a:t>
+            </a:r>
+            <a:endParaRPr kumimoji="1" lang="ja-JP" altLang="en-US" sz="4000" b="1" dirty="0"/>
+          </a:p>
+        </p:txBody>
+      </p:sp>
+      <p:sp>
+        <p:nvSpPr>
+          <p:cNvPr id="25" name="テキスト ボックス 24">
+            <a:extLst>
+              <a:ext uri="{FF2B5EF4-FFF2-40B4-BE49-F238E27FC236}">
+                <a16:creationId xmlns:a16="http://schemas.microsoft.com/office/drawing/2014/main" id="{DE4F4660-1399-4586-ABE0-D324FC0753D0}"/>
+              </a:ext>
+            </a:extLst>
+          </p:cNvPr>
+          <p:cNvSpPr txBox="1"/>
+          <p:nvPr/>
+        </p:nvSpPr>
+        <p:spPr>
+          <a:xfrm>
+            <a:off x="10029990" y="1965385"/>
+            <a:ext cx="2683932" cy="707886"/>
+          </a:xfrm>
+          <a:prstGeom prst="rect">
+            <a:avLst/>
+          </a:prstGeom>
+          <a:noFill/>
+        </p:spPr>
+        <p:txBody>
+          <a:bodyPr wrap="square" rtlCol="0">
+            <a:spAutoFit/>
+          </a:bodyPr>
+          <a:lstStyle/>
+          <a:p>
+            <a:r>
+              <a:rPr lang="ja-JP" altLang="en-US" sz="4000" b="1" dirty="0"/>
+              <a:t>スポーツ</a:t>
+            </a:r>
+            <a:endParaRPr kumimoji="1" lang="ja-JP" altLang="en-US" sz="4000" b="1" dirty="0"/>
+          </a:p>
+        </p:txBody>
+      </p:sp>
+      <p:sp>
+        <p:nvSpPr>
+          <p:cNvPr id="26" name="テキスト ボックス 25">
+            <a:extLst>
+              <a:ext uri="{FF2B5EF4-FFF2-40B4-BE49-F238E27FC236}">
+                <a16:creationId xmlns:a16="http://schemas.microsoft.com/office/drawing/2014/main" id="{2F74359F-C03D-4904-8C4A-130BD0CAA259}"/>
+              </a:ext>
+            </a:extLst>
+          </p:cNvPr>
+          <p:cNvSpPr txBox="1"/>
+          <p:nvPr/>
+        </p:nvSpPr>
+        <p:spPr>
+          <a:xfrm>
+            <a:off x="4989327" y="2937634"/>
+            <a:ext cx="1212282" cy="707886"/>
+          </a:xfrm>
+          <a:prstGeom prst="rect">
+            <a:avLst/>
+          </a:prstGeom>
+          <a:noFill/>
+        </p:spPr>
+        <p:txBody>
+          <a:bodyPr wrap="square" rtlCol="0">
+            <a:spAutoFit/>
+          </a:bodyPr>
+          <a:lstStyle/>
+          <a:p>
+            <a:r>
+              <a:rPr lang="ja-JP" altLang="en-US" sz="4000" b="1" dirty="0"/>
+              <a:t>犬</a:t>
+            </a:r>
+            <a:endParaRPr kumimoji="1" lang="ja-JP" altLang="en-US" sz="4000" b="1" dirty="0"/>
+          </a:p>
+        </p:txBody>
+      </p:sp>
+      <p:cxnSp>
+        <p:nvCxnSpPr>
+          <p:cNvPr id="28" name="直線コネクタ 27">
+            <a:extLst>
+              <a:ext uri="{FF2B5EF4-FFF2-40B4-BE49-F238E27FC236}">
+                <a16:creationId xmlns:a16="http://schemas.microsoft.com/office/drawing/2014/main" id="{5BE6B904-5547-4647-810A-29A93C69110D}"/>
+              </a:ext>
+            </a:extLst>
+          </p:cNvPr>
+          <p:cNvCxnSpPr/>
+          <p:nvPr/>
+        </p:nvCxnSpPr>
+        <p:spPr>
+          <a:xfrm>
+            <a:off x="5860931" y="3818503"/>
+            <a:ext cx="1788160" cy="0"/>
+          </a:xfrm>
+          <a:prstGeom prst="line">
+            <a:avLst/>
+          </a:prstGeom>
+          <a:ln w="57150">
+            <a:solidFill>
+              <a:schemeClr val="accent6">
+                <a:lumMod val="50000"/>
+              </a:schemeClr>
+            </a:solidFill>
+          </a:ln>
+        </p:spPr>
+        <p:style>
+          <a:lnRef idx="1">
+            <a:schemeClr val="accent1"/>
+          </a:lnRef>
+          <a:fillRef idx="0">
+            <a:schemeClr val="accent1"/>
+          </a:fillRef>
+          <a:effectRef idx="0">
+            <a:schemeClr val="accent1"/>
+          </a:effectRef>
+          <a:fontRef idx="minor">
+            <a:schemeClr val="tx1"/>
+          </a:fontRef>
+        </p:style>
+      </p:cxnSp>
+      <p:cxnSp>
+        <p:nvCxnSpPr>
+          <p:cNvPr id="29" name="直線コネクタ 28">
+            <a:extLst>
+              <a:ext uri="{FF2B5EF4-FFF2-40B4-BE49-F238E27FC236}">
+                <a16:creationId xmlns:a16="http://schemas.microsoft.com/office/drawing/2014/main" id="{99B59BC7-1036-4192-9922-ABBE57F0E957}"/>
+              </a:ext>
+            </a:extLst>
+          </p:cNvPr>
+          <p:cNvCxnSpPr/>
+          <p:nvPr/>
+        </p:nvCxnSpPr>
+        <p:spPr>
+          <a:xfrm>
+            <a:off x="5860931" y="4885303"/>
+            <a:ext cx="1788160" cy="0"/>
+          </a:xfrm>
+          <a:prstGeom prst="line">
+            <a:avLst/>
+          </a:prstGeom>
+          <a:ln w="57150">
+            <a:solidFill>
+              <a:schemeClr val="accent6">
+                <a:lumMod val="50000"/>
+              </a:schemeClr>
+            </a:solidFill>
+          </a:ln>
+        </p:spPr>
+        <p:style>
+          <a:lnRef idx="1">
+            <a:schemeClr val="accent1"/>
+          </a:lnRef>
+          <a:fillRef idx="0">
+            <a:schemeClr val="accent1"/>
+          </a:fillRef>
+          <a:effectRef idx="0">
+            <a:schemeClr val="accent1"/>
+          </a:effectRef>
+          <a:fontRef idx="minor">
+            <a:schemeClr val="tx1"/>
+          </a:fontRef>
+        </p:style>
+      </p:cxnSp>
+      <p:sp>
+        <p:nvSpPr>
+          <p:cNvPr id="31" name="テキスト ボックス 30">
+            <a:extLst>
+              <a:ext uri="{FF2B5EF4-FFF2-40B4-BE49-F238E27FC236}">
+                <a16:creationId xmlns:a16="http://schemas.microsoft.com/office/drawing/2014/main" id="{5E14E51B-D44D-42CA-8FB8-180ED2372EC7}"/>
+              </a:ext>
+            </a:extLst>
+          </p:cNvPr>
+          <p:cNvSpPr txBox="1"/>
+          <p:nvPr/>
+        </p:nvSpPr>
+        <p:spPr>
+          <a:xfrm>
+            <a:off x="4723863" y="3982731"/>
+            <a:ext cx="1212282" cy="707886"/>
+          </a:xfrm>
+          <a:prstGeom prst="rect">
+            <a:avLst/>
+          </a:prstGeom>
+          <a:noFill/>
+        </p:spPr>
+        <p:txBody>
+          <a:bodyPr wrap="square" rtlCol="0">
+            <a:spAutoFit/>
+          </a:bodyPr>
+          <a:lstStyle/>
+          <a:p>
+            <a:r>
+              <a:rPr lang="ja-JP" altLang="en-US" sz="4000" b="1" dirty="0"/>
+              <a:t>好き</a:t>
+            </a:r>
+            <a:endParaRPr kumimoji="1" lang="ja-JP" altLang="en-US" sz="4000" b="1" dirty="0"/>
+          </a:p>
+        </p:txBody>
+      </p:sp>
+      <p:sp>
+        <p:nvSpPr>
+          <p:cNvPr id="32" name="テキスト ボックス 31">
+            <a:extLst>
+              <a:ext uri="{FF2B5EF4-FFF2-40B4-BE49-F238E27FC236}">
+                <a16:creationId xmlns:a16="http://schemas.microsoft.com/office/drawing/2014/main" id="{BB432860-F145-4584-8441-5D8761D7F236}"/>
+              </a:ext>
+            </a:extLst>
+          </p:cNvPr>
+          <p:cNvSpPr txBox="1"/>
+          <p:nvPr/>
+        </p:nvSpPr>
+        <p:spPr>
+          <a:xfrm>
+            <a:off x="6106377" y="2943187"/>
+            <a:ext cx="1212282" cy="707886"/>
+          </a:xfrm>
+          <a:prstGeom prst="rect">
+            <a:avLst/>
+          </a:prstGeom>
+          <a:noFill/>
+        </p:spPr>
+        <p:txBody>
+          <a:bodyPr wrap="square" rtlCol="0">
+            <a:spAutoFit/>
+          </a:bodyPr>
+          <a:lstStyle/>
+          <a:p>
+            <a:r>
+              <a:rPr kumimoji="1" lang="en-US" altLang="ja-JP" sz="4000" b="1" dirty="0"/>
+              <a:t>0.99</a:t>
+            </a:r>
+            <a:endParaRPr kumimoji="1" lang="ja-JP" altLang="en-US" sz="4000" b="1" dirty="0"/>
+          </a:p>
+        </p:txBody>
+      </p:sp>
+      <p:sp>
+        <p:nvSpPr>
+          <p:cNvPr id="33" name="テキスト ボックス 32">
+            <a:extLst>
+              <a:ext uri="{FF2B5EF4-FFF2-40B4-BE49-F238E27FC236}">
+                <a16:creationId xmlns:a16="http://schemas.microsoft.com/office/drawing/2014/main" id="{4C1B2E34-B5DE-44FE-9700-076EA3A464AB}"/>
+              </a:ext>
+            </a:extLst>
+          </p:cNvPr>
+          <p:cNvSpPr txBox="1"/>
+          <p:nvPr/>
+        </p:nvSpPr>
+        <p:spPr>
+          <a:xfrm>
+            <a:off x="6148870" y="4090212"/>
+            <a:ext cx="1212282" cy="707886"/>
+          </a:xfrm>
+          <a:prstGeom prst="rect">
+            <a:avLst/>
+          </a:prstGeom>
+          <a:noFill/>
+        </p:spPr>
+        <p:txBody>
+          <a:bodyPr wrap="square" rtlCol="0">
+            <a:spAutoFit/>
+          </a:bodyPr>
+          <a:lstStyle/>
+          <a:p>
+            <a:r>
+              <a:rPr kumimoji="1" lang="en-US" altLang="ja-JP" sz="4000" b="1" dirty="0"/>
+              <a:t>0.61</a:t>
+            </a:r>
+            <a:endParaRPr kumimoji="1" lang="ja-JP" altLang="en-US" sz="4000" b="1" dirty="0"/>
+          </a:p>
+        </p:txBody>
+      </p:sp>
+      <p:sp>
+        <p:nvSpPr>
+          <p:cNvPr id="35" name="テキスト ボックス 34">
+            <a:extLst>
+              <a:ext uri="{FF2B5EF4-FFF2-40B4-BE49-F238E27FC236}">
+                <a16:creationId xmlns:a16="http://schemas.microsoft.com/office/drawing/2014/main" id="{0D3FBE09-3DA0-4CB5-BEC5-12BA8CC445E1}"/>
+              </a:ext>
+            </a:extLst>
+          </p:cNvPr>
+          <p:cNvSpPr txBox="1"/>
+          <p:nvPr/>
+        </p:nvSpPr>
+        <p:spPr>
+          <a:xfrm>
+            <a:off x="8376968" y="2962995"/>
+            <a:ext cx="1212282" cy="707886"/>
+          </a:xfrm>
+          <a:prstGeom prst="rect">
+            <a:avLst/>
+          </a:prstGeom>
+          <a:noFill/>
+        </p:spPr>
+        <p:txBody>
+          <a:bodyPr wrap="square" rtlCol="0">
+            <a:spAutoFit/>
+          </a:bodyPr>
+          <a:lstStyle/>
+          <a:p>
+            <a:r>
+              <a:rPr kumimoji="1" lang="en-US" altLang="ja-JP" sz="4000" b="1" dirty="0"/>
+              <a:t>0.01</a:t>
+            </a:r>
+            <a:endParaRPr kumimoji="1" lang="ja-JP" altLang="en-US" sz="4000" b="1" dirty="0"/>
+          </a:p>
+        </p:txBody>
+      </p:sp>
+      <p:cxnSp>
+        <p:nvCxnSpPr>
+          <p:cNvPr id="36" name="直線コネクタ 35">
+            <a:extLst>
+              <a:ext uri="{FF2B5EF4-FFF2-40B4-BE49-F238E27FC236}">
+                <a16:creationId xmlns:a16="http://schemas.microsoft.com/office/drawing/2014/main" id="{789AFA53-A9A1-40CC-98CC-556FD75D9AFB}"/>
+              </a:ext>
+            </a:extLst>
+          </p:cNvPr>
+          <p:cNvCxnSpPr/>
+          <p:nvPr/>
+        </p:nvCxnSpPr>
+        <p:spPr>
+          <a:xfrm>
+            <a:off x="8128000" y="3818503"/>
+            <a:ext cx="1788160" cy="0"/>
+          </a:xfrm>
+          <a:prstGeom prst="line">
+            <a:avLst/>
+          </a:prstGeom>
+          <a:ln w="57150">
+            <a:solidFill>
+              <a:schemeClr val="accent6">
+                <a:lumMod val="50000"/>
+              </a:schemeClr>
+            </a:solidFill>
+          </a:ln>
+        </p:spPr>
+        <p:style>
+          <a:lnRef idx="1">
+            <a:schemeClr val="accent1"/>
+          </a:lnRef>
+          <a:fillRef idx="0">
+            <a:schemeClr val="accent1"/>
+          </a:fillRef>
+          <a:effectRef idx="0">
+            <a:schemeClr val="accent1"/>
+          </a:effectRef>
+          <a:fontRef idx="minor">
+            <a:schemeClr val="tx1"/>
+          </a:fontRef>
+        </p:style>
+      </p:cxnSp>
+      <p:cxnSp>
+        <p:nvCxnSpPr>
+          <p:cNvPr id="37" name="直線コネクタ 36">
+            <a:extLst>
+              <a:ext uri="{FF2B5EF4-FFF2-40B4-BE49-F238E27FC236}">
+                <a16:creationId xmlns:a16="http://schemas.microsoft.com/office/drawing/2014/main" id="{D9BDA6E3-A1A7-4765-9C51-572F3B5D1C24}"/>
+              </a:ext>
+            </a:extLst>
+          </p:cNvPr>
+          <p:cNvCxnSpPr/>
+          <p:nvPr/>
+        </p:nvCxnSpPr>
+        <p:spPr>
+          <a:xfrm>
+            <a:off x="8154009" y="4885303"/>
+            <a:ext cx="1788160" cy="0"/>
+          </a:xfrm>
+          <a:prstGeom prst="line">
+            <a:avLst/>
+          </a:prstGeom>
+          <a:ln w="57150">
+            <a:solidFill>
+              <a:schemeClr val="accent6">
+                <a:lumMod val="50000"/>
+              </a:schemeClr>
+            </a:solidFill>
+          </a:ln>
+        </p:spPr>
+        <p:style>
+          <a:lnRef idx="1">
+            <a:schemeClr val="accent1"/>
+          </a:lnRef>
+          <a:fillRef idx="0">
+            <a:schemeClr val="accent1"/>
+          </a:fillRef>
+          <a:effectRef idx="0">
+            <a:schemeClr val="accent1"/>
+          </a:effectRef>
+          <a:fontRef idx="minor">
+            <a:schemeClr val="tx1"/>
+          </a:fontRef>
+        </p:style>
+      </p:cxnSp>
+      <p:cxnSp>
+        <p:nvCxnSpPr>
+          <p:cNvPr id="38" name="直線コネクタ 37">
+            <a:extLst>
+              <a:ext uri="{FF2B5EF4-FFF2-40B4-BE49-F238E27FC236}">
+                <a16:creationId xmlns:a16="http://schemas.microsoft.com/office/drawing/2014/main" id="{2BFD271C-B1E5-4808-9161-1EC03EA5AAFB}"/>
+              </a:ext>
+            </a:extLst>
+          </p:cNvPr>
+          <p:cNvCxnSpPr/>
+          <p:nvPr/>
+        </p:nvCxnSpPr>
+        <p:spPr>
+          <a:xfrm>
+            <a:off x="10403840" y="3806686"/>
+            <a:ext cx="1788160" cy="0"/>
+          </a:xfrm>
+          <a:prstGeom prst="line">
+            <a:avLst/>
+          </a:prstGeom>
+          <a:ln w="57150">
+            <a:solidFill>
+              <a:schemeClr val="accent6">
+                <a:lumMod val="50000"/>
+              </a:schemeClr>
+            </a:solidFill>
+          </a:ln>
+        </p:spPr>
+        <p:style>
+          <a:lnRef idx="1">
+            <a:schemeClr val="accent1"/>
+          </a:lnRef>
+          <a:fillRef idx="0">
+            <a:schemeClr val="accent1"/>
+          </a:fillRef>
+          <a:effectRef idx="0">
+            <a:schemeClr val="accent1"/>
+          </a:effectRef>
+          <a:fontRef idx="minor">
+            <a:schemeClr val="tx1"/>
+          </a:fontRef>
+        </p:style>
+      </p:cxnSp>
+      <p:cxnSp>
+        <p:nvCxnSpPr>
+          <p:cNvPr id="39" name="直線コネクタ 38">
+            <a:extLst>
+              <a:ext uri="{FF2B5EF4-FFF2-40B4-BE49-F238E27FC236}">
+                <a16:creationId xmlns:a16="http://schemas.microsoft.com/office/drawing/2014/main" id="{C44BBBB7-1F55-49E1-8A2F-1AD5713FB4EB}"/>
+              </a:ext>
+            </a:extLst>
+          </p:cNvPr>
+          <p:cNvCxnSpPr>
+            <a:cxnSpLocks/>
+          </p:cNvCxnSpPr>
+          <p:nvPr/>
+        </p:nvCxnSpPr>
+        <p:spPr>
+          <a:xfrm flipV="1">
+            <a:off x="10403840" y="4873486"/>
+            <a:ext cx="1814169" cy="11817"/>
+          </a:xfrm>
+          <a:prstGeom prst="line">
+            <a:avLst/>
+          </a:prstGeom>
+          <a:ln w="57150">
+            <a:solidFill>
+              <a:schemeClr val="accent6">
+                <a:lumMod val="50000"/>
+              </a:schemeClr>
+            </a:solidFill>
+          </a:ln>
+        </p:spPr>
+        <p:style>
+          <a:lnRef idx="1">
+            <a:schemeClr val="accent1"/>
+          </a:lnRef>
+          <a:fillRef idx="0">
+            <a:schemeClr val="accent1"/>
+          </a:fillRef>
+          <a:effectRef idx="0">
+            <a:schemeClr val="accent1"/>
+          </a:effectRef>
+          <a:fontRef idx="minor">
+            <a:schemeClr val="tx1"/>
+          </a:fontRef>
+        </p:style>
+      </p:cxnSp>
+      <p:sp>
+        <p:nvSpPr>
+          <p:cNvPr id="40" name="テキスト ボックス 39">
+            <a:extLst>
+              <a:ext uri="{FF2B5EF4-FFF2-40B4-BE49-F238E27FC236}">
+                <a16:creationId xmlns:a16="http://schemas.microsoft.com/office/drawing/2014/main" id="{A4331207-E31F-4E99-87DB-04DE95B7328E}"/>
+              </a:ext>
+            </a:extLst>
+          </p:cNvPr>
+          <p:cNvSpPr txBox="1"/>
+          <p:nvPr/>
+        </p:nvSpPr>
+        <p:spPr>
+          <a:xfrm>
+            <a:off x="10586258" y="2943187"/>
+            <a:ext cx="1212282" cy="707886"/>
+          </a:xfrm>
+          <a:prstGeom prst="rect">
+            <a:avLst/>
+          </a:prstGeom>
+          <a:noFill/>
+        </p:spPr>
+        <p:txBody>
+          <a:bodyPr wrap="square" rtlCol="0">
+            <a:spAutoFit/>
+          </a:bodyPr>
+          <a:lstStyle/>
+          <a:p>
+            <a:r>
+              <a:rPr kumimoji="1" lang="en-US" altLang="ja-JP" sz="4000" b="1" dirty="0"/>
+              <a:t>0.21</a:t>
+            </a:r>
+            <a:endParaRPr kumimoji="1" lang="ja-JP" altLang="en-US" sz="4000" b="1" dirty="0"/>
+          </a:p>
+        </p:txBody>
+      </p:sp>
+      <p:sp>
+        <p:nvSpPr>
+          <p:cNvPr id="41" name="テキスト ボックス 40">
+            <a:extLst>
+              <a:ext uri="{FF2B5EF4-FFF2-40B4-BE49-F238E27FC236}">
+                <a16:creationId xmlns:a16="http://schemas.microsoft.com/office/drawing/2014/main" id="{E810D2B2-425D-4250-A8E8-C05596E721A9}"/>
+              </a:ext>
+            </a:extLst>
+          </p:cNvPr>
+          <p:cNvSpPr txBox="1"/>
+          <p:nvPr/>
+        </p:nvSpPr>
+        <p:spPr>
+          <a:xfrm>
+            <a:off x="10628751" y="4090212"/>
+            <a:ext cx="1212282" cy="707886"/>
+          </a:xfrm>
+          <a:prstGeom prst="rect">
+            <a:avLst/>
+          </a:prstGeom>
+          <a:noFill/>
+        </p:spPr>
+        <p:txBody>
+          <a:bodyPr wrap="square" rtlCol="0">
+            <a:spAutoFit/>
+          </a:bodyPr>
+          <a:lstStyle/>
+          <a:p>
+            <a:r>
+              <a:rPr kumimoji="1" lang="en-US" altLang="ja-JP" sz="4000" b="1" dirty="0"/>
+              <a:t>0.58</a:t>
+            </a:r>
+            <a:endParaRPr kumimoji="1" lang="ja-JP" altLang="en-US" sz="4000" b="1" dirty="0"/>
+          </a:p>
+        </p:txBody>
+      </p:sp>
+      <p:sp>
+        <p:nvSpPr>
+          <p:cNvPr id="44" name="テキスト ボックス 43">
+            <a:extLst>
+              <a:ext uri="{FF2B5EF4-FFF2-40B4-BE49-F238E27FC236}">
+                <a16:creationId xmlns:a16="http://schemas.microsoft.com/office/drawing/2014/main" id="{61F11366-7489-40D2-AC24-E8C9F5F442CD}"/>
+              </a:ext>
+            </a:extLst>
+          </p:cNvPr>
+          <p:cNvSpPr txBox="1"/>
+          <p:nvPr/>
+        </p:nvSpPr>
+        <p:spPr>
+          <a:xfrm>
+            <a:off x="8352201" y="4043679"/>
+            <a:ext cx="1212282" cy="707886"/>
+          </a:xfrm>
+          <a:prstGeom prst="rect">
+            <a:avLst/>
+          </a:prstGeom>
+          <a:noFill/>
+        </p:spPr>
+        <p:txBody>
+          <a:bodyPr wrap="square" rtlCol="0">
+            <a:spAutoFit/>
+          </a:bodyPr>
+          <a:lstStyle/>
+          <a:p>
+            <a:r>
+              <a:rPr kumimoji="1" lang="en-US" altLang="ja-JP" sz="4000" b="1" dirty="0"/>
+              <a:t>0.31</a:t>
+            </a:r>
+            <a:endParaRPr kumimoji="1" lang="ja-JP" altLang="en-US" sz="4000" b="1" dirty="0"/>
+          </a:p>
+        </p:txBody>
+      </p:sp>
+      <p:sp>
+        <p:nvSpPr>
+          <p:cNvPr id="45" name="テキスト ボックス 44">
+            <a:extLst>
+              <a:ext uri="{FF2B5EF4-FFF2-40B4-BE49-F238E27FC236}">
+                <a16:creationId xmlns:a16="http://schemas.microsoft.com/office/drawing/2014/main" id="{1845B80C-13DE-483F-BF96-AF848F8C271A}"/>
+              </a:ext>
+            </a:extLst>
+          </p:cNvPr>
+          <p:cNvSpPr txBox="1"/>
+          <p:nvPr/>
+        </p:nvSpPr>
+        <p:spPr>
+          <a:xfrm>
+            <a:off x="6106377" y="5122404"/>
+            <a:ext cx="1212282" cy="707886"/>
+          </a:xfrm>
+          <a:prstGeom prst="rect">
+            <a:avLst/>
+          </a:prstGeom>
+          <a:noFill/>
+        </p:spPr>
+        <p:txBody>
+          <a:bodyPr wrap="square" rtlCol="0">
+            <a:spAutoFit/>
+          </a:bodyPr>
+          <a:lstStyle/>
+          <a:p>
+            <a:r>
+              <a:rPr kumimoji="1" lang="en-US" altLang="ja-JP" sz="4000" b="1" dirty="0"/>
+              <a:t>0.99</a:t>
+            </a:r>
+            <a:endParaRPr kumimoji="1" lang="ja-JP" altLang="en-US" sz="4000" b="1" dirty="0"/>
+          </a:p>
+        </p:txBody>
+      </p:sp>
+      <p:cxnSp>
+        <p:nvCxnSpPr>
+          <p:cNvPr id="46" name="直線コネクタ 45">
+            <a:extLst>
+              <a:ext uri="{FF2B5EF4-FFF2-40B4-BE49-F238E27FC236}">
+                <a16:creationId xmlns:a16="http://schemas.microsoft.com/office/drawing/2014/main" id="{592470ED-16C5-462C-9716-6C24C6CAE3D9}"/>
+              </a:ext>
+            </a:extLst>
+          </p:cNvPr>
+          <p:cNvCxnSpPr/>
+          <p:nvPr/>
+        </p:nvCxnSpPr>
+        <p:spPr>
+          <a:xfrm>
+            <a:off x="5860931" y="6043543"/>
+            <a:ext cx="1788160" cy="0"/>
+          </a:xfrm>
+          <a:prstGeom prst="line">
+            <a:avLst/>
+          </a:prstGeom>
+          <a:ln w="57150">
+            <a:solidFill>
+              <a:schemeClr val="accent6">
+                <a:lumMod val="50000"/>
+              </a:schemeClr>
+            </a:solidFill>
+          </a:ln>
+        </p:spPr>
+        <p:style>
+          <a:lnRef idx="1">
+            <a:schemeClr val="accent1"/>
+          </a:lnRef>
+          <a:fillRef idx="0">
+            <a:schemeClr val="accent1"/>
+          </a:fillRef>
+          <a:effectRef idx="0">
+            <a:schemeClr val="accent1"/>
+          </a:effectRef>
+          <a:fontRef idx="minor">
+            <a:schemeClr val="tx1"/>
+          </a:fontRef>
+        </p:style>
+      </p:cxnSp>
+      <p:cxnSp>
+        <p:nvCxnSpPr>
+          <p:cNvPr id="47" name="直線コネクタ 46">
+            <a:extLst>
+              <a:ext uri="{FF2B5EF4-FFF2-40B4-BE49-F238E27FC236}">
+                <a16:creationId xmlns:a16="http://schemas.microsoft.com/office/drawing/2014/main" id="{F1930AED-E399-4DFC-9C3B-6274A2BCD893}"/>
+              </a:ext>
+            </a:extLst>
+          </p:cNvPr>
+          <p:cNvCxnSpPr/>
+          <p:nvPr/>
+        </p:nvCxnSpPr>
+        <p:spPr>
+          <a:xfrm>
+            <a:off x="8128000" y="6043543"/>
+            <a:ext cx="1788160" cy="0"/>
+          </a:xfrm>
+          <a:prstGeom prst="line">
+            <a:avLst/>
+          </a:prstGeom>
+          <a:ln w="57150">
+            <a:solidFill>
+              <a:schemeClr val="accent6">
+                <a:lumMod val="50000"/>
+              </a:schemeClr>
+            </a:solidFill>
+          </a:ln>
+        </p:spPr>
+        <p:style>
+          <a:lnRef idx="1">
+            <a:schemeClr val="accent1"/>
+          </a:lnRef>
+          <a:fillRef idx="0">
+            <a:schemeClr val="accent1"/>
+          </a:fillRef>
+          <a:effectRef idx="0">
+            <a:schemeClr val="accent1"/>
+          </a:effectRef>
+          <a:fontRef idx="minor">
+            <a:schemeClr val="tx1"/>
+          </a:fontRef>
+        </p:style>
+      </p:cxnSp>
+      <p:cxnSp>
+        <p:nvCxnSpPr>
+          <p:cNvPr id="48" name="直線コネクタ 47">
+            <a:extLst>
+              <a:ext uri="{FF2B5EF4-FFF2-40B4-BE49-F238E27FC236}">
+                <a16:creationId xmlns:a16="http://schemas.microsoft.com/office/drawing/2014/main" id="{A8F3B19A-1153-46D3-B14E-DE98D9BD7AF1}"/>
+              </a:ext>
+            </a:extLst>
+          </p:cNvPr>
+          <p:cNvCxnSpPr/>
+          <p:nvPr/>
+        </p:nvCxnSpPr>
+        <p:spPr>
+          <a:xfrm>
+            <a:off x="10403840" y="6011406"/>
+            <a:ext cx="1788160" cy="0"/>
+          </a:xfrm>
+          <a:prstGeom prst="line">
+            <a:avLst/>
+          </a:prstGeom>
+          <a:ln w="57150">
+            <a:solidFill>
+              <a:schemeClr val="accent6">
+                <a:lumMod val="50000"/>
+              </a:schemeClr>
+            </a:solidFill>
+          </a:ln>
+        </p:spPr>
+        <p:style>
+          <a:lnRef idx="1">
+            <a:schemeClr val="accent1"/>
+          </a:lnRef>
+          <a:fillRef idx="0">
+            <a:schemeClr val="accent1"/>
+          </a:fillRef>
+          <a:effectRef idx="0">
+            <a:schemeClr val="accent1"/>
+          </a:effectRef>
+          <a:fontRef idx="minor">
+            <a:schemeClr val="tx1"/>
+          </a:fontRef>
+        </p:style>
+      </p:cxnSp>
+      <p:sp>
+        <p:nvSpPr>
+          <p:cNvPr id="49" name="テキスト ボックス 48">
+            <a:extLst>
+              <a:ext uri="{FF2B5EF4-FFF2-40B4-BE49-F238E27FC236}">
+                <a16:creationId xmlns:a16="http://schemas.microsoft.com/office/drawing/2014/main" id="{7A6F5E77-92D7-4D44-8046-A650D5EE9586}"/>
+              </a:ext>
+            </a:extLst>
+          </p:cNvPr>
+          <p:cNvSpPr txBox="1"/>
+          <p:nvPr/>
+        </p:nvSpPr>
+        <p:spPr>
+          <a:xfrm>
+            <a:off x="8352201" y="5188445"/>
+            <a:ext cx="1212282" cy="707886"/>
+          </a:xfrm>
+          <a:prstGeom prst="rect">
+            <a:avLst/>
+          </a:prstGeom>
+          <a:noFill/>
+        </p:spPr>
+        <p:txBody>
+          <a:bodyPr wrap="square" rtlCol="0">
+            <a:spAutoFit/>
+          </a:bodyPr>
+          <a:lstStyle/>
+          <a:p>
+            <a:r>
+              <a:rPr kumimoji="1" lang="en-US" altLang="ja-JP" sz="4000" b="1" dirty="0"/>
+              <a:t>0.48</a:t>
+            </a:r>
+            <a:endParaRPr kumimoji="1" lang="ja-JP" altLang="en-US" sz="4000" b="1" dirty="0"/>
+          </a:p>
+        </p:txBody>
+      </p:sp>
+      <p:sp>
+        <p:nvSpPr>
+          <p:cNvPr id="50" name="テキスト ボックス 49">
+            <a:extLst>
+              <a:ext uri="{FF2B5EF4-FFF2-40B4-BE49-F238E27FC236}">
+                <a16:creationId xmlns:a16="http://schemas.microsoft.com/office/drawing/2014/main" id="{837C1EA8-876C-4CDD-A358-7E4FF3A22F85}"/>
+              </a:ext>
+            </a:extLst>
+          </p:cNvPr>
+          <p:cNvSpPr txBox="1"/>
+          <p:nvPr/>
+        </p:nvSpPr>
+        <p:spPr>
+          <a:xfrm>
+            <a:off x="10691779" y="5122404"/>
+            <a:ext cx="1212282" cy="707886"/>
+          </a:xfrm>
+          <a:prstGeom prst="rect">
+            <a:avLst/>
+          </a:prstGeom>
+          <a:noFill/>
+        </p:spPr>
+        <p:txBody>
+          <a:bodyPr wrap="square" rtlCol="0">
+            <a:spAutoFit/>
+          </a:bodyPr>
+          <a:lstStyle/>
+          <a:p>
+            <a:r>
+              <a:rPr kumimoji="1" lang="en-US" altLang="ja-JP" sz="4000" b="1" dirty="0"/>
+              <a:t>0.12</a:t>
+            </a:r>
+            <a:endParaRPr kumimoji="1" lang="ja-JP" altLang="en-US" sz="4000" b="1" dirty="0"/>
+          </a:p>
+        </p:txBody>
+      </p:sp>
+      <p:sp>
+        <p:nvSpPr>
+          <p:cNvPr id="51" name="テキスト ボックス 50">
+            <a:extLst>
+              <a:ext uri="{FF2B5EF4-FFF2-40B4-BE49-F238E27FC236}">
+                <a16:creationId xmlns:a16="http://schemas.microsoft.com/office/drawing/2014/main" id="{298432E6-BFB0-4A51-9EF6-08FBA1EA5B7B}"/>
+              </a:ext>
+            </a:extLst>
+          </p:cNvPr>
+          <p:cNvSpPr txBox="1"/>
+          <p:nvPr/>
+        </p:nvSpPr>
+        <p:spPr>
+          <a:xfrm>
+            <a:off x="4944707" y="5122404"/>
+            <a:ext cx="1212282" cy="707886"/>
+          </a:xfrm>
+          <a:prstGeom prst="rect">
+            <a:avLst/>
+          </a:prstGeom>
+          <a:noFill/>
+        </p:spPr>
+        <p:txBody>
+          <a:bodyPr wrap="square" rtlCol="0">
+            <a:spAutoFit/>
+          </a:bodyPr>
+          <a:lstStyle/>
+          <a:p>
+            <a:r>
+              <a:rPr kumimoji="1" lang="ja-JP" altLang="en-US" sz="4000" b="1" dirty="0"/>
+              <a:t>猫</a:t>
+            </a:r>
+          </a:p>
+        </p:txBody>
+      </p:sp>
     </p:spTree>
     <p:extLst>
       <p:ext uri="{BB962C8B-B14F-4D97-AF65-F5344CB8AC3E}">
-        <p14:creationId xmlns:p14="http://schemas.microsoft.com/office/powerpoint/2010/main" val="485649647"/>
+        <p14:creationId xmlns:p14="http://schemas.microsoft.com/office/powerpoint/2010/main" val="316156673"/>
       </p:ext>
     </p:extLst>
   </p:cSld>
@@ -9894,7 +12910,7 @@
           <p:cNvPr id="2" name="タイトル 1">
             <a:extLst>
               <a:ext uri="{FF2B5EF4-FFF2-40B4-BE49-F238E27FC236}">
-                <a16:creationId xmlns:a16="http://schemas.microsoft.com/office/drawing/2014/main" id="{83802C4E-2E3E-4349-846A-F90F72A28924}"/>
+                <a16:creationId xmlns:a16="http://schemas.microsoft.com/office/drawing/2014/main" id="{32B18E73-6557-4AF8-BBEE-9D3D25DCFD88}"/>
               </a:ext>
             </a:extLst>
           </p:cNvPr>
@@ -9911,45 +12927,18 @@
           <a:lstStyle/>
           <a:p>
             <a:r>
-              <a:rPr lang="ja-JP" altLang="en-US" b="1" dirty="0">
-                <a:ln>
-                  <a:solidFill>
-                    <a:schemeClr val="tx1"/>
-                  </a:solidFill>
-                </a:ln>
-                <a:solidFill>
-                  <a:schemeClr val="accent6">
-                    <a:lumMod val="75000"/>
-                  </a:schemeClr>
-                </a:solidFill>
-                <a:latin typeface="HGS明朝E" panose="02020900000000000000" pitchFamily="18" charset="-128"/>
-                <a:ea typeface="HGS明朝E" panose="02020900000000000000" pitchFamily="18" charset="-128"/>
-              </a:rPr>
-              <a:t>出力するデータを取得</a:t>
-            </a:r>
-            <a:endParaRPr kumimoji="1" lang="ja-JP" altLang="en-US" b="1" dirty="0">
-              <a:ln>
-                <a:solidFill>
-                  <a:schemeClr val="tx1"/>
-                </a:solidFill>
-              </a:ln>
-              <a:solidFill>
-                <a:schemeClr val="accent6">
-                  <a:lumMod val="75000"/>
-                </a:schemeClr>
-              </a:solidFill>
-              <a:latin typeface="HGS明朝E" panose="02020900000000000000" pitchFamily="18" charset="-128"/>
-              <a:ea typeface="HGS明朝E" panose="02020900000000000000" pitchFamily="18" charset="-128"/>
-            </a:endParaRPr>
-          </a:p>
-        </p:txBody>
-      </p:sp>
-      <p:sp>
-        <p:nvSpPr>
-          <p:cNvPr id="5" name="正方形/長方形 4">
-            <a:extLst>
-              <a:ext uri="{FF2B5EF4-FFF2-40B4-BE49-F238E27FC236}">
-                <a16:creationId xmlns:a16="http://schemas.microsoft.com/office/drawing/2014/main" id="{C00C05B2-7221-4496-A116-94B0D8E45A2D}"/>
+              <a:rPr kumimoji="1" lang="ja-JP" altLang="en-US" dirty="0"/>
+              <a:t>トレーニングデータの作成方法</a:t>
+            </a:r>
+          </a:p>
+        </p:txBody>
+      </p:sp>
+      <p:sp>
+        <p:nvSpPr>
+          <p:cNvPr id="4" name="正方形/長方形 3">
+            <a:extLst>
+              <a:ext uri="{FF2B5EF4-FFF2-40B4-BE49-F238E27FC236}">
+                <a16:creationId xmlns:a16="http://schemas.microsoft.com/office/drawing/2014/main" id="{2D243C04-27BD-450B-A35E-AD3D68BCA8ED}"/>
               </a:ext>
             </a:extLst>
           </p:cNvPr>
@@ -9998,10 +12987,99 @@
       </p:sp>
       <p:sp>
         <p:nvSpPr>
+          <p:cNvPr id="5" name="コンテンツ プレースホルダー 2">
+            <a:extLst>
+              <a:ext uri="{FF2B5EF4-FFF2-40B4-BE49-F238E27FC236}">
+                <a16:creationId xmlns:a16="http://schemas.microsoft.com/office/drawing/2014/main" id="{1E5E313E-35C9-48E0-B1B7-7FA9DED19C60}"/>
+              </a:ext>
+            </a:extLst>
+          </p:cNvPr>
+          <p:cNvSpPr>
+            <a:spLocks noGrp="1"/>
+          </p:cNvSpPr>
+          <p:nvPr>
+            <p:ph idx="1"/>
+          </p:nvPr>
+        </p:nvSpPr>
+        <p:spPr>
+          <a:xfrm>
+            <a:off x="334433" y="1765990"/>
+            <a:ext cx="10515600" cy="4351338"/>
+          </a:xfrm>
+        </p:spPr>
+        <p:txBody>
+          <a:bodyPr/>
+          <a:lstStyle/>
+          <a:p>
+            <a:r>
+              <a:rPr kumimoji="1" lang="ja-JP" altLang="en-US" sz="3600" b="1" dirty="0"/>
+              <a:t>今まで</a:t>
+            </a:r>
+            <a:endParaRPr kumimoji="1" lang="en-US" altLang="ja-JP" sz="3600" b="1" dirty="0"/>
+          </a:p>
+          <a:p>
+            <a:pPr marL="457200" lvl="1" indent="0">
+              <a:buNone/>
+            </a:pPr>
+            <a:r>
+              <a:rPr kumimoji="1" lang="ja-JP" altLang="en-US" sz="3600" b="1" dirty="0"/>
+              <a:t>文章を単語ごとに分割</a:t>
+            </a:r>
+            <a:endParaRPr kumimoji="1" lang="en-US" altLang="ja-JP" sz="3600" b="1" dirty="0"/>
+          </a:p>
+          <a:p>
+            <a:pPr marL="914400" lvl="2" indent="0">
+              <a:buNone/>
+            </a:pPr>
+            <a:r>
+              <a:rPr lang="ja-JP" altLang="en-US" sz="3200" b="1" dirty="0"/>
+              <a:t>↑</a:t>
+            </a:r>
+            <a:r>
+              <a:rPr kumimoji="1" lang="ja-JP" altLang="en-US" sz="3200" b="1" u="sng" dirty="0"/>
+              <a:t>重複する単語が多い</a:t>
+            </a:r>
+            <a:endParaRPr kumimoji="1" lang="en-US" altLang="ja-JP" sz="3200" dirty="0"/>
+          </a:p>
+          <a:p>
+            <a:r>
+              <a:rPr kumimoji="1" lang="ja-JP" altLang="en-US" sz="3600" b="1" dirty="0"/>
+              <a:t>現在</a:t>
+            </a:r>
+            <a:endParaRPr kumimoji="1" lang="en-US" altLang="ja-JP" sz="3600" b="1" dirty="0"/>
+          </a:p>
+          <a:p>
+            <a:pPr marL="457200" lvl="1" indent="0">
+              <a:buNone/>
+            </a:pPr>
+            <a:r>
+              <a:rPr kumimoji="1" lang="ja-JP" altLang="en-US" sz="3600" b="1" dirty="0"/>
+              <a:t>文章を単語として扱う</a:t>
+            </a:r>
+            <a:endParaRPr kumimoji="1" lang="en-US" altLang="ja-JP" sz="3600" b="1" dirty="0"/>
+          </a:p>
+          <a:p>
+            <a:pPr marL="914400" lvl="2" indent="0">
+              <a:buNone/>
+            </a:pPr>
+            <a:r>
+              <a:rPr lang="ja-JP" altLang="en-US" sz="3600" b="1" dirty="0"/>
+              <a:t>↑</a:t>
+            </a:r>
+            <a:r>
+              <a:rPr lang="ja-JP" altLang="en-US" sz="3200" b="1" u="sng" dirty="0"/>
+              <a:t>重複せず、データが増える</a:t>
+            </a:r>
+            <a:endParaRPr lang="ja-JP" altLang="en-US" sz="3600" b="1" u="sng" dirty="0"/>
+          </a:p>
+        </p:txBody>
+      </p:sp>
+      <p:sp>
+        <p:nvSpPr>
           <p:cNvPr id="7" name="テキスト ボックス 6">
             <a:extLst>
               <a:ext uri="{FF2B5EF4-FFF2-40B4-BE49-F238E27FC236}">
-                <a16:creationId xmlns:a16="http://schemas.microsoft.com/office/drawing/2014/main" id="{538A1AC8-CE4F-4286-A880-D105B44A2385}"/>
+                <a16:creationId xmlns:a16="http://schemas.microsoft.com/office/drawing/2014/main" id="{D5DD4A2F-68D9-4A79-A389-82AAAB394C0F}"/>
               </a:ext>
             </a:extLst>
           </p:cNvPr>
@@ -10009,9 +13087,9 @@
           <p:nvPr/>
         </p:nvSpPr>
         <p:spPr>
-          <a:xfrm>
-            <a:off x="644124" y="1901627"/>
-            <a:ext cx="8275471" cy="3385542"/>
+          <a:xfrm flipH="1">
+            <a:off x="6391128" y="2207915"/>
+            <a:ext cx="4458905" cy="584775"/>
           </a:xfrm>
           <a:prstGeom prst="rect">
             <a:avLst/>
@@ -10024,139 +13102,19 @@
           </a:bodyPr>
           <a:lstStyle/>
           <a:p>
-            <a:pPr>
-              <a:buClr>
-                <a:schemeClr val="tx1"/>
-              </a:buClr>
-            </a:pPr>
-            <a:r>
-              <a:rPr lang="ja-JP" altLang="en-US" sz="4000" b="1" dirty="0"/>
-              <a:t>・スクレイピング</a:t>
-            </a:r>
-            <a:endParaRPr lang="en-US" altLang="ja-JP" sz="4000" b="1" dirty="0"/>
-          </a:p>
-          <a:p>
-            <a:pPr>
-              <a:buClr>
-                <a:schemeClr val="tx1"/>
-              </a:buClr>
-            </a:pPr>
-            <a:r>
-              <a:rPr lang="ja-JP" altLang="en-US" sz="4000" dirty="0"/>
-              <a:t> </a:t>
-            </a:r>
-            <a:r>
-              <a:rPr lang="en-US" altLang="ja-JP" sz="4000" dirty="0"/>
-              <a:t>【</a:t>
-            </a:r>
-            <a:r>
-              <a:rPr lang="en-US" altLang="ja-JP" sz="3600" b="1" dirty="0">
-                <a:solidFill>
-                  <a:schemeClr val="accent6">
-                    <a:lumMod val="50000"/>
-                  </a:schemeClr>
-                </a:solidFill>
-              </a:rPr>
-              <a:t>BeautifulSoup4</a:t>
-            </a:r>
-            <a:r>
-              <a:rPr lang="en-US" altLang="ja-JP" sz="3600" dirty="0"/>
-              <a:t>】</a:t>
-            </a:r>
-            <a:endParaRPr lang="en-US" altLang="ja-JP" sz="4000" dirty="0"/>
-          </a:p>
-          <a:p>
-            <a:pPr>
-              <a:buClr>
-                <a:schemeClr val="tx1"/>
-              </a:buClr>
-            </a:pPr>
-            <a:r>
-              <a:rPr lang="ja-JP" altLang="en-US" sz="4000" dirty="0">
-                <a:latin typeface="+mn-ea"/>
-              </a:rPr>
-              <a:t>　</a:t>
-            </a:r>
-            <a:r>
-              <a:rPr lang="ja-JP" altLang="en-US" sz="3200" dirty="0"/>
-              <a:t>テキストデータを取得</a:t>
-            </a:r>
-            <a:endParaRPr lang="en-US" altLang="ja-JP" sz="3200" dirty="0"/>
-          </a:p>
-          <a:p>
-            <a:pPr>
-              <a:buClr>
-                <a:schemeClr val="tx1"/>
-              </a:buClr>
-            </a:pPr>
-            <a:r>
-              <a:rPr lang="ja-JP" altLang="en-US" sz="4000" b="1" dirty="0">
-                <a:solidFill>
-                  <a:sysClr val="windowText" lastClr="000000"/>
-                </a:solidFill>
-              </a:rPr>
-              <a:t>・</a:t>
-            </a:r>
-            <a:r>
-              <a:rPr lang="en-US" altLang="ja-JP" sz="4000" b="1" dirty="0">
-                <a:solidFill>
-                  <a:sysClr val="windowText" lastClr="000000"/>
-                </a:solidFill>
-              </a:rPr>
-              <a:t>Datetime</a:t>
-            </a:r>
-            <a:r>
-              <a:rPr lang="ja-JP" altLang="en-US" sz="4000" b="1" dirty="0">
-                <a:solidFill>
-                  <a:sysClr val="windowText" lastClr="000000"/>
-                </a:solidFill>
-              </a:rPr>
-              <a:t>モジュール</a:t>
-            </a:r>
-            <a:endParaRPr lang="en-US" altLang="ja-JP" sz="4000" b="1" dirty="0">
-              <a:solidFill>
-                <a:sysClr val="windowText" lastClr="000000"/>
-              </a:solidFill>
-            </a:endParaRPr>
-          </a:p>
-          <a:p>
-            <a:pPr>
-              <a:buClr>
-                <a:schemeClr val="tx1"/>
-              </a:buClr>
-            </a:pPr>
-            <a:r>
-              <a:rPr lang="ja-JP" altLang="en-US" sz="3600" b="1" dirty="0">
-                <a:ln>
-                  <a:solidFill>
-                    <a:schemeClr val="tx1"/>
-                  </a:solidFill>
-                </a:ln>
-                <a:solidFill>
-                  <a:schemeClr val="accent6">
-                    <a:lumMod val="50000"/>
-                  </a:schemeClr>
-                </a:solidFill>
-              </a:rPr>
-              <a:t>　</a:t>
-            </a:r>
-            <a:r>
-              <a:rPr lang="ja-JP" altLang="en-US" sz="2800" dirty="0"/>
-              <a:t>日時を取得</a:t>
-            </a:r>
-            <a:endParaRPr lang="en-US" altLang="ja-JP" sz="3600" dirty="0"/>
-          </a:p>
-          <a:p>
-            <a:endParaRPr kumimoji="1" lang="ja-JP" altLang="en-US" dirty="0"/>
-          </a:p>
-        </p:txBody>
-      </p:sp>
-      <p:sp>
-        <p:nvSpPr>
-          <p:cNvPr id="8" name="矢印: 右 7">
-            <a:extLst>
-              <a:ext uri="{FF2B5EF4-FFF2-40B4-BE49-F238E27FC236}">
-                <a16:creationId xmlns:a16="http://schemas.microsoft.com/office/drawing/2014/main" id="{862C1834-9D92-43CD-9628-AF124AD70118}"/>
+            <a:r>
+              <a:rPr kumimoji="1" lang="ja-JP" altLang="en-US" sz="3200" u="sng" dirty="0"/>
+              <a:t>データを増やしにくい</a:t>
+            </a:r>
+          </a:p>
+        </p:txBody>
+      </p:sp>
+      <p:sp>
+        <p:nvSpPr>
+          <p:cNvPr id="8" name="矢印: 上 7">
+            <a:extLst>
+              <a:ext uri="{FF2B5EF4-FFF2-40B4-BE49-F238E27FC236}">
+                <a16:creationId xmlns:a16="http://schemas.microsoft.com/office/drawing/2014/main" id="{63FE131A-4C79-490B-93C6-9FA481034CA3}"/>
               </a:ext>
             </a:extLst>
           </p:cNvPr>
@@ -10164,21 +13122,13 @@
           <p:nvPr/>
         </p:nvSpPr>
         <p:spPr>
-          <a:xfrm>
-            <a:off x="7410141" y="2576520"/>
-            <a:ext cx="555596" cy="2005845"/>
-          </a:xfrm>
-          <a:prstGeom prst="rightArrow">
+          <a:xfrm rot="16200000">
+            <a:off x="5521716" y="2239161"/>
+            <a:ext cx="877091" cy="510394"/>
+          </a:xfrm>
+          <a:prstGeom prst="upArrow">
             <a:avLst/>
           </a:prstGeom>
-          <a:solidFill>
-            <a:srgbClr val="C00000"/>
-          </a:solidFill>
-          <a:ln w="28575">
-            <a:solidFill>
-              <a:srgbClr val="283F19"/>
-            </a:solidFill>
-          </a:ln>
         </p:spPr>
         <p:style>
           <a:lnRef idx="2">
@@ -10201,20 +13151,62 @@
           <a:lstStyle/>
           <a:p>
             <a:pPr algn="ctr"/>
-            <a:endParaRPr kumimoji="1" lang="ja-JP" altLang="en-US">
-              <a:solidFill>
-                <a:srgbClr val="C00000"/>
-              </a:solidFill>
-            </a:endParaRPr>
-          </a:p>
-        </p:txBody>
-      </p:sp>
-      <p:sp>
-        <p:nvSpPr>
-          <p:cNvPr id="3" name="テキスト ボックス 2">
-            <a:extLst>
-              <a:ext uri="{FF2B5EF4-FFF2-40B4-BE49-F238E27FC236}">
-                <a16:creationId xmlns:a16="http://schemas.microsoft.com/office/drawing/2014/main" id="{DD1DF69A-9BCD-4514-8C10-E5571DE143C9}"/>
+            <a:endParaRPr kumimoji="1" lang="ja-JP" altLang="en-US" dirty="0"/>
+          </a:p>
+        </p:txBody>
+      </p:sp>
+      <p:sp>
+        <p:nvSpPr>
+          <p:cNvPr id="9" name="矢印: 上 8">
+            <a:extLst>
+              <a:ext uri="{FF2B5EF4-FFF2-40B4-BE49-F238E27FC236}">
+                <a16:creationId xmlns:a16="http://schemas.microsoft.com/office/drawing/2014/main" id="{42B22345-9B06-472D-96CD-9DCAB6528AC9}"/>
+              </a:ext>
+            </a:extLst>
+          </p:cNvPr>
+          <p:cNvSpPr/>
+          <p:nvPr/>
+        </p:nvSpPr>
+        <p:spPr>
+          <a:xfrm rot="16200000">
+            <a:off x="5525161" y="3964398"/>
+            <a:ext cx="877091" cy="517285"/>
+          </a:xfrm>
+          <a:prstGeom prst="upArrow">
+            <a:avLst/>
+          </a:prstGeom>
+        </p:spPr>
+        <p:style>
+          <a:lnRef idx="2">
+            <a:schemeClr val="accent1">
+              <a:shade val="50000"/>
+            </a:schemeClr>
+          </a:lnRef>
+          <a:fillRef idx="1">
+            <a:schemeClr val="accent1"/>
+          </a:fillRef>
+          <a:effectRef idx="0">
+            <a:schemeClr val="accent1"/>
+          </a:effectRef>
+          <a:fontRef idx="minor">
+            <a:schemeClr val="lt1"/>
+          </a:fontRef>
+        </p:style>
+        <p:txBody>
+          <a:bodyPr rtlCol="0" anchor="ctr"/>
+          <a:lstStyle/>
+          <a:p>
+            <a:pPr algn="ctr"/>
+            <a:endParaRPr kumimoji="1" lang="ja-JP" altLang="en-US" dirty="0"/>
+          </a:p>
+        </p:txBody>
+      </p:sp>
+      <p:sp>
+        <p:nvSpPr>
+          <p:cNvPr id="10" name="テキスト ボックス 9">
+            <a:extLst>
+              <a:ext uri="{FF2B5EF4-FFF2-40B4-BE49-F238E27FC236}">
+                <a16:creationId xmlns:a16="http://schemas.microsoft.com/office/drawing/2014/main" id="{7FF3E0A3-6C44-4BE5-AD57-31851EDE70AF}"/>
               </a:ext>
             </a:extLst>
           </p:cNvPr>
@@ -10222,9 +13214,9 @@
           <p:nvPr/>
         </p:nvSpPr>
         <p:spPr>
-          <a:xfrm>
-            <a:off x="7965737" y="2948068"/>
-            <a:ext cx="3888412" cy="1200329"/>
+          <a:xfrm flipH="1">
+            <a:off x="6391128" y="3941659"/>
+            <a:ext cx="4357842" cy="584775"/>
           </a:xfrm>
           <a:prstGeom prst="rect">
             <a:avLst/>
@@ -10238,8 +13230,8 @@
           <a:lstStyle/>
           <a:p>
             <a:r>
-              <a:rPr kumimoji="1" lang="ja-JP" altLang="en-US" sz="3600" b="1" dirty="0"/>
-              <a:t>テキストファイルに書き込み</a:t>
+              <a:rPr kumimoji="1" lang="ja-JP" altLang="en-US" sz="3200" u="sng" dirty="0"/>
+              <a:t>データを増やしやすい</a:t>
             </a:r>
           </a:p>
         </p:txBody>
@@ -10247,13 +13239,245 @@
     </p:spTree>
     <p:extLst>
       <p:ext uri="{BB962C8B-B14F-4D97-AF65-F5344CB8AC3E}">
-        <p14:creationId xmlns:p14="http://schemas.microsoft.com/office/powerpoint/2010/main" val="3049315379"/>
+        <p14:creationId xmlns:p14="http://schemas.microsoft.com/office/powerpoint/2010/main" val="695388641"/>
       </p:ext>
     </p:extLst>
   </p:cSld>
   <p:clrMapOvr>
     <a:masterClrMapping/>
   </p:clrMapOvr>
+  <p:timing>
+    <p:tnLst>
+      <p:par>
+        <p:cTn id="1" dur="indefinite" restart="never" nodeType="tmRoot">
+          <p:childTnLst>
+            <p:seq concurrent="1" nextAc="seek">
+              <p:cTn id="2" dur="indefinite" nodeType="mainSeq">
+                <p:childTnLst>
+                  <p:par>
+                    <p:cTn id="3" fill="hold">
+                      <p:stCondLst>
+                        <p:cond delay="indefinite"/>
+                      </p:stCondLst>
+                      <p:childTnLst>
+                        <p:par>
+                          <p:cTn id="4" fill="hold">
+                            <p:stCondLst>
+                              <p:cond delay="0"/>
+                            </p:stCondLst>
+                            <p:childTnLst>
+                              <p:par>
+                                <p:cTn id="5" presetID="53" presetClass="entr" presetSubtype="16" fill="hold" grpId="0" nodeType="clickEffect">
+                                  <p:stCondLst>
+                                    <p:cond delay="0"/>
+                                  </p:stCondLst>
+                                  <p:childTnLst>
+                                    <p:set>
+                                      <p:cBhvr>
+                                        <p:cTn id="6" dur="1" fill="hold">
+                                          <p:stCondLst>
+                                            <p:cond delay="0"/>
+                                          </p:stCondLst>
+                                        </p:cTn>
+                                        <p:tgtEl>
+                                          <p:spTgt spid="8"/>
+                                        </p:tgtEl>
+                                        <p:attrNameLst>
+                                          <p:attrName>style.visibility</p:attrName>
+                                        </p:attrNameLst>
+                                      </p:cBhvr>
+                                      <p:to>
+                                        <p:strVal val="visible"/>
+                                      </p:to>
+                                    </p:set>
+                                    <p:anim calcmode="lin" valueType="num">
+                                      <p:cBhvr>
+                                        <p:cTn id="7" dur="500" fill="hold"/>
+                                        <p:tgtEl>
+                                          <p:spTgt spid="8"/>
+                                        </p:tgtEl>
+                                        <p:attrNameLst>
+                                          <p:attrName>ppt_w</p:attrName>
+                                        </p:attrNameLst>
+                                      </p:cBhvr>
+                                      <p:tavLst>
+                                        <p:tav tm="0">
+                                          <p:val>
+                                            <p:fltVal val="0"/>
+                                          </p:val>
+                                        </p:tav>
+                                        <p:tav tm="100000">
+                                          <p:val>
+                                            <p:strVal val="#ppt_w"/>
+                                          </p:val>
+                                        </p:tav>
+                                      </p:tavLst>
+                                    </p:anim>
+                                    <p:anim calcmode="lin" valueType="num">
+                                      <p:cBhvr>
+                                        <p:cTn id="8" dur="500" fill="hold"/>
+                                        <p:tgtEl>
+                                          <p:spTgt spid="8"/>
+                                        </p:tgtEl>
+                                        <p:attrNameLst>
+                                          <p:attrName>ppt_h</p:attrName>
+                                        </p:attrNameLst>
+                                      </p:cBhvr>
+                                      <p:tavLst>
+                                        <p:tav tm="0">
+                                          <p:val>
+                                            <p:fltVal val="0"/>
+                                          </p:val>
+                                        </p:tav>
+                                        <p:tav tm="100000">
+                                          <p:val>
+                                            <p:strVal val="#ppt_h"/>
+                                          </p:val>
+                                        </p:tav>
+                                      </p:tavLst>
+                                    </p:anim>
+                                    <p:animEffect transition="in" filter="fade">
+                                      <p:cBhvr>
+                                        <p:cTn id="9" dur="500"/>
+                                        <p:tgtEl>
+                                          <p:spTgt spid="8"/>
+                                        </p:tgtEl>
+                                      </p:cBhvr>
+                                    </p:animEffect>
+                                  </p:childTnLst>
+                                </p:cTn>
+                              </p:par>
+                            </p:childTnLst>
+                          </p:cTn>
+                        </p:par>
+                      </p:childTnLst>
+                    </p:cTn>
+                  </p:par>
+                  <p:par>
+                    <p:cTn id="10" fill="hold">
+                      <p:stCondLst>
+                        <p:cond delay="indefinite"/>
+                      </p:stCondLst>
+                      <p:childTnLst>
+                        <p:par>
+                          <p:cTn id="11" fill="hold">
+                            <p:stCondLst>
+                              <p:cond delay="0"/>
+                            </p:stCondLst>
+                            <p:childTnLst>
+                              <p:par>
+                                <p:cTn id="12" presetID="53" presetClass="entr" presetSubtype="16" fill="hold" grpId="0" nodeType="clickEffect">
+                                  <p:stCondLst>
+                                    <p:cond delay="0"/>
+                                  </p:stCondLst>
+                                  <p:childTnLst>
+                                    <p:set>
+                                      <p:cBhvr>
+                                        <p:cTn id="13" dur="1" fill="hold">
+                                          <p:stCondLst>
+                                            <p:cond delay="0"/>
+                                          </p:stCondLst>
+                                        </p:cTn>
+                                        <p:tgtEl>
+                                          <p:spTgt spid="9"/>
+                                        </p:tgtEl>
+                                        <p:attrNameLst>
+                                          <p:attrName>style.visibility</p:attrName>
+                                        </p:attrNameLst>
+                                      </p:cBhvr>
+                                      <p:to>
+                                        <p:strVal val="visible"/>
+                                      </p:to>
+                                    </p:set>
+                                    <p:anim calcmode="lin" valueType="num">
+                                      <p:cBhvr>
+                                        <p:cTn id="14" dur="500" fill="hold"/>
+                                        <p:tgtEl>
+                                          <p:spTgt spid="9"/>
+                                        </p:tgtEl>
+                                        <p:attrNameLst>
+                                          <p:attrName>ppt_w</p:attrName>
+                                        </p:attrNameLst>
+                                      </p:cBhvr>
+                                      <p:tavLst>
+                                        <p:tav tm="0">
+                                          <p:val>
+                                            <p:fltVal val="0"/>
+                                          </p:val>
+                                        </p:tav>
+                                        <p:tav tm="100000">
+                                          <p:val>
+                                            <p:strVal val="#ppt_w"/>
+                                          </p:val>
+                                        </p:tav>
+                                      </p:tavLst>
+                                    </p:anim>
+                                    <p:anim calcmode="lin" valueType="num">
+                                      <p:cBhvr>
+                                        <p:cTn id="15" dur="500" fill="hold"/>
+                                        <p:tgtEl>
+                                          <p:spTgt spid="9"/>
+                                        </p:tgtEl>
+                                        <p:attrNameLst>
+                                          <p:attrName>ppt_h</p:attrName>
+                                        </p:attrNameLst>
+                                      </p:cBhvr>
+                                      <p:tavLst>
+                                        <p:tav tm="0">
+                                          <p:val>
+                                            <p:fltVal val="0"/>
+                                          </p:val>
+                                        </p:tav>
+                                        <p:tav tm="100000">
+                                          <p:val>
+                                            <p:strVal val="#ppt_h"/>
+                                          </p:val>
+                                        </p:tav>
+                                      </p:tavLst>
+                                    </p:anim>
+                                    <p:animEffect transition="in" filter="fade">
+                                      <p:cBhvr>
+                                        <p:cTn id="16" dur="500"/>
+                                        <p:tgtEl>
+                                          <p:spTgt spid="9"/>
+                                        </p:tgtEl>
+                                      </p:cBhvr>
+                                    </p:animEffect>
+                                  </p:childTnLst>
+                                </p:cTn>
+                              </p:par>
+                            </p:childTnLst>
+                          </p:cTn>
+                        </p:par>
+                      </p:childTnLst>
+                    </p:cTn>
+                  </p:par>
+                </p:childTnLst>
+              </p:cTn>
+              <p:prevCondLst>
+                <p:cond evt="onPrev" delay="0">
+                  <p:tgtEl>
+                    <p:sldTgt/>
+                  </p:tgtEl>
+                </p:cond>
+              </p:prevCondLst>
+              <p:nextCondLst>
+                <p:cond evt="onNext" delay="0">
+                  <p:tgtEl>
+                    <p:sldTgt/>
+                  </p:tgtEl>
+                </p:cond>
+              </p:nextCondLst>
+            </p:seq>
+          </p:childTnLst>
+        </p:cTn>
+      </p:par>
+    </p:tnLst>
+    <p:bldLst>
+      <p:bldP spid="8" grpId="0" animBg="1"/>
+      <p:bldP spid="9" grpId="0" animBg="1"/>
+    </p:bldLst>
+  </p:timing>
 </p:sld>
 </file>
 
@@ -10279,7 +13503,7 @@
           <p:cNvPr id="2" name="タイトル 1">
             <a:extLst>
               <a:ext uri="{FF2B5EF4-FFF2-40B4-BE49-F238E27FC236}">
-                <a16:creationId xmlns:a16="http://schemas.microsoft.com/office/drawing/2014/main" id="{1C67901B-E49E-40E4-9D6B-4679D612BE2A}"/>
+                <a16:creationId xmlns:a16="http://schemas.microsoft.com/office/drawing/2014/main" id="{EEA139C4-F5C2-4D21-8623-FBA3A6C4A4F9}"/>
               </a:ext>
             </a:extLst>
           </p:cNvPr>
@@ -10295,34 +13519,19 @@
           <a:bodyPr/>
           <a:lstStyle/>
           <a:p>
-            <a:pPr lvl="0"/>
-            <a:r>
-              <a:rPr lang="ja-JP" altLang="en-US" dirty="0">
-                <a:ln>
-                  <a:solidFill>
-                    <a:sysClr val="windowText" lastClr="000000"/>
-                  </a:solidFill>
-                </a:ln>
-                <a:solidFill>
-                  <a:schemeClr val="accent6">
-                    <a:lumMod val="75000"/>
-                  </a:schemeClr>
-                </a:solidFill>
-                <a:latin typeface="HGP明朝E" panose="02020900000000000000" pitchFamily="18" charset="-128"/>
-                <a:ea typeface="HGP明朝E" panose="02020900000000000000" pitchFamily="18" charset="-128"/>
-              </a:rPr>
-              <a:t>工夫した点・処理の短縮</a:t>
-            </a:r>
-            <a:endParaRPr kumimoji="1" lang="ja-JP" altLang="en-US" dirty="0"/>
-          </a:p>
-        </p:txBody>
-      </p:sp>
-      <p:sp>
-        <p:nvSpPr>
-          <p:cNvPr id="7" name="正方形/長方形 6">
-            <a:extLst>
-              <a:ext uri="{FF2B5EF4-FFF2-40B4-BE49-F238E27FC236}">
-                <a16:creationId xmlns:a16="http://schemas.microsoft.com/office/drawing/2014/main" id="{862A2D94-AAD8-4EAC-B86B-F0BA5C60401A}"/>
+            <a:r>
+              <a:rPr kumimoji="1" lang="ja-JP" altLang="en-US" dirty="0"/>
+              <a:t>使ってる関数など</a:t>
+            </a:r>
+          </a:p>
+        </p:txBody>
+      </p:sp>
+      <p:sp>
+        <p:nvSpPr>
+          <p:cNvPr id="4" name="正方形/長方形 3">
+            <a:extLst>
+              <a:ext uri="{FF2B5EF4-FFF2-40B4-BE49-F238E27FC236}">
+                <a16:creationId xmlns:a16="http://schemas.microsoft.com/office/drawing/2014/main" id="{07924659-6DC8-46F3-9D06-ACCCF5D8087D}"/>
               </a:ext>
             </a:extLst>
           </p:cNvPr>
@@ -10369,82 +13578,52 @@
           </a:p>
         </p:txBody>
       </p:sp>
-      <p:sp>
-        <p:nvSpPr>
-          <p:cNvPr id="5" name="四角形: 角を丸くする 4">
-            <a:extLst>
-              <a:ext uri="{FF2B5EF4-FFF2-40B4-BE49-F238E27FC236}">
-                <a16:creationId xmlns:a16="http://schemas.microsoft.com/office/drawing/2014/main" id="{43E67A84-D0DC-454D-994E-FE5B7E09A0AF}"/>
-              </a:ext>
-            </a:extLst>
-          </p:cNvPr>
-          <p:cNvSpPr/>
-          <p:nvPr/>
-        </p:nvSpPr>
+      <p:pic>
+        <p:nvPicPr>
+          <p:cNvPr id="11" name="コンテンツ プレースホルダー 10">
+            <a:extLst>
+              <a:ext uri="{FF2B5EF4-FFF2-40B4-BE49-F238E27FC236}">
+                <a16:creationId xmlns:a16="http://schemas.microsoft.com/office/drawing/2014/main" id="{757319E6-BEC1-4F69-AD95-034F67E22688}"/>
+              </a:ext>
+            </a:extLst>
+          </p:cNvPr>
+          <p:cNvPicPr>
+            <a:picLocks noGrp="1" noChangeAspect="1"/>
+          </p:cNvPicPr>
+          <p:nvPr>
+            <p:ph idx="1"/>
+          </p:nvPr>
+        </p:nvPicPr>
+        <p:blipFill>
+          <a:blip r:embed="rId3">
+            <a:extLst>
+              <a:ext uri="{28A0092B-C50C-407E-A947-70E740481C1C}">
+                <a14:useLocalDpi xmlns:a14="http://schemas.microsoft.com/office/drawing/2010/main" val="0"/>
+              </a:ext>
+            </a:extLst>
+          </a:blip>
+          <a:stretch>
+            <a:fillRect/>
+          </a:stretch>
+        </p:blipFill>
         <p:spPr>
           <a:xfrm>
-            <a:off x="1848047" y="2553100"/>
-            <a:ext cx="2329315" cy="673769"/>
-          </a:xfrm>
-          <a:prstGeom prst="roundRect">
-            <a:avLst/>
-          </a:prstGeom>
-          <a:solidFill>
-            <a:schemeClr val="bg1"/>
-          </a:solidFill>
-          <a:ln>
+            <a:off x="-50288" y="1690688"/>
+            <a:ext cx="12192000" cy="4400492"/>
+          </a:xfrm>
+          <a:ln w="38100">
             <a:solidFill>
               <a:schemeClr val="tx1"/>
             </a:solidFill>
           </a:ln>
         </p:spPr>
-        <p:style>
-          <a:lnRef idx="2">
-            <a:schemeClr val="accent1">
-              <a:shade val="50000"/>
-            </a:schemeClr>
-          </a:lnRef>
-          <a:fillRef idx="1">
-            <a:schemeClr val="accent1"/>
-          </a:fillRef>
-          <a:effectRef idx="0">
-            <a:schemeClr val="accent1"/>
-          </a:effectRef>
-          <a:fontRef idx="minor">
-            <a:schemeClr val="lt1"/>
-          </a:fontRef>
-        </p:style>
-        <p:txBody>
-          <a:bodyPr rtlCol="0" anchor="ctr"/>
-          <a:lstStyle/>
-          <a:p>
-            <a:pPr algn="ctr"/>
-            <a:r>
-              <a:rPr lang="ja-JP" altLang="en-US" b="1" dirty="0">
-                <a:solidFill>
-                  <a:schemeClr val="accent6">
-                    <a:lumMod val="75000"/>
-                  </a:schemeClr>
-                </a:solidFill>
-              </a:rPr>
-              <a:t>データ取得</a:t>
-            </a:r>
-            <a:endParaRPr kumimoji="1" lang="ja-JP" altLang="en-US" b="1" dirty="0">
-              <a:solidFill>
-                <a:schemeClr val="accent6">
-                  <a:lumMod val="75000"/>
-                </a:schemeClr>
-              </a:solidFill>
-            </a:endParaRPr>
-          </a:p>
-        </p:txBody>
-      </p:sp>
-      <p:sp>
-        <p:nvSpPr>
-          <p:cNvPr id="11" name="四角形: 角を丸くする 10">
-            <a:extLst>
-              <a:ext uri="{FF2B5EF4-FFF2-40B4-BE49-F238E27FC236}">
-                <a16:creationId xmlns:a16="http://schemas.microsoft.com/office/drawing/2014/main" id="{EBF746E7-B6B4-4D19-9C35-6B5A9E9EF67E}"/>
+      </p:pic>
+      <p:sp>
+        <p:nvSpPr>
+          <p:cNvPr id="5" name="正方形/長方形 4">
+            <a:extLst>
+              <a:ext uri="{FF2B5EF4-FFF2-40B4-BE49-F238E27FC236}">
+                <a16:creationId xmlns:a16="http://schemas.microsoft.com/office/drawing/2014/main" id="{3827400A-0100-4512-BD53-7AECDB4EBCE5}"/>
               </a:ext>
             </a:extLst>
           </p:cNvPr>
@@ -10453,350 +13632,146 @@
         </p:nvSpPr>
         <p:spPr>
           <a:xfrm>
-            <a:off x="1848048" y="3429000"/>
-            <a:ext cx="2329315" cy="1720516"/>
-          </a:xfrm>
-          <a:prstGeom prst="roundRect">
-            <a:avLst/>
-          </a:prstGeom>
-          <a:solidFill>
-            <a:schemeClr val="accent6">
-              <a:lumMod val="75000"/>
-            </a:schemeClr>
-          </a:solidFill>
-          <a:ln>
-            <a:solidFill>
-              <a:schemeClr val="tx1"/>
-            </a:solidFill>
-          </a:ln>
-        </p:spPr>
-        <p:style>
-          <a:lnRef idx="2">
-            <a:schemeClr val="accent1">
-              <a:shade val="50000"/>
-            </a:schemeClr>
-          </a:lnRef>
-          <a:fillRef idx="1">
-            <a:schemeClr val="accent1"/>
-          </a:fillRef>
-          <a:effectRef idx="0">
-            <a:schemeClr val="accent1"/>
-          </a:effectRef>
-          <a:fontRef idx="minor">
-            <a:schemeClr val="lt1"/>
-          </a:fontRef>
-        </p:style>
-        <p:txBody>
-          <a:bodyPr rtlCol="0" anchor="ctr"/>
-          <a:lstStyle/>
-          <a:p>
-            <a:r>
-              <a:rPr lang="ja-JP" altLang="en-US" sz="2800" b="1" dirty="0">
-                <a:solidFill>
-                  <a:schemeClr val="bg1"/>
-                </a:solidFill>
-              </a:rPr>
-              <a:t>・天気予報</a:t>
-            </a:r>
-            <a:endParaRPr lang="en-US" altLang="ja-JP" sz="2800" b="1" dirty="0">
-              <a:solidFill>
-                <a:schemeClr val="bg1"/>
-              </a:solidFill>
-            </a:endParaRPr>
-          </a:p>
-          <a:p>
-            <a:r>
-              <a:rPr lang="ja-JP" altLang="en-US" sz="2800" b="1" dirty="0">
-                <a:solidFill>
-                  <a:schemeClr val="bg1"/>
-                </a:solidFill>
-              </a:rPr>
-              <a:t>・ニュース</a:t>
-            </a:r>
-            <a:endParaRPr lang="en-US" altLang="ja-JP" sz="2800" b="1" dirty="0">
-              <a:solidFill>
-                <a:schemeClr val="bg1"/>
-              </a:solidFill>
-            </a:endParaRPr>
-          </a:p>
-          <a:p>
-            <a:r>
-              <a:rPr lang="ja-JP" altLang="en-US" sz="2800" b="1" dirty="0">
-                <a:solidFill>
-                  <a:schemeClr val="bg1"/>
-                </a:solidFill>
-              </a:rPr>
-              <a:t>・日時</a:t>
-            </a:r>
-            <a:endParaRPr lang="en-US" altLang="ja-JP" sz="2800" b="1" dirty="0">
-              <a:solidFill>
-                <a:schemeClr val="bg1"/>
-              </a:solidFill>
-            </a:endParaRPr>
-          </a:p>
-          <a:p>
-            <a:r>
-              <a:rPr lang="ja-JP" altLang="en-US" sz="2800" b="1" dirty="0">
-                <a:solidFill>
-                  <a:schemeClr val="bg1"/>
-                </a:solidFill>
-              </a:rPr>
-              <a:t>・星座占い</a:t>
-            </a:r>
-          </a:p>
-        </p:txBody>
-      </p:sp>
-      <p:sp>
-        <p:nvSpPr>
-          <p:cNvPr id="12" name="矢印: 右 11">
-            <a:extLst>
-              <a:ext uri="{FF2B5EF4-FFF2-40B4-BE49-F238E27FC236}">
-                <a16:creationId xmlns:a16="http://schemas.microsoft.com/office/drawing/2014/main" id="{28EA2996-90D2-498C-BFD0-BB8E943592A3}"/>
-              </a:ext>
-            </a:extLst>
-          </p:cNvPr>
-          <p:cNvSpPr/>
-          <p:nvPr/>
-        </p:nvSpPr>
-        <p:spPr>
-          <a:xfrm>
-            <a:off x="4254365" y="3679256"/>
-            <a:ext cx="2954956" cy="1174282"/>
-          </a:xfrm>
-          <a:prstGeom prst="rightArrow">
-            <a:avLst/>
-          </a:prstGeom>
-          <a:solidFill>
-            <a:srgbClr val="FF0000"/>
-          </a:solidFill>
-          <a:ln>
-            <a:solidFill>
-              <a:schemeClr val="tx1"/>
-            </a:solidFill>
-          </a:ln>
-        </p:spPr>
-        <p:style>
-          <a:lnRef idx="2">
-            <a:schemeClr val="accent1">
-              <a:shade val="50000"/>
-            </a:schemeClr>
-          </a:lnRef>
-          <a:fillRef idx="1">
-            <a:schemeClr val="accent1"/>
-          </a:fillRef>
-          <a:effectRef idx="0">
-            <a:schemeClr val="accent1"/>
-          </a:effectRef>
-          <a:fontRef idx="minor">
-            <a:schemeClr val="lt1"/>
-          </a:fontRef>
-        </p:style>
-        <p:txBody>
-          <a:bodyPr rtlCol="0" anchor="ctr"/>
-          <a:lstStyle/>
-          <a:p>
-            <a:pPr algn="ctr"/>
-            <a:r>
-              <a:rPr kumimoji="1" lang="ja-JP" altLang="en-US" b="1" dirty="0"/>
-              <a:t>毎回処理</a:t>
-            </a:r>
-          </a:p>
-        </p:txBody>
-      </p:sp>
-      <p:sp>
-        <p:nvSpPr>
-          <p:cNvPr id="13" name="四角形: 角を丸くする 12">
-            <a:extLst>
-              <a:ext uri="{FF2B5EF4-FFF2-40B4-BE49-F238E27FC236}">
-                <a16:creationId xmlns:a16="http://schemas.microsoft.com/office/drawing/2014/main" id="{D96DDF25-738B-4FF8-90D0-2DA169743149}"/>
-              </a:ext>
-            </a:extLst>
-          </p:cNvPr>
-          <p:cNvSpPr/>
-          <p:nvPr/>
-        </p:nvSpPr>
-        <p:spPr>
-          <a:xfrm>
-            <a:off x="7286323" y="3952373"/>
-            <a:ext cx="2329315" cy="673769"/>
-          </a:xfrm>
-          <a:prstGeom prst="roundRect">
-            <a:avLst/>
-          </a:prstGeom>
-          <a:solidFill>
-            <a:schemeClr val="accent6">
-              <a:lumMod val="75000"/>
-            </a:schemeClr>
-          </a:solidFill>
-          <a:ln>
-            <a:solidFill>
-              <a:schemeClr val="tx1"/>
-            </a:solidFill>
-          </a:ln>
-        </p:spPr>
-        <p:style>
-          <a:lnRef idx="2">
-            <a:schemeClr val="accent1">
-              <a:shade val="50000"/>
-            </a:schemeClr>
-          </a:lnRef>
-          <a:fillRef idx="1">
-            <a:schemeClr val="accent1"/>
-          </a:fillRef>
-          <a:effectRef idx="0">
-            <a:schemeClr val="accent1"/>
-          </a:effectRef>
-          <a:fontRef idx="minor">
-            <a:schemeClr val="lt1"/>
-          </a:fontRef>
-        </p:style>
-        <p:txBody>
-          <a:bodyPr rtlCol="0" anchor="ctr"/>
-          <a:lstStyle/>
-          <a:p>
-            <a:pPr algn="ctr"/>
-            <a:r>
-              <a:rPr kumimoji="1" lang="en-US" altLang="ja-JP" sz="2800" b="1" dirty="0">
-                <a:solidFill>
-                  <a:schemeClr val="bg1"/>
-                </a:solidFill>
-              </a:rPr>
-              <a:t>result.txt</a:t>
-            </a:r>
-            <a:endParaRPr kumimoji="1" lang="ja-JP" altLang="en-US" sz="2800" b="1" dirty="0">
-              <a:solidFill>
-                <a:schemeClr val="bg1"/>
-              </a:solidFill>
-            </a:endParaRPr>
-          </a:p>
-        </p:txBody>
-      </p:sp>
-      <p:sp>
-        <p:nvSpPr>
-          <p:cNvPr id="14" name="四角形: 角を丸くする 13">
-            <a:extLst>
-              <a:ext uri="{FF2B5EF4-FFF2-40B4-BE49-F238E27FC236}">
-                <a16:creationId xmlns:a16="http://schemas.microsoft.com/office/drawing/2014/main" id="{517550B4-CEAD-462C-8C83-2ED456DF9F6C}"/>
-              </a:ext>
-            </a:extLst>
-          </p:cNvPr>
-          <p:cNvSpPr/>
-          <p:nvPr/>
-        </p:nvSpPr>
-        <p:spPr>
-          <a:xfrm>
-            <a:off x="7286323" y="2553100"/>
-            <a:ext cx="2329315" cy="673769"/>
-          </a:xfrm>
-          <a:prstGeom prst="roundRect">
-            <a:avLst/>
-          </a:prstGeom>
-          <a:solidFill>
-            <a:schemeClr val="bg1"/>
-          </a:solidFill>
-          <a:ln>
-            <a:solidFill>
-              <a:schemeClr val="tx1"/>
-            </a:solidFill>
-          </a:ln>
-        </p:spPr>
-        <p:style>
-          <a:lnRef idx="2">
-            <a:schemeClr val="accent1">
-              <a:shade val="50000"/>
-            </a:schemeClr>
-          </a:lnRef>
-          <a:fillRef idx="1">
-            <a:schemeClr val="accent1"/>
-          </a:fillRef>
-          <a:effectRef idx="0">
-            <a:schemeClr val="accent1"/>
-          </a:effectRef>
-          <a:fontRef idx="minor">
-            <a:schemeClr val="lt1"/>
-          </a:fontRef>
-        </p:style>
-        <p:txBody>
-          <a:bodyPr rtlCol="0" anchor="ctr"/>
-          <a:lstStyle/>
-          <a:p>
-            <a:pPr algn="ctr"/>
-            <a:r>
-              <a:rPr lang="ja-JP" altLang="en-US" b="1" dirty="0">
-                <a:solidFill>
-                  <a:schemeClr val="accent6">
-                    <a:lumMod val="75000"/>
-                  </a:schemeClr>
-                </a:solidFill>
-              </a:rPr>
-              <a:t>ファイルに書き込み</a:t>
-            </a:r>
-            <a:endParaRPr kumimoji="1" lang="ja-JP" altLang="en-US" b="1" dirty="0">
-              <a:solidFill>
-                <a:schemeClr val="accent6">
-                  <a:lumMod val="75000"/>
-                </a:schemeClr>
-              </a:solidFill>
-            </a:endParaRPr>
-          </a:p>
-        </p:txBody>
-      </p:sp>
-      <p:sp>
-        <p:nvSpPr>
-          <p:cNvPr id="3" name="正方形/長方形 2">
-            <a:extLst>
-              <a:ext uri="{FF2B5EF4-FFF2-40B4-BE49-F238E27FC236}">
-                <a16:creationId xmlns:a16="http://schemas.microsoft.com/office/drawing/2014/main" id="{FAB16456-F7D9-4DF3-A957-9BD94DE863CE}"/>
-              </a:ext>
-            </a:extLst>
-          </p:cNvPr>
-          <p:cNvSpPr/>
-          <p:nvPr/>
-        </p:nvSpPr>
-        <p:spPr>
-          <a:xfrm>
-            <a:off x="648739" y="1752562"/>
-            <a:ext cx="9212778" cy="584775"/>
+            <a:off x="9259091" y="2311274"/>
+            <a:ext cx="1470611" cy="416560"/>
           </a:xfrm>
           <a:prstGeom prst="rect">
             <a:avLst/>
           </a:prstGeom>
-        </p:spPr>
-        <p:txBody>
-          <a:bodyPr wrap="none">
-            <a:spAutoFit/>
-          </a:bodyPr>
-          <a:lstStyle/>
-          <a:p>
-            <a:pPr>
-              <a:buClr>
-                <a:schemeClr val="tx1"/>
-              </a:buClr>
-            </a:pPr>
-            <a:r>
-              <a:rPr lang="en-US" altLang="ja-JP" sz="3200" dirty="0"/>
-              <a:t>【</a:t>
-            </a:r>
-            <a:r>
-              <a:rPr lang="ja-JP" altLang="en-US" sz="2800" b="1" dirty="0"/>
-              <a:t>問題点</a:t>
-            </a:r>
-            <a:r>
-              <a:rPr lang="en-US" altLang="ja-JP" sz="3200" dirty="0"/>
-              <a:t>】</a:t>
-            </a:r>
-            <a:r>
-              <a:rPr lang="ja-JP" altLang="en-US" sz="3200" dirty="0"/>
-              <a:t>長文のスクレイピングは時間がかかる</a:t>
-            </a:r>
-            <a:endParaRPr lang="en-US" altLang="ja-JP" sz="3200" dirty="0"/>
+          <a:noFill/>
+          <a:ln w="38100">
+            <a:solidFill>
+              <a:srgbClr val="FF0000"/>
+            </a:solidFill>
+          </a:ln>
+        </p:spPr>
+        <p:style>
+          <a:lnRef idx="2">
+            <a:schemeClr val="dk1"/>
+          </a:lnRef>
+          <a:fillRef idx="1">
+            <a:schemeClr val="lt1"/>
+          </a:fillRef>
+          <a:effectRef idx="0">
+            <a:schemeClr val="dk1"/>
+          </a:effectRef>
+          <a:fontRef idx="minor">
+            <a:schemeClr val="dk1"/>
+          </a:fontRef>
+        </p:style>
+        <p:txBody>
+          <a:bodyPr rtlCol="0" anchor="ctr"/>
+          <a:lstStyle/>
+          <a:p>
+            <a:pPr algn="ctr"/>
+            <a:endParaRPr kumimoji="1" lang="ja-JP" altLang="en-US"/>
+          </a:p>
+        </p:txBody>
+      </p:sp>
+      <p:sp>
+        <p:nvSpPr>
+          <p:cNvPr id="7" name="正方形/長方形 6">
+            <a:extLst>
+              <a:ext uri="{FF2B5EF4-FFF2-40B4-BE49-F238E27FC236}">
+                <a16:creationId xmlns:a16="http://schemas.microsoft.com/office/drawing/2014/main" id="{ED17702A-E57B-48C9-A5D8-47C21CA284EB}"/>
+              </a:ext>
+            </a:extLst>
+          </p:cNvPr>
+          <p:cNvSpPr/>
+          <p:nvPr/>
+        </p:nvSpPr>
+        <p:spPr>
+          <a:xfrm>
+            <a:off x="8094847" y="2312904"/>
+            <a:ext cx="1039528" cy="416560"/>
+          </a:xfrm>
+          <a:prstGeom prst="rect">
+            <a:avLst/>
+          </a:prstGeom>
+          <a:noFill/>
+          <a:ln w="38100">
+            <a:solidFill>
+              <a:srgbClr val="FF0000"/>
+            </a:solidFill>
+          </a:ln>
+        </p:spPr>
+        <p:style>
+          <a:lnRef idx="2">
+            <a:schemeClr val="dk1"/>
+          </a:lnRef>
+          <a:fillRef idx="1">
+            <a:schemeClr val="lt1"/>
+          </a:fillRef>
+          <a:effectRef idx="0">
+            <a:schemeClr val="dk1"/>
+          </a:effectRef>
+          <a:fontRef idx="minor">
+            <a:schemeClr val="dk1"/>
+          </a:fontRef>
+        </p:style>
+        <p:txBody>
+          <a:bodyPr rtlCol="0" anchor="ctr"/>
+          <a:lstStyle/>
+          <a:p>
+            <a:pPr algn="ctr"/>
+            <a:endParaRPr kumimoji="1" lang="ja-JP" altLang="en-US"/>
+          </a:p>
+        </p:txBody>
+      </p:sp>
+      <p:sp>
+        <p:nvSpPr>
+          <p:cNvPr id="8" name="正方形/長方形 7">
+            <a:extLst>
+              <a:ext uri="{FF2B5EF4-FFF2-40B4-BE49-F238E27FC236}">
+                <a16:creationId xmlns:a16="http://schemas.microsoft.com/office/drawing/2014/main" id="{063E1242-A1DC-4FF8-BBC9-F462E4D062AE}"/>
+              </a:ext>
+            </a:extLst>
+          </p:cNvPr>
+          <p:cNvSpPr/>
+          <p:nvPr/>
+        </p:nvSpPr>
+        <p:spPr>
+          <a:xfrm>
+            <a:off x="10838047" y="2311274"/>
+            <a:ext cx="1245608" cy="416560"/>
+          </a:xfrm>
+          <a:prstGeom prst="rect">
+            <a:avLst/>
+          </a:prstGeom>
+          <a:noFill/>
+          <a:ln w="38100">
+            <a:solidFill>
+              <a:srgbClr val="FF0000"/>
+            </a:solidFill>
+          </a:ln>
+        </p:spPr>
+        <p:style>
+          <a:lnRef idx="2">
+            <a:schemeClr val="dk1"/>
+          </a:lnRef>
+          <a:fillRef idx="1">
+            <a:schemeClr val="lt1"/>
+          </a:fillRef>
+          <a:effectRef idx="0">
+            <a:schemeClr val="dk1"/>
+          </a:effectRef>
+          <a:fontRef idx="minor">
+            <a:schemeClr val="dk1"/>
+          </a:fontRef>
+        </p:style>
+        <p:txBody>
+          <a:bodyPr rtlCol="0" anchor="ctr"/>
+          <a:lstStyle/>
+          <a:p>
+            <a:pPr algn="ctr"/>
+            <a:endParaRPr kumimoji="1" lang="ja-JP" altLang="en-US"/>
           </a:p>
         </p:txBody>
       </p:sp>
     </p:spTree>
     <p:extLst>
       <p:ext uri="{BB962C8B-B14F-4D97-AF65-F5344CB8AC3E}">
-        <p14:creationId xmlns:p14="http://schemas.microsoft.com/office/powerpoint/2010/main" val="75600543"/>
+        <p14:creationId xmlns:p14="http://schemas.microsoft.com/office/powerpoint/2010/main" val="2013287371"/>
       </p:ext>
     </p:extLst>
   </p:cSld>
@@ -10825,10 +13800,65 @@
       </p:grpSpPr>
       <p:sp>
         <p:nvSpPr>
-          <p:cNvPr id="7" name="正方形/長方形 6">
-            <a:extLst>
-              <a:ext uri="{FF2B5EF4-FFF2-40B4-BE49-F238E27FC236}">
-                <a16:creationId xmlns:a16="http://schemas.microsoft.com/office/drawing/2014/main" id="{862A2D94-AAD8-4EAC-B86B-F0BA5C60401A}"/>
+          <p:cNvPr id="2" name="タイトル 1">
+            <a:extLst>
+              <a:ext uri="{FF2B5EF4-FFF2-40B4-BE49-F238E27FC236}">
+                <a16:creationId xmlns:a16="http://schemas.microsoft.com/office/drawing/2014/main" id="{83802C4E-2E3E-4349-846A-F90F72A28924}"/>
+              </a:ext>
+            </a:extLst>
+          </p:cNvPr>
+          <p:cNvSpPr>
+            <a:spLocks noGrp="1"/>
+          </p:cNvSpPr>
+          <p:nvPr>
+            <p:ph type="title"/>
+          </p:nvPr>
+        </p:nvSpPr>
+        <p:spPr/>
+        <p:txBody>
+          <a:bodyPr/>
+          <a:lstStyle/>
+          <a:p>
+            <a:r>
+              <a:rPr lang="ja-JP" altLang="en-US" b="1" dirty="0">
+                <a:ln>
+                  <a:solidFill>
+                    <a:schemeClr val="tx1"/>
+                  </a:solidFill>
+                </a:ln>
+                <a:solidFill>
+                  <a:schemeClr val="accent6">
+                    <a:lumMod val="75000"/>
+                  </a:schemeClr>
+                </a:solidFill>
+                <a:latin typeface="HGS明朝E" panose="02020900000000000000" pitchFamily="18" charset="-128"/>
+                <a:ea typeface="HGS明朝E" panose="02020900000000000000" pitchFamily="18" charset="-128"/>
+              </a:rPr>
+              <a:t>出力するデータを取得</a:t>
+            </a:r>
+            <a:endParaRPr kumimoji="1" lang="ja-JP" altLang="en-US" b="1" dirty="0">
+              <a:ln>
+                <a:solidFill>
+                  <a:schemeClr val="tx1"/>
+                </a:solidFill>
+              </a:ln>
+              <a:solidFill>
+                <a:schemeClr val="accent6">
+                  <a:lumMod val="75000"/>
+                </a:schemeClr>
+              </a:solidFill>
+              <a:latin typeface="HGS明朝E" panose="02020900000000000000" pitchFamily="18" charset="-128"/>
+              <a:ea typeface="HGS明朝E" panose="02020900000000000000" pitchFamily="18" charset="-128"/>
+            </a:endParaRPr>
+          </a:p>
+        </p:txBody>
+      </p:sp>
+      <p:sp>
+        <p:nvSpPr>
+          <p:cNvPr id="5" name="正方形/長方形 4">
+            <a:extLst>
+              <a:ext uri="{FF2B5EF4-FFF2-40B4-BE49-F238E27FC236}">
+                <a16:creationId xmlns:a16="http://schemas.microsoft.com/office/drawing/2014/main" id="{C00C05B2-7221-4496-A116-94B0D8E45A2D}"/>
               </a:ext>
             </a:extLst>
           </p:cNvPr>
@@ -10877,10 +13907,165 @@
       </p:sp>
       <p:sp>
         <p:nvSpPr>
-          <p:cNvPr id="11" name="四角形: 角を丸くする 10">
-            <a:extLst>
-              <a:ext uri="{FF2B5EF4-FFF2-40B4-BE49-F238E27FC236}">
-                <a16:creationId xmlns:a16="http://schemas.microsoft.com/office/drawing/2014/main" id="{8782B4DF-E484-491E-8838-63B8B7ABDA07}"/>
+          <p:cNvPr id="7" name="テキスト ボックス 6">
+            <a:extLst>
+              <a:ext uri="{FF2B5EF4-FFF2-40B4-BE49-F238E27FC236}">
+                <a16:creationId xmlns:a16="http://schemas.microsoft.com/office/drawing/2014/main" id="{538A1AC8-CE4F-4286-A880-D105B44A2385}"/>
+              </a:ext>
+            </a:extLst>
+          </p:cNvPr>
+          <p:cNvSpPr txBox="1"/>
+          <p:nvPr/>
+        </p:nvSpPr>
+        <p:spPr>
+          <a:xfrm>
+            <a:off x="644124" y="1901627"/>
+            <a:ext cx="8275471" cy="3385542"/>
+          </a:xfrm>
+          <a:prstGeom prst="rect">
+            <a:avLst/>
+          </a:prstGeom>
+          <a:noFill/>
+        </p:spPr>
+        <p:txBody>
+          <a:bodyPr wrap="square" rtlCol="0">
+            <a:spAutoFit/>
+          </a:bodyPr>
+          <a:lstStyle/>
+          <a:p>
+            <a:pPr>
+              <a:buClr>
+                <a:schemeClr val="tx1"/>
+              </a:buClr>
+            </a:pPr>
+            <a:r>
+              <a:rPr lang="ja-JP" altLang="en-US" sz="4000" b="1" dirty="0"/>
+              <a:t>・スクレイピング</a:t>
+            </a:r>
+            <a:endParaRPr lang="en-US" altLang="ja-JP" sz="4000" b="1" dirty="0"/>
+          </a:p>
+          <a:p>
+            <a:pPr>
+              <a:buClr>
+                <a:schemeClr val="tx1"/>
+              </a:buClr>
+            </a:pPr>
+            <a:r>
+              <a:rPr lang="ja-JP" altLang="en-US" sz="4000" dirty="0"/>
+              <a:t> </a:t>
+            </a:r>
+            <a:r>
+              <a:rPr lang="en-US" altLang="ja-JP" sz="4000" dirty="0"/>
+              <a:t>【</a:t>
+            </a:r>
+            <a:r>
+              <a:rPr lang="en-US" altLang="ja-JP" sz="3600" b="1" dirty="0">
+                <a:solidFill>
+                  <a:schemeClr val="accent6">
+                    <a:lumMod val="50000"/>
+                  </a:schemeClr>
+                </a:solidFill>
+              </a:rPr>
+              <a:t>BeautifulSoup4</a:t>
+            </a:r>
+            <a:r>
+              <a:rPr lang="en-US" altLang="ja-JP" sz="3600" dirty="0"/>
+              <a:t>】</a:t>
+            </a:r>
+            <a:endParaRPr lang="en-US" altLang="ja-JP" sz="4000" dirty="0"/>
+          </a:p>
+          <a:p>
+            <a:pPr>
+              <a:buClr>
+                <a:schemeClr val="tx1"/>
+              </a:buClr>
+            </a:pPr>
+            <a:r>
+              <a:rPr lang="ja-JP" altLang="en-US" sz="4000" dirty="0">
+                <a:latin typeface="+mn-ea"/>
+              </a:rPr>
+              <a:t>　</a:t>
+            </a:r>
+            <a:r>
+              <a:rPr lang="ja-JP" altLang="en-US" sz="3200" dirty="0"/>
+              <a:t>テキストデータを取得</a:t>
+            </a:r>
+            <a:endParaRPr lang="en-US" altLang="ja-JP" sz="3200" dirty="0"/>
+          </a:p>
+          <a:p>
+            <a:pPr>
+              <a:buClr>
+                <a:schemeClr val="tx1"/>
+              </a:buClr>
+            </a:pPr>
+            <a:r>
+              <a:rPr lang="ja-JP" altLang="en-US" sz="4000" b="1" dirty="0">
+                <a:solidFill>
+                  <a:sysClr val="windowText" lastClr="000000"/>
+                </a:solidFill>
+              </a:rPr>
+              <a:t>・</a:t>
+            </a:r>
+            <a:r>
+              <a:rPr lang="en-US" altLang="ja-JP" sz="4000" b="1" dirty="0">
+                <a:solidFill>
+                  <a:sysClr val="windowText" lastClr="000000"/>
+                </a:solidFill>
+              </a:rPr>
+              <a:t>Datetime</a:t>
+            </a:r>
+            <a:r>
+              <a:rPr lang="ja-JP" altLang="en-US" sz="4000" b="1" dirty="0">
+                <a:solidFill>
+                  <a:sysClr val="windowText" lastClr="000000"/>
+                </a:solidFill>
+              </a:rPr>
+              <a:t>モジュール</a:t>
+            </a:r>
+            <a:endParaRPr lang="en-US" altLang="ja-JP" sz="4000" b="1" dirty="0">
+              <a:solidFill>
+                <a:sysClr val="windowText" lastClr="000000"/>
+              </a:solidFill>
+            </a:endParaRPr>
+          </a:p>
+          <a:p>
+            <a:pPr>
+              <a:buClr>
+                <a:schemeClr val="tx1"/>
+              </a:buClr>
+            </a:pPr>
+            <a:r>
+              <a:rPr lang="ja-JP" altLang="en-US" sz="3600" b="1" dirty="0">
+                <a:ln>
+                  <a:solidFill>
+                    <a:schemeClr val="tx1"/>
+                  </a:solidFill>
+                </a:ln>
+                <a:solidFill>
+                  <a:schemeClr val="accent6">
+                    <a:lumMod val="50000"/>
+                  </a:schemeClr>
+                </a:solidFill>
+              </a:rPr>
+              <a:t>　</a:t>
+            </a:r>
+            <a:r>
+              <a:rPr lang="ja-JP" altLang="en-US" sz="2800" dirty="0"/>
+              <a:t>日時を取得</a:t>
+            </a:r>
+            <a:endParaRPr lang="en-US" altLang="ja-JP" sz="3600" dirty="0"/>
+          </a:p>
+          <a:p>
+            <a:endParaRPr kumimoji="1" lang="ja-JP" altLang="en-US" dirty="0"/>
+          </a:p>
+        </p:txBody>
+      </p:sp>
+      <p:sp>
+        <p:nvSpPr>
+          <p:cNvPr id="8" name="矢印: 右 7">
+            <a:extLst>
+              <a:ext uri="{FF2B5EF4-FFF2-40B4-BE49-F238E27FC236}">
+                <a16:creationId xmlns:a16="http://schemas.microsoft.com/office/drawing/2014/main" id="{862C1834-9D92-43CD-9628-AF124AD70118}"/>
               </a:ext>
             </a:extLst>
           </p:cNvPr>
@@ -10889,18 +14074,18 @@
         </p:nvSpPr>
         <p:spPr>
           <a:xfrm>
-            <a:off x="2070650" y="2335519"/>
-            <a:ext cx="2329315" cy="673769"/>
-          </a:xfrm>
-          <a:prstGeom prst="roundRect">
+            <a:off x="7410141" y="2576520"/>
+            <a:ext cx="555596" cy="2005845"/>
+          </a:xfrm>
+          <a:prstGeom prst="rightArrow">
             <a:avLst/>
           </a:prstGeom>
           <a:solidFill>
-            <a:schemeClr val="bg1"/>
+            <a:srgbClr val="C00000"/>
           </a:solidFill>
-          <a:ln>
+          <a:ln w="28575">
             <a:solidFill>
-              <a:schemeClr val="tx1"/>
+              <a:srgbClr val="283F19"/>
             </a:solidFill>
           </a:ln>
         </p:spPr>
@@ -10925,21 +14110,9 @@
           <a:lstStyle/>
           <a:p>
             <a:pPr algn="ctr"/>
-            <a:r>
-              <a:rPr lang="ja-JP" altLang="en-US" b="1" dirty="0">
-                <a:solidFill>
-                  <a:schemeClr val="accent6">
-                    <a:lumMod val="75000"/>
-                  </a:schemeClr>
-                </a:solidFill>
-              </a:rPr>
-              <a:t>データ取得</a:t>
-            </a:r>
-            <a:endParaRPr kumimoji="1" lang="ja-JP" altLang="en-US" b="1" dirty="0">
+            <a:endParaRPr kumimoji="1" lang="ja-JP" altLang="en-US">
               <a:solidFill>
-                <a:schemeClr val="accent6">
-                  <a:lumMod val="75000"/>
-                </a:schemeClr>
+                <a:srgbClr val="C00000"/>
               </a:solidFill>
             </a:endParaRPr>
           </a:p>
@@ -10947,645 +14120,49 @@
       </p:sp>
       <p:sp>
         <p:nvSpPr>
-          <p:cNvPr id="12" name="矢印: 右 11">
-            <a:extLst>
-              <a:ext uri="{FF2B5EF4-FFF2-40B4-BE49-F238E27FC236}">
-                <a16:creationId xmlns:a16="http://schemas.microsoft.com/office/drawing/2014/main" id="{19E695C6-C9D6-46D2-B2C7-A53F0C267109}"/>
-              </a:ext>
-            </a:extLst>
-          </p:cNvPr>
-          <p:cNvSpPr/>
+          <p:cNvPr id="3" name="テキスト ボックス 2">
+            <a:extLst>
+              <a:ext uri="{FF2B5EF4-FFF2-40B4-BE49-F238E27FC236}">
+                <a16:creationId xmlns:a16="http://schemas.microsoft.com/office/drawing/2014/main" id="{DD1DF69A-9BCD-4514-8C10-E5571DE143C9}"/>
+              </a:ext>
+            </a:extLst>
+          </p:cNvPr>
+          <p:cNvSpPr txBox="1"/>
           <p:nvPr/>
         </p:nvSpPr>
         <p:spPr>
           <a:xfrm>
-            <a:off x="4563596" y="4987278"/>
-            <a:ext cx="2954956" cy="890337"/>
-          </a:xfrm>
-          <a:prstGeom prst="rightArrow">
-            <a:avLst/>
-          </a:prstGeom>
-          <a:solidFill>
-            <a:srgbClr val="FF0000"/>
-          </a:solidFill>
-          <a:ln>
-            <a:solidFill>
-              <a:schemeClr val="tx1"/>
-            </a:solidFill>
-          </a:ln>
-        </p:spPr>
-        <p:style>
-          <a:lnRef idx="2">
-            <a:schemeClr val="accent1">
-              <a:shade val="50000"/>
-            </a:schemeClr>
-          </a:lnRef>
-          <a:fillRef idx="1">
-            <a:schemeClr val="accent1"/>
-          </a:fillRef>
-          <a:effectRef idx="0">
-            <a:schemeClr val="accent1"/>
-          </a:effectRef>
-          <a:fontRef idx="minor">
-            <a:schemeClr val="lt1"/>
-          </a:fontRef>
-        </p:style>
-        <p:txBody>
-          <a:bodyPr rtlCol="0" anchor="ctr"/>
-          <a:lstStyle/>
-          <a:p>
-            <a:pPr algn="ctr"/>
-            <a:r>
-              <a:rPr kumimoji="1" lang="ja-JP" altLang="en-US" b="1" dirty="0"/>
-              <a:t>毎回処理</a:t>
-            </a:r>
-          </a:p>
-        </p:txBody>
-      </p:sp>
-      <p:sp>
-        <p:nvSpPr>
-          <p:cNvPr id="13" name="四角形: 角を丸くする 12">
-            <a:extLst>
-              <a:ext uri="{FF2B5EF4-FFF2-40B4-BE49-F238E27FC236}">
-                <a16:creationId xmlns:a16="http://schemas.microsoft.com/office/drawing/2014/main" id="{99B71CA8-890B-4D89-8BEE-FF456E7C6C05}"/>
-              </a:ext>
-            </a:extLst>
-          </p:cNvPr>
-          <p:cNvSpPr/>
-          <p:nvPr/>
-        </p:nvSpPr>
-        <p:spPr>
-          <a:xfrm>
-            <a:off x="7682182" y="5069385"/>
-            <a:ext cx="2800951" cy="673769"/>
-          </a:xfrm>
-          <a:prstGeom prst="roundRect">
-            <a:avLst/>
-          </a:prstGeom>
-          <a:solidFill>
-            <a:schemeClr val="accent6">
-              <a:lumMod val="75000"/>
-            </a:schemeClr>
-          </a:solidFill>
-          <a:ln>
-            <a:solidFill>
-              <a:schemeClr val="tx1"/>
-            </a:solidFill>
-          </a:ln>
-        </p:spPr>
-        <p:style>
-          <a:lnRef idx="2">
-            <a:schemeClr val="accent1">
-              <a:shade val="50000"/>
-            </a:schemeClr>
-          </a:lnRef>
-          <a:fillRef idx="1">
-            <a:schemeClr val="accent1"/>
-          </a:fillRef>
-          <a:effectRef idx="0">
-            <a:schemeClr val="accent1"/>
-          </a:effectRef>
-          <a:fontRef idx="minor">
-            <a:schemeClr val="lt1"/>
-          </a:fontRef>
-        </p:style>
-        <p:txBody>
-          <a:bodyPr rtlCol="0" anchor="ctr"/>
-          <a:lstStyle/>
-          <a:p>
-            <a:r>
-              <a:rPr kumimoji="1" lang="ja-JP" altLang="en-US" sz="2800" b="1" dirty="0">
-                <a:solidFill>
-                  <a:schemeClr val="bg1"/>
-                </a:solidFill>
-              </a:rPr>
-              <a:t>・</a:t>
-            </a:r>
-            <a:r>
-              <a:rPr kumimoji="1" lang="en-US" altLang="ja-JP" sz="2800" b="1" dirty="0">
-                <a:solidFill>
-                  <a:schemeClr val="bg1"/>
-                </a:solidFill>
-              </a:rPr>
-              <a:t>day.txt</a:t>
-            </a:r>
-            <a:endParaRPr kumimoji="1" lang="ja-JP" altLang="en-US" b="1" dirty="0">
-              <a:solidFill>
-                <a:schemeClr val="bg1"/>
-              </a:solidFill>
-            </a:endParaRPr>
-          </a:p>
-        </p:txBody>
-      </p:sp>
-      <p:sp>
-        <p:nvSpPr>
-          <p:cNvPr id="17" name="四角形: 角を丸くする 16">
-            <a:extLst>
-              <a:ext uri="{FF2B5EF4-FFF2-40B4-BE49-F238E27FC236}">
-                <a16:creationId xmlns:a16="http://schemas.microsoft.com/office/drawing/2014/main" id="{85BC110C-5578-4E08-A47E-D92EE0FE25CB}"/>
-              </a:ext>
-            </a:extLst>
-          </p:cNvPr>
-          <p:cNvSpPr/>
-          <p:nvPr/>
-        </p:nvSpPr>
-        <p:spPr>
-          <a:xfrm>
-            <a:off x="2070651" y="3346172"/>
-            <a:ext cx="2329315" cy="1412507"/>
-          </a:xfrm>
-          <a:prstGeom prst="roundRect">
-            <a:avLst/>
-          </a:prstGeom>
-          <a:solidFill>
-            <a:schemeClr val="accent6">
-              <a:lumMod val="75000"/>
-            </a:schemeClr>
-          </a:solidFill>
-          <a:ln>
-            <a:solidFill>
-              <a:schemeClr val="tx1"/>
-            </a:solidFill>
-          </a:ln>
-        </p:spPr>
-        <p:style>
-          <a:lnRef idx="2">
-            <a:schemeClr val="accent1">
-              <a:shade val="50000"/>
-            </a:schemeClr>
-          </a:lnRef>
-          <a:fillRef idx="1">
-            <a:schemeClr val="accent1"/>
-          </a:fillRef>
-          <a:effectRef idx="0">
-            <a:schemeClr val="accent1"/>
-          </a:effectRef>
-          <a:fontRef idx="minor">
-            <a:schemeClr val="lt1"/>
-          </a:fontRef>
-        </p:style>
-        <p:txBody>
-          <a:bodyPr rtlCol="0" anchor="ctr"/>
-          <a:lstStyle/>
-          <a:p>
-            <a:r>
-              <a:rPr lang="ja-JP" altLang="en-US" sz="2800" b="1" dirty="0">
-                <a:solidFill>
-                  <a:schemeClr val="bg1"/>
-                </a:solidFill>
-              </a:rPr>
-              <a:t>・天気予報</a:t>
-            </a:r>
-            <a:endParaRPr lang="en-US" altLang="ja-JP" sz="2800" b="1" dirty="0">
-              <a:solidFill>
-                <a:schemeClr val="bg1"/>
-              </a:solidFill>
-            </a:endParaRPr>
-          </a:p>
-          <a:p>
-            <a:r>
-              <a:rPr lang="ja-JP" altLang="en-US" sz="2800" b="1" dirty="0">
-                <a:solidFill>
-                  <a:schemeClr val="bg1"/>
-                </a:solidFill>
-              </a:rPr>
-              <a:t>・ニュース</a:t>
-            </a:r>
-            <a:endParaRPr lang="en-US" altLang="ja-JP" sz="2800" b="1" dirty="0">
-              <a:solidFill>
-                <a:schemeClr val="bg1"/>
-              </a:solidFill>
-            </a:endParaRPr>
-          </a:p>
-          <a:p>
-            <a:r>
-              <a:rPr lang="ja-JP" altLang="en-US" sz="2800" b="1" dirty="0">
-                <a:solidFill>
-                  <a:schemeClr val="bg1"/>
-                </a:solidFill>
-              </a:rPr>
-              <a:t>・星座占い</a:t>
-            </a:r>
-          </a:p>
-        </p:txBody>
-      </p:sp>
-      <p:sp>
-        <p:nvSpPr>
-          <p:cNvPr id="18" name="四角形: 角を丸くする 17">
-            <a:extLst>
-              <a:ext uri="{FF2B5EF4-FFF2-40B4-BE49-F238E27FC236}">
-                <a16:creationId xmlns:a16="http://schemas.microsoft.com/office/drawing/2014/main" id="{E898D16D-F080-4AB8-99A7-0733F9B3D647}"/>
-              </a:ext>
-            </a:extLst>
-          </p:cNvPr>
-          <p:cNvSpPr/>
-          <p:nvPr/>
-        </p:nvSpPr>
-        <p:spPr>
-          <a:xfrm>
-            <a:off x="2070651" y="5095563"/>
-            <a:ext cx="2329315" cy="673769"/>
-          </a:xfrm>
-          <a:prstGeom prst="roundRect">
-            <a:avLst/>
-          </a:prstGeom>
-          <a:solidFill>
-            <a:schemeClr val="accent6">
-              <a:lumMod val="75000"/>
-            </a:schemeClr>
-          </a:solidFill>
-          <a:ln>
-            <a:solidFill>
-              <a:schemeClr val="tx1"/>
-            </a:solidFill>
-          </a:ln>
-        </p:spPr>
-        <p:style>
-          <a:lnRef idx="2">
-            <a:schemeClr val="accent1">
-              <a:shade val="50000"/>
-            </a:schemeClr>
-          </a:lnRef>
-          <a:fillRef idx="1">
-            <a:schemeClr val="accent1"/>
-          </a:fillRef>
-          <a:effectRef idx="0">
-            <a:schemeClr val="accent1"/>
-          </a:effectRef>
-          <a:fontRef idx="minor">
-            <a:schemeClr val="lt1"/>
-          </a:fontRef>
-        </p:style>
-        <p:txBody>
-          <a:bodyPr rtlCol="0" anchor="ctr"/>
-          <a:lstStyle/>
-          <a:p>
-            <a:r>
-              <a:rPr kumimoji="1" lang="ja-JP" altLang="en-US" sz="2800" b="1" dirty="0">
-                <a:solidFill>
-                  <a:schemeClr val="bg1"/>
-                </a:solidFill>
-              </a:rPr>
-              <a:t>・日時</a:t>
-            </a:r>
-          </a:p>
-        </p:txBody>
-      </p:sp>
-      <p:sp>
-        <p:nvSpPr>
-          <p:cNvPr id="19" name="四角形: 角を丸くする 18">
-            <a:extLst>
-              <a:ext uri="{FF2B5EF4-FFF2-40B4-BE49-F238E27FC236}">
-                <a16:creationId xmlns:a16="http://schemas.microsoft.com/office/drawing/2014/main" id="{0ADD0314-BB39-4926-9476-0961AE100226}"/>
-              </a:ext>
-            </a:extLst>
-          </p:cNvPr>
-          <p:cNvSpPr/>
-          <p:nvPr/>
-        </p:nvSpPr>
-        <p:spPr>
-          <a:xfrm>
-            <a:off x="7682182" y="3346172"/>
-            <a:ext cx="2800951" cy="1412507"/>
-          </a:xfrm>
-          <a:prstGeom prst="roundRect">
-            <a:avLst/>
-          </a:prstGeom>
-          <a:solidFill>
-            <a:schemeClr val="accent6">
-              <a:lumMod val="75000"/>
-            </a:schemeClr>
-          </a:solidFill>
-          <a:ln>
-            <a:solidFill>
-              <a:schemeClr val="tx1"/>
-            </a:solidFill>
-          </a:ln>
-        </p:spPr>
-        <p:style>
-          <a:lnRef idx="2">
-            <a:schemeClr val="accent1">
-              <a:shade val="50000"/>
-            </a:schemeClr>
-          </a:lnRef>
-          <a:fillRef idx="1">
-            <a:schemeClr val="accent1"/>
-          </a:fillRef>
-          <a:effectRef idx="0">
-            <a:schemeClr val="accent1"/>
-          </a:effectRef>
-          <a:fontRef idx="minor">
-            <a:schemeClr val="lt1"/>
-          </a:fontRef>
-        </p:style>
-        <p:txBody>
-          <a:bodyPr rtlCol="0" anchor="ctr"/>
-          <a:lstStyle/>
-          <a:p>
-            <a:r>
-              <a:rPr lang="ja-JP" altLang="en-US" sz="2800" b="1" dirty="0">
-                <a:solidFill>
-                  <a:schemeClr val="bg1"/>
-                </a:solidFill>
-              </a:rPr>
-              <a:t>・</a:t>
-            </a:r>
-            <a:r>
-              <a:rPr lang="en-US" altLang="ja-JP" sz="2800" b="1" dirty="0">
-                <a:solidFill>
-                  <a:schemeClr val="bg1"/>
-                </a:solidFill>
-              </a:rPr>
-              <a:t>weather.txt</a:t>
-            </a:r>
-          </a:p>
-          <a:p>
-            <a:r>
-              <a:rPr lang="ja-JP" altLang="en-US" sz="2800" b="1" dirty="0">
-                <a:solidFill>
-                  <a:schemeClr val="bg1"/>
-                </a:solidFill>
-              </a:rPr>
-              <a:t>・</a:t>
-            </a:r>
-            <a:r>
-              <a:rPr lang="en-US" altLang="ja-JP" sz="2800" b="1" dirty="0">
-                <a:solidFill>
-                  <a:schemeClr val="bg1"/>
-                </a:solidFill>
-              </a:rPr>
-              <a:t>news.txt</a:t>
-            </a:r>
-          </a:p>
-          <a:p>
-            <a:r>
-              <a:rPr lang="ja-JP" altLang="en-US" sz="2800" b="1" dirty="0">
-                <a:solidFill>
-                  <a:schemeClr val="bg1"/>
-                </a:solidFill>
-              </a:rPr>
-              <a:t>・</a:t>
-            </a:r>
-            <a:r>
-              <a:rPr lang="en-US" altLang="ja-JP" sz="2800" b="1" dirty="0">
-                <a:solidFill>
-                  <a:schemeClr val="bg1"/>
-                </a:solidFill>
-              </a:rPr>
-              <a:t>fortune.txt</a:t>
-            </a:r>
-            <a:endParaRPr lang="ja-JP" altLang="en-US" sz="2800" b="1" dirty="0">
-              <a:solidFill>
-                <a:schemeClr val="bg1"/>
-              </a:solidFill>
-            </a:endParaRPr>
-          </a:p>
-        </p:txBody>
-      </p:sp>
-      <p:sp>
-        <p:nvSpPr>
-          <p:cNvPr id="20" name="矢印: 右 19">
-            <a:extLst>
-              <a:ext uri="{FF2B5EF4-FFF2-40B4-BE49-F238E27FC236}">
-                <a16:creationId xmlns:a16="http://schemas.microsoft.com/office/drawing/2014/main" id="{CC448C61-1681-4C79-94A2-9F1672EB3DF7}"/>
-              </a:ext>
-            </a:extLst>
-          </p:cNvPr>
-          <p:cNvSpPr/>
-          <p:nvPr/>
-        </p:nvSpPr>
-        <p:spPr>
-          <a:xfrm>
-            <a:off x="4563596" y="3511388"/>
-            <a:ext cx="2954956" cy="1055587"/>
-          </a:xfrm>
-          <a:prstGeom prst="rightArrow">
-            <a:avLst/>
-          </a:prstGeom>
-          <a:solidFill>
-            <a:srgbClr val="FF0000"/>
-          </a:solidFill>
-          <a:ln>
-            <a:solidFill>
-              <a:schemeClr val="tx1"/>
-            </a:solidFill>
-          </a:ln>
-        </p:spPr>
-        <p:style>
-          <a:lnRef idx="2">
-            <a:schemeClr val="accent1">
-              <a:shade val="50000"/>
-            </a:schemeClr>
-          </a:lnRef>
-          <a:fillRef idx="1">
-            <a:schemeClr val="accent1"/>
-          </a:fillRef>
-          <a:effectRef idx="0">
-            <a:schemeClr val="accent1"/>
-          </a:effectRef>
-          <a:fontRef idx="minor">
-            <a:schemeClr val="lt1"/>
-          </a:fontRef>
-        </p:style>
-        <p:txBody>
-          <a:bodyPr rtlCol="0" anchor="ctr"/>
-          <a:lstStyle/>
-          <a:p>
-            <a:pPr algn="ctr"/>
-            <a:r>
-              <a:rPr lang="ja-JP" altLang="en-US" b="1" dirty="0"/>
-              <a:t>起動時に</a:t>
-            </a:r>
-            <a:r>
-              <a:rPr kumimoji="1" lang="ja-JP" altLang="en-US" b="1" dirty="0"/>
-              <a:t>処理</a:t>
-            </a:r>
-          </a:p>
-        </p:txBody>
-      </p:sp>
-      <p:sp>
-        <p:nvSpPr>
-          <p:cNvPr id="21" name="四角形: 角を丸くする 20">
-            <a:extLst>
-              <a:ext uri="{FF2B5EF4-FFF2-40B4-BE49-F238E27FC236}">
-                <a16:creationId xmlns:a16="http://schemas.microsoft.com/office/drawing/2014/main" id="{E9E97937-2887-444B-9312-BD208433FBBB}"/>
-              </a:ext>
-            </a:extLst>
-          </p:cNvPr>
-          <p:cNvSpPr/>
-          <p:nvPr/>
-        </p:nvSpPr>
-        <p:spPr>
-          <a:xfrm>
-            <a:off x="7682182" y="2361697"/>
-            <a:ext cx="2800951" cy="673769"/>
-          </a:xfrm>
-          <a:prstGeom prst="roundRect">
-            <a:avLst/>
-          </a:prstGeom>
-          <a:solidFill>
-            <a:schemeClr val="bg1"/>
-          </a:solidFill>
-          <a:ln>
-            <a:solidFill>
-              <a:schemeClr val="tx1"/>
-            </a:solidFill>
-          </a:ln>
-        </p:spPr>
-        <p:style>
-          <a:lnRef idx="2">
-            <a:schemeClr val="accent1">
-              <a:shade val="50000"/>
-            </a:schemeClr>
-          </a:lnRef>
-          <a:fillRef idx="1">
-            <a:schemeClr val="accent1"/>
-          </a:fillRef>
-          <a:effectRef idx="0">
-            <a:schemeClr val="accent1"/>
-          </a:effectRef>
-          <a:fontRef idx="minor">
-            <a:schemeClr val="lt1"/>
-          </a:fontRef>
-        </p:style>
-        <p:txBody>
-          <a:bodyPr rtlCol="0" anchor="ctr"/>
-          <a:lstStyle/>
-          <a:p>
-            <a:pPr algn="ctr"/>
-            <a:r>
-              <a:rPr lang="ja-JP" altLang="en-US" b="1" dirty="0">
-                <a:solidFill>
-                  <a:schemeClr val="accent6">
-                    <a:lumMod val="75000"/>
-                  </a:schemeClr>
-                </a:solidFill>
-              </a:rPr>
-              <a:t>ファイルに書き込み</a:t>
-            </a:r>
-            <a:endParaRPr kumimoji="1" lang="ja-JP" altLang="en-US" b="1" dirty="0">
-              <a:solidFill>
-                <a:schemeClr val="accent6">
-                  <a:lumMod val="75000"/>
-                </a:schemeClr>
-              </a:solidFill>
-            </a:endParaRPr>
-          </a:p>
-        </p:txBody>
-      </p:sp>
-      <p:sp>
-        <p:nvSpPr>
-          <p:cNvPr id="14" name="タイトル 1">
-            <a:extLst>
-              <a:ext uri="{FF2B5EF4-FFF2-40B4-BE49-F238E27FC236}">
-                <a16:creationId xmlns:a16="http://schemas.microsoft.com/office/drawing/2014/main" id="{8CF352F8-A903-47C2-83C2-9710446A09DE}"/>
-              </a:ext>
-            </a:extLst>
-          </p:cNvPr>
-          <p:cNvSpPr>
-            <a:spLocks noGrp="1"/>
-          </p:cNvSpPr>
-          <p:nvPr>
-            <p:ph type="title"/>
-          </p:nvPr>
-        </p:nvSpPr>
-        <p:spPr>
-          <a:xfrm>
-            <a:off x="838200" y="365125"/>
-            <a:ext cx="10515600" cy="1325563"/>
-          </a:xfrm>
-        </p:spPr>
-        <p:txBody>
-          <a:bodyPr/>
-          <a:lstStyle/>
-          <a:p>
-            <a:pPr lvl="0"/>
-            <a:r>
-              <a:rPr lang="ja-JP" altLang="en-US" dirty="0">
-                <a:ln>
-                  <a:solidFill>
-                    <a:sysClr val="windowText" lastClr="000000"/>
-                  </a:solidFill>
-                </a:ln>
-                <a:solidFill>
-                  <a:schemeClr val="accent6">
-                    <a:lumMod val="75000"/>
-                  </a:schemeClr>
-                </a:solidFill>
-                <a:latin typeface="HGP明朝E" panose="02020900000000000000" pitchFamily="18" charset="-128"/>
-                <a:ea typeface="HGP明朝E" panose="02020900000000000000" pitchFamily="18" charset="-128"/>
-              </a:rPr>
-              <a:t>工夫した点・処理の短縮</a:t>
-            </a:r>
-            <a:endParaRPr kumimoji="1" lang="ja-JP" altLang="en-US" dirty="0"/>
-          </a:p>
-        </p:txBody>
-      </p:sp>
-      <p:sp>
-        <p:nvSpPr>
-          <p:cNvPr id="2" name="正方形/長方形 1">
-            <a:extLst>
-              <a:ext uri="{FF2B5EF4-FFF2-40B4-BE49-F238E27FC236}">
-                <a16:creationId xmlns:a16="http://schemas.microsoft.com/office/drawing/2014/main" id="{05053AC4-1076-4E17-9429-011226C36E60}"/>
-              </a:ext>
-            </a:extLst>
-          </p:cNvPr>
-          <p:cNvSpPr/>
-          <p:nvPr/>
-        </p:nvSpPr>
-        <p:spPr>
-          <a:xfrm>
-            <a:off x="736600" y="1593908"/>
-            <a:ext cx="7007046" cy="523220"/>
+            <a:off x="7965737" y="2948068"/>
+            <a:ext cx="3888412" cy="1200329"/>
           </a:xfrm>
           <a:prstGeom prst="rect">
             <a:avLst/>
           </a:prstGeom>
-        </p:spPr>
-        <p:txBody>
-          <a:bodyPr wrap="none">
+          <a:noFill/>
+        </p:spPr>
+        <p:txBody>
+          <a:bodyPr wrap="square" rtlCol="0">
             <a:spAutoFit/>
           </a:bodyPr>
           <a:lstStyle/>
           <a:p>
-            <a:pPr>
-              <a:buClr>
-                <a:schemeClr val="tx1"/>
-              </a:buClr>
-            </a:pPr>
-            <a:r>
-              <a:rPr lang="en-US" altLang="ja-JP" sz="2800" dirty="0"/>
-              <a:t>【</a:t>
-            </a:r>
-            <a:r>
-              <a:rPr lang="ja-JP" altLang="en-US" sz="2800" b="1" dirty="0"/>
-              <a:t>解決策</a:t>
-            </a:r>
-            <a:r>
-              <a:rPr lang="en-US" altLang="ja-JP" sz="2800" dirty="0"/>
-              <a:t>】</a:t>
-            </a:r>
-            <a:r>
-              <a:rPr lang="ja-JP" altLang="en-US" sz="2800" dirty="0"/>
-              <a:t>起動時に実行して、個別に保存</a:t>
-            </a:r>
-            <a:endParaRPr lang="en-US" altLang="ja-JP" sz="2800" dirty="0"/>
+            <a:r>
+              <a:rPr kumimoji="1" lang="ja-JP" altLang="en-US" sz="3600" b="1" dirty="0"/>
+              <a:t>テキストファイルに書き込み</a:t>
+            </a:r>
           </a:p>
         </p:txBody>
       </p:sp>
     </p:spTree>
     <p:extLst>
       <p:ext uri="{BB962C8B-B14F-4D97-AF65-F5344CB8AC3E}">
-        <p14:creationId xmlns:p14="http://schemas.microsoft.com/office/powerpoint/2010/main" val="3085573195"/>
+        <p14:creationId xmlns:p14="http://schemas.microsoft.com/office/powerpoint/2010/main" val="3049315379"/>
       </p:ext>
     </p:extLst>
   </p:cSld>
   <p:clrMapOvr>
     <a:masterClrMapping/>
   </p:clrMapOvr>
-  <p:transition spd="med">
-    <p:fade/>
-  </p:transition>
 </p:sld>
 </file>
 
@@ -12635,6 +15212,1338 @@
           <p:cNvPr id="2" name="タイトル 1">
             <a:extLst>
               <a:ext uri="{FF2B5EF4-FFF2-40B4-BE49-F238E27FC236}">
+                <a16:creationId xmlns:a16="http://schemas.microsoft.com/office/drawing/2014/main" id="{1C67901B-E49E-40E4-9D6B-4679D612BE2A}"/>
+              </a:ext>
+            </a:extLst>
+          </p:cNvPr>
+          <p:cNvSpPr>
+            <a:spLocks noGrp="1"/>
+          </p:cNvSpPr>
+          <p:nvPr>
+            <p:ph type="title"/>
+          </p:nvPr>
+        </p:nvSpPr>
+        <p:spPr/>
+        <p:txBody>
+          <a:bodyPr/>
+          <a:lstStyle/>
+          <a:p>
+            <a:pPr lvl="0"/>
+            <a:r>
+              <a:rPr lang="ja-JP" altLang="en-US" dirty="0">
+                <a:ln>
+                  <a:solidFill>
+                    <a:sysClr val="windowText" lastClr="000000"/>
+                  </a:solidFill>
+                </a:ln>
+                <a:solidFill>
+                  <a:schemeClr val="accent6">
+                    <a:lumMod val="75000"/>
+                  </a:schemeClr>
+                </a:solidFill>
+                <a:latin typeface="HGP明朝E" panose="02020900000000000000" pitchFamily="18" charset="-128"/>
+                <a:ea typeface="HGP明朝E" panose="02020900000000000000" pitchFamily="18" charset="-128"/>
+              </a:rPr>
+              <a:t>工夫した点・処理の短縮</a:t>
+            </a:r>
+            <a:endParaRPr kumimoji="1" lang="ja-JP" altLang="en-US" dirty="0"/>
+          </a:p>
+        </p:txBody>
+      </p:sp>
+      <p:sp>
+        <p:nvSpPr>
+          <p:cNvPr id="7" name="正方形/長方形 6">
+            <a:extLst>
+              <a:ext uri="{FF2B5EF4-FFF2-40B4-BE49-F238E27FC236}">
+                <a16:creationId xmlns:a16="http://schemas.microsoft.com/office/drawing/2014/main" id="{862A2D94-AAD8-4EAC-B86B-F0BA5C60401A}"/>
+              </a:ext>
+            </a:extLst>
+          </p:cNvPr>
+          <p:cNvSpPr/>
+          <p:nvPr/>
+        </p:nvSpPr>
+        <p:spPr>
+          <a:xfrm>
+            <a:off x="9508067" y="0"/>
+            <a:ext cx="2683933" cy="1593908"/>
+          </a:xfrm>
+          <a:prstGeom prst="rect">
+            <a:avLst/>
+          </a:prstGeom>
+          <a:solidFill>
+            <a:schemeClr val="accent6">
+              <a:lumMod val="60000"/>
+              <a:lumOff val="40000"/>
+            </a:schemeClr>
+          </a:solidFill>
+        </p:spPr>
+        <p:style>
+          <a:lnRef idx="2">
+            <a:schemeClr val="accent1">
+              <a:shade val="50000"/>
+            </a:schemeClr>
+          </a:lnRef>
+          <a:fillRef idx="1">
+            <a:schemeClr val="accent1"/>
+          </a:fillRef>
+          <a:effectRef idx="0">
+            <a:schemeClr val="accent1"/>
+          </a:effectRef>
+          <a:fontRef idx="minor">
+            <a:schemeClr val="lt1"/>
+          </a:fontRef>
+        </p:style>
+        <p:txBody>
+          <a:bodyPr rtlCol="0" anchor="ctr"/>
+          <a:lstStyle/>
+          <a:p>
+            <a:pPr algn="ctr"/>
+            <a:endParaRPr kumimoji="1" lang="ja-JP" altLang="en-US"/>
+          </a:p>
+        </p:txBody>
+      </p:sp>
+      <p:sp>
+        <p:nvSpPr>
+          <p:cNvPr id="5" name="四角形: 角を丸くする 4">
+            <a:extLst>
+              <a:ext uri="{FF2B5EF4-FFF2-40B4-BE49-F238E27FC236}">
+                <a16:creationId xmlns:a16="http://schemas.microsoft.com/office/drawing/2014/main" id="{43E67A84-D0DC-454D-994E-FE5B7E09A0AF}"/>
+              </a:ext>
+            </a:extLst>
+          </p:cNvPr>
+          <p:cNvSpPr/>
+          <p:nvPr/>
+        </p:nvSpPr>
+        <p:spPr>
+          <a:xfrm>
+            <a:off x="1848047" y="2553100"/>
+            <a:ext cx="2329315" cy="673769"/>
+          </a:xfrm>
+          <a:prstGeom prst="roundRect">
+            <a:avLst/>
+          </a:prstGeom>
+          <a:solidFill>
+            <a:schemeClr val="bg1"/>
+          </a:solidFill>
+          <a:ln>
+            <a:solidFill>
+              <a:schemeClr val="tx1"/>
+            </a:solidFill>
+          </a:ln>
+        </p:spPr>
+        <p:style>
+          <a:lnRef idx="2">
+            <a:schemeClr val="accent1">
+              <a:shade val="50000"/>
+            </a:schemeClr>
+          </a:lnRef>
+          <a:fillRef idx="1">
+            <a:schemeClr val="accent1"/>
+          </a:fillRef>
+          <a:effectRef idx="0">
+            <a:schemeClr val="accent1"/>
+          </a:effectRef>
+          <a:fontRef idx="minor">
+            <a:schemeClr val="lt1"/>
+          </a:fontRef>
+        </p:style>
+        <p:txBody>
+          <a:bodyPr rtlCol="0" anchor="ctr"/>
+          <a:lstStyle/>
+          <a:p>
+            <a:pPr algn="ctr"/>
+            <a:r>
+              <a:rPr lang="ja-JP" altLang="en-US" b="1" dirty="0">
+                <a:solidFill>
+                  <a:schemeClr val="accent6">
+                    <a:lumMod val="75000"/>
+                  </a:schemeClr>
+                </a:solidFill>
+              </a:rPr>
+              <a:t>データ取得</a:t>
+            </a:r>
+            <a:endParaRPr kumimoji="1" lang="ja-JP" altLang="en-US" b="1" dirty="0">
+              <a:solidFill>
+                <a:schemeClr val="accent6">
+                  <a:lumMod val="75000"/>
+                </a:schemeClr>
+              </a:solidFill>
+            </a:endParaRPr>
+          </a:p>
+        </p:txBody>
+      </p:sp>
+      <p:sp>
+        <p:nvSpPr>
+          <p:cNvPr id="11" name="四角形: 角を丸くする 10">
+            <a:extLst>
+              <a:ext uri="{FF2B5EF4-FFF2-40B4-BE49-F238E27FC236}">
+                <a16:creationId xmlns:a16="http://schemas.microsoft.com/office/drawing/2014/main" id="{EBF746E7-B6B4-4D19-9C35-6B5A9E9EF67E}"/>
+              </a:ext>
+            </a:extLst>
+          </p:cNvPr>
+          <p:cNvSpPr/>
+          <p:nvPr/>
+        </p:nvSpPr>
+        <p:spPr>
+          <a:xfrm>
+            <a:off x="1848048" y="3429000"/>
+            <a:ext cx="2329315" cy="1720516"/>
+          </a:xfrm>
+          <a:prstGeom prst="roundRect">
+            <a:avLst/>
+          </a:prstGeom>
+          <a:solidFill>
+            <a:schemeClr val="accent6">
+              <a:lumMod val="75000"/>
+            </a:schemeClr>
+          </a:solidFill>
+          <a:ln>
+            <a:solidFill>
+              <a:schemeClr val="tx1"/>
+            </a:solidFill>
+          </a:ln>
+        </p:spPr>
+        <p:style>
+          <a:lnRef idx="2">
+            <a:schemeClr val="accent1">
+              <a:shade val="50000"/>
+            </a:schemeClr>
+          </a:lnRef>
+          <a:fillRef idx="1">
+            <a:schemeClr val="accent1"/>
+          </a:fillRef>
+          <a:effectRef idx="0">
+            <a:schemeClr val="accent1"/>
+          </a:effectRef>
+          <a:fontRef idx="minor">
+            <a:schemeClr val="lt1"/>
+          </a:fontRef>
+        </p:style>
+        <p:txBody>
+          <a:bodyPr rtlCol="0" anchor="ctr"/>
+          <a:lstStyle/>
+          <a:p>
+            <a:r>
+              <a:rPr lang="ja-JP" altLang="en-US" sz="2800" b="1" dirty="0">
+                <a:solidFill>
+                  <a:schemeClr val="bg1"/>
+                </a:solidFill>
+              </a:rPr>
+              <a:t>・天気予報</a:t>
+            </a:r>
+            <a:endParaRPr lang="en-US" altLang="ja-JP" sz="2800" b="1" dirty="0">
+              <a:solidFill>
+                <a:schemeClr val="bg1"/>
+              </a:solidFill>
+            </a:endParaRPr>
+          </a:p>
+          <a:p>
+            <a:r>
+              <a:rPr lang="ja-JP" altLang="en-US" sz="2800" b="1" dirty="0">
+                <a:solidFill>
+                  <a:schemeClr val="bg1"/>
+                </a:solidFill>
+              </a:rPr>
+              <a:t>・ニュース</a:t>
+            </a:r>
+            <a:endParaRPr lang="en-US" altLang="ja-JP" sz="2800" b="1" dirty="0">
+              <a:solidFill>
+                <a:schemeClr val="bg1"/>
+              </a:solidFill>
+            </a:endParaRPr>
+          </a:p>
+          <a:p>
+            <a:r>
+              <a:rPr lang="ja-JP" altLang="en-US" sz="2800" b="1" dirty="0">
+                <a:solidFill>
+                  <a:schemeClr val="bg1"/>
+                </a:solidFill>
+              </a:rPr>
+              <a:t>・日時</a:t>
+            </a:r>
+            <a:endParaRPr lang="en-US" altLang="ja-JP" sz="2800" b="1" dirty="0">
+              <a:solidFill>
+                <a:schemeClr val="bg1"/>
+              </a:solidFill>
+            </a:endParaRPr>
+          </a:p>
+          <a:p>
+            <a:r>
+              <a:rPr lang="ja-JP" altLang="en-US" sz="2800" b="1" dirty="0">
+                <a:solidFill>
+                  <a:schemeClr val="bg1"/>
+                </a:solidFill>
+              </a:rPr>
+              <a:t>・星座占い</a:t>
+            </a:r>
+          </a:p>
+        </p:txBody>
+      </p:sp>
+      <p:sp>
+        <p:nvSpPr>
+          <p:cNvPr id="12" name="矢印: 右 11">
+            <a:extLst>
+              <a:ext uri="{FF2B5EF4-FFF2-40B4-BE49-F238E27FC236}">
+                <a16:creationId xmlns:a16="http://schemas.microsoft.com/office/drawing/2014/main" id="{28EA2996-90D2-498C-BFD0-BB8E943592A3}"/>
+              </a:ext>
+            </a:extLst>
+          </p:cNvPr>
+          <p:cNvSpPr/>
+          <p:nvPr/>
+        </p:nvSpPr>
+        <p:spPr>
+          <a:xfrm>
+            <a:off x="4254365" y="3679256"/>
+            <a:ext cx="2954956" cy="1174282"/>
+          </a:xfrm>
+          <a:prstGeom prst="rightArrow">
+            <a:avLst/>
+          </a:prstGeom>
+          <a:solidFill>
+            <a:srgbClr val="FF0000"/>
+          </a:solidFill>
+          <a:ln>
+            <a:solidFill>
+              <a:schemeClr val="tx1"/>
+            </a:solidFill>
+          </a:ln>
+        </p:spPr>
+        <p:style>
+          <a:lnRef idx="2">
+            <a:schemeClr val="accent1">
+              <a:shade val="50000"/>
+            </a:schemeClr>
+          </a:lnRef>
+          <a:fillRef idx="1">
+            <a:schemeClr val="accent1"/>
+          </a:fillRef>
+          <a:effectRef idx="0">
+            <a:schemeClr val="accent1"/>
+          </a:effectRef>
+          <a:fontRef idx="minor">
+            <a:schemeClr val="lt1"/>
+          </a:fontRef>
+        </p:style>
+        <p:txBody>
+          <a:bodyPr rtlCol="0" anchor="ctr"/>
+          <a:lstStyle/>
+          <a:p>
+            <a:pPr algn="ctr"/>
+            <a:r>
+              <a:rPr kumimoji="1" lang="ja-JP" altLang="en-US" b="1" dirty="0"/>
+              <a:t>毎回処理</a:t>
+            </a:r>
+          </a:p>
+        </p:txBody>
+      </p:sp>
+      <p:sp>
+        <p:nvSpPr>
+          <p:cNvPr id="13" name="四角形: 角を丸くする 12">
+            <a:extLst>
+              <a:ext uri="{FF2B5EF4-FFF2-40B4-BE49-F238E27FC236}">
+                <a16:creationId xmlns:a16="http://schemas.microsoft.com/office/drawing/2014/main" id="{D96DDF25-738B-4FF8-90D0-2DA169743149}"/>
+              </a:ext>
+            </a:extLst>
+          </p:cNvPr>
+          <p:cNvSpPr/>
+          <p:nvPr/>
+        </p:nvSpPr>
+        <p:spPr>
+          <a:xfrm>
+            <a:off x="7286323" y="3952373"/>
+            <a:ext cx="2329315" cy="673769"/>
+          </a:xfrm>
+          <a:prstGeom prst="roundRect">
+            <a:avLst/>
+          </a:prstGeom>
+          <a:solidFill>
+            <a:schemeClr val="accent6">
+              <a:lumMod val="75000"/>
+            </a:schemeClr>
+          </a:solidFill>
+          <a:ln>
+            <a:solidFill>
+              <a:schemeClr val="tx1"/>
+            </a:solidFill>
+          </a:ln>
+        </p:spPr>
+        <p:style>
+          <a:lnRef idx="2">
+            <a:schemeClr val="accent1">
+              <a:shade val="50000"/>
+            </a:schemeClr>
+          </a:lnRef>
+          <a:fillRef idx="1">
+            <a:schemeClr val="accent1"/>
+          </a:fillRef>
+          <a:effectRef idx="0">
+            <a:schemeClr val="accent1"/>
+          </a:effectRef>
+          <a:fontRef idx="minor">
+            <a:schemeClr val="lt1"/>
+          </a:fontRef>
+        </p:style>
+        <p:txBody>
+          <a:bodyPr rtlCol="0" anchor="ctr"/>
+          <a:lstStyle/>
+          <a:p>
+            <a:pPr algn="ctr"/>
+            <a:r>
+              <a:rPr kumimoji="1" lang="en-US" altLang="ja-JP" sz="2800" b="1" dirty="0">
+                <a:solidFill>
+                  <a:schemeClr val="bg1"/>
+                </a:solidFill>
+              </a:rPr>
+              <a:t>result.txt</a:t>
+            </a:r>
+            <a:endParaRPr kumimoji="1" lang="ja-JP" altLang="en-US" sz="2800" b="1" dirty="0">
+              <a:solidFill>
+                <a:schemeClr val="bg1"/>
+              </a:solidFill>
+            </a:endParaRPr>
+          </a:p>
+        </p:txBody>
+      </p:sp>
+      <p:sp>
+        <p:nvSpPr>
+          <p:cNvPr id="14" name="四角形: 角を丸くする 13">
+            <a:extLst>
+              <a:ext uri="{FF2B5EF4-FFF2-40B4-BE49-F238E27FC236}">
+                <a16:creationId xmlns:a16="http://schemas.microsoft.com/office/drawing/2014/main" id="{517550B4-CEAD-462C-8C83-2ED456DF9F6C}"/>
+              </a:ext>
+            </a:extLst>
+          </p:cNvPr>
+          <p:cNvSpPr/>
+          <p:nvPr/>
+        </p:nvSpPr>
+        <p:spPr>
+          <a:xfrm>
+            <a:off x="7286323" y="2553100"/>
+            <a:ext cx="2329315" cy="673769"/>
+          </a:xfrm>
+          <a:prstGeom prst="roundRect">
+            <a:avLst/>
+          </a:prstGeom>
+          <a:solidFill>
+            <a:schemeClr val="bg1"/>
+          </a:solidFill>
+          <a:ln>
+            <a:solidFill>
+              <a:schemeClr val="tx1"/>
+            </a:solidFill>
+          </a:ln>
+        </p:spPr>
+        <p:style>
+          <a:lnRef idx="2">
+            <a:schemeClr val="accent1">
+              <a:shade val="50000"/>
+            </a:schemeClr>
+          </a:lnRef>
+          <a:fillRef idx="1">
+            <a:schemeClr val="accent1"/>
+          </a:fillRef>
+          <a:effectRef idx="0">
+            <a:schemeClr val="accent1"/>
+          </a:effectRef>
+          <a:fontRef idx="minor">
+            <a:schemeClr val="lt1"/>
+          </a:fontRef>
+        </p:style>
+        <p:txBody>
+          <a:bodyPr rtlCol="0" anchor="ctr"/>
+          <a:lstStyle/>
+          <a:p>
+            <a:pPr algn="ctr"/>
+            <a:r>
+              <a:rPr lang="ja-JP" altLang="en-US" b="1" dirty="0">
+                <a:solidFill>
+                  <a:schemeClr val="accent6">
+                    <a:lumMod val="75000"/>
+                  </a:schemeClr>
+                </a:solidFill>
+              </a:rPr>
+              <a:t>ファイルに書き込み</a:t>
+            </a:r>
+            <a:endParaRPr kumimoji="1" lang="ja-JP" altLang="en-US" b="1" dirty="0">
+              <a:solidFill>
+                <a:schemeClr val="accent6">
+                  <a:lumMod val="75000"/>
+                </a:schemeClr>
+              </a:solidFill>
+            </a:endParaRPr>
+          </a:p>
+        </p:txBody>
+      </p:sp>
+      <p:sp>
+        <p:nvSpPr>
+          <p:cNvPr id="3" name="正方形/長方形 2">
+            <a:extLst>
+              <a:ext uri="{FF2B5EF4-FFF2-40B4-BE49-F238E27FC236}">
+                <a16:creationId xmlns:a16="http://schemas.microsoft.com/office/drawing/2014/main" id="{FAB16456-F7D9-4DF3-A957-9BD94DE863CE}"/>
+              </a:ext>
+            </a:extLst>
+          </p:cNvPr>
+          <p:cNvSpPr/>
+          <p:nvPr/>
+        </p:nvSpPr>
+        <p:spPr>
+          <a:xfrm>
+            <a:off x="648739" y="1752562"/>
+            <a:ext cx="9212778" cy="584775"/>
+          </a:xfrm>
+          <a:prstGeom prst="rect">
+            <a:avLst/>
+          </a:prstGeom>
+        </p:spPr>
+        <p:txBody>
+          <a:bodyPr wrap="none">
+            <a:spAutoFit/>
+          </a:bodyPr>
+          <a:lstStyle/>
+          <a:p>
+            <a:pPr>
+              <a:buClr>
+                <a:schemeClr val="tx1"/>
+              </a:buClr>
+            </a:pPr>
+            <a:r>
+              <a:rPr lang="en-US" altLang="ja-JP" sz="3200" dirty="0"/>
+              <a:t>【</a:t>
+            </a:r>
+            <a:r>
+              <a:rPr lang="ja-JP" altLang="en-US" sz="2800" b="1" dirty="0"/>
+              <a:t>問題点</a:t>
+            </a:r>
+            <a:r>
+              <a:rPr lang="en-US" altLang="ja-JP" sz="3200" dirty="0"/>
+              <a:t>】</a:t>
+            </a:r>
+            <a:r>
+              <a:rPr lang="ja-JP" altLang="en-US" sz="3200" dirty="0"/>
+              <a:t>長文のスクレイピングは時間がかかる</a:t>
+            </a:r>
+            <a:endParaRPr lang="en-US" altLang="ja-JP" sz="3200" dirty="0"/>
+          </a:p>
+        </p:txBody>
+      </p:sp>
+    </p:spTree>
+    <p:extLst>
+      <p:ext uri="{BB962C8B-B14F-4D97-AF65-F5344CB8AC3E}">
+        <p14:creationId xmlns:p14="http://schemas.microsoft.com/office/powerpoint/2010/main" val="75600543"/>
+      </p:ext>
+    </p:extLst>
+  </p:cSld>
+  <p:clrMapOvr>
+    <a:masterClrMapping/>
+  </p:clrMapOvr>
+</p:sld>
+</file>
+
+<file path=ppt/slides/slide21.xml><?xml version="1.0" encoding="utf-8"?>
+<p:sld xmlns:a="http://schemas.openxmlformats.org/drawingml/2006/main" xmlns:r="http://schemas.openxmlformats.org/officeDocument/2006/relationships" xmlns:p="http://schemas.openxmlformats.org/presentationml/2006/main">
+  <p:cSld>
+    <p:spTree>
+      <p:nvGrpSpPr>
+        <p:cNvPr id="1" name=""/>
+        <p:cNvGrpSpPr/>
+        <p:nvPr/>
+      </p:nvGrpSpPr>
+      <p:grpSpPr>
+        <a:xfrm>
+          <a:off x="0" y="0"/>
+          <a:ext cx="0" cy="0"/>
+          <a:chOff x="0" y="0"/>
+          <a:chExt cx="0" cy="0"/>
+        </a:xfrm>
+      </p:grpSpPr>
+      <p:sp>
+        <p:nvSpPr>
+          <p:cNvPr id="7" name="正方形/長方形 6">
+            <a:extLst>
+              <a:ext uri="{FF2B5EF4-FFF2-40B4-BE49-F238E27FC236}">
+                <a16:creationId xmlns:a16="http://schemas.microsoft.com/office/drawing/2014/main" id="{862A2D94-AAD8-4EAC-B86B-F0BA5C60401A}"/>
+              </a:ext>
+            </a:extLst>
+          </p:cNvPr>
+          <p:cNvSpPr/>
+          <p:nvPr/>
+        </p:nvSpPr>
+        <p:spPr>
+          <a:xfrm>
+            <a:off x="9508067" y="0"/>
+            <a:ext cx="2683933" cy="1593908"/>
+          </a:xfrm>
+          <a:prstGeom prst="rect">
+            <a:avLst/>
+          </a:prstGeom>
+          <a:solidFill>
+            <a:schemeClr val="accent6">
+              <a:lumMod val="60000"/>
+              <a:lumOff val="40000"/>
+            </a:schemeClr>
+          </a:solidFill>
+        </p:spPr>
+        <p:style>
+          <a:lnRef idx="2">
+            <a:schemeClr val="accent1">
+              <a:shade val="50000"/>
+            </a:schemeClr>
+          </a:lnRef>
+          <a:fillRef idx="1">
+            <a:schemeClr val="accent1"/>
+          </a:fillRef>
+          <a:effectRef idx="0">
+            <a:schemeClr val="accent1"/>
+          </a:effectRef>
+          <a:fontRef idx="minor">
+            <a:schemeClr val="lt1"/>
+          </a:fontRef>
+        </p:style>
+        <p:txBody>
+          <a:bodyPr rtlCol="0" anchor="ctr"/>
+          <a:lstStyle/>
+          <a:p>
+            <a:pPr algn="ctr"/>
+            <a:endParaRPr kumimoji="1" lang="ja-JP" altLang="en-US"/>
+          </a:p>
+        </p:txBody>
+      </p:sp>
+      <p:sp>
+        <p:nvSpPr>
+          <p:cNvPr id="11" name="四角形: 角を丸くする 10">
+            <a:extLst>
+              <a:ext uri="{FF2B5EF4-FFF2-40B4-BE49-F238E27FC236}">
+                <a16:creationId xmlns:a16="http://schemas.microsoft.com/office/drawing/2014/main" id="{8782B4DF-E484-491E-8838-63B8B7ABDA07}"/>
+              </a:ext>
+            </a:extLst>
+          </p:cNvPr>
+          <p:cNvSpPr/>
+          <p:nvPr/>
+        </p:nvSpPr>
+        <p:spPr>
+          <a:xfrm>
+            <a:off x="2070650" y="2335519"/>
+            <a:ext cx="2329315" cy="673769"/>
+          </a:xfrm>
+          <a:prstGeom prst="roundRect">
+            <a:avLst/>
+          </a:prstGeom>
+          <a:solidFill>
+            <a:schemeClr val="bg1"/>
+          </a:solidFill>
+          <a:ln>
+            <a:solidFill>
+              <a:schemeClr val="tx1"/>
+            </a:solidFill>
+          </a:ln>
+        </p:spPr>
+        <p:style>
+          <a:lnRef idx="2">
+            <a:schemeClr val="accent1">
+              <a:shade val="50000"/>
+            </a:schemeClr>
+          </a:lnRef>
+          <a:fillRef idx="1">
+            <a:schemeClr val="accent1"/>
+          </a:fillRef>
+          <a:effectRef idx="0">
+            <a:schemeClr val="accent1"/>
+          </a:effectRef>
+          <a:fontRef idx="minor">
+            <a:schemeClr val="lt1"/>
+          </a:fontRef>
+        </p:style>
+        <p:txBody>
+          <a:bodyPr rtlCol="0" anchor="ctr"/>
+          <a:lstStyle/>
+          <a:p>
+            <a:pPr algn="ctr"/>
+            <a:r>
+              <a:rPr lang="ja-JP" altLang="en-US" b="1" dirty="0">
+                <a:solidFill>
+                  <a:schemeClr val="accent6">
+                    <a:lumMod val="75000"/>
+                  </a:schemeClr>
+                </a:solidFill>
+              </a:rPr>
+              <a:t>データ取得</a:t>
+            </a:r>
+            <a:endParaRPr kumimoji="1" lang="ja-JP" altLang="en-US" b="1" dirty="0">
+              <a:solidFill>
+                <a:schemeClr val="accent6">
+                  <a:lumMod val="75000"/>
+                </a:schemeClr>
+              </a:solidFill>
+            </a:endParaRPr>
+          </a:p>
+        </p:txBody>
+      </p:sp>
+      <p:sp>
+        <p:nvSpPr>
+          <p:cNvPr id="12" name="矢印: 右 11">
+            <a:extLst>
+              <a:ext uri="{FF2B5EF4-FFF2-40B4-BE49-F238E27FC236}">
+                <a16:creationId xmlns:a16="http://schemas.microsoft.com/office/drawing/2014/main" id="{19E695C6-C9D6-46D2-B2C7-A53F0C267109}"/>
+              </a:ext>
+            </a:extLst>
+          </p:cNvPr>
+          <p:cNvSpPr/>
+          <p:nvPr/>
+        </p:nvSpPr>
+        <p:spPr>
+          <a:xfrm>
+            <a:off x="4563596" y="4987278"/>
+            <a:ext cx="2954956" cy="890337"/>
+          </a:xfrm>
+          <a:prstGeom prst="rightArrow">
+            <a:avLst/>
+          </a:prstGeom>
+          <a:solidFill>
+            <a:srgbClr val="FF0000"/>
+          </a:solidFill>
+          <a:ln>
+            <a:solidFill>
+              <a:schemeClr val="tx1"/>
+            </a:solidFill>
+          </a:ln>
+        </p:spPr>
+        <p:style>
+          <a:lnRef idx="2">
+            <a:schemeClr val="accent1">
+              <a:shade val="50000"/>
+            </a:schemeClr>
+          </a:lnRef>
+          <a:fillRef idx="1">
+            <a:schemeClr val="accent1"/>
+          </a:fillRef>
+          <a:effectRef idx="0">
+            <a:schemeClr val="accent1"/>
+          </a:effectRef>
+          <a:fontRef idx="minor">
+            <a:schemeClr val="lt1"/>
+          </a:fontRef>
+        </p:style>
+        <p:txBody>
+          <a:bodyPr rtlCol="0" anchor="ctr"/>
+          <a:lstStyle/>
+          <a:p>
+            <a:pPr algn="ctr"/>
+            <a:r>
+              <a:rPr kumimoji="1" lang="ja-JP" altLang="en-US" b="1" dirty="0"/>
+              <a:t>毎回処理</a:t>
+            </a:r>
+          </a:p>
+        </p:txBody>
+      </p:sp>
+      <p:sp>
+        <p:nvSpPr>
+          <p:cNvPr id="13" name="四角形: 角を丸くする 12">
+            <a:extLst>
+              <a:ext uri="{FF2B5EF4-FFF2-40B4-BE49-F238E27FC236}">
+                <a16:creationId xmlns:a16="http://schemas.microsoft.com/office/drawing/2014/main" id="{99B71CA8-890B-4D89-8BEE-FF456E7C6C05}"/>
+              </a:ext>
+            </a:extLst>
+          </p:cNvPr>
+          <p:cNvSpPr/>
+          <p:nvPr/>
+        </p:nvSpPr>
+        <p:spPr>
+          <a:xfrm>
+            <a:off x="7682182" y="5069385"/>
+            <a:ext cx="2800951" cy="673769"/>
+          </a:xfrm>
+          <a:prstGeom prst="roundRect">
+            <a:avLst/>
+          </a:prstGeom>
+          <a:solidFill>
+            <a:schemeClr val="accent6">
+              <a:lumMod val="75000"/>
+            </a:schemeClr>
+          </a:solidFill>
+          <a:ln>
+            <a:solidFill>
+              <a:schemeClr val="tx1"/>
+            </a:solidFill>
+          </a:ln>
+        </p:spPr>
+        <p:style>
+          <a:lnRef idx="2">
+            <a:schemeClr val="accent1">
+              <a:shade val="50000"/>
+            </a:schemeClr>
+          </a:lnRef>
+          <a:fillRef idx="1">
+            <a:schemeClr val="accent1"/>
+          </a:fillRef>
+          <a:effectRef idx="0">
+            <a:schemeClr val="accent1"/>
+          </a:effectRef>
+          <a:fontRef idx="minor">
+            <a:schemeClr val="lt1"/>
+          </a:fontRef>
+        </p:style>
+        <p:txBody>
+          <a:bodyPr rtlCol="0" anchor="ctr"/>
+          <a:lstStyle/>
+          <a:p>
+            <a:r>
+              <a:rPr kumimoji="1" lang="ja-JP" altLang="en-US" sz="2800" b="1" dirty="0">
+                <a:solidFill>
+                  <a:schemeClr val="bg1"/>
+                </a:solidFill>
+              </a:rPr>
+              <a:t>・</a:t>
+            </a:r>
+            <a:r>
+              <a:rPr kumimoji="1" lang="en-US" altLang="ja-JP" sz="2800" b="1" dirty="0">
+                <a:solidFill>
+                  <a:schemeClr val="bg1"/>
+                </a:solidFill>
+              </a:rPr>
+              <a:t>day.txt</a:t>
+            </a:r>
+            <a:endParaRPr kumimoji="1" lang="ja-JP" altLang="en-US" b="1" dirty="0">
+              <a:solidFill>
+                <a:schemeClr val="bg1"/>
+              </a:solidFill>
+            </a:endParaRPr>
+          </a:p>
+        </p:txBody>
+      </p:sp>
+      <p:sp>
+        <p:nvSpPr>
+          <p:cNvPr id="17" name="四角形: 角を丸くする 16">
+            <a:extLst>
+              <a:ext uri="{FF2B5EF4-FFF2-40B4-BE49-F238E27FC236}">
+                <a16:creationId xmlns:a16="http://schemas.microsoft.com/office/drawing/2014/main" id="{85BC110C-5578-4E08-A47E-D92EE0FE25CB}"/>
+              </a:ext>
+            </a:extLst>
+          </p:cNvPr>
+          <p:cNvSpPr/>
+          <p:nvPr/>
+        </p:nvSpPr>
+        <p:spPr>
+          <a:xfrm>
+            <a:off x="2070651" y="3346172"/>
+            <a:ext cx="2329315" cy="1412507"/>
+          </a:xfrm>
+          <a:prstGeom prst="roundRect">
+            <a:avLst/>
+          </a:prstGeom>
+          <a:solidFill>
+            <a:schemeClr val="accent6">
+              <a:lumMod val="75000"/>
+            </a:schemeClr>
+          </a:solidFill>
+          <a:ln>
+            <a:solidFill>
+              <a:schemeClr val="tx1"/>
+            </a:solidFill>
+          </a:ln>
+        </p:spPr>
+        <p:style>
+          <a:lnRef idx="2">
+            <a:schemeClr val="accent1">
+              <a:shade val="50000"/>
+            </a:schemeClr>
+          </a:lnRef>
+          <a:fillRef idx="1">
+            <a:schemeClr val="accent1"/>
+          </a:fillRef>
+          <a:effectRef idx="0">
+            <a:schemeClr val="accent1"/>
+          </a:effectRef>
+          <a:fontRef idx="minor">
+            <a:schemeClr val="lt1"/>
+          </a:fontRef>
+        </p:style>
+        <p:txBody>
+          <a:bodyPr rtlCol="0" anchor="ctr"/>
+          <a:lstStyle/>
+          <a:p>
+            <a:r>
+              <a:rPr lang="ja-JP" altLang="en-US" sz="2800" b="1" dirty="0">
+                <a:solidFill>
+                  <a:schemeClr val="bg1"/>
+                </a:solidFill>
+              </a:rPr>
+              <a:t>・天気予報</a:t>
+            </a:r>
+            <a:endParaRPr lang="en-US" altLang="ja-JP" sz="2800" b="1" dirty="0">
+              <a:solidFill>
+                <a:schemeClr val="bg1"/>
+              </a:solidFill>
+            </a:endParaRPr>
+          </a:p>
+          <a:p>
+            <a:r>
+              <a:rPr lang="ja-JP" altLang="en-US" sz="2800" b="1" dirty="0">
+                <a:solidFill>
+                  <a:schemeClr val="bg1"/>
+                </a:solidFill>
+              </a:rPr>
+              <a:t>・ニュース</a:t>
+            </a:r>
+            <a:endParaRPr lang="en-US" altLang="ja-JP" sz="2800" b="1" dirty="0">
+              <a:solidFill>
+                <a:schemeClr val="bg1"/>
+              </a:solidFill>
+            </a:endParaRPr>
+          </a:p>
+          <a:p>
+            <a:r>
+              <a:rPr lang="ja-JP" altLang="en-US" sz="2800" b="1" dirty="0">
+                <a:solidFill>
+                  <a:schemeClr val="bg1"/>
+                </a:solidFill>
+              </a:rPr>
+              <a:t>・星座占い</a:t>
+            </a:r>
+          </a:p>
+        </p:txBody>
+      </p:sp>
+      <p:sp>
+        <p:nvSpPr>
+          <p:cNvPr id="18" name="四角形: 角を丸くする 17">
+            <a:extLst>
+              <a:ext uri="{FF2B5EF4-FFF2-40B4-BE49-F238E27FC236}">
+                <a16:creationId xmlns:a16="http://schemas.microsoft.com/office/drawing/2014/main" id="{E898D16D-F080-4AB8-99A7-0733F9B3D647}"/>
+              </a:ext>
+            </a:extLst>
+          </p:cNvPr>
+          <p:cNvSpPr/>
+          <p:nvPr/>
+        </p:nvSpPr>
+        <p:spPr>
+          <a:xfrm>
+            <a:off x="2070651" y="5095563"/>
+            <a:ext cx="2329315" cy="673769"/>
+          </a:xfrm>
+          <a:prstGeom prst="roundRect">
+            <a:avLst/>
+          </a:prstGeom>
+          <a:solidFill>
+            <a:schemeClr val="accent6">
+              <a:lumMod val="75000"/>
+            </a:schemeClr>
+          </a:solidFill>
+          <a:ln>
+            <a:solidFill>
+              <a:schemeClr val="tx1"/>
+            </a:solidFill>
+          </a:ln>
+        </p:spPr>
+        <p:style>
+          <a:lnRef idx="2">
+            <a:schemeClr val="accent1">
+              <a:shade val="50000"/>
+            </a:schemeClr>
+          </a:lnRef>
+          <a:fillRef idx="1">
+            <a:schemeClr val="accent1"/>
+          </a:fillRef>
+          <a:effectRef idx="0">
+            <a:schemeClr val="accent1"/>
+          </a:effectRef>
+          <a:fontRef idx="minor">
+            <a:schemeClr val="lt1"/>
+          </a:fontRef>
+        </p:style>
+        <p:txBody>
+          <a:bodyPr rtlCol="0" anchor="ctr"/>
+          <a:lstStyle/>
+          <a:p>
+            <a:r>
+              <a:rPr kumimoji="1" lang="ja-JP" altLang="en-US" sz="2800" b="1" dirty="0">
+                <a:solidFill>
+                  <a:schemeClr val="bg1"/>
+                </a:solidFill>
+              </a:rPr>
+              <a:t>・日時</a:t>
+            </a:r>
+          </a:p>
+        </p:txBody>
+      </p:sp>
+      <p:sp>
+        <p:nvSpPr>
+          <p:cNvPr id="19" name="四角形: 角を丸くする 18">
+            <a:extLst>
+              <a:ext uri="{FF2B5EF4-FFF2-40B4-BE49-F238E27FC236}">
+                <a16:creationId xmlns:a16="http://schemas.microsoft.com/office/drawing/2014/main" id="{0ADD0314-BB39-4926-9476-0961AE100226}"/>
+              </a:ext>
+            </a:extLst>
+          </p:cNvPr>
+          <p:cNvSpPr/>
+          <p:nvPr/>
+        </p:nvSpPr>
+        <p:spPr>
+          <a:xfrm>
+            <a:off x="7682182" y="3346172"/>
+            <a:ext cx="2800951" cy="1412507"/>
+          </a:xfrm>
+          <a:prstGeom prst="roundRect">
+            <a:avLst/>
+          </a:prstGeom>
+          <a:solidFill>
+            <a:schemeClr val="accent6">
+              <a:lumMod val="75000"/>
+            </a:schemeClr>
+          </a:solidFill>
+          <a:ln>
+            <a:solidFill>
+              <a:schemeClr val="tx1"/>
+            </a:solidFill>
+          </a:ln>
+        </p:spPr>
+        <p:style>
+          <a:lnRef idx="2">
+            <a:schemeClr val="accent1">
+              <a:shade val="50000"/>
+            </a:schemeClr>
+          </a:lnRef>
+          <a:fillRef idx="1">
+            <a:schemeClr val="accent1"/>
+          </a:fillRef>
+          <a:effectRef idx="0">
+            <a:schemeClr val="accent1"/>
+          </a:effectRef>
+          <a:fontRef idx="minor">
+            <a:schemeClr val="lt1"/>
+          </a:fontRef>
+        </p:style>
+        <p:txBody>
+          <a:bodyPr rtlCol="0" anchor="ctr"/>
+          <a:lstStyle/>
+          <a:p>
+            <a:r>
+              <a:rPr lang="ja-JP" altLang="en-US" sz="2800" b="1" dirty="0">
+                <a:solidFill>
+                  <a:schemeClr val="bg1"/>
+                </a:solidFill>
+              </a:rPr>
+              <a:t>・</a:t>
+            </a:r>
+            <a:r>
+              <a:rPr lang="en-US" altLang="ja-JP" sz="2800" b="1" dirty="0">
+                <a:solidFill>
+                  <a:schemeClr val="bg1"/>
+                </a:solidFill>
+              </a:rPr>
+              <a:t>weather.txt</a:t>
+            </a:r>
+          </a:p>
+          <a:p>
+            <a:r>
+              <a:rPr lang="ja-JP" altLang="en-US" sz="2800" b="1" dirty="0">
+                <a:solidFill>
+                  <a:schemeClr val="bg1"/>
+                </a:solidFill>
+              </a:rPr>
+              <a:t>・</a:t>
+            </a:r>
+            <a:r>
+              <a:rPr lang="en-US" altLang="ja-JP" sz="2800" b="1" dirty="0">
+                <a:solidFill>
+                  <a:schemeClr val="bg1"/>
+                </a:solidFill>
+              </a:rPr>
+              <a:t>news.txt</a:t>
+            </a:r>
+          </a:p>
+          <a:p>
+            <a:r>
+              <a:rPr lang="ja-JP" altLang="en-US" sz="2800" b="1" dirty="0">
+                <a:solidFill>
+                  <a:schemeClr val="bg1"/>
+                </a:solidFill>
+              </a:rPr>
+              <a:t>・</a:t>
+            </a:r>
+            <a:r>
+              <a:rPr lang="en-US" altLang="ja-JP" sz="2800" b="1" dirty="0">
+                <a:solidFill>
+                  <a:schemeClr val="bg1"/>
+                </a:solidFill>
+              </a:rPr>
+              <a:t>fortune.txt</a:t>
+            </a:r>
+            <a:endParaRPr lang="ja-JP" altLang="en-US" sz="2800" b="1" dirty="0">
+              <a:solidFill>
+                <a:schemeClr val="bg1"/>
+              </a:solidFill>
+            </a:endParaRPr>
+          </a:p>
+        </p:txBody>
+      </p:sp>
+      <p:sp>
+        <p:nvSpPr>
+          <p:cNvPr id="20" name="矢印: 右 19">
+            <a:extLst>
+              <a:ext uri="{FF2B5EF4-FFF2-40B4-BE49-F238E27FC236}">
+                <a16:creationId xmlns:a16="http://schemas.microsoft.com/office/drawing/2014/main" id="{CC448C61-1681-4C79-94A2-9F1672EB3DF7}"/>
+              </a:ext>
+            </a:extLst>
+          </p:cNvPr>
+          <p:cNvSpPr/>
+          <p:nvPr/>
+        </p:nvSpPr>
+        <p:spPr>
+          <a:xfrm>
+            <a:off x="4563596" y="3511388"/>
+            <a:ext cx="2954956" cy="1055587"/>
+          </a:xfrm>
+          <a:prstGeom prst="rightArrow">
+            <a:avLst/>
+          </a:prstGeom>
+          <a:solidFill>
+            <a:srgbClr val="FF0000"/>
+          </a:solidFill>
+          <a:ln>
+            <a:solidFill>
+              <a:schemeClr val="tx1"/>
+            </a:solidFill>
+          </a:ln>
+        </p:spPr>
+        <p:style>
+          <a:lnRef idx="2">
+            <a:schemeClr val="accent1">
+              <a:shade val="50000"/>
+            </a:schemeClr>
+          </a:lnRef>
+          <a:fillRef idx="1">
+            <a:schemeClr val="accent1"/>
+          </a:fillRef>
+          <a:effectRef idx="0">
+            <a:schemeClr val="accent1"/>
+          </a:effectRef>
+          <a:fontRef idx="minor">
+            <a:schemeClr val="lt1"/>
+          </a:fontRef>
+        </p:style>
+        <p:txBody>
+          <a:bodyPr rtlCol="0" anchor="ctr"/>
+          <a:lstStyle/>
+          <a:p>
+            <a:pPr algn="ctr"/>
+            <a:r>
+              <a:rPr lang="ja-JP" altLang="en-US" b="1" dirty="0"/>
+              <a:t>起動時に</a:t>
+            </a:r>
+            <a:r>
+              <a:rPr kumimoji="1" lang="ja-JP" altLang="en-US" b="1" dirty="0"/>
+              <a:t>処理</a:t>
+            </a:r>
+          </a:p>
+        </p:txBody>
+      </p:sp>
+      <p:sp>
+        <p:nvSpPr>
+          <p:cNvPr id="21" name="四角形: 角を丸くする 20">
+            <a:extLst>
+              <a:ext uri="{FF2B5EF4-FFF2-40B4-BE49-F238E27FC236}">
+                <a16:creationId xmlns:a16="http://schemas.microsoft.com/office/drawing/2014/main" id="{E9E97937-2887-444B-9312-BD208433FBBB}"/>
+              </a:ext>
+            </a:extLst>
+          </p:cNvPr>
+          <p:cNvSpPr/>
+          <p:nvPr/>
+        </p:nvSpPr>
+        <p:spPr>
+          <a:xfrm>
+            <a:off x="7682182" y="2361697"/>
+            <a:ext cx="2800951" cy="673769"/>
+          </a:xfrm>
+          <a:prstGeom prst="roundRect">
+            <a:avLst/>
+          </a:prstGeom>
+          <a:solidFill>
+            <a:schemeClr val="bg1"/>
+          </a:solidFill>
+          <a:ln>
+            <a:solidFill>
+              <a:schemeClr val="tx1"/>
+            </a:solidFill>
+          </a:ln>
+        </p:spPr>
+        <p:style>
+          <a:lnRef idx="2">
+            <a:schemeClr val="accent1">
+              <a:shade val="50000"/>
+            </a:schemeClr>
+          </a:lnRef>
+          <a:fillRef idx="1">
+            <a:schemeClr val="accent1"/>
+          </a:fillRef>
+          <a:effectRef idx="0">
+            <a:schemeClr val="accent1"/>
+          </a:effectRef>
+          <a:fontRef idx="minor">
+            <a:schemeClr val="lt1"/>
+          </a:fontRef>
+        </p:style>
+        <p:txBody>
+          <a:bodyPr rtlCol="0" anchor="ctr"/>
+          <a:lstStyle/>
+          <a:p>
+            <a:pPr algn="ctr"/>
+            <a:r>
+              <a:rPr lang="ja-JP" altLang="en-US" b="1" dirty="0">
+                <a:solidFill>
+                  <a:schemeClr val="accent6">
+                    <a:lumMod val="75000"/>
+                  </a:schemeClr>
+                </a:solidFill>
+              </a:rPr>
+              <a:t>ファイルに書き込み</a:t>
+            </a:r>
+            <a:endParaRPr kumimoji="1" lang="ja-JP" altLang="en-US" b="1" dirty="0">
+              <a:solidFill>
+                <a:schemeClr val="accent6">
+                  <a:lumMod val="75000"/>
+                </a:schemeClr>
+              </a:solidFill>
+            </a:endParaRPr>
+          </a:p>
+        </p:txBody>
+      </p:sp>
+      <p:sp>
+        <p:nvSpPr>
+          <p:cNvPr id="14" name="タイトル 1">
+            <a:extLst>
+              <a:ext uri="{FF2B5EF4-FFF2-40B4-BE49-F238E27FC236}">
+                <a16:creationId xmlns:a16="http://schemas.microsoft.com/office/drawing/2014/main" id="{8CF352F8-A903-47C2-83C2-9710446A09DE}"/>
+              </a:ext>
+            </a:extLst>
+          </p:cNvPr>
+          <p:cNvSpPr>
+            <a:spLocks noGrp="1"/>
+          </p:cNvSpPr>
+          <p:nvPr>
+            <p:ph type="title"/>
+          </p:nvPr>
+        </p:nvSpPr>
+        <p:spPr>
+          <a:xfrm>
+            <a:off x="838200" y="365125"/>
+            <a:ext cx="10515600" cy="1325563"/>
+          </a:xfrm>
+        </p:spPr>
+        <p:txBody>
+          <a:bodyPr/>
+          <a:lstStyle/>
+          <a:p>
+            <a:pPr lvl="0"/>
+            <a:r>
+              <a:rPr lang="ja-JP" altLang="en-US" dirty="0">
+                <a:ln>
+                  <a:solidFill>
+                    <a:sysClr val="windowText" lastClr="000000"/>
+                  </a:solidFill>
+                </a:ln>
+                <a:solidFill>
+                  <a:schemeClr val="accent6">
+                    <a:lumMod val="75000"/>
+                  </a:schemeClr>
+                </a:solidFill>
+                <a:latin typeface="HGP明朝E" panose="02020900000000000000" pitchFamily="18" charset="-128"/>
+                <a:ea typeface="HGP明朝E" panose="02020900000000000000" pitchFamily="18" charset="-128"/>
+              </a:rPr>
+              <a:t>工夫した点・処理の短縮</a:t>
+            </a:r>
+            <a:endParaRPr kumimoji="1" lang="ja-JP" altLang="en-US" dirty="0"/>
+          </a:p>
+        </p:txBody>
+      </p:sp>
+      <p:sp>
+        <p:nvSpPr>
+          <p:cNvPr id="2" name="正方形/長方形 1">
+            <a:extLst>
+              <a:ext uri="{FF2B5EF4-FFF2-40B4-BE49-F238E27FC236}">
+                <a16:creationId xmlns:a16="http://schemas.microsoft.com/office/drawing/2014/main" id="{05053AC4-1076-4E17-9429-011226C36E60}"/>
+              </a:ext>
+            </a:extLst>
+          </p:cNvPr>
+          <p:cNvSpPr/>
+          <p:nvPr/>
+        </p:nvSpPr>
+        <p:spPr>
+          <a:xfrm>
+            <a:off x="736600" y="1593908"/>
+            <a:ext cx="7007046" cy="523220"/>
+          </a:xfrm>
+          <a:prstGeom prst="rect">
+            <a:avLst/>
+          </a:prstGeom>
+        </p:spPr>
+        <p:txBody>
+          <a:bodyPr wrap="none">
+            <a:spAutoFit/>
+          </a:bodyPr>
+          <a:lstStyle/>
+          <a:p>
+            <a:pPr>
+              <a:buClr>
+                <a:schemeClr val="tx1"/>
+              </a:buClr>
+            </a:pPr>
+            <a:r>
+              <a:rPr lang="en-US" altLang="ja-JP" sz="2800" dirty="0"/>
+              <a:t>【</a:t>
+            </a:r>
+            <a:r>
+              <a:rPr lang="ja-JP" altLang="en-US" sz="2800" b="1" dirty="0"/>
+              <a:t>解決策</a:t>
+            </a:r>
+            <a:r>
+              <a:rPr lang="en-US" altLang="ja-JP" sz="2800" dirty="0"/>
+              <a:t>】</a:t>
+            </a:r>
+            <a:r>
+              <a:rPr lang="ja-JP" altLang="en-US" sz="2800" dirty="0"/>
+              <a:t>起動時に実行して、個別に保存</a:t>
+            </a:r>
+            <a:endParaRPr lang="en-US" altLang="ja-JP" sz="2800" dirty="0"/>
+          </a:p>
+        </p:txBody>
+      </p:sp>
+    </p:spTree>
+    <p:extLst>
+      <p:ext uri="{BB962C8B-B14F-4D97-AF65-F5344CB8AC3E}">
+        <p14:creationId xmlns:p14="http://schemas.microsoft.com/office/powerpoint/2010/main" val="3085573195"/>
+      </p:ext>
+    </p:extLst>
+  </p:cSld>
+  <p:clrMapOvr>
+    <a:masterClrMapping/>
+  </p:clrMapOvr>
+  <p:transition spd="med">
+    <p:fade/>
+  </p:transition>
+</p:sld>
+</file>
+
+<file path=ppt/slides/slide22.xml><?xml version="1.0" encoding="utf-8"?>
+<p:sld xmlns:a="http://schemas.openxmlformats.org/drawingml/2006/main" xmlns:r="http://schemas.openxmlformats.org/officeDocument/2006/relationships" xmlns:p="http://schemas.openxmlformats.org/presentationml/2006/main">
+  <p:cSld>
+    <p:spTree>
+      <p:nvGrpSpPr>
+        <p:cNvPr id="1" name=""/>
+        <p:cNvGrpSpPr/>
+        <p:nvPr/>
+      </p:nvGrpSpPr>
+      <p:grpSpPr>
+        <a:xfrm>
+          <a:off x="0" y="0"/>
+          <a:ext cx="0" cy="0"/>
+          <a:chOff x="0" y="0"/>
+          <a:chExt cx="0" cy="0"/>
+        </a:xfrm>
+      </p:grpSpPr>
+      <p:sp>
+        <p:nvSpPr>
+          <p:cNvPr id="2" name="タイトル 1">
+            <a:extLst>
+              <a:ext uri="{FF2B5EF4-FFF2-40B4-BE49-F238E27FC236}">
                 <a16:creationId xmlns:a16="http://schemas.microsoft.com/office/drawing/2014/main" id="{B2AA96D7-B43E-4159-9E9B-4F9D413CAAC3}"/>
               </a:ext>
             </a:extLst>
@@ -12950,7 +16859,7 @@
 </p:sld>
 </file>
 
-<file path=ppt/slides/slide21.xml><?xml version="1.0" encoding="utf-8"?>
+<file path=ppt/slides/slide23.xml><?xml version="1.0" encoding="utf-8"?>
 <p:sld xmlns:a="http://schemas.openxmlformats.org/drawingml/2006/main" xmlns:r="http://schemas.openxmlformats.org/officeDocument/2006/relationships" xmlns:p="http://schemas.openxmlformats.org/presentationml/2006/main">
   <p:cSld>
     <p:spTree>
@@ -13541,370 +17450,6 @@
 </p:sld>
 </file>
 
-<file path=ppt/slides/slide22.xml><?xml version="1.0" encoding="utf-8"?>
-<p:sld xmlns:a="http://schemas.openxmlformats.org/drawingml/2006/main" xmlns:r="http://schemas.openxmlformats.org/officeDocument/2006/relationships" xmlns:p="http://schemas.openxmlformats.org/presentationml/2006/main">
-  <p:cSld>
-    <p:spTree>
-      <p:nvGrpSpPr>
-        <p:cNvPr id="1" name=""/>
-        <p:cNvGrpSpPr/>
-        <p:nvPr/>
-      </p:nvGrpSpPr>
-      <p:grpSpPr>
-        <a:xfrm>
-          <a:off x="0" y="0"/>
-          <a:ext cx="0" cy="0"/>
-          <a:chOff x="0" y="0"/>
-          <a:chExt cx="0" cy="0"/>
-        </a:xfrm>
-      </p:grpSpPr>
-      <p:sp>
-        <p:nvSpPr>
-          <p:cNvPr id="2" name="テキスト ボックス 1">
-            <a:extLst>
-              <a:ext uri="{FF2B5EF4-FFF2-40B4-BE49-F238E27FC236}">
-                <a16:creationId xmlns:a16="http://schemas.microsoft.com/office/drawing/2014/main" id="{4FE6CD02-F126-4943-968D-16E2630CA349}"/>
-              </a:ext>
-            </a:extLst>
-          </p:cNvPr>
-          <p:cNvSpPr txBox="1"/>
-          <p:nvPr/>
-        </p:nvSpPr>
-        <p:spPr>
-          <a:xfrm>
-            <a:off x="1905803" y="2767280"/>
-            <a:ext cx="12666845" cy="1323439"/>
-          </a:xfrm>
-          <a:prstGeom prst="rect">
-            <a:avLst/>
-          </a:prstGeom>
-          <a:noFill/>
-        </p:spPr>
-        <p:txBody>
-          <a:bodyPr wrap="square" rtlCol="0">
-            <a:spAutoFit/>
-          </a:bodyPr>
-          <a:lstStyle/>
-          <a:p>
-            <a:r>
-              <a:rPr kumimoji="1" lang="ja-JP" altLang="en-US" sz="8000" b="1" dirty="0">
-                <a:ln>
-                  <a:solidFill>
-                    <a:schemeClr val="tx1"/>
-                  </a:solidFill>
-                </a:ln>
-                <a:solidFill>
-                  <a:schemeClr val="accent6">
-                    <a:lumMod val="50000"/>
-                  </a:schemeClr>
-                </a:solidFill>
-                <a:latin typeface="HGP明朝E" panose="02020900000000000000" pitchFamily="18" charset="-128"/>
-                <a:ea typeface="HGP明朝E" panose="02020900000000000000" pitchFamily="18" charset="-128"/>
-              </a:rPr>
-              <a:t>デモンストレーション</a:t>
-            </a:r>
-            <a:endParaRPr kumimoji="1" lang="ja-JP" altLang="en-US" sz="8000" b="1" dirty="0">
-              <a:solidFill>
-                <a:srgbClr val="FF0066"/>
-              </a:solidFill>
-            </a:endParaRPr>
-          </a:p>
-        </p:txBody>
-      </p:sp>
-      <p:sp>
-        <p:nvSpPr>
-          <p:cNvPr id="4" name="正方形/長方形 3">
-            <a:extLst>
-              <a:ext uri="{FF2B5EF4-FFF2-40B4-BE49-F238E27FC236}">
-                <a16:creationId xmlns:a16="http://schemas.microsoft.com/office/drawing/2014/main" id="{A8D22BB9-479E-46EB-92AC-F73D96D2CB00}"/>
-              </a:ext>
-            </a:extLst>
-          </p:cNvPr>
-          <p:cNvSpPr/>
-          <p:nvPr/>
-        </p:nvSpPr>
-        <p:spPr>
-          <a:xfrm>
-            <a:off x="9508067" y="0"/>
-            <a:ext cx="2683933" cy="1593908"/>
-          </a:xfrm>
-          <a:prstGeom prst="rect">
-            <a:avLst/>
-          </a:prstGeom>
-          <a:solidFill>
-            <a:schemeClr val="accent6">
-              <a:lumMod val="60000"/>
-              <a:lumOff val="40000"/>
-            </a:schemeClr>
-          </a:solidFill>
-        </p:spPr>
-        <p:style>
-          <a:lnRef idx="2">
-            <a:schemeClr val="accent1">
-              <a:shade val="50000"/>
-            </a:schemeClr>
-          </a:lnRef>
-          <a:fillRef idx="1">
-            <a:schemeClr val="accent1"/>
-          </a:fillRef>
-          <a:effectRef idx="0">
-            <a:schemeClr val="accent1"/>
-          </a:effectRef>
-          <a:fontRef idx="minor">
-            <a:schemeClr val="lt1"/>
-          </a:fontRef>
-        </p:style>
-        <p:txBody>
-          <a:bodyPr rtlCol="0" anchor="ctr"/>
-          <a:lstStyle/>
-          <a:p>
-            <a:pPr algn="ctr"/>
-            <a:endParaRPr kumimoji="1" lang="ja-JP" altLang="en-US"/>
-          </a:p>
-        </p:txBody>
-      </p:sp>
-    </p:spTree>
-    <p:extLst>
-      <p:ext uri="{BB962C8B-B14F-4D97-AF65-F5344CB8AC3E}">
-        <p14:creationId xmlns:p14="http://schemas.microsoft.com/office/powerpoint/2010/main" val="683761575"/>
-      </p:ext>
-    </p:extLst>
-  </p:cSld>
-  <p:clrMapOvr>
-    <a:masterClrMapping/>
-  </p:clrMapOvr>
-</p:sld>
-</file>
-
-<file path=ppt/slides/slide23.xml><?xml version="1.0" encoding="utf-8"?>
-<p:sld xmlns:a="http://schemas.openxmlformats.org/drawingml/2006/main" xmlns:r="http://schemas.openxmlformats.org/officeDocument/2006/relationships" xmlns:p="http://schemas.openxmlformats.org/presentationml/2006/main">
-  <p:cSld>
-    <p:spTree>
-      <p:nvGrpSpPr>
-        <p:cNvPr id="1" name=""/>
-        <p:cNvGrpSpPr/>
-        <p:nvPr/>
-      </p:nvGrpSpPr>
-      <p:grpSpPr>
-        <a:xfrm>
-          <a:off x="0" y="0"/>
-          <a:ext cx="0" cy="0"/>
-          <a:chOff x="0" y="0"/>
-          <a:chExt cx="0" cy="0"/>
-        </a:xfrm>
-      </p:grpSpPr>
-      <p:sp>
-        <p:nvSpPr>
-          <p:cNvPr id="2" name="タイトル 1">
-            <a:extLst>
-              <a:ext uri="{FF2B5EF4-FFF2-40B4-BE49-F238E27FC236}">
-                <a16:creationId xmlns:a16="http://schemas.microsoft.com/office/drawing/2014/main" id="{6ADE3D2E-3C6C-4DCF-BB23-6DC8807A41E4}"/>
-              </a:ext>
-            </a:extLst>
-          </p:cNvPr>
-          <p:cNvSpPr>
-            <a:spLocks noGrp="1"/>
-          </p:cNvSpPr>
-          <p:nvPr>
-            <p:ph type="title"/>
-          </p:nvPr>
-        </p:nvSpPr>
-        <p:spPr/>
-        <p:txBody>
-          <a:bodyPr/>
-          <a:lstStyle/>
-          <a:p>
-            <a:r>
-              <a:rPr kumimoji="1" lang="ja-JP" altLang="en-US" dirty="0">
-                <a:ln>
-                  <a:solidFill>
-                    <a:schemeClr val="tx1"/>
-                  </a:solidFill>
-                </a:ln>
-                <a:solidFill>
-                  <a:schemeClr val="accent6">
-                    <a:lumMod val="75000"/>
-                  </a:schemeClr>
-                </a:solidFill>
-                <a:latin typeface="HGP明朝E" panose="02020900000000000000" pitchFamily="18" charset="-128"/>
-                <a:ea typeface="HGP明朝E" panose="02020900000000000000" pitchFamily="18" charset="-128"/>
-              </a:rPr>
-              <a:t>今後の計画</a:t>
-            </a:r>
-          </a:p>
-        </p:txBody>
-      </p:sp>
-      <p:sp>
-        <p:nvSpPr>
-          <p:cNvPr id="3" name="コンテンツ プレースホルダー 2">
-            <a:extLst>
-              <a:ext uri="{FF2B5EF4-FFF2-40B4-BE49-F238E27FC236}">
-                <a16:creationId xmlns:a16="http://schemas.microsoft.com/office/drawing/2014/main" id="{B491E88A-B097-44C6-89CB-25D69502E8EA}"/>
-              </a:ext>
-            </a:extLst>
-          </p:cNvPr>
-          <p:cNvSpPr>
-            <a:spLocks noGrp="1"/>
-          </p:cNvSpPr>
-          <p:nvPr>
-            <p:ph idx="1"/>
-          </p:nvPr>
-        </p:nvSpPr>
-        <p:spPr/>
-        <p:txBody>
-          <a:bodyPr/>
-          <a:lstStyle/>
-          <a:p>
-            <a:r>
-              <a:rPr kumimoji="1" lang="ja-JP" altLang="en-US" sz="3200" dirty="0"/>
-              <a:t>機能拡張</a:t>
-            </a:r>
-            <a:endParaRPr lang="en-US" altLang="ja-JP" sz="3200" dirty="0"/>
-          </a:p>
-          <a:p>
-            <a:pPr lvl="1"/>
-            <a:r>
-              <a:rPr kumimoji="1" lang="ja-JP" altLang="en-US" sz="2800" dirty="0"/>
-              <a:t>スクレイピング</a:t>
-            </a:r>
-            <a:endParaRPr kumimoji="1" lang="en-US" altLang="ja-JP" sz="2800" dirty="0"/>
-          </a:p>
-          <a:p>
-            <a:pPr lvl="2"/>
-            <a:r>
-              <a:rPr lang="ja-JP" altLang="en-US" sz="2400" dirty="0"/>
-              <a:t>起動時 </a:t>
-            </a:r>
-            <a:r>
-              <a:rPr lang="ja-JP" altLang="en-US" sz="2400" b="1" dirty="0"/>
-              <a:t>＋ </a:t>
-            </a:r>
-            <a:r>
-              <a:rPr lang="ja-JP" altLang="en-US" sz="2400" dirty="0"/>
-              <a:t>一定時間ごとに実行</a:t>
-            </a:r>
-            <a:endParaRPr lang="en-US" altLang="ja-JP" sz="2400" dirty="0"/>
-          </a:p>
-          <a:p>
-            <a:pPr lvl="2"/>
-            <a:r>
-              <a:rPr kumimoji="1" lang="ja-JP" altLang="en-US" sz="2400" dirty="0"/>
-              <a:t>音声ファイル</a:t>
-            </a:r>
-            <a:r>
-              <a:rPr lang="ja-JP" altLang="en-US" sz="2400" dirty="0"/>
-              <a:t>を</a:t>
-            </a:r>
-            <a:r>
-              <a:rPr kumimoji="1" lang="ja-JP" altLang="en-US" sz="2400" dirty="0"/>
-              <a:t>保存</a:t>
-            </a:r>
-            <a:endParaRPr lang="en-US" altLang="ja-JP" sz="2400" dirty="0"/>
-          </a:p>
-          <a:p>
-            <a:pPr lvl="1"/>
-            <a:r>
-              <a:rPr lang="en-US" altLang="ja-JP" sz="2800" dirty="0"/>
-              <a:t>AI</a:t>
-            </a:r>
-            <a:r>
-              <a:rPr lang="ja-JP" altLang="en-US" sz="2800" dirty="0"/>
-              <a:t>の精度を上げる</a:t>
-            </a:r>
-            <a:endParaRPr kumimoji="1" lang="en-US" altLang="ja-JP" sz="2800" dirty="0"/>
-          </a:p>
-          <a:p>
-            <a:r>
-              <a:rPr kumimoji="1" lang="ja-JP" altLang="en-US" sz="3200" dirty="0"/>
-              <a:t>外見作成</a:t>
-            </a:r>
-            <a:endParaRPr kumimoji="1" lang="en-US" altLang="ja-JP" sz="3200" dirty="0"/>
-          </a:p>
-          <a:p>
-            <a:pPr lvl="1"/>
-            <a:r>
-              <a:rPr lang="ja-JP" altLang="en-US" sz="2800" dirty="0"/>
-              <a:t>こけしをどう作るか</a:t>
-            </a:r>
-            <a:endParaRPr lang="en-US" altLang="ja-JP" sz="2800" dirty="0"/>
-          </a:p>
-          <a:p>
-            <a:endParaRPr lang="en-US" altLang="ja-JP" dirty="0"/>
-          </a:p>
-          <a:p>
-            <a:pPr lvl="1"/>
-            <a:endParaRPr kumimoji="1" lang="en-US" altLang="ja-JP" dirty="0"/>
-          </a:p>
-          <a:p>
-            <a:endParaRPr lang="en-US" altLang="ja-JP" dirty="0"/>
-          </a:p>
-        </p:txBody>
-      </p:sp>
-      <p:sp>
-        <p:nvSpPr>
-          <p:cNvPr id="5" name="正方形/長方形 4">
-            <a:extLst>
-              <a:ext uri="{FF2B5EF4-FFF2-40B4-BE49-F238E27FC236}">
-                <a16:creationId xmlns:a16="http://schemas.microsoft.com/office/drawing/2014/main" id="{17E6CB9E-FCA3-4C48-A411-903186BAF346}"/>
-              </a:ext>
-            </a:extLst>
-          </p:cNvPr>
-          <p:cNvSpPr/>
-          <p:nvPr/>
-        </p:nvSpPr>
-        <p:spPr>
-          <a:xfrm>
-            <a:off x="9508067" y="0"/>
-            <a:ext cx="2683933" cy="1593908"/>
-          </a:xfrm>
-          <a:prstGeom prst="rect">
-            <a:avLst/>
-          </a:prstGeom>
-          <a:solidFill>
-            <a:schemeClr val="accent6">
-              <a:lumMod val="60000"/>
-              <a:lumOff val="40000"/>
-            </a:schemeClr>
-          </a:solidFill>
-        </p:spPr>
-        <p:style>
-          <a:lnRef idx="2">
-            <a:schemeClr val="accent1">
-              <a:shade val="50000"/>
-            </a:schemeClr>
-          </a:lnRef>
-          <a:fillRef idx="1">
-            <a:schemeClr val="accent1"/>
-          </a:fillRef>
-          <a:effectRef idx="0">
-            <a:schemeClr val="accent1"/>
-          </a:effectRef>
-          <a:fontRef idx="minor">
-            <a:schemeClr val="lt1"/>
-          </a:fontRef>
-        </p:style>
-        <p:txBody>
-          <a:bodyPr rtlCol="0" anchor="ctr"/>
-          <a:lstStyle/>
-          <a:p>
-            <a:pPr algn="ctr"/>
-            <a:endParaRPr kumimoji="1" lang="ja-JP" altLang="en-US"/>
-          </a:p>
-        </p:txBody>
-      </p:sp>
-    </p:spTree>
-    <p:extLst>
-      <p:ext uri="{BB962C8B-B14F-4D97-AF65-F5344CB8AC3E}">
-        <p14:creationId xmlns:p14="http://schemas.microsoft.com/office/powerpoint/2010/main" val="1064961073"/>
-      </p:ext>
-    </p:extLst>
-  </p:cSld>
-  <p:clrMapOvr>
-    <a:masterClrMapping/>
-  </p:clrMapOvr>
-</p:sld>
-</file>
-
 <file path=ppt/slides/slide24.xml><?xml version="1.0" encoding="utf-8"?>
 <p:sld xmlns:a="http://schemas.openxmlformats.org/drawingml/2006/main" xmlns:r="http://schemas.openxmlformats.org/officeDocument/2006/relationships" xmlns:p="http://schemas.openxmlformats.org/presentationml/2006/main">
   <p:cSld>
@@ -13927,6 +17472,370 @@
           <p:cNvPr id="2" name="テキスト ボックス 1">
             <a:extLst>
               <a:ext uri="{FF2B5EF4-FFF2-40B4-BE49-F238E27FC236}">
+                <a16:creationId xmlns:a16="http://schemas.microsoft.com/office/drawing/2014/main" id="{4FE6CD02-F126-4943-968D-16E2630CA349}"/>
+              </a:ext>
+            </a:extLst>
+          </p:cNvPr>
+          <p:cNvSpPr txBox="1"/>
+          <p:nvPr/>
+        </p:nvSpPr>
+        <p:spPr>
+          <a:xfrm>
+            <a:off x="1905803" y="2767280"/>
+            <a:ext cx="12666845" cy="1323439"/>
+          </a:xfrm>
+          <a:prstGeom prst="rect">
+            <a:avLst/>
+          </a:prstGeom>
+          <a:noFill/>
+        </p:spPr>
+        <p:txBody>
+          <a:bodyPr wrap="square" rtlCol="0">
+            <a:spAutoFit/>
+          </a:bodyPr>
+          <a:lstStyle/>
+          <a:p>
+            <a:r>
+              <a:rPr kumimoji="1" lang="ja-JP" altLang="en-US" sz="8000" b="1" dirty="0">
+                <a:ln>
+                  <a:solidFill>
+                    <a:schemeClr val="tx1"/>
+                  </a:solidFill>
+                </a:ln>
+                <a:solidFill>
+                  <a:schemeClr val="accent6">
+                    <a:lumMod val="50000"/>
+                  </a:schemeClr>
+                </a:solidFill>
+                <a:latin typeface="HGP明朝E" panose="02020900000000000000" pitchFamily="18" charset="-128"/>
+                <a:ea typeface="HGP明朝E" panose="02020900000000000000" pitchFamily="18" charset="-128"/>
+              </a:rPr>
+              <a:t>デモンストレーション</a:t>
+            </a:r>
+            <a:endParaRPr kumimoji="1" lang="ja-JP" altLang="en-US" sz="8000" b="1" dirty="0">
+              <a:solidFill>
+                <a:srgbClr val="FF0066"/>
+              </a:solidFill>
+            </a:endParaRPr>
+          </a:p>
+        </p:txBody>
+      </p:sp>
+      <p:sp>
+        <p:nvSpPr>
+          <p:cNvPr id="4" name="正方形/長方形 3">
+            <a:extLst>
+              <a:ext uri="{FF2B5EF4-FFF2-40B4-BE49-F238E27FC236}">
+                <a16:creationId xmlns:a16="http://schemas.microsoft.com/office/drawing/2014/main" id="{A8D22BB9-479E-46EB-92AC-F73D96D2CB00}"/>
+              </a:ext>
+            </a:extLst>
+          </p:cNvPr>
+          <p:cNvSpPr/>
+          <p:nvPr/>
+        </p:nvSpPr>
+        <p:spPr>
+          <a:xfrm>
+            <a:off x="9508067" y="0"/>
+            <a:ext cx="2683933" cy="1593908"/>
+          </a:xfrm>
+          <a:prstGeom prst="rect">
+            <a:avLst/>
+          </a:prstGeom>
+          <a:solidFill>
+            <a:schemeClr val="accent6">
+              <a:lumMod val="60000"/>
+              <a:lumOff val="40000"/>
+            </a:schemeClr>
+          </a:solidFill>
+        </p:spPr>
+        <p:style>
+          <a:lnRef idx="2">
+            <a:schemeClr val="accent1">
+              <a:shade val="50000"/>
+            </a:schemeClr>
+          </a:lnRef>
+          <a:fillRef idx="1">
+            <a:schemeClr val="accent1"/>
+          </a:fillRef>
+          <a:effectRef idx="0">
+            <a:schemeClr val="accent1"/>
+          </a:effectRef>
+          <a:fontRef idx="minor">
+            <a:schemeClr val="lt1"/>
+          </a:fontRef>
+        </p:style>
+        <p:txBody>
+          <a:bodyPr rtlCol="0" anchor="ctr"/>
+          <a:lstStyle/>
+          <a:p>
+            <a:pPr algn="ctr"/>
+            <a:endParaRPr kumimoji="1" lang="ja-JP" altLang="en-US"/>
+          </a:p>
+        </p:txBody>
+      </p:sp>
+    </p:spTree>
+    <p:extLst>
+      <p:ext uri="{BB962C8B-B14F-4D97-AF65-F5344CB8AC3E}">
+        <p14:creationId xmlns:p14="http://schemas.microsoft.com/office/powerpoint/2010/main" val="683761575"/>
+      </p:ext>
+    </p:extLst>
+  </p:cSld>
+  <p:clrMapOvr>
+    <a:masterClrMapping/>
+  </p:clrMapOvr>
+</p:sld>
+</file>
+
+<file path=ppt/slides/slide25.xml><?xml version="1.0" encoding="utf-8"?>
+<p:sld xmlns:a="http://schemas.openxmlformats.org/drawingml/2006/main" xmlns:r="http://schemas.openxmlformats.org/officeDocument/2006/relationships" xmlns:p="http://schemas.openxmlformats.org/presentationml/2006/main">
+  <p:cSld>
+    <p:spTree>
+      <p:nvGrpSpPr>
+        <p:cNvPr id="1" name=""/>
+        <p:cNvGrpSpPr/>
+        <p:nvPr/>
+      </p:nvGrpSpPr>
+      <p:grpSpPr>
+        <a:xfrm>
+          <a:off x="0" y="0"/>
+          <a:ext cx="0" cy="0"/>
+          <a:chOff x="0" y="0"/>
+          <a:chExt cx="0" cy="0"/>
+        </a:xfrm>
+      </p:grpSpPr>
+      <p:sp>
+        <p:nvSpPr>
+          <p:cNvPr id="2" name="タイトル 1">
+            <a:extLst>
+              <a:ext uri="{FF2B5EF4-FFF2-40B4-BE49-F238E27FC236}">
+                <a16:creationId xmlns:a16="http://schemas.microsoft.com/office/drawing/2014/main" id="{6ADE3D2E-3C6C-4DCF-BB23-6DC8807A41E4}"/>
+              </a:ext>
+            </a:extLst>
+          </p:cNvPr>
+          <p:cNvSpPr>
+            <a:spLocks noGrp="1"/>
+          </p:cNvSpPr>
+          <p:nvPr>
+            <p:ph type="title"/>
+          </p:nvPr>
+        </p:nvSpPr>
+        <p:spPr/>
+        <p:txBody>
+          <a:bodyPr/>
+          <a:lstStyle/>
+          <a:p>
+            <a:r>
+              <a:rPr kumimoji="1" lang="ja-JP" altLang="en-US" dirty="0">
+                <a:ln>
+                  <a:solidFill>
+                    <a:schemeClr val="tx1"/>
+                  </a:solidFill>
+                </a:ln>
+                <a:solidFill>
+                  <a:schemeClr val="accent6">
+                    <a:lumMod val="75000"/>
+                  </a:schemeClr>
+                </a:solidFill>
+                <a:latin typeface="HGP明朝E" panose="02020900000000000000" pitchFamily="18" charset="-128"/>
+                <a:ea typeface="HGP明朝E" panose="02020900000000000000" pitchFamily="18" charset="-128"/>
+              </a:rPr>
+              <a:t>今後の計画</a:t>
+            </a:r>
+          </a:p>
+        </p:txBody>
+      </p:sp>
+      <p:sp>
+        <p:nvSpPr>
+          <p:cNvPr id="3" name="コンテンツ プレースホルダー 2">
+            <a:extLst>
+              <a:ext uri="{FF2B5EF4-FFF2-40B4-BE49-F238E27FC236}">
+                <a16:creationId xmlns:a16="http://schemas.microsoft.com/office/drawing/2014/main" id="{B491E88A-B097-44C6-89CB-25D69502E8EA}"/>
+              </a:ext>
+            </a:extLst>
+          </p:cNvPr>
+          <p:cNvSpPr>
+            <a:spLocks noGrp="1"/>
+          </p:cNvSpPr>
+          <p:nvPr>
+            <p:ph idx="1"/>
+          </p:nvPr>
+        </p:nvSpPr>
+        <p:spPr/>
+        <p:txBody>
+          <a:bodyPr/>
+          <a:lstStyle/>
+          <a:p>
+            <a:r>
+              <a:rPr kumimoji="1" lang="ja-JP" altLang="en-US" sz="3200" dirty="0"/>
+              <a:t>機能拡張</a:t>
+            </a:r>
+            <a:endParaRPr lang="en-US" altLang="ja-JP" sz="3200" dirty="0"/>
+          </a:p>
+          <a:p>
+            <a:pPr lvl="1"/>
+            <a:r>
+              <a:rPr kumimoji="1" lang="ja-JP" altLang="en-US" sz="2800" dirty="0"/>
+              <a:t>スクレイピング</a:t>
+            </a:r>
+            <a:endParaRPr kumimoji="1" lang="en-US" altLang="ja-JP" sz="2800" dirty="0"/>
+          </a:p>
+          <a:p>
+            <a:pPr lvl="2"/>
+            <a:r>
+              <a:rPr lang="ja-JP" altLang="en-US" sz="2400" dirty="0"/>
+              <a:t>起動時 </a:t>
+            </a:r>
+            <a:r>
+              <a:rPr lang="ja-JP" altLang="en-US" sz="2400" b="1" dirty="0"/>
+              <a:t>＋ </a:t>
+            </a:r>
+            <a:r>
+              <a:rPr lang="ja-JP" altLang="en-US" sz="2400" dirty="0"/>
+              <a:t>一定時間ごとに実行</a:t>
+            </a:r>
+            <a:endParaRPr lang="en-US" altLang="ja-JP" sz="2400" dirty="0"/>
+          </a:p>
+          <a:p>
+            <a:pPr lvl="2"/>
+            <a:r>
+              <a:rPr kumimoji="1" lang="ja-JP" altLang="en-US" sz="2400" dirty="0"/>
+              <a:t>音声ファイル</a:t>
+            </a:r>
+            <a:r>
+              <a:rPr lang="ja-JP" altLang="en-US" sz="2400" dirty="0"/>
+              <a:t>を</a:t>
+            </a:r>
+            <a:r>
+              <a:rPr kumimoji="1" lang="ja-JP" altLang="en-US" sz="2400" dirty="0"/>
+              <a:t>保存</a:t>
+            </a:r>
+            <a:endParaRPr lang="en-US" altLang="ja-JP" sz="2400" dirty="0"/>
+          </a:p>
+          <a:p>
+            <a:pPr lvl="1"/>
+            <a:r>
+              <a:rPr lang="en-US" altLang="ja-JP" sz="2800" dirty="0"/>
+              <a:t>AI</a:t>
+            </a:r>
+            <a:r>
+              <a:rPr lang="ja-JP" altLang="en-US" sz="2800" dirty="0"/>
+              <a:t>の精度を上げる</a:t>
+            </a:r>
+            <a:endParaRPr kumimoji="1" lang="en-US" altLang="ja-JP" sz="2800" dirty="0"/>
+          </a:p>
+          <a:p>
+            <a:r>
+              <a:rPr kumimoji="1" lang="ja-JP" altLang="en-US" sz="3200" dirty="0"/>
+              <a:t>外見作成</a:t>
+            </a:r>
+            <a:endParaRPr kumimoji="1" lang="en-US" altLang="ja-JP" sz="3200" dirty="0"/>
+          </a:p>
+          <a:p>
+            <a:pPr lvl="1"/>
+            <a:r>
+              <a:rPr lang="ja-JP" altLang="en-US" sz="2800" dirty="0"/>
+              <a:t>こけしをどう作るか</a:t>
+            </a:r>
+            <a:endParaRPr lang="en-US" altLang="ja-JP" sz="2800" dirty="0"/>
+          </a:p>
+          <a:p>
+            <a:endParaRPr lang="en-US" altLang="ja-JP" dirty="0"/>
+          </a:p>
+          <a:p>
+            <a:pPr lvl="1"/>
+            <a:endParaRPr kumimoji="1" lang="en-US" altLang="ja-JP" dirty="0"/>
+          </a:p>
+          <a:p>
+            <a:endParaRPr lang="en-US" altLang="ja-JP" dirty="0"/>
+          </a:p>
+        </p:txBody>
+      </p:sp>
+      <p:sp>
+        <p:nvSpPr>
+          <p:cNvPr id="5" name="正方形/長方形 4">
+            <a:extLst>
+              <a:ext uri="{FF2B5EF4-FFF2-40B4-BE49-F238E27FC236}">
+                <a16:creationId xmlns:a16="http://schemas.microsoft.com/office/drawing/2014/main" id="{17E6CB9E-FCA3-4C48-A411-903186BAF346}"/>
+              </a:ext>
+            </a:extLst>
+          </p:cNvPr>
+          <p:cNvSpPr/>
+          <p:nvPr/>
+        </p:nvSpPr>
+        <p:spPr>
+          <a:xfrm>
+            <a:off x="9508067" y="0"/>
+            <a:ext cx="2683933" cy="1593908"/>
+          </a:xfrm>
+          <a:prstGeom prst="rect">
+            <a:avLst/>
+          </a:prstGeom>
+          <a:solidFill>
+            <a:schemeClr val="accent6">
+              <a:lumMod val="60000"/>
+              <a:lumOff val="40000"/>
+            </a:schemeClr>
+          </a:solidFill>
+        </p:spPr>
+        <p:style>
+          <a:lnRef idx="2">
+            <a:schemeClr val="accent1">
+              <a:shade val="50000"/>
+            </a:schemeClr>
+          </a:lnRef>
+          <a:fillRef idx="1">
+            <a:schemeClr val="accent1"/>
+          </a:fillRef>
+          <a:effectRef idx="0">
+            <a:schemeClr val="accent1"/>
+          </a:effectRef>
+          <a:fontRef idx="minor">
+            <a:schemeClr val="lt1"/>
+          </a:fontRef>
+        </p:style>
+        <p:txBody>
+          <a:bodyPr rtlCol="0" anchor="ctr"/>
+          <a:lstStyle/>
+          <a:p>
+            <a:pPr algn="ctr"/>
+            <a:endParaRPr kumimoji="1" lang="ja-JP" altLang="en-US"/>
+          </a:p>
+        </p:txBody>
+      </p:sp>
+    </p:spTree>
+    <p:extLst>
+      <p:ext uri="{BB962C8B-B14F-4D97-AF65-F5344CB8AC3E}">
+        <p14:creationId xmlns:p14="http://schemas.microsoft.com/office/powerpoint/2010/main" val="1064961073"/>
+      </p:ext>
+    </p:extLst>
+  </p:cSld>
+  <p:clrMapOvr>
+    <a:masterClrMapping/>
+  </p:clrMapOvr>
+</p:sld>
+</file>
+
+<file path=ppt/slides/slide26.xml><?xml version="1.0" encoding="utf-8"?>
+<p:sld xmlns:a="http://schemas.openxmlformats.org/drawingml/2006/main" xmlns:r="http://schemas.openxmlformats.org/officeDocument/2006/relationships" xmlns:p="http://schemas.openxmlformats.org/presentationml/2006/main">
+  <p:cSld>
+    <p:spTree>
+      <p:nvGrpSpPr>
+        <p:cNvPr id="1" name=""/>
+        <p:cNvGrpSpPr/>
+        <p:nvPr/>
+      </p:nvGrpSpPr>
+      <p:grpSpPr>
+        <a:xfrm>
+          <a:off x="0" y="0"/>
+          <a:ext cx="0" cy="0"/>
+          <a:chOff x="0" y="0"/>
+          <a:chExt cx="0" cy="0"/>
+        </a:xfrm>
+      </p:grpSpPr>
+      <p:sp>
+        <p:nvSpPr>
+          <p:cNvPr id="2" name="テキスト ボックス 1">
+            <a:extLst>
+              <a:ext uri="{FF2B5EF4-FFF2-40B4-BE49-F238E27FC236}">
                 <a16:creationId xmlns:a16="http://schemas.microsoft.com/office/drawing/2014/main" id="{48BB6840-FFA8-4AC8-A5F8-8DEC3A149E9A}"/>
               </a:ext>
             </a:extLst>
@@ -14049,7 +17958,7 @@
 </p:sld>
 </file>
 
-<file path=ppt/slides/slide25.xml><?xml version="1.0" encoding="utf-8"?>
+<file path=ppt/slides/slide27.xml><?xml version="1.0" encoding="utf-8"?>
 <p:sld xmlns:a="http://schemas.openxmlformats.org/drawingml/2006/main" xmlns:r="http://schemas.openxmlformats.org/officeDocument/2006/relationships" xmlns:p="http://schemas.openxmlformats.org/presentationml/2006/main">
   <p:cSld>
     <p:spTree>

--- a/presentation/AIスピーカー開発_2.pptx
+++ b/presentation/AIスピーカー開発_2.pptx
@@ -1287,7 +1287,7 @@
             </a:pPr>
             <a:r>
               <a:rPr lang="ja-JP" altLang="en-US" dirty="0"/>
-              <a:t>テキスト分類の流れと</a:t>
+              <a:t>次に</a:t>
             </a:r>
             <a:r>
               <a:rPr lang="en-US" altLang="ja-JP" dirty="0" err="1"/>
@@ -1295,7 +1295,7 @@
             </a:r>
             <a:r>
               <a:rPr lang="ja-JP" altLang="en-US" dirty="0"/>
-              <a:t>について説明します。</a:t>
+              <a:t>についてです。</a:t>
             </a:r>
             <a:endParaRPr lang="en-US" altLang="ja-JP" dirty="0"/>
           </a:p>
@@ -1319,7 +1319,31 @@
             </a:pPr>
             <a:r>
               <a:rPr lang="ja-JP" altLang="en-US" dirty="0"/>
-              <a:t>テキスト分類とは機械学習を用いて文章を複数のクラスに分類することです。</a:t>
+              <a:t>まずはテキスト分類の仕組みから説明します。</a:t>
+            </a:r>
+            <a:endParaRPr lang="en-US" altLang="ja-JP" dirty="0"/>
+          </a:p>
+          <a:p>
+            <a:pPr marL="0" marR="0" lvl="0" indent="0" algn="l" defTabSz="914400" rtl="0" eaLnBrk="1" fontAlgn="auto" latinLnBrk="0" hangingPunct="1">
+              <a:lnSpc>
+                <a:spcPct val="100000"/>
+              </a:lnSpc>
+              <a:spcBef>
+                <a:spcPts val="0"/>
+              </a:spcBef>
+              <a:spcAft>
+                <a:spcPts val="0"/>
+              </a:spcAft>
+              <a:buClrTx/>
+              <a:buSzTx/>
+              <a:buFontTx/>
+              <a:buNone/>
+              <a:tabLst/>
+              <a:defRPr/>
+            </a:pPr>
+            <a:r>
+              <a:rPr lang="ja-JP" altLang="en-US" dirty="0"/>
+              <a:t>テキスト分類とは機械学習を用いて文章をクラスに分類することです。</a:t>
             </a:r>
             <a:endParaRPr lang="en-US" altLang="ja-JP" dirty="0"/>
           </a:p>
@@ -1770,7 +1794,7 @@
           <a:p>
             <a:r>
               <a:rPr kumimoji="1" lang="ja-JP" altLang="en-US" dirty="0"/>
-              <a:t>本来の作り方としては、トレーニングデータ用の文章を形態素解析で単語ごとに分割するのですが、</a:t>
+              <a:t>本来の作り方としては、トレーニングデータ用の文章を単語ごとに分割するのですが、</a:t>
             </a:r>
             <a:r>
               <a:rPr kumimoji="1" lang="en-US" altLang="ja-JP" dirty="0" err="1"/>
@@ -10397,47 +10421,10 @@
       </p:grpSpPr>
       <p:sp>
         <p:nvSpPr>
-          <p:cNvPr id="2" name="タイトル 1">
-            <a:extLst>
-              <a:ext uri="{FF2B5EF4-FFF2-40B4-BE49-F238E27FC236}">
-                <a16:creationId xmlns:a16="http://schemas.microsoft.com/office/drawing/2014/main" id="{32303345-A294-422E-8EF0-1C9E0C7B89EC}"/>
-              </a:ext>
-            </a:extLst>
-          </p:cNvPr>
-          <p:cNvSpPr>
-            <a:spLocks noGrp="1"/>
-          </p:cNvSpPr>
-          <p:nvPr>
-            <p:ph type="title"/>
-          </p:nvPr>
-        </p:nvSpPr>
-        <p:spPr>
-          <a:xfrm>
-            <a:off x="838200" y="365125"/>
-            <a:ext cx="10515600" cy="1325563"/>
-          </a:xfrm>
-        </p:spPr>
-        <p:txBody>
-          <a:bodyPr/>
-          <a:lstStyle/>
-          <a:p>
-            <a:r>
-              <a:rPr lang="ja-JP" altLang="en-US" dirty="0"/>
-              <a:t>テキスト分類</a:t>
-            </a:r>
-            <a:r>
-              <a:rPr kumimoji="1" lang="ja-JP" altLang="en-US" dirty="0"/>
-              <a:t>の仕組み</a:t>
-            </a:r>
-          </a:p>
-        </p:txBody>
-      </p:sp>
-      <p:sp>
-        <p:nvSpPr>
-          <p:cNvPr id="4" name="矢印: 右 3">
-            <a:extLst>
-              <a:ext uri="{FF2B5EF4-FFF2-40B4-BE49-F238E27FC236}">
-                <a16:creationId xmlns:a16="http://schemas.microsoft.com/office/drawing/2014/main" id="{FCAA5B2B-B2D0-4027-A4FC-18422A933228}"/>
+          <p:cNvPr id="11" name="四角形: 角を丸くする 10">
+            <a:extLst>
+              <a:ext uri="{FF2B5EF4-FFF2-40B4-BE49-F238E27FC236}">
+                <a16:creationId xmlns:a16="http://schemas.microsoft.com/office/drawing/2014/main" id="{065C26E2-3F5D-49FD-8C8B-DCA24A627E57}"/>
               </a:ext>
             </a:extLst>
           </p:cNvPr>
@@ -10446,12 +10433,20 @@
         </p:nvSpPr>
         <p:spPr>
           <a:xfrm>
-            <a:off x="3560689" y="3164569"/>
-            <a:ext cx="712292" cy="1106905"/>
-          </a:xfrm>
-          <a:prstGeom prst="rightArrow">
+            <a:off x="7236117" y="1690688"/>
+            <a:ext cx="2930013" cy="4278400"/>
+          </a:xfrm>
+          <a:prstGeom prst="roundRect">
             <a:avLst/>
           </a:prstGeom>
+          <a:solidFill>
+            <a:schemeClr val="bg1"/>
+          </a:solidFill>
+          <a:ln w="57150">
+            <a:solidFill>
+              <a:schemeClr val="tx1"/>
+            </a:solidFill>
+          </a:ln>
         </p:spPr>
         <p:style>
           <a:lnRef idx="2">
@@ -10480,10 +10475,73 @@
       </p:sp>
       <p:sp>
         <p:nvSpPr>
-          <p:cNvPr id="5" name="正方形/長方形 4">
-            <a:extLst>
-              <a:ext uri="{FF2B5EF4-FFF2-40B4-BE49-F238E27FC236}">
-                <a16:creationId xmlns:a16="http://schemas.microsoft.com/office/drawing/2014/main" id="{3C98069C-13A5-4C19-903B-38044E1D69DF}"/>
+          <p:cNvPr id="2" name="タイトル 1">
+            <a:extLst>
+              <a:ext uri="{FF2B5EF4-FFF2-40B4-BE49-F238E27FC236}">
+                <a16:creationId xmlns:a16="http://schemas.microsoft.com/office/drawing/2014/main" id="{32303345-A294-422E-8EF0-1C9E0C7B89EC}"/>
+              </a:ext>
+            </a:extLst>
+          </p:cNvPr>
+          <p:cNvSpPr>
+            <a:spLocks noGrp="1"/>
+          </p:cNvSpPr>
+          <p:nvPr>
+            <p:ph type="title"/>
+          </p:nvPr>
+        </p:nvSpPr>
+        <p:spPr>
+          <a:xfrm>
+            <a:off x="838200" y="365125"/>
+            <a:ext cx="10515600" cy="1325563"/>
+          </a:xfrm>
+        </p:spPr>
+        <p:txBody>
+          <a:bodyPr/>
+          <a:lstStyle/>
+          <a:p>
+            <a:r>
+              <a:rPr lang="ja-JP" altLang="en-US" b="1" dirty="0">
+                <a:ln>
+                  <a:solidFill>
+                    <a:sysClr val="windowText" lastClr="000000"/>
+                  </a:solidFill>
+                </a:ln>
+                <a:solidFill>
+                  <a:schemeClr val="accent6">
+                    <a:lumMod val="75000"/>
+                  </a:schemeClr>
+                </a:solidFill>
+                <a:latin typeface="HGS明朝E" panose="02020900000000000000" pitchFamily="18" charset="-128"/>
+                <a:ea typeface="HGS明朝E" panose="02020900000000000000" pitchFamily="18" charset="-128"/>
+              </a:rPr>
+              <a:t>テキスト分類</a:t>
+            </a:r>
+            <a:r>
+              <a:rPr kumimoji="1" lang="ja-JP" altLang="en-US" b="1" dirty="0">
+                <a:ln>
+                  <a:solidFill>
+                    <a:sysClr val="windowText" lastClr="000000"/>
+                  </a:solidFill>
+                </a:ln>
+                <a:solidFill>
+                  <a:schemeClr val="accent6">
+                    <a:lumMod val="75000"/>
+                  </a:schemeClr>
+                </a:solidFill>
+                <a:latin typeface="HGS明朝E" panose="02020900000000000000" pitchFamily="18" charset="-128"/>
+                <a:ea typeface="HGS明朝E" panose="02020900000000000000" pitchFamily="18" charset="-128"/>
+              </a:rPr>
+              <a:t>の仕組み</a:t>
+            </a:r>
+          </a:p>
+        </p:txBody>
+      </p:sp>
+      <p:sp>
+        <p:nvSpPr>
+          <p:cNvPr id="4" name="矢印: 右 3">
+            <a:extLst>
+              <a:ext uri="{FF2B5EF4-FFF2-40B4-BE49-F238E27FC236}">
+                <a16:creationId xmlns:a16="http://schemas.microsoft.com/office/drawing/2014/main" id="{FCAA5B2B-B2D0-4027-A4FC-18422A933228}"/>
               </a:ext>
             </a:extLst>
           </p:cNvPr>
@@ -10492,13 +10550,126 @@
         </p:nvSpPr>
         <p:spPr>
           <a:xfrm>
-            <a:off x="793606" y="2890586"/>
-            <a:ext cx="2705143" cy="671252"/>
+            <a:off x="3604987" y="3332587"/>
+            <a:ext cx="623696" cy="1106905"/>
+          </a:xfrm>
+          <a:prstGeom prst="rightArrow">
+            <a:avLst/>
+          </a:prstGeom>
+          <a:solidFill>
+            <a:srgbClr val="FF0000"/>
+          </a:solidFill>
+          <a:ln>
+            <a:noFill/>
+          </a:ln>
+        </p:spPr>
+        <p:style>
+          <a:lnRef idx="2">
+            <a:schemeClr val="accent1">
+              <a:shade val="50000"/>
+            </a:schemeClr>
+          </a:lnRef>
+          <a:fillRef idx="1">
+            <a:schemeClr val="accent1"/>
+          </a:fillRef>
+          <a:effectRef idx="0">
+            <a:schemeClr val="accent1"/>
+          </a:effectRef>
+          <a:fontRef idx="minor">
+            <a:schemeClr val="lt1"/>
+          </a:fontRef>
+        </p:style>
+        <p:txBody>
+          <a:bodyPr rtlCol="0" anchor="ctr"/>
+          <a:lstStyle/>
+          <a:p>
+            <a:pPr algn="ctr"/>
+            <a:endParaRPr kumimoji="1" lang="ja-JP" altLang="en-US">
+              <a:solidFill>
+                <a:srgbClr val="FF0000"/>
+              </a:solidFill>
+            </a:endParaRPr>
+          </a:p>
+        </p:txBody>
+      </p:sp>
+      <p:sp>
+        <p:nvSpPr>
+          <p:cNvPr id="18" name="正方形/長方形 17">
+            <a:extLst>
+              <a:ext uri="{FF2B5EF4-FFF2-40B4-BE49-F238E27FC236}">
+                <a16:creationId xmlns:a16="http://schemas.microsoft.com/office/drawing/2014/main" id="{5A958CD7-9F51-4CBB-B5A5-889187194E6E}"/>
+              </a:ext>
+            </a:extLst>
+          </p:cNvPr>
+          <p:cNvSpPr/>
+          <p:nvPr/>
+        </p:nvSpPr>
+        <p:spPr>
+          <a:xfrm>
+            <a:off x="9508067" y="0"/>
+            <a:ext cx="2683933" cy="1593908"/>
           </a:xfrm>
           <a:prstGeom prst="rect">
             <a:avLst/>
           </a:prstGeom>
-          <a:ln>
+          <a:solidFill>
+            <a:schemeClr val="accent6">
+              <a:lumMod val="60000"/>
+              <a:lumOff val="40000"/>
+            </a:schemeClr>
+          </a:solidFill>
+        </p:spPr>
+        <p:style>
+          <a:lnRef idx="2">
+            <a:schemeClr val="accent1">
+              <a:shade val="50000"/>
+            </a:schemeClr>
+          </a:lnRef>
+          <a:fillRef idx="1">
+            <a:schemeClr val="accent1"/>
+          </a:fillRef>
+          <a:effectRef idx="0">
+            <a:schemeClr val="accent1"/>
+          </a:effectRef>
+          <a:fontRef idx="minor">
+            <a:schemeClr val="lt1"/>
+          </a:fontRef>
+        </p:style>
+        <p:txBody>
+          <a:bodyPr rtlCol="0" anchor="ctr"/>
+          <a:lstStyle/>
+          <a:p>
+            <a:pPr algn="ctr"/>
+            <a:endParaRPr kumimoji="1" lang="ja-JP" altLang="en-US"/>
+          </a:p>
+        </p:txBody>
+      </p:sp>
+      <p:sp>
+        <p:nvSpPr>
+          <p:cNvPr id="20" name="正方形/長方形 19">
+            <a:extLst>
+              <a:ext uri="{FF2B5EF4-FFF2-40B4-BE49-F238E27FC236}">
+                <a16:creationId xmlns:a16="http://schemas.microsoft.com/office/drawing/2014/main" id="{A2A8DFAC-2DAD-4B02-856B-431C6CC347F0}"/>
+              </a:ext>
+            </a:extLst>
+          </p:cNvPr>
+          <p:cNvSpPr/>
+          <p:nvPr/>
+        </p:nvSpPr>
+        <p:spPr>
+          <a:xfrm>
+            <a:off x="8238455" y="2081789"/>
+            <a:ext cx="1639152" cy="723884"/>
+          </a:xfrm>
+          <a:prstGeom prst="rect">
+            <a:avLst/>
+          </a:prstGeom>
+          <a:solidFill>
+            <a:schemeClr val="accent6">
+              <a:lumMod val="75000"/>
+            </a:schemeClr>
+          </a:solidFill>
+          <a:ln w="19050">
             <a:solidFill>
               <a:schemeClr val="tx1"/>
             </a:solidFill>
@@ -10525,19 +10696,22 @@
           <a:p>
             <a:pPr algn="ctr"/>
             <a:r>
-              <a:rPr lang="ja-JP" altLang="en-US" dirty="0"/>
-              <a:t>予測したい文章</a:t>
-            </a:r>
-            <a:endParaRPr lang="en-US" altLang="ja-JP" dirty="0"/>
-          </a:p>
-        </p:txBody>
-      </p:sp>
-      <p:sp>
-        <p:nvSpPr>
-          <p:cNvPr id="3" name="正方形/長方形 2">
-            <a:extLst>
-              <a:ext uri="{FF2B5EF4-FFF2-40B4-BE49-F238E27FC236}">
-                <a16:creationId xmlns:a16="http://schemas.microsoft.com/office/drawing/2014/main" id="{9EB847BF-5C10-45D4-9710-F38D68B894E0}"/>
+              <a:rPr kumimoji="1" lang="ja-JP" altLang="en-US" sz="2800" b="1" dirty="0">
+                <a:solidFill>
+                  <a:schemeClr val="bg1"/>
+                </a:solidFill>
+              </a:rPr>
+              <a:t>動物</a:t>
+            </a:r>
+          </a:p>
+        </p:txBody>
+      </p:sp>
+      <p:sp>
+        <p:nvSpPr>
+          <p:cNvPr id="21" name="正方形/長方形 20">
+            <a:extLst>
+              <a:ext uri="{FF2B5EF4-FFF2-40B4-BE49-F238E27FC236}">
+                <a16:creationId xmlns:a16="http://schemas.microsoft.com/office/drawing/2014/main" id="{F0C59834-B5F3-46C9-A8DE-0298EB1FC7A3}"/>
               </a:ext>
             </a:extLst>
           </p:cNvPr>
@@ -10546,178 +10720,18 @@
         </p:nvSpPr>
         <p:spPr>
           <a:xfrm>
-            <a:off x="793606" y="3567198"/>
-            <a:ext cx="2705142" cy="1194538"/>
-          </a:xfrm>
-          <a:prstGeom prst="rect">
-            <a:avLst/>
-          </a:prstGeom>
-          <a:ln>
-            <a:solidFill>
-              <a:schemeClr val="tx1">
-                <a:lumMod val="95000"/>
-                <a:lumOff val="5000"/>
-              </a:schemeClr>
-            </a:solidFill>
-          </a:ln>
-          <a:effectLst/>
-        </p:spPr>
-        <p:style>
-          <a:lnRef idx="2">
-            <a:schemeClr val="accent6"/>
-          </a:lnRef>
-          <a:fillRef idx="1">
-            <a:schemeClr val="lt1"/>
-          </a:fillRef>
-          <a:effectRef idx="0">
-            <a:schemeClr val="accent6"/>
-          </a:effectRef>
-          <a:fontRef idx="minor">
-            <a:schemeClr val="dk1"/>
-          </a:fontRef>
-        </p:style>
-        <p:txBody>
-          <a:bodyPr rtlCol="0" anchor="ctr"/>
-          <a:lstStyle/>
-          <a:p>
-            <a:pPr algn="ctr"/>
-            <a:r>
-              <a:rPr lang="ja-JP" altLang="en-US" dirty="0"/>
-              <a:t>犬と猫が好き</a:t>
-            </a:r>
-          </a:p>
-          <a:p>
-            <a:pPr algn="ctr"/>
-            <a:endParaRPr kumimoji="1" lang="ja-JP" altLang="en-US" dirty="0"/>
-          </a:p>
-        </p:txBody>
-      </p:sp>
-      <p:sp>
-        <p:nvSpPr>
-          <p:cNvPr id="7" name="正方形/長方形 6">
-            <a:extLst>
-              <a:ext uri="{FF2B5EF4-FFF2-40B4-BE49-F238E27FC236}">
-                <a16:creationId xmlns:a16="http://schemas.microsoft.com/office/drawing/2014/main" id="{17AD7007-37B6-42F3-BE00-20C827F49049}"/>
-              </a:ext>
-            </a:extLst>
-          </p:cNvPr>
-          <p:cNvSpPr/>
-          <p:nvPr/>
-        </p:nvSpPr>
-        <p:spPr>
-          <a:xfrm>
-            <a:off x="4289177" y="2752824"/>
-            <a:ext cx="1827463" cy="1930400"/>
-          </a:xfrm>
-          <a:prstGeom prst="rect">
-            <a:avLst/>
-          </a:prstGeom>
-          <a:ln>
-            <a:solidFill>
-              <a:schemeClr val="tx1"/>
-            </a:solidFill>
-          </a:ln>
-          <a:effectLst/>
-        </p:spPr>
-        <p:style>
-          <a:lnRef idx="2">
-            <a:schemeClr val="accent6"/>
-          </a:lnRef>
-          <a:fillRef idx="1">
-            <a:schemeClr val="lt1"/>
-          </a:fillRef>
-          <a:effectRef idx="0">
-            <a:schemeClr val="accent6"/>
-          </a:effectRef>
-          <a:fontRef idx="minor">
-            <a:schemeClr val="dk1"/>
-          </a:fontRef>
-        </p:style>
-        <p:txBody>
-          <a:bodyPr rtlCol="0" anchor="ctr"/>
-          <a:lstStyle/>
-          <a:p>
-            <a:pPr algn="ctr"/>
-            <a:r>
-              <a:rPr kumimoji="1" lang="ja-JP" altLang="en-US" dirty="0"/>
-              <a:t>確率を計算</a:t>
-            </a:r>
-          </a:p>
-        </p:txBody>
-      </p:sp>
-      <p:sp>
-        <p:nvSpPr>
-          <p:cNvPr id="18" name="正方形/長方形 17">
-            <a:extLst>
-              <a:ext uri="{FF2B5EF4-FFF2-40B4-BE49-F238E27FC236}">
-                <a16:creationId xmlns:a16="http://schemas.microsoft.com/office/drawing/2014/main" id="{5A958CD7-9F51-4CBB-B5A5-889187194E6E}"/>
-              </a:ext>
-            </a:extLst>
-          </p:cNvPr>
-          <p:cNvSpPr/>
-          <p:nvPr/>
-        </p:nvSpPr>
-        <p:spPr>
-          <a:xfrm>
-            <a:off x="9508067" y="0"/>
-            <a:ext cx="2683933" cy="1593908"/>
+            <a:off x="8238455" y="4854102"/>
+            <a:ext cx="1639152" cy="723884"/>
           </a:xfrm>
           <a:prstGeom prst="rect">
             <a:avLst/>
           </a:prstGeom>
           <a:solidFill>
             <a:schemeClr val="accent6">
-              <a:lumMod val="60000"/>
-              <a:lumOff val="40000"/>
+              <a:lumMod val="75000"/>
             </a:schemeClr>
           </a:solidFill>
-        </p:spPr>
-        <p:style>
-          <a:lnRef idx="2">
-            <a:schemeClr val="accent1">
-              <a:shade val="50000"/>
-            </a:schemeClr>
-          </a:lnRef>
-          <a:fillRef idx="1">
-            <a:schemeClr val="accent1"/>
-          </a:fillRef>
-          <a:effectRef idx="0">
-            <a:schemeClr val="accent1"/>
-          </a:effectRef>
-          <a:fontRef idx="minor">
-            <a:schemeClr val="lt1"/>
-          </a:fontRef>
-        </p:style>
-        <p:txBody>
-          <a:bodyPr rtlCol="0" anchor="ctr"/>
-          <a:lstStyle/>
-          <a:p>
-            <a:pPr algn="ctr"/>
-            <a:endParaRPr kumimoji="1" lang="ja-JP" altLang="en-US"/>
-          </a:p>
-        </p:txBody>
-      </p:sp>
-      <p:sp>
-        <p:nvSpPr>
-          <p:cNvPr id="20" name="正方形/長方形 19">
-            <a:extLst>
-              <a:ext uri="{FF2B5EF4-FFF2-40B4-BE49-F238E27FC236}">
-                <a16:creationId xmlns:a16="http://schemas.microsoft.com/office/drawing/2014/main" id="{A2A8DFAC-2DAD-4B02-856B-431C6CC347F0}"/>
-              </a:ext>
-            </a:extLst>
-          </p:cNvPr>
-          <p:cNvSpPr/>
-          <p:nvPr/>
-        </p:nvSpPr>
-        <p:spPr>
-          <a:xfrm>
-            <a:off x="8370087" y="2055813"/>
-            <a:ext cx="1137980" cy="723884"/>
-          </a:xfrm>
-          <a:prstGeom prst="rect">
-            <a:avLst/>
-          </a:prstGeom>
-          <a:ln>
+          <a:ln w="19050">
             <a:solidFill>
               <a:schemeClr val="tx1"/>
             </a:solidFill>
@@ -10744,18 +10758,27 @@
           <a:p>
             <a:pPr algn="ctr"/>
             <a:r>
-              <a:rPr kumimoji="1" lang="ja-JP" altLang="en-US" dirty="0"/>
-              <a:t>動物</a:t>
-            </a:r>
-          </a:p>
-        </p:txBody>
-      </p:sp>
-      <p:sp>
-        <p:nvSpPr>
-          <p:cNvPr id="21" name="正方形/長方形 20">
-            <a:extLst>
-              <a:ext uri="{FF2B5EF4-FFF2-40B4-BE49-F238E27FC236}">
-                <a16:creationId xmlns:a16="http://schemas.microsoft.com/office/drawing/2014/main" id="{F0C59834-B5F3-46C9-A8DE-0298EB1FC7A3}"/>
+              <a:rPr lang="ja-JP" altLang="en-US" sz="2800" b="1" dirty="0">
+                <a:solidFill>
+                  <a:schemeClr val="bg1"/>
+                </a:solidFill>
+              </a:rPr>
+              <a:t>経済</a:t>
+            </a:r>
+            <a:endParaRPr kumimoji="1" lang="ja-JP" altLang="en-US" sz="2800" b="1" dirty="0">
+              <a:solidFill>
+                <a:schemeClr val="bg1"/>
+              </a:solidFill>
+            </a:endParaRPr>
+          </a:p>
+        </p:txBody>
+      </p:sp>
+      <p:sp>
+        <p:nvSpPr>
+          <p:cNvPr id="22" name="正方形/長方形 21">
+            <a:extLst>
+              <a:ext uri="{FF2B5EF4-FFF2-40B4-BE49-F238E27FC236}">
+                <a16:creationId xmlns:a16="http://schemas.microsoft.com/office/drawing/2014/main" id="{BAA6FDE2-BBC6-43BC-A2C5-E247B0789EC6}"/>
               </a:ext>
             </a:extLst>
           </p:cNvPr>
@@ -10764,13 +10787,18 @@
         </p:nvSpPr>
         <p:spPr>
           <a:xfrm>
-            <a:off x="8370087" y="4828126"/>
-            <a:ext cx="1137980" cy="723884"/>
+            <a:off x="8239231" y="3427696"/>
+            <a:ext cx="1639152" cy="723884"/>
           </a:xfrm>
           <a:prstGeom prst="rect">
             <a:avLst/>
           </a:prstGeom>
-          <a:ln>
+          <a:solidFill>
+            <a:schemeClr val="accent6">
+              <a:lumMod val="75000"/>
+            </a:schemeClr>
+          </a:solidFill>
+          <a:ln w="19050">
             <a:solidFill>
               <a:schemeClr val="tx1"/>
             </a:solidFill>
@@ -10797,112 +10825,13 @@
           <a:p>
             <a:pPr algn="ctr"/>
             <a:r>
-              <a:rPr lang="ja-JP" altLang="en-US" dirty="0"/>
-              <a:t>経済</a:t>
-            </a:r>
-            <a:endParaRPr kumimoji="1" lang="ja-JP" altLang="en-US" dirty="0"/>
-          </a:p>
-        </p:txBody>
-      </p:sp>
-      <p:sp>
-        <p:nvSpPr>
-          <p:cNvPr id="22" name="正方形/長方形 21">
-            <a:extLst>
-              <a:ext uri="{FF2B5EF4-FFF2-40B4-BE49-F238E27FC236}">
-                <a16:creationId xmlns:a16="http://schemas.microsoft.com/office/drawing/2014/main" id="{BAA6FDE2-BBC6-43BC-A2C5-E247B0789EC6}"/>
-              </a:ext>
-            </a:extLst>
-          </p:cNvPr>
-          <p:cNvSpPr/>
-          <p:nvPr/>
-        </p:nvSpPr>
-        <p:spPr>
-          <a:xfrm>
-            <a:off x="8370863" y="3401720"/>
-            <a:ext cx="1137980" cy="723884"/>
-          </a:xfrm>
-          <a:prstGeom prst="rect">
-            <a:avLst/>
-          </a:prstGeom>
-          <a:ln>
-            <a:solidFill>
-              <a:schemeClr val="tx1"/>
-            </a:solidFill>
-          </a:ln>
-          <a:effectLst/>
-        </p:spPr>
-        <p:style>
-          <a:lnRef idx="2">
-            <a:schemeClr val="accent2"/>
-          </a:lnRef>
-          <a:fillRef idx="1">
-            <a:schemeClr val="lt1"/>
-          </a:fillRef>
-          <a:effectRef idx="0">
-            <a:schemeClr val="accent2"/>
-          </a:effectRef>
-          <a:fontRef idx="minor">
-            <a:schemeClr val="dk1"/>
-          </a:fontRef>
-        </p:style>
-        <p:txBody>
-          <a:bodyPr rtlCol="0" anchor="ctr"/>
-          <a:lstStyle/>
-          <a:p>
-            <a:pPr algn="ctr"/>
-            <a:r>
-              <a:rPr kumimoji="1" lang="ja-JP" altLang="en-US" dirty="0"/>
+              <a:rPr kumimoji="1" lang="ja-JP" altLang="en-US" sz="2800" b="1" dirty="0">
+                <a:solidFill>
+                  <a:schemeClr val="bg1"/>
+                </a:solidFill>
+              </a:rPr>
               <a:t>スポーツ</a:t>
             </a:r>
-          </a:p>
-        </p:txBody>
-      </p:sp>
-      <p:sp>
-        <p:nvSpPr>
-          <p:cNvPr id="24" name="矢印: 上 23">
-            <a:extLst>
-              <a:ext uri="{FF2B5EF4-FFF2-40B4-BE49-F238E27FC236}">
-                <a16:creationId xmlns:a16="http://schemas.microsoft.com/office/drawing/2014/main" id="{18313628-56F8-4052-B989-E308F28D5D42}"/>
-              </a:ext>
-            </a:extLst>
-          </p:cNvPr>
-          <p:cNvSpPr/>
-          <p:nvPr/>
-        </p:nvSpPr>
-        <p:spPr>
-          <a:xfrm rot="16200000" flipH="1" flipV="1">
-            <a:off x="6285063" y="3370634"/>
-            <a:ext cx="991588" cy="694778"/>
-          </a:xfrm>
-          <a:prstGeom prst="upArrow">
-            <a:avLst>
-              <a:gd name="adj1" fmla="val 43450"/>
-              <a:gd name="adj2" fmla="val 50000"/>
-            </a:avLst>
-          </a:prstGeom>
-        </p:spPr>
-        <p:style>
-          <a:lnRef idx="2">
-            <a:schemeClr val="accent1">
-              <a:shade val="50000"/>
-            </a:schemeClr>
-          </a:lnRef>
-          <a:fillRef idx="1">
-            <a:schemeClr val="accent1"/>
-          </a:fillRef>
-          <a:effectRef idx="0">
-            <a:schemeClr val="accent1"/>
-          </a:effectRef>
-          <a:fontRef idx="minor">
-            <a:schemeClr val="lt1"/>
-          </a:fontRef>
-        </p:style>
-        <p:txBody>
-          <a:bodyPr rtlCol="0" anchor="ctr"/>
-          <a:lstStyle/>
-          <a:p>
-            <a:pPr algn="ctr"/>
-            <a:endParaRPr kumimoji="1" lang="ja-JP" altLang="en-US" dirty="0"/>
           </a:p>
         </p:txBody>
       </p:sp>
@@ -10920,8 +10849,8 @@
         </p:nvSpPr>
         <p:spPr>
           <a:xfrm>
-            <a:off x="7642918" y="2256605"/>
-            <a:ext cx="694778" cy="369332"/>
+            <a:off x="7286449" y="2199581"/>
+            <a:ext cx="1355712" cy="584775"/>
           </a:xfrm>
           <a:prstGeom prst="rect">
             <a:avLst/>
@@ -10935,14 +10864,14 @@
           <a:lstStyle/>
           <a:p>
             <a:r>
-              <a:rPr lang="en-US" altLang="ja-JP" dirty="0"/>
+              <a:rPr lang="en-US" altLang="ja-JP" sz="3200" b="1" dirty="0"/>
               <a:t>74</a:t>
             </a:r>
             <a:r>
-              <a:rPr kumimoji="1" lang="ja-JP" altLang="en-US" dirty="0"/>
+              <a:rPr kumimoji="1" lang="ja-JP" altLang="en-US" sz="3200" b="1" dirty="0"/>
               <a:t>％</a:t>
             </a:r>
-            <a:endParaRPr kumimoji="1" lang="en-US" altLang="ja-JP" dirty="0"/>
+            <a:endParaRPr kumimoji="1" lang="en-US" altLang="ja-JP" sz="3200" b="1" dirty="0"/>
           </a:p>
         </p:txBody>
       </p:sp>
@@ -10960,8 +10889,8 @@
         </p:nvSpPr>
         <p:spPr>
           <a:xfrm>
-            <a:off x="7543677" y="3575826"/>
-            <a:ext cx="694778" cy="369332"/>
+            <a:off x="7420691" y="3591156"/>
+            <a:ext cx="930811" cy="461665"/>
           </a:xfrm>
           <a:prstGeom prst="rect">
             <a:avLst/>
@@ -10975,14 +10904,14 @@
           <a:lstStyle/>
           <a:p>
             <a:r>
-              <a:rPr kumimoji="1" lang="en-US" altLang="ja-JP" dirty="0"/>
+              <a:rPr kumimoji="1" lang="en-US" altLang="ja-JP" sz="2400" b="1" dirty="0"/>
               <a:t>14</a:t>
             </a:r>
             <a:r>
-              <a:rPr kumimoji="1" lang="ja-JP" altLang="en-US" dirty="0"/>
+              <a:rPr kumimoji="1" lang="ja-JP" altLang="en-US" sz="2400" b="1" dirty="0"/>
               <a:t>％</a:t>
             </a:r>
-            <a:endParaRPr kumimoji="1" lang="en-US" altLang="ja-JP" dirty="0"/>
+            <a:endParaRPr kumimoji="1" lang="en-US" altLang="ja-JP" sz="2400" b="1" dirty="0"/>
           </a:p>
         </p:txBody>
       </p:sp>
@@ -11000,8 +10929,8 @@
         </p:nvSpPr>
         <p:spPr>
           <a:xfrm>
-            <a:off x="7663884" y="5094454"/>
-            <a:ext cx="694778" cy="369332"/>
+            <a:off x="7420691" y="5033259"/>
+            <a:ext cx="930811" cy="461665"/>
           </a:xfrm>
           <a:prstGeom prst="rect">
             <a:avLst/>
@@ -11015,14 +10944,14 @@
           <a:lstStyle/>
           <a:p>
             <a:r>
-              <a:rPr lang="en-US" altLang="ja-JP" dirty="0"/>
+              <a:rPr lang="en-US" altLang="ja-JP" sz="2400" b="1" dirty="0"/>
               <a:t>12</a:t>
             </a:r>
             <a:r>
-              <a:rPr kumimoji="1" lang="ja-JP" altLang="en-US" dirty="0"/>
+              <a:rPr kumimoji="1" lang="ja-JP" altLang="en-US" sz="2400" b="1" dirty="0"/>
               <a:t>％</a:t>
             </a:r>
-            <a:endParaRPr kumimoji="1" lang="en-US" altLang="ja-JP" dirty="0"/>
+            <a:endParaRPr kumimoji="1" lang="en-US" altLang="ja-JP" sz="2400" b="1" dirty="0"/>
           </a:p>
         </p:txBody>
       </p:sp>
@@ -11040,7 +10969,7 @@
         </p:nvSpPr>
         <p:spPr>
           <a:xfrm>
-            <a:off x="7188056" y="1571544"/>
+            <a:off x="7236117" y="1593908"/>
             <a:ext cx="2915640" cy="1709972"/>
           </a:xfrm>
           <a:prstGeom prst="ellipse">
@@ -11080,10 +11009,10 @@
       </p:sp>
       <p:sp>
         <p:nvSpPr>
-          <p:cNvPr id="9" name="吹き出し: 角を丸めた四角形 8">
-            <a:extLst>
-              <a:ext uri="{FF2B5EF4-FFF2-40B4-BE49-F238E27FC236}">
-                <a16:creationId xmlns:a16="http://schemas.microsoft.com/office/drawing/2014/main" id="{BEE4525F-752F-478B-99EB-5CF15FA52116}"/>
+          <p:cNvPr id="10" name="四角形: 角を丸くする 9">
+            <a:extLst>
+              <a:ext uri="{FF2B5EF4-FFF2-40B4-BE49-F238E27FC236}">
+                <a16:creationId xmlns:a16="http://schemas.microsoft.com/office/drawing/2014/main" id="{2C5AA135-3E66-4B50-9BC5-15D3D7DA8DFB}"/>
               </a:ext>
             </a:extLst>
           </p:cNvPr>
@@ -11092,16 +11021,20 @@
         </p:nvSpPr>
         <p:spPr>
           <a:xfrm>
-            <a:off x="4462011" y="4954300"/>
-            <a:ext cx="1654629" cy="1538575"/>
-          </a:xfrm>
-          <a:prstGeom prst="wedgeRoundRectCallout">
-            <a:avLst>
-              <a:gd name="adj1" fmla="val -14693"/>
-              <a:gd name="adj2" fmla="val -63910"/>
-              <a:gd name="adj3" fmla="val 16667"/>
-            </a:avLst>
+            <a:off x="856329" y="2507137"/>
+            <a:ext cx="2660548" cy="581721"/>
+          </a:xfrm>
+          <a:prstGeom prst="roundRect">
+            <a:avLst/>
           </a:prstGeom>
+          <a:solidFill>
+            <a:schemeClr val="bg1"/>
+          </a:solidFill>
+          <a:ln>
+            <a:solidFill>
+              <a:schemeClr val="tx1"/>
+            </a:solidFill>
+          </a:ln>
         </p:spPr>
         <p:style>
           <a:lnRef idx="2">
@@ -11125,10 +11058,196 @@
           <a:p>
             <a:pPr algn="ctr"/>
             <a:r>
-              <a:rPr lang="en-US" altLang="ja-JP"/>
-              <a:t>fastText</a:t>
-            </a:r>
-            <a:endParaRPr lang="ja-JP" altLang="en-US" dirty="0"/>
+              <a:rPr lang="ja-JP" altLang="en-US" sz="2400" b="1" dirty="0">
+                <a:solidFill>
+                  <a:schemeClr val="accent6">
+                    <a:lumMod val="75000"/>
+                  </a:schemeClr>
+                </a:solidFill>
+              </a:rPr>
+              <a:t>予測したい文章</a:t>
+            </a:r>
+            <a:endParaRPr lang="en-US" altLang="ja-JP" sz="2400" b="1" dirty="0">
+              <a:solidFill>
+                <a:schemeClr val="accent6">
+                  <a:lumMod val="75000"/>
+                </a:schemeClr>
+              </a:solidFill>
+            </a:endParaRPr>
+          </a:p>
+        </p:txBody>
+      </p:sp>
+      <p:sp>
+        <p:nvSpPr>
+          <p:cNvPr id="25" name="四角形: 角を丸くする 24">
+            <a:extLst>
+              <a:ext uri="{FF2B5EF4-FFF2-40B4-BE49-F238E27FC236}">
+                <a16:creationId xmlns:a16="http://schemas.microsoft.com/office/drawing/2014/main" id="{7F92E45D-BD2A-4D37-9520-C23EE457465C}"/>
+              </a:ext>
+            </a:extLst>
+          </p:cNvPr>
+          <p:cNvSpPr/>
+          <p:nvPr/>
+        </p:nvSpPr>
+        <p:spPr>
+          <a:xfrm>
+            <a:off x="856329" y="3088858"/>
+            <a:ext cx="2660548" cy="1594366"/>
+          </a:xfrm>
+          <a:prstGeom prst="roundRect">
+            <a:avLst/>
+          </a:prstGeom>
+          <a:solidFill>
+            <a:schemeClr val="accent6">
+              <a:lumMod val="75000"/>
+            </a:schemeClr>
+          </a:solidFill>
+          <a:ln>
+            <a:solidFill>
+              <a:schemeClr val="tx1"/>
+            </a:solidFill>
+          </a:ln>
+        </p:spPr>
+        <p:style>
+          <a:lnRef idx="2">
+            <a:schemeClr val="accent1">
+              <a:shade val="50000"/>
+            </a:schemeClr>
+          </a:lnRef>
+          <a:fillRef idx="1">
+            <a:schemeClr val="accent1"/>
+          </a:fillRef>
+          <a:effectRef idx="0">
+            <a:schemeClr val="accent1"/>
+          </a:effectRef>
+          <a:fontRef idx="minor">
+            <a:schemeClr val="lt1"/>
+          </a:fontRef>
+        </p:style>
+        <p:txBody>
+          <a:bodyPr rtlCol="0" anchor="ctr"/>
+          <a:lstStyle/>
+          <a:p>
+            <a:pPr algn="ctr"/>
+            <a:r>
+              <a:rPr lang="ja-JP" altLang="en-US" sz="2800" b="1" dirty="0"/>
+              <a:t>犬と猫が好き</a:t>
+            </a:r>
+          </a:p>
+        </p:txBody>
+      </p:sp>
+      <p:sp>
+        <p:nvSpPr>
+          <p:cNvPr id="26" name="四角形: 角を丸くする 25">
+            <a:extLst>
+              <a:ext uri="{FF2B5EF4-FFF2-40B4-BE49-F238E27FC236}">
+                <a16:creationId xmlns:a16="http://schemas.microsoft.com/office/drawing/2014/main" id="{DFC63A6F-E259-4EE1-8C50-47AB28234FA8}"/>
+              </a:ext>
+            </a:extLst>
+          </p:cNvPr>
+          <p:cNvSpPr/>
+          <p:nvPr/>
+        </p:nvSpPr>
+        <p:spPr>
+          <a:xfrm>
+            <a:off x="4316793" y="3088857"/>
+            <a:ext cx="2131258" cy="1594366"/>
+          </a:xfrm>
+          <a:prstGeom prst="roundRect">
+            <a:avLst/>
+          </a:prstGeom>
+          <a:solidFill>
+            <a:schemeClr val="accent6">
+              <a:lumMod val="75000"/>
+            </a:schemeClr>
+          </a:solidFill>
+          <a:ln>
+            <a:solidFill>
+              <a:schemeClr val="tx1"/>
+            </a:solidFill>
+          </a:ln>
+        </p:spPr>
+        <p:style>
+          <a:lnRef idx="2">
+            <a:schemeClr val="accent1">
+              <a:shade val="50000"/>
+            </a:schemeClr>
+          </a:lnRef>
+          <a:fillRef idx="1">
+            <a:schemeClr val="accent1"/>
+          </a:fillRef>
+          <a:effectRef idx="0">
+            <a:schemeClr val="accent1"/>
+          </a:effectRef>
+          <a:fontRef idx="minor">
+            <a:schemeClr val="lt1"/>
+          </a:fontRef>
+        </p:style>
+        <p:txBody>
+          <a:bodyPr rtlCol="0" anchor="ctr"/>
+          <a:lstStyle/>
+          <a:p>
+            <a:pPr algn="ctr"/>
+            <a:r>
+              <a:rPr lang="ja-JP" altLang="en-US" sz="2800" b="1" dirty="0"/>
+              <a:t>確率を計算</a:t>
+            </a:r>
+          </a:p>
+        </p:txBody>
+      </p:sp>
+      <p:sp>
+        <p:nvSpPr>
+          <p:cNvPr id="27" name="矢印: 右 26">
+            <a:extLst>
+              <a:ext uri="{FF2B5EF4-FFF2-40B4-BE49-F238E27FC236}">
+                <a16:creationId xmlns:a16="http://schemas.microsoft.com/office/drawing/2014/main" id="{BCFE1A0B-A36D-4A88-ADDE-A9EB43F47448}"/>
+              </a:ext>
+            </a:extLst>
+          </p:cNvPr>
+          <p:cNvSpPr/>
+          <p:nvPr/>
+        </p:nvSpPr>
+        <p:spPr>
+          <a:xfrm>
+            <a:off x="6580459" y="3326733"/>
+            <a:ext cx="623696" cy="1106905"/>
+          </a:xfrm>
+          <a:prstGeom prst="rightArrow">
+            <a:avLst/>
+          </a:prstGeom>
+          <a:solidFill>
+            <a:srgbClr val="FF0000"/>
+          </a:solidFill>
+          <a:ln>
+            <a:noFill/>
+          </a:ln>
+        </p:spPr>
+        <p:style>
+          <a:lnRef idx="2">
+            <a:schemeClr val="accent1">
+              <a:shade val="50000"/>
+            </a:schemeClr>
+          </a:lnRef>
+          <a:fillRef idx="1">
+            <a:schemeClr val="accent1"/>
+          </a:fillRef>
+          <a:effectRef idx="0">
+            <a:schemeClr val="accent1"/>
+          </a:effectRef>
+          <a:fontRef idx="minor">
+            <a:schemeClr val="lt1"/>
+          </a:fontRef>
+        </p:style>
+        <p:txBody>
+          <a:bodyPr rtlCol="0" anchor="ctr"/>
+          <a:lstStyle/>
+          <a:p>
+            <a:pPr algn="ctr"/>
+            <a:endParaRPr kumimoji="1" lang="ja-JP" altLang="en-US">
+              <a:solidFill>
+                <a:srgbClr val="FF0000"/>
+              </a:solidFill>
+            </a:endParaRPr>
           </a:p>
         </p:txBody>
       </p:sp>
@@ -11589,40 +11708,6 @@
       </p:grpSpPr>
       <p:sp>
         <p:nvSpPr>
-          <p:cNvPr id="2" name="タイトル 1">
-            <a:extLst>
-              <a:ext uri="{FF2B5EF4-FFF2-40B4-BE49-F238E27FC236}">
-                <a16:creationId xmlns:a16="http://schemas.microsoft.com/office/drawing/2014/main" id="{37BB279A-C118-465B-9AF4-6938D7D7CA61}"/>
-              </a:ext>
-            </a:extLst>
-          </p:cNvPr>
-          <p:cNvSpPr>
-            <a:spLocks noGrp="1"/>
-          </p:cNvSpPr>
-          <p:nvPr>
-            <p:ph type="title"/>
-          </p:nvPr>
-        </p:nvSpPr>
-        <p:spPr>
-          <a:xfrm>
-            <a:off x="838200" y="365125"/>
-            <a:ext cx="7747000" cy="1325563"/>
-          </a:xfrm>
-        </p:spPr>
-        <p:txBody>
-          <a:bodyPr/>
-          <a:lstStyle/>
-          <a:p>
-            <a:r>
-              <a:rPr kumimoji="1" lang="en-US" altLang="ja-JP" dirty="0" err="1"/>
-              <a:t>fastText</a:t>
-            </a:r>
-            <a:endParaRPr kumimoji="1" lang="ja-JP" altLang="en-US" dirty="0"/>
-          </a:p>
-        </p:txBody>
-      </p:sp>
-      <p:sp>
-        <p:nvSpPr>
           <p:cNvPr id="6" name="正方形/長方形 5">
             <a:extLst>
               <a:ext uri="{FF2B5EF4-FFF2-40B4-BE49-F238E27FC236}">
@@ -12872,6 +12957,66 @@
               <a:rPr kumimoji="1" lang="ja-JP" altLang="en-US" sz="4000" b="1" dirty="0"/>
               <a:t>猫</a:t>
             </a:r>
+          </a:p>
+        </p:txBody>
+      </p:sp>
+      <p:sp>
+        <p:nvSpPr>
+          <p:cNvPr id="43" name="タイトル 1">
+            <a:extLst>
+              <a:ext uri="{FF2B5EF4-FFF2-40B4-BE49-F238E27FC236}">
+                <a16:creationId xmlns:a16="http://schemas.microsoft.com/office/drawing/2014/main" id="{43E1285A-D11D-45BE-BD86-7CBF3DFDD54E}"/>
+              </a:ext>
+            </a:extLst>
+          </p:cNvPr>
+          <p:cNvSpPr>
+            <a:spLocks noGrp="1"/>
+          </p:cNvSpPr>
+          <p:nvPr>
+            <p:ph type="title"/>
+          </p:nvPr>
+        </p:nvSpPr>
+        <p:spPr>
+          <a:xfrm>
+            <a:off x="838200" y="365125"/>
+            <a:ext cx="10515600" cy="1325563"/>
+          </a:xfrm>
+        </p:spPr>
+        <p:txBody>
+          <a:bodyPr/>
+          <a:lstStyle/>
+          <a:p>
+            <a:r>
+              <a:rPr kumimoji="1" lang="en-US" altLang="ja-JP" b="1" dirty="0" err="1">
+                <a:ln>
+                  <a:solidFill>
+                    <a:sysClr val="windowText" lastClr="000000"/>
+                  </a:solidFill>
+                </a:ln>
+                <a:solidFill>
+                  <a:schemeClr val="accent6">
+                    <a:lumMod val="75000"/>
+                  </a:schemeClr>
+                </a:solidFill>
+                <a:latin typeface="HGS明朝E" panose="02020900000000000000" pitchFamily="18" charset="-128"/>
+                <a:ea typeface="HGS明朝E" panose="02020900000000000000" pitchFamily="18" charset="-128"/>
+              </a:rPr>
+              <a:t>fastText</a:t>
+            </a:r>
+            <a:endParaRPr kumimoji="1" lang="ja-JP" altLang="en-US" b="1" dirty="0">
+              <a:ln>
+                <a:solidFill>
+                  <a:sysClr val="windowText" lastClr="000000"/>
+                </a:solidFill>
+              </a:ln>
+              <a:solidFill>
+                <a:schemeClr val="accent6">
+                  <a:lumMod val="75000"/>
+                </a:schemeClr>
+              </a:solidFill>
+              <a:latin typeface="HGS明朝E" panose="02020900000000000000" pitchFamily="18" charset="-128"/>
+              <a:ea typeface="HGS明朝E" panose="02020900000000000000" pitchFamily="18" charset="-128"/>
+            </a:endParaRPr>
           </a:p>
         </p:txBody>
       </p:sp>
@@ -12907,34 +13052,6 @@
       </p:grpSpPr>
       <p:sp>
         <p:nvSpPr>
-          <p:cNvPr id="2" name="タイトル 1">
-            <a:extLst>
-              <a:ext uri="{FF2B5EF4-FFF2-40B4-BE49-F238E27FC236}">
-                <a16:creationId xmlns:a16="http://schemas.microsoft.com/office/drawing/2014/main" id="{32B18E73-6557-4AF8-BBEE-9D3D25DCFD88}"/>
-              </a:ext>
-            </a:extLst>
-          </p:cNvPr>
-          <p:cNvSpPr>
-            <a:spLocks noGrp="1"/>
-          </p:cNvSpPr>
-          <p:nvPr>
-            <p:ph type="title"/>
-          </p:nvPr>
-        </p:nvSpPr>
-        <p:spPr/>
-        <p:txBody>
-          <a:bodyPr/>
-          <a:lstStyle/>
-          <a:p>
-            <a:r>
-              <a:rPr kumimoji="1" lang="ja-JP" altLang="en-US" dirty="0"/>
-              <a:t>トレーニングデータの作成方法</a:t>
-            </a:r>
-          </a:p>
-        </p:txBody>
-      </p:sp>
-      <p:sp>
-        <p:nvSpPr>
           <p:cNvPr id="4" name="正方形/長方形 3">
             <a:extLst>
               <a:ext uri="{FF2B5EF4-FFF2-40B4-BE49-F238E27FC236}">
@@ -13006,6 +13123,9 @@
             <a:off x="334433" y="1765990"/>
             <a:ext cx="10515600" cy="4351338"/>
           </a:xfrm>
+          <a:ln>
+            <a:noFill/>
+          </a:ln>
         </p:spPr>
         <p:txBody>
           <a:bodyPr/>
@@ -13022,10 +13142,32 @@
               <a:buNone/>
             </a:pPr>
             <a:r>
-              <a:rPr kumimoji="1" lang="ja-JP" altLang="en-US" sz="3600" b="1" dirty="0"/>
+              <a:rPr kumimoji="1" lang="ja-JP" altLang="en-US" sz="3600" b="1" dirty="0">
+                <a:ln>
+                  <a:solidFill>
+                    <a:sysClr val="windowText" lastClr="000000"/>
+                  </a:solidFill>
+                </a:ln>
+                <a:solidFill>
+                  <a:schemeClr val="accent6">
+                    <a:lumMod val="75000"/>
+                  </a:schemeClr>
+                </a:solidFill>
+              </a:rPr>
               <a:t>文章を単語ごとに分割</a:t>
             </a:r>
-            <a:endParaRPr kumimoji="1" lang="en-US" altLang="ja-JP" sz="3600" b="1" dirty="0"/>
+            <a:endParaRPr kumimoji="1" lang="en-US" altLang="ja-JP" sz="3600" b="1" dirty="0">
+              <a:ln>
+                <a:solidFill>
+                  <a:sysClr val="windowText" lastClr="000000"/>
+                </a:solidFill>
+              </a:ln>
+              <a:solidFill>
+                <a:schemeClr val="accent6">
+                  <a:lumMod val="75000"/>
+                </a:schemeClr>
+              </a:solidFill>
+            </a:endParaRPr>
           </a:p>
           <a:p>
             <a:pPr marL="914400" lvl="2" indent="0">
@@ -13036,7 +13178,7 @@
               <a:t>↑</a:t>
             </a:r>
             <a:r>
-              <a:rPr kumimoji="1" lang="ja-JP" altLang="en-US" sz="3200" b="1" u="sng" dirty="0"/>
+              <a:rPr kumimoji="1" lang="ja-JP" altLang="en-US" sz="3200" b="1" dirty="0"/>
               <a:t>重複する単語が多い</a:t>
             </a:r>
             <a:endParaRPr kumimoji="1" lang="en-US" altLang="ja-JP" sz="3200" dirty="0"/>
@@ -13053,10 +13195,32 @@
               <a:buNone/>
             </a:pPr>
             <a:r>
-              <a:rPr kumimoji="1" lang="ja-JP" altLang="en-US" sz="3600" b="1" dirty="0"/>
+              <a:rPr kumimoji="1" lang="ja-JP" altLang="en-US" sz="3600" b="1" dirty="0">
+                <a:ln>
+                  <a:solidFill>
+                    <a:sysClr val="windowText" lastClr="000000"/>
+                  </a:solidFill>
+                </a:ln>
+                <a:solidFill>
+                  <a:schemeClr val="accent6">
+                    <a:lumMod val="75000"/>
+                  </a:schemeClr>
+                </a:solidFill>
+              </a:rPr>
               <a:t>文章を単語として扱う</a:t>
             </a:r>
-            <a:endParaRPr kumimoji="1" lang="en-US" altLang="ja-JP" sz="3600" b="1" dirty="0"/>
+            <a:endParaRPr kumimoji="1" lang="en-US" altLang="ja-JP" sz="3600" b="1" dirty="0">
+              <a:ln>
+                <a:solidFill>
+                  <a:sysClr val="windowText" lastClr="000000"/>
+                </a:solidFill>
+              </a:ln>
+              <a:solidFill>
+                <a:schemeClr val="accent6">
+                  <a:lumMod val="75000"/>
+                </a:schemeClr>
+              </a:solidFill>
+            </a:endParaRPr>
           </a:p>
           <a:p>
             <a:pPr marL="914400" lvl="2" indent="0">
@@ -13067,10 +13231,10 @@
               <a:t>↑</a:t>
             </a:r>
             <a:r>
-              <a:rPr lang="ja-JP" altLang="en-US" sz="3200" b="1" u="sng" dirty="0"/>
+              <a:rPr lang="ja-JP" altLang="en-US" sz="3200" b="1" dirty="0"/>
               <a:t>重複せず、データが増える</a:t>
             </a:r>
-            <a:endParaRPr lang="ja-JP" altLang="en-US" sz="3600" b="1" u="sng" dirty="0"/>
+            <a:endParaRPr lang="ja-JP" altLang="en-US" sz="3600" b="1" dirty="0"/>
           </a:p>
         </p:txBody>
       </p:sp>
@@ -13088,7 +13252,7 @@
         </p:nvSpPr>
         <p:spPr>
           <a:xfrm flipH="1">
-            <a:off x="6391128" y="2207915"/>
+            <a:off x="7492340" y="2341166"/>
             <a:ext cx="4458905" cy="584775"/>
           </a:xfrm>
           <a:prstGeom prst="rect">
@@ -13103,7 +13267,7 @@
           <a:lstStyle/>
           <a:p>
             <a:r>
-              <a:rPr kumimoji="1" lang="ja-JP" altLang="en-US" sz="3200" u="sng" dirty="0"/>
+              <a:rPr kumimoji="1" lang="ja-JP" altLang="en-US" sz="3200" b="1" dirty="0"/>
               <a:t>データを増やしにくい</a:t>
             </a:r>
           </a:p>
@@ -13123,12 +13287,18 @@
         </p:nvSpPr>
         <p:spPr>
           <a:xfrm rot="16200000">
-            <a:off x="5521716" y="2239161"/>
-            <a:ext cx="877091" cy="510394"/>
+            <a:off x="6129562" y="2019789"/>
+            <a:ext cx="877091" cy="1208327"/>
           </a:xfrm>
           <a:prstGeom prst="upArrow">
             <a:avLst/>
           </a:prstGeom>
+          <a:solidFill>
+            <a:srgbClr val="FF0000"/>
+          </a:solidFill>
+          <a:ln>
+            <a:noFill/>
+          </a:ln>
         </p:spPr>
         <p:style>
           <a:lnRef idx="2">
@@ -13169,12 +13339,18 @@
         </p:nvSpPr>
         <p:spPr>
           <a:xfrm rot="16200000">
-            <a:off x="5525161" y="3964398"/>
-            <a:ext cx="877091" cy="517285"/>
+            <a:off x="6173001" y="3673324"/>
+            <a:ext cx="877091" cy="1121448"/>
           </a:xfrm>
           <a:prstGeom prst="upArrow">
             <a:avLst/>
           </a:prstGeom>
+          <a:solidFill>
+            <a:srgbClr val="FF0000"/>
+          </a:solidFill>
+          <a:ln>
+            <a:noFill/>
+          </a:ln>
         </p:spPr>
         <p:style>
           <a:lnRef idx="2">
@@ -13215,7 +13391,7 @@
         </p:nvSpPr>
         <p:spPr>
           <a:xfrm flipH="1">
-            <a:off x="6391128" y="3941659"/>
+            <a:off x="7542871" y="3941659"/>
             <a:ext cx="4357842" cy="584775"/>
           </a:xfrm>
           <a:prstGeom prst="rect">
@@ -13230,8 +13406,54 @@
           <a:lstStyle/>
           <a:p>
             <a:r>
-              <a:rPr kumimoji="1" lang="ja-JP" altLang="en-US" sz="3200" u="sng" dirty="0"/>
+              <a:rPr kumimoji="1" lang="ja-JP" altLang="en-US" sz="3200" b="1" dirty="0"/>
               <a:t>データを増やしやすい</a:t>
+            </a:r>
+          </a:p>
+        </p:txBody>
+      </p:sp>
+      <p:sp>
+        <p:nvSpPr>
+          <p:cNvPr id="12" name="タイトル 1">
+            <a:extLst>
+              <a:ext uri="{FF2B5EF4-FFF2-40B4-BE49-F238E27FC236}">
+                <a16:creationId xmlns:a16="http://schemas.microsoft.com/office/drawing/2014/main" id="{B8A691F7-FCBF-45F8-A234-F7C7507A3562}"/>
+              </a:ext>
+            </a:extLst>
+          </p:cNvPr>
+          <p:cNvSpPr>
+            <a:spLocks noGrp="1"/>
+          </p:cNvSpPr>
+          <p:nvPr>
+            <p:ph type="title"/>
+          </p:nvPr>
+        </p:nvSpPr>
+        <p:spPr>
+          <a:xfrm>
+            <a:off x="838200" y="365125"/>
+            <a:ext cx="10515600" cy="1325563"/>
+          </a:xfrm>
+        </p:spPr>
+        <p:txBody>
+          <a:bodyPr/>
+          <a:lstStyle/>
+          <a:p>
+            <a:r>
+              <a:rPr kumimoji="1" lang="ja-JP" altLang="en-US" b="1" dirty="0">
+                <a:ln>
+                  <a:solidFill>
+                    <a:sysClr val="windowText" lastClr="000000"/>
+                  </a:solidFill>
+                </a:ln>
+                <a:solidFill>
+                  <a:schemeClr val="accent6">
+                    <a:lumMod val="75000"/>
+                  </a:schemeClr>
+                </a:solidFill>
+                <a:latin typeface="HGS明朝E" panose="02020900000000000000" pitchFamily="18" charset="-128"/>
+                <a:ea typeface="HGS明朝E" panose="02020900000000000000" pitchFamily="18" charset="-128"/>
+              </a:rPr>
+              <a:t>トレーニングデータ</a:t>
             </a:r>
           </a:p>
         </p:txBody>
@@ -13500,34 +13722,6 @@
       </p:grpSpPr>
       <p:sp>
         <p:nvSpPr>
-          <p:cNvPr id="2" name="タイトル 1">
-            <a:extLst>
-              <a:ext uri="{FF2B5EF4-FFF2-40B4-BE49-F238E27FC236}">
-                <a16:creationId xmlns:a16="http://schemas.microsoft.com/office/drawing/2014/main" id="{EEA139C4-F5C2-4D21-8623-FBA3A6C4A4F9}"/>
-              </a:ext>
-            </a:extLst>
-          </p:cNvPr>
-          <p:cNvSpPr>
-            <a:spLocks noGrp="1"/>
-          </p:cNvSpPr>
-          <p:nvPr>
-            <p:ph type="title"/>
-          </p:nvPr>
-        </p:nvSpPr>
-        <p:spPr/>
-        <p:txBody>
-          <a:bodyPr/>
-          <a:lstStyle/>
-          <a:p>
-            <a:r>
-              <a:rPr kumimoji="1" lang="ja-JP" altLang="en-US" dirty="0"/>
-              <a:t>使ってる関数など</a:t>
-            </a:r>
-          </a:p>
-        </p:txBody>
-      </p:sp>
-      <p:sp>
-        <p:nvSpPr>
           <p:cNvPr id="4" name="正方形/長方形 3">
             <a:extLst>
               <a:ext uri="{FF2B5EF4-FFF2-40B4-BE49-F238E27FC236}">
@@ -13608,14 +13802,40 @@
         </p:blipFill>
         <p:spPr>
           <a:xfrm>
-            <a:off x="-50288" y="1690688"/>
-            <a:ext cx="12192000" cy="4400492"/>
-          </a:xfrm>
-          <a:ln w="38100">
-            <a:solidFill>
-              <a:schemeClr val="tx1"/>
-            </a:solidFill>
+            <a:off x="108344" y="1690688"/>
+            <a:ext cx="12033367" cy="4400492"/>
+          </a:xfrm>
+          <a:prstGeom prst="rect">
+            <a:avLst/>
+          </a:prstGeom>
+          <a:solidFill>
+            <a:srgbClr val="FFFFFF">
+              <a:shade val="85000"/>
+            </a:srgbClr>
+          </a:solidFill>
+          <a:ln w="88900" cap="sq">
+            <a:noFill/>
+            <a:miter lim="800000"/>
           </a:ln>
+          <a:effectLst>
+            <a:outerShdw blurRad="55000" dist="18000" dir="5400000" algn="tl" rotWithShape="0">
+              <a:srgbClr val="000000">
+                <a:alpha val="40000"/>
+              </a:srgbClr>
+            </a:outerShdw>
+          </a:effectLst>
+          <a:scene3d>
+            <a:camera prst="orthographicFront"/>
+            <a:lightRig rig="twoPt" dir="t">
+              <a:rot lat="0" lon="0" rev="7200000"/>
+            </a:lightRig>
+          </a:scene3d>
+          <a:sp3d>
+            <a:bevelT w="25400" h="19050"/>
+            <a:contourClr>
+              <a:srgbClr val="FFFFFF"/>
+            </a:contourClr>
+          </a:sp3d>
         </p:spPr>
       </p:pic>
       <p:sp>
@@ -13765,6 +13985,52 @@
           <a:p>
             <a:pPr algn="ctr"/>
             <a:endParaRPr kumimoji="1" lang="ja-JP" altLang="en-US"/>
+          </a:p>
+        </p:txBody>
+      </p:sp>
+      <p:sp>
+        <p:nvSpPr>
+          <p:cNvPr id="14" name="タイトル 1">
+            <a:extLst>
+              <a:ext uri="{FF2B5EF4-FFF2-40B4-BE49-F238E27FC236}">
+                <a16:creationId xmlns:a16="http://schemas.microsoft.com/office/drawing/2014/main" id="{A912D906-0434-4F66-9CD7-93D1F65F2189}"/>
+              </a:ext>
+            </a:extLst>
+          </p:cNvPr>
+          <p:cNvSpPr>
+            <a:spLocks noGrp="1"/>
+          </p:cNvSpPr>
+          <p:nvPr>
+            <p:ph type="title"/>
+          </p:nvPr>
+        </p:nvSpPr>
+        <p:spPr>
+          <a:xfrm>
+            <a:off x="838200" y="365125"/>
+            <a:ext cx="10515600" cy="1325563"/>
+          </a:xfrm>
+        </p:spPr>
+        <p:txBody>
+          <a:bodyPr/>
+          <a:lstStyle/>
+          <a:p>
+            <a:r>
+              <a:rPr kumimoji="1" lang="ja-JP" altLang="en-US" b="1" dirty="0">
+                <a:ln>
+                  <a:solidFill>
+                    <a:sysClr val="windowText" lastClr="000000"/>
+                  </a:solidFill>
+                </a:ln>
+                <a:solidFill>
+                  <a:schemeClr val="accent6">
+                    <a:lumMod val="75000"/>
+                  </a:schemeClr>
+                </a:solidFill>
+                <a:latin typeface="HGS明朝E" panose="02020900000000000000" pitchFamily="18" charset="-128"/>
+                <a:ea typeface="HGS明朝E" panose="02020900000000000000" pitchFamily="18" charset="-128"/>
+              </a:rPr>
+              <a:t>機械学習モデル</a:t>
+            </a:r>
           </a:p>
         </p:txBody>
       </p:sp>

--- a/presentation/AIスピーカー開発_2.pptx
+++ b/presentation/AIスピーカー開発_2.pptx
@@ -5,7 +5,7 @@
     <p:sldMasterId id="2147483648" r:id="rId1"/>
   </p:sldMasterIdLst>
   <p:notesMasterIdLst>
-    <p:notesMasterId r:id="rId29"/>
+    <p:notesMasterId r:id="rId28"/>
   </p:notesMasterIdLst>
   <p:sldIdLst>
     <p:sldId id="256" r:id="rId2"/>
@@ -34,7 +34,6 @@
     <p:sldId id="276" r:id="rId25"/>
     <p:sldId id="267" r:id="rId26"/>
     <p:sldId id="289" r:id="rId27"/>
-    <p:sldId id="275" r:id="rId28"/>
   </p:sldIdLst>
   <p:sldSz cx="12192000" cy="6858000"/>
   <p:notesSz cx="6858000" cy="9144000"/>
@@ -685,21 +684,21 @@
           <a:p>
             <a:r>
               <a:rPr kumimoji="1" lang="ja-JP" altLang="en-US" dirty="0"/>
-              <a:t>まずこの★％の隣に書かれているのがラベル名。これは“てんこう”というラベル名がついています。</a:t>
+              <a:t>まずこの％の隣に書かれているのがラベル名。これは“てんこう”というラベル名がついています。</a:t>
             </a:r>
             <a:endParaRPr kumimoji="1" lang="en-US" altLang="ja-JP" dirty="0"/>
           </a:p>
           <a:p>
             <a:r>
               <a:rPr kumimoji="1" lang="ja-JP" altLang="en-US" dirty="0"/>
-              <a:t>そして★左側に書かれているのが“てんこう”ラベルに含まれる単語で、</a:t>
+              <a:t>そして左側に書かれているのが“てんこう”ラベルに含まれる単語で、</a:t>
             </a:r>
             <a:endParaRPr kumimoji="1" lang="en-US" altLang="ja-JP" dirty="0"/>
           </a:p>
           <a:p>
             <a:r>
               <a:rPr kumimoji="1" lang="ja-JP" altLang="en-US" dirty="0"/>
-              <a:t>★右側にその音素が書かれています</a:t>
+              <a:t>右側にその音素が書かれています</a:t>
             </a:r>
             <a:endParaRPr kumimoji="1" lang="en-US" altLang="ja-JP" dirty="0"/>
           </a:p>
@@ -1287,7 +1286,7 @@
             </a:pPr>
             <a:r>
               <a:rPr lang="ja-JP" altLang="en-US" dirty="0"/>
-              <a:t>次に</a:t>
+              <a:t>次は</a:t>
             </a:r>
             <a:r>
               <a:rPr lang="en-US" altLang="ja-JP" dirty="0" err="1"/>
@@ -1319,7 +1318,7 @@
             </a:pPr>
             <a:r>
               <a:rPr lang="ja-JP" altLang="en-US" dirty="0"/>
-              <a:t>まずはテキスト分類の仕組みから説明します。</a:t>
+              <a:t>まずは、テキスト分類の仕組みから説明します。</a:t>
             </a:r>
             <a:endParaRPr lang="en-US" altLang="ja-JP" dirty="0"/>
           </a:p>
@@ -1368,6 +1367,38 @@
             <a:r>
               <a:rPr lang="ja-JP" altLang="en-US" dirty="0"/>
               <a:t>流れとしては、予測したい文章を入力して、その文章がどのクラスに分類されるかの確率を計算し、最も高い確率のクラスを結果として出力してくれます。</a:t>
+            </a:r>
+            <a:endParaRPr lang="en-US" altLang="ja-JP" dirty="0"/>
+          </a:p>
+          <a:p>
+            <a:pPr marL="0" marR="0" lvl="0" indent="0" algn="l" defTabSz="914400" rtl="0" eaLnBrk="1" fontAlgn="auto" latinLnBrk="0" hangingPunct="1">
+              <a:lnSpc>
+                <a:spcPct val="100000"/>
+              </a:lnSpc>
+              <a:spcBef>
+                <a:spcPts val="0"/>
+              </a:spcBef>
+              <a:spcAft>
+                <a:spcPts val="0"/>
+              </a:spcAft>
+              <a:buClrTx/>
+              <a:buSzTx/>
+              <a:buFontTx/>
+              <a:buNone/>
+              <a:tabLst/>
+              <a:defRPr/>
+            </a:pPr>
+            <a:r>
+              <a:rPr lang="ja-JP" altLang="en-US" dirty="0"/>
+              <a:t>これを</a:t>
+            </a:r>
+            <a:r>
+              <a:rPr lang="en-US" altLang="ja-JP" dirty="0" err="1"/>
+              <a:t>fastText</a:t>
+            </a:r>
+            <a:r>
+              <a:rPr lang="ja-JP" altLang="en-US" dirty="0"/>
+              <a:t>で行います。</a:t>
             </a:r>
             <a:endParaRPr lang="en-US" altLang="ja-JP" dirty="0"/>
           </a:p>
@@ -1607,30 +1638,38 @@
           </a:p>
           <a:p>
             <a:r>
+              <a:rPr lang="ja-JP" altLang="en-US" dirty="0"/>
+              <a:t>ここから</a:t>
+            </a:r>
+            <a:r>
               <a:rPr lang="en-US" altLang="ja-JP" dirty="0" err="1"/>
               <a:t>fastText</a:t>
             </a:r>
             <a:r>
               <a:rPr lang="ja-JP" altLang="en-US" dirty="0"/>
-              <a:t>は、単語表現と文章分類を効率的に学習するためのライブラリです。</a:t>
+              <a:t>について説明します。</a:t>
             </a:r>
             <a:endParaRPr lang="en-US" altLang="ja-JP" dirty="0"/>
           </a:p>
           <a:p>
             <a:r>
-              <a:rPr kumimoji="1" lang="en-US" altLang="ja-JP" dirty="0" err="1"/>
+              <a:rPr lang="en-US" altLang="ja-JP" dirty="0" err="1"/>
               <a:t>fastText</a:t>
             </a:r>
             <a:r>
+              <a:rPr lang="ja-JP" altLang="en-US" dirty="0"/>
+              <a:t>は、単語表現と文章分類を効率的に学習するためのライブラリで</a:t>
+            </a:r>
+            <a:r>
               <a:rPr kumimoji="1" lang="ja-JP" altLang="en-US" dirty="0"/>
-              <a:t>では、文章をコンピューターで処理するために単語を数値的に表現します。</a:t>
+              <a:t>、文章をコンピューターで処理するために単語を数値的に表現します。</a:t>
             </a:r>
             <a:endParaRPr kumimoji="1" lang="en-US" altLang="ja-JP" dirty="0"/>
           </a:p>
           <a:p>
             <a:r>
               <a:rPr kumimoji="1" lang="ja-JP" altLang="en-US" dirty="0"/>
-              <a:t>この図では「犬」、「好き」、「猫」という単語を</a:t>
+              <a:t>この図では「犬」、「好き」、「猫」という単語の、</a:t>
             </a:r>
             <a:r>
               <a:rPr kumimoji="1" lang="ja-JP" altLang="en-US" sz="1200" b="0" i="0" kern="1200" dirty="0">
@@ -1642,7 +1681,7 @@
                 <a:ea typeface="+mn-ea"/>
                 <a:cs typeface="+mn-cs"/>
               </a:rPr>
-              <a:t>数の特徴に対する関連の度合いを</a:t>
+              <a:t>クラスに対する関連の度合いを、</a:t>
             </a:r>
             <a:r>
               <a:rPr kumimoji="1" lang="en-US" altLang="ja-JP" sz="1200" b="0" i="0" kern="1200" dirty="0">
@@ -1666,7 +1705,7 @@
                 <a:ea typeface="+mn-ea"/>
                 <a:cs typeface="+mn-cs"/>
               </a:rPr>
-              <a:t>１の間の実数で</a:t>
+              <a:t>１の間の実数で表現しています。</a:t>
             </a:r>
             <a:endParaRPr kumimoji="1" lang="en-US" altLang="ja-JP" sz="1200" b="0" i="0" kern="1200" dirty="0">
               <a:solidFill>
@@ -1689,17 +1728,9 @@
                 <a:ea typeface="+mn-ea"/>
                 <a:cs typeface="+mn-cs"/>
               </a:rPr>
-              <a:t>表現しています。</a:t>
-            </a:r>
-            <a:endParaRPr kumimoji="1" lang="en-US" altLang="ja-JP" sz="1200" b="0" i="0" kern="1200" dirty="0">
-              <a:solidFill>
-                <a:schemeClr val="tx1"/>
-              </a:solidFill>
-              <a:effectLst/>
-              <a:latin typeface="+mn-lt"/>
-              <a:ea typeface="+mn-ea"/>
-              <a:cs typeface="+mn-cs"/>
-            </a:endParaRPr>
+              <a:t>そして、この図の場合だと、関連の度合いが高いのは、動物クラスなので、動物クラスの確率が高くなります。</a:t>
+            </a:r>
+            <a:endParaRPr kumimoji="1" lang="en-US" altLang="ja-JP" dirty="0"/>
           </a:p>
           <a:p>
             <a:endParaRPr kumimoji="1" lang="en-US" altLang="ja-JP" dirty="0"/>
@@ -1793,15 +1824,26 @@
           <a:lstStyle/>
           <a:p>
             <a:r>
-              <a:rPr kumimoji="1" lang="ja-JP" altLang="en-US" dirty="0"/>
-              <a:t>本来の作り方としては、トレーニングデータ用の文章を単語ごとに分割するのですが、</a:t>
-            </a:r>
-            <a:r>
               <a:rPr kumimoji="1" lang="en-US" altLang="ja-JP" dirty="0" err="1"/>
               <a:t>fastText</a:t>
             </a:r>
             <a:r>
               <a:rPr kumimoji="1" lang="ja-JP" altLang="en-US" dirty="0"/>
+              <a:t>における本来のトレーニングデータの作り方としては、</a:t>
+            </a:r>
+            <a:endParaRPr kumimoji="1" lang="en-US" altLang="ja-JP" dirty="0"/>
+          </a:p>
+          <a:p>
+            <a:r>
+              <a:rPr kumimoji="1" lang="ja-JP" altLang="en-US" dirty="0"/>
+              <a:t>トレーニングデータ用の文章を単語ごとに分割するのですが、</a:t>
+            </a:r>
+            <a:r>
+              <a:rPr kumimoji="1" lang="en-US" altLang="ja-JP" dirty="0" err="1"/>
+              <a:t>fastText</a:t>
+            </a:r>
+            <a:r>
+              <a:rPr kumimoji="1" lang="ja-JP" altLang="en-US" dirty="0"/>
               <a:t>では</a:t>
             </a:r>
             <a:r>
@@ -1821,7 +1863,7 @@
           <a:p>
             <a:r>
               <a:rPr kumimoji="1" lang="ja-JP" altLang="en-US" dirty="0"/>
-              <a:t>「今日　の　天気　は　晴れ　？」という文章のあとに「今日　の　天気　を教えて」という文章を追加しても、「今日の天気」の部分が重複してしまうため、</a:t>
+              <a:t>★「今日　の　天気　は　晴れ　？」という文章のあとに★「今日　の　天気　を教えて」という文章を追加しても、★「今日の天気」の部分が重複してしまうため、</a:t>
             </a:r>
             <a:endParaRPr kumimoji="1" lang="en-US" altLang="ja-JP" dirty="0"/>
           </a:p>
@@ -1842,7 +1884,7 @@
           <a:p>
             <a:r>
               <a:rPr kumimoji="1" lang="ja-JP" altLang="en-US" dirty="0"/>
-              <a:t>解決策として、文章を分割せずに、そのまま</a:t>
+              <a:t>★解決策として、文章を分割せずに、そのまま</a:t>
             </a:r>
             <a:r>
               <a:rPr kumimoji="1" lang="en-US" altLang="ja-JP" dirty="0"/>
@@ -1973,31 +2015,23 @@
           <a:p>
             <a:r>
               <a:rPr kumimoji="1" lang="ja-JP" altLang="en-US" dirty="0"/>
-              <a:t>使っているオプションは</a:t>
+              <a:t>使っているオプションは現在は、★単語ベクトル数が</a:t>
             </a:r>
             <a:r>
               <a:rPr kumimoji="1" lang="en-US" altLang="ja-JP" dirty="0"/>
-              <a:t>dim</a:t>
+              <a:t>200,</a:t>
             </a:r>
             <a:r>
               <a:rPr kumimoji="1" lang="ja-JP" altLang="en-US" dirty="0"/>
-              <a:t>は</a:t>
+              <a:t>★試行回数は</a:t>
             </a:r>
             <a:r>
               <a:rPr kumimoji="1" lang="en-US" altLang="ja-JP" dirty="0"/>
-              <a:t>200,epoch</a:t>
+              <a:t>133,000,</a:t>
             </a:r>
             <a:r>
               <a:rPr kumimoji="1" lang="ja-JP" altLang="en-US" dirty="0"/>
-              <a:t>数は</a:t>
-            </a:r>
-            <a:r>
-              <a:rPr kumimoji="1" lang="en-US" altLang="ja-JP" dirty="0"/>
-              <a:t>133000,loss</a:t>
-            </a:r>
-            <a:r>
-              <a:rPr kumimoji="1" lang="ja-JP" altLang="en-US" dirty="0"/>
-              <a:t>関数は</a:t>
+              <a:t>★損失関数は</a:t>
             </a:r>
             <a:r>
               <a:rPr kumimoji="1" lang="en-US" altLang="ja-JP" dirty="0" err="1"/>
@@ -2157,14 +2191,14 @@
             </a:r>
             <a:r>
               <a:rPr kumimoji="1" lang="ja-JP" altLang="en-US" dirty="0"/>
-              <a:t>というスクレイピングができるライブラリを使用しています。</a:t>
+              <a:t>というライブラリを使用しています。</a:t>
             </a:r>
             <a:endParaRPr kumimoji="1" lang="en-US" altLang="ja-JP" dirty="0"/>
           </a:p>
           <a:p>
             <a:r>
               <a:rPr kumimoji="1" lang="ja-JP" altLang="en-US" dirty="0"/>
-              <a:t>こうして取得した出力するデータを、出力用のテキストファイルに書き込みます。</a:t>
+              <a:t>こうして取得したデータを、出力用のテキストファイルに書き込みます。</a:t>
             </a:r>
           </a:p>
         </p:txBody>
@@ -2266,46 +2300,7 @@
             </a:r>
             <a:r>
               <a:rPr kumimoji="1" lang="ja-JP" altLang="en-US" dirty="0"/>
-              <a:t>スピーカーで、既製品の例には</a:t>
-            </a:r>
-            <a:r>
-              <a:rPr kumimoji="1" lang="en-US" altLang="ja-JP" dirty="0"/>
-              <a:t>Google home</a:t>
-            </a:r>
-            <a:r>
-              <a:rPr kumimoji="1" lang="ja-JP" altLang="en-US" dirty="0"/>
-              <a:t>や</a:t>
-            </a:r>
-            <a:r>
-              <a:rPr kumimoji="1" lang="en-US" altLang="ja-JP" dirty="0"/>
-              <a:t>Alexa</a:t>
-            </a:r>
-            <a:r>
-              <a:rPr kumimoji="1" lang="ja-JP" altLang="en-US" dirty="0"/>
-              <a:t>などがあり、私たちもそれに倣って</a:t>
-            </a:r>
-            <a:r>
-              <a:rPr kumimoji="1" lang="en-US" altLang="ja-JP" dirty="0"/>
-              <a:t>AI</a:t>
-            </a:r>
-            <a:r>
-              <a:rPr kumimoji="1" lang="ja-JP" altLang="en-US" dirty="0"/>
-              <a:t>スピーカーに名前を付けました。</a:t>
-            </a:r>
-            <a:endParaRPr kumimoji="1" lang="en-US" altLang="ja-JP" dirty="0"/>
-          </a:p>
-          <a:p>
-            <a:r>
-              <a:rPr kumimoji="1" lang="ja-JP" altLang="en-US" dirty="0"/>
-              <a:t>私たちが作っている</a:t>
-            </a:r>
-            <a:r>
-              <a:rPr kumimoji="1" lang="en-US" altLang="ja-JP" dirty="0"/>
-              <a:t>AI</a:t>
-            </a:r>
-            <a:r>
-              <a:rPr kumimoji="1" lang="ja-JP" altLang="en-US" dirty="0"/>
-              <a:t>スピーカーの名前は、★“</a:t>
+              <a:t>スピーカーで、名前は、★“</a:t>
             </a:r>
             <a:r>
               <a:rPr kumimoji="1" lang="en-US" altLang="ja-JP" dirty="0" err="1"/>
@@ -2319,15 +2314,19 @@
           </a:p>
           <a:p>
             <a:r>
+              <a:rPr kumimoji="1" lang="en-US" altLang="ja-JP" dirty="0"/>
+              <a:t>YoSiE</a:t>
+            </a:r>
+            <a:r>
               <a:rPr kumimoji="1" lang="ja-JP" altLang="en-US" dirty="0"/>
-              <a:t>機能の例として、★「今日の天気は？」と問いかけると、★天気予報を読み上げてくれます。</a:t>
+              <a:t>の機能の例として、★「今日の天気は？」と問いかけると、★天気予報を読み上げてくれます。</a:t>
             </a:r>
             <a:endParaRPr kumimoji="1" lang="en-US" altLang="ja-JP" dirty="0"/>
           </a:p>
           <a:p>
             <a:r>
               <a:rPr kumimoji="1" lang="ja-JP" altLang="en-US" dirty="0"/>
-              <a:t>現在実装している機能は、天気予報・ニュース・日時・星座占いの４つの読み上げです。</a:t>
+              <a:t>現在実装している機能は、★天気予報・ニュース・日時・星座占いの４つの読み上げです。</a:t>
             </a:r>
             <a:endParaRPr kumimoji="1" lang="en-US" altLang="ja-JP" dirty="0"/>
           </a:p>
@@ -2341,8 +2340,12 @@
               <a:t>Raspberry Pi</a:t>
             </a:r>
             <a:r>
+              <a:rPr kumimoji="1" lang="ja-JP" altLang="en-US" dirty="0" err="1"/>
+              <a:t>、</a:t>
+            </a:r>
+            <a:r>
               <a:rPr kumimoji="1" lang="ja-JP" altLang="en-US" dirty="0"/>
-              <a:t>を使用しています。</a:t>
+              <a:t>通称ラズパイを使用しています。</a:t>
             </a:r>
           </a:p>
         </p:txBody>
@@ -2436,7 +2439,7 @@
           <a:p>
             <a:r>
               <a:rPr kumimoji="1" lang="ja-JP" altLang="en-US" dirty="0"/>
-              <a:t>天気・ニュース・星座占いは抽出する文章量が多いため、機能を呼び出すたびに実行していて一つのファイルに上書き保存をしていると、その度処理に時間がかかってしまいます。</a:t>
+              <a:t>天気・ニュース・星座占いは抽出する文章量が多いため、機能を呼び出す度に毎回実行して、一つのファイルに上書き保存をしていると、処理に時間がかかってしまいます。</a:t>
             </a:r>
             <a:endParaRPr kumimoji="1" lang="en-US" altLang="ja-JP" dirty="0"/>
           </a:p>
@@ -2544,15 +2547,7 @@
             </a:pPr>
             <a:r>
               <a:rPr kumimoji="1" lang="ja-JP" altLang="en-US" dirty="0"/>
-              <a:t>そこで、</a:t>
-            </a:r>
-            <a:r>
-              <a:rPr kumimoji="1" lang="en-US" altLang="ja-JP" dirty="0"/>
-              <a:t>Raspberry Pi</a:t>
-            </a:r>
-            <a:r>
-              <a:rPr kumimoji="1" lang="ja-JP" altLang="en-US" dirty="0"/>
-              <a:t>の起動時にスクレイピングを実行して、それぞれ個別のテキストファイルに保存しておく、という方法に切り替えました。</a:t>
+              <a:t>そこで、ラズパイの起動時にスクレイピングを実行して、それぞれ個別のテキストファイルに保存しておく、という方法に切り替えました。</a:t>
             </a:r>
             <a:endParaRPr kumimoji="1" lang="en-US" altLang="ja-JP" dirty="0"/>
           </a:p>
@@ -2579,61 +2574,6 @@
               <a:t>こうすることで、処理の待ち時間を短縮することができます。</a:t>
             </a:r>
             <a:endParaRPr kumimoji="1" lang="en-US" altLang="ja-JP" dirty="0"/>
-          </a:p>
-          <a:p>
-            <a:pPr marL="0" marR="0" lvl="0" indent="0" algn="l" defTabSz="914400" rtl="0" eaLnBrk="1" fontAlgn="auto" latinLnBrk="0" hangingPunct="1">
-              <a:lnSpc>
-                <a:spcPct val="100000"/>
-              </a:lnSpc>
-              <a:spcBef>
-                <a:spcPts val="0"/>
-              </a:spcBef>
-              <a:spcAft>
-                <a:spcPts val="0"/>
-              </a:spcAft>
-              <a:buClrTx/>
-              <a:buSzTx/>
-              <a:buFontTx/>
-              <a:buNone/>
-              <a:tabLst/>
-              <a:defRPr/>
-            </a:pPr>
-            <a:r>
-              <a:rPr kumimoji="1" lang="ja-JP" altLang="en-US" dirty="0"/>
-              <a:t>欠点としては、起動時にのみスクレイピングを行うので、起動後に更新された</a:t>
-            </a:r>
-            <a:r>
-              <a:rPr kumimoji="1" lang="en-US" altLang="ja-JP" dirty="0"/>
-              <a:t>Web</a:t>
-            </a:r>
-            <a:r>
-              <a:rPr kumimoji="1" lang="ja-JP" altLang="en-US" dirty="0"/>
-              <a:t>ページの内容が取得できない、という点があります。</a:t>
-            </a:r>
-            <a:endParaRPr kumimoji="1" lang="en-US" altLang="ja-JP" dirty="0"/>
-          </a:p>
-          <a:p>
-            <a:pPr marL="0" marR="0" lvl="0" indent="0" algn="l" defTabSz="914400" rtl="0" eaLnBrk="1" fontAlgn="auto" latinLnBrk="0" hangingPunct="1">
-              <a:lnSpc>
-                <a:spcPct val="100000"/>
-              </a:lnSpc>
-              <a:spcBef>
-                <a:spcPts val="0"/>
-              </a:spcBef>
-              <a:spcAft>
-                <a:spcPts val="0"/>
-              </a:spcAft>
-              <a:buClrTx/>
-              <a:buSzTx/>
-              <a:buFontTx/>
-              <a:buNone/>
-              <a:tabLst/>
-              <a:defRPr/>
-            </a:pPr>
-            <a:r>
-              <a:rPr kumimoji="1" lang="ja-JP" altLang="en-US" dirty="0"/>
-              <a:t>これに関しては、今後対処していく予定です。</a:t>
-            </a:r>
           </a:p>
           <a:p>
             <a:endParaRPr kumimoji="1" lang="ja-JP" altLang="en-US" dirty="0"/>
@@ -3199,6 +3139,13 @@
           <a:p>
             <a:r>
               <a:rPr kumimoji="1" lang="ja-JP" altLang="en-US" dirty="0"/>
+              <a:t>ご清聴ありがとうございました。</a:t>
+            </a:r>
+            <a:endParaRPr kumimoji="1" lang="en-US" altLang="ja-JP" dirty="0"/>
+          </a:p>
+          <a:p>
+            <a:r>
+              <a:rPr kumimoji="1" lang="ja-JP" altLang="en-US" dirty="0"/>
               <a:t>これより、質疑応答に移ります。</a:t>
             </a:r>
           </a:p>
@@ -3338,18 +3285,28 @@
           <a:p>
             <a:r>
               <a:rPr kumimoji="1" lang="ja-JP" altLang="en-US" dirty="0"/>
-              <a:t>それではここから、各要素技術について説明していきます。</a:t>
+              <a:t>判別した機能に基づいてスクレイピング等で出力するテキストデータを取得し、</a:t>
             </a:r>
             <a:endParaRPr kumimoji="1" lang="en-US" altLang="ja-JP" dirty="0"/>
           </a:p>
           <a:p>
-            <a:r>
-              <a:rPr kumimoji="1" lang="ja-JP" altLang="en-US" dirty="0"/>
-              <a:t>判別した機能に基づいてスクレイピング等で出力するテキストデータを取得し、</a:t>
-            </a:r>
-            <a:endParaRPr kumimoji="1" lang="en-US" altLang="ja-JP" dirty="0"/>
-          </a:p>
-          <a:p>
+            <a:pPr marL="0" marR="0" lvl="0" indent="0" algn="l" defTabSz="914400" rtl="0" eaLnBrk="1" fontAlgn="auto" latinLnBrk="0" hangingPunct="1">
+              <a:lnSpc>
+                <a:spcPct val="100000"/>
+              </a:lnSpc>
+              <a:spcBef>
+                <a:spcPts val="0"/>
+              </a:spcBef>
+              <a:spcAft>
+                <a:spcPts val="0"/>
+              </a:spcAft>
+              <a:buClrTx/>
+              <a:buSzTx/>
+              <a:buFontTx/>
+              <a:buNone/>
+              <a:tabLst/>
+              <a:defRPr/>
+            </a:pPr>
             <a:r>
               <a:rPr kumimoji="1" lang="ja-JP" altLang="en-US" dirty="0"/>
               <a:t>それを</a:t>
@@ -3362,6 +3319,34 @@
               <a:rPr kumimoji="1" lang="ja-JP" altLang="en-US" dirty="0"/>
               <a:t>で音声出力する、といった流れです。</a:t>
             </a:r>
+            <a:endParaRPr kumimoji="1" lang="en-US" altLang="ja-JP" dirty="0"/>
+          </a:p>
+          <a:p>
+            <a:pPr marL="0" marR="0" lvl="0" indent="0" algn="l" defTabSz="914400" rtl="0" eaLnBrk="1" fontAlgn="auto" latinLnBrk="0" hangingPunct="1">
+              <a:lnSpc>
+                <a:spcPct val="100000"/>
+              </a:lnSpc>
+              <a:spcBef>
+                <a:spcPts val="0"/>
+              </a:spcBef>
+              <a:spcAft>
+                <a:spcPts val="0"/>
+              </a:spcAft>
+              <a:buClrTx/>
+              <a:buSzTx/>
+              <a:buFontTx/>
+              <a:buNone/>
+              <a:tabLst/>
+              <a:defRPr/>
+            </a:pPr>
+            <a:r>
+              <a:rPr kumimoji="1" lang="ja-JP" altLang="en-US" dirty="0"/>
+              <a:t>それではここから、各要素技術について説明していきます。</a:t>
+            </a:r>
+            <a:endParaRPr kumimoji="1" lang="en-US" altLang="ja-JP" dirty="0"/>
+          </a:p>
+          <a:p>
+            <a:endParaRPr kumimoji="1" lang="ja-JP" altLang="en-US" dirty="0"/>
           </a:p>
         </p:txBody>
       </p:sp>
@@ -3619,28 +3604,6 @@
             </a:r>
             <a:endParaRPr kumimoji="1" lang="en-US" altLang="ja-JP" dirty="0"/>
           </a:p>
-          <a:p>
-            <a:r>
-              <a:rPr kumimoji="1" lang="ja-JP" altLang="en-US" dirty="0"/>
-              <a:t>簡単に言えば、</a:t>
-            </a:r>
-            <a:r>
-              <a:rPr kumimoji="1" lang="en-US" altLang="ja-JP" dirty="0"/>
-              <a:t>Julius</a:t>
-            </a:r>
-            <a:r>
-              <a:rPr kumimoji="1" lang="ja-JP" altLang="en-US" dirty="0"/>
-              <a:t>で行った音声認識の結果を、</a:t>
-            </a:r>
-            <a:r>
-              <a:rPr kumimoji="1" lang="en-US" altLang="ja-JP" dirty="0"/>
-              <a:t>Python</a:t>
-            </a:r>
-            <a:r>
-              <a:rPr kumimoji="1" lang="ja-JP" altLang="en-US" dirty="0"/>
-              <a:t>でテキストデータとして扱う、ということです。</a:t>
-            </a:r>
-          </a:p>
         </p:txBody>
       </p:sp>
       <p:sp>
@@ -4012,7 +3975,7 @@
           <a:p>
             <a:r>
               <a:rPr kumimoji="1" lang="ja-JP" altLang="en-US" dirty="0"/>
-              <a:t>辞書データは</a:t>
+              <a:t>辞書データはこの</a:t>
             </a:r>
             <a:r>
               <a:rPr kumimoji="1" lang="en-US" altLang="ja-JP" dirty="0"/>
@@ -4024,14 +3987,7 @@
             </a:r>
             <a:r>
               <a:rPr kumimoji="1" lang="ja-JP" altLang="en-US" dirty="0"/>
-              <a:t>ファイルで構成されており、読みファイル・音素ファイル・語彙ファイル・構文ファイルがあります。</a:t>
-            </a:r>
-            <a:endParaRPr kumimoji="1" lang="en-US" altLang="ja-JP" dirty="0"/>
-          </a:p>
-          <a:p>
-            <a:r>
-              <a:rPr kumimoji="1" lang="ja-JP" altLang="en-US" dirty="0"/>
-              <a:t>ここで必要になるのは、そのうちの“音素ファイル”です。</a:t>
+              <a:t>ファイルで構成されており、ここで必要になるのは、そのうちの“音素ファイル”です。</a:t>
             </a:r>
             <a:endParaRPr kumimoji="1" lang="en-US" altLang="ja-JP" dirty="0"/>
           </a:p>
@@ -7829,7 +7785,7 @@
                 </a:ln>
                 <a:solidFill>
                   <a:schemeClr val="accent6">
-                    <a:lumMod val="75000"/>
+                    <a:lumMod val="50000"/>
                   </a:schemeClr>
                 </a:solidFill>
                 <a:latin typeface="HGP明朝E" panose="02020900000000000000" pitchFamily="18" charset="-128"/>
@@ -7846,7 +7802,7 @@
                 </a:ln>
                 <a:solidFill>
                   <a:schemeClr val="accent6">
-                    <a:lumMod val="75000"/>
+                    <a:lumMod val="50000"/>
                   </a:schemeClr>
                 </a:solidFill>
                 <a:latin typeface="HGP明朝E" panose="02020900000000000000" pitchFamily="18" charset="-128"/>
@@ -7873,7 +7829,12 @@
             <p:ph type="subTitle" idx="1"/>
           </p:nvPr>
         </p:nvSpPr>
-        <p:spPr/>
+        <p:spPr>
+          <a:xfrm>
+            <a:off x="1523999" y="3602037"/>
+            <a:ext cx="9294421" cy="2109993"/>
+          </a:xfrm>
+        </p:spPr>
         <p:txBody>
           <a:bodyPr>
             <a:normAutofit/>
@@ -7881,7 +7842,7 @@
           <a:lstStyle/>
           <a:p>
             <a:r>
-              <a:rPr kumimoji="1" lang="en-US" altLang="ja-JP" sz="2800" b="1" dirty="0">
+              <a:rPr kumimoji="1" lang="en-US" altLang="ja-JP" sz="3600" b="1" dirty="0">
                 <a:ln w="3175">
                   <a:solidFill>
                     <a:schemeClr val="tx1"/>
@@ -7898,7 +7859,7 @@
           </a:p>
           <a:p>
             <a:r>
-              <a:rPr lang="ja-JP" altLang="en-US" sz="2800" b="1" dirty="0">
+              <a:rPr lang="ja-JP" altLang="en-US" sz="3600" b="1" dirty="0">
                 <a:ln w="3175">
                   <a:solidFill>
                     <a:schemeClr val="tx1"/>
@@ -7912,7 +7873,7 @@
               </a:rPr>
               <a:t>力石鈴之佑</a:t>
             </a:r>
-            <a:endParaRPr lang="en-US" altLang="ja-JP" sz="2800" b="1" dirty="0">
+            <a:endParaRPr lang="en-US" altLang="ja-JP" sz="3600" b="1" dirty="0">
               <a:ln w="3175">
                 <a:solidFill>
                   <a:schemeClr val="tx1"/>
@@ -7927,7 +7888,7 @@
           </a:p>
           <a:p>
             <a:r>
-              <a:rPr kumimoji="1" lang="ja-JP" altLang="en-US" sz="2800" b="1" dirty="0">
+              <a:rPr kumimoji="1" lang="ja-JP" altLang="en-US" sz="3600" b="1" dirty="0">
                 <a:ln w="3175">
                   <a:solidFill>
                     <a:schemeClr val="tx1"/>
@@ -8084,7 +8045,7 @@
           <a:lstStyle/>
           <a:p>
             <a:r>
-              <a:rPr lang="ja-JP" altLang="en-US" dirty="0">
+              <a:rPr lang="ja-JP" altLang="en-US" b="1" dirty="0">
                 <a:ln>
                   <a:solidFill>
                     <a:schemeClr val="tx1"/>
@@ -8100,7 +8061,7 @@
               </a:rPr>
               <a:t>辞書データ</a:t>
             </a:r>
-            <a:endParaRPr kumimoji="1" lang="ja-JP" altLang="en-US" dirty="0">
+            <a:endParaRPr kumimoji="1" lang="ja-JP" altLang="en-US" b="1" dirty="0">
               <a:ln>
                 <a:solidFill>
                   <a:schemeClr val="tx1"/>
@@ -8360,6 +8321,49 @@
           </a:p>
         </p:txBody>
       </p:sp>
+      <p:cxnSp>
+        <p:nvCxnSpPr>
+          <p:cNvPr id="4" name="直線コネクタ 3">
+            <a:extLst>
+              <a:ext uri="{FF2B5EF4-FFF2-40B4-BE49-F238E27FC236}">
+                <a16:creationId xmlns:a16="http://schemas.microsoft.com/office/drawing/2014/main" id="{2C8BEA70-1900-4723-9BD1-09E186F313FA}"/>
+              </a:ext>
+            </a:extLst>
+          </p:cNvPr>
+          <p:cNvCxnSpPr>
+            <a:stCxn id="16" idx="3"/>
+          </p:cNvCxnSpPr>
+          <p:nvPr/>
+        </p:nvCxnSpPr>
+        <p:spPr>
+          <a:xfrm>
+            <a:off x="6019800" y="577710"/>
+            <a:ext cx="508819" cy="2393"/>
+          </a:xfrm>
+          <a:prstGeom prst="line">
+            <a:avLst/>
+          </a:prstGeom>
+          <a:ln w="76200">
+            <a:solidFill>
+              <a:srgbClr val="FF0000"/>
+            </a:solidFill>
+          </a:ln>
+        </p:spPr>
+        <p:style>
+          <a:lnRef idx="1">
+            <a:schemeClr val="accent1"/>
+          </a:lnRef>
+          <a:fillRef idx="0">
+            <a:schemeClr val="accent1"/>
+          </a:fillRef>
+          <a:effectRef idx="0">
+            <a:schemeClr val="accent1"/>
+          </a:effectRef>
+          <a:fontRef idx="minor">
+            <a:schemeClr val="tx1"/>
+          </a:fontRef>
+        </p:style>
+      </p:cxnSp>
     </p:spTree>
     <p:extLst>
       <p:ext uri="{BB962C8B-B14F-4D97-AF65-F5344CB8AC3E}">
@@ -8513,7 +8517,7 @@
           <a:lstStyle/>
           <a:p>
             <a:r>
-              <a:rPr lang="ja-JP" altLang="en-US" dirty="0">
+              <a:rPr lang="ja-JP" altLang="en-US" b="1" dirty="0">
                 <a:ln>
                   <a:solidFill>
                     <a:schemeClr val="tx1"/>
@@ -8529,7 +8533,7 @@
               </a:rPr>
               <a:t>辞書データ</a:t>
             </a:r>
-            <a:endParaRPr kumimoji="1" lang="ja-JP" altLang="en-US" dirty="0">
+            <a:endParaRPr kumimoji="1" lang="ja-JP" altLang="en-US" b="1" dirty="0">
               <a:ln>
                 <a:solidFill>
                   <a:schemeClr val="tx1"/>
@@ -8954,7 +8958,7 @@
           <a:lstStyle/>
           <a:p>
             <a:r>
-              <a:rPr kumimoji="1" lang="ja-JP" altLang="en-US" dirty="0">
+              <a:rPr kumimoji="1" lang="ja-JP" altLang="en-US" b="1" dirty="0">
                 <a:ln>
                   <a:solidFill>
                     <a:schemeClr val="tx1"/>
@@ -9059,7 +9063,7 @@
         </p:blipFill>
         <p:spPr>
           <a:xfrm>
-            <a:off x="2091282" y="3425853"/>
+            <a:off x="2162534" y="3425853"/>
             <a:ext cx="3432147" cy="3432147"/>
           </a:xfrm>
           <a:prstGeom prst="rect">
@@ -9342,7 +9346,7 @@
                                     </p:set>
                                     <p:animEffect transition="in" filter="wipe(left)">
                                       <p:cBhvr>
-                                        <p:cTn id="13" dur="750"/>
+                                        <p:cTn id="13" dur="250"/>
                                         <p:tgtEl>
                                           <p:spTgt spid="5"/>
                                         </p:tgtEl>
@@ -9424,7 +9428,7 @@
           <a:lstStyle/>
           <a:p>
             <a:r>
-              <a:rPr lang="ja-JP" altLang="en-US" dirty="0">
+              <a:rPr lang="ja-JP" altLang="en-US" b="1" dirty="0">
                 <a:ln>
                   <a:solidFill>
                     <a:schemeClr val="tx1"/>
@@ -9440,7 +9444,7 @@
               </a:rPr>
               <a:t>ウェイクワード</a:t>
             </a:r>
-            <a:endParaRPr kumimoji="1" lang="ja-JP" altLang="en-US" dirty="0"/>
+            <a:endParaRPr kumimoji="1" lang="ja-JP" altLang="en-US" b="1" dirty="0"/>
           </a:p>
         </p:txBody>
       </p:sp>
@@ -9700,7 +9704,7 @@
           <a:lstStyle/>
           <a:p>
             <a:r>
-              <a:rPr lang="ja-JP" altLang="en-US">
+              <a:rPr lang="ja-JP" altLang="en-US" b="1" dirty="0">
                 <a:ln>
                   <a:solidFill>
                     <a:schemeClr val="tx1"/>
@@ -9716,7 +9720,7 @@
               </a:rPr>
               <a:t>ウェイクワード</a:t>
             </a:r>
-            <a:endParaRPr kumimoji="1" lang="ja-JP" altLang="en-US" dirty="0"/>
+            <a:endParaRPr kumimoji="1" lang="ja-JP" altLang="en-US" b="1" dirty="0"/>
           </a:p>
         </p:txBody>
       </p:sp>
@@ -10560,7 +10564,9 @@
             <a:srgbClr val="FF0000"/>
           </a:solidFill>
           <a:ln>
-            <a:noFill/>
+            <a:solidFill>
+              <a:schemeClr val="tx1"/>
+            </a:solidFill>
           </a:ln>
         </p:spPr>
         <p:style>
@@ -11219,7 +11225,9 @@
             <a:srgbClr val="FF0000"/>
           </a:solidFill>
           <a:ln>
-            <a:noFill/>
+            <a:solidFill>
+              <a:schemeClr val="tx1"/>
+            </a:solidFill>
           </a:ln>
         </p:spPr>
         <p:style>
@@ -11825,7 +11833,9 @@
             <a:srgbClr val="FF0000"/>
           </a:solidFill>
           <a:ln>
-            <a:noFill/>
+            <a:solidFill>
+              <a:schemeClr val="tx1"/>
+            </a:solidFill>
           </a:ln>
         </p:spPr>
         <p:style>
@@ -13121,22 +13131,17 @@
         <p:spPr>
           <a:xfrm>
             <a:off x="334433" y="1765990"/>
-            <a:ext cx="10515600" cy="4351338"/>
+            <a:ext cx="10515600" cy="1487849"/>
           </a:xfrm>
           <a:ln>
             <a:noFill/>
           </a:ln>
         </p:spPr>
         <p:txBody>
-          <a:bodyPr/>
-          <a:lstStyle/>
-          <a:p>
-            <a:r>
-              <a:rPr kumimoji="1" lang="ja-JP" altLang="en-US" sz="3600" b="1" dirty="0"/>
-              <a:t>今まで</a:t>
-            </a:r>
-            <a:endParaRPr kumimoji="1" lang="en-US" altLang="ja-JP" sz="3600" b="1" dirty="0"/>
-          </a:p>
+          <a:bodyPr>
+            <a:normAutofit/>
+          </a:bodyPr>
+          <a:lstStyle/>
           <a:p>
             <a:pPr marL="457200" lvl="1" indent="0">
               <a:buNone/>
@@ -13179,106 +13184,45 @@
             </a:r>
             <a:r>
               <a:rPr kumimoji="1" lang="ja-JP" altLang="en-US" sz="3200" b="1" dirty="0"/>
-              <a:t>重複する単語が多い</a:t>
-            </a:r>
-            <a:endParaRPr kumimoji="1" lang="en-US" altLang="ja-JP" sz="3200" dirty="0"/>
-          </a:p>
-          <a:p>
-            <a:r>
-              <a:rPr kumimoji="1" lang="ja-JP" altLang="en-US" sz="3600" b="1" dirty="0"/>
-              <a:t>現在</a:t>
-            </a:r>
-            <a:endParaRPr kumimoji="1" lang="en-US" altLang="ja-JP" sz="3600" b="1" dirty="0"/>
-          </a:p>
-          <a:p>
-            <a:pPr marL="457200" lvl="1" indent="0">
-              <a:buNone/>
-            </a:pPr>
-            <a:r>
-              <a:rPr kumimoji="1" lang="ja-JP" altLang="en-US" sz="3600" b="1" dirty="0">
-                <a:ln>
-                  <a:solidFill>
-                    <a:sysClr val="windowText" lastClr="000000"/>
-                  </a:solidFill>
-                </a:ln>
+              <a:t>重複する単語が</a:t>
+            </a:r>
+            <a:r>
+              <a:rPr lang="ja-JP" altLang="en-US" sz="3200" b="1" dirty="0"/>
+              <a:t>多い</a:t>
+            </a:r>
+            <a:r>
+              <a:rPr lang="ja-JP" altLang="en-US" sz="3200" b="1" dirty="0">
                 <a:solidFill>
-                  <a:schemeClr val="accent6">
-                    <a:lumMod val="75000"/>
-                  </a:schemeClr>
+                  <a:srgbClr val="FF0000"/>
                 </a:solidFill>
               </a:rPr>
-              <a:t>文章を単語として扱う</a:t>
-            </a:r>
-            <a:endParaRPr kumimoji="1" lang="en-US" altLang="ja-JP" sz="3600" b="1" dirty="0">
-              <a:ln>
-                <a:solidFill>
-                  <a:sysClr val="windowText" lastClr="000000"/>
-                </a:solidFill>
-              </a:ln>
-              <a:solidFill>
-                <a:schemeClr val="accent6">
-                  <a:lumMod val="75000"/>
-                </a:schemeClr>
-              </a:solidFill>
-            </a:endParaRPr>
+              <a:t>　　</a:t>
+            </a:r>
+            <a:r>
+              <a:rPr lang="ja-JP" altLang="en-US" sz="3200" b="1" dirty="0"/>
+              <a:t>データを増やしにくい</a:t>
+            </a:r>
           </a:p>
           <a:p>
             <a:pPr marL="914400" lvl="2" indent="0">
               <a:buNone/>
             </a:pPr>
-            <a:r>
-              <a:rPr lang="ja-JP" altLang="en-US" sz="3600" b="1" dirty="0"/>
-              <a:t>↑</a:t>
-            </a:r>
-            <a:r>
-              <a:rPr lang="ja-JP" altLang="en-US" sz="3200" b="1" dirty="0"/>
-              <a:t>重複せず、データが増える</a:t>
-            </a:r>
+            <a:endParaRPr kumimoji="1" lang="en-US" altLang="ja-JP" sz="3200" dirty="0"/>
+          </a:p>
+          <a:p>
+            <a:pPr marL="914400" lvl="2" indent="0">
+              <a:buNone/>
+            </a:pPr>
             <a:endParaRPr lang="ja-JP" altLang="en-US" sz="3600" b="1" dirty="0"/>
           </a:p>
         </p:txBody>
       </p:sp>
       <p:sp>
         <p:nvSpPr>
-          <p:cNvPr id="7" name="テキスト ボックス 6">
-            <a:extLst>
-              <a:ext uri="{FF2B5EF4-FFF2-40B4-BE49-F238E27FC236}">
-                <a16:creationId xmlns:a16="http://schemas.microsoft.com/office/drawing/2014/main" id="{D5DD4A2F-68D9-4A79-A389-82AAAB394C0F}"/>
-              </a:ext>
-            </a:extLst>
-          </p:cNvPr>
-          <p:cNvSpPr txBox="1"/>
-          <p:nvPr/>
-        </p:nvSpPr>
-        <p:spPr>
-          <a:xfrm flipH="1">
-            <a:off x="7492340" y="2341166"/>
-            <a:ext cx="4458905" cy="584775"/>
-          </a:xfrm>
-          <a:prstGeom prst="rect">
-            <a:avLst/>
-          </a:prstGeom>
-          <a:noFill/>
-        </p:spPr>
-        <p:txBody>
-          <a:bodyPr wrap="square" rtlCol="0">
-            <a:spAutoFit/>
-          </a:bodyPr>
-          <a:lstStyle/>
-          <a:p>
-            <a:r>
-              <a:rPr kumimoji="1" lang="ja-JP" altLang="en-US" sz="3200" b="1" dirty="0"/>
-              <a:t>データを増やしにくい</a:t>
-            </a:r>
-          </a:p>
-        </p:txBody>
-      </p:sp>
-      <p:sp>
-        <p:nvSpPr>
-          <p:cNvPr id="8" name="矢印: 上 7">
-            <a:extLst>
-              <a:ext uri="{FF2B5EF4-FFF2-40B4-BE49-F238E27FC236}">
-                <a16:creationId xmlns:a16="http://schemas.microsoft.com/office/drawing/2014/main" id="{63FE131A-4C79-490B-93C6-9FA481034CA3}"/>
+          <p:cNvPr id="9" name="矢印: 上 8">
+            <a:extLst>
+              <a:ext uri="{FF2B5EF4-FFF2-40B4-BE49-F238E27FC236}">
+                <a16:creationId xmlns:a16="http://schemas.microsoft.com/office/drawing/2014/main" id="{42B22345-9B06-472D-96CD-9DCAB6528AC9}"/>
               </a:ext>
             </a:extLst>
           </p:cNvPr>
@@ -13286,9 +13230,9 @@
           <p:nvPr/>
         </p:nvSpPr>
         <p:spPr>
-          <a:xfrm rot="16200000">
-            <a:off x="6129562" y="2019789"/>
-            <a:ext cx="877091" cy="1208327"/>
+          <a:xfrm rot="5400000">
+            <a:off x="3868281" y="4555182"/>
+            <a:ext cx="681185" cy="634985"/>
           </a:xfrm>
           <a:prstGeom prst="upArrow">
             <a:avLst/>
@@ -13297,7 +13241,9 @@
             <a:srgbClr val="FF0000"/>
           </a:solidFill>
           <a:ln>
-            <a:noFill/>
+            <a:solidFill>
+              <a:schemeClr val="tx1"/>
+            </a:solidFill>
           </a:ln>
         </p:spPr>
         <p:style>
@@ -13322,93 +13268,6 @@
           <a:p>
             <a:pPr algn="ctr"/>
             <a:endParaRPr kumimoji="1" lang="ja-JP" altLang="en-US" dirty="0"/>
-          </a:p>
-        </p:txBody>
-      </p:sp>
-      <p:sp>
-        <p:nvSpPr>
-          <p:cNvPr id="9" name="矢印: 上 8">
-            <a:extLst>
-              <a:ext uri="{FF2B5EF4-FFF2-40B4-BE49-F238E27FC236}">
-                <a16:creationId xmlns:a16="http://schemas.microsoft.com/office/drawing/2014/main" id="{42B22345-9B06-472D-96CD-9DCAB6528AC9}"/>
-              </a:ext>
-            </a:extLst>
-          </p:cNvPr>
-          <p:cNvSpPr/>
-          <p:nvPr/>
-        </p:nvSpPr>
-        <p:spPr>
-          <a:xfrm rot="16200000">
-            <a:off x="6173001" y="3673324"/>
-            <a:ext cx="877091" cy="1121448"/>
-          </a:xfrm>
-          <a:prstGeom prst="upArrow">
-            <a:avLst/>
-          </a:prstGeom>
-          <a:solidFill>
-            <a:srgbClr val="FF0000"/>
-          </a:solidFill>
-          <a:ln>
-            <a:noFill/>
-          </a:ln>
-        </p:spPr>
-        <p:style>
-          <a:lnRef idx="2">
-            <a:schemeClr val="accent1">
-              <a:shade val="50000"/>
-            </a:schemeClr>
-          </a:lnRef>
-          <a:fillRef idx="1">
-            <a:schemeClr val="accent1"/>
-          </a:fillRef>
-          <a:effectRef idx="0">
-            <a:schemeClr val="accent1"/>
-          </a:effectRef>
-          <a:fontRef idx="minor">
-            <a:schemeClr val="lt1"/>
-          </a:fontRef>
-        </p:style>
-        <p:txBody>
-          <a:bodyPr rtlCol="0" anchor="ctr"/>
-          <a:lstStyle/>
-          <a:p>
-            <a:pPr algn="ctr"/>
-            <a:endParaRPr kumimoji="1" lang="ja-JP" altLang="en-US" dirty="0"/>
-          </a:p>
-        </p:txBody>
-      </p:sp>
-      <p:sp>
-        <p:nvSpPr>
-          <p:cNvPr id="10" name="テキスト ボックス 9">
-            <a:extLst>
-              <a:ext uri="{FF2B5EF4-FFF2-40B4-BE49-F238E27FC236}">
-                <a16:creationId xmlns:a16="http://schemas.microsoft.com/office/drawing/2014/main" id="{7FF3E0A3-6C44-4BE5-AD57-31851EDE70AF}"/>
-              </a:ext>
-            </a:extLst>
-          </p:cNvPr>
-          <p:cNvSpPr txBox="1"/>
-          <p:nvPr/>
-        </p:nvSpPr>
-        <p:spPr>
-          <a:xfrm flipH="1">
-            <a:off x="7542871" y="3941659"/>
-            <a:ext cx="4357842" cy="584775"/>
-          </a:xfrm>
-          <a:prstGeom prst="rect">
-            <a:avLst/>
-          </a:prstGeom>
-          <a:noFill/>
-        </p:spPr>
-        <p:txBody>
-          <a:bodyPr wrap="square" rtlCol="0">
-            <a:spAutoFit/>
-          </a:bodyPr>
-          <a:lstStyle/>
-          <a:p>
-            <a:r>
-              <a:rPr kumimoji="1" lang="ja-JP" altLang="en-US" sz="3200" b="1" dirty="0"/>
-              <a:t>データを増やしやすい</a:t>
-            </a:r>
           </a:p>
         </p:txBody>
       </p:sp>
@@ -13454,6 +13313,207 @@
                 <a:ea typeface="HGS明朝E" panose="02020900000000000000" pitchFamily="18" charset="-128"/>
               </a:rPr>
               <a:t>トレーニングデータ</a:t>
+            </a:r>
+          </a:p>
+        </p:txBody>
+      </p:sp>
+      <p:sp>
+        <p:nvSpPr>
+          <p:cNvPr id="2" name="テキスト ボックス 1">
+            <a:extLst>
+              <a:ext uri="{FF2B5EF4-FFF2-40B4-BE49-F238E27FC236}">
+                <a16:creationId xmlns:a16="http://schemas.microsoft.com/office/drawing/2014/main" id="{55834558-C52D-413C-B636-3A70C98E7248}"/>
+              </a:ext>
+            </a:extLst>
+          </p:cNvPr>
+          <p:cNvSpPr txBox="1"/>
+          <p:nvPr/>
+        </p:nvSpPr>
+        <p:spPr>
+          <a:xfrm>
+            <a:off x="334433" y="3429000"/>
+            <a:ext cx="8562109" cy="2031325"/>
+          </a:xfrm>
+          <a:prstGeom prst="rect">
+            <a:avLst/>
+          </a:prstGeom>
+          <a:noFill/>
+        </p:spPr>
+        <p:txBody>
+          <a:bodyPr wrap="square" rtlCol="0">
+            <a:spAutoFit/>
+          </a:bodyPr>
+          <a:lstStyle/>
+          <a:p>
+            <a:endParaRPr lang="en-US" altLang="ja-JP" sz="3600" b="1" dirty="0"/>
+          </a:p>
+          <a:p>
+            <a:pPr lvl="1"/>
+            <a:r>
+              <a:rPr lang="ja-JP" altLang="en-US" sz="3600" b="1" dirty="0">
+                <a:ln>
+                  <a:solidFill>
+                    <a:sysClr val="windowText" lastClr="000000"/>
+                  </a:solidFill>
+                </a:ln>
+                <a:solidFill>
+                  <a:schemeClr val="accent6">
+                    <a:lumMod val="75000"/>
+                  </a:schemeClr>
+                </a:solidFill>
+              </a:rPr>
+              <a:t>文章を単語として扱う</a:t>
+            </a:r>
+            <a:endParaRPr lang="en-US" altLang="ja-JP" sz="3600" b="1" dirty="0">
+              <a:ln>
+                <a:solidFill>
+                  <a:sysClr val="windowText" lastClr="000000"/>
+                </a:solidFill>
+              </a:ln>
+              <a:solidFill>
+                <a:schemeClr val="accent6">
+                  <a:lumMod val="75000"/>
+                </a:schemeClr>
+              </a:solidFill>
+            </a:endParaRPr>
+          </a:p>
+          <a:p>
+            <a:pPr lvl="2"/>
+            <a:r>
+              <a:rPr lang="ja-JP" altLang="en-US" sz="3600" b="1" dirty="0"/>
+              <a:t>↑</a:t>
+            </a:r>
+            <a:r>
+              <a:rPr lang="ja-JP" altLang="en-US" sz="3200" b="1" dirty="0"/>
+              <a:t>重複しない　　データを増やしやすい</a:t>
+            </a:r>
+            <a:endParaRPr lang="ja-JP" altLang="en-US" sz="3600" b="1" dirty="0"/>
+          </a:p>
+          <a:p>
+            <a:endParaRPr kumimoji="1" lang="ja-JP" altLang="en-US" dirty="0"/>
+          </a:p>
+        </p:txBody>
+      </p:sp>
+      <p:sp>
+        <p:nvSpPr>
+          <p:cNvPr id="11" name="矢印: 上 10">
+            <a:extLst>
+              <a:ext uri="{FF2B5EF4-FFF2-40B4-BE49-F238E27FC236}">
+                <a16:creationId xmlns:a16="http://schemas.microsoft.com/office/drawing/2014/main" id="{29F6C5C0-2589-40FD-9443-B4E53A7D0DE8}"/>
+              </a:ext>
+            </a:extLst>
+          </p:cNvPr>
+          <p:cNvSpPr/>
+          <p:nvPr/>
+        </p:nvSpPr>
+        <p:spPr>
+          <a:xfrm rot="5400000">
+            <a:off x="5574916" y="2242309"/>
+            <a:ext cx="669619" cy="634985"/>
+          </a:xfrm>
+          <a:prstGeom prst="upArrow">
+            <a:avLst/>
+          </a:prstGeom>
+          <a:solidFill>
+            <a:srgbClr val="FF0000"/>
+          </a:solidFill>
+          <a:ln>
+            <a:solidFill>
+              <a:schemeClr val="tx1"/>
+            </a:solidFill>
+          </a:ln>
+        </p:spPr>
+        <p:style>
+          <a:lnRef idx="2">
+            <a:schemeClr val="accent1">
+              <a:shade val="50000"/>
+            </a:schemeClr>
+          </a:lnRef>
+          <a:fillRef idx="1">
+            <a:schemeClr val="accent1"/>
+          </a:fillRef>
+          <a:effectRef idx="0">
+            <a:schemeClr val="accent1"/>
+          </a:effectRef>
+          <a:fontRef idx="minor">
+            <a:schemeClr val="lt1"/>
+          </a:fontRef>
+        </p:style>
+        <p:txBody>
+          <a:bodyPr rtlCol="0" anchor="ctr"/>
+          <a:lstStyle/>
+          <a:p>
+            <a:pPr algn="ctr"/>
+            <a:endParaRPr kumimoji="1" lang="ja-JP" altLang="en-US" dirty="0"/>
+          </a:p>
+        </p:txBody>
+      </p:sp>
+      <p:sp>
+        <p:nvSpPr>
+          <p:cNvPr id="3" name="テキスト ボックス 2">
+            <a:extLst>
+              <a:ext uri="{FF2B5EF4-FFF2-40B4-BE49-F238E27FC236}">
+                <a16:creationId xmlns:a16="http://schemas.microsoft.com/office/drawing/2014/main" id="{D3C2B2D6-08F0-4B62-BE86-5A7CB5BCED37}"/>
+              </a:ext>
+            </a:extLst>
+          </p:cNvPr>
+          <p:cNvSpPr txBox="1"/>
+          <p:nvPr/>
+        </p:nvSpPr>
+        <p:spPr>
+          <a:xfrm>
+            <a:off x="838200" y="3253839"/>
+            <a:ext cx="6512626" cy="369332"/>
+          </a:xfrm>
+          <a:prstGeom prst="rect">
+            <a:avLst/>
+          </a:prstGeom>
+          <a:noFill/>
+        </p:spPr>
+        <p:txBody>
+          <a:bodyPr wrap="square" rtlCol="0">
+            <a:spAutoFit/>
+          </a:bodyPr>
+          <a:lstStyle/>
+          <a:p>
+            <a:r>
+              <a:rPr kumimoji="1" lang="ja-JP" altLang="en-US" dirty="0"/>
+              <a:t>今日　の　天気　は　晴れ</a:t>
+            </a:r>
+          </a:p>
+        </p:txBody>
+      </p:sp>
+      <p:sp>
+        <p:nvSpPr>
+          <p:cNvPr id="13" name="テキスト ボックス 12">
+            <a:extLst>
+              <a:ext uri="{FF2B5EF4-FFF2-40B4-BE49-F238E27FC236}">
+                <a16:creationId xmlns:a16="http://schemas.microsoft.com/office/drawing/2014/main" id="{B390A01E-1708-4DAB-B169-232BD60F8B09}"/>
+              </a:ext>
+            </a:extLst>
+          </p:cNvPr>
+          <p:cNvSpPr txBox="1"/>
+          <p:nvPr/>
+        </p:nvSpPr>
+        <p:spPr>
+          <a:xfrm>
+            <a:off x="838200" y="3708294"/>
+            <a:ext cx="6512626" cy="369332"/>
+          </a:xfrm>
+          <a:prstGeom prst="rect">
+            <a:avLst/>
+          </a:prstGeom>
+          <a:noFill/>
+        </p:spPr>
+        <p:txBody>
+          <a:bodyPr wrap="square" rtlCol="0">
+            <a:spAutoFit/>
+          </a:bodyPr>
+          <a:lstStyle/>
+          <a:p>
+            <a:r>
+              <a:rPr kumimoji="1" lang="ja-JP" altLang="en-US" dirty="0"/>
+              <a:t>今日　の　天気　を　教えて</a:t>
             </a:r>
           </a:p>
         </p:txBody>
@@ -13489,7 +13549,7 @@
                             </p:stCondLst>
                             <p:childTnLst>
                               <p:par>
-                                <p:cTn id="5" presetID="53" presetClass="entr" presetSubtype="16" fill="hold" grpId="0" nodeType="clickEffect">
+                                <p:cTn id="5" presetID="42" presetClass="entr" presetSubtype="0" fill="hold" grpId="0" nodeType="clickEffect">
                                   <p:stCondLst>
                                     <p:cond delay="0"/>
                                   </p:stCondLst>
@@ -13502,7 +13562,7 @@
                                           </p:stCondLst>
                                         </p:cTn>
                                         <p:tgtEl>
-                                          <p:spTgt spid="8"/>
+                                          <p:spTgt spid="2"/>
                                         </p:tgtEl>
                                         <p:attrNameLst>
                                           <p:attrName>style.visibility</p:attrName>
@@ -13512,90 +13572,72 @@
                                         <p:strVal val="visible"/>
                                       </p:to>
                                     </p:set>
+                                    <p:animEffect transition="in" filter="fade">
+                                      <p:cBhvr>
+                                        <p:cTn id="7" dur="1000"/>
+                                        <p:tgtEl>
+                                          <p:spTgt spid="2"/>
+                                        </p:tgtEl>
+                                      </p:cBhvr>
+                                    </p:animEffect>
                                     <p:anim calcmode="lin" valueType="num">
                                       <p:cBhvr>
-                                        <p:cTn id="7" dur="500" fill="hold"/>
+                                        <p:cTn id="8" dur="1000" fill="hold"/>
                                         <p:tgtEl>
-                                          <p:spTgt spid="8"/>
+                                          <p:spTgt spid="2"/>
                                         </p:tgtEl>
                                         <p:attrNameLst>
-                                          <p:attrName>ppt_w</p:attrName>
+                                          <p:attrName>ppt_x</p:attrName>
                                         </p:attrNameLst>
                                       </p:cBhvr>
                                       <p:tavLst>
                                         <p:tav tm="0">
                                           <p:val>
-                                            <p:fltVal val="0"/>
+                                            <p:strVal val="#ppt_x"/>
                                           </p:val>
                                         </p:tav>
                                         <p:tav tm="100000">
                                           <p:val>
-                                            <p:strVal val="#ppt_w"/>
+                                            <p:strVal val="#ppt_x"/>
                                           </p:val>
                                         </p:tav>
                                       </p:tavLst>
                                     </p:anim>
                                     <p:anim calcmode="lin" valueType="num">
                                       <p:cBhvr>
-                                        <p:cTn id="8" dur="500" fill="hold"/>
+                                        <p:cTn id="9" dur="1000" fill="hold"/>
                                         <p:tgtEl>
-                                          <p:spTgt spid="8"/>
+                                          <p:spTgt spid="2"/>
                                         </p:tgtEl>
                                         <p:attrNameLst>
-                                          <p:attrName>ppt_h</p:attrName>
+                                          <p:attrName>ppt_y</p:attrName>
                                         </p:attrNameLst>
                                       </p:cBhvr>
                                       <p:tavLst>
                                         <p:tav tm="0">
                                           <p:val>
-                                            <p:fltVal val="0"/>
+                                            <p:strVal val="#ppt_y+.1"/>
                                           </p:val>
                                         </p:tav>
                                         <p:tav tm="100000">
                                           <p:val>
-                                            <p:strVal val="#ppt_h"/>
+                                            <p:strVal val="#ppt_y"/>
                                           </p:val>
                                         </p:tav>
                                       </p:tavLst>
                                     </p:anim>
-                                    <p:animEffect transition="in" filter="fade">
-                                      <p:cBhvr>
-                                        <p:cTn id="9" dur="500"/>
-                                        <p:tgtEl>
-                                          <p:spTgt spid="8"/>
-                                        </p:tgtEl>
-                                      </p:cBhvr>
-                                    </p:animEffect>
                                   </p:childTnLst>
                                 </p:cTn>
                               </p:par>
-                            </p:childTnLst>
-                          </p:cTn>
-                        </p:par>
-                      </p:childTnLst>
-                    </p:cTn>
-                  </p:par>
-                  <p:par>
-                    <p:cTn id="10" fill="hold">
-                      <p:stCondLst>
-                        <p:cond delay="indefinite"/>
-                      </p:stCondLst>
-                      <p:childTnLst>
-                        <p:par>
-                          <p:cTn id="11" fill="hold">
-                            <p:stCondLst>
-                              <p:cond delay="0"/>
-                            </p:stCondLst>
-                            <p:childTnLst>
                               <p:par>
-                                <p:cTn id="12" presetID="53" presetClass="entr" presetSubtype="16" fill="hold" grpId="0" nodeType="clickEffect">
+                                <p:cTn id="10" presetID="42" presetClass="entr" presetSubtype="0" fill="hold" grpId="0" nodeType="withEffect">
                                   <p:stCondLst>
                                     <p:cond delay="0"/>
                                   </p:stCondLst>
                                   <p:childTnLst>
                                     <p:set>
                                       <p:cBhvr>
-                                        <p:cTn id="13" dur="1" fill="hold">
+                                        <p:cTn id="11" dur="1" fill="hold">
                                           <p:stCondLst>
                                             <p:cond delay="0"/>
                                           </p:stCondLst>
@@ -13611,60 +13653,60 @@
                                         <p:strVal val="visible"/>
                                       </p:to>
                                     </p:set>
+                                    <p:animEffect transition="in" filter="fade">
+                                      <p:cBhvr>
+                                        <p:cTn id="12" dur="1000"/>
+                                        <p:tgtEl>
+                                          <p:spTgt spid="9"/>
+                                        </p:tgtEl>
+                                      </p:cBhvr>
+                                    </p:animEffect>
                                     <p:anim calcmode="lin" valueType="num">
                                       <p:cBhvr>
-                                        <p:cTn id="14" dur="500" fill="hold"/>
+                                        <p:cTn id="13" dur="1000" fill="hold"/>
                                         <p:tgtEl>
                                           <p:spTgt spid="9"/>
                                         </p:tgtEl>
                                         <p:attrNameLst>
-                                          <p:attrName>ppt_w</p:attrName>
+                                          <p:attrName>ppt_x</p:attrName>
                                         </p:attrNameLst>
                                       </p:cBhvr>
                                       <p:tavLst>
                                         <p:tav tm="0">
                                           <p:val>
-                                            <p:fltVal val="0"/>
+                                            <p:strVal val="#ppt_x"/>
                                           </p:val>
                                         </p:tav>
                                         <p:tav tm="100000">
                                           <p:val>
-                                            <p:strVal val="#ppt_w"/>
+                                            <p:strVal val="#ppt_x"/>
                                           </p:val>
                                         </p:tav>
                                       </p:tavLst>
                                     </p:anim>
                                     <p:anim calcmode="lin" valueType="num">
                                       <p:cBhvr>
-                                        <p:cTn id="15" dur="500" fill="hold"/>
+                                        <p:cTn id="14" dur="1000" fill="hold"/>
                                         <p:tgtEl>
                                           <p:spTgt spid="9"/>
                                         </p:tgtEl>
                                         <p:attrNameLst>
-                                          <p:attrName>ppt_h</p:attrName>
+                                          <p:attrName>ppt_y</p:attrName>
                                         </p:attrNameLst>
                                       </p:cBhvr>
                                       <p:tavLst>
                                         <p:tav tm="0">
                                           <p:val>
-                                            <p:fltVal val="0"/>
+                                            <p:strVal val="#ppt_y+.1"/>
                                           </p:val>
                                         </p:tav>
                                         <p:tav tm="100000">
                                           <p:val>
-                                            <p:strVal val="#ppt_h"/>
+                                            <p:strVal val="#ppt_y"/>
                                           </p:val>
                                         </p:tav>
                                       </p:tavLst>
                                     </p:anim>
-                                    <p:animEffect transition="in" filter="fade">
-                                      <p:cBhvr>
-                                        <p:cTn id="16" dur="500"/>
-                                        <p:tgtEl>
-                                          <p:spTgt spid="9"/>
-                                        </p:tgtEl>
-                                      </p:cBhvr>
-                                    </p:animEffect>
                                   </p:childTnLst>
                                 </p:cTn>
                               </p:par>
@@ -13696,8 +13738,8 @@
       </p:par>
     </p:tnLst>
     <p:bldLst>
-      <p:bldP spid="8" grpId="0" animBg="1"/>
       <p:bldP spid="9" grpId="0" animBg="1"/>
+      <p:bldP spid="2" grpId="0"/>
     </p:bldLst>
   </p:timing>
 </p:sld>
@@ -13852,14 +13894,14 @@
         </p:nvSpPr>
         <p:spPr>
           <a:xfrm>
-            <a:off x="9259091" y="2311274"/>
+            <a:off x="9259092" y="2340771"/>
             <a:ext cx="1470611" cy="416560"/>
           </a:xfrm>
           <a:prstGeom prst="rect">
             <a:avLst/>
           </a:prstGeom>
           <a:noFill/>
-          <a:ln w="38100">
+          <a:ln w="57150">
             <a:solidFill>
               <a:srgbClr val="FF0000"/>
             </a:solidFill>
@@ -13902,14 +13944,14 @@
         </p:nvSpPr>
         <p:spPr>
           <a:xfrm>
-            <a:off x="8094847" y="2312904"/>
+            <a:off x="8094848" y="2342401"/>
             <a:ext cx="1039528" cy="416560"/>
           </a:xfrm>
           <a:prstGeom prst="rect">
             <a:avLst/>
           </a:prstGeom>
           <a:noFill/>
-          <a:ln w="38100">
+          <a:ln w="57150">
             <a:solidFill>
               <a:srgbClr val="FF0000"/>
             </a:solidFill>
@@ -13952,14 +13994,14 @@
         </p:nvSpPr>
         <p:spPr>
           <a:xfrm>
-            <a:off x="10838047" y="2311274"/>
+            <a:off x="10838048" y="2340771"/>
             <a:ext cx="1245608" cy="416560"/>
           </a:xfrm>
           <a:prstGeom prst="rect">
             <a:avLst/>
           </a:prstGeom>
           <a:noFill/>
-          <a:ln w="38100">
+          <a:ln w="57150">
             <a:solidFill>
               <a:srgbClr val="FF0000"/>
             </a:solidFill>
@@ -14044,6 +14086,256 @@
   <p:clrMapOvr>
     <a:masterClrMapping/>
   </p:clrMapOvr>
+  <p:timing>
+    <p:tnLst>
+      <p:par>
+        <p:cTn id="1" dur="indefinite" restart="never" nodeType="tmRoot">
+          <p:childTnLst>
+            <p:seq concurrent="1" nextAc="seek">
+              <p:cTn id="2" dur="indefinite" nodeType="mainSeq">
+                <p:childTnLst>
+                  <p:par>
+                    <p:cTn id="3" fill="hold">
+                      <p:stCondLst>
+                        <p:cond delay="indefinite"/>
+                      </p:stCondLst>
+                      <p:childTnLst>
+                        <p:par>
+                          <p:cTn id="4" fill="hold">
+                            <p:stCondLst>
+                              <p:cond delay="0"/>
+                            </p:stCondLst>
+                            <p:childTnLst>
+                              <p:par>
+                                <p:cTn id="5" presetID="21" presetClass="entr" presetSubtype="1" fill="hold" grpId="0" nodeType="clickEffect">
+                                  <p:stCondLst>
+                                    <p:cond delay="0"/>
+                                  </p:stCondLst>
+                                  <p:childTnLst>
+                                    <p:set>
+                                      <p:cBhvr>
+                                        <p:cTn id="6" dur="1" fill="hold">
+                                          <p:stCondLst>
+                                            <p:cond delay="0"/>
+                                          </p:stCondLst>
+                                        </p:cTn>
+                                        <p:tgtEl>
+                                          <p:spTgt spid="7"/>
+                                        </p:tgtEl>
+                                        <p:attrNameLst>
+                                          <p:attrName>style.visibility</p:attrName>
+                                        </p:attrNameLst>
+                                      </p:cBhvr>
+                                      <p:to>
+                                        <p:strVal val="visible"/>
+                                      </p:to>
+                                    </p:set>
+                                    <p:animEffect transition="in" filter="wheel(1)">
+                                      <p:cBhvr>
+                                        <p:cTn id="7" dur="500"/>
+                                        <p:tgtEl>
+                                          <p:spTgt spid="7"/>
+                                        </p:tgtEl>
+                                      </p:cBhvr>
+                                    </p:animEffect>
+                                  </p:childTnLst>
+                                </p:cTn>
+                              </p:par>
+                            </p:childTnLst>
+                          </p:cTn>
+                        </p:par>
+                      </p:childTnLst>
+                    </p:cTn>
+                  </p:par>
+                  <p:par>
+                    <p:cTn id="8" fill="hold">
+                      <p:stCondLst>
+                        <p:cond delay="indefinite"/>
+                      </p:stCondLst>
+                      <p:childTnLst>
+                        <p:par>
+                          <p:cTn id="9" fill="hold">
+                            <p:stCondLst>
+                              <p:cond delay="0"/>
+                            </p:stCondLst>
+                            <p:childTnLst>
+                              <p:par>
+                                <p:cTn id="10" presetID="21" presetClass="entr" presetSubtype="1" fill="hold" grpId="0" nodeType="clickEffect">
+                                  <p:stCondLst>
+                                    <p:cond delay="0"/>
+                                  </p:stCondLst>
+                                  <p:childTnLst>
+                                    <p:set>
+                                      <p:cBhvr>
+                                        <p:cTn id="11" dur="1" fill="hold">
+                                          <p:stCondLst>
+                                            <p:cond delay="0"/>
+                                          </p:stCondLst>
+                                        </p:cTn>
+                                        <p:tgtEl>
+                                          <p:spTgt spid="5"/>
+                                        </p:tgtEl>
+                                        <p:attrNameLst>
+                                          <p:attrName>style.visibility</p:attrName>
+                                        </p:attrNameLst>
+                                      </p:cBhvr>
+                                      <p:to>
+                                        <p:strVal val="visible"/>
+                                      </p:to>
+                                    </p:set>
+                                    <p:animEffect transition="in" filter="wheel(1)">
+                                      <p:cBhvr>
+                                        <p:cTn id="12" dur="500"/>
+                                        <p:tgtEl>
+                                          <p:spTgt spid="5"/>
+                                        </p:tgtEl>
+                                      </p:cBhvr>
+                                    </p:animEffect>
+                                  </p:childTnLst>
+                                </p:cTn>
+                              </p:par>
+                              <p:par>
+                                <p:cTn id="13" presetID="1" presetClass="exit" presetSubtype="0" fill="hold" grpId="1" nodeType="withEffect">
+                                  <p:stCondLst>
+                                    <p:cond delay="0"/>
+                                  </p:stCondLst>
+                                  <p:childTnLst>
+                                    <p:set>
+                                      <p:cBhvr>
+                                        <p:cTn id="14" dur="1" fill="hold">
+                                          <p:stCondLst>
+                                            <p:cond delay="0"/>
+                                          </p:stCondLst>
+                                        </p:cTn>
+                                        <p:tgtEl>
+                                          <p:spTgt spid="7"/>
+                                        </p:tgtEl>
+                                        <p:attrNameLst>
+                                          <p:attrName>style.visibility</p:attrName>
+                                        </p:attrNameLst>
+                                      </p:cBhvr>
+                                      <p:to>
+                                        <p:strVal val="hidden"/>
+                                      </p:to>
+                                    </p:set>
+                                  </p:childTnLst>
+                                </p:cTn>
+                              </p:par>
+                            </p:childTnLst>
+                          </p:cTn>
+                        </p:par>
+                      </p:childTnLst>
+                    </p:cTn>
+                  </p:par>
+                  <p:par>
+                    <p:cTn id="15" fill="hold">
+                      <p:stCondLst>
+                        <p:cond delay="indefinite"/>
+                      </p:stCondLst>
+                      <p:childTnLst>
+                        <p:par>
+                          <p:cTn id="16" fill="hold">
+                            <p:stCondLst>
+                              <p:cond delay="0"/>
+                            </p:stCondLst>
+                            <p:childTnLst>
+                              <p:par>
+                                <p:cTn id="17" presetID="21" presetClass="entr" presetSubtype="1" fill="hold" grpId="0" nodeType="clickEffect">
+                                  <p:stCondLst>
+                                    <p:cond delay="0"/>
+                                  </p:stCondLst>
+                                  <p:childTnLst>
+                                    <p:set>
+                                      <p:cBhvr>
+                                        <p:cTn id="18" dur="1" fill="hold">
+                                          <p:stCondLst>
+                                            <p:cond delay="0"/>
+                                          </p:stCondLst>
+                                        </p:cTn>
+                                        <p:tgtEl>
+                                          <p:spTgt spid="8"/>
+                                        </p:tgtEl>
+                                        <p:attrNameLst>
+                                          <p:attrName>style.visibility</p:attrName>
+                                        </p:attrNameLst>
+                                      </p:cBhvr>
+                                      <p:to>
+                                        <p:strVal val="visible"/>
+                                      </p:to>
+                                    </p:set>
+                                    <p:animEffect transition="in" filter="wheel(1)">
+                                      <p:cBhvr>
+                                        <p:cTn id="19" dur="500"/>
+                                        <p:tgtEl>
+                                          <p:spTgt spid="8"/>
+                                        </p:tgtEl>
+                                      </p:cBhvr>
+                                    </p:animEffect>
+                                  </p:childTnLst>
+                                </p:cTn>
+                              </p:par>
+                              <p:par>
+                                <p:cTn id="20" presetID="1" presetClass="exit" presetSubtype="0" fill="hold" grpId="1" nodeType="withEffect">
+                                  <p:stCondLst>
+                                    <p:cond delay="0"/>
+                                  </p:stCondLst>
+                                  <p:childTnLst>
+                                    <p:set>
+                                      <p:cBhvr>
+                                        <p:cTn id="21" dur="1" fill="hold">
+                                          <p:stCondLst>
+                                            <p:cond delay="0"/>
+                                          </p:stCondLst>
+                                        </p:cTn>
+                                        <p:tgtEl>
+                                          <p:spTgt spid="5"/>
+                                        </p:tgtEl>
+                                        <p:attrNameLst>
+                                          <p:attrName>style.visibility</p:attrName>
+                                        </p:attrNameLst>
+                                      </p:cBhvr>
+                                      <p:to>
+                                        <p:strVal val="hidden"/>
+                                      </p:to>
+                                    </p:set>
+                                  </p:childTnLst>
+                                </p:cTn>
+                              </p:par>
+                            </p:childTnLst>
+                          </p:cTn>
+                        </p:par>
+                      </p:childTnLst>
+                    </p:cTn>
+                  </p:par>
+                </p:childTnLst>
+              </p:cTn>
+              <p:prevCondLst>
+                <p:cond evt="onPrev" delay="0">
+                  <p:tgtEl>
+                    <p:sldTgt/>
+                  </p:tgtEl>
+                </p:cond>
+              </p:prevCondLst>
+              <p:nextCondLst>
+                <p:cond evt="onNext" delay="0">
+                  <p:tgtEl>
+                    <p:sldTgt/>
+                  </p:tgtEl>
+                </p:cond>
+              </p:nextCondLst>
+            </p:seq>
+          </p:childTnLst>
+        </p:cTn>
+      </p:par>
+    </p:tnLst>
+    <p:bldLst>
+      <p:bldP spid="5" grpId="0" animBg="1"/>
+      <p:bldP spid="5" grpId="1" animBg="1"/>
+      <p:bldP spid="7" grpId="0" animBg="1"/>
+      <p:bldP spid="7" grpId="1" animBg="1"/>
+      <p:bldP spid="8" grpId="0" animBg="1"/>
+    </p:bldLst>
+  </p:timing>
 </p:sld>
 </file>
 
@@ -15082,6 +15374,41 @@
               <a:t>YoSiE</a:t>
             </a:r>
             <a:endParaRPr kumimoji="1" lang="ja-JP" altLang="en-US" sz="4000" b="1" dirty="0"/>
+          </a:p>
+        </p:txBody>
+      </p:sp>
+      <p:sp>
+        <p:nvSpPr>
+          <p:cNvPr id="3" name="テキスト ボックス 2">
+            <a:extLst>
+              <a:ext uri="{FF2B5EF4-FFF2-40B4-BE49-F238E27FC236}">
+                <a16:creationId xmlns:a16="http://schemas.microsoft.com/office/drawing/2014/main" id="{F9D5B8ED-CF98-4C33-9A2E-1FE93B2D7EAE}"/>
+              </a:ext>
+            </a:extLst>
+          </p:cNvPr>
+          <p:cNvSpPr txBox="1"/>
+          <p:nvPr/>
+        </p:nvSpPr>
+        <p:spPr>
+          <a:xfrm>
+            <a:off x="9146432" y="5794946"/>
+            <a:ext cx="2817896" cy="1015663"/>
+          </a:xfrm>
+          <a:prstGeom prst="rect">
+            <a:avLst/>
+          </a:prstGeom>
+          <a:noFill/>
+        </p:spPr>
+        <p:txBody>
+          <a:bodyPr wrap="square" rtlCol="0">
+            <a:spAutoFit/>
+          </a:bodyPr>
+          <a:lstStyle/>
+          <a:p>
+            <a:r>
+              <a:rPr kumimoji="1" lang="ja-JP" altLang="en-US" sz="6000" dirty="0"/>
+              <a:t>機能</a:t>
+            </a:r>
           </a:p>
         </p:txBody>
       </p:sp>
@@ -15496,7 +15823,7 @@
           <a:p>
             <a:pPr lvl="0"/>
             <a:r>
-              <a:rPr lang="ja-JP" altLang="en-US" dirty="0">
+              <a:rPr lang="ja-JP" altLang="en-US" b="1" dirty="0">
                 <a:ln>
                   <a:solidFill>
                     <a:sysClr val="windowText" lastClr="000000"/>
@@ -15512,7 +15839,7 @@
               </a:rPr>
               <a:t>工夫した点・処理の短縮</a:t>
             </a:r>
-            <a:endParaRPr kumimoji="1" lang="ja-JP" altLang="en-US" dirty="0"/>
+            <a:endParaRPr kumimoji="1" lang="ja-JP" altLang="en-US" b="1" dirty="0"/>
           </a:p>
         </p:txBody>
       </p:sp>
@@ -15985,10 +16312,10 @@
               <a:t>】</a:t>
             </a:r>
             <a:r>
-              <a:rPr lang="ja-JP" altLang="en-US" sz="3200" dirty="0"/>
+              <a:rPr lang="ja-JP" altLang="en-US" sz="3200" b="1" dirty="0"/>
               <a:t>長文のスクレイピングは時間がかかる</a:t>
             </a:r>
-            <a:endParaRPr lang="en-US" altLang="ja-JP" sz="3200" dirty="0"/>
+            <a:endParaRPr lang="en-US" altLang="ja-JP" sz="3200" b="1" dirty="0"/>
           </a:p>
         </p:txBody>
       </p:sp>
@@ -16700,7 +17027,7 @@
           <a:p>
             <a:pPr lvl="0"/>
             <a:r>
-              <a:rPr lang="ja-JP" altLang="en-US" dirty="0">
+              <a:rPr lang="ja-JP" altLang="en-US" b="1" dirty="0">
                 <a:ln>
                   <a:solidFill>
                     <a:sysClr val="windowText" lastClr="000000"/>
@@ -16716,7 +17043,7 @@
               </a:rPr>
               <a:t>工夫した点・処理の短縮</a:t>
             </a:r>
-            <a:endParaRPr kumimoji="1" lang="ja-JP" altLang="en-US" dirty="0"/>
+            <a:endParaRPr kumimoji="1" lang="ja-JP" altLang="en-US" b="1" dirty="0"/>
           </a:p>
         </p:txBody>
       </p:sp>
@@ -16827,7 +17154,7 @@
           <a:lstStyle/>
           <a:p>
             <a:r>
-              <a:rPr kumimoji="1" lang="en-US" altLang="ja-JP" dirty="0">
+              <a:rPr kumimoji="1" lang="en-US" altLang="ja-JP" b="1" dirty="0">
                 <a:ln>
                   <a:solidFill>
                     <a:sysClr val="windowText" lastClr="000000"/>
@@ -16843,7 +17170,7 @@
               </a:rPr>
               <a:t>OpenJTalk</a:t>
             </a:r>
-            <a:endParaRPr kumimoji="1" lang="ja-JP" altLang="en-US" dirty="0">
+            <a:endParaRPr kumimoji="1" lang="ja-JP" altLang="en-US" b="1" dirty="0">
               <a:ln>
                 <a:solidFill>
                   <a:sysClr val="windowText" lastClr="000000"/>
@@ -17494,7 +17821,7 @@
           <a:lstStyle/>
           <a:p>
             <a:r>
-              <a:rPr kumimoji="1" lang="en-US" altLang="ja-JP" dirty="0">
+              <a:rPr kumimoji="1" lang="en-US" altLang="ja-JP" b="1" dirty="0">
                 <a:ln>
                   <a:solidFill>
                     <a:sysClr val="windowText" lastClr="000000"/>
@@ -17510,7 +17837,7 @@
               </a:rPr>
               <a:t>OpenJTalk</a:t>
             </a:r>
-            <a:endParaRPr kumimoji="1" lang="ja-JP" altLang="en-US" dirty="0">
+            <a:endParaRPr kumimoji="1" lang="ja-JP" altLang="en-US" b="1" dirty="0">
               <a:ln>
                 <a:solidFill>
                   <a:sysClr val="windowText" lastClr="000000"/>
@@ -17747,8 +18074,8 @@
         </p:nvSpPr>
         <p:spPr>
           <a:xfrm>
-            <a:off x="1905803" y="2767280"/>
-            <a:ext cx="12666845" cy="1323439"/>
+            <a:off x="1003278" y="2767280"/>
+            <a:ext cx="12666845" cy="1569660"/>
           </a:xfrm>
           <a:prstGeom prst="rect">
             <a:avLst/>
@@ -17762,7 +18089,7 @@
           <a:lstStyle/>
           <a:p>
             <a:r>
-              <a:rPr kumimoji="1" lang="ja-JP" altLang="en-US" sz="8000" b="1" dirty="0">
+              <a:rPr kumimoji="1" lang="ja-JP" altLang="en-US" sz="9600" b="1" dirty="0">
                 <a:ln>
                   <a:solidFill>
                     <a:schemeClr val="tx1"/>
@@ -17778,7 +18105,7 @@
               </a:rPr>
               <a:t>デモンストレーション</a:t>
             </a:r>
-            <a:endParaRPr kumimoji="1" lang="ja-JP" altLang="en-US" sz="8000" b="1" dirty="0">
+            <a:endParaRPr kumimoji="1" lang="ja-JP" altLang="en-US" sz="9600" b="1" dirty="0">
               <a:solidFill>
                 <a:srgbClr val="FF0066"/>
               </a:solidFill>
@@ -17890,7 +18217,7 @@
           <a:lstStyle/>
           <a:p>
             <a:r>
-              <a:rPr kumimoji="1" lang="ja-JP" altLang="en-US" dirty="0">
+              <a:rPr kumimoji="1" lang="ja-JP" altLang="en-US" b="1" dirty="0">
                 <a:ln>
                   <a:solidFill>
                     <a:schemeClr val="tx1"/>
@@ -17925,83 +18252,94 @@
             <p:ph idx="1"/>
           </p:nvPr>
         </p:nvSpPr>
-        <p:spPr/>
-        <p:txBody>
-          <a:bodyPr/>
-          <a:lstStyle/>
-          <a:p>
-            <a:r>
-              <a:rPr kumimoji="1" lang="ja-JP" altLang="en-US" sz="3200" dirty="0"/>
+        <p:spPr>
+          <a:xfrm>
+            <a:off x="838200" y="1690688"/>
+            <a:ext cx="10515600" cy="4351338"/>
+          </a:xfrm>
+        </p:spPr>
+        <p:txBody>
+          <a:bodyPr>
+            <a:normAutofit fontScale="92500" lnSpcReduction="10000"/>
+          </a:bodyPr>
+          <a:lstStyle/>
+          <a:p>
+            <a:r>
+              <a:rPr kumimoji="1" lang="ja-JP" altLang="en-US" sz="4400" dirty="0"/>
               <a:t>機能拡張</a:t>
             </a:r>
-            <a:endParaRPr lang="en-US" altLang="ja-JP" sz="3200" dirty="0"/>
+            <a:endParaRPr lang="en-US" altLang="ja-JP" sz="4400" dirty="0"/>
           </a:p>
           <a:p>
             <a:pPr lvl="1"/>
             <a:r>
-              <a:rPr kumimoji="1" lang="ja-JP" altLang="en-US" sz="2800" dirty="0"/>
+              <a:rPr kumimoji="1" lang="ja-JP" altLang="en-US" sz="4000" dirty="0"/>
               <a:t>スクレイピング</a:t>
             </a:r>
-            <a:endParaRPr kumimoji="1" lang="en-US" altLang="ja-JP" sz="2800" dirty="0"/>
+            <a:endParaRPr kumimoji="1" lang="en-US" altLang="ja-JP" sz="4000" dirty="0"/>
           </a:p>
           <a:p>
             <a:pPr lvl="2"/>
             <a:r>
-              <a:rPr lang="ja-JP" altLang="en-US" sz="2400" dirty="0"/>
+              <a:rPr lang="ja-JP" altLang="en-US" sz="3600" dirty="0"/>
               <a:t>起動時 </a:t>
             </a:r>
             <a:r>
-              <a:rPr lang="ja-JP" altLang="en-US" sz="2400" b="1" dirty="0"/>
+              <a:rPr lang="ja-JP" altLang="en-US" sz="3600" b="1" dirty="0"/>
               <a:t>＋ </a:t>
             </a:r>
             <a:r>
-              <a:rPr lang="ja-JP" altLang="en-US" sz="2400" dirty="0"/>
+              <a:rPr lang="ja-JP" altLang="en-US" sz="3600" dirty="0"/>
               <a:t>一定時間ごとに実行</a:t>
             </a:r>
-            <a:endParaRPr lang="en-US" altLang="ja-JP" sz="2400" dirty="0"/>
+            <a:endParaRPr lang="en-US" altLang="ja-JP" sz="3600" dirty="0"/>
           </a:p>
           <a:p>
             <a:pPr lvl="2"/>
             <a:r>
-              <a:rPr kumimoji="1" lang="ja-JP" altLang="en-US" sz="2400" dirty="0"/>
+              <a:rPr kumimoji="1" lang="ja-JP" altLang="en-US" sz="3600" dirty="0"/>
               <a:t>音声ファイル</a:t>
             </a:r>
             <a:r>
-              <a:rPr lang="ja-JP" altLang="en-US" sz="2400" dirty="0"/>
+              <a:rPr lang="ja-JP" altLang="en-US" sz="3600" dirty="0"/>
               <a:t>を</a:t>
             </a:r>
             <a:r>
-              <a:rPr kumimoji="1" lang="ja-JP" altLang="en-US" sz="2400" dirty="0"/>
+              <a:rPr kumimoji="1" lang="ja-JP" altLang="en-US" sz="3600" dirty="0"/>
               <a:t>保存</a:t>
             </a:r>
-            <a:endParaRPr lang="en-US" altLang="ja-JP" sz="2400" dirty="0"/>
+            <a:endParaRPr lang="en-US" altLang="ja-JP" sz="3600" dirty="0"/>
           </a:p>
           <a:p>
             <a:pPr lvl="1"/>
             <a:r>
-              <a:rPr lang="en-US" altLang="ja-JP" sz="2800" dirty="0"/>
+              <a:rPr lang="en-US" altLang="ja-JP" sz="4000" dirty="0"/>
               <a:t>AI</a:t>
             </a:r>
             <a:r>
-              <a:rPr lang="ja-JP" altLang="en-US" sz="2800" dirty="0"/>
+              <a:rPr lang="ja-JP" altLang="en-US" sz="4000" dirty="0"/>
               <a:t>の精度を上げる</a:t>
             </a:r>
-            <a:endParaRPr kumimoji="1" lang="en-US" altLang="ja-JP" sz="2800" dirty="0"/>
-          </a:p>
-          <a:p>
-            <a:r>
-              <a:rPr kumimoji="1" lang="ja-JP" altLang="en-US" sz="3200" dirty="0"/>
+            <a:endParaRPr lang="en-US" altLang="ja-JP" sz="4000" dirty="0"/>
+          </a:p>
+          <a:p>
+            <a:pPr lvl="1"/>
+            <a:endParaRPr kumimoji="1" lang="en-US" altLang="ja-JP" sz="4000" dirty="0"/>
+          </a:p>
+          <a:p>
+            <a:r>
+              <a:rPr kumimoji="1" lang="ja-JP" altLang="en-US" sz="4400" dirty="0"/>
               <a:t>外見作成</a:t>
             </a:r>
-            <a:endParaRPr kumimoji="1" lang="en-US" altLang="ja-JP" sz="3200" dirty="0"/>
+            <a:endParaRPr kumimoji="1" lang="en-US" altLang="ja-JP" sz="4400" dirty="0"/>
           </a:p>
           <a:p>
             <a:pPr lvl="1"/>
             <a:r>
-              <a:rPr lang="ja-JP" altLang="en-US" sz="2800" dirty="0"/>
+              <a:rPr lang="ja-JP" altLang="en-US" sz="4000" dirty="0"/>
               <a:t>こけしをどう作るか</a:t>
             </a:r>
-            <a:endParaRPr lang="en-US" altLang="ja-JP" sz="2800" dirty="0"/>
+            <a:endParaRPr lang="en-US" altLang="ja-JP" sz="4000" dirty="0"/>
           </a:p>
           <a:p>
             <a:endParaRPr lang="en-US" altLang="ja-JP" dirty="0"/>
@@ -18224,141 +18562,6 @@
 </p:sld>
 </file>
 
-<file path=ppt/slides/slide27.xml><?xml version="1.0" encoding="utf-8"?>
-<p:sld xmlns:a="http://schemas.openxmlformats.org/drawingml/2006/main" xmlns:r="http://schemas.openxmlformats.org/officeDocument/2006/relationships" xmlns:p="http://schemas.openxmlformats.org/presentationml/2006/main">
-  <p:cSld>
-    <p:spTree>
-      <p:nvGrpSpPr>
-        <p:cNvPr id="1" name=""/>
-        <p:cNvGrpSpPr/>
-        <p:nvPr/>
-      </p:nvGrpSpPr>
-      <p:grpSpPr>
-        <a:xfrm>
-          <a:off x="0" y="0"/>
-          <a:ext cx="0" cy="0"/>
-          <a:chOff x="0" y="0"/>
-          <a:chExt cx="0" cy="0"/>
-        </a:xfrm>
-      </p:grpSpPr>
-      <p:sp>
-        <p:nvSpPr>
-          <p:cNvPr id="2" name="タイトル 1">
-            <a:extLst>
-              <a:ext uri="{FF2B5EF4-FFF2-40B4-BE49-F238E27FC236}">
-                <a16:creationId xmlns:a16="http://schemas.microsoft.com/office/drawing/2014/main" id="{D945224A-9D04-411A-90E6-C4829D387F29}"/>
-              </a:ext>
-            </a:extLst>
-          </p:cNvPr>
-          <p:cNvSpPr>
-            <a:spLocks noGrp="1"/>
-          </p:cNvSpPr>
-          <p:nvPr>
-            <p:ph type="title"/>
-          </p:nvPr>
-        </p:nvSpPr>
-        <p:spPr/>
-        <p:txBody>
-          <a:bodyPr/>
-          <a:lstStyle/>
-          <a:p>
-            <a:r>
-              <a:rPr kumimoji="1" lang="ja-JP" altLang="en-US" dirty="0"/>
-              <a:t>質疑応答用</a:t>
-            </a:r>
-          </a:p>
-        </p:txBody>
-      </p:sp>
-      <p:sp>
-        <p:nvSpPr>
-          <p:cNvPr id="3" name="コンテンツ プレースホルダー 2">
-            <a:extLst>
-              <a:ext uri="{FF2B5EF4-FFF2-40B4-BE49-F238E27FC236}">
-                <a16:creationId xmlns:a16="http://schemas.microsoft.com/office/drawing/2014/main" id="{B850B4BA-A633-440E-83B5-154DC747BD45}"/>
-              </a:ext>
-            </a:extLst>
-          </p:cNvPr>
-          <p:cNvSpPr>
-            <a:spLocks noGrp="1"/>
-          </p:cNvSpPr>
-          <p:nvPr>
-            <p:ph idx="1"/>
-          </p:nvPr>
-        </p:nvSpPr>
-        <p:spPr/>
-        <p:txBody>
-          <a:bodyPr/>
-          <a:lstStyle/>
-          <a:p>
-            <a:endParaRPr kumimoji="1" lang="ja-JP" altLang="en-US"/>
-          </a:p>
-        </p:txBody>
-      </p:sp>
-      <p:sp>
-        <p:nvSpPr>
-          <p:cNvPr id="5" name="正方形/長方形 4">
-            <a:extLst>
-              <a:ext uri="{FF2B5EF4-FFF2-40B4-BE49-F238E27FC236}">
-                <a16:creationId xmlns:a16="http://schemas.microsoft.com/office/drawing/2014/main" id="{C561F130-152A-459E-80AD-7046811BC933}"/>
-              </a:ext>
-            </a:extLst>
-          </p:cNvPr>
-          <p:cNvSpPr/>
-          <p:nvPr/>
-        </p:nvSpPr>
-        <p:spPr>
-          <a:xfrm>
-            <a:off x="9508067" y="0"/>
-            <a:ext cx="2683933" cy="1593908"/>
-          </a:xfrm>
-          <a:prstGeom prst="rect">
-            <a:avLst/>
-          </a:prstGeom>
-          <a:solidFill>
-            <a:schemeClr val="accent6">
-              <a:lumMod val="60000"/>
-              <a:lumOff val="40000"/>
-            </a:schemeClr>
-          </a:solidFill>
-        </p:spPr>
-        <p:style>
-          <a:lnRef idx="2">
-            <a:schemeClr val="accent1">
-              <a:shade val="50000"/>
-            </a:schemeClr>
-          </a:lnRef>
-          <a:fillRef idx="1">
-            <a:schemeClr val="accent1"/>
-          </a:fillRef>
-          <a:effectRef idx="0">
-            <a:schemeClr val="accent1"/>
-          </a:effectRef>
-          <a:fontRef idx="minor">
-            <a:schemeClr val="lt1"/>
-          </a:fontRef>
-        </p:style>
-        <p:txBody>
-          <a:bodyPr rtlCol="0" anchor="ctr"/>
-          <a:lstStyle/>
-          <a:p>
-            <a:pPr algn="ctr"/>
-            <a:endParaRPr kumimoji="1" lang="ja-JP" altLang="en-US"/>
-          </a:p>
-        </p:txBody>
-      </p:sp>
-    </p:spTree>
-    <p:extLst>
-      <p:ext uri="{BB962C8B-B14F-4D97-AF65-F5344CB8AC3E}">
-        <p14:creationId xmlns:p14="http://schemas.microsoft.com/office/powerpoint/2010/main" val="1597662758"/>
-      </p:ext>
-    </p:extLst>
-  </p:cSld>
-  <p:clrMapOvr>
-    <a:masterClrMapping/>
-  </p:clrMapOvr>
-</p:sld>
-</file>
-
 <file path=ppt/slides/slide3.xml><?xml version="1.0" encoding="utf-8"?>
 <p:sld xmlns:a="http://schemas.openxmlformats.org/drawingml/2006/main" xmlns:r="http://schemas.openxmlformats.org/officeDocument/2006/relationships" xmlns:p="http://schemas.openxmlformats.org/presentationml/2006/main">
   <p:cSld>
@@ -18398,7 +18601,7 @@
           <a:lstStyle/>
           <a:p>
             <a:r>
-              <a:rPr kumimoji="1" lang="ja-JP" altLang="en-US" dirty="0">
+              <a:rPr kumimoji="1" lang="ja-JP" altLang="en-US" b="1" dirty="0">
                 <a:ln>
                   <a:solidFill>
                     <a:schemeClr val="tx1"/>
@@ -18431,7 +18634,7 @@
         </p:nvSpPr>
         <p:spPr>
           <a:xfrm>
-            <a:off x="3176336" y="4583232"/>
+            <a:off x="3188056" y="2408130"/>
             <a:ext cx="2743200" cy="741945"/>
           </a:xfrm>
           <a:prstGeom prst="roundRect">
@@ -18485,7 +18688,7 @@
         </p:nvSpPr>
         <p:spPr>
           <a:xfrm>
-            <a:off x="6204283" y="4583232"/>
+            <a:off x="6216003" y="2408130"/>
             <a:ext cx="2743200" cy="741945"/>
           </a:xfrm>
           <a:prstGeom prst="roundRect">
@@ -18539,7 +18742,7 @@
         </p:nvSpPr>
         <p:spPr>
           <a:xfrm>
-            <a:off x="9208168" y="4583232"/>
+            <a:off x="9219888" y="2408130"/>
             <a:ext cx="2743200" cy="741945"/>
           </a:xfrm>
           <a:prstGeom prst="roundRect">
@@ -18598,7 +18801,7 @@
         </p:nvSpPr>
         <p:spPr>
           <a:xfrm>
-            <a:off x="3188367" y="4583232"/>
+            <a:off x="3200087" y="2408130"/>
             <a:ext cx="2743200" cy="741945"/>
           </a:xfrm>
           <a:prstGeom prst="roundRect">
@@ -18652,7 +18855,7 @@
         </p:nvSpPr>
         <p:spPr>
           <a:xfrm>
-            <a:off x="6216314" y="4583232"/>
+            <a:off x="6228034" y="2408130"/>
             <a:ext cx="2743200" cy="741945"/>
           </a:xfrm>
           <a:prstGeom prst="roundRect">
@@ -18706,7 +18909,7 @@
         </p:nvSpPr>
         <p:spPr>
           <a:xfrm>
-            <a:off x="9220199" y="2742398"/>
+            <a:off x="9243950" y="3229286"/>
             <a:ext cx="2743200" cy="1744579"/>
           </a:xfrm>
           <a:prstGeom prst="roundRect">
@@ -18776,7 +18979,7 @@
         </p:nvSpPr>
         <p:spPr>
           <a:xfrm>
-            <a:off x="148389" y="2742398"/>
+            <a:off x="172140" y="3229286"/>
             <a:ext cx="2743200" cy="1744579"/>
           </a:xfrm>
           <a:prstGeom prst="roundRect">
@@ -18846,7 +19049,7 @@
         </p:nvSpPr>
         <p:spPr>
           <a:xfrm>
-            <a:off x="3176336" y="2742398"/>
+            <a:off x="3200087" y="3229286"/>
             <a:ext cx="2743200" cy="1744579"/>
           </a:xfrm>
           <a:prstGeom prst="roundRect">
@@ -18916,7 +19119,7 @@
         </p:nvSpPr>
         <p:spPr>
           <a:xfrm>
-            <a:off x="6204283" y="2742398"/>
+            <a:off x="6228034" y="3229286"/>
             <a:ext cx="2743200" cy="1744579"/>
           </a:xfrm>
           <a:prstGeom prst="roundRect">
@@ -18979,7 +19182,7 @@
         </p:nvSpPr>
         <p:spPr>
           <a:xfrm>
-            <a:off x="160420" y="4620207"/>
+            <a:off x="172140" y="2445105"/>
             <a:ext cx="2743200" cy="741945"/>
           </a:xfrm>
           <a:prstGeom prst="roundRect">
@@ -19038,7 +19241,7 @@
         </p:nvSpPr>
         <p:spPr>
           <a:xfrm>
-            <a:off x="3176336" y="4583232"/>
+            <a:off x="3188056" y="2408130"/>
             <a:ext cx="2743200" cy="741945"/>
           </a:xfrm>
           <a:prstGeom prst="roundRect">
@@ -19097,7 +19300,7 @@
         </p:nvSpPr>
         <p:spPr>
           <a:xfrm>
-            <a:off x="6204283" y="4583232"/>
+            <a:off x="6216003" y="2408130"/>
             <a:ext cx="2743200" cy="741945"/>
           </a:xfrm>
           <a:prstGeom prst="roundRect">
@@ -19156,7 +19359,7 @@
         </p:nvSpPr>
         <p:spPr>
           <a:xfrm>
-            <a:off x="2759242" y="3124276"/>
+            <a:off x="2782993" y="3611164"/>
             <a:ext cx="549441" cy="1085977"/>
           </a:xfrm>
           <a:prstGeom prst="rightArrow">
@@ -19212,7 +19415,7 @@
         </p:nvSpPr>
         <p:spPr>
           <a:xfrm>
-            <a:off x="5799220" y="3128724"/>
+            <a:off x="5822971" y="3615612"/>
             <a:ext cx="549441" cy="1085977"/>
           </a:xfrm>
           <a:prstGeom prst="rightArrow">
@@ -19268,7 +19471,7 @@
         </p:nvSpPr>
         <p:spPr>
           <a:xfrm>
-            <a:off x="8803105" y="3136308"/>
+            <a:off x="8826856" y="3623196"/>
             <a:ext cx="549441" cy="1085977"/>
           </a:xfrm>
           <a:prstGeom prst="rightArrow">
@@ -19419,7 +19622,7 @@
           <a:lstStyle/>
           <a:p>
             <a:r>
-              <a:rPr kumimoji="1" lang="en-US" altLang="ja-JP" dirty="0">
+              <a:rPr kumimoji="1" lang="en-US" altLang="ja-JP" b="1" dirty="0">
                 <a:ln>
                   <a:solidFill>
                     <a:schemeClr val="tx1"/>
@@ -19435,7 +19638,7 @@
               </a:rPr>
               <a:t>Julius</a:t>
             </a:r>
-            <a:endParaRPr kumimoji="1" lang="ja-JP" altLang="en-US" dirty="0">
+            <a:endParaRPr kumimoji="1" lang="ja-JP" altLang="en-US" b="1" dirty="0">
               <a:ln>
                 <a:solidFill>
                   <a:schemeClr val="tx1"/>
@@ -19991,8 +20194,8 @@
         </p:nvSpPr>
         <p:spPr>
           <a:xfrm>
-            <a:off x="3662681" y="2967657"/>
-            <a:ext cx="4331368" cy="628442"/>
+            <a:off x="3659671" y="3111875"/>
+            <a:ext cx="4852247" cy="730424"/>
           </a:xfrm>
           <a:prstGeom prst="rect">
             <a:avLst/>
@@ -20023,7 +20226,7 @@
           <a:p>
             <a:pPr algn="ctr"/>
             <a:r>
-              <a:rPr kumimoji="1" lang="en-US" altLang="ja-JP" b="1" dirty="0">
+              <a:rPr kumimoji="1" lang="en-US" altLang="ja-JP" sz="2400" b="1" dirty="0">
                 <a:solidFill>
                   <a:schemeClr val="accent6">
                     <a:lumMod val="50000"/>
@@ -20033,7 +20236,7 @@
               <a:t>Julius</a:t>
             </a:r>
             <a:r>
-              <a:rPr kumimoji="1" lang="ja-JP" altLang="en-US" b="1" dirty="0">
+              <a:rPr kumimoji="1" lang="ja-JP" altLang="en-US" sz="2400" b="1" dirty="0">
                 <a:solidFill>
                   <a:schemeClr val="accent6">
                     <a:lumMod val="50000"/>
@@ -20043,7 +20246,7 @@
               <a:t>サーバと接続</a:t>
             </a:r>
             <a:r>
-              <a:rPr kumimoji="1" lang="en-US" altLang="ja-JP" b="1" dirty="0">
+              <a:rPr kumimoji="1" lang="en-US" altLang="ja-JP" sz="2400" b="1" dirty="0">
                 <a:solidFill>
                   <a:schemeClr val="accent6">
                     <a:lumMod val="50000"/>
@@ -20053,7 +20256,7 @@
               <a:t>(socket</a:t>
             </a:r>
             <a:r>
-              <a:rPr kumimoji="1" lang="ja-JP" altLang="en-US" b="1" dirty="0">
+              <a:rPr kumimoji="1" lang="ja-JP" altLang="en-US" sz="2400" b="1" dirty="0">
                 <a:solidFill>
                   <a:schemeClr val="accent6">
                     <a:lumMod val="50000"/>
@@ -20063,7 +20266,7 @@
               <a:t>通信</a:t>
             </a:r>
             <a:r>
-              <a:rPr kumimoji="1" lang="en-US" altLang="ja-JP" b="1" dirty="0">
+              <a:rPr kumimoji="1" lang="en-US" altLang="ja-JP" sz="2400" b="1" dirty="0">
                 <a:solidFill>
                   <a:schemeClr val="accent6">
                     <a:lumMod val="50000"/>
@@ -20089,8 +20292,8 @@
         </p:nvSpPr>
         <p:spPr>
           <a:xfrm>
-            <a:off x="3656663" y="4085619"/>
-            <a:ext cx="4331367" cy="659274"/>
+            <a:off x="3653654" y="4229836"/>
+            <a:ext cx="4852246" cy="766259"/>
           </a:xfrm>
           <a:prstGeom prst="rect">
             <a:avLst/>
@@ -20121,7 +20324,7 @@
           <a:p>
             <a:pPr algn="ctr"/>
             <a:r>
-              <a:rPr kumimoji="1" lang="ja-JP" altLang="en-US" b="1" dirty="0">
+              <a:rPr kumimoji="1" lang="ja-JP" altLang="en-US" sz="2400" b="1" dirty="0">
                 <a:solidFill>
                   <a:schemeClr val="accent6">
                     <a:lumMod val="50000"/>
@@ -20130,7 +20333,7 @@
               </a:rPr>
               <a:t>音声認識</a:t>
             </a:r>
-            <a:endParaRPr kumimoji="1" lang="en-US" altLang="ja-JP" b="1" dirty="0">
+            <a:endParaRPr kumimoji="1" lang="en-US" altLang="ja-JP" sz="2400" b="1" dirty="0">
               <a:solidFill>
                 <a:schemeClr val="accent6">
                   <a:lumMod val="50000"/>
@@ -20154,8 +20357,8 @@
         </p:nvSpPr>
         <p:spPr>
           <a:xfrm>
-            <a:off x="3656663" y="5238974"/>
-            <a:ext cx="4325349" cy="659274"/>
+            <a:off x="3653654" y="5383191"/>
+            <a:ext cx="4845504" cy="766259"/>
           </a:xfrm>
           <a:prstGeom prst="rect">
             <a:avLst/>
@@ -20186,7 +20389,7 @@
           <a:p>
             <a:pPr algn="ctr"/>
             <a:r>
-              <a:rPr lang="ja-JP" altLang="en-US" b="1">
+              <a:rPr lang="ja-JP" altLang="en-US" sz="2400" b="1">
                 <a:solidFill>
                   <a:schemeClr val="accent6">
                     <a:lumMod val="50000"/>
@@ -20195,7 +20398,7 @@
               </a:rPr>
               <a:t>サーバからデータを取得</a:t>
             </a:r>
-            <a:endParaRPr lang="ja-JP" altLang="en-US" b="1" dirty="0">
+            <a:endParaRPr lang="ja-JP" altLang="en-US" sz="2400" b="1" dirty="0">
               <a:solidFill>
                 <a:schemeClr val="accent6">
                   <a:lumMod val="50000"/>
@@ -20223,8 +20426,8 @@
         </p:nvCxnSpPr>
         <p:spPr>
           <a:xfrm flipH="1">
-            <a:off x="5822347" y="3596099"/>
-            <a:ext cx="6018" cy="489520"/>
+            <a:off x="6079777" y="3842299"/>
+            <a:ext cx="6018" cy="387537"/>
           </a:xfrm>
           <a:prstGeom prst="straightConnector1">
             <a:avLst/>
@@ -20271,8 +20474,8 @@
         </p:nvCxnSpPr>
         <p:spPr>
           <a:xfrm>
-            <a:off x="5825356" y="2113107"/>
-            <a:ext cx="3009" cy="854550"/>
+            <a:off x="6085433" y="2220091"/>
+            <a:ext cx="362" cy="891784"/>
           </a:xfrm>
           <a:prstGeom prst="straightConnector1">
             <a:avLst/>
@@ -20319,8 +20522,8 @@
         </p:nvCxnSpPr>
         <p:spPr>
           <a:xfrm flipH="1">
-            <a:off x="5819338" y="4744893"/>
-            <a:ext cx="3009" cy="494081"/>
+            <a:off x="6076406" y="4996095"/>
+            <a:ext cx="3371" cy="387096"/>
           </a:xfrm>
           <a:prstGeom prst="straightConnector1">
             <a:avLst/>
@@ -20376,7 +20579,7 @@
           <a:lstStyle/>
           <a:p>
             <a:r>
-              <a:rPr lang="en-US" altLang="ja-JP" dirty="0">
+              <a:rPr lang="en-US" altLang="ja-JP" b="1" dirty="0">
                 <a:ln>
                   <a:solidFill>
                     <a:schemeClr val="tx1"/>
@@ -20393,7 +20596,7 @@
               <a:t>Python</a:t>
             </a:r>
             <a:r>
-              <a:rPr lang="ja-JP" altLang="en-US" dirty="0">
+              <a:rPr lang="ja-JP" altLang="en-US" b="1" dirty="0">
                 <a:ln>
                   <a:solidFill>
                     <a:schemeClr val="tx1"/>
@@ -20426,8 +20629,8 @@
         </p:nvSpPr>
         <p:spPr>
           <a:xfrm>
-            <a:off x="3662681" y="1453833"/>
-            <a:ext cx="4325349" cy="659274"/>
+            <a:off x="3662681" y="1453832"/>
+            <a:ext cx="4845504" cy="766259"/>
           </a:xfrm>
           <a:prstGeom prst="rect">
             <a:avLst/>
@@ -20458,7 +20661,7 @@
           <a:p>
             <a:pPr algn="ctr"/>
             <a:r>
-              <a:rPr kumimoji="1" lang="en-US" altLang="ja-JP" b="1" dirty="0">
+              <a:rPr kumimoji="1" lang="en-US" altLang="ja-JP" sz="2400" b="1" dirty="0">
                 <a:solidFill>
                   <a:schemeClr val="accent6">
                     <a:lumMod val="50000"/>
@@ -20468,7 +20671,7 @@
               <a:t>Julius</a:t>
             </a:r>
             <a:r>
-              <a:rPr kumimoji="1" lang="ja-JP" altLang="en-US" b="1" dirty="0">
+              <a:rPr kumimoji="1" lang="ja-JP" altLang="en-US" sz="2400" b="1" dirty="0">
                 <a:solidFill>
                   <a:schemeClr val="accent6">
                     <a:lumMod val="50000"/>
@@ -20494,8 +20697,8 @@
         </p:nvSpPr>
         <p:spPr>
           <a:xfrm>
-            <a:off x="3254644" y="2650211"/>
-            <a:ext cx="5129939" cy="3431276"/>
+            <a:off x="3254644" y="2650210"/>
+            <a:ext cx="5746852" cy="3988095"/>
           </a:xfrm>
           <a:prstGeom prst="rect">
             <a:avLst/>
@@ -20530,7 +20733,7 @@
           <a:lstStyle/>
           <a:p>
             <a:pPr algn="ctr"/>
-            <a:endParaRPr kumimoji="1" lang="ja-JP" altLang="en-US"/>
+            <a:endParaRPr kumimoji="1" lang="ja-JP" altLang="en-US" sz="2400"/>
           </a:p>
         </p:txBody>
       </p:sp>
@@ -20549,7 +20752,7 @@
         <p:spPr>
           <a:xfrm>
             <a:off x="3653654" y="2452914"/>
-            <a:ext cx="1391299" cy="369332"/>
+            <a:ext cx="1558613" cy="461665"/>
           </a:xfrm>
           <a:prstGeom prst="rect">
             <a:avLst/>
@@ -20573,10 +20776,10 @@
           <a:p>
             <a:pPr algn="ctr"/>
             <a:r>
-              <a:rPr kumimoji="1" lang="en-US" altLang="ja-JP" b="1" dirty="0"/>
+              <a:rPr kumimoji="1" lang="en-US" altLang="ja-JP" sz="2400" b="1" dirty="0"/>
               <a:t>Python</a:t>
             </a:r>
-            <a:endParaRPr kumimoji="1" lang="ja-JP" altLang="en-US" b="1" dirty="0"/>
+            <a:endParaRPr kumimoji="1" lang="ja-JP" altLang="en-US" sz="2400" b="1" dirty="0"/>
           </a:p>
         </p:txBody>
       </p:sp>
@@ -20640,7 +20843,20 @@
           <a:lstStyle/>
           <a:p>
             <a:r>
-              <a:rPr kumimoji="1" lang="ja-JP" altLang="en-US" dirty="0"/>
+              <a:rPr kumimoji="1" lang="ja-JP" altLang="en-US" b="1" dirty="0">
+                <a:ln>
+                  <a:solidFill>
+                    <a:sysClr val="windowText" lastClr="000000"/>
+                  </a:solidFill>
+                </a:ln>
+                <a:solidFill>
+                  <a:schemeClr val="accent6">
+                    <a:lumMod val="75000"/>
+                  </a:schemeClr>
+                </a:solidFill>
+                <a:latin typeface="HGP明朝E" panose="02020900000000000000" pitchFamily="18" charset="-128"/>
+                <a:ea typeface="HGP明朝E" panose="02020900000000000000" pitchFamily="18" charset="-128"/>
+              </a:rPr>
               <a:t>音声認識</a:t>
             </a:r>
           </a:p>
@@ -21276,39 +21492,6 @@
       </p:grpSpPr>
       <p:sp>
         <p:nvSpPr>
-          <p:cNvPr id="2" name="タイトル 1">
-            <a:extLst>
-              <a:ext uri="{FF2B5EF4-FFF2-40B4-BE49-F238E27FC236}">
-                <a16:creationId xmlns:a16="http://schemas.microsoft.com/office/drawing/2014/main" id="{6013F5B6-66F1-48A8-9C57-A854E55E1670}"/>
-              </a:ext>
-            </a:extLst>
-          </p:cNvPr>
-          <p:cNvSpPr>
-            <a:spLocks noGrp="1"/>
-          </p:cNvSpPr>
-          <p:nvPr>
-            <p:ph type="title"/>
-          </p:nvPr>
-        </p:nvSpPr>
-        <p:spPr>
-          <a:xfrm>
-            <a:off x="838200" y="346074"/>
-            <a:ext cx="10515600" cy="1325563"/>
-          </a:xfrm>
-        </p:spPr>
-        <p:txBody>
-          <a:bodyPr/>
-          <a:lstStyle/>
-          <a:p>
-            <a:r>
-              <a:rPr kumimoji="1" lang="ja-JP" altLang="en-US" dirty="0"/>
-              <a:t>音声認識</a:t>
-            </a:r>
-          </a:p>
-        </p:txBody>
-      </p:sp>
-      <p:sp>
-        <p:nvSpPr>
           <p:cNvPr id="4" name="四角形: 角を丸くする 3">
             <a:extLst>
               <a:ext uri="{FF2B5EF4-FFF2-40B4-BE49-F238E27FC236}">
@@ -21958,6 +22141,52 @@
           <a:p>
             <a:pPr algn="ctr"/>
             <a:endParaRPr kumimoji="1" lang="ja-JP" altLang="en-US"/>
+          </a:p>
+        </p:txBody>
+      </p:sp>
+      <p:sp>
+        <p:nvSpPr>
+          <p:cNvPr id="16" name="タイトル 1">
+            <a:extLst>
+              <a:ext uri="{FF2B5EF4-FFF2-40B4-BE49-F238E27FC236}">
+                <a16:creationId xmlns:a16="http://schemas.microsoft.com/office/drawing/2014/main" id="{1E162877-38C2-48D7-BFDC-8DDC72C24CCE}"/>
+              </a:ext>
+            </a:extLst>
+          </p:cNvPr>
+          <p:cNvSpPr>
+            <a:spLocks noGrp="1"/>
+          </p:cNvSpPr>
+          <p:nvPr>
+            <p:ph type="title"/>
+          </p:nvPr>
+        </p:nvSpPr>
+        <p:spPr>
+          <a:xfrm>
+            <a:off x="838200" y="365125"/>
+            <a:ext cx="10515600" cy="1325563"/>
+          </a:xfrm>
+        </p:spPr>
+        <p:txBody>
+          <a:bodyPr/>
+          <a:lstStyle/>
+          <a:p>
+            <a:r>
+              <a:rPr kumimoji="1" lang="ja-JP" altLang="en-US" b="1" dirty="0">
+                <a:ln>
+                  <a:solidFill>
+                    <a:sysClr val="windowText" lastClr="000000"/>
+                  </a:solidFill>
+                </a:ln>
+                <a:solidFill>
+                  <a:schemeClr val="accent6">
+                    <a:lumMod val="75000"/>
+                  </a:schemeClr>
+                </a:solidFill>
+                <a:latin typeface="HGP明朝E" panose="02020900000000000000" pitchFamily="18" charset="-128"/>
+                <a:ea typeface="HGP明朝E" panose="02020900000000000000" pitchFamily="18" charset="-128"/>
+              </a:rPr>
+              <a:t>音声認識</a:t>
+            </a:r>
           </a:p>
         </p:txBody>
       </p:sp>
@@ -21993,34 +22222,6 @@
       </p:grpSpPr>
       <p:sp>
         <p:nvSpPr>
-          <p:cNvPr id="2" name="タイトル 1">
-            <a:extLst>
-              <a:ext uri="{FF2B5EF4-FFF2-40B4-BE49-F238E27FC236}">
-                <a16:creationId xmlns:a16="http://schemas.microsoft.com/office/drawing/2014/main" id="{9F975EEC-78A4-44BC-82F5-35B75F3E141D}"/>
-              </a:ext>
-            </a:extLst>
-          </p:cNvPr>
-          <p:cNvSpPr>
-            <a:spLocks noGrp="1"/>
-          </p:cNvSpPr>
-          <p:nvPr>
-            <p:ph type="title"/>
-          </p:nvPr>
-        </p:nvSpPr>
-        <p:spPr/>
-        <p:txBody>
-          <a:bodyPr/>
-          <a:lstStyle/>
-          <a:p>
-            <a:r>
-              <a:rPr kumimoji="1" lang="ja-JP" altLang="en-US" dirty="0"/>
-              <a:t>音声認識</a:t>
-            </a:r>
-          </a:p>
-        </p:txBody>
-      </p:sp>
-      <p:sp>
-        <p:nvSpPr>
           <p:cNvPr id="4" name="正方形/長方形 3">
             <a:extLst>
               <a:ext uri="{FF2B5EF4-FFF2-40B4-BE49-F238E27FC236}">
@@ -22033,7 +22234,7 @@
         </p:nvSpPr>
         <p:spPr>
           <a:xfrm>
-            <a:off x="3346450" y="2926557"/>
+            <a:off x="3346450" y="3204478"/>
             <a:ext cx="5499100" cy="3606801"/>
           </a:xfrm>
           <a:prstGeom prst="rect">
@@ -22198,7 +22399,7 @@
         </p:nvSpPr>
         <p:spPr>
           <a:xfrm>
-            <a:off x="5156200" y="1403568"/>
+            <a:off x="4589070" y="1690688"/>
             <a:ext cx="5511800" cy="1077218"/>
           </a:xfrm>
           <a:prstGeom prst="rect">
@@ -22241,7 +22442,7 @@
         </p:nvSpPr>
         <p:spPr>
           <a:xfrm>
-            <a:off x="1358900" y="1588234"/>
+            <a:off x="764390" y="1875974"/>
             <a:ext cx="3111500" cy="707886"/>
           </a:xfrm>
           <a:prstGeom prst="rect">
@@ -22276,7 +22477,7 @@
         </p:nvSpPr>
         <p:spPr>
           <a:xfrm>
-            <a:off x="4038600" y="1563411"/>
+            <a:off x="3446070" y="1880358"/>
             <a:ext cx="952500" cy="698500"/>
           </a:xfrm>
           <a:prstGeom prst="rightArrow">
@@ -22330,7 +22531,7 @@
         </p:nvSpPr>
         <p:spPr>
           <a:xfrm>
-            <a:off x="5029200" y="1282700"/>
+            <a:off x="4462070" y="1559664"/>
             <a:ext cx="5765800" cy="1325563"/>
           </a:xfrm>
           <a:prstGeom prst="roundRect">
@@ -22419,6 +22620,52 @@
           <a:p>
             <a:pPr algn="ctr"/>
             <a:endParaRPr kumimoji="1" lang="ja-JP" altLang="en-US"/>
+          </a:p>
+        </p:txBody>
+      </p:sp>
+      <p:sp>
+        <p:nvSpPr>
+          <p:cNvPr id="11" name="タイトル 1">
+            <a:extLst>
+              <a:ext uri="{FF2B5EF4-FFF2-40B4-BE49-F238E27FC236}">
+                <a16:creationId xmlns:a16="http://schemas.microsoft.com/office/drawing/2014/main" id="{62790C20-A0F1-4A16-A887-2C6C30B8F4A9}"/>
+              </a:ext>
+            </a:extLst>
+          </p:cNvPr>
+          <p:cNvSpPr>
+            <a:spLocks noGrp="1"/>
+          </p:cNvSpPr>
+          <p:nvPr>
+            <p:ph type="title"/>
+          </p:nvPr>
+        </p:nvSpPr>
+        <p:spPr>
+          <a:xfrm>
+            <a:off x="838200" y="365125"/>
+            <a:ext cx="10515600" cy="1325563"/>
+          </a:xfrm>
+        </p:spPr>
+        <p:txBody>
+          <a:bodyPr/>
+          <a:lstStyle/>
+          <a:p>
+            <a:r>
+              <a:rPr kumimoji="1" lang="ja-JP" altLang="en-US" b="1" dirty="0">
+                <a:ln>
+                  <a:solidFill>
+                    <a:sysClr val="windowText" lastClr="000000"/>
+                  </a:solidFill>
+                </a:ln>
+                <a:solidFill>
+                  <a:schemeClr val="accent6">
+                    <a:lumMod val="75000"/>
+                  </a:schemeClr>
+                </a:solidFill>
+                <a:latin typeface="HGP明朝E" panose="02020900000000000000" pitchFamily="18" charset="-128"/>
+                <a:ea typeface="HGP明朝E" panose="02020900000000000000" pitchFamily="18" charset="-128"/>
+              </a:rPr>
+              <a:t>音声認識</a:t>
+            </a:r>
           </a:p>
         </p:txBody>
       </p:sp>
@@ -22484,39 +22731,6 @@
       </p:pic>
       <p:sp>
         <p:nvSpPr>
-          <p:cNvPr id="2" name="タイトル 1">
-            <a:extLst>
-              <a:ext uri="{FF2B5EF4-FFF2-40B4-BE49-F238E27FC236}">
-                <a16:creationId xmlns:a16="http://schemas.microsoft.com/office/drawing/2014/main" id="{4A6A2DDF-EF48-469D-8A63-6577374E48DF}"/>
-              </a:ext>
-            </a:extLst>
-          </p:cNvPr>
-          <p:cNvSpPr>
-            <a:spLocks noGrp="1"/>
-          </p:cNvSpPr>
-          <p:nvPr>
-            <p:ph type="title"/>
-          </p:nvPr>
-        </p:nvSpPr>
-        <p:spPr>
-          <a:xfrm>
-            <a:off x="838200" y="365125"/>
-            <a:ext cx="10515600" cy="1325563"/>
-          </a:xfrm>
-        </p:spPr>
-        <p:txBody>
-          <a:bodyPr/>
-          <a:lstStyle/>
-          <a:p>
-            <a:r>
-              <a:rPr kumimoji="1" lang="ja-JP" altLang="en-US" dirty="0"/>
-              <a:t>音声認識</a:t>
-            </a:r>
-          </a:p>
-        </p:txBody>
-      </p:sp>
-      <p:sp>
-        <p:nvSpPr>
           <p:cNvPr id="4" name="四角形: 角を丸くする 3">
             <a:extLst>
               <a:ext uri="{FF2B5EF4-FFF2-40B4-BE49-F238E27FC236}">
@@ -23259,6 +23473,52 @@
           <a:p>
             <a:pPr algn="ctr"/>
             <a:endParaRPr kumimoji="1" lang="ja-JP" altLang="en-US"/>
+          </a:p>
+        </p:txBody>
+      </p:sp>
+      <p:sp>
+        <p:nvSpPr>
+          <p:cNvPr id="19" name="タイトル 1">
+            <a:extLst>
+              <a:ext uri="{FF2B5EF4-FFF2-40B4-BE49-F238E27FC236}">
+                <a16:creationId xmlns:a16="http://schemas.microsoft.com/office/drawing/2014/main" id="{C4E99BE8-EB7D-49F9-9210-CFB3970320DE}"/>
+              </a:ext>
+            </a:extLst>
+          </p:cNvPr>
+          <p:cNvSpPr>
+            <a:spLocks noGrp="1"/>
+          </p:cNvSpPr>
+          <p:nvPr>
+            <p:ph type="title"/>
+          </p:nvPr>
+        </p:nvSpPr>
+        <p:spPr>
+          <a:xfrm>
+            <a:off x="838200" y="365125"/>
+            <a:ext cx="10515600" cy="1325563"/>
+          </a:xfrm>
+        </p:spPr>
+        <p:txBody>
+          <a:bodyPr/>
+          <a:lstStyle/>
+          <a:p>
+            <a:r>
+              <a:rPr kumimoji="1" lang="ja-JP" altLang="en-US" b="1" dirty="0">
+                <a:ln>
+                  <a:solidFill>
+                    <a:sysClr val="windowText" lastClr="000000"/>
+                  </a:solidFill>
+                </a:ln>
+                <a:solidFill>
+                  <a:schemeClr val="accent6">
+                    <a:lumMod val="75000"/>
+                  </a:schemeClr>
+                </a:solidFill>
+                <a:latin typeface="HGP明朝E" panose="02020900000000000000" pitchFamily="18" charset="-128"/>
+                <a:ea typeface="HGP明朝E" panose="02020900000000000000" pitchFamily="18" charset="-128"/>
+              </a:rPr>
+              <a:t>音声認識</a:t>
+            </a:r>
           </a:p>
         </p:txBody>
       </p:sp>

--- a/presentation/AIスピーカー開発_2.pptx
+++ b/presentation/AIスピーカー開発_2.pptx
@@ -5,7 +5,7 @@
     <p:sldMasterId id="2147483648" r:id="rId1"/>
   </p:sldMasterIdLst>
   <p:notesMasterIdLst>
-    <p:notesMasterId r:id="rId28"/>
+    <p:notesMasterId r:id="rId29"/>
   </p:notesMasterIdLst>
   <p:sldIdLst>
     <p:sldId id="256" r:id="rId2"/>
@@ -25,15 +25,16 @@
     <p:sldId id="257" r:id="rId16"/>
     <p:sldId id="264" r:id="rId17"/>
     <p:sldId id="258" r:id="rId18"/>
-    <p:sldId id="263" r:id="rId19"/>
-    <p:sldId id="266" r:id="rId20"/>
-    <p:sldId id="272" r:id="rId21"/>
-    <p:sldId id="279" r:id="rId22"/>
-    <p:sldId id="259" r:id="rId23"/>
-    <p:sldId id="273" r:id="rId24"/>
-    <p:sldId id="276" r:id="rId25"/>
-    <p:sldId id="267" r:id="rId26"/>
-    <p:sldId id="289" r:id="rId27"/>
+    <p:sldId id="295" r:id="rId19"/>
+    <p:sldId id="263" r:id="rId20"/>
+    <p:sldId id="266" r:id="rId21"/>
+    <p:sldId id="272" r:id="rId22"/>
+    <p:sldId id="279" r:id="rId23"/>
+    <p:sldId id="259" r:id="rId24"/>
+    <p:sldId id="273" r:id="rId25"/>
+    <p:sldId id="276" r:id="rId26"/>
+    <p:sldId id="267" r:id="rId27"/>
+    <p:sldId id="289" r:id="rId28"/>
   </p:sldIdLst>
   <p:sldSz cx="12192000" cy="6858000"/>
   <p:notesSz cx="6858000" cy="9144000"/>
@@ -684,21 +685,21 @@
           <a:p>
             <a:r>
               <a:rPr kumimoji="1" lang="ja-JP" altLang="en-US" dirty="0"/>
-              <a:t>まずこの％の隣に書かれているのがラベル名。これは“てんこう”というラベル名がついています。</a:t>
+              <a:t>まずこの★％の隣に書かれているのがラベル名。これは“てんこう”というラベル名がついています。</a:t>
             </a:r>
             <a:endParaRPr kumimoji="1" lang="en-US" altLang="ja-JP" dirty="0"/>
           </a:p>
           <a:p>
             <a:r>
               <a:rPr kumimoji="1" lang="ja-JP" altLang="en-US" dirty="0"/>
-              <a:t>そして左側に書かれているのが“てんこう”ラベルに含まれる単語で、</a:t>
+              <a:t>そして★左側に書かれているのが“てんこう”ラベルに含まれる単語で、</a:t>
             </a:r>
             <a:endParaRPr kumimoji="1" lang="en-US" altLang="ja-JP" dirty="0"/>
           </a:p>
           <a:p>
             <a:r>
               <a:rPr kumimoji="1" lang="ja-JP" altLang="en-US" dirty="0"/>
-              <a:t>右側にその音素が書かれています</a:t>
+              <a:t>★右側にその音素が書かれています</a:t>
             </a:r>
             <a:endParaRPr kumimoji="1" lang="en-US" altLang="ja-JP" dirty="0"/>
           </a:p>
@@ -793,14 +794,14 @@
           <a:p>
             <a:r>
               <a:rPr kumimoji="1" lang="ja-JP" altLang="en-US" dirty="0"/>
-              <a:t>文章パターンは、ラベルを右から左に向かって記述されています。</a:t>
+              <a:t>文章パターンは、ラベルを★右から左に向かって記述されています。</a:t>
             </a:r>
             <a:endParaRPr kumimoji="1" lang="en-US" altLang="ja-JP" dirty="0"/>
           </a:p>
           <a:p>
             <a:r>
               <a:rPr kumimoji="1" lang="ja-JP" altLang="en-US" dirty="0"/>
-              <a:t>たとえば、こちらの行は、「今日の天気は“晴れ・雨・曇り”かな」（指で</a:t>
+              <a:t>たとえば、こちらの行は、★「今日の天気は“晴れ・雨・曇り”かな」（指で</a:t>
             </a:r>
             <a:r>
               <a:rPr kumimoji="1" lang="en-US" altLang="ja-JP" dirty="0"/>
@@ -1863,71 +1864,14 @@
           <a:p>
             <a:r>
               <a:rPr kumimoji="1" lang="ja-JP" altLang="en-US" dirty="0"/>
-              <a:t>★「今日　の　天気　は　晴れ　？」という文章のあとに★「今日　の　天気　を教えて」という文章を追加しても、★「今日の天気」の部分が重複してしまうため、</a:t>
+              <a:t>★「今日　の　天気　は　晴れ　？」という文章のあとに★「今日　の　天気　を教えて」という文章を追加しても、★「今日の天気」の部分が重複してしまうため、★その分データが増えないことになります</a:t>
             </a:r>
             <a:endParaRPr kumimoji="1" lang="en-US" altLang="ja-JP" dirty="0"/>
           </a:p>
           <a:p>
             <a:r>
               <a:rPr kumimoji="1" lang="ja-JP" altLang="en-US" dirty="0"/>
-              <a:t>その分データが増えないことになります</a:t>
-            </a:r>
-            <a:endParaRPr kumimoji="1" lang="en-US" altLang="ja-JP" dirty="0"/>
-          </a:p>
-          <a:p>
-            <a:r>
-              <a:rPr kumimoji="1" lang="ja-JP" altLang="en-US" dirty="0"/>
-              <a:t>私たちが使うであろう文章は、単語が多く重複してしまうため、対策を考えました</a:t>
-            </a:r>
-            <a:endParaRPr kumimoji="1" lang="en-US" altLang="ja-JP" dirty="0"/>
-          </a:p>
-          <a:p>
-            <a:r>
-              <a:rPr kumimoji="1" lang="ja-JP" altLang="en-US" dirty="0"/>
-              <a:t>★解決策として、文章を分割せずに、そのまま</a:t>
-            </a:r>
-            <a:r>
-              <a:rPr kumimoji="1" lang="en-US" altLang="ja-JP" dirty="0"/>
-              <a:t>1</a:t>
-            </a:r>
-            <a:r>
-              <a:rPr kumimoji="1" lang="ja-JP" altLang="en-US" dirty="0" err="1"/>
-              <a:t>つの</a:t>
-            </a:r>
-            <a:r>
-              <a:rPr kumimoji="1" lang="ja-JP" altLang="en-US" dirty="0"/>
-              <a:t>文章を</a:t>
-            </a:r>
-            <a:r>
-              <a:rPr kumimoji="1" lang="en-US" altLang="ja-JP" dirty="0"/>
-              <a:t>1</a:t>
-            </a:r>
-            <a:r>
-              <a:rPr kumimoji="1" lang="ja-JP" altLang="en-US" dirty="0" err="1"/>
-              <a:t>つの</a:t>
-            </a:r>
-            <a:r>
-              <a:rPr kumimoji="1" lang="ja-JP" altLang="en-US" dirty="0"/>
-              <a:t>単語として扱うという方法を考えました</a:t>
-            </a:r>
-            <a:endParaRPr kumimoji="1" lang="en-US" altLang="ja-JP" dirty="0"/>
-          </a:p>
-          <a:p>
-            <a:r>
-              <a:rPr kumimoji="1" lang="ja-JP" altLang="en-US" dirty="0"/>
-              <a:t>こうすることで、入力した文章がそのまま</a:t>
-            </a:r>
-            <a:r>
-              <a:rPr kumimoji="1" lang="en-US" altLang="ja-JP" dirty="0"/>
-              <a:t>1</a:t>
-            </a:r>
-            <a:r>
-              <a:rPr kumimoji="1" lang="ja-JP" altLang="en-US" dirty="0" err="1"/>
-              <a:t>つの</a:t>
-            </a:r>
-            <a:r>
-              <a:rPr kumimoji="1" lang="ja-JP" altLang="en-US" dirty="0"/>
-              <a:t>データとして扱えるので、データを増やしやすくなります</a:t>
+              <a:t>私たちが使うであろう文章は、単語が多く重複してしまうため、対策を考えました。</a:t>
             </a:r>
             <a:endParaRPr kumimoji="1" lang="en-US" altLang="ja-JP" dirty="0"/>
           </a:p>
@@ -2015,31 +1959,50 @@
           <a:p>
             <a:r>
               <a:rPr kumimoji="1" lang="ja-JP" altLang="en-US" dirty="0"/>
-              <a:t>使っているオプションは現在は、★単語ベクトル数が</a:t>
+              <a:t>解決策として、文章を分割せずに、そのまま</a:t>
             </a:r>
             <a:r>
               <a:rPr kumimoji="1" lang="en-US" altLang="ja-JP" dirty="0"/>
-              <a:t>200,</a:t>
+              <a:t>1</a:t>
+            </a:r>
+            <a:r>
+              <a:rPr kumimoji="1" lang="ja-JP" altLang="en-US" dirty="0" err="1"/>
+              <a:t>つの</a:t>
             </a:r>
             <a:r>
               <a:rPr kumimoji="1" lang="ja-JP" altLang="en-US" dirty="0"/>
-              <a:t>★試行回数は</a:t>
+              <a:t>文章を</a:t>
             </a:r>
             <a:r>
               <a:rPr kumimoji="1" lang="en-US" altLang="ja-JP" dirty="0"/>
-              <a:t>133,000,</a:t>
+              <a:t>1</a:t>
+            </a:r>
+            <a:r>
+              <a:rPr kumimoji="1" lang="ja-JP" altLang="en-US" dirty="0" err="1"/>
+              <a:t>つの</a:t>
             </a:r>
             <a:r>
               <a:rPr kumimoji="1" lang="ja-JP" altLang="en-US" dirty="0"/>
-              <a:t>★損失関数は</a:t>
-            </a:r>
-            <a:r>
-              <a:rPr kumimoji="1" lang="en-US" altLang="ja-JP" dirty="0" err="1"/>
-              <a:t>hs</a:t>
-            </a:r>
+              <a:t>単語として扱うという方法を考えました</a:t>
+            </a:r>
+            <a:endParaRPr kumimoji="1" lang="en-US" altLang="ja-JP" dirty="0"/>
+          </a:p>
+          <a:p>
             <a:r>
               <a:rPr kumimoji="1" lang="ja-JP" altLang="en-US" dirty="0"/>
-              <a:t>関数に設定しています。</a:t>
+              <a:t>こうすることで、入力した文章がそのまま</a:t>
+            </a:r>
+            <a:r>
+              <a:rPr kumimoji="1" lang="en-US" altLang="ja-JP" dirty="0"/>
+              <a:t>1</a:t>
+            </a:r>
+            <a:r>
+              <a:rPr kumimoji="1" lang="ja-JP" altLang="en-US" dirty="0" err="1"/>
+              <a:t>つの</a:t>
+            </a:r>
+            <a:r>
+              <a:rPr kumimoji="1" lang="ja-JP" altLang="en-US" dirty="0"/>
+              <a:t>データとして扱えるので、データを増やしやすくなります</a:t>
             </a:r>
             <a:endParaRPr kumimoji="1" lang="en-US" altLang="ja-JP" dirty="0"/>
           </a:p>
@@ -2071,7 +2034,7 @@
     </p:spTree>
     <p:extLst>
       <p:ext uri="{BB962C8B-B14F-4D97-AF65-F5344CB8AC3E}">
-        <p14:creationId xmlns:p14="http://schemas.microsoft.com/office/powerpoint/2010/main" val="111915969"/>
+        <p14:creationId xmlns:p14="http://schemas.microsoft.com/office/powerpoint/2010/main" val="3047350615"/>
       </p:ext>
     </p:extLst>
   </p:cSld>
@@ -2127,79 +2090,33 @@
           <a:p>
             <a:r>
               <a:rPr kumimoji="1" lang="ja-JP" altLang="en-US" dirty="0"/>
-              <a:t>次は出力するデータの取得についてです。</a:t>
+              <a:t>使っているオプションは現在は、★単語ベクトル数が</a:t>
+            </a:r>
+            <a:r>
+              <a:rPr kumimoji="1" lang="en-US" altLang="ja-JP" dirty="0"/>
+              <a:t>200,</a:t>
+            </a:r>
+            <a:r>
+              <a:rPr kumimoji="1" lang="ja-JP" altLang="en-US" dirty="0"/>
+              <a:t>★試行回数は</a:t>
+            </a:r>
+            <a:r>
+              <a:rPr kumimoji="1" lang="en-US" altLang="ja-JP" dirty="0"/>
+              <a:t>133,000,</a:t>
+            </a:r>
+            <a:r>
+              <a:rPr kumimoji="1" lang="ja-JP" altLang="en-US" dirty="0"/>
+              <a:t>★損失関数は</a:t>
+            </a:r>
+            <a:r>
+              <a:rPr kumimoji="1" lang="en-US" altLang="ja-JP" dirty="0" err="1"/>
+              <a:t>hs</a:t>
+            </a:r>
+            <a:r>
+              <a:rPr kumimoji="1" lang="ja-JP" altLang="en-US" dirty="0"/>
+              <a:t>関数に設定しています。</a:t>
             </a:r>
             <a:endParaRPr kumimoji="1" lang="en-US" altLang="ja-JP" dirty="0"/>
-          </a:p>
-          <a:p>
-            <a:r>
-              <a:rPr kumimoji="1" lang="ja-JP" altLang="en-US" dirty="0"/>
-              <a:t>天気予報・ニュース・星座占いのデータはスクレイピングという技術で取得し、</a:t>
-            </a:r>
-            <a:endParaRPr kumimoji="1" lang="en-US" altLang="ja-JP" dirty="0"/>
-          </a:p>
-          <a:p>
-            <a:r>
-              <a:rPr kumimoji="1" lang="ja-JP" altLang="en-US" dirty="0"/>
-              <a:t>日時は</a:t>
-            </a:r>
-            <a:r>
-              <a:rPr kumimoji="1" lang="en-US" altLang="ja-JP" dirty="0"/>
-              <a:t>Python</a:t>
-            </a:r>
-            <a:r>
-              <a:rPr kumimoji="1" lang="ja-JP" altLang="en-US" dirty="0"/>
-              <a:t>の</a:t>
-            </a:r>
-            <a:r>
-              <a:rPr kumimoji="1" lang="en-US" altLang="ja-JP" dirty="0"/>
-              <a:t>Datetime</a:t>
-            </a:r>
-            <a:r>
-              <a:rPr kumimoji="1" lang="ja-JP" altLang="en-US" dirty="0"/>
-              <a:t>モジュールを利用して取得しています。</a:t>
-            </a:r>
-            <a:endParaRPr kumimoji="1" lang="en-US" altLang="ja-JP" dirty="0"/>
-          </a:p>
-          <a:p>
-            <a:r>
-              <a:rPr kumimoji="1" lang="ja-JP" altLang="en-US" dirty="0"/>
-              <a:t>スクレイピングというのは</a:t>
-            </a:r>
-            <a:r>
-              <a:rPr kumimoji="1" lang="en-US" altLang="ja-JP" dirty="0"/>
-              <a:t>Web</a:t>
-            </a:r>
-            <a:r>
-              <a:rPr kumimoji="1" lang="ja-JP" altLang="en-US" dirty="0"/>
-              <a:t>ページからテキストデータを抽出する技術のことで、</a:t>
-            </a:r>
-            <a:endParaRPr kumimoji="1" lang="en-US" altLang="ja-JP" dirty="0"/>
-          </a:p>
-          <a:p>
-            <a:r>
-              <a:rPr kumimoji="1" lang="en-US" altLang="ja-JP" dirty="0"/>
-              <a:t>Python</a:t>
-            </a:r>
-            <a:r>
-              <a:rPr kumimoji="1" lang="ja-JP" altLang="en-US" dirty="0"/>
-              <a:t>の</a:t>
-            </a:r>
-            <a:r>
-              <a:rPr kumimoji="1" lang="en-US" altLang="ja-JP" dirty="0"/>
-              <a:t>BeautifulSoup4</a:t>
-            </a:r>
-            <a:r>
-              <a:rPr kumimoji="1" lang="ja-JP" altLang="en-US" dirty="0"/>
-              <a:t>というライブラリを使用しています。</a:t>
-            </a:r>
-            <a:endParaRPr kumimoji="1" lang="en-US" altLang="ja-JP" dirty="0"/>
-          </a:p>
-          <a:p>
-            <a:r>
-              <a:rPr kumimoji="1" lang="ja-JP" altLang="en-US" dirty="0"/>
-              <a:t>こうして取得したデータを、出力用のテキストファイルに書き込みます。</a:t>
-            </a:r>
           </a:p>
         </p:txBody>
       </p:sp>
@@ -2218,7 +2135,7 @@
           <a:bodyPr/>
           <a:lstStyle/>
           <a:p>
-            <a:fld id="{1A2E7C28-4903-4521-8E60-0F80C627678B}" type="slidenum">
+            <a:fld id="{8DF1E08D-4A53-4A5C-9DAB-BDA17F3E8D74}" type="slidenum">
               <a:rPr kumimoji="1" lang="ja-JP" altLang="en-US" smtClean="0"/>
               <a:t>19</a:t>
             </a:fld>
@@ -2229,7 +2146,7 @@
     </p:spTree>
     <p:extLst>
       <p:ext uri="{BB962C8B-B14F-4D97-AF65-F5344CB8AC3E}">
-        <p14:creationId xmlns:p14="http://schemas.microsoft.com/office/powerpoint/2010/main" val="3851854577"/>
+        <p14:creationId xmlns:p14="http://schemas.microsoft.com/office/powerpoint/2010/main" val="111915969"/>
       </p:ext>
     </p:extLst>
   </p:cSld>
@@ -2432,19 +2349,79 @@
           <a:p>
             <a:r>
               <a:rPr kumimoji="1" lang="ja-JP" altLang="en-US" dirty="0"/>
-              <a:t>スクレイピングの処理で工夫した点は、処理をどう短縮するか、という点です。</a:t>
+              <a:t>次は出力するデータの取得についてです。</a:t>
             </a:r>
             <a:endParaRPr kumimoji="1" lang="en-US" altLang="ja-JP" dirty="0"/>
           </a:p>
           <a:p>
             <a:r>
               <a:rPr kumimoji="1" lang="ja-JP" altLang="en-US" dirty="0"/>
-              <a:t>天気・ニュース・星座占いは抽出する文章量が多いため、機能を呼び出す度に毎回実行して、一つのファイルに上書き保存をしていると、処理に時間がかかってしまいます。</a:t>
+              <a:t>天気予報・ニュース・星座占いのデータはスクレイピングという技術で取得し、</a:t>
             </a:r>
             <a:endParaRPr kumimoji="1" lang="en-US" altLang="ja-JP" dirty="0"/>
           </a:p>
           <a:p>
-            <a:endParaRPr kumimoji="1" lang="ja-JP" altLang="en-US" dirty="0"/>
+            <a:r>
+              <a:rPr kumimoji="1" lang="ja-JP" altLang="en-US" dirty="0"/>
+              <a:t>日時は</a:t>
+            </a:r>
+            <a:r>
+              <a:rPr kumimoji="1" lang="en-US" altLang="ja-JP" dirty="0"/>
+              <a:t>Python</a:t>
+            </a:r>
+            <a:r>
+              <a:rPr kumimoji="1" lang="ja-JP" altLang="en-US" dirty="0"/>
+              <a:t>の</a:t>
+            </a:r>
+            <a:r>
+              <a:rPr kumimoji="1" lang="en-US" altLang="ja-JP" dirty="0"/>
+              <a:t>Datetime</a:t>
+            </a:r>
+            <a:r>
+              <a:rPr kumimoji="1" lang="ja-JP" altLang="en-US" dirty="0"/>
+              <a:t>モジュールを利用して取得しています。</a:t>
+            </a:r>
+            <a:endParaRPr kumimoji="1" lang="en-US" altLang="ja-JP" dirty="0"/>
+          </a:p>
+          <a:p>
+            <a:r>
+              <a:rPr kumimoji="1" lang="ja-JP" altLang="en-US" dirty="0"/>
+              <a:t>スクレイピングというのは</a:t>
+            </a:r>
+            <a:r>
+              <a:rPr kumimoji="1" lang="en-US" altLang="ja-JP" dirty="0"/>
+              <a:t>Web</a:t>
+            </a:r>
+            <a:r>
+              <a:rPr kumimoji="1" lang="ja-JP" altLang="en-US" dirty="0"/>
+              <a:t>ページからテキストデータを抽出する技術のことで、</a:t>
+            </a:r>
+            <a:endParaRPr kumimoji="1" lang="en-US" altLang="ja-JP" dirty="0"/>
+          </a:p>
+          <a:p>
+            <a:r>
+              <a:rPr kumimoji="1" lang="en-US" altLang="ja-JP" dirty="0"/>
+              <a:t>Python</a:t>
+            </a:r>
+            <a:r>
+              <a:rPr kumimoji="1" lang="ja-JP" altLang="en-US" dirty="0"/>
+              <a:t>の</a:t>
+            </a:r>
+            <a:r>
+              <a:rPr kumimoji="1" lang="en-US" altLang="ja-JP" dirty="0"/>
+              <a:t>BeautifulSoup4</a:t>
+            </a:r>
+            <a:r>
+              <a:rPr kumimoji="1" lang="ja-JP" altLang="en-US" dirty="0"/>
+              <a:t>というライブラリを使用しています。</a:t>
+            </a:r>
+            <a:endParaRPr kumimoji="1" lang="en-US" altLang="ja-JP" dirty="0"/>
+          </a:p>
+          <a:p>
+            <a:r>
+              <a:rPr kumimoji="1" lang="ja-JP" altLang="en-US" dirty="0"/>
+              <a:t>こうして取得したデータを、出力用のテキストファイルに書き込みます。</a:t>
+            </a:r>
           </a:p>
         </p:txBody>
       </p:sp>
@@ -2474,7 +2451,7 @@
     </p:spTree>
     <p:extLst>
       <p:ext uri="{BB962C8B-B14F-4D97-AF65-F5344CB8AC3E}">
-        <p14:creationId xmlns:p14="http://schemas.microsoft.com/office/powerpoint/2010/main" val="2498847539"/>
+        <p14:creationId xmlns:p14="http://schemas.microsoft.com/office/powerpoint/2010/main" val="3851854577"/>
       </p:ext>
     </p:extLst>
   </p:cSld>
@@ -2528,50 +2505,16 @@
           <a:bodyPr/>
           <a:lstStyle/>
           <a:p>
-            <a:pPr marL="0" marR="0" lvl="0" indent="0" algn="l" defTabSz="914400" rtl="0" eaLnBrk="1" fontAlgn="auto" latinLnBrk="0" hangingPunct="1">
-              <a:lnSpc>
-                <a:spcPct val="100000"/>
-              </a:lnSpc>
-              <a:spcBef>
-                <a:spcPts val="0"/>
-              </a:spcBef>
-              <a:spcAft>
-                <a:spcPts val="0"/>
-              </a:spcAft>
-              <a:buClrTx/>
-              <a:buSzTx/>
-              <a:buFontTx/>
-              <a:buNone/>
-              <a:tabLst/>
-              <a:defRPr/>
-            </a:pPr>
             <a:r>
               <a:rPr kumimoji="1" lang="ja-JP" altLang="en-US" dirty="0"/>
-              <a:t>そこで、ラズパイの起動時にスクレイピングを実行して、それぞれ個別のテキストファイルに保存しておく、という方法に切り替えました。</a:t>
+              <a:t>スクレイピングの処理で工夫した点は、処理をどう短縮するか、という点です。</a:t>
             </a:r>
             <a:endParaRPr kumimoji="1" lang="en-US" altLang="ja-JP" dirty="0"/>
           </a:p>
           <a:p>
-            <a:pPr marL="0" marR="0" lvl="0" indent="0" algn="l" defTabSz="914400" rtl="0" eaLnBrk="1" fontAlgn="auto" latinLnBrk="0" hangingPunct="1">
-              <a:lnSpc>
-                <a:spcPct val="100000"/>
-              </a:lnSpc>
-              <a:spcBef>
-                <a:spcPts val="0"/>
-              </a:spcBef>
-              <a:spcAft>
-                <a:spcPts val="0"/>
-              </a:spcAft>
-              <a:buClrTx/>
-              <a:buSzTx/>
-              <a:buFontTx/>
-              <a:buNone/>
-              <a:tabLst/>
-              <a:defRPr/>
-            </a:pPr>
             <a:r>
               <a:rPr kumimoji="1" lang="ja-JP" altLang="en-US" dirty="0"/>
-              <a:t>こうすることで、処理の待ち時間を短縮することができます。</a:t>
+              <a:t>天気・ニュース・星座占いは抽出する文章量が多いため、機能を呼び出す度に毎回実行して、一つのファイルに上書き保存をしていると、処理に時間がかかってしまいます。</a:t>
             </a:r>
             <a:endParaRPr kumimoji="1" lang="en-US" altLang="ja-JP" dirty="0"/>
           </a:p>
@@ -2606,7 +2549,7 @@
     </p:spTree>
     <p:extLst>
       <p:ext uri="{BB962C8B-B14F-4D97-AF65-F5344CB8AC3E}">
-        <p14:creationId xmlns:p14="http://schemas.microsoft.com/office/powerpoint/2010/main" val="1985256100"/>
+        <p14:creationId xmlns:p14="http://schemas.microsoft.com/office/powerpoint/2010/main" val="2498847539"/>
       </p:ext>
     </p:extLst>
   </p:cSld>
@@ -2660,50 +2603,50 @@
           <a:bodyPr/>
           <a:lstStyle/>
           <a:p>
+            <a:pPr marL="0" marR="0" lvl="0" indent="0" algn="l" defTabSz="914400" rtl="0" eaLnBrk="1" fontAlgn="auto" latinLnBrk="0" hangingPunct="1">
+              <a:lnSpc>
+                <a:spcPct val="100000"/>
+              </a:lnSpc>
+              <a:spcBef>
+                <a:spcPts val="0"/>
+              </a:spcBef>
+              <a:spcAft>
+                <a:spcPts val="0"/>
+              </a:spcAft>
+              <a:buClrTx/>
+              <a:buSzTx/>
+              <a:buFontTx/>
+              <a:buNone/>
+              <a:tabLst/>
+              <a:defRPr/>
+            </a:pPr>
             <a:r>
               <a:rPr kumimoji="1" lang="ja-JP" altLang="en-US" dirty="0"/>
-              <a:t>最後は</a:t>
-            </a:r>
-            <a:r>
-              <a:rPr kumimoji="1" lang="en-US" altLang="ja-JP" dirty="0" err="1"/>
-              <a:t>OpenJTalk</a:t>
-            </a:r>
+              <a:t>そこで、ラズパイの起動時にスクレイピングを実行して、それぞれ個別のテキストファイルに保存しておく、という方法に切り替えました。</a:t>
+            </a:r>
+            <a:endParaRPr kumimoji="1" lang="en-US" altLang="ja-JP" dirty="0"/>
+          </a:p>
+          <a:p>
+            <a:pPr marL="0" marR="0" lvl="0" indent="0" algn="l" defTabSz="914400" rtl="0" eaLnBrk="1" fontAlgn="auto" latinLnBrk="0" hangingPunct="1">
+              <a:lnSpc>
+                <a:spcPct val="100000"/>
+              </a:lnSpc>
+              <a:spcBef>
+                <a:spcPts val="0"/>
+              </a:spcBef>
+              <a:spcAft>
+                <a:spcPts val="0"/>
+              </a:spcAft>
+              <a:buClrTx/>
+              <a:buSzTx/>
+              <a:buFontTx/>
+              <a:buNone/>
+              <a:tabLst/>
+              <a:defRPr/>
+            </a:pPr>
             <a:r>
               <a:rPr kumimoji="1" lang="ja-JP" altLang="en-US" dirty="0"/>
-              <a:t>です。</a:t>
-            </a:r>
-            <a:endParaRPr kumimoji="1" lang="en-US" altLang="ja-JP" dirty="0"/>
-          </a:p>
-          <a:p>
-            <a:r>
-              <a:rPr kumimoji="1" lang="en-US" altLang="ja-JP" dirty="0" err="1"/>
-              <a:t>OpenJTalk</a:t>
-            </a:r>
-            <a:r>
-              <a:rPr kumimoji="1" lang="ja-JP" altLang="en-US" dirty="0"/>
-              <a:t>は日本語用の音声合成システムのオープンソースソフトウェアで、</a:t>
-            </a:r>
-            <a:endParaRPr kumimoji="1" lang="en-US" altLang="ja-JP" dirty="0"/>
-          </a:p>
-          <a:p>
-            <a:r>
-              <a:rPr kumimoji="1" lang="ja-JP" altLang="en-US" dirty="0"/>
-              <a:t>ボイスサンプル・声質や速度などのパラメータを設定することで、理想の音声を出力することができます。</a:t>
-            </a:r>
-            <a:endParaRPr kumimoji="1" lang="en-US" altLang="ja-JP" dirty="0"/>
-          </a:p>
-          <a:p>
-            <a:r>
-              <a:rPr kumimoji="1" lang="ja-JP" altLang="en-US" dirty="0"/>
-              <a:t>今お見せしているのは、★</a:t>
-            </a:r>
-            <a:r>
-              <a:rPr kumimoji="1" lang="en-US" altLang="ja-JP" dirty="0"/>
-              <a:t>result.txt</a:t>
-            </a:r>
-            <a:r>
-              <a:rPr kumimoji="1" lang="ja-JP" altLang="en-US" dirty="0"/>
-              <a:t>というテキストファイルの内容を音声出力するシェルスクリプトです。</a:t>
+              <a:t>こうすることで、処理の待ち時間を短縮することができます。</a:t>
             </a:r>
             <a:endParaRPr kumimoji="1" lang="en-US" altLang="ja-JP" dirty="0"/>
           </a:p>
@@ -2738,7 +2681,7 @@
     </p:spTree>
     <p:extLst>
       <p:ext uri="{BB962C8B-B14F-4D97-AF65-F5344CB8AC3E}">
-        <p14:creationId xmlns:p14="http://schemas.microsoft.com/office/powerpoint/2010/main" val="2285038393"/>
+        <p14:creationId xmlns:p14="http://schemas.microsoft.com/office/powerpoint/2010/main" val="1985256100"/>
       </p:ext>
     </p:extLst>
   </p:cSld>
@@ -2794,7 +2737,40 @@
           <a:p>
             <a:r>
               <a:rPr kumimoji="1" lang="ja-JP" altLang="en-US" dirty="0"/>
-              <a:t>以前まではこの★</a:t>
+              <a:t>最後は</a:t>
+            </a:r>
+            <a:r>
+              <a:rPr kumimoji="1" lang="en-US" altLang="ja-JP" dirty="0" err="1"/>
+              <a:t>OpenJTalk</a:t>
+            </a:r>
+            <a:r>
+              <a:rPr kumimoji="1" lang="ja-JP" altLang="en-US" dirty="0"/>
+              <a:t>です。</a:t>
+            </a:r>
+            <a:endParaRPr kumimoji="1" lang="en-US" altLang="ja-JP" dirty="0"/>
+          </a:p>
+          <a:p>
+            <a:r>
+              <a:rPr kumimoji="1" lang="en-US" altLang="ja-JP" dirty="0" err="1"/>
+              <a:t>OpenJTalk</a:t>
+            </a:r>
+            <a:r>
+              <a:rPr kumimoji="1" lang="ja-JP" altLang="en-US" dirty="0"/>
+              <a:t>は日本語用の音声合成システムのオープンソースソフトウェアで、</a:t>
+            </a:r>
+            <a:endParaRPr kumimoji="1" lang="en-US" altLang="ja-JP" dirty="0"/>
+          </a:p>
+          <a:p>
+            <a:r>
+              <a:rPr kumimoji="1" lang="ja-JP" altLang="en-US" dirty="0"/>
+              <a:t>ボイスサンプル・声質や速度などのパラメータを設定することで、理想の音声を出力することができます。</a:t>
+            </a:r>
+            <a:endParaRPr kumimoji="1" lang="en-US" altLang="ja-JP" dirty="0"/>
+          </a:p>
+          <a:p>
+            <a:r>
+              <a:rPr kumimoji="1" lang="ja-JP" altLang="en-US" dirty="0"/>
+              <a:t>今お見せしているのは、★</a:t>
             </a:r>
             <a:r>
               <a:rPr kumimoji="1" lang="en-US" altLang="ja-JP" dirty="0"/>
@@ -2802,27 +2778,12 @@
             </a:r>
             <a:r>
               <a:rPr kumimoji="1" lang="ja-JP" altLang="en-US" dirty="0"/>
-              <a:t>というテキストファイルにスクレイピングの結果を上書き保存して、それを読み上げしていたのですが、</a:t>
+              <a:t>というテキストファイルの内容を音声出力するシェルスクリプトです。</a:t>
             </a:r>
             <a:endParaRPr kumimoji="1" lang="en-US" altLang="ja-JP" dirty="0"/>
           </a:p>
           <a:p>
-            <a:r>
-              <a:rPr kumimoji="1" lang="ja-JP" altLang="en-US" dirty="0"/>
-              <a:t>先ほど説明した通り、現在はテキストファイルを個別に分けているため、★音声出力を行うシェルスクリプトも</a:t>
-            </a:r>
-            <a:r>
-              <a:rPr kumimoji="1" lang="en-US" altLang="ja-JP" dirty="0"/>
-              <a:t>4</a:t>
-            </a:r>
-            <a:r>
-              <a:rPr kumimoji="1" lang="ja-JP" altLang="en-US" dirty="0" err="1"/>
-              <a:t>つに</a:t>
-            </a:r>
-            <a:r>
-              <a:rPr kumimoji="1" lang="ja-JP" altLang="en-US" dirty="0"/>
-              <a:t>分けてあります。</a:t>
-            </a:r>
+            <a:endParaRPr kumimoji="1" lang="ja-JP" altLang="en-US" dirty="0"/>
           </a:p>
         </p:txBody>
       </p:sp>
@@ -2852,7 +2813,7 @@
     </p:spTree>
     <p:extLst>
       <p:ext uri="{BB962C8B-B14F-4D97-AF65-F5344CB8AC3E}">
-        <p14:creationId xmlns:p14="http://schemas.microsoft.com/office/powerpoint/2010/main" val="271621818"/>
+        <p14:creationId xmlns:p14="http://schemas.microsoft.com/office/powerpoint/2010/main" val="2285038393"/>
       </p:ext>
     </p:extLst>
   </p:cSld>
@@ -2908,24 +2869,35 @@
           <a:p>
             <a:r>
               <a:rPr kumimoji="1" lang="ja-JP" altLang="en-US" dirty="0"/>
-              <a:t>それでは、これからデモンストレーションに移ります。</a:t>
+              <a:t>以前まではこの★</a:t>
+            </a:r>
+            <a:r>
+              <a:rPr kumimoji="1" lang="en-US" altLang="ja-JP" dirty="0"/>
+              <a:t>result.txt</a:t>
+            </a:r>
+            <a:r>
+              <a:rPr kumimoji="1" lang="ja-JP" altLang="en-US" dirty="0"/>
+              <a:t>というテキストファイルにスクレイピングの結果を上書き保存して、それを読み上げしていたのですが、</a:t>
             </a:r>
             <a:endParaRPr kumimoji="1" lang="en-US" altLang="ja-JP" dirty="0"/>
           </a:p>
           <a:p>
             <a:r>
               <a:rPr kumimoji="1" lang="ja-JP" altLang="en-US" dirty="0"/>
-              <a:t>実際に</a:t>
-            </a:r>
-            <a:r>
-              <a:rPr kumimoji="1" lang="en-US" altLang="ja-JP" dirty="0" err="1"/>
-              <a:t>YoSiE</a:t>
+              <a:t>先ほど説明した通り、現在はテキストファイルを個別に分けているため、★音声出力を行うシェルスクリプトも</a:t>
+            </a:r>
+            <a:r>
+              <a:rPr kumimoji="1" lang="en-US" altLang="ja-JP" dirty="0"/>
+              <a:t>4</a:t>
+            </a:r>
+            <a:r>
+              <a:rPr kumimoji="1" lang="ja-JP" altLang="en-US" dirty="0" err="1"/>
+              <a:t>つに</a:t>
             </a:r>
             <a:r>
               <a:rPr kumimoji="1" lang="ja-JP" altLang="en-US" dirty="0"/>
-              <a:t>を動かしているところをお見せします。</a:t>
-            </a:r>
-            <a:endParaRPr kumimoji="1" lang="en-US" altLang="ja-JP" dirty="0"/>
+              <a:t>分けてあります。</a:t>
+            </a:r>
           </a:p>
         </p:txBody>
       </p:sp>
@@ -2955,7 +2927,7 @@
     </p:spTree>
     <p:extLst>
       <p:ext uri="{BB962C8B-B14F-4D97-AF65-F5344CB8AC3E}">
-        <p14:creationId xmlns:p14="http://schemas.microsoft.com/office/powerpoint/2010/main" val="4148485458"/>
+        <p14:creationId xmlns:p14="http://schemas.microsoft.com/office/powerpoint/2010/main" val="271621818"/>
       </p:ext>
     </p:extLst>
   </p:cSld>
@@ -3011,32 +2983,22 @@
           <a:p>
             <a:r>
               <a:rPr kumimoji="1" lang="ja-JP" altLang="en-US" dirty="0"/>
-              <a:t>今後の計画はこの通りです。</a:t>
+              <a:t>それでは、これからデモンストレーションに移ります。</a:t>
             </a:r>
             <a:endParaRPr kumimoji="1" lang="en-US" altLang="ja-JP" dirty="0"/>
           </a:p>
           <a:p>
             <a:r>
               <a:rPr kumimoji="1" lang="ja-JP" altLang="en-US" dirty="0"/>
-              <a:t>外見のおおまかな構造は決まっていますが、こけし自体と土台をどう作るかは検討中です。</a:t>
-            </a:r>
-            <a:endParaRPr kumimoji="1" lang="en-US" altLang="ja-JP" dirty="0"/>
-          </a:p>
-          <a:p>
+              <a:t>実際に</a:t>
+            </a:r>
+            <a:r>
+              <a:rPr kumimoji="1" lang="en-US" altLang="ja-JP" dirty="0" err="1"/>
+              <a:t>YoSiE</a:t>
+            </a:r>
             <a:r>
               <a:rPr kumimoji="1" lang="ja-JP" altLang="en-US" dirty="0"/>
-              <a:t>現在有力な案は、石粉粘土で作るという案です。</a:t>
-            </a:r>
-            <a:endParaRPr kumimoji="1" lang="en-US" altLang="ja-JP" dirty="0"/>
-          </a:p>
-          <a:p>
-            <a:r>
-              <a:rPr kumimoji="1" lang="en-US" altLang="ja-JP" dirty="0" err="1"/>
-              <a:t>Tech_Students</a:t>
-            </a:r>
-            <a:r>
-              <a:rPr kumimoji="1" lang="ja-JP" altLang="en-US" dirty="0"/>
-              <a:t>に進捗を投稿していきますので、外見の完成をお楽しみに。</a:t>
+              <a:t>を動かしているところをお見せします。</a:t>
             </a:r>
             <a:endParaRPr kumimoji="1" lang="en-US" altLang="ja-JP" dirty="0"/>
           </a:p>
@@ -3068,7 +3030,7 @@
     </p:spTree>
     <p:extLst>
       <p:ext uri="{BB962C8B-B14F-4D97-AF65-F5344CB8AC3E}">
-        <p14:creationId xmlns:p14="http://schemas.microsoft.com/office/powerpoint/2010/main" val="929478742"/>
+        <p14:creationId xmlns:p14="http://schemas.microsoft.com/office/powerpoint/2010/main" val="4148485458"/>
       </p:ext>
     </p:extLst>
   </p:cSld>
@@ -3124,30 +3086,34 @@
           <a:p>
             <a:r>
               <a:rPr kumimoji="1" lang="ja-JP" altLang="en-US" dirty="0"/>
-              <a:t>これで</a:t>
-            </a:r>
-            <a:r>
-              <a:rPr kumimoji="1" lang="en-US" altLang="ja-JP" dirty="0"/>
-              <a:t>AI</a:t>
-            </a:r>
+              <a:t>今後の計画はこの通りです。</a:t>
+            </a:r>
+            <a:endParaRPr kumimoji="1" lang="en-US" altLang="ja-JP" dirty="0"/>
+          </a:p>
+          <a:p>
             <a:r>
               <a:rPr kumimoji="1" lang="ja-JP" altLang="en-US" dirty="0"/>
-              <a:t>スピーカー開発の発表を終わります。</a:t>
+              <a:t>外見のおおまかな構造は決まっていますが、こけし自体と土台をどう作るかは検討中です。</a:t>
             </a:r>
             <a:endParaRPr kumimoji="1" lang="en-US" altLang="ja-JP" dirty="0"/>
           </a:p>
           <a:p>
             <a:r>
               <a:rPr kumimoji="1" lang="ja-JP" altLang="en-US" dirty="0"/>
-              <a:t>ご清聴ありがとうございました。</a:t>
+              <a:t>現在有力な案は、石粉粘土で作るという案です。</a:t>
             </a:r>
             <a:endParaRPr kumimoji="1" lang="en-US" altLang="ja-JP" dirty="0"/>
           </a:p>
           <a:p>
             <a:r>
+              <a:rPr kumimoji="1" lang="en-US" altLang="ja-JP" dirty="0" err="1"/>
+              <a:t>Tech_Students</a:t>
+            </a:r>
+            <a:r>
               <a:rPr kumimoji="1" lang="ja-JP" altLang="en-US" dirty="0"/>
-              <a:t>これより、質疑応答に移ります。</a:t>
-            </a:r>
+              <a:t>に進捗を投稿していきますので、外見の完成をお楽しみに。</a:t>
+            </a:r>
+            <a:endParaRPr kumimoji="1" lang="en-US" altLang="ja-JP" dirty="0"/>
           </a:p>
         </p:txBody>
       </p:sp>
@@ -3169,6 +3135,115 @@
             <a:fld id="{1A2E7C28-4903-4521-8E60-0F80C627678B}" type="slidenum">
               <a:rPr kumimoji="1" lang="ja-JP" altLang="en-US" smtClean="0"/>
               <a:t>26</a:t>
+            </a:fld>
+            <a:endParaRPr kumimoji="1" lang="ja-JP" altLang="en-US"/>
+          </a:p>
+        </p:txBody>
+      </p:sp>
+    </p:spTree>
+    <p:extLst>
+      <p:ext uri="{BB962C8B-B14F-4D97-AF65-F5344CB8AC3E}">
+        <p14:creationId xmlns:p14="http://schemas.microsoft.com/office/powerpoint/2010/main" val="929478742"/>
+      </p:ext>
+    </p:extLst>
+  </p:cSld>
+  <p:clrMapOvr>
+    <a:masterClrMapping/>
+  </p:clrMapOvr>
+</p:notes>
+</file>
+
+<file path=ppt/notesSlides/notesSlide27.xml><?xml version="1.0" encoding="utf-8"?>
+<p:notes xmlns:a="http://schemas.openxmlformats.org/drawingml/2006/main" xmlns:r="http://schemas.openxmlformats.org/officeDocument/2006/relationships" xmlns:p="http://schemas.openxmlformats.org/presentationml/2006/main">
+  <p:cSld>
+    <p:spTree>
+      <p:nvGrpSpPr>
+        <p:cNvPr id="1" name=""/>
+        <p:cNvGrpSpPr/>
+        <p:nvPr/>
+      </p:nvGrpSpPr>
+      <p:grpSpPr>
+        <a:xfrm>
+          <a:off x="0" y="0"/>
+          <a:ext cx="0" cy="0"/>
+          <a:chOff x="0" y="0"/>
+          <a:chExt cx="0" cy="0"/>
+        </a:xfrm>
+      </p:grpSpPr>
+      <p:sp>
+        <p:nvSpPr>
+          <p:cNvPr id="2" name="スライド イメージ プレースホルダー 1"/>
+          <p:cNvSpPr>
+            <a:spLocks noGrp="1" noRot="1" noChangeAspect="1"/>
+          </p:cNvSpPr>
+          <p:nvPr>
+            <p:ph type="sldImg"/>
+          </p:nvPr>
+        </p:nvSpPr>
+        <p:spPr/>
+      </p:sp>
+      <p:sp>
+        <p:nvSpPr>
+          <p:cNvPr id="3" name="ノート プレースホルダー 2"/>
+          <p:cNvSpPr>
+            <a:spLocks noGrp="1"/>
+          </p:cNvSpPr>
+          <p:nvPr>
+            <p:ph type="body" idx="1"/>
+          </p:nvPr>
+        </p:nvSpPr>
+        <p:spPr/>
+        <p:txBody>
+          <a:bodyPr/>
+          <a:lstStyle/>
+          <a:p>
+            <a:r>
+              <a:rPr kumimoji="1" lang="ja-JP" altLang="en-US" dirty="0"/>
+              <a:t>これで</a:t>
+            </a:r>
+            <a:r>
+              <a:rPr kumimoji="1" lang="en-US" altLang="ja-JP" dirty="0"/>
+              <a:t>AI</a:t>
+            </a:r>
+            <a:r>
+              <a:rPr kumimoji="1" lang="ja-JP" altLang="en-US" dirty="0"/>
+              <a:t>スピーカー開発の発表を終わります。</a:t>
+            </a:r>
+            <a:endParaRPr kumimoji="1" lang="en-US" altLang="ja-JP" dirty="0"/>
+          </a:p>
+          <a:p>
+            <a:r>
+              <a:rPr kumimoji="1" lang="ja-JP" altLang="en-US" dirty="0"/>
+              <a:t>ご清聴ありがとうございました。</a:t>
+            </a:r>
+            <a:endParaRPr kumimoji="1" lang="en-US" altLang="ja-JP" dirty="0"/>
+          </a:p>
+          <a:p>
+            <a:r>
+              <a:rPr kumimoji="1" lang="ja-JP" altLang="en-US" dirty="0"/>
+              <a:t>これより、質疑応答に移ります。</a:t>
+            </a:r>
+          </a:p>
+        </p:txBody>
+      </p:sp>
+      <p:sp>
+        <p:nvSpPr>
+          <p:cNvPr id="4" name="スライド番号プレースホルダー 3"/>
+          <p:cNvSpPr>
+            <a:spLocks noGrp="1"/>
+          </p:cNvSpPr>
+          <p:nvPr>
+            <p:ph type="sldNum" sz="quarter" idx="5"/>
+          </p:nvPr>
+        </p:nvSpPr>
+        <p:spPr/>
+        <p:txBody>
+          <a:bodyPr/>
+          <a:lstStyle/>
+          <a:p>
+            <a:fld id="{1A2E7C28-4903-4521-8E60-0F80C627678B}" type="slidenum">
+              <a:rPr kumimoji="1" lang="ja-JP" altLang="en-US" smtClean="0"/>
+              <a:t>27</a:t>
             </a:fld>
             <a:endParaRPr kumimoji="1" lang="ja-JP" altLang="en-US"/>
           </a:p>
@@ -3811,7 +3886,7 @@
           <a:p>
             <a:r>
               <a:rPr kumimoji="1" lang="ja-JP" altLang="en-US" dirty="0"/>
-              <a:t>たとえば、“雨”という単語があります。これの読み方を平仮名で表現すると“あめ”という二文字になりますが、さらに細かくローマ字表記にすると、</a:t>
+              <a:t>たとえば、★“雨”という単語があります。これの読み方を平仮名で表現すると★“あめ”という二文字になりますが、さらに細かくローマ字表記にすると、★</a:t>
             </a:r>
             <a:r>
               <a:rPr kumimoji="1" lang="en-US" altLang="ja-JP" dirty="0"/>
@@ -3857,7 +3932,7 @@
           <a:p>
             <a:r>
               <a:rPr kumimoji="1" lang="ja-JP" altLang="en-US" dirty="0"/>
-              <a:t>“時間”という単語も、音素で表すとこのようになります。</a:t>
+              <a:t>★“時間”という単語も、音素で表すとこのようになります。</a:t>
             </a:r>
             <a:endParaRPr kumimoji="1" lang="en-US" altLang="ja-JP" dirty="0"/>
           </a:p>
@@ -4141,7 +4216,7 @@
           <a:p>
             <a:r>
               <a:rPr kumimoji="1" lang="ja-JP" altLang="en-US" dirty="0"/>
-              <a:t>この例では、音素ファイルに雨という単語とその音素</a:t>
+              <a:t>この例では、音素ファイルに雨という単語とその音素★</a:t>
             </a:r>
             <a:r>
               <a:rPr kumimoji="1" lang="en-US" altLang="ja-JP" dirty="0"/>
@@ -4180,7 +4255,7 @@
           <a:p>
             <a:r>
               <a:rPr kumimoji="1" lang="ja-JP" altLang="en-US" dirty="0"/>
-              <a:t>よって、出力される文字は“雨”となるわけです。</a:t>
+              <a:t>よって、★出力される文字は“雨”となるわけです。</a:t>
             </a:r>
             <a:endParaRPr kumimoji="1" lang="en-US" altLang="ja-JP" dirty="0"/>
           </a:p>
@@ -8015,8 +8090,8 @@
         </p:blipFill>
         <p:spPr>
           <a:xfrm>
-            <a:off x="4311681" y="365125"/>
-            <a:ext cx="4048307" cy="6249759"/>
+            <a:off x="4442267" y="201224"/>
+            <a:ext cx="4205786" cy="6492875"/>
           </a:xfrm>
           <a:prstGeom prst="rect">
             <a:avLst/>
@@ -8039,13 +8114,20 @@
             <p:ph type="title"/>
           </p:nvPr>
         </p:nvSpPr>
-        <p:spPr/>
-        <p:txBody>
-          <a:bodyPr/>
-          <a:lstStyle/>
-          <a:p>
-            <a:r>
-              <a:rPr lang="ja-JP" altLang="en-US" b="1" dirty="0">
+        <p:spPr>
+          <a:xfrm>
+            <a:off x="838200" y="365125"/>
+            <a:ext cx="10515600" cy="1325563"/>
+          </a:xfrm>
+        </p:spPr>
+        <p:txBody>
+          <a:bodyPr>
+            <a:normAutofit/>
+          </a:bodyPr>
+          <a:lstStyle/>
+          <a:p>
+            <a:r>
+              <a:rPr lang="ja-JP" altLang="en-US" sz="6000" b="1" dirty="0">
                 <a:ln>
                   <a:solidFill>
                     <a:schemeClr val="tx1"/>
@@ -8061,7 +8143,7 @@
               </a:rPr>
               <a:t>辞書データ</a:t>
             </a:r>
-            <a:endParaRPr kumimoji="1" lang="ja-JP" altLang="en-US" b="1" dirty="0">
+            <a:endParaRPr kumimoji="1" lang="ja-JP" altLang="en-US" sz="6000" b="1" dirty="0">
               <a:ln>
                 <a:solidFill>
                   <a:schemeClr val="tx1"/>
@@ -8179,14 +8261,14 @@
         </p:nvSpPr>
         <p:spPr>
           <a:xfrm>
-            <a:off x="4648200" y="327530"/>
-            <a:ext cx="1371600" cy="500359"/>
+            <a:off x="4778786" y="163629"/>
+            <a:ext cx="1454020" cy="500359"/>
           </a:xfrm>
           <a:prstGeom prst="rect">
             <a:avLst/>
           </a:prstGeom>
           <a:noFill/>
-          <a:ln w="57150">
+          <a:ln w="101600">
             <a:solidFill>
               <a:srgbClr val="FF0000"/>
             </a:solidFill>
@@ -8231,14 +8313,14 @@
         </p:nvSpPr>
         <p:spPr>
           <a:xfrm>
-            <a:off x="4595099" y="759393"/>
-            <a:ext cx="805963" cy="1437707"/>
+            <a:off x="4778786" y="618969"/>
+            <a:ext cx="909962" cy="1437707"/>
           </a:xfrm>
           <a:prstGeom prst="rect">
             <a:avLst/>
           </a:prstGeom>
           <a:noFill/>
-          <a:ln w="57150">
+          <a:ln w="101600">
             <a:solidFill>
               <a:srgbClr val="FF0000"/>
             </a:solidFill>
@@ -8269,12 +8351,185 @@
           </a:p>
         </p:txBody>
       </p:sp>
-      <p:sp>
-        <p:nvSpPr>
-          <p:cNvPr id="22" name="正方形/長方形 21">
-            <a:extLst>
-              <a:ext uri="{FF2B5EF4-FFF2-40B4-BE49-F238E27FC236}">
-                <a16:creationId xmlns:a16="http://schemas.microsoft.com/office/drawing/2014/main" id="{1B978053-81F6-4E22-A2BD-352D1631775F}"/>
+      <p:cxnSp>
+        <p:nvCxnSpPr>
+          <p:cNvPr id="4" name="直線コネクタ 3">
+            <a:extLst>
+              <a:ext uri="{FF2B5EF4-FFF2-40B4-BE49-F238E27FC236}">
+                <a16:creationId xmlns:a16="http://schemas.microsoft.com/office/drawing/2014/main" id="{2C8BEA70-1900-4723-9BD1-09E186F313FA}"/>
+              </a:ext>
+            </a:extLst>
+          </p:cNvPr>
+          <p:cNvCxnSpPr>
+            <a:cxnSpLocks/>
+            <a:stCxn id="16" idx="3"/>
+          </p:cNvCxnSpPr>
+          <p:nvPr/>
+        </p:nvCxnSpPr>
+        <p:spPr>
+          <a:xfrm>
+            <a:off x="6232806" y="413809"/>
+            <a:ext cx="611130" cy="0"/>
+          </a:xfrm>
+          <a:prstGeom prst="line">
+            <a:avLst/>
+          </a:prstGeom>
+          <a:ln w="101600">
+            <a:solidFill>
+              <a:srgbClr val="FF0000"/>
+            </a:solidFill>
+          </a:ln>
+        </p:spPr>
+        <p:style>
+          <a:lnRef idx="1">
+            <a:schemeClr val="accent1"/>
+          </a:lnRef>
+          <a:fillRef idx="0">
+            <a:schemeClr val="accent1"/>
+          </a:fillRef>
+          <a:effectRef idx="0">
+            <a:schemeClr val="accent1"/>
+          </a:effectRef>
+          <a:fontRef idx="minor">
+            <a:schemeClr val="tx1"/>
+          </a:fontRef>
+        </p:style>
+      </p:cxnSp>
+      <p:sp>
+        <p:nvSpPr>
+          <p:cNvPr id="8" name="テキスト ボックス 7">
+            <a:extLst>
+              <a:ext uri="{FF2B5EF4-FFF2-40B4-BE49-F238E27FC236}">
+                <a16:creationId xmlns:a16="http://schemas.microsoft.com/office/drawing/2014/main" id="{DB3D3A50-4B17-4306-87CA-540F8BF23AC3}"/>
+              </a:ext>
+            </a:extLst>
+          </p:cNvPr>
+          <p:cNvSpPr txBox="1"/>
+          <p:nvPr/>
+        </p:nvSpPr>
+        <p:spPr>
+          <a:xfrm>
+            <a:off x="6887578" y="163629"/>
+            <a:ext cx="1849017" cy="584775"/>
+          </a:xfrm>
+          <a:prstGeom prst="rect">
+            <a:avLst/>
+          </a:prstGeom>
+          <a:solidFill>
+            <a:schemeClr val="bg1"/>
+          </a:solidFill>
+          <a:ln w="76200">
+            <a:solidFill>
+              <a:srgbClr val="FF0000"/>
+            </a:solidFill>
+          </a:ln>
+        </p:spPr>
+        <p:txBody>
+          <a:bodyPr wrap="square" rtlCol="0">
+            <a:spAutoFit/>
+          </a:bodyPr>
+          <a:lstStyle/>
+          <a:p>
+            <a:pPr algn="ctr"/>
+            <a:r>
+              <a:rPr kumimoji="1" lang="ja-JP" altLang="en-US" sz="3200" b="1" dirty="0"/>
+              <a:t>ラベル名</a:t>
+            </a:r>
+          </a:p>
+        </p:txBody>
+      </p:sp>
+      <p:cxnSp>
+        <p:nvCxnSpPr>
+          <p:cNvPr id="18" name="直線コネクタ 17">
+            <a:extLst>
+              <a:ext uri="{FF2B5EF4-FFF2-40B4-BE49-F238E27FC236}">
+                <a16:creationId xmlns:a16="http://schemas.microsoft.com/office/drawing/2014/main" id="{5296D966-0F29-4666-9653-457F28665A6C}"/>
+              </a:ext>
+            </a:extLst>
+          </p:cNvPr>
+          <p:cNvCxnSpPr>
+            <a:cxnSpLocks/>
+          </p:cNvCxnSpPr>
+          <p:nvPr/>
+        </p:nvCxnSpPr>
+        <p:spPr>
+          <a:xfrm>
+            <a:off x="5734945" y="1402313"/>
+            <a:ext cx="611130" cy="0"/>
+          </a:xfrm>
+          <a:prstGeom prst="line">
+            <a:avLst/>
+          </a:prstGeom>
+          <a:ln w="101600">
+            <a:solidFill>
+              <a:srgbClr val="FF0000"/>
+            </a:solidFill>
+          </a:ln>
+        </p:spPr>
+        <p:style>
+          <a:lnRef idx="1">
+            <a:schemeClr val="accent1"/>
+          </a:lnRef>
+          <a:fillRef idx="0">
+            <a:schemeClr val="accent1"/>
+          </a:fillRef>
+          <a:effectRef idx="0">
+            <a:schemeClr val="accent1"/>
+          </a:effectRef>
+          <a:fontRef idx="minor">
+            <a:schemeClr val="tx1"/>
+          </a:fontRef>
+        </p:style>
+      </p:cxnSp>
+      <p:sp>
+        <p:nvSpPr>
+          <p:cNvPr id="19" name="テキスト ボックス 18">
+            <a:extLst>
+              <a:ext uri="{FF2B5EF4-FFF2-40B4-BE49-F238E27FC236}">
+                <a16:creationId xmlns:a16="http://schemas.microsoft.com/office/drawing/2014/main" id="{DF525028-7133-48BC-9FE2-20F8E69277FA}"/>
+              </a:ext>
+            </a:extLst>
+          </p:cNvPr>
+          <p:cNvSpPr txBox="1"/>
+          <p:nvPr/>
+        </p:nvSpPr>
+        <p:spPr>
+          <a:xfrm>
+            <a:off x="6365171" y="1152133"/>
+            <a:ext cx="1409378" cy="584775"/>
+          </a:xfrm>
+          <a:prstGeom prst="rect">
+            <a:avLst/>
+          </a:prstGeom>
+          <a:solidFill>
+            <a:schemeClr val="bg1"/>
+          </a:solidFill>
+          <a:ln w="76200">
+            <a:solidFill>
+              <a:srgbClr val="FF0000"/>
+            </a:solidFill>
+          </a:ln>
+        </p:spPr>
+        <p:txBody>
+          <a:bodyPr wrap="square" rtlCol="0">
+            <a:spAutoFit/>
+          </a:bodyPr>
+          <a:lstStyle/>
+          <a:p>
+            <a:pPr algn="ctr"/>
+            <a:r>
+              <a:rPr kumimoji="1" lang="ja-JP" altLang="en-US" sz="3200" b="1" dirty="0"/>
+              <a:t>単語</a:t>
+            </a:r>
+          </a:p>
+        </p:txBody>
+      </p:sp>
+      <p:sp>
+        <p:nvSpPr>
+          <p:cNvPr id="20" name="正方形/長方形 19">
+            <a:extLst>
+              <a:ext uri="{FF2B5EF4-FFF2-40B4-BE49-F238E27FC236}">
+                <a16:creationId xmlns:a16="http://schemas.microsoft.com/office/drawing/2014/main" id="{FBBBEDE5-4681-4D7F-9823-FD4F349C83C6}"/>
               </a:ext>
             </a:extLst>
           </p:cNvPr>
@@ -8283,14 +8538,14 @@
         </p:nvSpPr>
         <p:spPr>
           <a:xfrm>
-            <a:off x="5593711" y="759393"/>
-            <a:ext cx="1861189" cy="1437707"/>
+            <a:off x="5817569" y="600412"/>
+            <a:ext cx="1692171" cy="1437707"/>
           </a:xfrm>
           <a:prstGeom prst="rect">
             <a:avLst/>
           </a:prstGeom>
           <a:noFill/>
-          <a:ln w="57150">
+          <a:ln w="101600">
             <a:solidFill>
               <a:srgbClr val="FF0000"/>
             </a:solidFill>
@@ -8323,27 +8578,27 @@
       </p:sp>
       <p:cxnSp>
         <p:nvCxnSpPr>
-          <p:cNvPr id="4" name="直線コネクタ 3">
-            <a:extLst>
-              <a:ext uri="{FF2B5EF4-FFF2-40B4-BE49-F238E27FC236}">
-                <a16:creationId xmlns:a16="http://schemas.microsoft.com/office/drawing/2014/main" id="{2C8BEA70-1900-4723-9BD1-09E186F313FA}"/>
+          <p:cNvPr id="21" name="直線コネクタ 20">
+            <a:extLst>
+              <a:ext uri="{FF2B5EF4-FFF2-40B4-BE49-F238E27FC236}">
+                <a16:creationId xmlns:a16="http://schemas.microsoft.com/office/drawing/2014/main" id="{0B9C6971-D1D4-43EB-9949-A03E30A8B3E5}"/>
               </a:ext>
             </a:extLst>
           </p:cNvPr>
           <p:cNvCxnSpPr>
-            <a:stCxn id="16" idx="3"/>
+            <a:cxnSpLocks/>
           </p:cNvCxnSpPr>
           <p:nvPr/>
         </p:nvCxnSpPr>
         <p:spPr>
           <a:xfrm>
-            <a:off x="6019800" y="577710"/>
-            <a:ext cx="508819" cy="2393"/>
+            <a:off x="7481239" y="1402313"/>
+            <a:ext cx="611130" cy="0"/>
           </a:xfrm>
           <a:prstGeom prst="line">
             <a:avLst/>
           </a:prstGeom>
-          <a:ln w="76200">
+          <a:ln w="101600">
             <a:solidFill>
               <a:srgbClr val="FF0000"/>
             </a:solidFill>
@@ -8364,6 +8619,49 @@
           </a:fontRef>
         </p:style>
       </p:cxnSp>
+      <p:sp>
+        <p:nvSpPr>
+          <p:cNvPr id="23" name="テキスト ボックス 22">
+            <a:extLst>
+              <a:ext uri="{FF2B5EF4-FFF2-40B4-BE49-F238E27FC236}">
+                <a16:creationId xmlns:a16="http://schemas.microsoft.com/office/drawing/2014/main" id="{640F66BD-1E0B-45FB-B513-2BD1BFFE6087}"/>
+              </a:ext>
+            </a:extLst>
+          </p:cNvPr>
+          <p:cNvSpPr txBox="1"/>
+          <p:nvPr/>
+        </p:nvSpPr>
+        <p:spPr>
+          <a:xfrm>
+            <a:off x="8047470" y="1152133"/>
+            <a:ext cx="1409378" cy="584775"/>
+          </a:xfrm>
+          <a:prstGeom prst="rect">
+            <a:avLst/>
+          </a:prstGeom>
+          <a:solidFill>
+            <a:schemeClr val="bg1"/>
+          </a:solidFill>
+          <a:ln w="76200">
+            <a:solidFill>
+              <a:srgbClr val="FF0000"/>
+            </a:solidFill>
+          </a:ln>
+        </p:spPr>
+        <p:txBody>
+          <a:bodyPr wrap="square" rtlCol="0">
+            <a:spAutoFit/>
+          </a:bodyPr>
+          <a:lstStyle/>
+          <a:p>
+            <a:pPr algn="ctr"/>
+            <a:r>
+              <a:rPr kumimoji="1" lang="ja-JP" altLang="en-US" sz="3200" b="1" dirty="0"/>
+              <a:t>音素</a:t>
+            </a:r>
+          </a:p>
+        </p:txBody>
+      </p:sp>
     </p:spTree>
     <p:extLst>
       <p:ext uri="{BB962C8B-B14F-4D97-AF65-F5344CB8AC3E}">
@@ -8382,6 +8680,633 @@
       <p:transition/>
     </mc:Fallback>
   </mc:AlternateContent>
+  <p:timing>
+    <p:tnLst>
+      <p:par>
+        <p:cTn id="1" dur="indefinite" restart="never" nodeType="tmRoot">
+          <p:childTnLst>
+            <p:seq concurrent="1" nextAc="seek">
+              <p:cTn id="2" dur="indefinite" nodeType="mainSeq">
+                <p:childTnLst>
+                  <p:par>
+                    <p:cTn id="3" fill="hold">
+                      <p:stCondLst>
+                        <p:cond delay="indefinite"/>
+                      </p:stCondLst>
+                      <p:childTnLst>
+                        <p:par>
+                          <p:cTn id="4" fill="hold">
+                            <p:stCondLst>
+                              <p:cond delay="0"/>
+                            </p:stCondLst>
+                            <p:childTnLst>
+                              <p:par>
+                                <p:cTn id="5" presetID="21" presetClass="entr" presetSubtype="1" fill="hold" grpId="0" nodeType="clickEffect">
+                                  <p:stCondLst>
+                                    <p:cond delay="0"/>
+                                  </p:stCondLst>
+                                  <p:childTnLst>
+                                    <p:set>
+                                      <p:cBhvr>
+                                        <p:cTn id="6" dur="1" fill="hold">
+                                          <p:stCondLst>
+                                            <p:cond delay="0"/>
+                                          </p:stCondLst>
+                                        </p:cTn>
+                                        <p:tgtEl>
+                                          <p:spTgt spid="16"/>
+                                        </p:tgtEl>
+                                        <p:attrNameLst>
+                                          <p:attrName>style.visibility</p:attrName>
+                                        </p:attrNameLst>
+                                      </p:cBhvr>
+                                      <p:to>
+                                        <p:strVal val="visible"/>
+                                      </p:to>
+                                    </p:set>
+                                    <p:animEffect transition="in" filter="wheel(1)">
+                                      <p:cBhvr>
+                                        <p:cTn id="7" dur="500"/>
+                                        <p:tgtEl>
+                                          <p:spTgt spid="16"/>
+                                        </p:tgtEl>
+                                      </p:cBhvr>
+                                    </p:animEffect>
+                                  </p:childTnLst>
+                                </p:cTn>
+                              </p:par>
+                            </p:childTnLst>
+                          </p:cTn>
+                        </p:par>
+                        <p:par>
+                          <p:cTn id="8" fill="hold">
+                            <p:stCondLst>
+                              <p:cond delay="500"/>
+                            </p:stCondLst>
+                            <p:childTnLst>
+                              <p:par>
+                                <p:cTn id="9" presetID="22" presetClass="entr" presetSubtype="8" fill="hold" nodeType="afterEffect">
+                                  <p:stCondLst>
+                                    <p:cond delay="0"/>
+                                  </p:stCondLst>
+                                  <p:childTnLst>
+                                    <p:set>
+                                      <p:cBhvr>
+                                        <p:cTn id="10" dur="1" fill="hold">
+                                          <p:stCondLst>
+                                            <p:cond delay="0"/>
+                                          </p:stCondLst>
+                                        </p:cTn>
+                                        <p:tgtEl>
+                                          <p:spTgt spid="4"/>
+                                        </p:tgtEl>
+                                        <p:attrNameLst>
+                                          <p:attrName>style.visibility</p:attrName>
+                                        </p:attrNameLst>
+                                      </p:cBhvr>
+                                      <p:to>
+                                        <p:strVal val="visible"/>
+                                      </p:to>
+                                    </p:set>
+                                    <p:animEffect transition="in" filter="wipe(left)">
+                                      <p:cBhvr>
+                                        <p:cTn id="11" dur="250"/>
+                                        <p:tgtEl>
+                                          <p:spTgt spid="4"/>
+                                        </p:tgtEl>
+                                      </p:cBhvr>
+                                    </p:animEffect>
+                                  </p:childTnLst>
+                                </p:cTn>
+                              </p:par>
+                            </p:childTnLst>
+                          </p:cTn>
+                        </p:par>
+                        <p:par>
+                          <p:cTn id="12" fill="hold">
+                            <p:stCondLst>
+                              <p:cond delay="750"/>
+                            </p:stCondLst>
+                            <p:childTnLst>
+                              <p:par>
+                                <p:cTn id="13" presetID="22" presetClass="entr" presetSubtype="8" fill="hold" grpId="0" nodeType="afterEffect">
+                                  <p:stCondLst>
+                                    <p:cond delay="0"/>
+                                  </p:stCondLst>
+                                  <p:childTnLst>
+                                    <p:set>
+                                      <p:cBhvr>
+                                        <p:cTn id="14" dur="1" fill="hold">
+                                          <p:stCondLst>
+                                            <p:cond delay="0"/>
+                                          </p:stCondLst>
+                                        </p:cTn>
+                                        <p:tgtEl>
+                                          <p:spTgt spid="8"/>
+                                        </p:tgtEl>
+                                        <p:attrNameLst>
+                                          <p:attrName>style.visibility</p:attrName>
+                                        </p:attrNameLst>
+                                      </p:cBhvr>
+                                      <p:to>
+                                        <p:strVal val="visible"/>
+                                      </p:to>
+                                    </p:set>
+                                    <p:animEffect transition="in" filter="wipe(left)">
+                                      <p:cBhvr>
+                                        <p:cTn id="15" dur="250"/>
+                                        <p:tgtEl>
+                                          <p:spTgt spid="8"/>
+                                        </p:tgtEl>
+                                      </p:cBhvr>
+                                    </p:animEffect>
+                                  </p:childTnLst>
+                                </p:cTn>
+                              </p:par>
+                            </p:childTnLst>
+                          </p:cTn>
+                        </p:par>
+                      </p:childTnLst>
+                    </p:cTn>
+                  </p:par>
+                  <p:par>
+                    <p:cTn id="16" fill="hold">
+                      <p:stCondLst>
+                        <p:cond delay="indefinite"/>
+                      </p:stCondLst>
+                      <p:childTnLst>
+                        <p:par>
+                          <p:cTn id="17" fill="hold">
+                            <p:stCondLst>
+                              <p:cond delay="0"/>
+                            </p:stCondLst>
+                            <p:childTnLst>
+                              <p:par>
+                                <p:cTn id="18" presetID="21" presetClass="entr" presetSubtype="1" fill="hold" grpId="0" nodeType="clickEffect">
+                                  <p:stCondLst>
+                                    <p:cond delay="0"/>
+                                  </p:stCondLst>
+                                  <p:childTnLst>
+                                    <p:set>
+                                      <p:cBhvr>
+                                        <p:cTn id="19" dur="1" fill="hold">
+                                          <p:stCondLst>
+                                            <p:cond delay="0"/>
+                                          </p:stCondLst>
+                                        </p:cTn>
+                                        <p:tgtEl>
+                                          <p:spTgt spid="17"/>
+                                        </p:tgtEl>
+                                        <p:attrNameLst>
+                                          <p:attrName>style.visibility</p:attrName>
+                                        </p:attrNameLst>
+                                      </p:cBhvr>
+                                      <p:to>
+                                        <p:strVal val="visible"/>
+                                      </p:to>
+                                    </p:set>
+                                    <p:animEffect transition="in" filter="wheel(1)">
+                                      <p:cBhvr>
+                                        <p:cTn id="20" dur="500"/>
+                                        <p:tgtEl>
+                                          <p:spTgt spid="17"/>
+                                        </p:tgtEl>
+                                      </p:cBhvr>
+                                    </p:animEffect>
+                                  </p:childTnLst>
+                                </p:cTn>
+                              </p:par>
+                              <p:par>
+                                <p:cTn id="21" presetID="1" presetClass="exit" presetSubtype="0" fill="hold" grpId="1" nodeType="withEffect">
+                                  <p:stCondLst>
+                                    <p:cond delay="0"/>
+                                  </p:stCondLst>
+                                  <p:childTnLst>
+                                    <p:set>
+                                      <p:cBhvr>
+                                        <p:cTn id="22" dur="1" fill="hold">
+                                          <p:stCondLst>
+                                            <p:cond delay="0"/>
+                                          </p:stCondLst>
+                                        </p:cTn>
+                                        <p:tgtEl>
+                                          <p:spTgt spid="16"/>
+                                        </p:tgtEl>
+                                        <p:attrNameLst>
+                                          <p:attrName>style.visibility</p:attrName>
+                                        </p:attrNameLst>
+                                      </p:cBhvr>
+                                      <p:to>
+                                        <p:strVal val="hidden"/>
+                                      </p:to>
+                                    </p:set>
+                                  </p:childTnLst>
+                                </p:cTn>
+                              </p:par>
+                              <p:par>
+                                <p:cTn id="23" presetID="1" presetClass="exit" presetSubtype="0" fill="hold" nodeType="withEffect">
+                                  <p:stCondLst>
+                                    <p:cond delay="0"/>
+                                  </p:stCondLst>
+                                  <p:childTnLst>
+                                    <p:set>
+                                      <p:cBhvr>
+                                        <p:cTn id="24" dur="1" fill="hold">
+                                          <p:stCondLst>
+                                            <p:cond delay="0"/>
+                                          </p:stCondLst>
+                                        </p:cTn>
+                                        <p:tgtEl>
+                                          <p:spTgt spid="4"/>
+                                        </p:tgtEl>
+                                        <p:attrNameLst>
+                                          <p:attrName>style.visibility</p:attrName>
+                                        </p:attrNameLst>
+                                      </p:cBhvr>
+                                      <p:to>
+                                        <p:strVal val="hidden"/>
+                                      </p:to>
+                                    </p:set>
+                                  </p:childTnLst>
+                                </p:cTn>
+                              </p:par>
+                              <p:par>
+                                <p:cTn id="25" presetID="1" presetClass="exit" presetSubtype="0" fill="hold" grpId="1" nodeType="withEffect">
+                                  <p:stCondLst>
+                                    <p:cond delay="0"/>
+                                  </p:stCondLst>
+                                  <p:childTnLst>
+                                    <p:set>
+                                      <p:cBhvr>
+                                        <p:cTn id="26" dur="1" fill="hold">
+                                          <p:stCondLst>
+                                            <p:cond delay="0"/>
+                                          </p:stCondLst>
+                                        </p:cTn>
+                                        <p:tgtEl>
+                                          <p:spTgt spid="8"/>
+                                        </p:tgtEl>
+                                        <p:attrNameLst>
+                                          <p:attrName>style.visibility</p:attrName>
+                                        </p:attrNameLst>
+                                      </p:cBhvr>
+                                      <p:to>
+                                        <p:strVal val="hidden"/>
+                                      </p:to>
+                                    </p:set>
+                                  </p:childTnLst>
+                                </p:cTn>
+                              </p:par>
+                            </p:childTnLst>
+                          </p:cTn>
+                        </p:par>
+                        <p:par>
+                          <p:cTn id="27" fill="hold">
+                            <p:stCondLst>
+                              <p:cond delay="500"/>
+                            </p:stCondLst>
+                            <p:childTnLst>
+                              <p:par>
+                                <p:cTn id="28" presetID="22" presetClass="entr" presetSubtype="8" fill="hold" nodeType="afterEffect">
+                                  <p:stCondLst>
+                                    <p:cond delay="0"/>
+                                  </p:stCondLst>
+                                  <p:childTnLst>
+                                    <p:set>
+                                      <p:cBhvr>
+                                        <p:cTn id="29" dur="1" fill="hold">
+                                          <p:stCondLst>
+                                            <p:cond delay="0"/>
+                                          </p:stCondLst>
+                                        </p:cTn>
+                                        <p:tgtEl>
+                                          <p:spTgt spid="18"/>
+                                        </p:tgtEl>
+                                        <p:attrNameLst>
+                                          <p:attrName>style.visibility</p:attrName>
+                                        </p:attrNameLst>
+                                      </p:cBhvr>
+                                      <p:to>
+                                        <p:strVal val="visible"/>
+                                      </p:to>
+                                    </p:set>
+                                    <p:animEffect transition="in" filter="wipe(left)">
+                                      <p:cBhvr>
+                                        <p:cTn id="30" dur="250"/>
+                                        <p:tgtEl>
+                                          <p:spTgt spid="18"/>
+                                        </p:tgtEl>
+                                      </p:cBhvr>
+                                    </p:animEffect>
+                                  </p:childTnLst>
+                                </p:cTn>
+                              </p:par>
+                            </p:childTnLst>
+                          </p:cTn>
+                        </p:par>
+                        <p:par>
+                          <p:cTn id="31" fill="hold">
+                            <p:stCondLst>
+                              <p:cond delay="750"/>
+                            </p:stCondLst>
+                            <p:childTnLst>
+                              <p:par>
+                                <p:cTn id="32" presetID="22" presetClass="entr" presetSubtype="8" fill="hold" grpId="0" nodeType="afterEffect">
+                                  <p:stCondLst>
+                                    <p:cond delay="0"/>
+                                  </p:stCondLst>
+                                  <p:childTnLst>
+                                    <p:set>
+                                      <p:cBhvr>
+                                        <p:cTn id="33" dur="1" fill="hold">
+                                          <p:stCondLst>
+                                            <p:cond delay="0"/>
+                                          </p:stCondLst>
+                                        </p:cTn>
+                                        <p:tgtEl>
+                                          <p:spTgt spid="19"/>
+                                        </p:tgtEl>
+                                        <p:attrNameLst>
+                                          <p:attrName>style.visibility</p:attrName>
+                                        </p:attrNameLst>
+                                      </p:cBhvr>
+                                      <p:to>
+                                        <p:strVal val="visible"/>
+                                      </p:to>
+                                    </p:set>
+                                    <p:animEffect transition="in" filter="wipe(left)">
+                                      <p:cBhvr>
+                                        <p:cTn id="34" dur="250"/>
+                                        <p:tgtEl>
+                                          <p:spTgt spid="19"/>
+                                        </p:tgtEl>
+                                      </p:cBhvr>
+                                    </p:animEffect>
+                                  </p:childTnLst>
+                                </p:cTn>
+                              </p:par>
+                            </p:childTnLst>
+                          </p:cTn>
+                        </p:par>
+                      </p:childTnLst>
+                    </p:cTn>
+                  </p:par>
+                  <p:par>
+                    <p:cTn id="35" fill="hold">
+                      <p:stCondLst>
+                        <p:cond delay="indefinite"/>
+                      </p:stCondLst>
+                      <p:childTnLst>
+                        <p:par>
+                          <p:cTn id="36" fill="hold">
+                            <p:stCondLst>
+                              <p:cond delay="0"/>
+                            </p:stCondLst>
+                            <p:childTnLst>
+                              <p:par>
+                                <p:cTn id="37" presetID="21" presetClass="entr" presetSubtype="1" fill="hold" grpId="0" nodeType="clickEffect">
+                                  <p:stCondLst>
+                                    <p:cond delay="0"/>
+                                  </p:stCondLst>
+                                  <p:childTnLst>
+                                    <p:set>
+                                      <p:cBhvr>
+                                        <p:cTn id="38" dur="1" fill="hold">
+                                          <p:stCondLst>
+                                            <p:cond delay="0"/>
+                                          </p:stCondLst>
+                                        </p:cTn>
+                                        <p:tgtEl>
+                                          <p:spTgt spid="20"/>
+                                        </p:tgtEl>
+                                        <p:attrNameLst>
+                                          <p:attrName>style.visibility</p:attrName>
+                                        </p:attrNameLst>
+                                      </p:cBhvr>
+                                      <p:to>
+                                        <p:strVal val="visible"/>
+                                      </p:to>
+                                    </p:set>
+                                    <p:animEffect transition="in" filter="wheel(1)">
+                                      <p:cBhvr>
+                                        <p:cTn id="39" dur="500"/>
+                                        <p:tgtEl>
+                                          <p:spTgt spid="20"/>
+                                        </p:tgtEl>
+                                      </p:cBhvr>
+                                    </p:animEffect>
+                                  </p:childTnLst>
+                                </p:cTn>
+                              </p:par>
+                              <p:par>
+                                <p:cTn id="40" presetID="1" presetClass="exit" presetSubtype="0" fill="hold" grpId="1" nodeType="withEffect">
+                                  <p:stCondLst>
+                                    <p:cond delay="0"/>
+                                  </p:stCondLst>
+                                  <p:childTnLst>
+                                    <p:set>
+                                      <p:cBhvr>
+                                        <p:cTn id="41" dur="1" fill="hold">
+                                          <p:stCondLst>
+                                            <p:cond delay="0"/>
+                                          </p:stCondLst>
+                                        </p:cTn>
+                                        <p:tgtEl>
+                                          <p:spTgt spid="17"/>
+                                        </p:tgtEl>
+                                        <p:attrNameLst>
+                                          <p:attrName>style.visibility</p:attrName>
+                                        </p:attrNameLst>
+                                      </p:cBhvr>
+                                      <p:to>
+                                        <p:strVal val="hidden"/>
+                                      </p:to>
+                                    </p:set>
+                                  </p:childTnLst>
+                                </p:cTn>
+                              </p:par>
+                              <p:par>
+                                <p:cTn id="42" presetID="1" presetClass="exit" presetSubtype="0" fill="hold" nodeType="withEffect">
+                                  <p:stCondLst>
+                                    <p:cond delay="0"/>
+                                  </p:stCondLst>
+                                  <p:childTnLst>
+                                    <p:set>
+                                      <p:cBhvr>
+                                        <p:cTn id="43" dur="1" fill="hold">
+                                          <p:stCondLst>
+                                            <p:cond delay="0"/>
+                                          </p:stCondLst>
+                                        </p:cTn>
+                                        <p:tgtEl>
+                                          <p:spTgt spid="18"/>
+                                        </p:tgtEl>
+                                        <p:attrNameLst>
+                                          <p:attrName>style.visibility</p:attrName>
+                                        </p:attrNameLst>
+                                      </p:cBhvr>
+                                      <p:to>
+                                        <p:strVal val="hidden"/>
+                                      </p:to>
+                                    </p:set>
+                                  </p:childTnLst>
+                                </p:cTn>
+                              </p:par>
+                              <p:par>
+                                <p:cTn id="44" presetID="1" presetClass="exit" presetSubtype="0" fill="hold" grpId="1" nodeType="withEffect">
+                                  <p:stCondLst>
+                                    <p:cond delay="0"/>
+                                  </p:stCondLst>
+                                  <p:childTnLst>
+                                    <p:set>
+                                      <p:cBhvr>
+                                        <p:cTn id="45" dur="1" fill="hold">
+                                          <p:stCondLst>
+                                            <p:cond delay="0"/>
+                                          </p:stCondLst>
+                                        </p:cTn>
+                                        <p:tgtEl>
+                                          <p:spTgt spid="19"/>
+                                        </p:tgtEl>
+                                        <p:attrNameLst>
+                                          <p:attrName>style.visibility</p:attrName>
+                                        </p:attrNameLst>
+                                      </p:cBhvr>
+                                      <p:to>
+                                        <p:strVal val="hidden"/>
+                                      </p:to>
+                                    </p:set>
+                                  </p:childTnLst>
+                                </p:cTn>
+                              </p:par>
+                            </p:childTnLst>
+                          </p:cTn>
+                        </p:par>
+                        <p:par>
+                          <p:cTn id="46" fill="hold">
+                            <p:stCondLst>
+                              <p:cond delay="500"/>
+                            </p:stCondLst>
+                            <p:childTnLst>
+                              <p:par>
+                                <p:cTn id="47" presetID="22" presetClass="entr" presetSubtype="8" fill="hold" nodeType="afterEffect">
+                                  <p:stCondLst>
+                                    <p:cond delay="0"/>
+                                  </p:stCondLst>
+                                  <p:childTnLst>
+                                    <p:set>
+                                      <p:cBhvr>
+                                        <p:cTn id="48" dur="1" fill="hold">
+                                          <p:stCondLst>
+                                            <p:cond delay="0"/>
+                                          </p:stCondLst>
+                                        </p:cTn>
+                                        <p:tgtEl>
+                                          <p:spTgt spid="21"/>
+                                        </p:tgtEl>
+                                        <p:attrNameLst>
+                                          <p:attrName>style.visibility</p:attrName>
+                                        </p:attrNameLst>
+                                      </p:cBhvr>
+                                      <p:to>
+                                        <p:strVal val="visible"/>
+                                      </p:to>
+                                    </p:set>
+                                    <p:animEffect transition="in" filter="wipe(left)">
+                                      <p:cBhvr>
+                                        <p:cTn id="49" dur="250"/>
+                                        <p:tgtEl>
+                                          <p:spTgt spid="21"/>
+                                        </p:tgtEl>
+                                      </p:cBhvr>
+                                    </p:animEffect>
+                                  </p:childTnLst>
+                                </p:cTn>
+                              </p:par>
+                            </p:childTnLst>
+                          </p:cTn>
+                        </p:par>
+                        <p:par>
+                          <p:cTn id="50" fill="hold">
+                            <p:stCondLst>
+                              <p:cond delay="750"/>
+                            </p:stCondLst>
+                            <p:childTnLst>
+                              <p:par>
+                                <p:cTn id="51" presetID="22" presetClass="entr" presetSubtype="8" fill="hold" grpId="0" nodeType="afterEffect">
+                                  <p:stCondLst>
+                                    <p:cond delay="0"/>
+                                  </p:stCondLst>
+                                  <p:childTnLst>
+                                    <p:set>
+                                      <p:cBhvr>
+                                        <p:cTn id="52" dur="1" fill="hold">
+                                          <p:stCondLst>
+                                            <p:cond delay="0"/>
+                                          </p:stCondLst>
+                                        </p:cTn>
+                                        <p:tgtEl>
+                                          <p:spTgt spid="23"/>
+                                        </p:tgtEl>
+                                        <p:attrNameLst>
+                                          <p:attrName>style.visibility</p:attrName>
+                                        </p:attrNameLst>
+                                      </p:cBhvr>
+                                      <p:to>
+                                        <p:strVal val="visible"/>
+                                      </p:to>
+                                    </p:set>
+                                    <p:animEffect transition="in" filter="wipe(left)">
+                                      <p:cBhvr>
+                                        <p:cTn id="53" dur="250"/>
+                                        <p:tgtEl>
+                                          <p:spTgt spid="23"/>
+                                        </p:tgtEl>
+                                      </p:cBhvr>
+                                    </p:animEffect>
+                                  </p:childTnLst>
+                                </p:cTn>
+                              </p:par>
+                            </p:childTnLst>
+                          </p:cTn>
+                        </p:par>
+                      </p:childTnLst>
+                    </p:cTn>
+                  </p:par>
+                </p:childTnLst>
+              </p:cTn>
+              <p:prevCondLst>
+                <p:cond evt="onPrev" delay="0">
+                  <p:tgtEl>
+                    <p:sldTgt/>
+                  </p:tgtEl>
+                </p:cond>
+              </p:prevCondLst>
+              <p:nextCondLst>
+                <p:cond evt="onNext" delay="0">
+                  <p:tgtEl>
+                    <p:sldTgt/>
+                  </p:tgtEl>
+                </p:cond>
+              </p:nextCondLst>
+            </p:seq>
+          </p:childTnLst>
+        </p:cTn>
+      </p:par>
+    </p:tnLst>
+    <p:bldLst>
+      <p:bldP spid="16" grpId="0" animBg="1"/>
+      <p:bldP spid="16" grpId="1" animBg="1"/>
+      <p:bldP spid="17" grpId="0" animBg="1"/>
+      <p:bldP spid="17" grpId="1" animBg="1"/>
+      <p:bldP spid="8" grpId="0" animBg="1"/>
+      <p:bldP spid="8" grpId="1" animBg="1"/>
+      <p:bldP spid="19" grpId="0" animBg="1"/>
+      <p:bldP spid="19" grpId="1" animBg="1"/>
+      <p:bldP spid="20" grpId="0" animBg="1"/>
+      <p:bldP spid="23" grpId="0" animBg="1"/>
+    </p:bldLst>
+  </p:timing>
 </p:sld>
 </file>
 
@@ -8513,11 +9438,13 @@
           </a:xfrm>
         </p:spPr>
         <p:txBody>
-          <a:bodyPr/>
-          <a:lstStyle/>
-          <a:p>
-            <a:r>
-              <a:rPr lang="ja-JP" altLang="en-US" b="1" dirty="0">
+          <a:bodyPr>
+            <a:normAutofit/>
+          </a:bodyPr>
+          <a:lstStyle/>
+          <a:p>
+            <a:r>
+              <a:rPr lang="ja-JP" altLang="en-US" sz="6000" b="1" dirty="0">
                 <a:ln>
                   <a:solidFill>
                     <a:schemeClr val="tx1"/>
@@ -8533,7 +9460,7 @@
               </a:rPr>
               <a:t>辞書データ</a:t>
             </a:r>
-            <a:endParaRPr kumimoji="1" lang="ja-JP" altLang="en-US" b="1" dirty="0">
+            <a:endParaRPr kumimoji="1" lang="ja-JP" altLang="en-US" sz="6000" b="1" dirty="0">
               <a:ln>
                 <a:solidFill>
                   <a:schemeClr val="tx1"/>
@@ -8839,26 +9766,23 @@
           </a:bodyPr>
           <a:lstStyle/>
           <a:p>
-            <a:pPr algn="ctr"/>
             <a:r>
               <a:rPr kumimoji="1" lang="ja-JP" altLang="en-US" sz="2400" b="1" dirty="0"/>
-              <a:t>晴れ</a:t>
+              <a:t>・晴れ</a:t>
             </a:r>
             <a:endParaRPr kumimoji="1" lang="en-US" altLang="ja-JP" sz="2400" b="1" dirty="0"/>
           </a:p>
           <a:p>
-            <a:pPr algn="ctr"/>
             <a:r>
               <a:rPr lang="ja-JP" altLang="en-US" sz="2400" b="1" dirty="0"/>
-              <a:t>雨</a:t>
+              <a:t>・雨</a:t>
             </a:r>
             <a:endParaRPr lang="en-US" altLang="ja-JP" sz="2400" b="1" dirty="0"/>
           </a:p>
           <a:p>
-            <a:pPr algn="ctr"/>
             <a:r>
               <a:rPr kumimoji="1" lang="ja-JP" altLang="en-US" sz="2400" b="1" dirty="0"/>
-              <a:t>曇り</a:t>
+              <a:t>・曇り</a:t>
             </a:r>
           </a:p>
         </p:txBody>
@@ -8916,6 +9840,373 @@
   <p:clrMapOvr>
     <a:masterClrMapping/>
   </p:clrMapOvr>
+  <p:timing>
+    <p:tnLst>
+      <p:par>
+        <p:cTn id="1" dur="indefinite" restart="never" nodeType="tmRoot">
+          <p:childTnLst>
+            <p:seq concurrent="1" nextAc="seek">
+              <p:cTn id="2" dur="indefinite" nodeType="mainSeq">
+                <p:childTnLst>
+                  <p:par>
+                    <p:cTn id="3" fill="hold">
+                      <p:stCondLst>
+                        <p:cond delay="indefinite"/>
+                        <p:cond evt="onBegin" delay="0">
+                          <p:tn val="2"/>
+                        </p:cond>
+                      </p:stCondLst>
+                      <p:childTnLst>
+                        <p:par>
+                          <p:cTn id="4" fill="hold">
+                            <p:stCondLst>
+                              <p:cond delay="0"/>
+                            </p:stCondLst>
+                            <p:childTnLst>
+                              <p:par>
+                                <p:cTn id="5" presetID="22" presetClass="entr" presetSubtype="2" fill="hold" nodeType="withEffect">
+                                  <p:stCondLst>
+                                    <p:cond delay="0"/>
+                                  </p:stCondLst>
+                                  <p:childTnLst>
+                                    <p:set>
+                                      <p:cBhvr>
+                                        <p:cTn id="6" dur="1" fill="hold">
+                                          <p:stCondLst>
+                                            <p:cond delay="0"/>
+                                          </p:stCondLst>
+                                        </p:cTn>
+                                        <p:tgtEl>
+                                          <p:spTgt spid="17"/>
+                                        </p:tgtEl>
+                                        <p:attrNameLst>
+                                          <p:attrName>style.visibility</p:attrName>
+                                        </p:attrNameLst>
+                                      </p:cBhvr>
+                                      <p:to>
+                                        <p:strVal val="visible"/>
+                                      </p:to>
+                                    </p:set>
+                                    <p:animEffect transition="in" filter="wipe(right)">
+                                      <p:cBhvr>
+                                        <p:cTn id="7" dur="750"/>
+                                        <p:tgtEl>
+                                          <p:spTgt spid="17"/>
+                                        </p:tgtEl>
+                                      </p:cBhvr>
+                                    </p:animEffect>
+                                  </p:childTnLst>
+                                </p:cTn>
+                              </p:par>
+                            </p:childTnLst>
+                          </p:cTn>
+                        </p:par>
+                      </p:childTnLst>
+                    </p:cTn>
+                  </p:par>
+                  <p:par>
+                    <p:cTn id="8" fill="hold">
+                      <p:stCondLst>
+                        <p:cond delay="indefinite"/>
+                      </p:stCondLst>
+                      <p:childTnLst>
+                        <p:par>
+                          <p:cTn id="9" fill="hold">
+                            <p:stCondLst>
+                              <p:cond delay="0"/>
+                            </p:stCondLst>
+                            <p:childTnLst>
+                              <p:par>
+                                <p:cTn id="10" presetID="10" presetClass="entr" presetSubtype="0" fill="hold" grpId="0" nodeType="clickEffect">
+                                  <p:stCondLst>
+                                    <p:cond delay="0"/>
+                                  </p:stCondLst>
+                                  <p:childTnLst>
+                                    <p:set>
+                                      <p:cBhvr>
+                                        <p:cTn id="11" dur="1" fill="hold">
+                                          <p:stCondLst>
+                                            <p:cond delay="0"/>
+                                          </p:stCondLst>
+                                        </p:cTn>
+                                        <p:tgtEl>
+                                          <p:spTgt spid="22"/>
+                                        </p:tgtEl>
+                                        <p:attrNameLst>
+                                          <p:attrName>style.visibility</p:attrName>
+                                        </p:attrNameLst>
+                                      </p:cBhvr>
+                                      <p:to>
+                                        <p:strVal val="visible"/>
+                                      </p:to>
+                                    </p:set>
+                                    <p:animEffect transition="in" filter="fade">
+                                      <p:cBhvr>
+                                        <p:cTn id="12" dur="250"/>
+                                        <p:tgtEl>
+                                          <p:spTgt spid="22"/>
+                                        </p:tgtEl>
+                                      </p:cBhvr>
+                                    </p:animEffect>
+                                  </p:childTnLst>
+                                </p:cTn>
+                              </p:par>
+                            </p:childTnLst>
+                          </p:cTn>
+                        </p:par>
+                        <p:par>
+                          <p:cTn id="13" fill="hold">
+                            <p:stCondLst>
+                              <p:cond delay="250"/>
+                            </p:stCondLst>
+                            <p:childTnLst>
+                              <p:par>
+                                <p:cTn id="14" presetID="10" presetClass="entr" presetSubtype="0" fill="hold" grpId="0" nodeType="afterEffect">
+                                  <p:stCondLst>
+                                    <p:cond delay="0"/>
+                                  </p:stCondLst>
+                                  <p:childTnLst>
+                                    <p:set>
+                                      <p:cBhvr>
+                                        <p:cTn id="15" dur="1" fill="hold">
+                                          <p:stCondLst>
+                                            <p:cond delay="0"/>
+                                          </p:stCondLst>
+                                        </p:cTn>
+                                        <p:tgtEl>
+                                          <p:spTgt spid="23"/>
+                                        </p:tgtEl>
+                                        <p:attrNameLst>
+                                          <p:attrName>style.visibility</p:attrName>
+                                        </p:attrNameLst>
+                                      </p:cBhvr>
+                                      <p:to>
+                                        <p:strVal val="visible"/>
+                                      </p:to>
+                                    </p:set>
+                                    <p:animEffect transition="in" filter="fade">
+                                      <p:cBhvr>
+                                        <p:cTn id="16" dur="250"/>
+                                        <p:tgtEl>
+                                          <p:spTgt spid="23"/>
+                                        </p:tgtEl>
+                                      </p:cBhvr>
+                                    </p:animEffect>
+                                  </p:childTnLst>
+                                </p:cTn>
+                              </p:par>
+                            </p:childTnLst>
+                          </p:cTn>
+                        </p:par>
+                        <p:par>
+                          <p:cTn id="17" fill="hold">
+                            <p:stCondLst>
+                              <p:cond delay="500"/>
+                            </p:stCondLst>
+                            <p:childTnLst>
+                              <p:par>
+                                <p:cTn id="18" presetID="10" presetClass="entr" presetSubtype="0" fill="hold" grpId="0" nodeType="afterEffect">
+                                  <p:stCondLst>
+                                    <p:cond delay="0"/>
+                                  </p:stCondLst>
+                                  <p:childTnLst>
+                                    <p:set>
+                                      <p:cBhvr>
+                                        <p:cTn id="19" dur="1" fill="hold">
+                                          <p:stCondLst>
+                                            <p:cond delay="0"/>
+                                          </p:stCondLst>
+                                        </p:cTn>
+                                        <p:tgtEl>
+                                          <p:spTgt spid="24"/>
+                                        </p:tgtEl>
+                                        <p:attrNameLst>
+                                          <p:attrName>style.visibility</p:attrName>
+                                        </p:attrNameLst>
+                                      </p:cBhvr>
+                                      <p:to>
+                                        <p:strVal val="visible"/>
+                                      </p:to>
+                                    </p:set>
+                                    <p:animEffect transition="in" filter="fade">
+                                      <p:cBhvr>
+                                        <p:cTn id="20" dur="250"/>
+                                        <p:tgtEl>
+                                          <p:spTgt spid="24"/>
+                                        </p:tgtEl>
+                                      </p:cBhvr>
+                                    </p:animEffect>
+                                  </p:childTnLst>
+                                </p:cTn>
+                              </p:par>
+                            </p:childTnLst>
+                          </p:cTn>
+                        </p:par>
+                        <p:par>
+                          <p:cTn id="21" fill="hold">
+                            <p:stCondLst>
+                              <p:cond delay="750"/>
+                            </p:stCondLst>
+                            <p:childTnLst>
+                              <p:par>
+                                <p:cTn id="22" presetID="10" presetClass="entr" presetSubtype="0" fill="hold" grpId="0" nodeType="afterEffect">
+                                  <p:stCondLst>
+                                    <p:cond delay="0"/>
+                                  </p:stCondLst>
+                                  <p:childTnLst>
+                                    <p:set>
+                                      <p:cBhvr>
+                                        <p:cTn id="23" dur="1" fill="hold">
+                                          <p:stCondLst>
+                                            <p:cond delay="0"/>
+                                          </p:stCondLst>
+                                        </p:cTn>
+                                        <p:tgtEl>
+                                          <p:spTgt spid="25"/>
+                                        </p:tgtEl>
+                                        <p:attrNameLst>
+                                          <p:attrName>style.visibility</p:attrName>
+                                        </p:attrNameLst>
+                                      </p:cBhvr>
+                                      <p:to>
+                                        <p:strVal val="visible"/>
+                                      </p:to>
+                                    </p:set>
+                                    <p:animEffect transition="in" filter="fade">
+                                      <p:cBhvr>
+                                        <p:cTn id="24" dur="250"/>
+                                        <p:tgtEl>
+                                          <p:spTgt spid="25"/>
+                                        </p:tgtEl>
+                                      </p:cBhvr>
+                                    </p:animEffect>
+                                  </p:childTnLst>
+                                </p:cTn>
+                              </p:par>
+                            </p:childTnLst>
+                          </p:cTn>
+                        </p:par>
+                        <p:par>
+                          <p:cTn id="25" fill="hold">
+                            <p:stCondLst>
+                              <p:cond delay="1000"/>
+                            </p:stCondLst>
+                            <p:childTnLst>
+                              <p:par>
+                                <p:cTn id="26" presetID="10" presetClass="entr" presetSubtype="0" fill="hold" grpId="0" nodeType="afterEffect">
+                                  <p:stCondLst>
+                                    <p:cond delay="0"/>
+                                  </p:stCondLst>
+                                  <p:childTnLst>
+                                    <p:set>
+                                      <p:cBhvr>
+                                        <p:cTn id="27" dur="1" fill="hold">
+                                          <p:stCondLst>
+                                            <p:cond delay="0"/>
+                                          </p:stCondLst>
+                                        </p:cTn>
+                                        <p:tgtEl>
+                                          <p:spTgt spid="26"/>
+                                        </p:tgtEl>
+                                        <p:attrNameLst>
+                                          <p:attrName>style.visibility</p:attrName>
+                                        </p:attrNameLst>
+                                      </p:cBhvr>
+                                      <p:to>
+                                        <p:strVal val="visible"/>
+                                      </p:to>
+                                    </p:set>
+                                    <p:animEffect transition="in" filter="fade">
+                                      <p:cBhvr>
+                                        <p:cTn id="28" dur="250"/>
+                                        <p:tgtEl>
+                                          <p:spTgt spid="26"/>
+                                        </p:tgtEl>
+                                      </p:cBhvr>
+                                    </p:animEffect>
+                                  </p:childTnLst>
+                                </p:cTn>
+                              </p:par>
+                            </p:childTnLst>
+                          </p:cTn>
+                        </p:par>
+                        <p:par>
+                          <p:cTn id="29" fill="hold">
+                            <p:stCondLst>
+                              <p:cond delay="1250"/>
+                            </p:stCondLst>
+                            <p:childTnLst>
+                              <p:par>
+                                <p:cTn id="30" presetID="10" presetClass="entr" presetSubtype="0" fill="hold" grpId="0" nodeType="afterEffect">
+                                  <p:stCondLst>
+                                    <p:cond delay="0"/>
+                                  </p:stCondLst>
+                                  <p:childTnLst>
+                                    <p:set>
+                                      <p:cBhvr>
+                                        <p:cTn id="31" dur="1" fill="hold">
+                                          <p:stCondLst>
+                                            <p:cond delay="0"/>
+                                          </p:stCondLst>
+                                        </p:cTn>
+                                        <p:tgtEl>
+                                          <p:spTgt spid="28"/>
+                                        </p:tgtEl>
+                                        <p:attrNameLst>
+                                          <p:attrName>style.visibility</p:attrName>
+                                        </p:attrNameLst>
+                                      </p:cBhvr>
+                                      <p:to>
+                                        <p:strVal val="visible"/>
+                                      </p:to>
+                                    </p:set>
+                                    <p:animEffect transition="in" filter="fade">
+                                      <p:cBhvr>
+                                        <p:cTn id="32" dur="250"/>
+                                        <p:tgtEl>
+                                          <p:spTgt spid="28"/>
+                                        </p:tgtEl>
+                                      </p:cBhvr>
+                                    </p:animEffect>
+                                  </p:childTnLst>
+                                </p:cTn>
+                              </p:par>
+                            </p:childTnLst>
+                          </p:cTn>
+                        </p:par>
+                      </p:childTnLst>
+                    </p:cTn>
+                  </p:par>
+                </p:childTnLst>
+              </p:cTn>
+              <p:prevCondLst>
+                <p:cond evt="onPrev" delay="0">
+                  <p:tgtEl>
+                    <p:sldTgt/>
+                  </p:tgtEl>
+                </p:cond>
+              </p:prevCondLst>
+              <p:nextCondLst>
+                <p:cond evt="onNext" delay="0">
+                  <p:tgtEl>
+                    <p:sldTgt/>
+                  </p:tgtEl>
+                </p:cond>
+              </p:nextCondLst>
+            </p:seq>
+          </p:childTnLst>
+        </p:cTn>
+      </p:par>
+    </p:tnLst>
+    <p:bldLst>
+      <p:bldP spid="22" grpId="0" animBg="1"/>
+      <p:bldP spid="23" grpId="0" animBg="1"/>
+      <p:bldP spid="24" grpId="0" animBg="1"/>
+      <p:bldP spid="25" grpId="0" animBg="1"/>
+      <p:bldP spid="26" grpId="0" animBg="1"/>
+      <p:bldP spid="28" grpId="0" animBg="1"/>
+    </p:bldLst>
+  </p:timing>
 </p:sld>
 </file>
 
@@ -8954,11 +10245,13 @@
         </p:nvSpPr>
         <p:spPr/>
         <p:txBody>
-          <a:bodyPr/>
-          <a:lstStyle/>
-          <a:p>
-            <a:r>
-              <a:rPr kumimoji="1" lang="ja-JP" altLang="en-US" b="1" dirty="0">
+          <a:bodyPr>
+            <a:normAutofit/>
+          </a:bodyPr>
+          <a:lstStyle/>
+          <a:p>
+            <a:r>
+              <a:rPr kumimoji="1" lang="ja-JP" altLang="en-US" sz="6000" b="1" dirty="0">
                 <a:ln>
                   <a:solidFill>
                     <a:schemeClr val="tx1"/>
@@ -9002,10 +10295,10 @@
               <a:buNone/>
             </a:pPr>
             <a:r>
-              <a:rPr lang="ja-JP" altLang="en-US" dirty="0"/>
+              <a:rPr lang="ja-JP" altLang="en-US" sz="3600" b="1" dirty="0"/>
               <a:t>起動の合図</a:t>
             </a:r>
-            <a:endParaRPr lang="en-US" altLang="ja-JP" dirty="0"/>
+            <a:endParaRPr lang="en-US" altLang="ja-JP" sz="3600" b="1" dirty="0"/>
           </a:p>
           <a:p>
             <a:pPr marL="0" indent="0">
@@ -9424,11 +10717,13 @@
         </p:nvSpPr>
         <p:spPr/>
         <p:txBody>
-          <a:bodyPr/>
-          <a:lstStyle/>
-          <a:p>
-            <a:r>
-              <a:rPr lang="ja-JP" altLang="en-US" b="1" dirty="0">
+          <a:bodyPr>
+            <a:normAutofit/>
+          </a:bodyPr>
+          <a:lstStyle/>
+          <a:p>
+            <a:r>
+              <a:rPr lang="ja-JP" altLang="en-US" sz="6000" b="1" dirty="0">
                 <a:ln>
                   <a:solidFill>
                     <a:schemeClr val="tx1"/>
@@ -9444,7 +10739,7 @@
               </a:rPr>
               <a:t>ウェイクワード</a:t>
             </a:r>
-            <a:endParaRPr kumimoji="1" lang="ja-JP" altLang="en-US" b="1" dirty="0"/>
+            <a:endParaRPr kumimoji="1" lang="ja-JP" altLang="en-US" sz="6000" b="1" dirty="0"/>
           </a:p>
         </p:txBody>
       </p:sp>
@@ -9700,11 +10995,13 @@
         </p:nvSpPr>
         <p:spPr/>
         <p:txBody>
-          <a:bodyPr/>
-          <a:lstStyle/>
-          <a:p>
-            <a:r>
-              <a:rPr lang="ja-JP" altLang="en-US" b="1" dirty="0">
+          <a:bodyPr>
+            <a:normAutofit/>
+          </a:bodyPr>
+          <a:lstStyle/>
+          <a:p>
+            <a:r>
+              <a:rPr lang="ja-JP" altLang="en-US" sz="6000" b="1" dirty="0">
                 <a:ln>
                   <a:solidFill>
                     <a:schemeClr val="tx1"/>
@@ -9720,7 +11017,7 @@
               </a:rPr>
               <a:t>ウェイクワード</a:t>
             </a:r>
-            <a:endParaRPr kumimoji="1" lang="ja-JP" altLang="en-US" b="1" dirty="0"/>
+            <a:endParaRPr kumimoji="1" lang="ja-JP" altLang="en-US" sz="6000" b="1" dirty="0"/>
           </a:p>
         </p:txBody>
       </p:sp>
@@ -9738,7 +11035,7 @@
         </p:nvSpPr>
         <p:spPr>
           <a:xfrm>
-            <a:off x="4303485" y="1194764"/>
+            <a:off x="4303485" y="1436250"/>
             <a:ext cx="3811815" cy="879987"/>
           </a:xfrm>
           <a:prstGeom prst="flowChartProcess">
@@ -9801,7 +11098,7 @@
         </p:nvSpPr>
         <p:spPr>
           <a:xfrm>
-            <a:off x="4303485" y="2400243"/>
+            <a:off x="4303485" y="2549309"/>
             <a:ext cx="3811815" cy="879987"/>
           </a:xfrm>
           <a:prstGeom prst="flowChartProcess">
@@ -10069,8 +11366,8 @@
         </p:nvCxnSpPr>
         <p:spPr>
           <a:xfrm>
-            <a:off x="6209393" y="2074751"/>
-            <a:ext cx="0" cy="325492"/>
+            <a:off x="6209393" y="2316237"/>
+            <a:ext cx="0" cy="233072"/>
           </a:xfrm>
           <a:prstGeom prst="line">
             <a:avLst/>
@@ -10114,8 +11411,8 @@
         </p:nvCxnSpPr>
         <p:spPr>
           <a:xfrm flipH="1">
-            <a:off x="6209392" y="3280230"/>
-            <a:ext cx="1" cy="344841"/>
+            <a:off x="6209392" y="3429296"/>
+            <a:ext cx="1" cy="195775"/>
           </a:xfrm>
           <a:prstGeom prst="line">
             <a:avLst/>
@@ -10204,8 +11501,8 @@
         </p:nvCxnSpPr>
         <p:spPr>
           <a:xfrm rot="10800000" flipV="1">
-            <a:off x="4303485" y="1634757"/>
-            <a:ext cx="1" cy="2811801"/>
+            <a:off x="4303485" y="1876243"/>
+            <a:ext cx="1" cy="2570315"/>
           </a:xfrm>
           <a:prstGeom prst="bentConnector3">
             <a:avLst>
@@ -10500,11 +11797,13 @@
           </a:xfrm>
         </p:spPr>
         <p:txBody>
-          <a:bodyPr/>
-          <a:lstStyle/>
-          <a:p>
-            <a:r>
-              <a:rPr lang="ja-JP" altLang="en-US" b="1" dirty="0">
+          <a:bodyPr>
+            <a:normAutofit/>
+          </a:bodyPr>
+          <a:lstStyle/>
+          <a:p>
+            <a:r>
+              <a:rPr lang="ja-JP" altLang="en-US" sz="6000" b="1" dirty="0">
                 <a:ln>
                   <a:solidFill>
                     <a:sysClr val="windowText" lastClr="000000"/>
@@ -10521,7 +11820,7 @@
               <a:t>テキスト分類</a:t>
             </a:r>
             <a:r>
-              <a:rPr kumimoji="1" lang="ja-JP" altLang="en-US" b="1" dirty="0">
+              <a:rPr kumimoji="1" lang="ja-JP" altLang="en-US" sz="6000" b="1" dirty="0">
                 <a:ln>
                   <a:solidFill>
                     <a:sysClr val="windowText" lastClr="000000"/>
@@ -10895,8 +12194,8 @@
         </p:nvSpPr>
         <p:spPr>
           <a:xfrm>
-            <a:off x="7420691" y="3591156"/>
-            <a:ext cx="930811" cy="461665"/>
+            <a:off x="7317579" y="3546506"/>
+            <a:ext cx="1221470" cy="523220"/>
           </a:xfrm>
           <a:prstGeom prst="rect">
             <a:avLst/>
@@ -10910,14 +12209,14 @@
           <a:lstStyle/>
           <a:p>
             <a:r>
-              <a:rPr kumimoji="1" lang="en-US" altLang="ja-JP" sz="2400" b="1" dirty="0"/>
+              <a:rPr kumimoji="1" lang="en-US" altLang="ja-JP" sz="2800" b="1" dirty="0"/>
               <a:t>14</a:t>
             </a:r>
             <a:r>
-              <a:rPr kumimoji="1" lang="ja-JP" altLang="en-US" sz="2400" b="1" dirty="0"/>
+              <a:rPr kumimoji="1" lang="ja-JP" altLang="en-US" sz="2800" b="1" dirty="0"/>
               <a:t>％</a:t>
             </a:r>
-            <a:endParaRPr kumimoji="1" lang="en-US" altLang="ja-JP" sz="2400" b="1" dirty="0"/>
+            <a:endParaRPr kumimoji="1" lang="en-US" altLang="ja-JP" sz="2800" b="1" dirty="0"/>
           </a:p>
         </p:txBody>
       </p:sp>
@@ -10935,8 +12234,8 @@
         </p:nvSpPr>
         <p:spPr>
           <a:xfrm>
-            <a:off x="7420691" y="5033259"/>
-            <a:ext cx="930811" cy="461665"/>
+            <a:off x="7317579" y="4988609"/>
+            <a:ext cx="1221470" cy="523220"/>
           </a:xfrm>
           <a:prstGeom prst="rect">
             <a:avLst/>
@@ -10950,14 +12249,14 @@
           <a:lstStyle/>
           <a:p>
             <a:r>
-              <a:rPr lang="en-US" altLang="ja-JP" sz="2400" b="1" dirty="0"/>
+              <a:rPr lang="en-US" altLang="ja-JP" sz="2800" b="1" dirty="0"/>
               <a:t>12</a:t>
             </a:r>
             <a:r>
-              <a:rPr kumimoji="1" lang="ja-JP" altLang="en-US" sz="2400" b="1" dirty="0"/>
+              <a:rPr kumimoji="1" lang="ja-JP" altLang="en-US" sz="2800" b="1" dirty="0"/>
               <a:t>％</a:t>
             </a:r>
-            <a:endParaRPr kumimoji="1" lang="en-US" altLang="ja-JP" sz="2400" b="1" dirty="0"/>
+            <a:endParaRPr kumimoji="1" lang="en-US" altLang="ja-JP" sz="2800" b="1" dirty="0"/>
           </a:p>
         </p:txBody>
       </p:sp>
@@ -12993,11 +14292,13 @@
           </a:xfrm>
         </p:spPr>
         <p:txBody>
-          <a:bodyPr/>
-          <a:lstStyle/>
-          <a:p>
-            <a:r>
-              <a:rPr kumimoji="1" lang="en-US" altLang="ja-JP" b="1" dirty="0" err="1">
+          <a:bodyPr>
+            <a:normAutofit/>
+          </a:bodyPr>
+          <a:lstStyle/>
+          <a:p>
+            <a:r>
+              <a:rPr kumimoji="1" lang="en-US" altLang="ja-JP" sz="6000" b="1" dirty="0" err="1">
                 <a:ln>
                   <a:solidFill>
                     <a:sysClr val="windowText" lastClr="000000"/>
@@ -13013,7 +14314,7 @@
               </a:rPr>
               <a:t>fastText</a:t>
             </a:r>
-            <a:endParaRPr kumimoji="1" lang="ja-JP" altLang="en-US" b="1" dirty="0">
+            <a:endParaRPr kumimoji="1" lang="ja-JP" altLang="en-US" sz="6000" b="1" dirty="0">
               <a:ln>
                 <a:solidFill>
                   <a:sysClr val="windowText" lastClr="000000"/>
@@ -13130,8 +14431,8 @@
         </p:nvSpPr>
         <p:spPr>
           <a:xfrm>
-            <a:off x="334433" y="1765990"/>
-            <a:ext cx="10515600" cy="1487849"/>
+            <a:off x="77926" y="1674882"/>
+            <a:ext cx="12187250" cy="2311636"/>
           </a:xfrm>
           <a:ln>
             <a:noFill/>
@@ -13147,7 +14448,7 @@
               <a:buNone/>
             </a:pPr>
             <a:r>
-              <a:rPr kumimoji="1" lang="ja-JP" altLang="en-US" sz="3600" b="1" dirty="0">
+              <a:rPr kumimoji="1" lang="ja-JP" altLang="en-US" sz="4800" b="1" dirty="0">
                 <a:ln>
                   <a:solidFill>
                     <a:sysClr val="windowText" lastClr="000000"/>
@@ -13161,7 +14462,7 @@
               </a:rPr>
               <a:t>文章を単語ごとに分割</a:t>
             </a:r>
-            <a:endParaRPr kumimoji="1" lang="en-US" altLang="ja-JP" sz="3600" b="1" dirty="0">
+            <a:endParaRPr kumimoji="1" lang="en-US" altLang="ja-JP" sz="4800" b="1" dirty="0">
               <a:ln>
                 <a:solidFill>
                   <a:sysClr val="windowText" lastClr="000000"/>
@@ -13179,19 +14480,15 @@
               <a:buNone/>
             </a:pPr>
             <a:r>
-              <a:rPr lang="ja-JP" altLang="en-US" sz="3200" b="1" dirty="0"/>
-              <a:t>↑</a:t>
-            </a:r>
-            <a:r>
-              <a:rPr kumimoji="1" lang="ja-JP" altLang="en-US" sz="3200" b="1" dirty="0"/>
+              <a:rPr kumimoji="1" lang="ja-JP" altLang="en-US" sz="4000" b="1" dirty="0"/>
               <a:t>重複する単語が</a:t>
             </a:r>
             <a:r>
-              <a:rPr lang="ja-JP" altLang="en-US" sz="3200" b="1" dirty="0"/>
+              <a:rPr lang="ja-JP" altLang="en-US" sz="4000" b="1" dirty="0"/>
               <a:t>多い</a:t>
             </a:r>
             <a:r>
-              <a:rPr lang="ja-JP" altLang="en-US" sz="3200" b="1" dirty="0">
+              <a:rPr lang="ja-JP" altLang="en-US" sz="4000" b="1" dirty="0">
                 <a:solidFill>
                   <a:srgbClr val="FF0000"/>
                 </a:solidFill>
@@ -13199,75 +14496,16 @@
               <a:t>　　</a:t>
             </a:r>
             <a:r>
-              <a:rPr lang="ja-JP" altLang="en-US" sz="3200" b="1" dirty="0"/>
+              <a:rPr lang="ja-JP" altLang="en-US" sz="4000" b="1" dirty="0"/>
               <a:t>データを増やしにくい</a:t>
             </a:r>
-          </a:p>
-          <a:p>
-            <a:pPr marL="914400" lvl="2" indent="0">
-              <a:buNone/>
-            </a:pPr>
-            <a:endParaRPr kumimoji="1" lang="en-US" altLang="ja-JP" sz="3200" dirty="0"/>
+            <a:endParaRPr kumimoji="1" lang="en-US" altLang="ja-JP" sz="4400" dirty="0"/>
           </a:p>
           <a:p>
             <a:pPr marL="914400" lvl="2" indent="0">
               <a:buNone/>
             </a:pPr>
             <a:endParaRPr lang="ja-JP" altLang="en-US" sz="3600" b="1" dirty="0"/>
-          </a:p>
-        </p:txBody>
-      </p:sp>
-      <p:sp>
-        <p:nvSpPr>
-          <p:cNvPr id="9" name="矢印: 上 8">
-            <a:extLst>
-              <a:ext uri="{FF2B5EF4-FFF2-40B4-BE49-F238E27FC236}">
-                <a16:creationId xmlns:a16="http://schemas.microsoft.com/office/drawing/2014/main" id="{42B22345-9B06-472D-96CD-9DCAB6528AC9}"/>
-              </a:ext>
-            </a:extLst>
-          </p:cNvPr>
-          <p:cNvSpPr/>
-          <p:nvPr/>
-        </p:nvSpPr>
-        <p:spPr>
-          <a:xfrm rot="5400000">
-            <a:off x="3868281" y="4555182"/>
-            <a:ext cx="681185" cy="634985"/>
-          </a:xfrm>
-          <a:prstGeom prst="upArrow">
-            <a:avLst/>
-          </a:prstGeom>
-          <a:solidFill>
-            <a:srgbClr val="FF0000"/>
-          </a:solidFill>
-          <a:ln>
-            <a:solidFill>
-              <a:schemeClr val="tx1"/>
-            </a:solidFill>
-          </a:ln>
-        </p:spPr>
-        <p:style>
-          <a:lnRef idx="2">
-            <a:schemeClr val="accent1">
-              <a:shade val="50000"/>
-            </a:schemeClr>
-          </a:lnRef>
-          <a:fillRef idx="1">
-            <a:schemeClr val="accent1"/>
-          </a:fillRef>
-          <a:effectRef idx="0">
-            <a:schemeClr val="accent1"/>
-          </a:effectRef>
-          <a:fontRef idx="minor">
-            <a:schemeClr val="lt1"/>
-          </a:fontRef>
-        </p:style>
-        <p:txBody>
-          <a:bodyPr rtlCol="0" anchor="ctr"/>
-          <a:lstStyle/>
-          <a:p>
-            <a:pPr algn="ctr"/>
-            <a:endParaRPr kumimoji="1" lang="ja-JP" altLang="en-US" dirty="0"/>
           </a:p>
         </p:txBody>
       </p:sp>
@@ -13294,11 +14532,13 @@
           </a:xfrm>
         </p:spPr>
         <p:txBody>
-          <a:bodyPr/>
-          <a:lstStyle/>
-          <a:p>
-            <a:r>
-              <a:rPr kumimoji="1" lang="ja-JP" altLang="en-US" b="1" dirty="0">
+          <a:bodyPr>
+            <a:normAutofit/>
+          </a:bodyPr>
+          <a:lstStyle/>
+          <a:p>
+            <a:r>
+              <a:rPr kumimoji="1" lang="ja-JP" altLang="en-US" sz="6000" b="1" dirty="0">
                 <a:ln>
                   <a:solidFill>
                     <a:sysClr val="windowText" lastClr="000000"/>
@@ -13319,83 +14559,6 @@
       </p:sp>
       <p:sp>
         <p:nvSpPr>
-          <p:cNvPr id="2" name="テキスト ボックス 1">
-            <a:extLst>
-              <a:ext uri="{FF2B5EF4-FFF2-40B4-BE49-F238E27FC236}">
-                <a16:creationId xmlns:a16="http://schemas.microsoft.com/office/drawing/2014/main" id="{55834558-C52D-413C-B636-3A70C98E7248}"/>
-              </a:ext>
-            </a:extLst>
-          </p:cNvPr>
-          <p:cNvSpPr txBox="1"/>
-          <p:nvPr/>
-        </p:nvSpPr>
-        <p:spPr>
-          <a:xfrm>
-            <a:off x="334433" y="3429000"/>
-            <a:ext cx="8562109" cy="2031325"/>
-          </a:xfrm>
-          <a:prstGeom prst="rect">
-            <a:avLst/>
-          </a:prstGeom>
-          <a:noFill/>
-        </p:spPr>
-        <p:txBody>
-          <a:bodyPr wrap="square" rtlCol="0">
-            <a:spAutoFit/>
-          </a:bodyPr>
-          <a:lstStyle/>
-          <a:p>
-            <a:endParaRPr lang="en-US" altLang="ja-JP" sz="3600" b="1" dirty="0"/>
-          </a:p>
-          <a:p>
-            <a:pPr lvl="1"/>
-            <a:r>
-              <a:rPr lang="ja-JP" altLang="en-US" sz="3600" b="1" dirty="0">
-                <a:ln>
-                  <a:solidFill>
-                    <a:sysClr val="windowText" lastClr="000000"/>
-                  </a:solidFill>
-                </a:ln>
-                <a:solidFill>
-                  <a:schemeClr val="accent6">
-                    <a:lumMod val="75000"/>
-                  </a:schemeClr>
-                </a:solidFill>
-              </a:rPr>
-              <a:t>文章を単語として扱う</a:t>
-            </a:r>
-            <a:endParaRPr lang="en-US" altLang="ja-JP" sz="3600" b="1" dirty="0">
-              <a:ln>
-                <a:solidFill>
-                  <a:sysClr val="windowText" lastClr="000000"/>
-                </a:solidFill>
-              </a:ln>
-              <a:solidFill>
-                <a:schemeClr val="accent6">
-                  <a:lumMod val="75000"/>
-                </a:schemeClr>
-              </a:solidFill>
-            </a:endParaRPr>
-          </a:p>
-          <a:p>
-            <a:pPr lvl="2"/>
-            <a:r>
-              <a:rPr lang="ja-JP" altLang="en-US" sz="3600" b="1" dirty="0"/>
-              <a:t>↑</a:t>
-            </a:r>
-            <a:r>
-              <a:rPr lang="ja-JP" altLang="en-US" sz="3200" b="1" dirty="0"/>
-              <a:t>重複しない　　データを増やしやすい</a:t>
-            </a:r>
-            <a:endParaRPr lang="ja-JP" altLang="en-US" sz="3600" b="1" dirty="0"/>
-          </a:p>
-          <a:p>
-            <a:endParaRPr kumimoji="1" lang="ja-JP" altLang="en-US" dirty="0"/>
-          </a:p>
-        </p:txBody>
-      </p:sp>
-      <p:sp>
-        <p:nvSpPr>
           <p:cNvPr id="11" name="矢印: 上 10">
             <a:extLst>
               <a:ext uri="{FF2B5EF4-FFF2-40B4-BE49-F238E27FC236}">
@@ -13408,7 +14571,7 @@
         </p:nvSpPr>
         <p:spPr>
           <a:xfrm rot="5400000">
-            <a:off x="5574916" y="2242309"/>
+            <a:off x="5761190" y="2348143"/>
             <a:ext cx="669619" cy="634985"/>
           </a:xfrm>
           <a:prstGeom prst="upArrow">
@@ -13450,10 +14613,10 @@
       </p:sp>
       <p:sp>
         <p:nvSpPr>
-          <p:cNvPr id="3" name="テキスト ボックス 2">
-            <a:extLst>
-              <a:ext uri="{FF2B5EF4-FFF2-40B4-BE49-F238E27FC236}">
-                <a16:creationId xmlns:a16="http://schemas.microsoft.com/office/drawing/2014/main" id="{D3C2B2D6-08F0-4B62-BE86-5A7CB5BCED37}"/>
+          <p:cNvPr id="14" name="テキスト ボックス 13">
+            <a:extLst>
+              <a:ext uri="{FF2B5EF4-FFF2-40B4-BE49-F238E27FC236}">
+                <a16:creationId xmlns:a16="http://schemas.microsoft.com/office/drawing/2014/main" id="{F82C14E9-77E2-4B89-8ADE-0DB799E490FB}"/>
               </a:ext>
             </a:extLst>
           </p:cNvPr>
@@ -13462,8 +14625,8 @@
         </p:nvSpPr>
         <p:spPr>
           <a:xfrm>
-            <a:off x="838200" y="3253839"/>
-            <a:ext cx="6512626" cy="369332"/>
+            <a:off x="1723053" y="3556224"/>
+            <a:ext cx="9630745" cy="923330"/>
           </a:xfrm>
           <a:prstGeom prst="rect">
             <a:avLst/>
@@ -13477,18 +14640,27 @@
           <a:lstStyle/>
           <a:p>
             <a:r>
-              <a:rPr kumimoji="1" lang="ja-JP" altLang="en-US" dirty="0"/>
-              <a:t>今日　の　天気　は　晴れ</a:t>
-            </a:r>
-          </a:p>
-        </p:txBody>
-      </p:sp>
-      <p:sp>
-        <p:nvSpPr>
-          <p:cNvPr id="13" name="テキスト ボックス 12">
-            <a:extLst>
-              <a:ext uri="{FF2B5EF4-FFF2-40B4-BE49-F238E27FC236}">
-                <a16:creationId xmlns:a16="http://schemas.microsoft.com/office/drawing/2014/main" id="{B390A01E-1708-4DAB-B169-232BD60F8B09}"/>
+              <a:rPr kumimoji="1" lang="ja-JP" altLang="en-US" sz="5400" b="1" dirty="0">
+                <a:ln w="19050">
+                  <a:solidFill>
+                    <a:srgbClr val="FF0000"/>
+                  </a:solidFill>
+                </a:ln>
+                <a:solidFill>
+                  <a:schemeClr val="bg1"/>
+                </a:solidFill>
+              </a:rPr>
+              <a:t>今日　の　天気　は　晴れ ？</a:t>
+            </a:r>
+          </a:p>
+        </p:txBody>
+      </p:sp>
+      <p:sp>
+        <p:nvSpPr>
+          <p:cNvPr id="15" name="テキスト ボックス 14">
+            <a:extLst>
+              <a:ext uri="{FF2B5EF4-FFF2-40B4-BE49-F238E27FC236}">
+                <a16:creationId xmlns:a16="http://schemas.microsoft.com/office/drawing/2014/main" id="{2C212ED4-0CB7-454B-9D72-D3D1BB7564A4}"/>
               </a:ext>
             </a:extLst>
           </p:cNvPr>
@@ -13497,8 +14669,8 @@
         </p:nvSpPr>
         <p:spPr>
           <a:xfrm>
-            <a:off x="838200" y="3708294"/>
-            <a:ext cx="6512626" cy="369332"/>
+            <a:off x="1723052" y="4876803"/>
+            <a:ext cx="9630746" cy="923330"/>
           </a:xfrm>
           <a:prstGeom prst="rect">
             <a:avLst/>
@@ -13512,12 +14684,109 @@
           <a:lstStyle/>
           <a:p>
             <a:r>
-              <a:rPr kumimoji="1" lang="ja-JP" altLang="en-US" dirty="0"/>
+              <a:rPr kumimoji="1" lang="ja-JP" altLang="en-US" sz="5400" b="1" dirty="0">
+                <a:ln w="19050">
+                  <a:solidFill>
+                    <a:srgbClr val="FF0000"/>
+                  </a:solidFill>
+                </a:ln>
+                <a:solidFill>
+                  <a:schemeClr val="bg1"/>
+                </a:solidFill>
+              </a:rPr>
               <a:t>今日　の　天気　を　教えて</a:t>
             </a:r>
           </a:p>
         </p:txBody>
       </p:sp>
+      <p:cxnSp>
+        <p:nvCxnSpPr>
+          <p:cNvPr id="10" name="直線コネクタ 9">
+            <a:extLst>
+              <a:ext uri="{FF2B5EF4-FFF2-40B4-BE49-F238E27FC236}">
+                <a16:creationId xmlns:a16="http://schemas.microsoft.com/office/drawing/2014/main" id="{E1421A6B-C8D7-42ED-8345-8DD4A371813B}"/>
+              </a:ext>
+            </a:extLst>
+          </p:cNvPr>
+          <p:cNvCxnSpPr>
+            <a:cxnSpLocks/>
+            <a:endCxn id="15" idx="2"/>
+          </p:cNvCxnSpPr>
+          <p:nvPr/>
+        </p:nvCxnSpPr>
+        <p:spPr>
+          <a:xfrm>
+            <a:off x="1752600" y="4865981"/>
+            <a:ext cx="4785825" cy="934152"/>
+          </a:xfrm>
+          <a:prstGeom prst="line">
+            <a:avLst/>
+          </a:prstGeom>
+          <a:ln w="76200">
+            <a:solidFill>
+              <a:srgbClr val="FF0000"/>
+            </a:solidFill>
+          </a:ln>
+        </p:spPr>
+        <p:style>
+          <a:lnRef idx="1">
+            <a:schemeClr val="accent1"/>
+          </a:lnRef>
+          <a:fillRef idx="0">
+            <a:schemeClr val="accent1"/>
+          </a:fillRef>
+          <a:effectRef idx="0">
+            <a:schemeClr val="accent1"/>
+          </a:effectRef>
+          <a:fontRef idx="minor">
+            <a:schemeClr val="tx1"/>
+          </a:fontRef>
+        </p:style>
+      </p:cxnSp>
+      <p:cxnSp>
+        <p:nvCxnSpPr>
+          <p:cNvPr id="22" name="直線コネクタ 21">
+            <a:extLst>
+              <a:ext uri="{FF2B5EF4-FFF2-40B4-BE49-F238E27FC236}">
+                <a16:creationId xmlns:a16="http://schemas.microsoft.com/office/drawing/2014/main" id="{BA6EB715-1388-441B-A9F6-137E1F591A99}"/>
+              </a:ext>
+            </a:extLst>
+          </p:cNvPr>
+          <p:cNvCxnSpPr>
+            <a:cxnSpLocks/>
+            <a:endCxn id="15" idx="0"/>
+          </p:cNvCxnSpPr>
+          <p:nvPr/>
+        </p:nvCxnSpPr>
+        <p:spPr>
+          <a:xfrm flipV="1">
+            <a:off x="1752600" y="4876803"/>
+            <a:ext cx="4785825" cy="923330"/>
+          </a:xfrm>
+          <a:prstGeom prst="line">
+            <a:avLst/>
+          </a:prstGeom>
+          <a:ln w="76200">
+            <a:solidFill>
+              <a:srgbClr val="FF0000"/>
+            </a:solidFill>
+          </a:ln>
+        </p:spPr>
+        <p:style>
+          <a:lnRef idx="1">
+            <a:schemeClr val="accent1"/>
+          </a:lnRef>
+          <a:fillRef idx="0">
+            <a:schemeClr val="accent1"/>
+          </a:fillRef>
+          <a:effectRef idx="0">
+            <a:schemeClr val="accent1"/>
+          </a:effectRef>
+          <a:fontRef idx="minor">
+            <a:schemeClr val="tx1"/>
+          </a:fontRef>
+        </p:style>
+      </p:cxnSp>
     </p:spTree>
     <p:extLst>
       <p:ext uri="{BB962C8B-B14F-4D97-AF65-F5344CB8AC3E}">
@@ -13562,7 +14831,7 @@
                                           </p:stCondLst>
                                         </p:cTn>
                                         <p:tgtEl>
-                                          <p:spTgt spid="2"/>
+                                          <p:spTgt spid="14"/>
                                         </p:tgtEl>
                                         <p:attrNameLst>
                                           <p:attrName>style.visibility</p:attrName>
@@ -13574,17 +14843,17 @@
                                     </p:set>
                                     <p:animEffect transition="in" filter="fade">
                                       <p:cBhvr>
-                                        <p:cTn id="7" dur="1000"/>
+                                        <p:cTn id="7" dur="500"/>
                                         <p:tgtEl>
-                                          <p:spTgt spid="2"/>
+                                          <p:spTgt spid="14"/>
                                         </p:tgtEl>
                                       </p:cBhvr>
                                     </p:animEffect>
                                     <p:anim calcmode="lin" valueType="num">
                                       <p:cBhvr>
-                                        <p:cTn id="8" dur="1000" fill="hold"/>
+                                        <p:cTn id="8" dur="500" fill="hold"/>
                                         <p:tgtEl>
-                                          <p:spTgt spid="2"/>
+                                          <p:spTgt spid="14"/>
                                         </p:tgtEl>
                                         <p:attrNameLst>
                                           <p:attrName>ppt_x</p:attrName>
@@ -13605,9 +14874,9 @@
                                     </p:anim>
                                     <p:anim calcmode="lin" valueType="num">
                                       <p:cBhvr>
-                                        <p:cTn id="9" dur="1000" fill="hold"/>
+                                        <p:cTn id="9" dur="500" fill="hold"/>
                                         <p:tgtEl>
-                                          <p:spTgt spid="2"/>
+                                          <p:spTgt spid="14"/>
                                         </p:tgtEl>
                                         <p:attrNameLst>
                                           <p:attrName>ppt_y</p:attrName>
@@ -13629,21 +14898,39 @@
                                   </p:childTnLst>
                                 </p:cTn>
                               </p:par>
+                            </p:childTnLst>
+                          </p:cTn>
+                        </p:par>
+                      </p:childTnLst>
+                    </p:cTn>
+                  </p:par>
+                  <p:par>
+                    <p:cTn id="10" fill="hold">
+                      <p:stCondLst>
+                        <p:cond delay="indefinite"/>
+                      </p:stCondLst>
+                      <p:childTnLst>
+                        <p:par>
+                          <p:cTn id="11" fill="hold">
+                            <p:stCondLst>
+                              <p:cond delay="0"/>
+                            </p:stCondLst>
+                            <p:childTnLst>
                               <p:par>
-                                <p:cTn id="10" presetID="42" presetClass="entr" presetSubtype="0" fill="hold" grpId="0" nodeType="withEffect">
+                                <p:cTn id="12" presetID="42" presetClass="entr" presetSubtype="0" fill="hold" grpId="0" nodeType="clickEffect">
                                   <p:stCondLst>
                                     <p:cond delay="0"/>
                                   </p:stCondLst>
                                   <p:childTnLst>
                                     <p:set>
                                       <p:cBhvr>
-                                        <p:cTn id="11" dur="1" fill="hold">
+                                        <p:cTn id="13" dur="1" fill="hold">
                                           <p:stCondLst>
                                             <p:cond delay="0"/>
                                           </p:stCondLst>
                                         </p:cTn>
                                         <p:tgtEl>
-                                          <p:spTgt spid="9"/>
+                                          <p:spTgt spid="15"/>
                                         </p:tgtEl>
                                         <p:attrNameLst>
                                           <p:attrName>style.visibility</p:attrName>
@@ -13655,17 +14942,17 @@
                                     </p:set>
                                     <p:animEffect transition="in" filter="fade">
                                       <p:cBhvr>
-                                        <p:cTn id="12" dur="1000"/>
+                                        <p:cTn id="14" dur="500"/>
                                         <p:tgtEl>
-                                          <p:spTgt spid="9"/>
+                                          <p:spTgt spid="15"/>
                                         </p:tgtEl>
                                       </p:cBhvr>
                                     </p:animEffect>
                                     <p:anim calcmode="lin" valueType="num">
                                       <p:cBhvr>
-                                        <p:cTn id="13" dur="1000" fill="hold"/>
+                                        <p:cTn id="15" dur="500" fill="hold"/>
                                         <p:tgtEl>
-                                          <p:spTgt spid="9"/>
+                                          <p:spTgt spid="15"/>
                                         </p:tgtEl>
                                         <p:attrNameLst>
                                           <p:attrName>ppt_x</p:attrName>
@@ -13686,9 +14973,9 @@
                                     </p:anim>
                                     <p:anim calcmode="lin" valueType="num">
                                       <p:cBhvr>
-                                        <p:cTn id="14" dur="1000" fill="hold"/>
+                                        <p:cTn id="16" dur="500" fill="hold"/>
                                         <p:tgtEl>
-                                          <p:spTgt spid="9"/>
+                                          <p:spTgt spid="15"/>
                                         </p:tgtEl>
                                         <p:attrNameLst>
                                           <p:attrName>ppt_y</p:attrName>
@@ -13707,6 +14994,94 @@
                                         </p:tav>
                                       </p:tavLst>
                                     </p:anim>
+                                  </p:childTnLst>
+                                </p:cTn>
+                              </p:par>
+                            </p:childTnLst>
+                          </p:cTn>
+                        </p:par>
+                      </p:childTnLst>
+                    </p:cTn>
+                  </p:par>
+                  <p:par>
+                    <p:cTn id="17" fill="hold">
+                      <p:stCondLst>
+                        <p:cond delay="indefinite"/>
+                      </p:stCondLst>
+                      <p:childTnLst>
+                        <p:par>
+                          <p:cTn id="18" fill="hold">
+                            <p:stCondLst>
+                              <p:cond delay="0"/>
+                            </p:stCondLst>
+                            <p:childTnLst>
+                              <p:par>
+                                <p:cTn id="19" presetID="16" presetClass="entr" presetSubtype="37" fill="hold" nodeType="clickEffect">
+                                  <p:stCondLst>
+                                    <p:cond delay="0"/>
+                                  </p:stCondLst>
+                                  <p:childTnLst>
+                                    <p:set>
+                                      <p:cBhvr>
+                                        <p:cTn id="20" dur="1" fill="hold">
+                                          <p:stCondLst>
+                                            <p:cond delay="0"/>
+                                          </p:stCondLst>
+                                        </p:cTn>
+                                        <p:tgtEl>
+                                          <p:spTgt spid="22"/>
+                                        </p:tgtEl>
+                                        <p:attrNameLst>
+                                          <p:attrName>style.visibility</p:attrName>
+                                        </p:attrNameLst>
+                                      </p:cBhvr>
+                                      <p:to>
+                                        <p:strVal val="visible"/>
+                                      </p:to>
+                                    </p:set>
+                                    <p:animEffect transition="in" filter="barn(outVertical)">
+                                      <p:cBhvr>
+                                        <p:cTn id="21" dur="500"/>
+                                        <p:tgtEl>
+                                          <p:spTgt spid="22"/>
+                                        </p:tgtEl>
+                                      </p:cBhvr>
+                                    </p:animEffect>
+                                  </p:childTnLst>
+                                </p:cTn>
+                              </p:par>
+                              <p:par>
+                                <p:cTn id="22" presetID="16" presetClass="entr" presetSubtype="37" fill="hold" nodeType="withEffect">
+                                  <p:stCondLst>
+                                    <p:cond delay="0"/>
+                                  </p:stCondLst>
+                                  <p:childTnLst>
+                                    <p:set>
+                                      <p:cBhvr>
+                                        <p:cTn id="23" dur="1" fill="hold">
+                                          <p:stCondLst>
+                                            <p:cond delay="0"/>
+                                          </p:stCondLst>
+                                        </p:cTn>
+                                        <p:tgtEl>
+                                          <p:spTgt spid="10"/>
+                                        </p:tgtEl>
+                                        <p:attrNameLst>
+                                          <p:attrName>style.visibility</p:attrName>
+                                        </p:attrNameLst>
+                                      </p:cBhvr>
+                                      <p:to>
+                                        <p:strVal val="visible"/>
+                                      </p:to>
+                                    </p:set>
+                                    <p:animEffect transition="in" filter="barn(outVertical)">
+                                      <p:cBhvr>
+                                        <p:cTn id="24" dur="500"/>
+                                        <p:tgtEl>
+                                          <p:spTgt spid="10"/>
+                                        </p:tgtEl>
+                                      </p:cBhvr>
+                                    </p:animEffect>
                                   </p:childTnLst>
                                 </p:cTn>
                               </p:par>
@@ -13738,14 +15113,434 @@
       </p:par>
     </p:tnLst>
     <p:bldLst>
-      <p:bldP spid="9" grpId="0" animBg="1"/>
-      <p:bldP spid="2" grpId="0"/>
+      <p:bldP spid="14" grpId="0"/>
+      <p:bldP spid="15" grpId="0"/>
     </p:bldLst>
   </p:timing>
 </p:sld>
 </file>
 
 <file path=ppt/slides/slide18.xml><?xml version="1.0" encoding="utf-8"?>
+<p:sld xmlns:a="http://schemas.openxmlformats.org/drawingml/2006/main" xmlns:r="http://schemas.openxmlformats.org/officeDocument/2006/relationships" xmlns:p="http://schemas.openxmlformats.org/presentationml/2006/main">
+  <p:cSld>
+    <p:spTree>
+      <p:nvGrpSpPr>
+        <p:cNvPr id="1" name=""/>
+        <p:cNvGrpSpPr/>
+        <p:nvPr/>
+      </p:nvGrpSpPr>
+      <p:grpSpPr>
+        <a:xfrm>
+          <a:off x="0" y="0"/>
+          <a:ext cx="0" cy="0"/>
+          <a:chOff x="0" y="0"/>
+          <a:chExt cx="0" cy="0"/>
+        </a:xfrm>
+      </p:grpSpPr>
+      <p:sp>
+        <p:nvSpPr>
+          <p:cNvPr id="4" name="正方形/長方形 3">
+            <a:extLst>
+              <a:ext uri="{FF2B5EF4-FFF2-40B4-BE49-F238E27FC236}">
+                <a16:creationId xmlns:a16="http://schemas.microsoft.com/office/drawing/2014/main" id="{2D243C04-27BD-450B-A35E-AD3D68BCA8ED}"/>
+              </a:ext>
+            </a:extLst>
+          </p:cNvPr>
+          <p:cNvSpPr/>
+          <p:nvPr/>
+        </p:nvSpPr>
+        <p:spPr>
+          <a:xfrm>
+            <a:off x="9508067" y="0"/>
+            <a:ext cx="2683933" cy="1593908"/>
+          </a:xfrm>
+          <a:prstGeom prst="rect">
+            <a:avLst/>
+          </a:prstGeom>
+          <a:solidFill>
+            <a:schemeClr val="accent6">
+              <a:lumMod val="60000"/>
+              <a:lumOff val="40000"/>
+            </a:schemeClr>
+          </a:solidFill>
+        </p:spPr>
+        <p:style>
+          <a:lnRef idx="2">
+            <a:schemeClr val="accent1">
+              <a:shade val="50000"/>
+            </a:schemeClr>
+          </a:lnRef>
+          <a:fillRef idx="1">
+            <a:schemeClr val="accent1"/>
+          </a:fillRef>
+          <a:effectRef idx="0">
+            <a:schemeClr val="accent1"/>
+          </a:effectRef>
+          <a:fontRef idx="minor">
+            <a:schemeClr val="lt1"/>
+          </a:fontRef>
+        </p:style>
+        <p:txBody>
+          <a:bodyPr rtlCol="0" anchor="ctr"/>
+          <a:lstStyle/>
+          <a:p>
+            <a:pPr algn="ctr"/>
+            <a:endParaRPr kumimoji="1" lang="ja-JP" altLang="en-US"/>
+          </a:p>
+        </p:txBody>
+      </p:sp>
+      <p:sp>
+        <p:nvSpPr>
+          <p:cNvPr id="5" name="コンテンツ プレースホルダー 2">
+            <a:extLst>
+              <a:ext uri="{FF2B5EF4-FFF2-40B4-BE49-F238E27FC236}">
+                <a16:creationId xmlns:a16="http://schemas.microsoft.com/office/drawing/2014/main" id="{1E5E313E-35C9-48E0-B1B7-7FA9DED19C60}"/>
+              </a:ext>
+            </a:extLst>
+          </p:cNvPr>
+          <p:cNvSpPr>
+            <a:spLocks noGrp="1"/>
+          </p:cNvSpPr>
+          <p:nvPr>
+            <p:ph idx="1"/>
+          </p:nvPr>
+        </p:nvSpPr>
+        <p:spPr>
+          <a:xfrm>
+            <a:off x="77926" y="1674882"/>
+            <a:ext cx="12187250" cy="2311636"/>
+          </a:xfrm>
+          <a:ln>
+            <a:noFill/>
+          </a:ln>
+        </p:spPr>
+        <p:txBody>
+          <a:bodyPr>
+            <a:normAutofit/>
+          </a:bodyPr>
+          <a:lstStyle/>
+          <a:p>
+            <a:pPr marL="457200" lvl="1" indent="0">
+              <a:buNone/>
+            </a:pPr>
+            <a:r>
+              <a:rPr kumimoji="1" lang="ja-JP" altLang="en-US" sz="4800" b="1" dirty="0">
+                <a:ln>
+                  <a:solidFill>
+                    <a:sysClr val="windowText" lastClr="000000"/>
+                  </a:solidFill>
+                </a:ln>
+                <a:solidFill>
+                  <a:schemeClr val="accent6">
+                    <a:lumMod val="75000"/>
+                  </a:schemeClr>
+                </a:solidFill>
+              </a:rPr>
+              <a:t>文章を単語ごとに分割</a:t>
+            </a:r>
+            <a:endParaRPr kumimoji="1" lang="en-US" altLang="ja-JP" sz="4800" b="1" dirty="0">
+              <a:ln>
+                <a:solidFill>
+                  <a:sysClr val="windowText" lastClr="000000"/>
+                </a:solidFill>
+              </a:ln>
+              <a:solidFill>
+                <a:schemeClr val="accent6">
+                  <a:lumMod val="75000"/>
+                </a:schemeClr>
+              </a:solidFill>
+            </a:endParaRPr>
+          </a:p>
+          <a:p>
+            <a:pPr marL="914400" lvl="2" indent="0">
+              <a:buNone/>
+            </a:pPr>
+            <a:r>
+              <a:rPr kumimoji="1" lang="ja-JP" altLang="en-US" sz="4000" b="1" dirty="0"/>
+              <a:t>重複する単語が</a:t>
+            </a:r>
+            <a:r>
+              <a:rPr lang="ja-JP" altLang="en-US" sz="4000" b="1" dirty="0"/>
+              <a:t>多い</a:t>
+            </a:r>
+            <a:r>
+              <a:rPr lang="ja-JP" altLang="en-US" sz="4000" b="1" dirty="0">
+                <a:solidFill>
+                  <a:srgbClr val="FF0000"/>
+                </a:solidFill>
+              </a:rPr>
+              <a:t>　　</a:t>
+            </a:r>
+            <a:r>
+              <a:rPr lang="ja-JP" altLang="en-US" sz="4000" b="1" dirty="0"/>
+              <a:t>データを増やしにくい</a:t>
+            </a:r>
+            <a:endParaRPr kumimoji="1" lang="en-US" altLang="ja-JP" sz="4400" dirty="0"/>
+          </a:p>
+          <a:p>
+            <a:pPr marL="914400" lvl="2" indent="0">
+              <a:buNone/>
+            </a:pPr>
+            <a:endParaRPr lang="ja-JP" altLang="en-US" sz="3600" b="1" dirty="0"/>
+          </a:p>
+        </p:txBody>
+      </p:sp>
+      <p:sp>
+        <p:nvSpPr>
+          <p:cNvPr id="9" name="矢印: 上 8">
+            <a:extLst>
+              <a:ext uri="{FF2B5EF4-FFF2-40B4-BE49-F238E27FC236}">
+                <a16:creationId xmlns:a16="http://schemas.microsoft.com/office/drawing/2014/main" id="{42B22345-9B06-472D-96CD-9DCAB6528AC9}"/>
+              </a:ext>
+            </a:extLst>
+          </p:cNvPr>
+          <p:cNvSpPr/>
+          <p:nvPr/>
+        </p:nvSpPr>
+        <p:spPr>
+          <a:xfrm rot="5400000">
+            <a:off x="4071413" y="4448780"/>
+            <a:ext cx="681185" cy="634985"/>
+          </a:xfrm>
+          <a:prstGeom prst="upArrow">
+            <a:avLst/>
+          </a:prstGeom>
+          <a:solidFill>
+            <a:srgbClr val="FF0000"/>
+          </a:solidFill>
+          <a:ln>
+            <a:solidFill>
+              <a:schemeClr val="tx1"/>
+            </a:solidFill>
+          </a:ln>
+        </p:spPr>
+        <p:style>
+          <a:lnRef idx="2">
+            <a:schemeClr val="accent1">
+              <a:shade val="50000"/>
+            </a:schemeClr>
+          </a:lnRef>
+          <a:fillRef idx="1">
+            <a:schemeClr val="accent1"/>
+          </a:fillRef>
+          <a:effectRef idx="0">
+            <a:schemeClr val="accent1"/>
+          </a:effectRef>
+          <a:fontRef idx="minor">
+            <a:schemeClr val="lt1"/>
+          </a:fontRef>
+        </p:style>
+        <p:txBody>
+          <a:bodyPr rtlCol="0" anchor="ctr"/>
+          <a:lstStyle/>
+          <a:p>
+            <a:pPr algn="ctr"/>
+            <a:endParaRPr kumimoji="1" lang="ja-JP" altLang="en-US" dirty="0"/>
+          </a:p>
+        </p:txBody>
+      </p:sp>
+      <p:sp>
+        <p:nvSpPr>
+          <p:cNvPr id="12" name="タイトル 1">
+            <a:extLst>
+              <a:ext uri="{FF2B5EF4-FFF2-40B4-BE49-F238E27FC236}">
+                <a16:creationId xmlns:a16="http://schemas.microsoft.com/office/drawing/2014/main" id="{B8A691F7-FCBF-45F8-A234-F7C7507A3562}"/>
+              </a:ext>
+            </a:extLst>
+          </p:cNvPr>
+          <p:cNvSpPr>
+            <a:spLocks noGrp="1"/>
+          </p:cNvSpPr>
+          <p:nvPr>
+            <p:ph type="title"/>
+          </p:nvPr>
+        </p:nvSpPr>
+        <p:spPr>
+          <a:xfrm>
+            <a:off x="838200" y="365125"/>
+            <a:ext cx="10515600" cy="1325563"/>
+          </a:xfrm>
+        </p:spPr>
+        <p:txBody>
+          <a:bodyPr>
+            <a:normAutofit/>
+          </a:bodyPr>
+          <a:lstStyle/>
+          <a:p>
+            <a:r>
+              <a:rPr kumimoji="1" lang="ja-JP" altLang="en-US" sz="6000" b="1" dirty="0">
+                <a:ln>
+                  <a:solidFill>
+                    <a:sysClr val="windowText" lastClr="000000"/>
+                  </a:solidFill>
+                </a:ln>
+                <a:solidFill>
+                  <a:schemeClr val="accent6">
+                    <a:lumMod val="75000"/>
+                  </a:schemeClr>
+                </a:solidFill>
+                <a:latin typeface="HGS明朝E" panose="02020900000000000000" pitchFamily="18" charset="-128"/>
+                <a:ea typeface="HGS明朝E" panose="02020900000000000000" pitchFamily="18" charset="-128"/>
+              </a:rPr>
+              <a:t>トレーニングデータ</a:t>
+            </a:r>
+          </a:p>
+        </p:txBody>
+      </p:sp>
+      <p:sp>
+        <p:nvSpPr>
+          <p:cNvPr id="11" name="矢印: 上 10">
+            <a:extLst>
+              <a:ext uri="{FF2B5EF4-FFF2-40B4-BE49-F238E27FC236}">
+                <a16:creationId xmlns:a16="http://schemas.microsoft.com/office/drawing/2014/main" id="{29F6C5C0-2589-40FD-9443-B4E53A7D0DE8}"/>
+              </a:ext>
+            </a:extLst>
+          </p:cNvPr>
+          <p:cNvSpPr/>
+          <p:nvPr/>
+        </p:nvSpPr>
+        <p:spPr>
+          <a:xfrm rot="5400000">
+            <a:off x="5761190" y="2348143"/>
+            <a:ext cx="669619" cy="634985"/>
+          </a:xfrm>
+          <a:prstGeom prst="upArrow">
+            <a:avLst/>
+          </a:prstGeom>
+          <a:solidFill>
+            <a:srgbClr val="FF0000"/>
+          </a:solidFill>
+          <a:ln>
+            <a:solidFill>
+              <a:schemeClr val="tx1"/>
+            </a:solidFill>
+          </a:ln>
+        </p:spPr>
+        <p:style>
+          <a:lnRef idx="2">
+            <a:schemeClr val="accent1">
+              <a:shade val="50000"/>
+            </a:schemeClr>
+          </a:lnRef>
+          <a:fillRef idx="1">
+            <a:schemeClr val="accent1"/>
+          </a:fillRef>
+          <a:effectRef idx="0">
+            <a:schemeClr val="accent1"/>
+          </a:effectRef>
+          <a:fontRef idx="minor">
+            <a:schemeClr val="lt1"/>
+          </a:fontRef>
+        </p:style>
+        <p:txBody>
+          <a:bodyPr rtlCol="0" anchor="ctr"/>
+          <a:lstStyle/>
+          <a:p>
+            <a:pPr algn="ctr"/>
+            <a:endParaRPr kumimoji="1" lang="ja-JP" altLang="en-US" dirty="0"/>
+          </a:p>
+        </p:txBody>
+      </p:sp>
+      <p:sp>
+        <p:nvSpPr>
+          <p:cNvPr id="6" name="テキスト ボックス 5">
+            <a:extLst>
+              <a:ext uri="{FF2B5EF4-FFF2-40B4-BE49-F238E27FC236}">
+                <a16:creationId xmlns:a16="http://schemas.microsoft.com/office/drawing/2014/main" id="{FA6F6852-0410-4018-B067-DCC7554FC217}"/>
+              </a:ext>
+            </a:extLst>
+          </p:cNvPr>
+          <p:cNvSpPr txBox="1"/>
+          <p:nvPr/>
+        </p:nvSpPr>
+        <p:spPr>
+          <a:xfrm>
+            <a:off x="82507" y="3683921"/>
+            <a:ext cx="10898155" cy="1785104"/>
+          </a:xfrm>
+          <a:prstGeom prst="rect">
+            <a:avLst/>
+          </a:prstGeom>
+          <a:noFill/>
+        </p:spPr>
+        <p:txBody>
+          <a:bodyPr wrap="square" rtlCol="0">
+            <a:spAutoFit/>
+          </a:bodyPr>
+          <a:lstStyle/>
+          <a:p>
+            <a:pPr lvl="1"/>
+            <a:r>
+              <a:rPr lang="ja-JP" altLang="en-US" sz="4800" b="1" dirty="0">
+                <a:ln>
+                  <a:solidFill>
+                    <a:sysClr val="windowText" lastClr="000000"/>
+                  </a:solidFill>
+                </a:ln>
+                <a:solidFill>
+                  <a:schemeClr val="accent6">
+                    <a:lumMod val="75000"/>
+                  </a:schemeClr>
+                </a:solidFill>
+              </a:rPr>
+              <a:t>文章を単語として扱う</a:t>
+            </a:r>
+            <a:endParaRPr lang="en-US" altLang="ja-JP" sz="4800" b="1" dirty="0">
+              <a:ln>
+                <a:solidFill>
+                  <a:sysClr val="windowText" lastClr="000000"/>
+                </a:solidFill>
+              </a:ln>
+              <a:solidFill>
+                <a:schemeClr val="accent6">
+                  <a:lumMod val="75000"/>
+                </a:schemeClr>
+              </a:solidFill>
+            </a:endParaRPr>
+          </a:p>
+          <a:p>
+            <a:pPr lvl="2"/>
+            <a:r>
+              <a:rPr lang="ja-JP" altLang="en-US" sz="4400" b="1" dirty="0"/>
+              <a:t>重複しない　　</a:t>
+            </a:r>
+            <a:r>
+              <a:rPr lang="ja-JP" altLang="en-US" sz="4000" b="1" dirty="0"/>
+              <a:t>データを増やしやすい</a:t>
+            </a:r>
+            <a:endParaRPr lang="ja-JP" altLang="en-US" sz="4400" b="1" dirty="0"/>
+          </a:p>
+          <a:p>
+            <a:endParaRPr kumimoji="1" lang="ja-JP" altLang="en-US" dirty="0"/>
+          </a:p>
+        </p:txBody>
+      </p:sp>
+    </p:spTree>
+    <p:extLst>
+      <p:ext uri="{BB962C8B-B14F-4D97-AF65-F5344CB8AC3E}">
+        <p14:creationId xmlns:p14="http://schemas.microsoft.com/office/powerpoint/2010/main" val="3051136171"/>
+      </p:ext>
+    </p:extLst>
+  </p:cSld>
+  <p:clrMapOvr>
+    <a:masterClrMapping/>
+  </p:clrMapOvr>
+  <mc:AlternateContent xmlns:mc="http://schemas.openxmlformats.org/markup-compatibility/2006" xmlns:p14="http://schemas.microsoft.com/office/powerpoint/2010/main">
+    <mc:Choice Requires="p14">
+      <p:transition spd="med" p14:dur="700">
+        <p:fade/>
+      </p:transition>
+    </mc:Choice>
+    <mc:Fallback xmlns="">
+      <p:transition spd="med">
+        <p:fade/>
+      </p:transition>
+    </mc:Fallback>
+  </mc:AlternateContent>
+</p:sld>
+</file>
+
+<file path=ppt/slides/slide19.xml><?xml version="1.0" encoding="utf-8"?>
 <p:sld xmlns:a="http://schemas.openxmlformats.org/drawingml/2006/main" xmlns:r="http://schemas.openxmlformats.org/officeDocument/2006/relationships" xmlns:p="http://schemas.openxmlformats.org/presentationml/2006/main">
   <p:cSld>
     <p:spTree>
@@ -14053,11 +15848,13 @@
           </a:xfrm>
         </p:spPr>
         <p:txBody>
-          <a:bodyPr/>
-          <a:lstStyle/>
-          <a:p>
-            <a:r>
-              <a:rPr kumimoji="1" lang="ja-JP" altLang="en-US" b="1" dirty="0">
+          <a:bodyPr>
+            <a:normAutofit/>
+          </a:bodyPr>
+          <a:lstStyle/>
+          <a:p>
+            <a:r>
+              <a:rPr kumimoji="1" lang="ja-JP" altLang="en-US" sz="6000" b="1" dirty="0">
                 <a:ln>
                   <a:solidFill>
                     <a:sysClr val="windowText" lastClr="000000"/>
@@ -14339,391 +16136,6 @@
 </p:sld>
 </file>
 
-<file path=ppt/slides/slide19.xml><?xml version="1.0" encoding="utf-8"?>
-<p:sld xmlns:a="http://schemas.openxmlformats.org/drawingml/2006/main" xmlns:r="http://schemas.openxmlformats.org/officeDocument/2006/relationships" xmlns:p="http://schemas.openxmlformats.org/presentationml/2006/main">
-  <p:cSld>
-    <p:spTree>
-      <p:nvGrpSpPr>
-        <p:cNvPr id="1" name=""/>
-        <p:cNvGrpSpPr/>
-        <p:nvPr/>
-      </p:nvGrpSpPr>
-      <p:grpSpPr>
-        <a:xfrm>
-          <a:off x="0" y="0"/>
-          <a:ext cx="0" cy="0"/>
-          <a:chOff x="0" y="0"/>
-          <a:chExt cx="0" cy="0"/>
-        </a:xfrm>
-      </p:grpSpPr>
-      <p:sp>
-        <p:nvSpPr>
-          <p:cNvPr id="2" name="タイトル 1">
-            <a:extLst>
-              <a:ext uri="{FF2B5EF4-FFF2-40B4-BE49-F238E27FC236}">
-                <a16:creationId xmlns:a16="http://schemas.microsoft.com/office/drawing/2014/main" id="{83802C4E-2E3E-4349-846A-F90F72A28924}"/>
-              </a:ext>
-            </a:extLst>
-          </p:cNvPr>
-          <p:cNvSpPr>
-            <a:spLocks noGrp="1"/>
-          </p:cNvSpPr>
-          <p:nvPr>
-            <p:ph type="title"/>
-          </p:nvPr>
-        </p:nvSpPr>
-        <p:spPr/>
-        <p:txBody>
-          <a:bodyPr/>
-          <a:lstStyle/>
-          <a:p>
-            <a:r>
-              <a:rPr lang="ja-JP" altLang="en-US" b="1" dirty="0">
-                <a:ln>
-                  <a:solidFill>
-                    <a:schemeClr val="tx1"/>
-                  </a:solidFill>
-                </a:ln>
-                <a:solidFill>
-                  <a:schemeClr val="accent6">
-                    <a:lumMod val="75000"/>
-                  </a:schemeClr>
-                </a:solidFill>
-                <a:latin typeface="HGS明朝E" panose="02020900000000000000" pitchFamily="18" charset="-128"/>
-                <a:ea typeface="HGS明朝E" panose="02020900000000000000" pitchFamily="18" charset="-128"/>
-              </a:rPr>
-              <a:t>出力するデータを取得</a:t>
-            </a:r>
-            <a:endParaRPr kumimoji="1" lang="ja-JP" altLang="en-US" b="1" dirty="0">
-              <a:ln>
-                <a:solidFill>
-                  <a:schemeClr val="tx1"/>
-                </a:solidFill>
-              </a:ln>
-              <a:solidFill>
-                <a:schemeClr val="accent6">
-                  <a:lumMod val="75000"/>
-                </a:schemeClr>
-              </a:solidFill>
-              <a:latin typeface="HGS明朝E" panose="02020900000000000000" pitchFamily="18" charset="-128"/>
-              <a:ea typeface="HGS明朝E" panose="02020900000000000000" pitchFamily="18" charset="-128"/>
-            </a:endParaRPr>
-          </a:p>
-        </p:txBody>
-      </p:sp>
-      <p:sp>
-        <p:nvSpPr>
-          <p:cNvPr id="5" name="正方形/長方形 4">
-            <a:extLst>
-              <a:ext uri="{FF2B5EF4-FFF2-40B4-BE49-F238E27FC236}">
-                <a16:creationId xmlns:a16="http://schemas.microsoft.com/office/drawing/2014/main" id="{C00C05B2-7221-4496-A116-94B0D8E45A2D}"/>
-              </a:ext>
-            </a:extLst>
-          </p:cNvPr>
-          <p:cNvSpPr/>
-          <p:nvPr/>
-        </p:nvSpPr>
-        <p:spPr>
-          <a:xfrm>
-            <a:off x="9508067" y="0"/>
-            <a:ext cx="2683933" cy="1593908"/>
-          </a:xfrm>
-          <a:prstGeom prst="rect">
-            <a:avLst/>
-          </a:prstGeom>
-          <a:solidFill>
-            <a:schemeClr val="accent6">
-              <a:lumMod val="60000"/>
-              <a:lumOff val="40000"/>
-            </a:schemeClr>
-          </a:solidFill>
-        </p:spPr>
-        <p:style>
-          <a:lnRef idx="2">
-            <a:schemeClr val="accent1">
-              <a:shade val="50000"/>
-            </a:schemeClr>
-          </a:lnRef>
-          <a:fillRef idx="1">
-            <a:schemeClr val="accent1"/>
-          </a:fillRef>
-          <a:effectRef idx="0">
-            <a:schemeClr val="accent1"/>
-          </a:effectRef>
-          <a:fontRef idx="minor">
-            <a:schemeClr val="lt1"/>
-          </a:fontRef>
-        </p:style>
-        <p:txBody>
-          <a:bodyPr rtlCol="0" anchor="ctr"/>
-          <a:lstStyle/>
-          <a:p>
-            <a:pPr algn="ctr"/>
-            <a:endParaRPr kumimoji="1" lang="ja-JP" altLang="en-US"/>
-          </a:p>
-        </p:txBody>
-      </p:sp>
-      <p:sp>
-        <p:nvSpPr>
-          <p:cNvPr id="7" name="テキスト ボックス 6">
-            <a:extLst>
-              <a:ext uri="{FF2B5EF4-FFF2-40B4-BE49-F238E27FC236}">
-                <a16:creationId xmlns:a16="http://schemas.microsoft.com/office/drawing/2014/main" id="{538A1AC8-CE4F-4286-A880-D105B44A2385}"/>
-              </a:ext>
-            </a:extLst>
-          </p:cNvPr>
-          <p:cNvSpPr txBox="1"/>
-          <p:nvPr/>
-        </p:nvSpPr>
-        <p:spPr>
-          <a:xfrm>
-            <a:off x="644124" y="1901627"/>
-            <a:ext cx="8275471" cy="3385542"/>
-          </a:xfrm>
-          <a:prstGeom prst="rect">
-            <a:avLst/>
-          </a:prstGeom>
-          <a:noFill/>
-        </p:spPr>
-        <p:txBody>
-          <a:bodyPr wrap="square" rtlCol="0">
-            <a:spAutoFit/>
-          </a:bodyPr>
-          <a:lstStyle/>
-          <a:p>
-            <a:pPr>
-              <a:buClr>
-                <a:schemeClr val="tx1"/>
-              </a:buClr>
-            </a:pPr>
-            <a:r>
-              <a:rPr lang="ja-JP" altLang="en-US" sz="4000" b="1" dirty="0"/>
-              <a:t>・スクレイピング</a:t>
-            </a:r>
-            <a:endParaRPr lang="en-US" altLang="ja-JP" sz="4000" b="1" dirty="0"/>
-          </a:p>
-          <a:p>
-            <a:pPr>
-              <a:buClr>
-                <a:schemeClr val="tx1"/>
-              </a:buClr>
-            </a:pPr>
-            <a:r>
-              <a:rPr lang="ja-JP" altLang="en-US" sz="4000" dirty="0"/>
-              <a:t> </a:t>
-            </a:r>
-            <a:r>
-              <a:rPr lang="en-US" altLang="ja-JP" sz="4000" dirty="0"/>
-              <a:t>【</a:t>
-            </a:r>
-            <a:r>
-              <a:rPr lang="en-US" altLang="ja-JP" sz="3600" b="1" dirty="0">
-                <a:solidFill>
-                  <a:schemeClr val="accent6">
-                    <a:lumMod val="50000"/>
-                  </a:schemeClr>
-                </a:solidFill>
-              </a:rPr>
-              <a:t>BeautifulSoup4</a:t>
-            </a:r>
-            <a:r>
-              <a:rPr lang="en-US" altLang="ja-JP" sz="3600" dirty="0"/>
-              <a:t>】</a:t>
-            </a:r>
-            <a:endParaRPr lang="en-US" altLang="ja-JP" sz="4000" dirty="0"/>
-          </a:p>
-          <a:p>
-            <a:pPr>
-              <a:buClr>
-                <a:schemeClr val="tx1"/>
-              </a:buClr>
-            </a:pPr>
-            <a:r>
-              <a:rPr lang="ja-JP" altLang="en-US" sz="4000" dirty="0">
-                <a:latin typeface="+mn-ea"/>
-              </a:rPr>
-              <a:t>　</a:t>
-            </a:r>
-            <a:r>
-              <a:rPr lang="ja-JP" altLang="en-US" sz="3200" dirty="0"/>
-              <a:t>テキストデータを取得</a:t>
-            </a:r>
-            <a:endParaRPr lang="en-US" altLang="ja-JP" sz="3200" dirty="0"/>
-          </a:p>
-          <a:p>
-            <a:pPr>
-              <a:buClr>
-                <a:schemeClr val="tx1"/>
-              </a:buClr>
-            </a:pPr>
-            <a:r>
-              <a:rPr lang="ja-JP" altLang="en-US" sz="4000" b="1" dirty="0">
-                <a:solidFill>
-                  <a:sysClr val="windowText" lastClr="000000"/>
-                </a:solidFill>
-              </a:rPr>
-              <a:t>・</a:t>
-            </a:r>
-            <a:r>
-              <a:rPr lang="en-US" altLang="ja-JP" sz="4000" b="1" dirty="0">
-                <a:solidFill>
-                  <a:sysClr val="windowText" lastClr="000000"/>
-                </a:solidFill>
-              </a:rPr>
-              <a:t>Datetime</a:t>
-            </a:r>
-            <a:r>
-              <a:rPr lang="ja-JP" altLang="en-US" sz="4000" b="1" dirty="0">
-                <a:solidFill>
-                  <a:sysClr val="windowText" lastClr="000000"/>
-                </a:solidFill>
-              </a:rPr>
-              <a:t>モジュール</a:t>
-            </a:r>
-            <a:endParaRPr lang="en-US" altLang="ja-JP" sz="4000" b="1" dirty="0">
-              <a:solidFill>
-                <a:sysClr val="windowText" lastClr="000000"/>
-              </a:solidFill>
-            </a:endParaRPr>
-          </a:p>
-          <a:p>
-            <a:pPr>
-              <a:buClr>
-                <a:schemeClr val="tx1"/>
-              </a:buClr>
-            </a:pPr>
-            <a:r>
-              <a:rPr lang="ja-JP" altLang="en-US" sz="3600" b="1" dirty="0">
-                <a:ln>
-                  <a:solidFill>
-                    <a:schemeClr val="tx1"/>
-                  </a:solidFill>
-                </a:ln>
-                <a:solidFill>
-                  <a:schemeClr val="accent6">
-                    <a:lumMod val="50000"/>
-                  </a:schemeClr>
-                </a:solidFill>
-              </a:rPr>
-              <a:t>　</a:t>
-            </a:r>
-            <a:r>
-              <a:rPr lang="ja-JP" altLang="en-US" sz="2800" dirty="0"/>
-              <a:t>日時を取得</a:t>
-            </a:r>
-            <a:endParaRPr lang="en-US" altLang="ja-JP" sz="3600" dirty="0"/>
-          </a:p>
-          <a:p>
-            <a:endParaRPr kumimoji="1" lang="ja-JP" altLang="en-US" dirty="0"/>
-          </a:p>
-        </p:txBody>
-      </p:sp>
-      <p:sp>
-        <p:nvSpPr>
-          <p:cNvPr id="8" name="矢印: 右 7">
-            <a:extLst>
-              <a:ext uri="{FF2B5EF4-FFF2-40B4-BE49-F238E27FC236}">
-                <a16:creationId xmlns:a16="http://schemas.microsoft.com/office/drawing/2014/main" id="{862C1834-9D92-43CD-9628-AF124AD70118}"/>
-              </a:ext>
-            </a:extLst>
-          </p:cNvPr>
-          <p:cNvSpPr/>
-          <p:nvPr/>
-        </p:nvSpPr>
-        <p:spPr>
-          <a:xfrm>
-            <a:off x="7410141" y="2576520"/>
-            <a:ext cx="555596" cy="2005845"/>
-          </a:xfrm>
-          <a:prstGeom prst="rightArrow">
-            <a:avLst/>
-          </a:prstGeom>
-          <a:solidFill>
-            <a:srgbClr val="C00000"/>
-          </a:solidFill>
-          <a:ln w="28575">
-            <a:solidFill>
-              <a:srgbClr val="283F19"/>
-            </a:solidFill>
-          </a:ln>
-        </p:spPr>
-        <p:style>
-          <a:lnRef idx="2">
-            <a:schemeClr val="accent1">
-              <a:shade val="50000"/>
-            </a:schemeClr>
-          </a:lnRef>
-          <a:fillRef idx="1">
-            <a:schemeClr val="accent1"/>
-          </a:fillRef>
-          <a:effectRef idx="0">
-            <a:schemeClr val="accent1"/>
-          </a:effectRef>
-          <a:fontRef idx="minor">
-            <a:schemeClr val="lt1"/>
-          </a:fontRef>
-        </p:style>
-        <p:txBody>
-          <a:bodyPr rtlCol="0" anchor="ctr"/>
-          <a:lstStyle/>
-          <a:p>
-            <a:pPr algn="ctr"/>
-            <a:endParaRPr kumimoji="1" lang="ja-JP" altLang="en-US">
-              <a:solidFill>
-                <a:srgbClr val="C00000"/>
-              </a:solidFill>
-            </a:endParaRPr>
-          </a:p>
-        </p:txBody>
-      </p:sp>
-      <p:sp>
-        <p:nvSpPr>
-          <p:cNvPr id="3" name="テキスト ボックス 2">
-            <a:extLst>
-              <a:ext uri="{FF2B5EF4-FFF2-40B4-BE49-F238E27FC236}">
-                <a16:creationId xmlns:a16="http://schemas.microsoft.com/office/drawing/2014/main" id="{DD1DF69A-9BCD-4514-8C10-E5571DE143C9}"/>
-              </a:ext>
-            </a:extLst>
-          </p:cNvPr>
-          <p:cNvSpPr txBox="1"/>
-          <p:nvPr/>
-        </p:nvSpPr>
-        <p:spPr>
-          <a:xfrm>
-            <a:off x="7965737" y="2948068"/>
-            <a:ext cx="3888412" cy="1200329"/>
-          </a:xfrm>
-          <a:prstGeom prst="rect">
-            <a:avLst/>
-          </a:prstGeom>
-          <a:noFill/>
-        </p:spPr>
-        <p:txBody>
-          <a:bodyPr wrap="square" rtlCol="0">
-            <a:spAutoFit/>
-          </a:bodyPr>
-          <a:lstStyle/>
-          <a:p>
-            <a:r>
-              <a:rPr kumimoji="1" lang="ja-JP" altLang="en-US" sz="3600" b="1" dirty="0"/>
-              <a:t>テキストファイルに書き込み</a:t>
-            </a:r>
-          </a:p>
-        </p:txBody>
-      </p:sp>
-    </p:spTree>
-    <p:extLst>
-      <p:ext uri="{BB962C8B-B14F-4D97-AF65-F5344CB8AC3E}">
-        <p14:creationId xmlns:p14="http://schemas.microsoft.com/office/powerpoint/2010/main" val="3049315379"/>
-      </p:ext>
-    </p:extLst>
-  </p:cSld>
-  <p:clrMapOvr>
-    <a:masterClrMapping/>
-  </p:clrMapOvr>
-</p:sld>
-</file>
-
 <file path=ppt/slides/slide2.xml><?xml version="1.0" encoding="utf-8"?>
 <p:sld xmlns:a="http://schemas.openxmlformats.org/drawingml/2006/main" xmlns:r="http://schemas.openxmlformats.org/officeDocument/2006/relationships" xmlns:p="http://schemas.openxmlformats.org/presentationml/2006/main">
   <p:cSld>
@@ -14759,11 +16171,13 @@
         </p:nvSpPr>
         <p:spPr/>
         <p:txBody>
-          <a:bodyPr/>
-          <a:lstStyle/>
-          <a:p>
-            <a:r>
-              <a:rPr kumimoji="1" lang="ja-JP" altLang="en-US" b="1" dirty="0">
+          <a:bodyPr>
+            <a:normAutofit/>
+          </a:bodyPr>
+          <a:lstStyle/>
+          <a:p>
+            <a:r>
+              <a:rPr kumimoji="1" lang="ja-JP" altLang="en-US" sz="6000" b="1" dirty="0">
                 <a:ln>
                   <a:solidFill>
                     <a:schemeClr val="tx1"/>
@@ -14774,7 +16188,6 @@
                     <a:lumMod val="75000"/>
                   </a:schemeClr>
                 </a:solidFill>
-                <a:latin typeface="HGP明朝E" panose="02020900000000000000" pitchFamily="18" charset="-128"/>
                 <a:ea typeface="HGP明朝E" panose="02020900000000000000" pitchFamily="18" charset="-128"/>
               </a:rPr>
               <a:t>プロジェクトの全体像</a:t>
@@ -14871,7 +16284,7 @@
           <a:p>
             <a:pPr algn="ctr"/>
             <a:r>
-              <a:rPr kumimoji="1" lang="ja-JP" altLang="en-US" sz="2400" dirty="0">
+              <a:rPr kumimoji="1" lang="ja-JP" altLang="en-US" sz="2400" b="1" dirty="0">
                 <a:solidFill>
                   <a:schemeClr val="tx1"/>
                 </a:solidFill>
@@ -14985,14 +16398,14 @@
           <a:p>
             <a:pPr algn="ctr"/>
             <a:r>
-              <a:rPr lang="ja-JP" altLang="en-US" sz="2400" dirty="0">
+              <a:rPr lang="ja-JP" altLang="en-US" sz="2400" b="1" dirty="0">
                 <a:solidFill>
                   <a:schemeClr val="tx1"/>
                 </a:solidFill>
               </a:rPr>
               <a:t>今日の神奈川県の</a:t>
             </a:r>
-            <a:endParaRPr lang="en-US" altLang="ja-JP" sz="2400" dirty="0">
+            <a:endParaRPr lang="en-US" altLang="ja-JP" sz="2400" b="1" dirty="0">
               <a:solidFill>
                 <a:schemeClr val="tx1"/>
               </a:solidFill>
@@ -15001,12 +16414,20 @@
           <a:p>
             <a:pPr algn="ctr"/>
             <a:r>
-              <a:rPr lang="ja-JP" altLang="en-US" sz="2400" dirty="0">
+              <a:rPr lang="ja-JP" altLang="en-US" sz="2400" b="1" dirty="0">
                 <a:solidFill>
                   <a:schemeClr val="tx1"/>
                 </a:solidFill>
               </a:rPr>
-              <a:t>天気は～～</a:t>
+              <a:t>天気は</a:t>
+            </a:r>
+            <a:r>
+              <a:rPr lang="en-US" altLang="ja-JP" sz="2400" b="1" dirty="0">
+                <a:solidFill>
+                  <a:schemeClr val="tx1"/>
+                </a:solidFill>
+              </a:rPr>
+              <a:t>…</a:t>
             </a:r>
             <a:endParaRPr kumimoji="1" lang="ja-JP" altLang="en-US" sz="2400" dirty="0">
               <a:solidFill>
@@ -15391,13 +16812,20 @@
         </p:nvSpPr>
         <p:spPr>
           <a:xfrm>
-            <a:off x="9146432" y="5794946"/>
-            <a:ext cx="2817896" cy="1015663"/>
+            <a:off x="7881563" y="2700311"/>
+            <a:ext cx="3466560" cy="3046988"/>
           </a:xfrm>
           <a:prstGeom prst="rect">
             <a:avLst/>
           </a:prstGeom>
-          <a:noFill/>
+          <a:solidFill>
+            <a:schemeClr val="bg1"/>
+          </a:solidFill>
+          <a:ln w="19050">
+            <a:solidFill>
+              <a:schemeClr val="tx1"/>
+            </a:solidFill>
+          </a:ln>
         </p:spPr>
         <p:txBody>
           <a:bodyPr wrap="square" rtlCol="0">
@@ -15406,9 +16834,31 @@
           <a:lstStyle/>
           <a:p>
             <a:r>
-              <a:rPr kumimoji="1" lang="ja-JP" altLang="en-US" sz="6000" dirty="0"/>
-              <a:t>機能</a:t>
-            </a:r>
+              <a:rPr kumimoji="1" lang="ja-JP" altLang="en-US" sz="4800" b="1" dirty="0"/>
+              <a:t>・天気予報</a:t>
+            </a:r>
+            <a:endParaRPr kumimoji="1" lang="en-US" altLang="ja-JP" sz="4800" b="1" dirty="0"/>
+          </a:p>
+          <a:p>
+            <a:r>
+              <a:rPr lang="ja-JP" altLang="en-US" sz="4800" b="1" dirty="0"/>
+              <a:t>・ニュース</a:t>
+            </a:r>
+            <a:endParaRPr lang="en-US" altLang="ja-JP" sz="4800" b="1" dirty="0"/>
+          </a:p>
+          <a:p>
+            <a:r>
+              <a:rPr kumimoji="1" lang="ja-JP" altLang="en-US" sz="4800" b="1" dirty="0"/>
+              <a:t>・日時</a:t>
+            </a:r>
+            <a:endParaRPr kumimoji="1" lang="en-US" altLang="ja-JP" sz="4800" b="1" dirty="0"/>
+          </a:p>
+          <a:p>
+            <a:r>
+              <a:rPr lang="ja-JP" altLang="en-US" sz="4800" b="1" dirty="0"/>
+              <a:t>・星座占い</a:t>
+            </a:r>
+            <a:endParaRPr kumimoji="1" lang="ja-JP" altLang="en-US" sz="4800" b="1" dirty="0"/>
           </a:p>
         </p:txBody>
       </p:sp>
@@ -15450,7 +16900,7 @@
                                   <p:childTnLst>
                                     <p:animScale>
                                       <p:cBhvr>
-                                        <p:cTn id="6" dur="500" fill="hold"/>
+                                        <p:cTn id="6" dur="250" fill="hold"/>
                                         <p:tgtEl>
                                           <p:spTgt spid="6"/>
                                         </p:tgtEl>
@@ -15677,7 +17127,7 @@
                             </p:stCondLst>
                             <p:childTnLst>
                               <p:par>
-                                <p:cTn id="23" presetID="10" presetClass="entr" presetSubtype="0" fill="hold" nodeType="clickEffect">
+                                <p:cTn id="23" presetID="10" presetClass="entr" presetSubtype="0" fill="hold" grpId="0" nodeType="clickEffect">
                                   <p:stCondLst>
                                     <p:cond delay="0"/>
                                   </p:stCondLst>
@@ -15685,6 +17135,59 @@
                                     <p:set>
                                       <p:cBhvr>
                                         <p:cTn id="24" dur="1" fill="hold">
+                                          <p:stCondLst>
+                                            <p:cond delay="0"/>
+                                          </p:stCondLst>
+                                        </p:cTn>
+                                        <p:tgtEl>
+                                          <p:spTgt spid="3"/>
+                                        </p:tgtEl>
+                                        <p:attrNameLst>
+                                          <p:attrName>style.visibility</p:attrName>
+                                        </p:attrNameLst>
+                                      </p:cBhvr>
+                                      <p:to>
+                                        <p:strVal val="visible"/>
+                                      </p:to>
+                                    </p:set>
+                                    <p:animEffect transition="in" filter="fade">
+                                      <p:cBhvr>
+                                        <p:cTn id="25" dur="250"/>
+                                        <p:tgtEl>
+                                          <p:spTgt spid="3"/>
+                                        </p:tgtEl>
+                                      </p:cBhvr>
+                                    </p:animEffect>
+                                  </p:childTnLst>
+                                </p:cTn>
+                              </p:par>
+                            </p:childTnLst>
+                          </p:cTn>
+                        </p:par>
+                      </p:childTnLst>
+                    </p:cTn>
+                  </p:par>
+                  <p:par>
+                    <p:cTn id="26" fill="hold">
+                      <p:stCondLst>
+                        <p:cond delay="indefinite"/>
+                      </p:stCondLst>
+                      <p:childTnLst>
+                        <p:par>
+                          <p:cTn id="27" fill="hold">
+                            <p:stCondLst>
+                              <p:cond delay="0"/>
+                            </p:stCondLst>
+                            <p:childTnLst>
+                              <p:par>
+                                <p:cTn id="28" presetID="10" presetClass="entr" presetSubtype="0" fill="hold" nodeType="clickEffect">
+                                  <p:stCondLst>
+                                    <p:cond delay="0"/>
+                                  </p:stCondLst>
+                                  <p:childTnLst>
+                                    <p:set>
+                                      <p:cBhvr>
+                                        <p:cTn id="29" dur="1" fill="hold">
                                           <p:stCondLst>
                                             <p:cond delay="0"/>
                                           </p:stCondLst>
@@ -15702,7 +17205,7 @@
                                     </p:set>
                                     <p:animEffect transition="in" filter="fade">
                                       <p:cBhvr>
-                                        <p:cTn id="25" dur="500"/>
+                                        <p:cTn id="30" dur="500"/>
                                         <p:tgtEl>
                                           <p:spTgt spid="7"/>
                                         </p:tgtEl>
@@ -15712,14 +17215,41 @@
                                 </p:cTn>
                               </p:par>
                               <p:par>
-                                <p:cTn id="26" presetID="10" presetClass="entr" presetSubtype="0" fill="hold" grpId="0" nodeType="withEffect">
+                                <p:cTn id="31" presetID="1" presetClass="exit" presetSubtype="0" fill="hold" grpId="1" nodeType="withEffect">
                                   <p:stCondLst>
                                     <p:cond delay="0"/>
                                   </p:stCondLst>
                                   <p:childTnLst>
                                     <p:set>
                                       <p:cBhvr>
-                                        <p:cTn id="27" dur="1" fill="hold">
+                                        <p:cTn id="32" dur="1" fill="hold">
+                                          <p:stCondLst>
+                                            <p:cond delay="0"/>
+                                          </p:stCondLst>
+                                        </p:cTn>
+                                        <p:tgtEl>
+                                          <p:spTgt spid="3"/>
+                                        </p:tgtEl>
+                                        <p:attrNameLst>
+                                          <p:attrName>style.visibility</p:attrName>
+                                        </p:attrNameLst>
+                                      </p:cBhvr>
+                                      <p:to>
+                                        <p:strVal val="hidden"/>
+                                      </p:to>
+                                    </p:set>
+                                  </p:childTnLst>
+                                </p:cTn>
+                              </p:par>
+                              <p:par>
+                                <p:cTn id="33" presetID="10" presetClass="entr" presetSubtype="0" fill="hold" grpId="0" nodeType="withEffect">
+                                  <p:stCondLst>
+                                    <p:cond delay="0"/>
+                                  </p:stCondLst>
+                                  <p:childTnLst>
+                                    <p:set>
+                                      <p:cBhvr>
+                                        <p:cTn id="34" dur="1" fill="hold">
                                           <p:stCondLst>
                                             <p:cond delay="0"/>
                                           </p:stCondLst>
@@ -15737,7 +17267,7 @@
                                     </p:set>
                                     <p:animEffect transition="in" filter="fade">
                                       <p:cBhvr>
-                                        <p:cTn id="28" dur="500"/>
+                                        <p:cTn id="35" dur="500"/>
                                         <p:tgtEl>
                                           <p:spTgt spid="10"/>
                                         </p:tgtEl>
@@ -15778,6 +17308,8 @@
       <p:bldP spid="13" grpId="0" animBg="1"/>
       <p:bldP spid="10" grpId="0" animBg="1"/>
       <p:bldP spid="6" grpId="0" animBg="1"/>
+      <p:bldP spid="3" grpId="0" animBg="1"/>
+      <p:bldP spid="3" grpId="1" animBg="1"/>
     </p:bldLst>
   </p:timing>
 </p:sld>
@@ -15805,7 +17337,7 @@
           <p:cNvPr id="2" name="タイトル 1">
             <a:extLst>
               <a:ext uri="{FF2B5EF4-FFF2-40B4-BE49-F238E27FC236}">
-                <a16:creationId xmlns:a16="http://schemas.microsoft.com/office/drawing/2014/main" id="{1C67901B-E49E-40E4-9D6B-4679D612BE2A}"/>
+                <a16:creationId xmlns:a16="http://schemas.microsoft.com/office/drawing/2014/main" id="{83802C4E-2E3E-4349-846A-F90F72A28924}"/>
               </a:ext>
             </a:extLst>
           </p:cNvPr>
@@ -15818,15 +17350,16 @@
         </p:nvSpPr>
         <p:spPr/>
         <p:txBody>
-          <a:bodyPr/>
-          <a:lstStyle/>
-          <a:p>
-            <a:pPr lvl="0"/>
-            <a:r>
-              <a:rPr lang="ja-JP" altLang="en-US" b="1" dirty="0">
+          <a:bodyPr>
+            <a:normAutofit/>
+          </a:bodyPr>
+          <a:lstStyle/>
+          <a:p>
+            <a:r>
+              <a:rPr lang="ja-JP" altLang="en-US" sz="6000" b="1" dirty="0">
                 <a:ln>
                   <a:solidFill>
-                    <a:sysClr val="windowText" lastClr="000000"/>
+                    <a:schemeClr val="tx1"/>
                   </a:solidFill>
                 </a:ln>
                 <a:solidFill>
@@ -15834,21 +17367,34 @@
                     <a:lumMod val="75000"/>
                   </a:schemeClr>
                 </a:solidFill>
-                <a:latin typeface="HGP明朝E" panose="02020900000000000000" pitchFamily="18" charset="-128"/>
-                <a:ea typeface="HGP明朝E" panose="02020900000000000000" pitchFamily="18" charset="-128"/>
+                <a:latin typeface="HGS明朝E" panose="02020900000000000000" pitchFamily="18" charset="-128"/>
+                <a:ea typeface="HGS明朝E" panose="02020900000000000000" pitchFamily="18" charset="-128"/>
               </a:rPr>
-              <a:t>工夫した点・処理の短縮</a:t>
-            </a:r>
-            <a:endParaRPr kumimoji="1" lang="ja-JP" altLang="en-US" b="1" dirty="0"/>
-          </a:p>
-        </p:txBody>
-      </p:sp>
-      <p:sp>
-        <p:nvSpPr>
-          <p:cNvPr id="7" name="正方形/長方形 6">
-            <a:extLst>
-              <a:ext uri="{FF2B5EF4-FFF2-40B4-BE49-F238E27FC236}">
-                <a16:creationId xmlns:a16="http://schemas.microsoft.com/office/drawing/2014/main" id="{862A2D94-AAD8-4EAC-B86B-F0BA5C60401A}"/>
+              <a:t>出力するデータを取得</a:t>
+            </a:r>
+            <a:endParaRPr kumimoji="1" lang="ja-JP" altLang="en-US" sz="6000" b="1" dirty="0">
+              <a:ln>
+                <a:solidFill>
+                  <a:schemeClr val="tx1"/>
+                </a:solidFill>
+              </a:ln>
+              <a:solidFill>
+                <a:schemeClr val="accent6">
+                  <a:lumMod val="75000"/>
+                </a:schemeClr>
+              </a:solidFill>
+              <a:latin typeface="HGS明朝E" panose="02020900000000000000" pitchFamily="18" charset="-128"/>
+              <a:ea typeface="HGS明朝E" panose="02020900000000000000" pitchFamily="18" charset="-128"/>
+            </a:endParaRPr>
+          </a:p>
+        </p:txBody>
+      </p:sp>
+      <p:sp>
+        <p:nvSpPr>
+          <p:cNvPr id="5" name="正方形/長方形 4">
+            <a:extLst>
+              <a:ext uri="{FF2B5EF4-FFF2-40B4-BE49-F238E27FC236}">
+                <a16:creationId xmlns:a16="http://schemas.microsoft.com/office/drawing/2014/main" id="{C00C05B2-7221-4496-A116-94B0D8E45A2D}"/>
               </a:ext>
             </a:extLst>
           </p:cNvPr>
@@ -15897,10 +17443,165 @@
       </p:sp>
       <p:sp>
         <p:nvSpPr>
-          <p:cNvPr id="5" name="四角形: 角を丸くする 4">
-            <a:extLst>
-              <a:ext uri="{FF2B5EF4-FFF2-40B4-BE49-F238E27FC236}">
-                <a16:creationId xmlns:a16="http://schemas.microsoft.com/office/drawing/2014/main" id="{43E67A84-D0DC-454D-994E-FE5B7E09A0AF}"/>
+          <p:cNvPr id="7" name="テキスト ボックス 6">
+            <a:extLst>
+              <a:ext uri="{FF2B5EF4-FFF2-40B4-BE49-F238E27FC236}">
+                <a16:creationId xmlns:a16="http://schemas.microsoft.com/office/drawing/2014/main" id="{538A1AC8-CE4F-4286-A880-D105B44A2385}"/>
+              </a:ext>
+            </a:extLst>
+          </p:cNvPr>
+          <p:cNvSpPr txBox="1"/>
+          <p:nvPr/>
+        </p:nvSpPr>
+        <p:spPr>
+          <a:xfrm>
+            <a:off x="644124" y="1901627"/>
+            <a:ext cx="8275471" cy="3385542"/>
+          </a:xfrm>
+          <a:prstGeom prst="rect">
+            <a:avLst/>
+          </a:prstGeom>
+          <a:noFill/>
+        </p:spPr>
+        <p:txBody>
+          <a:bodyPr wrap="square" rtlCol="0">
+            <a:spAutoFit/>
+          </a:bodyPr>
+          <a:lstStyle/>
+          <a:p>
+            <a:pPr>
+              <a:buClr>
+                <a:schemeClr val="tx1"/>
+              </a:buClr>
+            </a:pPr>
+            <a:r>
+              <a:rPr lang="ja-JP" altLang="en-US" sz="4000" b="1" dirty="0"/>
+              <a:t>・スクレイピング</a:t>
+            </a:r>
+            <a:endParaRPr lang="en-US" altLang="ja-JP" sz="4000" b="1" dirty="0"/>
+          </a:p>
+          <a:p>
+            <a:pPr>
+              <a:buClr>
+                <a:schemeClr val="tx1"/>
+              </a:buClr>
+            </a:pPr>
+            <a:r>
+              <a:rPr lang="ja-JP" altLang="en-US" sz="4000" dirty="0"/>
+              <a:t> </a:t>
+            </a:r>
+            <a:r>
+              <a:rPr lang="en-US" altLang="ja-JP" sz="4000" dirty="0"/>
+              <a:t>【</a:t>
+            </a:r>
+            <a:r>
+              <a:rPr lang="en-US" altLang="ja-JP" sz="3600" b="1" dirty="0">
+                <a:solidFill>
+                  <a:schemeClr val="accent6">
+                    <a:lumMod val="50000"/>
+                  </a:schemeClr>
+                </a:solidFill>
+              </a:rPr>
+              <a:t>BeautifulSoup4</a:t>
+            </a:r>
+            <a:r>
+              <a:rPr lang="en-US" altLang="ja-JP" sz="3600" dirty="0"/>
+              <a:t>】</a:t>
+            </a:r>
+            <a:endParaRPr lang="en-US" altLang="ja-JP" sz="4000" dirty="0"/>
+          </a:p>
+          <a:p>
+            <a:pPr>
+              <a:buClr>
+                <a:schemeClr val="tx1"/>
+              </a:buClr>
+            </a:pPr>
+            <a:r>
+              <a:rPr lang="ja-JP" altLang="en-US" sz="4000" dirty="0">
+                <a:latin typeface="+mn-ea"/>
+              </a:rPr>
+              <a:t>　</a:t>
+            </a:r>
+            <a:r>
+              <a:rPr lang="ja-JP" altLang="en-US" sz="3200" dirty="0"/>
+              <a:t>テキストデータを取得</a:t>
+            </a:r>
+            <a:endParaRPr lang="en-US" altLang="ja-JP" sz="3200" dirty="0"/>
+          </a:p>
+          <a:p>
+            <a:pPr>
+              <a:buClr>
+                <a:schemeClr val="tx1"/>
+              </a:buClr>
+            </a:pPr>
+            <a:r>
+              <a:rPr lang="ja-JP" altLang="en-US" sz="4000" b="1" dirty="0">
+                <a:solidFill>
+                  <a:sysClr val="windowText" lastClr="000000"/>
+                </a:solidFill>
+              </a:rPr>
+              <a:t>・</a:t>
+            </a:r>
+            <a:r>
+              <a:rPr lang="en-US" altLang="ja-JP" sz="4000" b="1" dirty="0">
+                <a:solidFill>
+                  <a:sysClr val="windowText" lastClr="000000"/>
+                </a:solidFill>
+              </a:rPr>
+              <a:t>Datetime</a:t>
+            </a:r>
+            <a:r>
+              <a:rPr lang="ja-JP" altLang="en-US" sz="4000" b="1" dirty="0">
+                <a:solidFill>
+                  <a:sysClr val="windowText" lastClr="000000"/>
+                </a:solidFill>
+              </a:rPr>
+              <a:t>モジュール</a:t>
+            </a:r>
+            <a:endParaRPr lang="en-US" altLang="ja-JP" sz="4000" b="1" dirty="0">
+              <a:solidFill>
+                <a:sysClr val="windowText" lastClr="000000"/>
+              </a:solidFill>
+            </a:endParaRPr>
+          </a:p>
+          <a:p>
+            <a:pPr>
+              <a:buClr>
+                <a:schemeClr val="tx1"/>
+              </a:buClr>
+            </a:pPr>
+            <a:r>
+              <a:rPr lang="ja-JP" altLang="en-US" sz="3600" b="1" dirty="0">
+                <a:ln>
+                  <a:solidFill>
+                    <a:schemeClr val="tx1"/>
+                  </a:solidFill>
+                </a:ln>
+                <a:solidFill>
+                  <a:schemeClr val="accent6">
+                    <a:lumMod val="50000"/>
+                  </a:schemeClr>
+                </a:solidFill>
+              </a:rPr>
+              <a:t>　</a:t>
+            </a:r>
+            <a:r>
+              <a:rPr lang="ja-JP" altLang="en-US" sz="2800" dirty="0"/>
+              <a:t>日時を取得</a:t>
+            </a:r>
+            <a:endParaRPr lang="en-US" altLang="ja-JP" sz="3600" dirty="0"/>
+          </a:p>
+          <a:p>
+            <a:endParaRPr kumimoji="1" lang="ja-JP" altLang="en-US" dirty="0"/>
+          </a:p>
+        </p:txBody>
+      </p:sp>
+      <p:sp>
+        <p:nvSpPr>
+          <p:cNvPr id="8" name="矢印: 右 7">
+            <a:extLst>
+              <a:ext uri="{FF2B5EF4-FFF2-40B4-BE49-F238E27FC236}">
+                <a16:creationId xmlns:a16="http://schemas.microsoft.com/office/drawing/2014/main" id="{862C1834-9D92-43CD-9628-AF124AD70118}"/>
               </a:ext>
             </a:extLst>
           </p:cNvPr>
@@ -15909,16 +17610,16 @@
         </p:nvSpPr>
         <p:spPr>
           <a:xfrm>
-            <a:off x="1848047" y="2553100"/>
-            <a:ext cx="2329315" cy="673769"/>
-          </a:xfrm>
-          <a:prstGeom prst="roundRect">
+            <a:off x="6456784" y="2545309"/>
+            <a:ext cx="1117067" cy="2005845"/>
+          </a:xfrm>
+          <a:prstGeom prst="rightArrow">
             <a:avLst/>
           </a:prstGeom>
           <a:solidFill>
-            <a:schemeClr val="bg1"/>
+            <a:srgbClr val="FF0000"/>
           </a:solidFill>
-          <a:ln>
+          <a:ln w="19050">
             <a:solidFill>
               <a:schemeClr val="tx1"/>
             </a:solidFill>
@@ -15945,21 +17646,9 @@
           <a:lstStyle/>
           <a:p>
             <a:pPr algn="ctr"/>
-            <a:r>
-              <a:rPr lang="ja-JP" altLang="en-US" b="1" dirty="0">
-                <a:solidFill>
-                  <a:schemeClr val="accent6">
-                    <a:lumMod val="75000"/>
-                  </a:schemeClr>
-                </a:solidFill>
-              </a:rPr>
-              <a:t>データ取得</a:t>
-            </a:r>
-            <a:endParaRPr kumimoji="1" lang="ja-JP" altLang="en-US" b="1" dirty="0">
+            <a:endParaRPr kumimoji="1" lang="ja-JP" altLang="en-US">
               <a:solidFill>
-                <a:schemeClr val="accent6">
-                  <a:lumMod val="75000"/>
-                </a:schemeClr>
+                <a:srgbClr val="C00000"/>
               </a:solidFill>
             </a:endParaRPr>
           </a:p>
@@ -15967,362 +17656,43 @@
       </p:sp>
       <p:sp>
         <p:nvSpPr>
-          <p:cNvPr id="11" name="四角形: 角を丸くする 10">
-            <a:extLst>
-              <a:ext uri="{FF2B5EF4-FFF2-40B4-BE49-F238E27FC236}">
-                <a16:creationId xmlns:a16="http://schemas.microsoft.com/office/drawing/2014/main" id="{EBF746E7-B6B4-4D19-9C35-6B5A9E9EF67E}"/>
-              </a:ext>
-            </a:extLst>
-          </p:cNvPr>
-          <p:cNvSpPr/>
+          <p:cNvPr id="3" name="テキスト ボックス 2">
+            <a:extLst>
+              <a:ext uri="{FF2B5EF4-FFF2-40B4-BE49-F238E27FC236}">
+                <a16:creationId xmlns:a16="http://schemas.microsoft.com/office/drawing/2014/main" id="{DD1DF69A-9BCD-4514-8C10-E5571DE143C9}"/>
+              </a:ext>
+            </a:extLst>
+          </p:cNvPr>
+          <p:cNvSpPr txBox="1"/>
           <p:nvPr/>
         </p:nvSpPr>
         <p:spPr>
           <a:xfrm>
-            <a:off x="1848048" y="3429000"/>
-            <a:ext cx="2329315" cy="1720516"/>
-          </a:xfrm>
-          <a:prstGeom prst="roundRect">
-            <a:avLst/>
-          </a:prstGeom>
-          <a:solidFill>
-            <a:schemeClr val="accent6">
-              <a:lumMod val="75000"/>
-            </a:schemeClr>
-          </a:solidFill>
-          <a:ln>
-            <a:solidFill>
-              <a:schemeClr val="tx1"/>
-            </a:solidFill>
-          </a:ln>
-        </p:spPr>
-        <p:style>
-          <a:lnRef idx="2">
-            <a:schemeClr val="accent1">
-              <a:shade val="50000"/>
-            </a:schemeClr>
-          </a:lnRef>
-          <a:fillRef idx="1">
-            <a:schemeClr val="accent1"/>
-          </a:fillRef>
-          <a:effectRef idx="0">
-            <a:schemeClr val="accent1"/>
-          </a:effectRef>
-          <a:fontRef idx="minor">
-            <a:schemeClr val="lt1"/>
-          </a:fontRef>
-        </p:style>
-        <p:txBody>
-          <a:bodyPr rtlCol="0" anchor="ctr"/>
-          <a:lstStyle/>
-          <a:p>
-            <a:r>
-              <a:rPr lang="ja-JP" altLang="en-US" sz="2800" b="1" dirty="0">
-                <a:solidFill>
-                  <a:schemeClr val="bg1"/>
-                </a:solidFill>
-              </a:rPr>
-              <a:t>・天気予報</a:t>
-            </a:r>
-            <a:endParaRPr lang="en-US" altLang="ja-JP" sz="2800" b="1" dirty="0">
-              <a:solidFill>
-                <a:schemeClr val="bg1"/>
-              </a:solidFill>
-            </a:endParaRPr>
-          </a:p>
-          <a:p>
-            <a:r>
-              <a:rPr lang="ja-JP" altLang="en-US" sz="2800" b="1" dirty="0">
-                <a:solidFill>
-                  <a:schemeClr val="bg1"/>
-                </a:solidFill>
-              </a:rPr>
-              <a:t>・ニュース</a:t>
-            </a:r>
-            <a:endParaRPr lang="en-US" altLang="ja-JP" sz="2800" b="1" dirty="0">
-              <a:solidFill>
-                <a:schemeClr val="bg1"/>
-              </a:solidFill>
-            </a:endParaRPr>
-          </a:p>
-          <a:p>
-            <a:r>
-              <a:rPr lang="ja-JP" altLang="en-US" sz="2800" b="1" dirty="0">
-                <a:solidFill>
-                  <a:schemeClr val="bg1"/>
-                </a:solidFill>
-              </a:rPr>
-              <a:t>・日時</a:t>
-            </a:r>
-            <a:endParaRPr lang="en-US" altLang="ja-JP" sz="2800" b="1" dirty="0">
-              <a:solidFill>
-                <a:schemeClr val="bg1"/>
-              </a:solidFill>
-            </a:endParaRPr>
-          </a:p>
-          <a:p>
-            <a:r>
-              <a:rPr lang="ja-JP" altLang="en-US" sz="2800" b="1" dirty="0">
-                <a:solidFill>
-                  <a:schemeClr val="bg1"/>
-                </a:solidFill>
-              </a:rPr>
-              <a:t>・星座占い</a:t>
-            </a:r>
-          </a:p>
-        </p:txBody>
-      </p:sp>
-      <p:sp>
-        <p:nvSpPr>
-          <p:cNvPr id="12" name="矢印: 右 11">
-            <a:extLst>
-              <a:ext uri="{FF2B5EF4-FFF2-40B4-BE49-F238E27FC236}">
-                <a16:creationId xmlns:a16="http://schemas.microsoft.com/office/drawing/2014/main" id="{28EA2996-90D2-498C-BFD0-BB8E943592A3}"/>
-              </a:ext>
-            </a:extLst>
-          </p:cNvPr>
-          <p:cNvSpPr/>
-          <p:nvPr/>
-        </p:nvSpPr>
-        <p:spPr>
-          <a:xfrm>
-            <a:off x="4254365" y="3679256"/>
-            <a:ext cx="2954956" cy="1174282"/>
-          </a:xfrm>
-          <a:prstGeom prst="rightArrow">
-            <a:avLst/>
-          </a:prstGeom>
-          <a:solidFill>
-            <a:srgbClr val="FF0000"/>
-          </a:solidFill>
-          <a:ln>
-            <a:solidFill>
-              <a:schemeClr val="tx1"/>
-            </a:solidFill>
-          </a:ln>
-        </p:spPr>
-        <p:style>
-          <a:lnRef idx="2">
-            <a:schemeClr val="accent1">
-              <a:shade val="50000"/>
-            </a:schemeClr>
-          </a:lnRef>
-          <a:fillRef idx="1">
-            <a:schemeClr val="accent1"/>
-          </a:fillRef>
-          <a:effectRef idx="0">
-            <a:schemeClr val="accent1"/>
-          </a:effectRef>
-          <a:fontRef idx="minor">
-            <a:schemeClr val="lt1"/>
-          </a:fontRef>
-        </p:style>
-        <p:txBody>
-          <a:bodyPr rtlCol="0" anchor="ctr"/>
-          <a:lstStyle/>
-          <a:p>
-            <a:pPr algn="ctr"/>
-            <a:r>
-              <a:rPr kumimoji="1" lang="ja-JP" altLang="en-US" b="1" dirty="0"/>
-              <a:t>毎回処理</a:t>
-            </a:r>
-          </a:p>
-        </p:txBody>
-      </p:sp>
-      <p:sp>
-        <p:nvSpPr>
-          <p:cNvPr id="13" name="四角形: 角を丸くする 12">
-            <a:extLst>
-              <a:ext uri="{FF2B5EF4-FFF2-40B4-BE49-F238E27FC236}">
-                <a16:creationId xmlns:a16="http://schemas.microsoft.com/office/drawing/2014/main" id="{D96DDF25-738B-4FF8-90D0-2DA169743149}"/>
-              </a:ext>
-            </a:extLst>
-          </p:cNvPr>
-          <p:cNvSpPr/>
-          <p:nvPr/>
-        </p:nvSpPr>
-        <p:spPr>
-          <a:xfrm>
-            <a:off x="7286323" y="3952373"/>
-            <a:ext cx="2329315" cy="673769"/>
-          </a:xfrm>
-          <a:prstGeom prst="roundRect">
-            <a:avLst/>
-          </a:prstGeom>
-          <a:solidFill>
-            <a:schemeClr val="accent6">
-              <a:lumMod val="75000"/>
-            </a:schemeClr>
-          </a:solidFill>
-          <a:ln>
-            <a:solidFill>
-              <a:schemeClr val="tx1"/>
-            </a:solidFill>
-          </a:ln>
-        </p:spPr>
-        <p:style>
-          <a:lnRef idx="2">
-            <a:schemeClr val="accent1">
-              <a:shade val="50000"/>
-            </a:schemeClr>
-          </a:lnRef>
-          <a:fillRef idx="1">
-            <a:schemeClr val="accent1"/>
-          </a:fillRef>
-          <a:effectRef idx="0">
-            <a:schemeClr val="accent1"/>
-          </a:effectRef>
-          <a:fontRef idx="minor">
-            <a:schemeClr val="lt1"/>
-          </a:fontRef>
-        </p:style>
-        <p:txBody>
-          <a:bodyPr rtlCol="0" anchor="ctr"/>
-          <a:lstStyle/>
-          <a:p>
-            <a:pPr algn="ctr"/>
-            <a:r>
-              <a:rPr kumimoji="1" lang="en-US" altLang="ja-JP" sz="2800" b="1" dirty="0">
-                <a:solidFill>
-                  <a:schemeClr val="bg1"/>
-                </a:solidFill>
-              </a:rPr>
-              <a:t>result.txt</a:t>
-            </a:r>
-            <a:endParaRPr kumimoji="1" lang="ja-JP" altLang="en-US" sz="2800" b="1" dirty="0">
-              <a:solidFill>
-                <a:schemeClr val="bg1"/>
-              </a:solidFill>
-            </a:endParaRPr>
-          </a:p>
-        </p:txBody>
-      </p:sp>
-      <p:sp>
-        <p:nvSpPr>
-          <p:cNvPr id="14" name="四角形: 角を丸くする 13">
-            <a:extLst>
-              <a:ext uri="{FF2B5EF4-FFF2-40B4-BE49-F238E27FC236}">
-                <a16:creationId xmlns:a16="http://schemas.microsoft.com/office/drawing/2014/main" id="{517550B4-CEAD-462C-8C83-2ED456DF9F6C}"/>
-              </a:ext>
-            </a:extLst>
-          </p:cNvPr>
-          <p:cNvSpPr/>
-          <p:nvPr/>
-        </p:nvSpPr>
-        <p:spPr>
-          <a:xfrm>
-            <a:off x="7286323" y="2553100"/>
-            <a:ext cx="2329315" cy="673769"/>
-          </a:xfrm>
-          <a:prstGeom prst="roundRect">
-            <a:avLst/>
-          </a:prstGeom>
-          <a:solidFill>
-            <a:schemeClr val="bg1"/>
-          </a:solidFill>
-          <a:ln>
-            <a:solidFill>
-              <a:schemeClr val="tx1"/>
-            </a:solidFill>
-          </a:ln>
-        </p:spPr>
-        <p:style>
-          <a:lnRef idx="2">
-            <a:schemeClr val="accent1">
-              <a:shade val="50000"/>
-            </a:schemeClr>
-          </a:lnRef>
-          <a:fillRef idx="1">
-            <a:schemeClr val="accent1"/>
-          </a:fillRef>
-          <a:effectRef idx="0">
-            <a:schemeClr val="accent1"/>
-          </a:effectRef>
-          <a:fontRef idx="minor">
-            <a:schemeClr val="lt1"/>
-          </a:fontRef>
-        </p:style>
-        <p:txBody>
-          <a:bodyPr rtlCol="0" anchor="ctr"/>
-          <a:lstStyle/>
-          <a:p>
-            <a:pPr algn="ctr"/>
-            <a:r>
-              <a:rPr lang="ja-JP" altLang="en-US" b="1" dirty="0">
-                <a:solidFill>
-                  <a:schemeClr val="accent6">
-                    <a:lumMod val="75000"/>
-                  </a:schemeClr>
-                </a:solidFill>
-              </a:rPr>
-              <a:t>ファイルに書き込み</a:t>
-            </a:r>
-            <a:endParaRPr kumimoji="1" lang="ja-JP" altLang="en-US" b="1" dirty="0">
-              <a:solidFill>
-                <a:schemeClr val="accent6">
-                  <a:lumMod val="75000"/>
-                </a:schemeClr>
-              </a:solidFill>
-            </a:endParaRPr>
-          </a:p>
-        </p:txBody>
-      </p:sp>
-      <p:sp>
-        <p:nvSpPr>
-          <p:cNvPr id="3" name="正方形/長方形 2">
-            <a:extLst>
-              <a:ext uri="{FF2B5EF4-FFF2-40B4-BE49-F238E27FC236}">
-                <a16:creationId xmlns:a16="http://schemas.microsoft.com/office/drawing/2014/main" id="{FAB16456-F7D9-4DF3-A957-9BD94DE863CE}"/>
-              </a:ext>
-            </a:extLst>
-          </p:cNvPr>
-          <p:cNvSpPr/>
-          <p:nvPr/>
-        </p:nvSpPr>
-        <p:spPr>
-          <a:xfrm>
-            <a:off x="648739" y="1752562"/>
-            <a:ext cx="9212778" cy="584775"/>
+            <a:off x="7965737" y="2948068"/>
+            <a:ext cx="3888412" cy="1200329"/>
           </a:xfrm>
           <a:prstGeom prst="rect">
             <a:avLst/>
           </a:prstGeom>
-        </p:spPr>
-        <p:txBody>
-          <a:bodyPr wrap="none">
+          <a:noFill/>
+        </p:spPr>
+        <p:txBody>
+          <a:bodyPr wrap="square" rtlCol="0">
             <a:spAutoFit/>
           </a:bodyPr>
           <a:lstStyle/>
           <a:p>
-            <a:pPr>
-              <a:buClr>
-                <a:schemeClr val="tx1"/>
-              </a:buClr>
-            </a:pPr>
-            <a:r>
-              <a:rPr lang="en-US" altLang="ja-JP" sz="3200" dirty="0"/>
-              <a:t>【</a:t>
-            </a:r>
-            <a:r>
-              <a:rPr lang="ja-JP" altLang="en-US" sz="2800" b="1" dirty="0"/>
-              <a:t>問題点</a:t>
-            </a:r>
-            <a:r>
-              <a:rPr lang="en-US" altLang="ja-JP" sz="3200" dirty="0"/>
-              <a:t>】</a:t>
-            </a:r>
-            <a:r>
-              <a:rPr lang="ja-JP" altLang="en-US" sz="3200" b="1" dirty="0"/>
-              <a:t>長文のスクレイピングは時間がかかる</a:t>
-            </a:r>
-            <a:endParaRPr lang="en-US" altLang="ja-JP" sz="3200" b="1" dirty="0"/>
+            <a:r>
+              <a:rPr kumimoji="1" lang="ja-JP" altLang="en-US" sz="3600" b="1" dirty="0"/>
+              <a:t>テキストファイルに書き込み</a:t>
+            </a:r>
           </a:p>
         </p:txBody>
       </p:sp>
     </p:spTree>
     <p:extLst>
       <p:ext uri="{BB962C8B-B14F-4D97-AF65-F5344CB8AC3E}">
-        <p14:creationId xmlns:p14="http://schemas.microsoft.com/office/powerpoint/2010/main" val="75600543"/>
+        <p14:creationId xmlns:p14="http://schemas.microsoft.com/office/powerpoint/2010/main" val="3049315379"/>
       </p:ext>
     </p:extLst>
   </p:cSld>
@@ -16351,660 +17721,10 @@
       </p:grpSpPr>
       <p:sp>
         <p:nvSpPr>
-          <p:cNvPr id="7" name="正方形/長方形 6">
-            <a:extLst>
-              <a:ext uri="{FF2B5EF4-FFF2-40B4-BE49-F238E27FC236}">
-                <a16:creationId xmlns:a16="http://schemas.microsoft.com/office/drawing/2014/main" id="{862A2D94-AAD8-4EAC-B86B-F0BA5C60401A}"/>
-              </a:ext>
-            </a:extLst>
-          </p:cNvPr>
-          <p:cNvSpPr/>
-          <p:nvPr/>
-        </p:nvSpPr>
-        <p:spPr>
-          <a:xfrm>
-            <a:off x="9508067" y="0"/>
-            <a:ext cx="2683933" cy="1593908"/>
-          </a:xfrm>
-          <a:prstGeom prst="rect">
-            <a:avLst/>
-          </a:prstGeom>
-          <a:solidFill>
-            <a:schemeClr val="accent6">
-              <a:lumMod val="60000"/>
-              <a:lumOff val="40000"/>
-            </a:schemeClr>
-          </a:solidFill>
-        </p:spPr>
-        <p:style>
-          <a:lnRef idx="2">
-            <a:schemeClr val="accent1">
-              <a:shade val="50000"/>
-            </a:schemeClr>
-          </a:lnRef>
-          <a:fillRef idx="1">
-            <a:schemeClr val="accent1"/>
-          </a:fillRef>
-          <a:effectRef idx="0">
-            <a:schemeClr val="accent1"/>
-          </a:effectRef>
-          <a:fontRef idx="minor">
-            <a:schemeClr val="lt1"/>
-          </a:fontRef>
-        </p:style>
-        <p:txBody>
-          <a:bodyPr rtlCol="0" anchor="ctr"/>
-          <a:lstStyle/>
-          <a:p>
-            <a:pPr algn="ctr"/>
-            <a:endParaRPr kumimoji="1" lang="ja-JP" altLang="en-US"/>
-          </a:p>
-        </p:txBody>
-      </p:sp>
-      <p:sp>
-        <p:nvSpPr>
-          <p:cNvPr id="11" name="四角形: 角を丸くする 10">
-            <a:extLst>
-              <a:ext uri="{FF2B5EF4-FFF2-40B4-BE49-F238E27FC236}">
-                <a16:creationId xmlns:a16="http://schemas.microsoft.com/office/drawing/2014/main" id="{8782B4DF-E484-491E-8838-63B8B7ABDA07}"/>
-              </a:ext>
-            </a:extLst>
-          </p:cNvPr>
-          <p:cNvSpPr/>
-          <p:nvPr/>
-        </p:nvSpPr>
-        <p:spPr>
-          <a:xfrm>
-            <a:off x="2070650" y="2335519"/>
-            <a:ext cx="2329315" cy="673769"/>
-          </a:xfrm>
-          <a:prstGeom prst="roundRect">
-            <a:avLst/>
-          </a:prstGeom>
-          <a:solidFill>
-            <a:schemeClr val="bg1"/>
-          </a:solidFill>
-          <a:ln>
-            <a:solidFill>
-              <a:schemeClr val="tx1"/>
-            </a:solidFill>
-          </a:ln>
-        </p:spPr>
-        <p:style>
-          <a:lnRef idx="2">
-            <a:schemeClr val="accent1">
-              <a:shade val="50000"/>
-            </a:schemeClr>
-          </a:lnRef>
-          <a:fillRef idx="1">
-            <a:schemeClr val="accent1"/>
-          </a:fillRef>
-          <a:effectRef idx="0">
-            <a:schemeClr val="accent1"/>
-          </a:effectRef>
-          <a:fontRef idx="minor">
-            <a:schemeClr val="lt1"/>
-          </a:fontRef>
-        </p:style>
-        <p:txBody>
-          <a:bodyPr rtlCol="0" anchor="ctr"/>
-          <a:lstStyle/>
-          <a:p>
-            <a:pPr algn="ctr"/>
-            <a:r>
-              <a:rPr lang="ja-JP" altLang="en-US" b="1" dirty="0">
-                <a:solidFill>
-                  <a:schemeClr val="accent6">
-                    <a:lumMod val="75000"/>
-                  </a:schemeClr>
-                </a:solidFill>
-              </a:rPr>
-              <a:t>データ取得</a:t>
-            </a:r>
-            <a:endParaRPr kumimoji="1" lang="ja-JP" altLang="en-US" b="1" dirty="0">
-              <a:solidFill>
-                <a:schemeClr val="accent6">
-                  <a:lumMod val="75000"/>
-                </a:schemeClr>
-              </a:solidFill>
-            </a:endParaRPr>
-          </a:p>
-        </p:txBody>
-      </p:sp>
-      <p:sp>
-        <p:nvSpPr>
-          <p:cNvPr id="12" name="矢印: 右 11">
-            <a:extLst>
-              <a:ext uri="{FF2B5EF4-FFF2-40B4-BE49-F238E27FC236}">
-                <a16:creationId xmlns:a16="http://schemas.microsoft.com/office/drawing/2014/main" id="{19E695C6-C9D6-46D2-B2C7-A53F0C267109}"/>
-              </a:ext>
-            </a:extLst>
-          </p:cNvPr>
-          <p:cNvSpPr/>
-          <p:nvPr/>
-        </p:nvSpPr>
-        <p:spPr>
-          <a:xfrm>
-            <a:off x="4563596" y="4987278"/>
-            <a:ext cx="2954956" cy="890337"/>
-          </a:xfrm>
-          <a:prstGeom prst="rightArrow">
-            <a:avLst/>
-          </a:prstGeom>
-          <a:solidFill>
-            <a:srgbClr val="FF0000"/>
-          </a:solidFill>
-          <a:ln>
-            <a:solidFill>
-              <a:schemeClr val="tx1"/>
-            </a:solidFill>
-          </a:ln>
-        </p:spPr>
-        <p:style>
-          <a:lnRef idx="2">
-            <a:schemeClr val="accent1">
-              <a:shade val="50000"/>
-            </a:schemeClr>
-          </a:lnRef>
-          <a:fillRef idx="1">
-            <a:schemeClr val="accent1"/>
-          </a:fillRef>
-          <a:effectRef idx="0">
-            <a:schemeClr val="accent1"/>
-          </a:effectRef>
-          <a:fontRef idx="minor">
-            <a:schemeClr val="lt1"/>
-          </a:fontRef>
-        </p:style>
-        <p:txBody>
-          <a:bodyPr rtlCol="0" anchor="ctr"/>
-          <a:lstStyle/>
-          <a:p>
-            <a:pPr algn="ctr"/>
-            <a:r>
-              <a:rPr kumimoji="1" lang="ja-JP" altLang="en-US" b="1" dirty="0"/>
-              <a:t>毎回処理</a:t>
-            </a:r>
-          </a:p>
-        </p:txBody>
-      </p:sp>
-      <p:sp>
-        <p:nvSpPr>
-          <p:cNvPr id="13" name="四角形: 角を丸くする 12">
-            <a:extLst>
-              <a:ext uri="{FF2B5EF4-FFF2-40B4-BE49-F238E27FC236}">
-                <a16:creationId xmlns:a16="http://schemas.microsoft.com/office/drawing/2014/main" id="{99B71CA8-890B-4D89-8BEE-FF456E7C6C05}"/>
-              </a:ext>
-            </a:extLst>
-          </p:cNvPr>
-          <p:cNvSpPr/>
-          <p:nvPr/>
-        </p:nvSpPr>
-        <p:spPr>
-          <a:xfrm>
-            <a:off x="7682182" y="5069385"/>
-            <a:ext cx="2800951" cy="673769"/>
-          </a:xfrm>
-          <a:prstGeom prst="roundRect">
-            <a:avLst/>
-          </a:prstGeom>
-          <a:solidFill>
-            <a:schemeClr val="accent6">
-              <a:lumMod val="75000"/>
-            </a:schemeClr>
-          </a:solidFill>
-          <a:ln>
-            <a:solidFill>
-              <a:schemeClr val="tx1"/>
-            </a:solidFill>
-          </a:ln>
-        </p:spPr>
-        <p:style>
-          <a:lnRef idx="2">
-            <a:schemeClr val="accent1">
-              <a:shade val="50000"/>
-            </a:schemeClr>
-          </a:lnRef>
-          <a:fillRef idx="1">
-            <a:schemeClr val="accent1"/>
-          </a:fillRef>
-          <a:effectRef idx="0">
-            <a:schemeClr val="accent1"/>
-          </a:effectRef>
-          <a:fontRef idx="minor">
-            <a:schemeClr val="lt1"/>
-          </a:fontRef>
-        </p:style>
-        <p:txBody>
-          <a:bodyPr rtlCol="0" anchor="ctr"/>
-          <a:lstStyle/>
-          <a:p>
-            <a:r>
-              <a:rPr kumimoji="1" lang="ja-JP" altLang="en-US" sz="2800" b="1" dirty="0">
-                <a:solidFill>
-                  <a:schemeClr val="bg1"/>
-                </a:solidFill>
-              </a:rPr>
-              <a:t>・</a:t>
-            </a:r>
-            <a:r>
-              <a:rPr kumimoji="1" lang="en-US" altLang="ja-JP" sz="2800" b="1" dirty="0">
-                <a:solidFill>
-                  <a:schemeClr val="bg1"/>
-                </a:solidFill>
-              </a:rPr>
-              <a:t>day.txt</a:t>
-            </a:r>
-            <a:endParaRPr kumimoji="1" lang="ja-JP" altLang="en-US" b="1" dirty="0">
-              <a:solidFill>
-                <a:schemeClr val="bg1"/>
-              </a:solidFill>
-            </a:endParaRPr>
-          </a:p>
-        </p:txBody>
-      </p:sp>
-      <p:sp>
-        <p:nvSpPr>
-          <p:cNvPr id="17" name="四角形: 角を丸くする 16">
-            <a:extLst>
-              <a:ext uri="{FF2B5EF4-FFF2-40B4-BE49-F238E27FC236}">
-                <a16:creationId xmlns:a16="http://schemas.microsoft.com/office/drawing/2014/main" id="{85BC110C-5578-4E08-A47E-D92EE0FE25CB}"/>
-              </a:ext>
-            </a:extLst>
-          </p:cNvPr>
-          <p:cNvSpPr/>
-          <p:nvPr/>
-        </p:nvSpPr>
-        <p:spPr>
-          <a:xfrm>
-            <a:off x="2070651" y="3346172"/>
-            <a:ext cx="2329315" cy="1412507"/>
-          </a:xfrm>
-          <a:prstGeom prst="roundRect">
-            <a:avLst/>
-          </a:prstGeom>
-          <a:solidFill>
-            <a:schemeClr val="accent6">
-              <a:lumMod val="75000"/>
-            </a:schemeClr>
-          </a:solidFill>
-          <a:ln>
-            <a:solidFill>
-              <a:schemeClr val="tx1"/>
-            </a:solidFill>
-          </a:ln>
-        </p:spPr>
-        <p:style>
-          <a:lnRef idx="2">
-            <a:schemeClr val="accent1">
-              <a:shade val="50000"/>
-            </a:schemeClr>
-          </a:lnRef>
-          <a:fillRef idx="1">
-            <a:schemeClr val="accent1"/>
-          </a:fillRef>
-          <a:effectRef idx="0">
-            <a:schemeClr val="accent1"/>
-          </a:effectRef>
-          <a:fontRef idx="minor">
-            <a:schemeClr val="lt1"/>
-          </a:fontRef>
-        </p:style>
-        <p:txBody>
-          <a:bodyPr rtlCol="0" anchor="ctr"/>
-          <a:lstStyle/>
-          <a:p>
-            <a:r>
-              <a:rPr lang="ja-JP" altLang="en-US" sz="2800" b="1" dirty="0">
-                <a:solidFill>
-                  <a:schemeClr val="bg1"/>
-                </a:solidFill>
-              </a:rPr>
-              <a:t>・天気予報</a:t>
-            </a:r>
-            <a:endParaRPr lang="en-US" altLang="ja-JP" sz="2800" b="1" dirty="0">
-              <a:solidFill>
-                <a:schemeClr val="bg1"/>
-              </a:solidFill>
-            </a:endParaRPr>
-          </a:p>
-          <a:p>
-            <a:r>
-              <a:rPr lang="ja-JP" altLang="en-US" sz="2800" b="1" dirty="0">
-                <a:solidFill>
-                  <a:schemeClr val="bg1"/>
-                </a:solidFill>
-              </a:rPr>
-              <a:t>・ニュース</a:t>
-            </a:r>
-            <a:endParaRPr lang="en-US" altLang="ja-JP" sz="2800" b="1" dirty="0">
-              <a:solidFill>
-                <a:schemeClr val="bg1"/>
-              </a:solidFill>
-            </a:endParaRPr>
-          </a:p>
-          <a:p>
-            <a:r>
-              <a:rPr lang="ja-JP" altLang="en-US" sz="2800" b="1" dirty="0">
-                <a:solidFill>
-                  <a:schemeClr val="bg1"/>
-                </a:solidFill>
-              </a:rPr>
-              <a:t>・星座占い</a:t>
-            </a:r>
-          </a:p>
-        </p:txBody>
-      </p:sp>
-      <p:sp>
-        <p:nvSpPr>
-          <p:cNvPr id="18" name="四角形: 角を丸くする 17">
-            <a:extLst>
-              <a:ext uri="{FF2B5EF4-FFF2-40B4-BE49-F238E27FC236}">
-                <a16:creationId xmlns:a16="http://schemas.microsoft.com/office/drawing/2014/main" id="{E898D16D-F080-4AB8-99A7-0733F9B3D647}"/>
-              </a:ext>
-            </a:extLst>
-          </p:cNvPr>
-          <p:cNvSpPr/>
-          <p:nvPr/>
-        </p:nvSpPr>
-        <p:spPr>
-          <a:xfrm>
-            <a:off x="2070651" y="5095563"/>
-            <a:ext cx="2329315" cy="673769"/>
-          </a:xfrm>
-          <a:prstGeom prst="roundRect">
-            <a:avLst/>
-          </a:prstGeom>
-          <a:solidFill>
-            <a:schemeClr val="accent6">
-              <a:lumMod val="75000"/>
-            </a:schemeClr>
-          </a:solidFill>
-          <a:ln>
-            <a:solidFill>
-              <a:schemeClr val="tx1"/>
-            </a:solidFill>
-          </a:ln>
-        </p:spPr>
-        <p:style>
-          <a:lnRef idx="2">
-            <a:schemeClr val="accent1">
-              <a:shade val="50000"/>
-            </a:schemeClr>
-          </a:lnRef>
-          <a:fillRef idx="1">
-            <a:schemeClr val="accent1"/>
-          </a:fillRef>
-          <a:effectRef idx="0">
-            <a:schemeClr val="accent1"/>
-          </a:effectRef>
-          <a:fontRef idx="minor">
-            <a:schemeClr val="lt1"/>
-          </a:fontRef>
-        </p:style>
-        <p:txBody>
-          <a:bodyPr rtlCol="0" anchor="ctr"/>
-          <a:lstStyle/>
-          <a:p>
-            <a:r>
-              <a:rPr kumimoji="1" lang="ja-JP" altLang="en-US" sz="2800" b="1" dirty="0">
-                <a:solidFill>
-                  <a:schemeClr val="bg1"/>
-                </a:solidFill>
-              </a:rPr>
-              <a:t>・日時</a:t>
-            </a:r>
-          </a:p>
-        </p:txBody>
-      </p:sp>
-      <p:sp>
-        <p:nvSpPr>
-          <p:cNvPr id="19" name="四角形: 角を丸くする 18">
-            <a:extLst>
-              <a:ext uri="{FF2B5EF4-FFF2-40B4-BE49-F238E27FC236}">
-                <a16:creationId xmlns:a16="http://schemas.microsoft.com/office/drawing/2014/main" id="{0ADD0314-BB39-4926-9476-0961AE100226}"/>
-              </a:ext>
-            </a:extLst>
-          </p:cNvPr>
-          <p:cNvSpPr/>
-          <p:nvPr/>
-        </p:nvSpPr>
-        <p:spPr>
-          <a:xfrm>
-            <a:off x="7682182" y="3346172"/>
-            <a:ext cx="2800951" cy="1412507"/>
-          </a:xfrm>
-          <a:prstGeom prst="roundRect">
-            <a:avLst/>
-          </a:prstGeom>
-          <a:solidFill>
-            <a:schemeClr val="accent6">
-              <a:lumMod val="75000"/>
-            </a:schemeClr>
-          </a:solidFill>
-          <a:ln>
-            <a:solidFill>
-              <a:schemeClr val="tx1"/>
-            </a:solidFill>
-          </a:ln>
-        </p:spPr>
-        <p:style>
-          <a:lnRef idx="2">
-            <a:schemeClr val="accent1">
-              <a:shade val="50000"/>
-            </a:schemeClr>
-          </a:lnRef>
-          <a:fillRef idx="1">
-            <a:schemeClr val="accent1"/>
-          </a:fillRef>
-          <a:effectRef idx="0">
-            <a:schemeClr val="accent1"/>
-          </a:effectRef>
-          <a:fontRef idx="minor">
-            <a:schemeClr val="lt1"/>
-          </a:fontRef>
-        </p:style>
-        <p:txBody>
-          <a:bodyPr rtlCol="0" anchor="ctr"/>
-          <a:lstStyle/>
-          <a:p>
-            <a:r>
-              <a:rPr lang="ja-JP" altLang="en-US" sz="2800" b="1" dirty="0">
-                <a:solidFill>
-                  <a:schemeClr val="bg1"/>
-                </a:solidFill>
-              </a:rPr>
-              <a:t>・</a:t>
-            </a:r>
-            <a:r>
-              <a:rPr lang="en-US" altLang="ja-JP" sz="2800" b="1" dirty="0">
-                <a:solidFill>
-                  <a:schemeClr val="bg1"/>
-                </a:solidFill>
-              </a:rPr>
-              <a:t>weather.txt</a:t>
-            </a:r>
-          </a:p>
-          <a:p>
-            <a:r>
-              <a:rPr lang="ja-JP" altLang="en-US" sz="2800" b="1" dirty="0">
-                <a:solidFill>
-                  <a:schemeClr val="bg1"/>
-                </a:solidFill>
-              </a:rPr>
-              <a:t>・</a:t>
-            </a:r>
-            <a:r>
-              <a:rPr lang="en-US" altLang="ja-JP" sz="2800" b="1" dirty="0">
-                <a:solidFill>
-                  <a:schemeClr val="bg1"/>
-                </a:solidFill>
-              </a:rPr>
-              <a:t>news.txt</a:t>
-            </a:r>
-          </a:p>
-          <a:p>
-            <a:r>
-              <a:rPr lang="ja-JP" altLang="en-US" sz="2800" b="1" dirty="0">
-                <a:solidFill>
-                  <a:schemeClr val="bg1"/>
-                </a:solidFill>
-              </a:rPr>
-              <a:t>・</a:t>
-            </a:r>
-            <a:r>
-              <a:rPr lang="en-US" altLang="ja-JP" sz="2800" b="1" dirty="0">
-                <a:solidFill>
-                  <a:schemeClr val="bg1"/>
-                </a:solidFill>
-              </a:rPr>
-              <a:t>fortune.txt</a:t>
-            </a:r>
-            <a:endParaRPr lang="ja-JP" altLang="en-US" sz="2800" b="1" dirty="0">
-              <a:solidFill>
-                <a:schemeClr val="bg1"/>
-              </a:solidFill>
-            </a:endParaRPr>
-          </a:p>
-        </p:txBody>
-      </p:sp>
-      <p:sp>
-        <p:nvSpPr>
-          <p:cNvPr id="20" name="矢印: 右 19">
-            <a:extLst>
-              <a:ext uri="{FF2B5EF4-FFF2-40B4-BE49-F238E27FC236}">
-                <a16:creationId xmlns:a16="http://schemas.microsoft.com/office/drawing/2014/main" id="{CC448C61-1681-4C79-94A2-9F1672EB3DF7}"/>
-              </a:ext>
-            </a:extLst>
-          </p:cNvPr>
-          <p:cNvSpPr/>
-          <p:nvPr/>
-        </p:nvSpPr>
-        <p:spPr>
-          <a:xfrm>
-            <a:off x="4563596" y="3511388"/>
-            <a:ext cx="2954956" cy="1055587"/>
-          </a:xfrm>
-          <a:prstGeom prst="rightArrow">
-            <a:avLst/>
-          </a:prstGeom>
-          <a:solidFill>
-            <a:srgbClr val="FF0000"/>
-          </a:solidFill>
-          <a:ln>
-            <a:solidFill>
-              <a:schemeClr val="tx1"/>
-            </a:solidFill>
-          </a:ln>
-        </p:spPr>
-        <p:style>
-          <a:lnRef idx="2">
-            <a:schemeClr val="accent1">
-              <a:shade val="50000"/>
-            </a:schemeClr>
-          </a:lnRef>
-          <a:fillRef idx="1">
-            <a:schemeClr val="accent1"/>
-          </a:fillRef>
-          <a:effectRef idx="0">
-            <a:schemeClr val="accent1"/>
-          </a:effectRef>
-          <a:fontRef idx="minor">
-            <a:schemeClr val="lt1"/>
-          </a:fontRef>
-        </p:style>
-        <p:txBody>
-          <a:bodyPr rtlCol="0" anchor="ctr"/>
-          <a:lstStyle/>
-          <a:p>
-            <a:pPr algn="ctr"/>
-            <a:r>
-              <a:rPr lang="ja-JP" altLang="en-US" b="1" dirty="0"/>
-              <a:t>起動時に</a:t>
-            </a:r>
-            <a:r>
-              <a:rPr kumimoji="1" lang="ja-JP" altLang="en-US" b="1" dirty="0"/>
-              <a:t>処理</a:t>
-            </a:r>
-          </a:p>
-        </p:txBody>
-      </p:sp>
-      <p:sp>
-        <p:nvSpPr>
-          <p:cNvPr id="21" name="四角形: 角を丸くする 20">
-            <a:extLst>
-              <a:ext uri="{FF2B5EF4-FFF2-40B4-BE49-F238E27FC236}">
-                <a16:creationId xmlns:a16="http://schemas.microsoft.com/office/drawing/2014/main" id="{E9E97937-2887-444B-9312-BD208433FBBB}"/>
-              </a:ext>
-            </a:extLst>
-          </p:cNvPr>
-          <p:cNvSpPr/>
-          <p:nvPr/>
-        </p:nvSpPr>
-        <p:spPr>
-          <a:xfrm>
-            <a:off x="7682182" y="2361697"/>
-            <a:ext cx="2800951" cy="673769"/>
-          </a:xfrm>
-          <a:prstGeom prst="roundRect">
-            <a:avLst/>
-          </a:prstGeom>
-          <a:solidFill>
-            <a:schemeClr val="bg1"/>
-          </a:solidFill>
-          <a:ln>
-            <a:solidFill>
-              <a:schemeClr val="tx1"/>
-            </a:solidFill>
-          </a:ln>
-        </p:spPr>
-        <p:style>
-          <a:lnRef idx="2">
-            <a:schemeClr val="accent1">
-              <a:shade val="50000"/>
-            </a:schemeClr>
-          </a:lnRef>
-          <a:fillRef idx="1">
-            <a:schemeClr val="accent1"/>
-          </a:fillRef>
-          <a:effectRef idx="0">
-            <a:schemeClr val="accent1"/>
-          </a:effectRef>
-          <a:fontRef idx="minor">
-            <a:schemeClr val="lt1"/>
-          </a:fontRef>
-        </p:style>
-        <p:txBody>
-          <a:bodyPr rtlCol="0" anchor="ctr"/>
-          <a:lstStyle/>
-          <a:p>
-            <a:pPr algn="ctr"/>
-            <a:r>
-              <a:rPr lang="ja-JP" altLang="en-US" b="1" dirty="0">
-                <a:solidFill>
-                  <a:schemeClr val="accent6">
-                    <a:lumMod val="75000"/>
-                  </a:schemeClr>
-                </a:solidFill>
-              </a:rPr>
-              <a:t>ファイルに書き込み</a:t>
-            </a:r>
-            <a:endParaRPr kumimoji="1" lang="ja-JP" altLang="en-US" b="1" dirty="0">
-              <a:solidFill>
-                <a:schemeClr val="accent6">
-                  <a:lumMod val="75000"/>
-                </a:schemeClr>
-              </a:solidFill>
-            </a:endParaRPr>
-          </a:p>
-        </p:txBody>
-      </p:sp>
-      <p:sp>
-        <p:nvSpPr>
-          <p:cNvPr id="14" name="タイトル 1">
-            <a:extLst>
-              <a:ext uri="{FF2B5EF4-FFF2-40B4-BE49-F238E27FC236}">
-                <a16:creationId xmlns:a16="http://schemas.microsoft.com/office/drawing/2014/main" id="{8CF352F8-A903-47C2-83C2-9710446A09DE}"/>
+          <p:cNvPr id="2" name="タイトル 1">
+            <a:extLst>
+              <a:ext uri="{FF2B5EF4-FFF2-40B4-BE49-F238E27FC236}">
+                <a16:creationId xmlns:a16="http://schemas.microsoft.com/office/drawing/2014/main" id="{1C67901B-E49E-40E4-9D6B-4679D612BE2A}"/>
               </a:ext>
             </a:extLst>
           </p:cNvPr>
@@ -17015,19 +17735,16 @@
             <p:ph type="title"/>
           </p:nvPr>
         </p:nvSpPr>
-        <p:spPr>
-          <a:xfrm>
-            <a:off x="838200" y="365125"/>
-            <a:ext cx="10515600" cy="1325563"/>
-          </a:xfrm>
-        </p:spPr>
-        <p:txBody>
-          <a:bodyPr/>
+        <p:spPr/>
+        <p:txBody>
+          <a:bodyPr>
+            <a:normAutofit/>
+          </a:bodyPr>
           <a:lstStyle/>
           <a:p>
             <a:pPr lvl="0"/>
             <a:r>
-              <a:rPr lang="ja-JP" altLang="en-US" b="1" dirty="0">
+              <a:rPr lang="ja-JP" altLang="en-US" sz="6000" b="1" dirty="0">
                 <a:ln>
                   <a:solidFill>
                     <a:sysClr val="windowText" lastClr="000000"/>
@@ -17043,16 +17760,16 @@
               </a:rPr>
               <a:t>工夫した点・処理の短縮</a:t>
             </a:r>
-            <a:endParaRPr kumimoji="1" lang="ja-JP" altLang="en-US" b="1" dirty="0"/>
-          </a:p>
-        </p:txBody>
-      </p:sp>
-      <p:sp>
-        <p:nvSpPr>
-          <p:cNvPr id="2" name="正方形/長方形 1">
-            <a:extLst>
-              <a:ext uri="{FF2B5EF4-FFF2-40B4-BE49-F238E27FC236}">
-                <a16:creationId xmlns:a16="http://schemas.microsoft.com/office/drawing/2014/main" id="{05053AC4-1076-4E17-9429-011226C36E60}"/>
+            <a:endParaRPr kumimoji="1" lang="ja-JP" altLang="en-US" sz="6000" b="1" dirty="0"/>
+          </a:p>
+        </p:txBody>
+      </p:sp>
+      <p:sp>
+        <p:nvSpPr>
+          <p:cNvPr id="7" name="正方形/長方形 6">
+            <a:extLst>
+              <a:ext uri="{FF2B5EF4-FFF2-40B4-BE49-F238E27FC236}">
+                <a16:creationId xmlns:a16="http://schemas.microsoft.com/office/drawing/2014/main" id="{862A2D94-AAD8-4EAC-B86B-F0BA5C60401A}"/>
               </a:ext>
             </a:extLst>
           </p:cNvPr>
@@ -17061,8 +17778,432 @@
         </p:nvSpPr>
         <p:spPr>
           <a:xfrm>
-            <a:off x="736600" y="1593908"/>
-            <a:ext cx="7007046" cy="523220"/>
+            <a:off x="9508067" y="0"/>
+            <a:ext cx="2683933" cy="1593908"/>
+          </a:xfrm>
+          <a:prstGeom prst="rect">
+            <a:avLst/>
+          </a:prstGeom>
+          <a:solidFill>
+            <a:schemeClr val="accent6">
+              <a:lumMod val="60000"/>
+              <a:lumOff val="40000"/>
+            </a:schemeClr>
+          </a:solidFill>
+        </p:spPr>
+        <p:style>
+          <a:lnRef idx="2">
+            <a:schemeClr val="accent1">
+              <a:shade val="50000"/>
+            </a:schemeClr>
+          </a:lnRef>
+          <a:fillRef idx="1">
+            <a:schemeClr val="accent1"/>
+          </a:fillRef>
+          <a:effectRef idx="0">
+            <a:schemeClr val="accent1"/>
+          </a:effectRef>
+          <a:fontRef idx="minor">
+            <a:schemeClr val="lt1"/>
+          </a:fontRef>
+        </p:style>
+        <p:txBody>
+          <a:bodyPr rtlCol="0" anchor="ctr"/>
+          <a:lstStyle/>
+          <a:p>
+            <a:pPr algn="ctr"/>
+            <a:endParaRPr kumimoji="1" lang="ja-JP" altLang="en-US"/>
+          </a:p>
+        </p:txBody>
+      </p:sp>
+      <p:sp>
+        <p:nvSpPr>
+          <p:cNvPr id="5" name="四角形: 角を丸くする 4">
+            <a:extLst>
+              <a:ext uri="{FF2B5EF4-FFF2-40B4-BE49-F238E27FC236}">
+                <a16:creationId xmlns:a16="http://schemas.microsoft.com/office/drawing/2014/main" id="{43E67A84-D0DC-454D-994E-FE5B7E09A0AF}"/>
+              </a:ext>
+            </a:extLst>
+          </p:cNvPr>
+          <p:cNvSpPr/>
+          <p:nvPr/>
+        </p:nvSpPr>
+        <p:spPr>
+          <a:xfrm>
+            <a:off x="1848047" y="2553100"/>
+            <a:ext cx="2705291" cy="673769"/>
+          </a:xfrm>
+          <a:prstGeom prst="roundRect">
+            <a:avLst/>
+          </a:prstGeom>
+          <a:solidFill>
+            <a:schemeClr val="bg1"/>
+          </a:solidFill>
+          <a:ln>
+            <a:solidFill>
+              <a:schemeClr val="tx1"/>
+            </a:solidFill>
+          </a:ln>
+        </p:spPr>
+        <p:style>
+          <a:lnRef idx="2">
+            <a:schemeClr val="accent1">
+              <a:shade val="50000"/>
+            </a:schemeClr>
+          </a:lnRef>
+          <a:fillRef idx="1">
+            <a:schemeClr val="accent1"/>
+          </a:fillRef>
+          <a:effectRef idx="0">
+            <a:schemeClr val="accent1"/>
+          </a:effectRef>
+          <a:fontRef idx="minor">
+            <a:schemeClr val="lt1"/>
+          </a:fontRef>
+        </p:style>
+        <p:txBody>
+          <a:bodyPr rtlCol="0" anchor="ctr"/>
+          <a:lstStyle/>
+          <a:p>
+            <a:pPr algn="ctr"/>
+            <a:r>
+              <a:rPr lang="ja-JP" altLang="en-US" sz="2800" b="1" dirty="0">
+                <a:solidFill>
+                  <a:schemeClr val="accent6">
+                    <a:lumMod val="75000"/>
+                  </a:schemeClr>
+                </a:solidFill>
+              </a:rPr>
+              <a:t>データ取得</a:t>
+            </a:r>
+            <a:endParaRPr kumimoji="1" lang="ja-JP" altLang="en-US" sz="2800" b="1" dirty="0">
+              <a:solidFill>
+                <a:schemeClr val="accent6">
+                  <a:lumMod val="75000"/>
+                </a:schemeClr>
+              </a:solidFill>
+            </a:endParaRPr>
+          </a:p>
+        </p:txBody>
+      </p:sp>
+      <p:sp>
+        <p:nvSpPr>
+          <p:cNvPr id="11" name="四角形: 角を丸くする 10">
+            <a:extLst>
+              <a:ext uri="{FF2B5EF4-FFF2-40B4-BE49-F238E27FC236}">
+                <a16:creationId xmlns:a16="http://schemas.microsoft.com/office/drawing/2014/main" id="{EBF746E7-B6B4-4D19-9C35-6B5A9E9EF67E}"/>
+              </a:ext>
+            </a:extLst>
+          </p:cNvPr>
+          <p:cNvSpPr/>
+          <p:nvPr/>
+        </p:nvSpPr>
+        <p:spPr>
+          <a:xfrm>
+            <a:off x="1848047" y="3429000"/>
+            <a:ext cx="2705291" cy="2374641"/>
+          </a:xfrm>
+          <a:prstGeom prst="roundRect">
+            <a:avLst/>
+          </a:prstGeom>
+          <a:solidFill>
+            <a:schemeClr val="accent6">
+              <a:lumMod val="75000"/>
+            </a:schemeClr>
+          </a:solidFill>
+          <a:ln>
+            <a:solidFill>
+              <a:schemeClr val="tx1"/>
+            </a:solidFill>
+          </a:ln>
+        </p:spPr>
+        <p:style>
+          <a:lnRef idx="2">
+            <a:schemeClr val="accent1">
+              <a:shade val="50000"/>
+            </a:schemeClr>
+          </a:lnRef>
+          <a:fillRef idx="1">
+            <a:schemeClr val="accent1"/>
+          </a:fillRef>
+          <a:effectRef idx="0">
+            <a:schemeClr val="accent1"/>
+          </a:effectRef>
+          <a:fontRef idx="minor">
+            <a:schemeClr val="lt1"/>
+          </a:fontRef>
+        </p:style>
+        <p:txBody>
+          <a:bodyPr rtlCol="0" anchor="ctr"/>
+          <a:lstStyle/>
+          <a:p>
+            <a:r>
+              <a:rPr lang="ja-JP" altLang="en-US" sz="3200" b="1" dirty="0">
+                <a:solidFill>
+                  <a:schemeClr val="bg1"/>
+                </a:solidFill>
+              </a:rPr>
+              <a:t>・天気予報</a:t>
+            </a:r>
+            <a:endParaRPr lang="en-US" altLang="ja-JP" sz="3200" b="1" dirty="0">
+              <a:solidFill>
+                <a:schemeClr val="bg1"/>
+              </a:solidFill>
+            </a:endParaRPr>
+          </a:p>
+          <a:p>
+            <a:r>
+              <a:rPr lang="ja-JP" altLang="en-US" sz="3200" b="1" dirty="0">
+                <a:solidFill>
+                  <a:schemeClr val="bg1"/>
+                </a:solidFill>
+              </a:rPr>
+              <a:t>・ニュース</a:t>
+            </a:r>
+            <a:endParaRPr lang="en-US" altLang="ja-JP" sz="3200" b="1" dirty="0">
+              <a:solidFill>
+                <a:schemeClr val="bg1"/>
+              </a:solidFill>
+            </a:endParaRPr>
+          </a:p>
+          <a:p>
+            <a:r>
+              <a:rPr lang="ja-JP" altLang="en-US" sz="3200" b="1" dirty="0">
+                <a:solidFill>
+                  <a:schemeClr val="bg1"/>
+                </a:solidFill>
+              </a:rPr>
+              <a:t>・日時</a:t>
+            </a:r>
+            <a:endParaRPr lang="en-US" altLang="ja-JP" sz="3200" b="1" dirty="0">
+              <a:solidFill>
+                <a:schemeClr val="bg1"/>
+              </a:solidFill>
+            </a:endParaRPr>
+          </a:p>
+          <a:p>
+            <a:r>
+              <a:rPr lang="ja-JP" altLang="en-US" sz="3200" b="1" dirty="0">
+                <a:solidFill>
+                  <a:schemeClr val="bg1"/>
+                </a:solidFill>
+              </a:rPr>
+              <a:t>・星座占い</a:t>
+            </a:r>
+          </a:p>
+        </p:txBody>
+      </p:sp>
+      <p:sp>
+        <p:nvSpPr>
+          <p:cNvPr id="12" name="矢印: 右 11">
+            <a:extLst>
+              <a:ext uri="{FF2B5EF4-FFF2-40B4-BE49-F238E27FC236}">
+                <a16:creationId xmlns:a16="http://schemas.microsoft.com/office/drawing/2014/main" id="{28EA2996-90D2-498C-BFD0-BB8E943592A3}"/>
+              </a:ext>
+            </a:extLst>
+          </p:cNvPr>
+          <p:cNvSpPr/>
+          <p:nvPr/>
+        </p:nvSpPr>
+        <p:spPr>
+          <a:xfrm>
+            <a:off x="4646645" y="3982035"/>
+            <a:ext cx="2655982" cy="1174282"/>
+          </a:xfrm>
+          <a:prstGeom prst="rightArrow">
+            <a:avLst/>
+          </a:prstGeom>
+          <a:solidFill>
+            <a:srgbClr val="FF0000"/>
+          </a:solidFill>
+          <a:ln>
+            <a:solidFill>
+              <a:schemeClr val="tx1"/>
+            </a:solidFill>
+          </a:ln>
+        </p:spPr>
+        <p:style>
+          <a:lnRef idx="2">
+            <a:schemeClr val="accent1">
+              <a:shade val="50000"/>
+            </a:schemeClr>
+          </a:lnRef>
+          <a:fillRef idx="1">
+            <a:schemeClr val="accent1"/>
+          </a:fillRef>
+          <a:effectRef idx="0">
+            <a:schemeClr val="accent1"/>
+          </a:effectRef>
+          <a:fontRef idx="minor">
+            <a:schemeClr val="lt1"/>
+          </a:fontRef>
+        </p:style>
+        <p:txBody>
+          <a:bodyPr rtlCol="0" anchor="ctr"/>
+          <a:lstStyle/>
+          <a:p>
+            <a:pPr algn="ctr"/>
+            <a:r>
+              <a:rPr kumimoji="1" lang="ja-JP" altLang="en-US" sz="2800" b="1" dirty="0"/>
+              <a:t>毎回処理</a:t>
+            </a:r>
+          </a:p>
+        </p:txBody>
+      </p:sp>
+      <p:sp>
+        <p:nvSpPr>
+          <p:cNvPr id="13" name="四角形: 角を丸くする 12">
+            <a:extLst>
+              <a:ext uri="{FF2B5EF4-FFF2-40B4-BE49-F238E27FC236}">
+                <a16:creationId xmlns:a16="http://schemas.microsoft.com/office/drawing/2014/main" id="{D96DDF25-738B-4FF8-90D0-2DA169743149}"/>
+              </a:ext>
+            </a:extLst>
+          </p:cNvPr>
+          <p:cNvSpPr/>
+          <p:nvPr/>
+        </p:nvSpPr>
+        <p:spPr>
+          <a:xfrm>
+            <a:off x="7395934" y="3738064"/>
+            <a:ext cx="2558890" cy="1418253"/>
+          </a:xfrm>
+          <a:prstGeom prst="roundRect">
+            <a:avLst/>
+          </a:prstGeom>
+          <a:solidFill>
+            <a:schemeClr val="accent6">
+              <a:lumMod val="75000"/>
+            </a:schemeClr>
+          </a:solidFill>
+          <a:ln>
+            <a:solidFill>
+              <a:schemeClr val="tx1"/>
+            </a:solidFill>
+          </a:ln>
+        </p:spPr>
+        <p:style>
+          <a:lnRef idx="2">
+            <a:schemeClr val="accent1">
+              <a:shade val="50000"/>
+            </a:schemeClr>
+          </a:lnRef>
+          <a:fillRef idx="1">
+            <a:schemeClr val="accent1"/>
+          </a:fillRef>
+          <a:effectRef idx="0">
+            <a:schemeClr val="accent1"/>
+          </a:effectRef>
+          <a:fontRef idx="minor">
+            <a:schemeClr val="lt1"/>
+          </a:fontRef>
+        </p:style>
+        <p:txBody>
+          <a:bodyPr rtlCol="0" anchor="ctr"/>
+          <a:lstStyle/>
+          <a:p>
+            <a:pPr algn="ctr"/>
+            <a:r>
+              <a:rPr kumimoji="1" lang="en-US" altLang="ja-JP" sz="3200" b="1" dirty="0">
+                <a:solidFill>
+                  <a:schemeClr val="bg1"/>
+                </a:solidFill>
+              </a:rPr>
+              <a:t>result.txt</a:t>
+            </a:r>
+            <a:endParaRPr kumimoji="1" lang="ja-JP" altLang="en-US" sz="3200" b="1" dirty="0">
+              <a:solidFill>
+                <a:schemeClr val="bg1"/>
+              </a:solidFill>
+            </a:endParaRPr>
+          </a:p>
+        </p:txBody>
+      </p:sp>
+      <p:sp>
+        <p:nvSpPr>
+          <p:cNvPr id="14" name="四角形: 角を丸くする 13">
+            <a:extLst>
+              <a:ext uri="{FF2B5EF4-FFF2-40B4-BE49-F238E27FC236}">
+                <a16:creationId xmlns:a16="http://schemas.microsoft.com/office/drawing/2014/main" id="{517550B4-CEAD-462C-8C83-2ED456DF9F6C}"/>
+              </a:ext>
+            </a:extLst>
+          </p:cNvPr>
+          <p:cNvSpPr/>
+          <p:nvPr/>
+        </p:nvSpPr>
+        <p:spPr>
+          <a:xfrm>
+            <a:off x="7156553" y="2798542"/>
+            <a:ext cx="3037652" cy="705394"/>
+          </a:xfrm>
+          <a:prstGeom prst="roundRect">
+            <a:avLst/>
+          </a:prstGeom>
+          <a:solidFill>
+            <a:schemeClr val="bg1"/>
+          </a:solidFill>
+          <a:ln>
+            <a:solidFill>
+              <a:schemeClr val="tx1"/>
+            </a:solidFill>
+          </a:ln>
+        </p:spPr>
+        <p:style>
+          <a:lnRef idx="2">
+            <a:schemeClr val="accent1">
+              <a:shade val="50000"/>
+            </a:schemeClr>
+          </a:lnRef>
+          <a:fillRef idx="1">
+            <a:schemeClr val="accent1"/>
+          </a:fillRef>
+          <a:effectRef idx="0">
+            <a:schemeClr val="accent1"/>
+          </a:effectRef>
+          <a:fontRef idx="minor">
+            <a:schemeClr val="lt1"/>
+          </a:fontRef>
+        </p:style>
+        <p:txBody>
+          <a:bodyPr rtlCol="0" anchor="ctr"/>
+          <a:lstStyle/>
+          <a:p>
+            <a:pPr algn="ctr"/>
+            <a:r>
+              <a:rPr lang="ja-JP" altLang="en-US" sz="2400" b="1" dirty="0">
+                <a:solidFill>
+                  <a:schemeClr val="accent6">
+                    <a:lumMod val="75000"/>
+                  </a:schemeClr>
+                </a:solidFill>
+              </a:rPr>
+              <a:t>ファイルに書き込み</a:t>
+            </a:r>
+            <a:endParaRPr kumimoji="1" lang="ja-JP" altLang="en-US" sz="2400" b="1" dirty="0">
+              <a:solidFill>
+                <a:schemeClr val="accent6">
+                  <a:lumMod val="75000"/>
+                </a:schemeClr>
+              </a:solidFill>
+            </a:endParaRPr>
+          </a:p>
+        </p:txBody>
+      </p:sp>
+      <p:sp>
+        <p:nvSpPr>
+          <p:cNvPr id="3" name="正方形/長方形 2">
+            <a:extLst>
+              <a:ext uri="{FF2B5EF4-FFF2-40B4-BE49-F238E27FC236}">
+                <a16:creationId xmlns:a16="http://schemas.microsoft.com/office/drawing/2014/main" id="{FAB16456-F7D9-4DF3-A957-9BD94DE863CE}"/>
+              </a:ext>
+            </a:extLst>
+          </p:cNvPr>
+          <p:cNvSpPr/>
+          <p:nvPr/>
+        </p:nvSpPr>
+        <p:spPr>
+          <a:xfrm>
+            <a:off x="742046" y="1603539"/>
+            <a:ext cx="9212778" cy="584775"/>
           </a:xfrm>
           <a:prstGeom prst="rect">
             <a:avLst/>
@@ -17080,38 +18221,35 @@
               </a:buClr>
             </a:pPr>
             <a:r>
-              <a:rPr lang="en-US" altLang="ja-JP" sz="2800" dirty="0"/>
+              <a:rPr lang="en-US" altLang="ja-JP" sz="3200" dirty="0"/>
               <a:t>【</a:t>
             </a:r>
             <a:r>
               <a:rPr lang="ja-JP" altLang="en-US" sz="2800" b="1" dirty="0"/>
-              <a:t>解決策</a:t>
-            </a:r>
-            <a:r>
-              <a:rPr lang="en-US" altLang="ja-JP" sz="2800" dirty="0"/>
+              <a:t>問題点</a:t>
+            </a:r>
+            <a:r>
+              <a:rPr lang="en-US" altLang="ja-JP" sz="3200" dirty="0"/>
               <a:t>】</a:t>
             </a:r>
             <a:r>
-              <a:rPr lang="ja-JP" altLang="en-US" sz="2800" dirty="0"/>
-              <a:t>起動時に実行して、個別に保存</a:t>
-            </a:r>
-            <a:endParaRPr lang="en-US" altLang="ja-JP" sz="2800" dirty="0"/>
+              <a:rPr lang="ja-JP" altLang="en-US" sz="3200" b="1" dirty="0"/>
+              <a:t>長文のスクレイピングは時間がかかる</a:t>
+            </a:r>
+            <a:endParaRPr lang="en-US" altLang="ja-JP" sz="3200" b="1" dirty="0"/>
           </a:p>
         </p:txBody>
       </p:sp>
     </p:spTree>
     <p:extLst>
       <p:ext uri="{BB962C8B-B14F-4D97-AF65-F5344CB8AC3E}">
-        <p14:creationId xmlns:p14="http://schemas.microsoft.com/office/powerpoint/2010/main" val="3085573195"/>
+        <p14:creationId xmlns:p14="http://schemas.microsoft.com/office/powerpoint/2010/main" val="75600543"/>
       </p:ext>
     </p:extLst>
   </p:cSld>
   <p:clrMapOvr>
     <a:masterClrMapping/>
   </p:clrMapOvr>
-  <p:transition spd="med">
-    <p:fade/>
-  </p:transition>
 </p:sld>
 </file>
 
@@ -17134,10 +18272,660 @@
       </p:grpSpPr>
       <p:sp>
         <p:nvSpPr>
-          <p:cNvPr id="2" name="タイトル 1">
-            <a:extLst>
-              <a:ext uri="{FF2B5EF4-FFF2-40B4-BE49-F238E27FC236}">
-                <a16:creationId xmlns:a16="http://schemas.microsoft.com/office/drawing/2014/main" id="{B2AA96D7-B43E-4159-9E9B-4F9D413CAAC3}"/>
+          <p:cNvPr id="7" name="正方形/長方形 6">
+            <a:extLst>
+              <a:ext uri="{FF2B5EF4-FFF2-40B4-BE49-F238E27FC236}">
+                <a16:creationId xmlns:a16="http://schemas.microsoft.com/office/drawing/2014/main" id="{862A2D94-AAD8-4EAC-B86B-F0BA5C60401A}"/>
+              </a:ext>
+            </a:extLst>
+          </p:cNvPr>
+          <p:cNvSpPr/>
+          <p:nvPr/>
+        </p:nvSpPr>
+        <p:spPr>
+          <a:xfrm>
+            <a:off x="9508067" y="0"/>
+            <a:ext cx="2683933" cy="1593908"/>
+          </a:xfrm>
+          <a:prstGeom prst="rect">
+            <a:avLst/>
+          </a:prstGeom>
+          <a:solidFill>
+            <a:schemeClr val="accent6">
+              <a:lumMod val="60000"/>
+              <a:lumOff val="40000"/>
+            </a:schemeClr>
+          </a:solidFill>
+        </p:spPr>
+        <p:style>
+          <a:lnRef idx="2">
+            <a:schemeClr val="accent1">
+              <a:shade val="50000"/>
+            </a:schemeClr>
+          </a:lnRef>
+          <a:fillRef idx="1">
+            <a:schemeClr val="accent1"/>
+          </a:fillRef>
+          <a:effectRef idx="0">
+            <a:schemeClr val="accent1"/>
+          </a:effectRef>
+          <a:fontRef idx="minor">
+            <a:schemeClr val="lt1"/>
+          </a:fontRef>
+        </p:style>
+        <p:txBody>
+          <a:bodyPr rtlCol="0" anchor="ctr"/>
+          <a:lstStyle/>
+          <a:p>
+            <a:pPr algn="ctr"/>
+            <a:endParaRPr kumimoji="1" lang="ja-JP" altLang="en-US"/>
+          </a:p>
+        </p:txBody>
+      </p:sp>
+      <p:sp>
+        <p:nvSpPr>
+          <p:cNvPr id="11" name="四角形: 角を丸くする 10">
+            <a:extLst>
+              <a:ext uri="{FF2B5EF4-FFF2-40B4-BE49-F238E27FC236}">
+                <a16:creationId xmlns:a16="http://schemas.microsoft.com/office/drawing/2014/main" id="{8782B4DF-E484-491E-8838-63B8B7ABDA07}"/>
+              </a:ext>
+            </a:extLst>
+          </p:cNvPr>
+          <p:cNvSpPr/>
+          <p:nvPr/>
+        </p:nvSpPr>
+        <p:spPr>
+          <a:xfrm>
+            <a:off x="2070650" y="2335519"/>
+            <a:ext cx="2329315" cy="673769"/>
+          </a:xfrm>
+          <a:prstGeom prst="roundRect">
+            <a:avLst/>
+          </a:prstGeom>
+          <a:solidFill>
+            <a:schemeClr val="bg1"/>
+          </a:solidFill>
+          <a:ln>
+            <a:solidFill>
+              <a:schemeClr val="tx1"/>
+            </a:solidFill>
+          </a:ln>
+        </p:spPr>
+        <p:style>
+          <a:lnRef idx="2">
+            <a:schemeClr val="accent1">
+              <a:shade val="50000"/>
+            </a:schemeClr>
+          </a:lnRef>
+          <a:fillRef idx="1">
+            <a:schemeClr val="accent1"/>
+          </a:fillRef>
+          <a:effectRef idx="0">
+            <a:schemeClr val="accent1"/>
+          </a:effectRef>
+          <a:fontRef idx="minor">
+            <a:schemeClr val="lt1"/>
+          </a:fontRef>
+        </p:style>
+        <p:txBody>
+          <a:bodyPr rtlCol="0" anchor="ctr"/>
+          <a:lstStyle/>
+          <a:p>
+            <a:pPr algn="ctr"/>
+            <a:r>
+              <a:rPr lang="ja-JP" altLang="en-US" sz="2800" b="1" dirty="0">
+                <a:solidFill>
+                  <a:schemeClr val="accent6">
+                    <a:lumMod val="75000"/>
+                  </a:schemeClr>
+                </a:solidFill>
+              </a:rPr>
+              <a:t>データ取得</a:t>
+            </a:r>
+            <a:endParaRPr kumimoji="1" lang="ja-JP" altLang="en-US" sz="2800" b="1" dirty="0">
+              <a:solidFill>
+                <a:schemeClr val="accent6">
+                  <a:lumMod val="75000"/>
+                </a:schemeClr>
+              </a:solidFill>
+            </a:endParaRPr>
+          </a:p>
+        </p:txBody>
+      </p:sp>
+      <p:sp>
+        <p:nvSpPr>
+          <p:cNvPr id="12" name="矢印: 右 11">
+            <a:extLst>
+              <a:ext uri="{FF2B5EF4-FFF2-40B4-BE49-F238E27FC236}">
+                <a16:creationId xmlns:a16="http://schemas.microsoft.com/office/drawing/2014/main" id="{19E695C6-C9D6-46D2-B2C7-A53F0C267109}"/>
+              </a:ext>
+            </a:extLst>
+          </p:cNvPr>
+          <p:cNvSpPr/>
+          <p:nvPr/>
+        </p:nvSpPr>
+        <p:spPr>
+          <a:xfrm>
+            <a:off x="4876415" y="4932087"/>
+            <a:ext cx="2439168" cy="1035274"/>
+          </a:xfrm>
+          <a:prstGeom prst="rightArrow">
+            <a:avLst/>
+          </a:prstGeom>
+          <a:solidFill>
+            <a:srgbClr val="FF0000"/>
+          </a:solidFill>
+          <a:ln>
+            <a:solidFill>
+              <a:schemeClr val="tx1"/>
+            </a:solidFill>
+          </a:ln>
+        </p:spPr>
+        <p:style>
+          <a:lnRef idx="2">
+            <a:schemeClr val="accent1">
+              <a:shade val="50000"/>
+            </a:schemeClr>
+          </a:lnRef>
+          <a:fillRef idx="1">
+            <a:schemeClr val="accent1"/>
+          </a:fillRef>
+          <a:effectRef idx="0">
+            <a:schemeClr val="accent1"/>
+          </a:effectRef>
+          <a:fontRef idx="minor">
+            <a:schemeClr val="lt1"/>
+          </a:fontRef>
+        </p:style>
+        <p:txBody>
+          <a:bodyPr rtlCol="0" anchor="ctr"/>
+          <a:lstStyle/>
+          <a:p>
+            <a:pPr algn="ctr"/>
+            <a:r>
+              <a:rPr kumimoji="1" lang="ja-JP" altLang="en-US" sz="2800" b="1" dirty="0"/>
+              <a:t>毎回処理</a:t>
+            </a:r>
+          </a:p>
+        </p:txBody>
+      </p:sp>
+      <p:sp>
+        <p:nvSpPr>
+          <p:cNvPr id="13" name="四角形: 角を丸くする 12">
+            <a:extLst>
+              <a:ext uri="{FF2B5EF4-FFF2-40B4-BE49-F238E27FC236}">
+                <a16:creationId xmlns:a16="http://schemas.microsoft.com/office/drawing/2014/main" id="{99B71CA8-890B-4D89-8BEE-FF456E7C6C05}"/>
+              </a:ext>
+            </a:extLst>
+          </p:cNvPr>
+          <p:cNvSpPr/>
+          <p:nvPr/>
+        </p:nvSpPr>
+        <p:spPr>
+          <a:xfrm>
+            <a:off x="7682180" y="5107508"/>
+            <a:ext cx="3141329" cy="673769"/>
+          </a:xfrm>
+          <a:prstGeom prst="roundRect">
+            <a:avLst/>
+          </a:prstGeom>
+          <a:solidFill>
+            <a:schemeClr val="accent6">
+              <a:lumMod val="75000"/>
+            </a:schemeClr>
+          </a:solidFill>
+          <a:ln>
+            <a:solidFill>
+              <a:schemeClr val="tx1"/>
+            </a:solidFill>
+          </a:ln>
+        </p:spPr>
+        <p:style>
+          <a:lnRef idx="2">
+            <a:schemeClr val="accent1">
+              <a:shade val="50000"/>
+            </a:schemeClr>
+          </a:lnRef>
+          <a:fillRef idx="1">
+            <a:schemeClr val="accent1"/>
+          </a:fillRef>
+          <a:effectRef idx="0">
+            <a:schemeClr val="accent1"/>
+          </a:effectRef>
+          <a:fontRef idx="minor">
+            <a:schemeClr val="lt1"/>
+          </a:fontRef>
+        </p:style>
+        <p:txBody>
+          <a:bodyPr rtlCol="0" anchor="ctr"/>
+          <a:lstStyle/>
+          <a:p>
+            <a:r>
+              <a:rPr kumimoji="1" lang="ja-JP" altLang="en-US" sz="3200" b="1" dirty="0">
+                <a:solidFill>
+                  <a:schemeClr val="bg1"/>
+                </a:solidFill>
+              </a:rPr>
+              <a:t>・</a:t>
+            </a:r>
+            <a:r>
+              <a:rPr kumimoji="1" lang="en-US" altLang="ja-JP" sz="3200" b="1" dirty="0">
+                <a:solidFill>
+                  <a:schemeClr val="bg1"/>
+                </a:solidFill>
+              </a:rPr>
+              <a:t>day.txt</a:t>
+            </a:r>
+            <a:endParaRPr kumimoji="1" lang="ja-JP" altLang="en-US" sz="2000" b="1" dirty="0">
+              <a:solidFill>
+                <a:schemeClr val="bg1"/>
+              </a:solidFill>
+            </a:endParaRPr>
+          </a:p>
+        </p:txBody>
+      </p:sp>
+      <p:sp>
+        <p:nvSpPr>
+          <p:cNvPr id="17" name="四角形: 角を丸くする 16">
+            <a:extLst>
+              <a:ext uri="{FF2B5EF4-FFF2-40B4-BE49-F238E27FC236}">
+                <a16:creationId xmlns:a16="http://schemas.microsoft.com/office/drawing/2014/main" id="{85BC110C-5578-4E08-A47E-D92EE0FE25CB}"/>
+              </a:ext>
+            </a:extLst>
+          </p:cNvPr>
+          <p:cNvSpPr/>
+          <p:nvPr/>
+        </p:nvSpPr>
+        <p:spPr>
+          <a:xfrm>
+            <a:off x="2070650" y="3157532"/>
+            <a:ext cx="2439168" cy="1723213"/>
+          </a:xfrm>
+          <a:prstGeom prst="roundRect">
+            <a:avLst/>
+          </a:prstGeom>
+          <a:solidFill>
+            <a:schemeClr val="accent6">
+              <a:lumMod val="75000"/>
+            </a:schemeClr>
+          </a:solidFill>
+          <a:ln>
+            <a:solidFill>
+              <a:schemeClr val="tx1"/>
+            </a:solidFill>
+          </a:ln>
+        </p:spPr>
+        <p:style>
+          <a:lnRef idx="2">
+            <a:schemeClr val="accent1">
+              <a:shade val="50000"/>
+            </a:schemeClr>
+          </a:lnRef>
+          <a:fillRef idx="1">
+            <a:schemeClr val="accent1"/>
+          </a:fillRef>
+          <a:effectRef idx="0">
+            <a:schemeClr val="accent1"/>
+          </a:effectRef>
+          <a:fontRef idx="minor">
+            <a:schemeClr val="lt1"/>
+          </a:fontRef>
+        </p:style>
+        <p:txBody>
+          <a:bodyPr rtlCol="0" anchor="ctr"/>
+          <a:lstStyle/>
+          <a:p>
+            <a:r>
+              <a:rPr lang="ja-JP" altLang="en-US" sz="3200" b="1" dirty="0">
+                <a:solidFill>
+                  <a:schemeClr val="bg1"/>
+                </a:solidFill>
+              </a:rPr>
+              <a:t>・天気予報</a:t>
+            </a:r>
+            <a:endParaRPr lang="en-US" altLang="ja-JP" sz="3200" b="1" dirty="0">
+              <a:solidFill>
+                <a:schemeClr val="bg1"/>
+              </a:solidFill>
+            </a:endParaRPr>
+          </a:p>
+          <a:p>
+            <a:r>
+              <a:rPr lang="ja-JP" altLang="en-US" sz="3200" b="1" dirty="0">
+                <a:solidFill>
+                  <a:schemeClr val="bg1"/>
+                </a:solidFill>
+              </a:rPr>
+              <a:t>・ニュース</a:t>
+            </a:r>
+            <a:endParaRPr lang="en-US" altLang="ja-JP" sz="3200" b="1" dirty="0">
+              <a:solidFill>
+                <a:schemeClr val="bg1"/>
+              </a:solidFill>
+            </a:endParaRPr>
+          </a:p>
+          <a:p>
+            <a:r>
+              <a:rPr lang="ja-JP" altLang="en-US" sz="3200" b="1" dirty="0">
+                <a:solidFill>
+                  <a:schemeClr val="bg1"/>
+                </a:solidFill>
+              </a:rPr>
+              <a:t>・星座占い</a:t>
+            </a:r>
+          </a:p>
+        </p:txBody>
+      </p:sp>
+      <p:sp>
+        <p:nvSpPr>
+          <p:cNvPr id="18" name="四角形: 角を丸くする 17">
+            <a:extLst>
+              <a:ext uri="{FF2B5EF4-FFF2-40B4-BE49-F238E27FC236}">
+                <a16:creationId xmlns:a16="http://schemas.microsoft.com/office/drawing/2014/main" id="{E898D16D-F080-4AB8-99A7-0733F9B3D647}"/>
+              </a:ext>
+            </a:extLst>
+          </p:cNvPr>
+          <p:cNvSpPr/>
+          <p:nvPr/>
+        </p:nvSpPr>
+        <p:spPr>
+          <a:xfrm>
+            <a:off x="2070650" y="5115133"/>
+            <a:ext cx="2439168" cy="673769"/>
+          </a:xfrm>
+          <a:prstGeom prst="roundRect">
+            <a:avLst/>
+          </a:prstGeom>
+          <a:solidFill>
+            <a:schemeClr val="accent6">
+              <a:lumMod val="75000"/>
+            </a:schemeClr>
+          </a:solidFill>
+          <a:ln>
+            <a:solidFill>
+              <a:schemeClr val="tx1"/>
+            </a:solidFill>
+          </a:ln>
+        </p:spPr>
+        <p:style>
+          <a:lnRef idx="2">
+            <a:schemeClr val="accent1">
+              <a:shade val="50000"/>
+            </a:schemeClr>
+          </a:lnRef>
+          <a:fillRef idx="1">
+            <a:schemeClr val="accent1"/>
+          </a:fillRef>
+          <a:effectRef idx="0">
+            <a:schemeClr val="accent1"/>
+          </a:effectRef>
+          <a:fontRef idx="minor">
+            <a:schemeClr val="lt1"/>
+          </a:fontRef>
+        </p:style>
+        <p:txBody>
+          <a:bodyPr rtlCol="0" anchor="ctr"/>
+          <a:lstStyle/>
+          <a:p>
+            <a:r>
+              <a:rPr kumimoji="1" lang="ja-JP" altLang="en-US" sz="3200" b="1" dirty="0">
+                <a:solidFill>
+                  <a:schemeClr val="bg1"/>
+                </a:solidFill>
+              </a:rPr>
+              <a:t>・日時</a:t>
+            </a:r>
+          </a:p>
+        </p:txBody>
+      </p:sp>
+      <p:sp>
+        <p:nvSpPr>
+          <p:cNvPr id="19" name="四角形: 角を丸くする 18">
+            <a:extLst>
+              <a:ext uri="{FF2B5EF4-FFF2-40B4-BE49-F238E27FC236}">
+                <a16:creationId xmlns:a16="http://schemas.microsoft.com/office/drawing/2014/main" id="{0ADD0314-BB39-4926-9476-0961AE100226}"/>
+              </a:ext>
+            </a:extLst>
+          </p:cNvPr>
+          <p:cNvSpPr/>
+          <p:nvPr/>
+        </p:nvSpPr>
+        <p:spPr>
+          <a:xfrm>
+            <a:off x="7682180" y="3157532"/>
+            <a:ext cx="3141329" cy="1583341"/>
+          </a:xfrm>
+          <a:prstGeom prst="roundRect">
+            <a:avLst/>
+          </a:prstGeom>
+          <a:solidFill>
+            <a:schemeClr val="accent6">
+              <a:lumMod val="75000"/>
+            </a:schemeClr>
+          </a:solidFill>
+          <a:ln>
+            <a:solidFill>
+              <a:schemeClr val="tx1"/>
+            </a:solidFill>
+          </a:ln>
+        </p:spPr>
+        <p:style>
+          <a:lnRef idx="2">
+            <a:schemeClr val="accent1">
+              <a:shade val="50000"/>
+            </a:schemeClr>
+          </a:lnRef>
+          <a:fillRef idx="1">
+            <a:schemeClr val="accent1"/>
+          </a:fillRef>
+          <a:effectRef idx="0">
+            <a:schemeClr val="accent1"/>
+          </a:effectRef>
+          <a:fontRef idx="minor">
+            <a:schemeClr val="lt1"/>
+          </a:fontRef>
+        </p:style>
+        <p:txBody>
+          <a:bodyPr rtlCol="0" anchor="ctr"/>
+          <a:lstStyle/>
+          <a:p>
+            <a:r>
+              <a:rPr lang="ja-JP" altLang="en-US" sz="3200" b="1" dirty="0">
+                <a:solidFill>
+                  <a:schemeClr val="bg1"/>
+                </a:solidFill>
+              </a:rPr>
+              <a:t>・</a:t>
+            </a:r>
+            <a:r>
+              <a:rPr lang="en-US" altLang="ja-JP" sz="3200" b="1" dirty="0">
+                <a:solidFill>
+                  <a:schemeClr val="bg1"/>
+                </a:solidFill>
+              </a:rPr>
+              <a:t>weather.txt</a:t>
+            </a:r>
+          </a:p>
+          <a:p>
+            <a:r>
+              <a:rPr lang="ja-JP" altLang="en-US" sz="3200" b="1" dirty="0">
+                <a:solidFill>
+                  <a:schemeClr val="bg1"/>
+                </a:solidFill>
+              </a:rPr>
+              <a:t>・</a:t>
+            </a:r>
+            <a:r>
+              <a:rPr lang="en-US" altLang="ja-JP" sz="3200" b="1" dirty="0">
+                <a:solidFill>
+                  <a:schemeClr val="bg1"/>
+                </a:solidFill>
+              </a:rPr>
+              <a:t>news.txt</a:t>
+            </a:r>
+          </a:p>
+          <a:p>
+            <a:r>
+              <a:rPr lang="ja-JP" altLang="en-US" sz="3200" b="1" dirty="0">
+                <a:solidFill>
+                  <a:schemeClr val="bg1"/>
+                </a:solidFill>
+              </a:rPr>
+              <a:t>・</a:t>
+            </a:r>
+            <a:r>
+              <a:rPr lang="en-US" altLang="ja-JP" sz="3200" b="1" dirty="0">
+                <a:solidFill>
+                  <a:schemeClr val="bg1"/>
+                </a:solidFill>
+              </a:rPr>
+              <a:t>fortune.txt</a:t>
+            </a:r>
+            <a:endParaRPr lang="ja-JP" altLang="en-US" sz="3200" b="1" dirty="0">
+              <a:solidFill>
+                <a:schemeClr val="bg1"/>
+              </a:solidFill>
+            </a:endParaRPr>
+          </a:p>
+        </p:txBody>
+      </p:sp>
+      <p:sp>
+        <p:nvSpPr>
+          <p:cNvPr id="20" name="矢印: 右 19">
+            <a:extLst>
+              <a:ext uri="{FF2B5EF4-FFF2-40B4-BE49-F238E27FC236}">
+                <a16:creationId xmlns:a16="http://schemas.microsoft.com/office/drawing/2014/main" id="{CC448C61-1681-4C79-94A2-9F1672EB3DF7}"/>
+              </a:ext>
+            </a:extLst>
+          </p:cNvPr>
+          <p:cNvSpPr/>
+          <p:nvPr/>
+        </p:nvSpPr>
+        <p:spPr>
+          <a:xfrm>
+            <a:off x="4876414" y="3335991"/>
+            <a:ext cx="2439169" cy="1412507"/>
+          </a:xfrm>
+          <a:prstGeom prst="rightArrow">
+            <a:avLst/>
+          </a:prstGeom>
+          <a:solidFill>
+            <a:srgbClr val="FF0000"/>
+          </a:solidFill>
+          <a:ln>
+            <a:solidFill>
+              <a:schemeClr val="tx1"/>
+            </a:solidFill>
+          </a:ln>
+        </p:spPr>
+        <p:style>
+          <a:lnRef idx="2">
+            <a:schemeClr val="accent1">
+              <a:shade val="50000"/>
+            </a:schemeClr>
+          </a:lnRef>
+          <a:fillRef idx="1">
+            <a:schemeClr val="accent1"/>
+          </a:fillRef>
+          <a:effectRef idx="0">
+            <a:schemeClr val="accent1"/>
+          </a:effectRef>
+          <a:fontRef idx="minor">
+            <a:schemeClr val="lt1"/>
+          </a:fontRef>
+        </p:style>
+        <p:txBody>
+          <a:bodyPr rtlCol="0" anchor="ctr"/>
+          <a:lstStyle/>
+          <a:p>
+            <a:pPr algn="ctr"/>
+            <a:r>
+              <a:rPr lang="ja-JP" altLang="en-US" sz="2400" b="1" dirty="0"/>
+              <a:t>起動時に</a:t>
+            </a:r>
+            <a:r>
+              <a:rPr kumimoji="1" lang="ja-JP" altLang="en-US" sz="2400" b="1" dirty="0"/>
+              <a:t>処理</a:t>
+            </a:r>
+          </a:p>
+        </p:txBody>
+      </p:sp>
+      <p:sp>
+        <p:nvSpPr>
+          <p:cNvPr id="21" name="四角形: 角を丸くする 20">
+            <a:extLst>
+              <a:ext uri="{FF2B5EF4-FFF2-40B4-BE49-F238E27FC236}">
+                <a16:creationId xmlns:a16="http://schemas.microsoft.com/office/drawing/2014/main" id="{E9E97937-2887-444B-9312-BD208433FBBB}"/>
+              </a:ext>
+            </a:extLst>
+          </p:cNvPr>
+          <p:cNvSpPr/>
+          <p:nvPr/>
+        </p:nvSpPr>
+        <p:spPr>
+          <a:xfrm>
+            <a:off x="7682182" y="2361697"/>
+            <a:ext cx="3141327" cy="673769"/>
+          </a:xfrm>
+          <a:prstGeom prst="roundRect">
+            <a:avLst/>
+          </a:prstGeom>
+          <a:solidFill>
+            <a:schemeClr val="bg1"/>
+          </a:solidFill>
+          <a:ln>
+            <a:solidFill>
+              <a:schemeClr val="tx1"/>
+            </a:solidFill>
+          </a:ln>
+        </p:spPr>
+        <p:style>
+          <a:lnRef idx="2">
+            <a:schemeClr val="accent1">
+              <a:shade val="50000"/>
+            </a:schemeClr>
+          </a:lnRef>
+          <a:fillRef idx="1">
+            <a:schemeClr val="accent1"/>
+          </a:fillRef>
+          <a:effectRef idx="0">
+            <a:schemeClr val="accent1"/>
+          </a:effectRef>
+          <a:fontRef idx="minor">
+            <a:schemeClr val="lt1"/>
+          </a:fontRef>
+        </p:style>
+        <p:txBody>
+          <a:bodyPr rtlCol="0" anchor="ctr"/>
+          <a:lstStyle/>
+          <a:p>
+            <a:pPr algn="ctr"/>
+            <a:r>
+              <a:rPr lang="ja-JP" altLang="en-US" sz="2400" b="1" dirty="0">
+                <a:solidFill>
+                  <a:schemeClr val="accent6">
+                    <a:lumMod val="75000"/>
+                  </a:schemeClr>
+                </a:solidFill>
+              </a:rPr>
+              <a:t>ファイルに書き込み</a:t>
+            </a:r>
+            <a:endParaRPr kumimoji="1" lang="ja-JP" altLang="en-US" sz="2400" b="1" dirty="0">
+              <a:solidFill>
+                <a:schemeClr val="accent6">
+                  <a:lumMod val="75000"/>
+                </a:schemeClr>
+              </a:solidFill>
+            </a:endParaRPr>
+          </a:p>
+        </p:txBody>
+      </p:sp>
+      <p:sp>
+        <p:nvSpPr>
+          <p:cNvPr id="14" name="タイトル 1">
+            <a:extLst>
+              <a:ext uri="{FF2B5EF4-FFF2-40B4-BE49-F238E27FC236}">
+                <a16:creationId xmlns:a16="http://schemas.microsoft.com/office/drawing/2014/main" id="{8CF352F8-A903-47C2-83C2-9710446A09DE}"/>
               </a:ext>
             </a:extLst>
           </p:cNvPr>
@@ -17148,13 +18936,150 @@
             <p:ph type="title"/>
           </p:nvPr>
         </p:nvSpPr>
+        <p:spPr>
+          <a:xfrm>
+            <a:off x="838200" y="365125"/>
+            <a:ext cx="10515600" cy="1325563"/>
+          </a:xfrm>
+        </p:spPr>
+        <p:txBody>
+          <a:bodyPr>
+            <a:normAutofit/>
+          </a:bodyPr>
+          <a:lstStyle/>
+          <a:p>
+            <a:pPr lvl="0"/>
+            <a:r>
+              <a:rPr lang="ja-JP" altLang="en-US" sz="6000" b="1" dirty="0">
+                <a:ln>
+                  <a:solidFill>
+                    <a:sysClr val="windowText" lastClr="000000"/>
+                  </a:solidFill>
+                </a:ln>
+                <a:solidFill>
+                  <a:schemeClr val="accent6">
+                    <a:lumMod val="75000"/>
+                  </a:schemeClr>
+                </a:solidFill>
+                <a:latin typeface="HGP明朝E" panose="02020900000000000000" pitchFamily="18" charset="-128"/>
+                <a:ea typeface="HGP明朝E" panose="02020900000000000000" pitchFamily="18" charset="-128"/>
+              </a:rPr>
+              <a:t>工夫した点・処理の短縮</a:t>
+            </a:r>
+            <a:endParaRPr kumimoji="1" lang="ja-JP" altLang="en-US" sz="6000" b="1" dirty="0"/>
+          </a:p>
+        </p:txBody>
+      </p:sp>
+      <p:sp>
+        <p:nvSpPr>
+          <p:cNvPr id="2" name="正方形/長方形 1">
+            <a:extLst>
+              <a:ext uri="{FF2B5EF4-FFF2-40B4-BE49-F238E27FC236}">
+                <a16:creationId xmlns:a16="http://schemas.microsoft.com/office/drawing/2014/main" id="{05053AC4-1076-4E17-9429-011226C36E60}"/>
+              </a:ext>
+            </a:extLst>
+          </p:cNvPr>
+          <p:cNvSpPr/>
+          <p:nvPr/>
+        </p:nvSpPr>
+        <p:spPr>
+          <a:xfrm>
+            <a:off x="736600" y="1593908"/>
+            <a:ext cx="7007046" cy="523220"/>
+          </a:xfrm>
+          <a:prstGeom prst="rect">
+            <a:avLst/>
+          </a:prstGeom>
+        </p:spPr>
+        <p:txBody>
+          <a:bodyPr wrap="none">
+            <a:spAutoFit/>
+          </a:bodyPr>
+          <a:lstStyle/>
+          <a:p>
+            <a:pPr>
+              <a:buClr>
+                <a:schemeClr val="tx1"/>
+              </a:buClr>
+            </a:pPr>
+            <a:r>
+              <a:rPr lang="en-US" altLang="ja-JP" sz="2800" dirty="0"/>
+              <a:t>【</a:t>
+            </a:r>
+            <a:r>
+              <a:rPr lang="ja-JP" altLang="en-US" sz="2800" b="1" dirty="0"/>
+              <a:t>解決策</a:t>
+            </a:r>
+            <a:r>
+              <a:rPr lang="en-US" altLang="ja-JP" sz="2800" dirty="0"/>
+              <a:t>】</a:t>
+            </a:r>
+            <a:r>
+              <a:rPr lang="ja-JP" altLang="en-US" sz="2800" b="1" dirty="0"/>
+              <a:t>起動時に実行して、個別に保存</a:t>
+            </a:r>
+            <a:endParaRPr lang="en-US" altLang="ja-JP" sz="2800" b="1" dirty="0"/>
+          </a:p>
+        </p:txBody>
+      </p:sp>
+    </p:spTree>
+    <p:extLst>
+      <p:ext uri="{BB962C8B-B14F-4D97-AF65-F5344CB8AC3E}">
+        <p14:creationId xmlns:p14="http://schemas.microsoft.com/office/powerpoint/2010/main" val="3085573195"/>
+      </p:ext>
+    </p:extLst>
+  </p:cSld>
+  <p:clrMapOvr>
+    <a:masterClrMapping/>
+  </p:clrMapOvr>
+  <p:transition spd="med">
+    <p:fade/>
+  </p:transition>
+</p:sld>
+</file>
+
+<file path=ppt/slides/slide23.xml><?xml version="1.0" encoding="utf-8"?>
+<p:sld xmlns:a="http://schemas.openxmlformats.org/drawingml/2006/main" xmlns:r="http://schemas.openxmlformats.org/officeDocument/2006/relationships" xmlns:p="http://schemas.openxmlformats.org/presentationml/2006/main">
+  <p:cSld>
+    <p:spTree>
+      <p:nvGrpSpPr>
+        <p:cNvPr id="1" name=""/>
+        <p:cNvGrpSpPr/>
+        <p:nvPr/>
+      </p:nvGrpSpPr>
+      <p:grpSpPr>
+        <a:xfrm>
+          <a:off x="0" y="0"/>
+          <a:ext cx="0" cy="0"/>
+          <a:chOff x="0" y="0"/>
+          <a:chExt cx="0" cy="0"/>
+        </a:xfrm>
+      </p:grpSpPr>
+      <p:sp>
+        <p:nvSpPr>
+          <p:cNvPr id="2" name="タイトル 1">
+            <a:extLst>
+              <a:ext uri="{FF2B5EF4-FFF2-40B4-BE49-F238E27FC236}">
+                <a16:creationId xmlns:a16="http://schemas.microsoft.com/office/drawing/2014/main" id="{B2AA96D7-B43E-4159-9E9B-4F9D413CAAC3}"/>
+              </a:ext>
+            </a:extLst>
+          </p:cNvPr>
+          <p:cNvSpPr>
+            <a:spLocks noGrp="1"/>
+          </p:cNvSpPr>
+          <p:nvPr>
+            <p:ph type="title"/>
+          </p:nvPr>
+        </p:nvSpPr>
         <p:spPr/>
         <p:txBody>
-          <a:bodyPr/>
-          <a:lstStyle/>
-          <a:p>
-            <a:r>
-              <a:rPr kumimoji="1" lang="en-US" altLang="ja-JP" b="1" dirty="0">
+          <a:bodyPr>
+            <a:normAutofit/>
+          </a:bodyPr>
+          <a:lstStyle/>
+          <a:p>
+            <a:r>
+              <a:rPr kumimoji="1" lang="en-US" altLang="ja-JP" sz="6000" b="1" dirty="0">
                 <a:ln>
                   <a:solidFill>
                     <a:sysClr val="windowText" lastClr="000000"/>
@@ -17170,7 +19095,7 @@
               </a:rPr>
               <a:t>OpenJTalk</a:t>
             </a:r>
-            <a:endParaRPr kumimoji="1" lang="ja-JP" altLang="en-US" b="1" dirty="0">
+            <a:endParaRPr kumimoji="1" lang="ja-JP" altLang="en-US" sz="6000" b="1" dirty="0">
               <a:ln>
                 <a:solidFill>
                   <a:sysClr val="windowText" lastClr="000000"/>
@@ -17452,7 +19377,7 @@
 </p:sld>
 </file>
 
-<file path=ppt/slides/slide23.xml><?xml version="1.0" encoding="utf-8"?>
+<file path=ppt/slides/slide24.xml><?xml version="1.0" encoding="utf-8"?>
 <p:sld xmlns:a="http://schemas.openxmlformats.org/drawingml/2006/main" xmlns:r="http://schemas.openxmlformats.org/officeDocument/2006/relationships" xmlns:p="http://schemas.openxmlformats.org/presentationml/2006/main">
   <p:cSld>
     <p:spTree>
@@ -17817,11 +19742,13 @@
           </a:xfrm>
         </p:spPr>
         <p:txBody>
-          <a:bodyPr/>
-          <a:lstStyle/>
-          <a:p>
-            <a:r>
-              <a:rPr kumimoji="1" lang="en-US" altLang="ja-JP" b="1" dirty="0">
+          <a:bodyPr>
+            <a:normAutofit/>
+          </a:bodyPr>
+          <a:lstStyle/>
+          <a:p>
+            <a:r>
+              <a:rPr kumimoji="1" lang="en-US" altLang="ja-JP" sz="6000" b="1" dirty="0">
                 <a:ln>
                   <a:solidFill>
                     <a:sysClr val="windowText" lastClr="000000"/>
@@ -17837,7 +19764,7 @@
               </a:rPr>
               <a:t>OpenJTalk</a:t>
             </a:r>
-            <a:endParaRPr kumimoji="1" lang="ja-JP" altLang="en-US" b="1" dirty="0">
+            <a:endParaRPr kumimoji="1" lang="ja-JP" altLang="en-US" sz="6000" b="1" dirty="0">
               <a:ln>
                 <a:solidFill>
                   <a:sysClr val="windowText" lastClr="000000"/>
@@ -18043,141 +19970,6 @@
 </p:sld>
 </file>
 
-<file path=ppt/slides/slide24.xml><?xml version="1.0" encoding="utf-8"?>
-<p:sld xmlns:a="http://schemas.openxmlformats.org/drawingml/2006/main" xmlns:r="http://schemas.openxmlformats.org/officeDocument/2006/relationships" xmlns:p="http://schemas.openxmlformats.org/presentationml/2006/main">
-  <p:cSld>
-    <p:spTree>
-      <p:nvGrpSpPr>
-        <p:cNvPr id="1" name=""/>
-        <p:cNvGrpSpPr/>
-        <p:nvPr/>
-      </p:nvGrpSpPr>
-      <p:grpSpPr>
-        <a:xfrm>
-          <a:off x="0" y="0"/>
-          <a:ext cx="0" cy="0"/>
-          <a:chOff x="0" y="0"/>
-          <a:chExt cx="0" cy="0"/>
-        </a:xfrm>
-      </p:grpSpPr>
-      <p:sp>
-        <p:nvSpPr>
-          <p:cNvPr id="2" name="テキスト ボックス 1">
-            <a:extLst>
-              <a:ext uri="{FF2B5EF4-FFF2-40B4-BE49-F238E27FC236}">
-                <a16:creationId xmlns:a16="http://schemas.microsoft.com/office/drawing/2014/main" id="{4FE6CD02-F126-4943-968D-16E2630CA349}"/>
-              </a:ext>
-            </a:extLst>
-          </p:cNvPr>
-          <p:cNvSpPr txBox="1"/>
-          <p:nvPr/>
-        </p:nvSpPr>
-        <p:spPr>
-          <a:xfrm>
-            <a:off x="1003278" y="2767280"/>
-            <a:ext cx="12666845" cy="1569660"/>
-          </a:xfrm>
-          <a:prstGeom prst="rect">
-            <a:avLst/>
-          </a:prstGeom>
-          <a:noFill/>
-        </p:spPr>
-        <p:txBody>
-          <a:bodyPr wrap="square" rtlCol="0">
-            <a:spAutoFit/>
-          </a:bodyPr>
-          <a:lstStyle/>
-          <a:p>
-            <a:r>
-              <a:rPr kumimoji="1" lang="ja-JP" altLang="en-US" sz="9600" b="1" dirty="0">
-                <a:ln>
-                  <a:solidFill>
-                    <a:schemeClr val="tx1"/>
-                  </a:solidFill>
-                </a:ln>
-                <a:solidFill>
-                  <a:schemeClr val="accent6">
-                    <a:lumMod val="50000"/>
-                  </a:schemeClr>
-                </a:solidFill>
-                <a:latin typeface="HGP明朝E" panose="02020900000000000000" pitchFamily="18" charset="-128"/>
-                <a:ea typeface="HGP明朝E" panose="02020900000000000000" pitchFamily="18" charset="-128"/>
-              </a:rPr>
-              <a:t>デモンストレーション</a:t>
-            </a:r>
-            <a:endParaRPr kumimoji="1" lang="ja-JP" altLang="en-US" sz="9600" b="1" dirty="0">
-              <a:solidFill>
-                <a:srgbClr val="FF0066"/>
-              </a:solidFill>
-            </a:endParaRPr>
-          </a:p>
-        </p:txBody>
-      </p:sp>
-      <p:sp>
-        <p:nvSpPr>
-          <p:cNvPr id="4" name="正方形/長方形 3">
-            <a:extLst>
-              <a:ext uri="{FF2B5EF4-FFF2-40B4-BE49-F238E27FC236}">
-                <a16:creationId xmlns:a16="http://schemas.microsoft.com/office/drawing/2014/main" id="{A8D22BB9-479E-46EB-92AC-F73D96D2CB00}"/>
-              </a:ext>
-            </a:extLst>
-          </p:cNvPr>
-          <p:cNvSpPr/>
-          <p:nvPr/>
-        </p:nvSpPr>
-        <p:spPr>
-          <a:xfrm>
-            <a:off x="9508067" y="0"/>
-            <a:ext cx="2683933" cy="1593908"/>
-          </a:xfrm>
-          <a:prstGeom prst="rect">
-            <a:avLst/>
-          </a:prstGeom>
-          <a:solidFill>
-            <a:schemeClr val="accent6">
-              <a:lumMod val="60000"/>
-              <a:lumOff val="40000"/>
-            </a:schemeClr>
-          </a:solidFill>
-        </p:spPr>
-        <p:style>
-          <a:lnRef idx="2">
-            <a:schemeClr val="accent1">
-              <a:shade val="50000"/>
-            </a:schemeClr>
-          </a:lnRef>
-          <a:fillRef idx="1">
-            <a:schemeClr val="accent1"/>
-          </a:fillRef>
-          <a:effectRef idx="0">
-            <a:schemeClr val="accent1"/>
-          </a:effectRef>
-          <a:fontRef idx="minor">
-            <a:schemeClr val="lt1"/>
-          </a:fontRef>
-        </p:style>
-        <p:txBody>
-          <a:bodyPr rtlCol="0" anchor="ctr"/>
-          <a:lstStyle/>
-          <a:p>
-            <a:pPr algn="ctr"/>
-            <a:endParaRPr kumimoji="1" lang="ja-JP" altLang="en-US"/>
-          </a:p>
-        </p:txBody>
-      </p:sp>
-    </p:spTree>
-    <p:extLst>
-      <p:ext uri="{BB962C8B-B14F-4D97-AF65-F5344CB8AC3E}">
-        <p14:creationId xmlns:p14="http://schemas.microsoft.com/office/powerpoint/2010/main" val="683761575"/>
-      </p:ext>
-    </p:extLst>
-  </p:cSld>
-  <p:clrMapOvr>
-    <a:masterClrMapping/>
-  </p:clrMapOvr>
-</p:sld>
-</file>
-
 <file path=ppt/slides/slide25.xml><?xml version="1.0" encoding="utf-8"?>
 <p:sld xmlns:a="http://schemas.openxmlformats.org/drawingml/2006/main" xmlns:r="http://schemas.openxmlformats.org/officeDocument/2006/relationships" xmlns:p="http://schemas.openxmlformats.org/presentationml/2006/main">
   <p:cSld>
@@ -18197,6 +19989,141 @@
       </p:grpSpPr>
       <p:sp>
         <p:nvSpPr>
+          <p:cNvPr id="2" name="テキスト ボックス 1">
+            <a:extLst>
+              <a:ext uri="{FF2B5EF4-FFF2-40B4-BE49-F238E27FC236}">
+                <a16:creationId xmlns:a16="http://schemas.microsoft.com/office/drawing/2014/main" id="{4FE6CD02-F126-4943-968D-16E2630CA349}"/>
+              </a:ext>
+            </a:extLst>
+          </p:cNvPr>
+          <p:cNvSpPr txBox="1"/>
+          <p:nvPr/>
+        </p:nvSpPr>
+        <p:spPr>
+          <a:xfrm>
+            <a:off x="1003278" y="2767280"/>
+            <a:ext cx="12666845" cy="1569660"/>
+          </a:xfrm>
+          <a:prstGeom prst="rect">
+            <a:avLst/>
+          </a:prstGeom>
+          <a:noFill/>
+        </p:spPr>
+        <p:txBody>
+          <a:bodyPr wrap="square" rtlCol="0">
+            <a:spAutoFit/>
+          </a:bodyPr>
+          <a:lstStyle/>
+          <a:p>
+            <a:r>
+              <a:rPr kumimoji="1" lang="ja-JP" altLang="en-US" sz="9600" b="1" dirty="0">
+                <a:ln>
+                  <a:solidFill>
+                    <a:schemeClr val="tx1"/>
+                  </a:solidFill>
+                </a:ln>
+                <a:solidFill>
+                  <a:schemeClr val="accent6">
+                    <a:lumMod val="50000"/>
+                  </a:schemeClr>
+                </a:solidFill>
+                <a:latin typeface="HGP明朝E" panose="02020900000000000000" pitchFamily="18" charset="-128"/>
+                <a:ea typeface="HGP明朝E" panose="02020900000000000000" pitchFamily="18" charset="-128"/>
+              </a:rPr>
+              <a:t>デモンストレーション</a:t>
+            </a:r>
+            <a:endParaRPr kumimoji="1" lang="ja-JP" altLang="en-US" sz="9600" b="1" dirty="0">
+              <a:solidFill>
+                <a:srgbClr val="FF0066"/>
+              </a:solidFill>
+            </a:endParaRPr>
+          </a:p>
+        </p:txBody>
+      </p:sp>
+      <p:sp>
+        <p:nvSpPr>
+          <p:cNvPr id="4" name="正方形/長方形 3">
+            <a:extLst>
+              <a:ext uri="{FF2B5EF4-FFF2-40B4-BE49-F238E27FC236}">
+                <a16:creationId xmlns:a16="http://schemas.microsoft.com/office/drawing/2014/main" id="{A8D22BB9-479E-46EB-92AC-F73D96D2CB00}"/>
+              </a:ext>
+            </a:extLst>
+          </p:cNvPr>
+          <p:cNvSpPr/>
+          <p:nvPr/>
+        </p:nvSpPr>
+        <p:spPr>
+          <a:xfrm>
+            <a:off x="9508067" y="0"/>
+            <a:ext cx="2683933" cy="1593908"/>
+          </a:xfrm>
+          <a:prstGeom prst="rect">
+            <a:avLst/>
+          </a:prstGeom>
+          <a:solidFill>
+            <a:schemeClr val="accent6">
+              <a:lumMod val="60000"/>
+              <a:lumOff val="40000"/>
+            </a:schemeClr>
+          </a:solidFill>
+        </p:spPr>
+        <p:style>
+          <a:lnRef idx="2">
+            <a:schemeClr val="accent1">
+              <a:shade val="50000"/>
+            </a:schemeClr>
+          </a:lnRef>
+          <a:fillRef idx="1">
+            <a:schemeClr val="accent1"/>
+          </a:fillRef>
+          <a:effectRef idx="0">
+            <a:schemeClr val="accent1"/>
+          </a:effectRef>
+          <a:fontRef idx="minor">
+            <a:schemeClr val="lt1"/>
+          </a:fontRef>
+        </p:style>
+        <p:txBody>
+          <a:bodyPr rtlCol="0" anchor="ctr"/>
+          <a:lstStyle/>
+          <a:p>
+            <a:pPr algn="ctr"/>
+            <a:endParaRPr kumimoji="1" lang="ja-JP" altLang="en-US"/>
+          </a:p>
+        </p:txBody>
+      </p:sp>
+    </p:spTree>
+    <p:extLst>
+      <p:ext uri="{BB962C8B-B14F-4D97-AF65-F5344CB8AC3E}">
+        <p14:creationId xmlns:p14="http://schemas.microsoft.com/office/powerpoint/2010/main" val="683761575"/>
+      </p:ext>
+    </p:extLst>
+  </p:cSld>
+  <p:clrMapOvr>
+    <a:masterClrMapping/>
+  </p:clrMapOvr>
+</p:sld>
+</file>
+
+<file path=ppt/slides/slide26.xml><?xml version="1.0" encoding="utf-8"?>
+<p:sld xmlns:a="http://schemas.openxmlformats.org/drawingml/2006/main" xmlns:r="http://schemas.openxmlformats.org/officeDocument/2006/relationships" xmlns:p="http://schemas.openxmlformats.org/presentationml/2006/main">
+  <p:cSld>
+    <p:spTree>
+      <p:nvGrpSpPr>
+        <p:cNvPr id="1" name=""/>
+        <p:cNvGrpSpPr/>
+        <p:nvPr/>
+      </p:nvGrpSpPr>
+      <p:grpSpPr>
+        <a:xfrm>
+          <a:off x="0" y="0"/>
+          <a:ext cx="0" cy="0"/>
+          <a:chOff x="0" y="0"/>
+          <a:chExt cx="0" cy="0"/>
+        </a:xfrm>
+      </p:grpSpPr>
+      <p:sp>
+        <p:nvSpPr>
           <p:cNvPr id="2" name="タイトル 1">
             <a:extLst>
               <a:ext uri="{FF2B5EF4-FFF2-40B4-BE49-F238E27FC236}">
@@ -18213,11 +20140,13 @@
         </p:nvSpPr>
         <p:spPr/>
         <p:txBody>
-          <a:bodyPr/>
-          <a:lstStyle/>
-          <a:p>
-            <a:r>
-              <a:rPr kumimoji="1" lang="ja-JP" altLang="en-US" b="1" dirty="0">
+          <a:bodyPr>
+            <a:normAutofit/>
+          </a:bodyPr>
+          <a:lstStyle/>
+          <a:p>
+            <a:r>
+              <a:rPr kumimoji="1" lang="ja-JP" altLang="en-US" sz="6000" b="1" dirty="0">
                 <a:ln>
                   <a:solidFill>
                     <a:schemeClr val="tx1"/>
@@ -18418,7 +20347,7 @@
 </p:sld>
 </file>
 
-<file path=ppt/slides/slide26.xml><?xml version="1.0" encoding="utf-8"?>
+<file path=ppt/slides/slide27.xml><?xml version="1.0" encoding="utf-8"?>
 <p:sld xmlns:a="http://schemas.openxmlformats.org/drawingml/2006/main" xmlns:r="http://schemas.openxmlformats.org/officeDocument/2006/relationships" xmlns:p="http://schemas.openxmlformats.org/presentationml/2006/main">
   <p:cSld>
     <p:spTree>
@@ -18597,11 +20526,13 @@
         </p:nvSpPr>
         <p:spPr/>
         <p:txBody>
-          <a:bodyPr/>
-          <a:lstStyle/>
-          <a:p>
-            <a:r>
-              <a:rPr kumimoji="1" lang="ja-JP" altLang="en-US" b="1" dirty="0">
+          <a:bodyPr>
+            <a:normAutofit/>
+          </a:bodyPr>
+          <a:lstStyle/>
+          <a:p>
+            <a:r>
+              <a:rPr kumimoji="1" lang="ja-JP" altLang="en-US" sz="6000" b="1" dirty="0">
                 <a:ln>
                   <a:solidFill>
                     <a:schemeClr val="tx1"/>
@@ -19618,11 +21549,13 @@
           </a:xfrm>
         </p:spPr>
         <p:txBody>
-          <a:bodyPr/>
-          <a:lstStyle/>
-          <a:p>
-            <a:r>
-              <a:rPr kumimoji="1" lang="en-US" altLang="ja-JP" b="1" dirty="0">
+          <a:bodyPr>
+            <a:normAutofit/>
+          </a:bodyPr>
+          <a:lstStyle/>
+          <a:p>
+            <a:r>
+              <a:rPr kumimoji="1" lang="en-US" altLang="ja-JP" sz="6000" b="1" dirty="0">
                 <a:ln>
                   <a:solidFill>
                     <a:schemeClr val="tx1"/>
@@ -19638,7 +21571,7 @@
               </a:rPr>
               <a:t>Julius</a:t>
             </a:r>
-            <a:endParaRPr kumimoji="1" lang="ja-JP" altLang="en-US" b="1" dirty="0">
+            <a:endParaRPr kumimoji="1" lang="ja-JP" altLang="en-US" sz="6000" b="1" dirty="0">
               <a:ln>
                 <a:solidFill>
                   <a:schemeClr val="tx1"/>
@@ -20575,11 +22508,13 @@
           </a:xfrm>
         </p:spPr>
         <p:txBody>
-          <a:bodyPr/>
-          <a:lstStyle/>
-          <a:p>
-            <a:r>
-              <a:rPr lang="en-US" altLang="ja-JP" b="1" dirty="0">
+          <a:bodyPr>
+            <a:normAutofit/>
+          </a:bodyPr>
+          <a:lstStyle/>
+          <a:p>
+            <a:r>
+              <a:rPr lang="en-US" altLang="ja-JP" sz="6000" b="1" dirty="0">
                 <a:ln>
                   <a:solidFill>
                     <a:schemeClr val="tx1"/>
@@ -20596,7 +22531,7 @@
               <a:t>Python</a:t>
             </a:r>
             <a:r>
-              <a:rPr lang="ja-JP" altLang="en-US" b="1" dirty="0">
+              <a:rPr lang="ja-JP" altLang="en-US" sz="6000" b="1" dirty="0">
                 <a:ln>
                   <a:solidFill>
                     <a:schemeClr val="tx1"/>
@@ -20839,11 +22774,13 @@
         </p:nvSpPr>
         <p:spPr/>
         <p:txBody>
-          <a:bodyPr/>
-          <a:lstStyle/>
-          <a:p>
-            <a:r>
-              <a:rPr kumimoji="1" lang="ja-JP" altLang="en-US" b="1" dirty="0">
+          <a:bodyPr>
+            <a:normAutofit/>
+          </a:bodyPr>
+          <a:lstStyle/>
+          <a:p>
+            <a:r>
+              <a:rPr kumimoji="1" lang="ja-JP" altLang="en-US" sz="6000" b="1" dirty="0">
                 <a:ln>
                   <a:solidFill>
                     <a:sysClr val="windowText" lastClr="000000"/>
@@ -22146,10 +24083,10 @@
       </p:sp>
       <p:sp>
         <p:nvSpPr>
-          <p:cNvPr id="16" name="タイトル 1">
-            <a:extLst>
-              <a:ext uri="{FF2B5EF4-FFF2-40B4-BE49-F238E27FC236}">
-                <a16:creationId xmlns:a16="http://schemas.microsoft.com/office/drawing/2014/main" id="{1E162877-38C2-48D7-BFDC-8DDC72C24CCE}"/>
+          <p:cNvPr id="17" name="タイトル 1">
+            <a:extLst>
+              <a:ext uri="{FF2B5EF4-FFF2-40B4-BE49-F238E27FC236}">
+                <a16:creationId xmlns:a16="http://schemas.microsoft.com/office/drawing/2014/main" id="{6AAE1B8E-132C-4642-87ED-A8F90E3C9D07}"/>
               </a:ext>
             </a:extLst>
           </p:cNvPr>
@@ -22167,11 +24104,13 @@
           </a:xfrm>
         </p:spPr>
         <p:txBody>
-          <a:bodyPr/>
-          <a:lstStyle/>
-          <a:p>
-            <a:r>
-              <a:rPr kumimoji="1" lang="ja-JP" altLang="en-US" b="1" dirty="0">
+          <a:bodyPr>
+            <a:normAutofit/>
+          </a:bodyPr>
+          <a:lstStyle/>
+          <a:p>
+            <a:r>
+              <a:rPr kumimoji="1" lang="ja-JP" altLang="en-US" sz="6000" b="1" dirty="0">
                 <a:ln>
                   <a:solidFill>
                     <a:sysClr val="windowText" lastClr="000000"/>
@@ -22200,6 +24139,524 @@
   <p:clrMapOvr>
     <a:masterClrMapping/>
   </p:clrMapOvr>
+  <p:timing>
+    <p:tnLst>
+      <p:par>
+        <p:cTn id="1" dur="indefinite" restart="never" nodeType="tmRoot">
+          <p:childTnLst>
+            <p:seq concurrent="1" nextAc="seek">
+              <p:cTn id="2" dur="indefinite" nodeType="mainSeq">
+                <p:childTnLst>
+                  <p:par>
+                    <p:cTn id="3" fill="hold">
+                      <p:stCondLst>
+                        <p:cond delay="indefinite"/>
+                      </p:stCondLst>
+                      <p:childTnLst>
+                        <p:par>
+                          <p:cTn id="4" fill="hold">
+                            <p:stCondLst>
+                              <p:cond delay="0"/>
+                            </p:stCondLst>
+                            <p:childTnLst>
+                              <p:par>
+                                <p:cTn id="5" presetID="10" presetClass="entr" presetSubtype="0" fill="hold" grpId="0" nodeType="clickEffect">
+                                  <p:stCondLst>
+                                    <p:cond delay="0"/>
+                                  </p:stCondLst>
+                                  <p:childTnLst>
+                                    <p:set>
+                                      <p:cBhvr>
+                                        <p:cTn id="6" dur="1" fill="hold">
+                                          <p:stCondLst>
+                                            <p:cond delay="0"/>
+                                          </p:stCondLst>
+                                        </p:cTn>
+                                        <p:tgtEl>
+                                          <p:spTgt spid="4"/>
+                                        </p:tgtEl>
+                                        <p:attrNameLst>
+                                          <p:attrName>style.visibility</p:attrName>
+                                        </p:attrNameLst>
+                                      </p:cBhvr>
+                                      <p:to>
+                                        <p:strVal val="visible"/>
+                                      </p:to>
+                                    </p:set>
+                                    <p:animEffect transition="in" filter="fade">
+                                      <p:cBhvr>
+                                        <p:cTn id="7" dur="250"/>
+                                        <p:tgtEl>
+                                          <p:spTgt spid="4"/>
+                                        </p:tgtEl>
+                                      </p:cBhvr>
+                                    </p:animEffect>
+                                  </p:childTnLst>
+                                </p:cTn>
+                              </p:par>
+                            </p:childTnLst>
+                          </p:cTn>
+                        </p:par>
+                      </p:childTnLst>
+                    </p:cTn>
+                  </p:par>
+                  <p:par>
+                    <p:cTn id="8" fill="hold">
+                      <p:stCondLst>
+                        <p:cond delay="indefinite"/>
+                      </p:stCondLst>
+                      <p:childTnLst>
+                        <p:par>
+                          <p:cTn id="9" fill="hold">
+                            <p:stCondLst>
+                              <p:cond delay="0"/>
+                            </p:stCondLst>
+                            <p:childTnLst>
+                              <p:par>
+                                <p:cTn id="10" presetID="22" presetClass="entr" presetSubtype="8" fill="hold" grpId="0" nodeType="clickEffect">
+                                  <p:stCondLst>
+                                    <p:cond delay="0"/>
+                                  </p:stCondLst>
+                                  <p:childTnLst>
+                                    <p:set>
+                                      <p:cBhvr>
+                                        <p:cTn id="11" dur="1" fill="hold">
+                                          <p:stCondLst>
+                                            <p:cond delay="0"/>
+                                          </p:stCondLst>
+                                        </p:cTn>
+                                        <p:tgtEl>
+                                          <p:spTgt spid="3"/>
+                                        </p:tgtEl>
+                                        <p:attrNameLst>
+                                          <p:attrName>style.visibility</p:attrName>
+                                        </p:attrNameLst>
+                                      </p:cBhvr>
+                                      <p:to>
+                                        <p:strVal val="visible"/>
+                                      </p:to>
+                                    </p:set>
+                                    <p:animEffect transition="in" filter="wipe(left)">
+                                      <p:cBhvr>
+                                        <p:cTn id="12" dur="250"/>
+                                        <p:tgtEl>
+                                          <p:spTgt spid="3"/>
+                                        </p:tgtEl>
+                                      </p:cBhvr>
+                                    </p:animEffect>
+                                  </p:childTnLst>
+                                </p:cTn>
+                              </p:par>
+                            </p:childTnLst>
+                          </p:cTn>
+                        </p:par>
+                        <p:par>
+                          <p:cTn id="13" fill="hold">
+                            <p:stCondLst>
+                              <p:cond delay="250"/>
+                            </p:stCondLst>
+                            <p:childTnLst>
+                              <p:par>
+                                <p:cTn id="14" presetID="10" presetClass="entr" presetSubtype="0" fill="hold" grpId="0" nodeType="afterEffect">
+                                  <p:stCondLst>
+                                    <p:cond delay="0"/>
+                                  </p:stCondLst>
+                                  <p:childTnLst>
+                                    <p:set>
+                                      <p:cBhvr>
+                                        <p:cTn id="15" dur="1" fill="hold">
+                                          <p:stCondLst>
+                                            <p:cond delay="0"/>
+                                          </p:stCondLst>
+                                        </p:cTn>
+                                        <p:tgtEl>
+                                          <p:spTgt spid="5"/>
+                                        </p:tgtEl>
+                                        <p:attrNameLst>
+                                          <p:attrName>style.visibility</p:attrName>
+                                        </p:attrNameLst>
+                                      </p:cBhvr>
+                                      <p:to>
+                                        <p:strVal val="visible"/>
+                                      </p:to>
+                                    </p:set>
+                                    <p:animEffect transition="in" filter="fade">
+                                      <p:cBhvr>
+                                        <p:cTn id="16" dur="250"/>
+                                        <p:tgtEl>
+                                          <p:spTgt spid="5"/>
+                                        </p:tgtEl>
+                                      </p:cBhvr>
+                                    </p:animEffect>
+                                  </p:childTnLst>
+                                </p:cTn>
+                              </p:par>
+                            </p:childTnLst>
+                          </p:cTn>
+                        </p:par>
+                      </p:childTnLst>
+                    </p:cTn>
+                  </p:par>
+                  <p:par>
+                    <p:cTn id="17" fill="hold">
+                      <p:stCondLst>
+                        <p:cond delay="indefinite"/>
+                      </p:stCondLst>
+                      <p:childTnLst>
+                        <p:par>
+                          <p:cTn id="18" fill="hold">
+                            <p:stCondLst>
+                              <p:cond delay="0"/>
+                            </p:stCondLst>
+                            <p:childTnLst>
+                              <p:par>
+                                <p:cTn id="19" presetID="22" presetClass="entr" presetSubtype="8" fill="hold" grpId="0" nodeType="clickEffect">
+                                  <p:stCondLst>
+                                    <p:cond delay="0"/>
+                                  </p:stCondLst>
+                                  <p:childTnLst>
+                                    <p:set>
+                                      <p:cBhvr>
+                                        <p:cTn id="20" dur="1" fill="hold">
+                                          <p:stCondLst>
+                                            <p:cond delay="0"/>
+                                          </p:stCondLst>
+                                        </p:cTn>
+                                        <p:tgtEl>
+                                          <p:spTgt spid="12"/>
+                                        </p:tgtEl>
+                                        <p:attrNameLst>
+                                          <p:attrName>style.visibility</p:attrName>
+                                        </p:attrNameLst>
+                                      </p:cBhvr>
+                                      <p:to>
+                                        <p:strVal val="visible"/>
+                                      </p:to>
+                                    </p:set>
+                                    <p:animEffect transition="in" filter="wipe(left)">
+                                      <p:cBhvr>
+                                        <p:cTn id="21" dur="250"/>
+                                        <p:tgtEl>
+                                          <p:spTgt spid="12"/>
+                                        </p:tgtEl>
+                                      </p:cBhvr>
+                                    </p:animEffect>
+                                  </p:childTnLst>
+                                </p:cTn>
+                              </p:par>
+                            </p:childTnLst>
+                          </p:cTn>
+                        </p:par>
+                        <p:par>
+                          <p:cTn id="22" fill="hold">
+                            <p:stCondLst>
+                              <p:cond delay="250"/>
+                            </p:stCondLst>
+                            <p:childTnLst>
+                              <p:par>
+                                <p:cTn id="23" presetID="10" presetClass="entr" presetSubtype="0" fill="hold" grpId="0" nodeType="afterEffect">
+                                  <p:stCondLst>
+                                    <p:cond delay="0"/>
+                                  </p:stCondLst>
+                                  <p:childTnLst>
+                                    <p:set>
+                                      <p:cBhvr>
+                                        <p:cTn id="24" dur="1" fill="hold">
+                                          <p:stCondLst>
+                                            <p:cond delay="0"/>
+                                          </p:stCondLst>
+                                        </p:cTn>
+                                        <p:tgtEl>
+                                          <p:spTgt spid="6"/>
+                                        </p:tgtEl>
+                                        <p:attrNameLst>
+                                          <p:attrName>style.visibility</p:attrName>
+                                        </p:attrNameLst>
+                                      </p:cBhvr>
+                                      <p:to>
+                                        <p:strVal val="visible"/>
+                                      </p:to>
+                                    </p:set>
+                                    <p:animEffect transition="in" filter="fade">
+                                      <p:cBhvr>
+                                        <p:cTn id="25" dur="250"/>
+                                        <p:tgtEl>
+                                          <p:spTgt spid="6"/>
+                                        </p:tgtEl>
+                                      </p:cBhvr>
+                                    </p:animEffect>
+                                  </p:childTnLst>
+                                </p:cTn>
+                              </p:par>
+                            </p:childTnLst>
+                          </p:cTn>
+                        </p:par>
+                      </p:childTnLst>
+                    </p:cTn>
+                  </p:par>
+                  <p:par>
+                    <p:cTn id="26" fill="hold">
+                      <p:stCondLst>
+                        <p:cond delay="indefinite"/>
+                      </p:stCondLst>
+                      <p:childTnLst>
+                        <p:par>
+                          <p:cTn id="27" fill="hold">
+                            <p:stCondLst>
+                              <p:cond delay="0"/>
+                            </p:stCondLst>
+                            <p:childTnLst>
+                              <p:par>
+                                <p:cTn id="28" presetID="22" presetClass="entr" presetSubtype="8" fill="hold" grpId="0" nodeType="clickEffect">
+                                  <p:stCondLst>
+                                    <p:cond delay="0"/>
+                                  </p:stCondLst>
+                                  <p:childTnLst>
+                                    <p:set>
+                                      <p:cBhvr>
+                                        <p:cTn id="29" dur="1" fill="hold">
+                                          <p:stCondLst>
+                                            <p:cond delay="0"/>
+                                          </p:stCondLst>
+                                        </p:cTn>
+                                        <p:tgtEl>
+                                          <p:spTgt spid="7"/>
+                                        </p:tgtEl>
+                                        <p:attrNameLst>
+                                          <p:attrName>style.visibility</p:attrName>
+                                        </p:attrNameLst>
+                                      </p:cBhvr>
+                                      <p:to>
+                                        <p:strVal val="visible"/>
+                                      </p:to>
+                                    </p:set>
+                                    <p:animEffect transition="in" filter="wipe(left)">
+                                      <p:cBhvr>
+                                        <p:cTn id="30" dur="250"/>
+                                        <p:tgtEl>
+                                          <p:spTgt spid="7"/>
+                                        </p:tgtEl>
+                                      </p:cBhvr>
+                                    </p:animEffect>
+                                  </p:childTnLst>
+                                </p:cTn>
+                              </p:par>
+                            </p:childTnLst>
+                          </p:cTn>
+                        </p:par>
+                        <p:par>
+                          <p:cTn id="31" fill="hold">
+                            <p:stCondLst>
+                              <p:cond delay="250"/>
+                            </p:stCondLst>
+                            <p:childTnLst>
+                              <p:par>
+                                <p:cTn id="32" presetID="22" presetClass="entr" presetSubtype="8" fill="hold" grpId="0" nodeType="afterEffect">
+                                  <p:stCondLst>
+                                    <p:cond delay="0"/>
+                                  </p:stCondLst>
+                                  <p:childTnLst>
+                                    <p:set>
+                                      <p:cBhvr>
+                                        <p:cTn id="33" dur="1" fill="hold">
+                                          <p:stCondLst>
+                                            <p:cond delay="0"/>
+                                          </p:stCondLst>
+                                        </p:cTn>
+                                        <p:tgtEl>
+                                          <p:spTgt spid="11"/>
+                                        </p:tgtEl>
+                                        <p:attrNameLst>
+                                          <p:attrName>style.visibility</p:attrName>
+                                        </p:attrNameLst>
+                                      </p:cBhvr>
+                                      <p:to>
+                                        <p:strVal val="visible"/>
+                                      </p:to>
+                                    </p:set>
+                                    <p:animEffect transition="in" filter="wipe(left)">
+                                      <p:cBhvr>
+                                        <p:cTn id="34" dur="250"/>
+                                        <p:tgtEl>
+                                          <p:spTgt spid="11"/>
+                                        </p:tgtEl>
+                                      </p:cBhvr>
+                                    </p:animEffect>
+                                  </p:childTnLst>
+                                </p:cTn>
+                              </p:par>
+                            </p:childTnLst>
+                          </p:cTn>
+                        </p:par>
+                        <p:par>
+                          <p:cTn id="35" fill="hold">
+                            <p:stCondLst>
+                              <p:cond delay="500"/>
+                            </p:stCondLst>
+                            <p:childTnLst>
+                              <p:par>
+                                <p:cTn id="36" presetID="22" presetClass="entr" presetSubtype="8" fill="hold" grpId="0" nodeType="afterEffect">
+                                  <p:stCondLst>
+                                    <p:cond delay="0"/>
+                                  </p:stCondLst>
+                                  <p:childTnLst>
+                                    <p:set>
+                                      <p:cBhvr>
+                                        <p:cTn id="37" dur="1" fill="hold">
+                                          <p:stCondLst>
+                                            <p:cond delay="0"/>
+                                          </p:stCondLst>
+                                        </p:cTn>
+                                        <p:tgtEl>
+                                          <p:spTgt spid="8"/>
+                                        </p:tgtEl>
+                                        <p:attrNameLst>
+                                          <p:attrName>style.visibility</p:attrName>
+                                        </p:attrNameLst>
+                                      </p:cBhvr>
+                                      <p:to>
+                                        <p:strVal val="visible"/>
+                                      </p:to>
+                                    </p:set>
+                                    <p:animEffect transition="in" filter="wipe(left)">
+                                      <p:cBhvr>
+                                        <p:cTn id="38" dur="250"/>
+                                        <p:tgtEl>
+                                          <p:spTgt spid="8"/>
+                                        </p:tgtEl>
+                                      </p:cBhvr>
+                                    </p:animEffect>
+                                  </p:childTnLst>
+                                </p:cTn>
+                              </p:par>
+                            </p:childTnLst>
+                          </p:cTn>
+                        </p:par>
+                        <p:par>
+                          <p:cTn id="39" fill="hold">
+                            <p:stCondLst>
+                              <p:cond delay="750"/>
+                            </p:stCondLst>
+                            <p:childTnLst>
+                              <p:par>
+                                <p:cTn id="40" presetID="22" presetClass="entr" presetSubtype="8" fill="hold" grpId="0" nodeType="afterEffect">
+                                  <p:stCondLst>
+                                    <p:cond delay="0"/>
+                                  </p:stCondLst>
+                                  <p:childTnLst>
+                                    <p:set>
+                                      <p:cBhvr>
+                                        <p:cTn id="41" dur="1" fill="hold">
+                                          <p:stCondLst>
+                                            <p:cond delay="0"/>
+                                          </p:stCondLst>
+                                        </p:cTn>
+                                        <p:tgtEl>
+                                          <p:spTgt spid="10"/>
+                                        </p:tgtEl>
+                                        <p:attrNameLst>
+                                          <p:attrName>style.visibility</p:attrName>
+                                        </p:attrNameLst>
+                                      </p:cBhvr>
+                                      <p:to>
+                                        <p:strVal val="visible"/>
+                                      </p:to>
+                                    </p:set>
+                                    <p:animEffect transition="in" filter="wipe(left)">
+                                      <p:cBhvr>
+                                        <p:cTn id="42" dur="250"/>
+                                        <p:tgtEl>
+                                          <p:spTgt spid="10"/>
+                                        </p:tgtEl>
+                                      </p:cBhvr>
+                                    </p:animEffect>
+                                  </p:childTnLst>
+                                </p:cTn>
+                              </p:par>
+                            </p:childTnLst>
+                          </p:cTn>
+                        </p:par>
+                        <p:par>
+                          <p:cTn id="43" fill="hold">
+                            <p:stCondLst>
+                              <p:cond delay="1000"/>
+                            </p:stCondLst>
+                            <p:childTnLst>
+                              <p:par>
+                                <p:cTn id="44" presetID="22" presetClass="entr" presetSubtype="8" fill="hold" grpId="0" nodeType="afterEffect">
+                                  <p:stCondLst>
+                                    <p:cond delay="0"/>
+                                  </p:stCondLst>
+                                  <p:childTnLst>
+                                    <p:set>
+                                      <p:cBhvr>
+                                        <p:cTn id="45" dur="1" fill="hold">
+                                          <p:stCondLst>
+                                            <p:cond delay="0"/>
+                                          </p:stCondLst>
+                                        </p:cTn>
+                                        <p:tgtEl>
+                                          <p:spTgt spid="9"/>
+                                        </p:tgtEl>
+                                        <p:attrNameLst>
+                                          <p:attrName>style.visibility</p:attrName>
+                                        </p:attrNameLst>
+                                      </p:cBhvr>
+                                      <p:to>
+                                        <p:strVal val="visible"/>
+                                      </p:to>
+                                    </p:set>
+                                    <p:animEffect transition="in" filter="wipe(left)">
+                                      <p:cBhvr>
+                                        <p:cTn id="46" dur="250"/>
+                                        <p:tgtEl>
+                                          <p:spTgt spid="9"/>
+                                        </p:tgtEl>
+                                      </p:cBhvr>
+                                    </p:animEffect>
+                                  </p:childTnLst>
+                                </p:cTn>
+                              </p:par>
+                            </p:childTnLst>
+                          </p:cTn>
+                        </p:par>
+                      </p:childTnLst>
+                    </p:cTn>
+                  </p:par>
+                </p:childTnLst>
+              </p:cTn>
+              <p:prevCondLst>
+                <p:cond evt="onPrev" delay="0">
+                  <p:tgtEl>
+                    <p:sldTgt/>
+                  </p:tgtEl>
+                </p:cond>
+              </p:prevCondLst>
+              <p:nextCondLst>
+                <p:cond evt="onNext" delay="0">
+                  <p:tgtEl>
+                    <p:sldTgt/>
+                  </p:tgtEl>
+                </p:cond>
+              </p:nextCondLst>
+            </p:seq>
+          </p:childTnLst>
+        </p:cTn>
+      </p:par>
+    </p:tnLst>
+    <p:bldLst>
+      <p:bldP spid="4" grpId="0" animBg="1"/>
+      <p:bldP spid="5" grpId="0" animBg="1"/>
+      <p:bldP spid="6" grpId="0" animBg="1"/>
+      <p:bldP spid="7" grpId="0" animBg="1"/>
+      <p:bldP spid="8" grpId="0" animBg="1"/>
+      <p:bldP spid="9" grpId="0" animBg="1"/>
+      <p:bldP spid="3" grpId="0" animBg="1"/>
+      <p:bldP spid="10" grpId="0" animBg="1"/>
+      <p:bldP spid="11" grpId="0" animBg="1"/>
+      <p:bldP spid="12" grpId="0" animBg="1"/>
+    </p:bldLst>
+  </p:timing>
 </p:sld>
 </file>
 
@@ -22625,10 +25082,10 @@
       </p:sp>
       <p:sp>
         <p:nvSpPr>
-          <p:cNvPr id="11" name="タイトル 1">
-            <a:extLst>
-              <a:ext uri="{FF2B5EF4-FFF2-40B4-BE49-F238E27FC236}">
-                <a16:creationId xmlns:a16="http://schemas.microsoft.com/office/drawing/2014/main" id="{62790C20-A0F1-4A16-A887-2C6C30B8F4A9}"/>
+          <p:cNvPr id="12" name="タイトル 1">
+            <a:extLst>
+              <a:ext uri="{FF2B5EF4-FFF2-40B4-BE49-F238E27FC236}">
+                <a16:creationId xmlns:a16="http://schemas.microsoft.com/office/drawing/2014/main" id="{D5E1418B-2C79-4A3F-8BF7-05C0F8C83115}"/>
               </a:ext>
             </a:extLst>
           </p:cNvPr>
@@ -22646,11 +25103,13 @@
           </a:xfrm>
         </p:spPr>
         <p:txBody>
-          <a:bodyPr/>
-          <a:lstStyle/>
-          <a:p>
-            <a:r>
-              <a:rPr kumimoji="1" lang="ja-JP" altLang="en-US" b="1" dirty="0">
+          <a:bodyPr>
+            <a:normAutofit/>
+          </a:bodyPr>
+          <a:lstStyle/>
+          <a:p>
+            <a:r>
+              <a:rPr kumimoji="1" lang="ja-JP" altLang="en-US" sz="6000" b="1" dirty="0">
                 <a:ln>
                   <a:solidFill>
                     <a:sysClr val="windowText" lastClr="000000"/>
@@ -22721,8 +25180,8 @@
         </p:blipFill>
         <p:spPr>
           <a:xfrm>
-            <a:off x="5079172" y="2013631"/>
-            <a:ext cx="4384869" cy="2830738"/>
+            <a:off x="5100713" y="2035784"/>
+            <a:ext cx="4384869" cy="3235947"/>
           </a:xfrm>
           <a:prstGeom prst="rect">
             <a:avLst/>
@@ -23124,8 +25583,8 @@
         </p:nvSpPr>
         <p:spPr>
           <a:xfrm>
-            <a:off x="5522785" y="4182387"/>
-            <a:ext cx="666751" cy="508000"/>
+            <a:off x="5464609" y="4511291"/>
+            <a:ext cx="678892" cy="508000"/>
           </a:xfrm>
           <a:prstGeom prst="rect">
             <a:avLst/>
@@ -23176,7 +25635,7 @@
         </p:nvSpPr>
         <p:spPr>
           <a:xfrm>
-            <a:off x="7271607" y="4182387"/>
+            <a:off x="7194408" y="4532776"/>
             <a:ext cx="1282700" cy="508000"/>
           </a:xfrm>
           <a:prstGeom prst="rect">
@@ -23228,8 +25687,8 @@
         </p:nvSpPr>
         <p:spPr>
           <a:xfrm>
-            <a:off x="6292850" y="4279569"/>
-            <a:ext cx="774700" cy="342900"/>
+            <a:off x="6311291" y="4482407"/>
+            <a:ext cx="774700" cy="507999"/>
           </a:xfrm>
           <a:prstGeom prst="leftArrow">
             <a:avLst/>
@@ -23270,10 +25729,10 @@
       </p:sp>
       <p:sp>
         <p:nvSpPr>
-          <p:cNvPr id="21" name="矢印: 右 20">
-            <a:extLst>
-              <a:ext uri="{FF2B5EF4-FFF2-40B4-BE49-F238E27FC236}">
-                <a16:creationId xmlns:a16="http://schemas.microsoft.com/office/drawing/2014/main" id="{C3B27A8C-A34A-4A94-9B87-9F64B2091A57}"/>
+          <p:cNvPr id="23" name="矢印: 右 22">
+            <a:extLst>
+              <a:ext uri="{FF2B5EF4-FFF2-40B4-BE49-F238E27FC236}">
+                <a16:creationId xmlns:a16="http://schemas.microsoft.com/office/drawing/2014/main" id="{65D7147F-0E8E-4D60-9126-5958EB05768F}"/>
               </a:ext>
             </a:extLst>
           </p:cNvPr>
@@ -23282,8 +25741,8 @@
         </p:nvSpPr>
         <p:spPr>
           <a:xfrm>
-            <a:off x="1984789" y="3299737"/>
-            <a:ext cx="1213678" cy="996950"/>
+            <a:off x="2185055" y="2921361"/>
+            <a:ext cx="835233" cy="1784350"/>
           </a:xfrm>
           <a:prstGeom prst="rightArrow">
             <a:avLst/>
@@ -23291,6 +25750,11 @@
           <a:solidFill>
             <a:srgbClr val="FF0000"/>
           </a:solidFill>
+          <a:ln>
+            <a:solidFill>
+              <a:schemeClr val="tx1"/>
+            </a:solidFill>
+          </a:ln>
         </p:spPr>
         <p:style>
           <a:lnRef idx="2">
@@ -23313,114 +25777,11 @@
           <a:lstStyle/>
           <a:p>
             <a:pPr algn="ctr"/>
-            <a:r>
-              <a:rPr kumimoji="1" lang="ja-JP" altLang="en-US" dirty="0"/>
-              <a:t>変換</a:t>
-            </a:r>
-          </a:p>
-        </p:txBody>
-      </p:sp>
-      <p:sp>
-        <p:nvSpPr>
-          <p:cNvPr id="22" name="矢印: 右 21">
-            <a:extLst>
-              <a:ext uri="{FF2B5EF4-FFF2-40B4-BE49-F238E27FC236}">
-                <a16:creationId xmlns:a16="http://schemas.microsoft.com/office/drawing/2014/main" id="{39A7C1A4-BA37-4A71-9BFD-03108EC58666}"/>
-              </a:ext>
-            </a:extLst>
-          </p:cNvPr>
-          <p:cNvSpPr/>
-          <p:nvPr/>
-        </p:nvSpPr>
-        <p:spPr>
-          <a:xfrm>
-            <a:off x="4478475" y="3282619"/>
-            <a:ext cx="1201394" cy="996950"/>
-          </a:xfrm>
-          <a:prstGeom prst="rightArrow">
-            <a:avLst/>
-          </a:prstGeom>
-          <a:solidFill>
-            <a:srgbClr val="FF0000"/>
-          </a:solidFill>
-        </p:spPr>
-        <p:style>
-          <a:lnRef idx="2">
-            <a:schemeClr val="accent1">
-              <a:shade val="50000"/>
-            </a:schemeClr>
-          </a:lnRef>
-          <a:fillRef idx="1">
-            <a:schemeClr val="accent1"/>
-          </a:fillRef>
-          <a:effectRef idx="0">
-            <a:schemeClr val="accent1"/>
-          </a:effectRef>
-          <a:fontRef idx="minor">
-            <a:schemeClr val="lt1"/>
-          </a:fontRef>
-        </p:style>
-        <p:txBody>
-          <a:bodyPr rtlCol="0" anchor="ctr"/>
-          <a:lstStyle/>
-          <a:p>
-            <a:pPr algn="ctr"/>
-            <a:r>
-              <a:rPr kumimoji="1" lang="ja-JP" altLang="en-US" dirty="0"/>
-              <a:t>検索</a:t>
-            </a:r>
-          </a:p>
-        </p:txBody>
-      </p:sp>
-      <p:sp>
-        <p:nvSpPr>
-          <p:cNvPr id="23" name="矢印: 右 22">
-            <a:extLst>
-              <a:ext uri="{FF2B5EF4-FFF2-40B4-BE49-F238E27FC236}">
-                <a16:creationId xmlns:a16="http://schemas.microsoft.com/office/drawing/2014/main" id="{65D7147F-0E8E-4D60-9126-5958EB05768F}"/>
-              </a:ext>
-            </a:extLst>
-          </p:cNvPr>
-          <p:cNvSpPr/>
-          <p:nvPr/>
-        </p:nvSpPr>
-        <p:spPr>
-          <a:xfrm>
-            <a:off x="9101671" y="2967966"/>
-            <a:ext cx="1132853" cy="1468421"/>
-          </a:xfrm>
-          <a:prstGeom prst="rightArrow">
-            <a:avLst/>
-          </a:prstGeom>
-          <a:solidFill>
-            <a:srgbClr val="FF0000"/>
-          </a:solidFill>
-        </p:spPr>
-        <p:style>
-          <a:lnRef idx="2">
-            <a:schemeClr val="accent1">
-              <a:shade val="50000"/>
-            </a:schemeClr>
-          </a:lnRef>
-          <a:fillRef idx="1">
-            <a:schemeClr val="accent1"/>
-          </a:fillRef>
-          <a:effectRef idx="0">
-            <a:schemeClr val="accent1"/>
-          </a:effectRef>
-          <a:fontRef idx="minor">
-            <a:schemeClr val="lt1"/>
-          </a:fontRef>
-        </p:style>
-        <p:txBody>
-          <a:bodyPr rtlCol="0" anchor="ctr"/>
-          <a:lstStyle/>
-          <a:p>
-            <a:pPr algn="ctr"/>
-            <a:r>
-              <a:rPr kumimoji="1" lang="ja-JP" altLang="en-US" sz="2400" b="1" dirty="0"/>
-              <a:t>出力</a:t>
-            </a:r>
+            <a:endParaRPr kumimoji="1" lang="ja-JP" altLang="en-US" sz="3200" b="1" dirty="0">
+              <a:solidFill>
+                <a:schemeClr val="bg1"/>
+              </a:solidFill>
+            </a:endParaRPr>
           </a:p>
         </p:txBody>
       </p:sp>
@@ -23478,10 +25839,243 @@
       </p:sp>
       <p:sp>
         <p:nvSpPr>
-          <p:cNvPr id="19" name="タイトル 1">
-            <a:extLst>
-              <a:ext uri="{FF2B5EF4-FFF2-40B4-BE49-F238E27FC236}">
-                <a16:creationId xmlns:a16="http://schemas.microsoft.com/office/drawing/2014/main" id="{C4E99BE8-EB7D-49F9-9210-CFB3970320DE}"/>
+          <p:cNvPr id="20" name="矢印: 右 19">
+            <a:extLst>
+              <a:ext uri="{FF2B5EF4-FFF2-40B4-BE49-F238E27FC236}">
+                <a16:creationId xmlns:a16="http://schemas.microsoft.com/office/drawing/2014/main" id="{9E678FBB-30A0-4843-B28F-7FF693C426AD}"/>
+              </a:ext>
+            </a:extLst>
+          </p:cNvPr>
+          <p:cNvSpPr/>
+          <p:nvPr/>
+        </p:nvSpPr>
+        <p:spPr>
+          <a:xfrm>
+            <a:off x="9149481" y="2838119"/>
+            <a:ext cx="881386" cy="1784350"/>
+          </a:xfrm>
+          <a:prstGeom prst="rightArrow">
+            <a:avLst/>
+          </a:prstGeom>
+          <a:solidFill>
+            <a:srgbClr val="FF0000"/>
+          </a:solidFill>
+          <a:ln>
+            <a:solidFill>
+              <a:schemeClr val="tx1"/>
+            </a:solidFill>
+          </a:ln>
+        </p:spPr>
+        <p:style>
+          <a:lnRef idx="2">
+            <a:schemeClr val="accent1">
+              <a:shade val="50000"/>
+            </a:schemeClr>
+          </a:lnRef>
+          <a:fillRef idx="1">
+            <a:schemeClr val="accent1"/>
+          </a:fillRef>
+          <a:effectRef idx="0">
+            <a:schemeClr val="accent1"/>
+          </a:effectRef>
+          <a:fontRef idx="minor">
+            <a:schemeClr val="lt1"/>
+          </a:fontRef>
+        </p:style>
+        <p:txBody>
+          <a:bodyPr rtlCol="0" anchor="ctr"/>
+          <a:lstStyle/>
+          <a:p>
+            <a:pPr algn="ctr"/>
+            <a:endParaRPr kumimoji="1" lang="ja-JP" altLang="en-US" sz="3200" b="1" dirty="0">
+              <a:solidFill>
+                <a:schemeClr val="bg1"/>
+              </a:solidFill>
+            </a:endParaRPr>
+          </a:p>
+        </p:txBody>
+      </p:sp>
+      <p:sp>
+        <p:nvSpPr>
+          <p:cNvPr id="24" name="矢印: 右 23">
+            <a:extLst>
+              <a:ext uri="{FF2B5EF4-FFF2-40B4-BE49-F238E27FC236}">
+                <a16:creationId xmlns:a16="http://schemas.microsoft.com/office/drawing/2014/main" id="{E5C8FBCE-9BC3-4D64-BBE3-3E9CE9F806B4}"/>
+              </a:ext>
+            </a:extLst>
+          </p:cNvPr>
+          <p:cNvSpPr/>
+          <p:nvPr/>
+        </p:nvSpPr>
+        <p:spPr>
+          <a:xfrm>
+            <a:off x="4578787" y="2906037"/>
+            <a:ext cx="892341" cy="1784350"/>
+          </a:xfrm>
+          <a:prstGeom prst="rightArrow">
+            <a:avLst/>
+          </a:prstGeom>
+          <a:solidFill>
+            <a:srgbClr val="FF0000"/>
+          </a:solidFill>
+          <a:ln>
+            <a:solidFill>
+              <a:schemeClr val="tx1"/>
+            </a:solidFill>
+          </a:ln>
+        </p:spPr>
+        <p:style>
+          <a:lnRef idx="2">
+            <a:schemeClr val="accent1">
+              <a:shade val="50000"/>
+            </a:schemeClr>
+          </a:lnRef>
+          <a:fillRef idx="1">
+            <a:schemeClr val="accent1"/>
+          </a:fillRef>
+          <a:effectRef idx="0">
+            <a:schemeClr val="accent1"/>
+          </a:effectRef>
+          <a:fontRef idx="minor">
+            <a:schemeClr val="lt1"/>
+          </a:fontRef>
+        </p:style>
+        <p:txBody>
+          <a:bodyPr rtlCol="0" anchor="ctr"/>
+          <a:lstStyle/>
+          <a:p>
+            <a:pPr algn="ctr"/>
+            <a:endParaRPr kumimoji="1" lang="ja-JP" altLang="en-US" sz="3200" b="1" dirty="0">
+              <a:solidFill>
+                <a:schemeClr val="bg1"/>
+              </a:solidFill>
+            </a:endParaRPr>
+          </a:p>
+        </p:txBody>
+      </p:sp>
+      <p:sp>
+        <p:nvSpPr>
+          <p:cNvPr id="2" name="テキスト ボックス 1">
+            <a:extLst>
+              <a:ext uri="{FF2B5EF4-FFF2-40B4-BE49-F238E27FC236}">
+                <a16:creationId xmlns:a16="http://schemas.microsoft.com/office/drawing/2014/main" id="{98FCC225-FDF6-4F47-B8D2-83124A81A3A0}"/>
+              </a:ext>
+            </a:extLst>
+          </p:cNvPr>
+          <p:cNvSpPr txBox="1"/>
+          <p:nvPr/>
+        </p:nvSpPr>
+        <p:spPr>
+          <a:xfrm>
+            <a:off x="2060484" y="3536611"/>
+            <a:ext cx="1358253" cy="584775"/>
+          </a:xfrm>
+          <a:prstGeom prst="rect">
+            <a:avLst/>
+          </a:prstGeom>
+          <a:noFill/>
+        </p:spPr>
+        <p:txBody>
+          <a:bodyPr wrap="square" rtlCol="0">
+            <a:spAutoFit/>
+          </a:bodyPr>
+          <a:lstStyle/>
+          <a:p>
+            <a:r>
+              <a:rPr kumimoji="1" lang="ja-JP" altLang="en-US" sz="3200" b="1" dirty="0">
+                <a:solidFill>
+                  <a:schemeClr val="bg1"/>
+                </a:solidFill>
+              </a:rPr>
+              <a:t>変換</a:t>
+            </a:r>
+          </a:p>
+        </p:txBody>
+      </p:sp>
+      <p:sp>
+        <p:nvSpPr>
+          <p:cNvPr id="25" name="テキスト ボックス 24">
+            <a:extLst>
+              <a:ext uri="{FF2B5EF4-FFF2-40B4-BE49-F238E27FC236}">
+                <a16:creationId xmlns:a16="http://schemas.microsoft.com/office/drawing/2014/main" id="{9ECEBA4A-4F8B-402F-89E9-5663AAD7E393}"/>
+              </a:ext>
+            </a:extLst>
+          </p:cNvPr>
+          <p:cNvSpPr txBox="1"/>
+          <p:nvPr/>
+        </p:nvSpPr>
+        <p:spPr>
+          <a:xfrm>
+            <a:off x="4491725" y="3521148"/>
+            <a:ext cx="1358253" cy="584775"/>
+          </a:xfrm>
+          <a:prstGeom prst="rect">
+            <a:avLst/>
+          </a:prstGeom>
+          <a:noFill/>
+        </p:spPr>
+        <p:txBody>
+          <a:bodyPr wrap="square" rtlCol="0">
+            <a:spAutoFit/>
+          </a:bodyPr>
+          <a:lstStyle/>
+          <a:p>
+            <a:r>
+              <a:rPr kumimoji="1" lang="ja-JP" altLang="en-US" sz="3200" b="1" dirty="0">
+                <a:solidFill>
+                  <a:schemeClr val="bg1"/>
+                </a:solidFill>
+              </a:rPr>
+              <a:t>検索</a:t>
+            </a:r>
+          </a:p>
+        </p:txBody>
+      </p:sp>
+      <p:sp>
+        <p:nvSpPr>
+          <p:cNvPr id="26" name="テキスト ボックス 25">
+            <a:extLst>
+              <a:ext uri="{FF2B5EF4-FFF2-40B4-BE49-F238E27FC236}">
+                <a16:creationId xmlns:a16="http://schemas.microsoft.com/office/drawing/2014/main" id="{0C2CEA0C-2809-4C6D-B236-8189D3C8FDCF}"/>
+              </a:ext>
+            </a:extLst>
+          </p:cNvPr>
+          <p:cNvSpPr txBox="1"/>
+          <p:nvPr/>
+        </p:nvSpPr>
+        <p:spPr>
+          <a:xfrm>
+            <a:off x="9068328" y="3446738"/>
+            <a:ext cx="1358253" cy="584775"/>
+          </a:xfrm>
+          <a:prstGeom prst="rect">
+            <a:avLst/>
+          </a:prstGeom>
+          <a:noFill/>
+        </p:spPr>
+        <p:txBody>
+          <a:bodyPr wrap="square" rtlCol="0">
+            <a:spAutoFit/>
+          </a:bodyPr>
+          <a:lstStyle/>
+          <a:p>
+            <a:r>
+              <a:rPr kumimoji="1" lang="ja-JP" altLang="en-US" sz="3200" b="1" dirty="0">
+                <a:solidFill>
+                  <a:schemeClr val="bg1"/>
+                </a:solidFill>
+              </a:rPr>
+              <a:t>出力</a:t>
+            </a:r>
+          </a:p>
+        </p:txBody>
+      </p:sp>
+      <p:sp>
+        <p:nvSpPr>
+          <p:cNvPr id="27" name="タイトル 1">
+            <a:extLst>
+              <a:ext uri="{FF2B5EF4-FFF2-40B4-BE49-F238E27FC236}">
+                <a16:creationId xmlns:a16="http://schemas.microsoft.com/office/drawing/2014/main" id="{2D4A1E61-AB6C-4E7A-8F55-13EF94C62F84}"/>
               </a:ext>
             </a:extLst>
           </p:cNvPr>
@@ -23499,11 +26093,13 @@
           </a:xfrm>
         </p:spPr>
         <p:txBody>
-          <a:bodyPr/>
-          <a:lstStyle/>
-          <a:p>
-            <a:r>
-              <a:rPr kumimoji="1" lang="ja-JP" altLang="en-US" b="1" dirty="0">
+          <a:bodyPr>
+            <a:normAutofit/>
+          </a:bodyPr>
+          <a:lstStyle/>
+          <a:p>
+            <a:r>
+              <a:rPr kumimoji="1" lang="ja-JP" altLang="en-US" sz="6000" b="1" dirty="0">
                 <a:ln>
                   <a:solidFill>
                     <a:sysClr val="windowText" lastClr="000000"/>
@@ -23532,6 +26128,191 @@
   <p:clrMapOvr>
     <a:masterClrMapping/>
   </p:clrMapOvr>
+  <p:timing>
+    <p:tnLst>
+      <p:par>
+        <p:cTn id="1" dur="indefinite" restart="never" nodeType="tmRoot">
+          <p:childTnLst>
+            <p:seq concurrent="1" nextAc="seek">
+              <p:cTn id="2" dur="indefinite" nodeType="mainSeq">
+                <p:childTnLst>
+                  <p:par>
+                    <p:cTn id="3" fill="hold">
+                      <p:stCondLst>
+                        <p:cond delay="indefinite"/>
+                      </p:stCondLst>
+                      <p:childTnLst>
+                        <p:par>
+                          <p:cTn id="4" fill="hold">
+                            <p:stCondLst>
+                              <p:cond delay="0"/>
+                            </p:stCondLst>
+                            <p:childTnLst>
+                              <p:par>
+                                <p:cTn id="5" presetID="21" presetClass="entr" presetSubtype="1" fill="hold" grpId="0" nodeType="clickEffect">
+                                  <p:stCondLst>
+                                    <p:cond delay="0"/>
+                                  </p:stCondLst>
+                                  <p:childTnLst>
+                                    <p:set>
+                                      <p:cBhvr>
+                                        <p:cTn id="6" dur="1" fill="hold">
+                                          <p:stCondLst>
+                                            <p:cond delay="0"/>
+                                          </p:stCondLst>
+                                        </p:cTn>
+                                        <p:tgtEl>
+                                          <p:spTgt spid="15"/>
+                                        </p:tgtEl>
+                                        <p:attrNameLst>
+                                          <p:attrName>style.visibility</p:attrName>
+                                        </p:attrNameLst>
+                                      </p:cBhvr>
+                                      <p:to>
+                                        <p:strVal val="visible"/>
+                                      </p:to>
+                                    </p:set>
+                                    <p:animEffect transition="in" filter="wheel(1)">
+                                      <p:cBhvr>
+                                        <p:cTn id="7" dur="500"/>
+                                        <p:tgtEl>
+                                          <p:spTgt spid="15"/>
+                                        </p:tgtEl>
+                                      </p:cBhvr>
+                                    </p:animEffect>
+                                  </p:childTnLst>
+                                </p:cTn>
+                              </p:par>
+                            </p:childTnLst>
+                          </p:cTn>
+                        </p:par>
+                      </p:childTnLst>
+                    </p:cTn>
+                  </p:par>
+                  <p:par>
+                    <p:cTn id="8" fill="hold">
+                      <p:stCondLst>
+                        <p:cond delay="indefinite"/>
+                      </p:stCondLst>
+                      <p:childTnLst>
+                        <p:par>
+                          <p:cTn id="9" fill="hold">
+                            <p:stCondLst>
+                              <p:cond delay="0"/>
+                            </p:stCondLst>
+                            <p:childTnLst>
+                              <p:par>
+                                <p:cTn id="10" presetID="22" presetClass="entr" presetSubtype="2" fill="hold" grpId="0" nodeType="clickEffect">
+                                  <p:stCondLst>
+                                    <p:cond delay="0"/>
+                                  </p:stCondLst>
+                                  <p:childTnLst>
+                                    <p:set>
+                                      <p:cBhvr>
+                                        <p:cTn id="11" dur="1" fill="hold">
+                                          <p:stCondLst>
+                                            <p:cond delay="0"/>
+                                          </p:stCondLst>
+                                        </p:cTn>
+                                        <p:tgtEl>
+                                          <p:spTgt spid="17"/>
+                                        </p:tgtEl>
+                                        <p:attrNameLst>
+                                          <p:attrName>style.visibility</p:attrName>
+                                        </p:attrNameLst>
+                                      </p:cBhvr>
+                                      <p:to>
+                                        <p:strVal val="visible"/>
+                                      </p:to>
+                                    </p:set>
+                                    <p:animEffect transition="in" filter="wipe(right)">
+                                      <p:cBhvr>
+                                        <p:cTn id="12" dur="250"/>
+                                        <p:tgtEl>
+                                          <p:spTgt spid="17"/>
+                                        </p:tgtEl>
+                                      </p:cBhvr>
+                                    </p:animEffect>
+                                  </p:childTnLst>
+                                </p:cTn>
+                              </p:par>
+                            </p:childTnLst>
+                          </p:cTn>
+                        </p:par>
+                        <p:par>
+                          <p:cTn id="13" fill="hold">
+                            <p:stCondLst>
+                              <p:cond delay="250"/>
+                            </p:stCondLst>
+                            <p:childTnLst>
+                              <p:par>
+                                <p:cTn id="14" presetID="21" presetClass="entr" presetSubtype="1" fill="hold" grpId="0" nodeType="afterEffect">
+                                  <p:stCondLst>
+                                    <p:cond delay="0"/>
+                                  </p:stCondLst>
+                                  <p:childTnLst>
+                                    <p:set>
+                                      <p:cBhvr>
+                                        <p:cTn id="15" dur="1" fill="hold">
+                                          <p:stCondLst>
+                                            <p:cond delay="0"/>
+                                          </p:stCondLst>
+                                        </p:cTn>
+                                        <p:tgtEl>
+                                          <p:spTgt spid="16"/>
+                                        </p:tgtEl>
+                                        <p:attrNameLst>
+                                          <p:attrName>style.visibility</p:attrName>
+                                        </p:attrNameLst>
+                                      </p:cBhvr>
+                                      <p:to>
+                                        <p:strVal val="visible"/>
+                                      </p:to>
+                                    </p:set>
+                                    <p:animEffect transition="in" filter="wheel(1)">
+                                      <p:cBhvr>
+                                        <p:cTn id="16" dur="500"/>
+                                        <p:tgtEl>
+                                          <p:spTgt spid="16"/>
+                                        </p:tgtEl>
+                                      </p:cBhvr>
+                                    </p:animEffect>
+                                  </p:childTnLst>
+                                </p:cTn>
+                              </p:par>
+                            </p:childTnLst>
+                          </p:cTn>
+                        </p:par>
+                      </p:childTnLst>
+                    </p:cTn>
+                  </p:par>
+                </p:childTnLst>
+              </p:cTn>
+              <p:prevCondLst>
+                <p:cond evt="onPrev" delay="0">
+                  <p:tgtEl>
+                    <p:sldTgt/>
+                  </p:tgtEl>
+                </p:cond>
+              </p:prevCondLst>
+              <p:nextCondLst>
+                <p:cond evt="onNext" delay="0">
+                  <p:tgtEl>
+                    <p:sldTgt/>
+                  </p:tgtEl>
+                </p:cond>
+              </p:nextCondLst>
+            </p:seq>
+          </p:childTnLst>
+        </p:cTn>
+      </p:par>
+    </p:tnLst>
+    <p:bldLst>
+      <p:bldP spid="16" grpId="0" animBg="1"/>
+      <p:bldP spid="15" grpId="0" animBg="1"/>
+      <p:bldP spid="17" grpId="0" animBg="1"/>
+    </p:bldLst>
+  </p:timing>
 </p:sld>
 </file>
 
